--- a/Proyecto Final Progra.pptx
+++ b/Proyecto Final Progra.pptx
@@ -5,28 +5,37 @@
     <p:sldMasterId id="2147483662" r:id="rId1"/>
   </p:sldMasterIdLst>
   <p:notesMasterIdLst>
-    <p:notesMasterId r:id="rId3"/>
+    <p:notesMasterId r:id="rId5"/>
   </p:notesMasterIdLst>
   <p:sldIdLst>
-    <p:sldId id="260" r:id="rId2"/>
+    <p:sldId id="256" r:id="rId2"/>
+    <p:sldId id="257" r:id="rId3"/>
+    <p:sldId id="260" r:id="rId4"/>
   </p:sldIdLst>
   <p:sldSz cx="9144000" cy="5143500" type="screen16x9"/>
   <p:notesSz cx="6858000" cy="9144000"/>
   <p:embeddedFontLst>
     <p:embeddedFont>
-      <p:font typeface="Lato Light" panose="020B0604020202020204" charset="0"/>
-      <p:regular r:id="rId4"/>
-      <p:bold r:id="rId5"/>
-      <p:italic r:id="rId6"/>
-      <p:boldItalic r:id="rId7"/>
+      <p:font typeface="Lato" panose="020F0302020204030203" pitchFamily="34" charset="77"/>
+      <p:regular r:id="rId6"/>
+      <p:bold r:id="rId7"/>
+      <p:italic r:id="rId8"/>
+      <p:boldItalic r:id="rId9"/>
     </p:embeddedFont>
     <p:embeddedFont>
-      <p:font typeface="Squada One" panose="020B0604020202020204" charset="0"/>
-      <p:regular r:id="rId8"/>
+      <p:font typeface="Lato Light" panose="020F0502020204030203" pitchFamily="34" charset="77"/>
+      <p:regular r:id="rId10"/>
+      <p:bold r:id="rId11"/>
+      <p:italic r:id="rId12"/>
+      <p:boldItalic r:id="rId13"/>
     </p:embeddedFont>
     <p:embeddedFont>
-      <p:font typeface="Unica One" panose="020B0604020202020204" charset="0"/>
-      <p:regular r:id="rId9"/>
+      <p:font typeface="Squada One" panose="02000000000000000000" pitchFamily="2" charset="0"/>
+      <p:regular r:id="rId14"/>
+    </p:embeddedFont>
+    <p:embeddedFont>
+      <p:font typeface="Unica One" panose="02000506000000020004" pitchFamily="2" charset="77"/>
+      <p:regular r:id="rId15"/>
     </p:embeddedFont>
   </p:embeddedFontLst>
   <p:defaultTextStyle>
@@ -258,6 +267,11 @@
       </a:defRPr>
     </a:lvl9pPr>
   </p:defaultTextStyle>
+  <p:extLst>
+    <p:ext uri="{EFAFB233-063F-42B5-8137-9DF3F51BA10A}">
+      <p15:sldGuideLst xmlns:p15="http://schemas.microsoft.com/office/powerpoint/2012/main"/>
+    </p:ext>
+  </p:extLst>
 </p:presentation>
 </file>
 
@@ -707,6 +721,214 @@
   <p:cSld>
     <p:spTree>
       <p:nvGrpSpPr>
+        <p:cNvPr id="1" name="Shape 75"/>
+        <p:cNvGrpSpPr/>
+        <p:nvPr/>
+      </p:nvGrpSpPr>
+      <p:grpSpPr>
+        <a:xfrm>
+          <a:off x="0" y="0"/>
+          <a:ext cx="0" cy="0"/>
+          <a:chOff x="0" y="0"/>
+          <a:chExt cx="0" cy="0"/>
+        </a:xfrm>
+      </p:grpSpPr>
+      <p:sp>
+        <p:nvSpPr>
+          <p:cNvPr id="76" name="Google Shape;76;g4dfce81f19_0_45:notes"/>
+          <p:cNvSpPr>
+            <a:spLocks noGrp="1" noRot="1" noChangeAspect="1"/>
+          </p:cNvSpPr>
+          <p:nvPr>
+            <p:ph type="sldImg" idx="2"/>
+          </p:nvPr>
+        </p:nvSpPr>
+        <p:spPr>
+          <a:xfrm>
+            <a:off x="381000" y="685800"/>
+            <a:ext cx="6096000" cy="3429000"/>
+          </a:xfrm>
+          <a:custGeom>
+            <a:avLst/>
+            <a:gdLst/>
+            <a:ahLst/>
+            <a:cxnLst/>
+            <a:rect l="l" t="t" r="r" b="b"/>
+            <a:pathLst>
+              <a:path w="120000" h="120000" extrusionOk="0">
+                <a:moveTo>
+                  <a:pt x="0" y="0"/>
+                </a:moveTo>
+                <a:lnTo>
+                  <a:pt x="120000" y="0"/>
+                </a:lnTo>
+                <a:lnTo>
+                  <a:pt x="120000" y="120000"/>
+                </a:lnTo>
+                <a:lnTo>
+                  <a:pt x="0" y="120000"/>
+                </a:lnTo>
+                <a:close/>
+              </a:path>
+            </a:pathLst>
+          </a:custGeom>
+        </p:spPr>
+      </p:sp>
+      <p:sp>
+        <p:nvSpPr>
+          <p:cNvPr id="77" name="Google Shape;77;g4dfce81f19_0_45:notes"/>
+          <p:cNvSpPr txBox="1">
+            <a:spLocks noGrp="1"/>
+          </p:cNvSpPr>
+          <p:nvPr>
+            <p:ph type="body" idx="1"/>
+          </p:nvPr>
+        </p:nvSpPr>
+        <p:spPr>
+          <a:xfrm>
+            <a:off x="685800" y="4343400"/>
+            <a:ext cx="5486400" cy="4114800"/>
+          </a:xfrm>
+          <a:prstGeom prst="rect">
+            <a:avLst/>
+          </a:prstGeom>
+        </p:spPr>
+        <p:txBody>
+          <a:bodyPr spcFirstLastPara="1" wrap="square" lIns="91425" tIns="91425" rIns="91425" bIns="91425" anchor="t" anchorCtr="0">
+            <a:noAutofit/>
+          </a:bodyPr>
+          <a:lstStyle/>
+          <a:p>
+            <a:pPr marL="0" lvl="0" indent="0" algn="l" rtl="0">
+              <a:spcBef>
+                <a:spcPts val="0"/>
+              </a:spcBef>
+              <a:spcAft>
+                <a:spcPts val="0"/>
+              </a:spcAft>
+              <a:buNone/>
+            </a:pPr>
+            <a:endParaRPr/>
+          </a:p>
+        </p:txBody>
+      </p:sp>
+    </p:spTree>
+  </p:cSld>
+  <p:clrMapOvr>
+    <a:masterClrMapping/>
+  </p:clrMapOvr>
+</p:notes>
+</file>
+
+<file path=ppt/notesSlides/notesSlide2.xml><?xml version="1.0" encoding="utf-8"?>
+<p:notes xmlns:a="http://schemas.openxmlformats.org/drawingml/2006/main" xmlns:r="http://schemas.openxmlformats.org/officeDocument/2006/relationships" xmlns:p="http://schemas.openxmlformats.org/presentationml/2006/main" showMasterSp="0" showMasterPhAnim="0">
+  <p:cSld>
+    <p:spTree>
+      <p:nvGrpSpPr>
+        <p:cNvPr id="1" name="Shape 82"/>
+        <p:cNvGrpSpPr/>
+        <p:nvPr/>
+      </p:nvGrpSpPr>
+      <p:grpSpPr>
+        <a:xfrm>
+          <a:off x="0" y="0"/>
+          <a:ext cx="0" cy="0"/>
+          <a:chOff x="0" y="0"/>
+          <a:chExt cx="0" cy="0"/>
+        </a:xfrm>
+      </p:grpSpPr>
+      <p:sp>
+        <p:nvSpPr>
+          <p:cNvPr id="83" name="Google Shape;83;g5522eb7919_1_65:notes"/>
+          <p:cNvSpPr>
+            <a:spLocks noGrp="1" noRot="1" noChangeAspect="1"/>
+          </p:cNvSpPr>
+          <p:nvPr>
+            <p:ph type="sldImg" idx="2"/>
+          </p:nvPr>
+        </p:nvSpPr>
+        <p:spPr>
+          <a:xfrm>
+            <a:off x="381000" y="685800"/>
+            <a:ext cx="6096000" cy="3429000"/>
+          </a:xfrm>
+          <a:custGeom>
+            <a:avLst/>
+            <a:gdLst/>
+            <a:ahLst/>
+            <a:cxnLst/>
+            <a:rect l="l" t="t" r="r" b="b"/>
+            <a:pathLst>
+              <a:path w="120000" h="120000" extrusionOk="0">
+                <a:moveTo>
+                  <a:pt x="0" y="0"/>
+                </a:moveTo>
+                <a:lnTo>
+                  <a:pt x="120000" y="0"/>
+                </a:lnTo>
+                <a:lnTo>
+                  <a:pt x="120000" y="120000"/>
+                </a:lnTo>
+                <a:lnTo>
+                  <a:pt x="0" y="120000"/>
+                </a:lnTo>
+                <a:close/>
+              </a:path>
+            </a:pathLst>
+          </a:custGeom>
+        </p:spPr>
+      </p:sp>
+      <p:sp>
+        <p:nvSpPr>
+          <p:cNvPr id="84" name="Google Shape;84;g5522eb7919_1_65:notes"/>
+          <p:cNvSpPr txBox="1">
+            <a:spLocks noGrp="1"/>
+          </p:cNvSpPr>
+          <p:nvPr>
+            <p:ph type="body" idx="1"/>
+          </p:nvPr>
+        </p:nvSpPr>
+        <p:spPr>
+          <a:xfrm>
+            <a:off x="685800" y="4343400"/>
+            <a:ext cx="5486400" cy="4114800"/>
+          </a:xfrm>
+          <a:prstGeom prst="rect">
+            <a:avLst/>
+          </a:prstGeom>
+        </p:spPr>
+        <p:txBody>
+          <a:bodyPr spcFirstLastPara="1" wrap="square" lIns="91425" tIns="91425" rIns="91425" bIns="91425" anchor="t" anchorCtr="0">
+            <a:noAutofit/>
+          </a:bodyPr>
+          <a:lstStyle/>
+          <a:p>
+            <a:pPr marL="0" lvl="0" indent="0" algn="l" rtl="0">
+              <a:spcBef>
+                <a:spcPts val="0"/>
+              </a:spcBef>
+              <a:spcAft>
+                <a:spcPts val="0"/>
+              </a:spcAft>
+              <a:buNone/>
+            </a:pPr>
+            <a:endParaRPr/>
+          </a:p>
+        </p:txBody>
+      </p:sp>
+    </p:spTree>
+  </p:cSld>
+  <p:clrMapOvr>
+    <a:masterClrMapping/>
+  </p:clrMapOvr>
+</p:notes>
+</file>
+
+<file path=ppt/notesSlides/notesSlide3.xml><?xml version="1.0" encoding="utf-8"?>
+<p:notes xmlns:a="http://schemas.openxmlformats.org/drawingml/2006/main" xmlns:r="http://schemas.openxmlformats.org/officeDocument/2006/relationships" xmlns:p="http://schemas.openxmlformats.org/presentationml/2006/main" showMasterSp="0" showMasterPhAnim="0">
+  <p:cSld>
+    <p:spTree>
+      <p:nvGrpSpPr>
         <p:cNvPr id="1" name="Shape 182"/>
         <p:cNvGrpSpPr/>
         <p:nvPr/>
@@ -3739,6 +3961,1165 @@
 </p:sldLayout>
 </file>
 
+<file path=ppt/slideLayouts/slideLayout8.xml><?xml version="1.0" encoding="utf-8"?>
+<p:sldLayout xmlns:a="http://schemas.openxmlformats.org/drawingml/2006/main" xmlns:r="http://schemas.openxmlformats.org/officeDocument/2006/relationships" xmlns:p="http://schemas.openxmlformats.org/presentationml/2006/main" matchingName="Opening slide">
+  <p:cSld name="Opening slide">
+    <p:spTree>
+      <p:nvGrpSpPr>
+        <p:cNvPr id="1" name="Shape 8"/>
+        <p:cNvGrpSpPr/>
+        <p:nvPr/>
+      </p:nvGrpSpPr>
+      <p:grpSpPr>
+        <a:xfrm>
+          <a:off x="0" y="0"/>
+          <a:ext cx="0" cy="0"/>
+          <a:chOff x="0" y="0"/>
+          <a:chExt cx="0" cy="0"/>
+        </a:xfrm>
+      </p:grpSpPr>
+      <p:sp>
+        <p:nvSpPr>
+          <p:cNvPr id="9" name="Google Shape;9;p2"/>
+          <p:cNvSpPr txBox="1">
+            <a:spLocks noGrp="1"/>
+          </p:cNvSpPr>
+          <p:nvPr>
+            <p:ph type="ctrTitle"/>
+          </p:nvPr>
+        </p:nvSpPr>
+        <p:spPr>
+          <a:xfrm>
+            <a:off x="2763600" y="786825"/>
+            <a:ext cx="3616800" cy="1782300"/>
+          </a:xfrm>
+          <a:prstGeom prst="rect">
+            <a:avLst/>
+          </a:prstGeom>
+        </p:spPr>
+        <p:txBody>
+          <a:bodyPr spcFirstLastPara="1" wrap="square" lIns="91425" tIns="91425" rIns="91425" bIns="91425" anchor="b" anchorCtr="0">
+            <a:noAutofit/>
+          </a:bodyPr>
+          <a:lstStyle>
+            <a:lvl1pPr lvl="0" algn="ctr" rtl="0">
+              <a:lnSpc>
+                <a:spcPct val="100000"/>
+              </a:lnSpc>
+              <a:spcBef>
+                <a:spcPts val="0"/>
+              </a:spcBef>
+              <a:spcAft>
+                <a:spcPts val="0"/>
+              </a:spcAft>
+              <a:buClr>
+                <a:schemeClr val="accent2"/>
+              </a:buClr>
+              <a:buSzPts val="6000"/>
+              <a:buNone/>
+              <a:defRPr sz="6000">
+                <a:solidFill>
+                  <a:schemeClr val="accent2"/>
+                </a:solidFill>
+              </a:defRPr>
+            </a:lvl1pPr>
+            <a:lvl2pPr lvl="1" algn="ctr" rtl="0">
+              <a:spcBef>
+                <a:spcPts val="0"/>
+              </a:spcBef>
+              <a:spcAft>
+                <a:spcPts val="0"/>
+              </a:spcAft>
+              <a:buClr>
+                <a:schemeClr val="accent2"/>
+              </a:buClr>
+              <a:buSzPts val="5200"/>
+              <a:buNone/>
+              <a:defRPr sz="5200">
+                <a:solidFill>
+                  <a:schemeClr val="accent2"/>
+                </a:solidFill>
+              </a:defRPr>
+            </a:lvl2pPr>
+            <a:lvl3pPr lvl="2" algn="ctr" rtl="0">
+              <a:spcBef>
+                <a:spcPts val="0"/>
+              </a:spcBef>
+              <a:spcAft>
+                <a:spcPts val="0"/>
+              </a:spcAft>
+              <a:buClr>
+                <a:schemeClr val="accent2"/>
+              </a:buClr>
+              <a:buSzPts val="5200"/>
+              <a:buNone/>
+              <a:defRPr sz="5200">
+                <a:solidFill>
+                  <a:schemeClr val="accent2"/>
+                </a:solidFill>
+              </a:defRPr>
+            </a:lvl3pPr>
+            <a:lvl4pPr lvl="3" algn="ctr" rtl="0">
+              <a:spcBef>
+                <a:spcPts val="0"/>
+              </a:spcBef>
+              <a:spcAft>
+                <a:spcPts val="0"/>
+              </a:spcAft>
+              <a:buClr>
+                <a:schemeClr val="accent2"/>
+              </a:buClr>
+              <a:buSzPts val="5200"/>
+              <a:buNone/>
+              <a:defRPr sz="5200">
+                <a:solidFill>
+                  <a:schemeClr val="accent2"/>
+                </a:solidFill>
+              </a:defRPr>
+            </a:lvl4pPr>
+            <a:lvl5pPr lvl="4" algn="ctr" rtl="0">
+              <a:spcBef>
+                <a:spcPts val="0"/>
+              </a:spcBef>
+              <a:spcAft>
+                <a:spcPts val="0"/>
+              </a:spcAft>
+              <a:buClr>
+                <a:schemeClr val="accent2"/>
+              </a:buClr>
+              <a:buSzPts val="5200"/>
+              <a:buNone/>
+              <a:defRPr sz="5200">
+                <a:solidFill>
+                  <a:schemeClr val="accent2"/>
+                </a:solidFill>
+              </a:defRPr>
+            </a:lvl5pPr>
+            <a:lvl6pPr lvl="5" algn="ctr" rtl="0">
+              <a:spcBef>
+                <a:spcPts val="0"/>
+              </a:spcBef>
+              <a:spcAft>
+                <a:spcPts val="0"/>
+              </a:spcAft>
+              <a:buClr>
+                <a:schemeClr val="accent2"/>
+              </a:buClr>
+              <a:buSzPts val="5200"/>
+              <a:buNone/>
+              <a:defRPr sz="5200">
+                <a:solidFill>
+                  <a:schemeClr val="accent2"/>
+                </a:solidFill>
+              </a:defRPr>
+            </a:lvl6pPr>
+            <a:lvl7pPr lvl="6" algn="ctr" rtl="0">
+              <a:spcBef>
+                <a:spcPts val="0"/>
+              </a:spcBef>
+              <a:spcAft>
+                <a:spcPts val="0"/>
+              </a:spcAft>
+              <a:buClr>
+                <a:schemeClr val="accent2"/>
+              </a:buClr>
+              <a:buSzPts val="5200"/>
+              <a:buNone/>
+              <a:defRPr sz="5200">
+                <a:solidFill>
+                  <a:schemeClr val="accent2"/>
+                </a:solidFill>
+              </a:defRPr>
+            </a:lvl7pPr>
+            <a:lvl8pPr lvl="7" algn="ctr" rtl="0">
+              <a:spcBef>
+                <a:spcPts val="0"/>
+              </a:spcBef>
+              <a:spcAft>
+                <a:spcPts val="0"/>
+              </a:spcAft>
+              <a:buClr>
+                <a:schemeClr val="accent2"/>
+              </a:buClr>
+              <a:buSzPts val="5200"/>
+              <a:buNone/>
+              <a:defRPr sz="5200">
+                <a:solidFill>
+                  <a:schemeClr val="accent2"/>
+                </a:solidFill>
+              </a:defRPr>
+            </a:lvl8pPr>
+            <a:lvl9pPr lvl="8" algn="ctr" rtl="0">
+              <a:spcBef>
+                <a:spcPts val="0"/>
+              </a:spcBef>
+              <a:spcAft>
+                <a:spcPts val="0"/>
+              </a:spcAft>
+              <a:buClr>
+                <a:schemeClr val="accent2"/>
+              </a:buClr>
+              <a:buSzPts val="5200"/>
+              <a:buNone/>
+              <a:defRPr sz="5200">
+                <a:solidFill>
+                  <a:schemeClr val="accent2"/>
+                </a:solidFill>
+              </a:defRPr>
+            </a:lvl9pPr>
+          </a:lstStyle>
+          <a:p>
+            <a:endParaRPr/>
+          </a:p>
+        </p:txBody>
+      </p:sp>
+      <p:sp>
+        <p:nvSpPr>
+          <p:cNvPr id="10" name="Google Shape;10;p2"/>
+          <p:cNvSpPr txBox="1">
+            <a:spLocks noGrp="1"/>
+          </p:cNvSpPr>
+          <p:nvPr>
+            <p:ph type="subTitle" idx="1"/>
+          </p:nvPr>
+        </p:nvSpPr>
+        <p:spPr>
+          <a:xfrm>
+            <a:off x="3370950" y="2444400"/>
+            <a:ext cx="2402100" cy="717000"/>
+          </a:xfrm>
+          <a:prstGeom prst="rect">
+            <a:avLst/>
+          </a:prstGeom>
+        </p:spPr>
+        <p:txBody>
+          <a:bodyPr spcFirstLastPara="1" wrap="square" lIns="91425" tIns="91425" rIns="91425" bIns="91425" anchor="b" anchorCtr="0">
+            <a:noAutofit/>
+          </a:bodyPr>
+          <a:lstStyle>
+            <a:lvl1pPr lvl="0" algn="ctr" rtl="0">
+              <a:lnSpc>
+                <a:spcPct val="100000"/>
+              </a:lnSpc>
+              <a:spcBef>
+                <a:spcPts val="0"/>
+              </a:spcBef>
+              <a:spcAft>
+                <a:spcPts val="0"/>
+              </a:spcAft>
+              <a:buClr>
+                <a:schemeClr val="accent2"/>
+              </a:buClr>
+              <a:buSzPts val="1200"/>
+              <a:buNone/>
+              <a:defRPr>
+                <a:solidFill>
+                  <a:schemeClr val="accent2"/>
+                </a:solidFill>
+              </a:defRPr>
+            </a:lvl1pPr>
+            <a:lvl2pPr lvl="1" algn="ctr" rtl="0">
+              <a:lnSpc>
+                <a:spcPct val="100000"/>
+              </a:lnSpc>
+              <a:spcBef>
+                <a:spcPts val="0"/>
+              </a:spcBef>
+              <a:spcAft>
+                <a:spcPts val="0"/>
+              </a:spcAft>
+              <a:buClr>
+                <a:schemeClr val="accent2"/>
+              </a:buClr>
+              <a:buSzPts val="2800"/>
+              <a:buNone/>
+              <a:defRPr sz="2800">
+                <a:solidFill>
+                  <a:schemeClr val="accent2"/>
+                </a:solidFill>
+              </a:defRPr>
+            </a:lvl2pPr>
+            <a:lvl3pPr lvl="2" algn="ctr" rtl="0">
+              <a:lnSpc>
+                <a:spcPct val="100000"/>
+              </a:lnSpc>
+              <a:spcBef>
+                <a:spcPts val="0"/>
+              </a:spcBef>
+              <a:spcAft>
+                <a:spcPts val="0"/>
+              </a:spcAft>
+              <a:buClr>
+                <a:schemeClr val="accent2"/>
+              </a:buClr>
+              <a:buSzPts val="2800"/>
+              <a:buNone/>
+              <a:defRPr sz="2800">
+                <a:solidFill>
+                  <a:schemeClr val="accent2"/>
+                </a:solidFill>
+              </a:defRPr>
+            </a:lvl3pPr>
+            <a:lvl4pPr lvl="3" algn="ctr" rtl="0">
+              <a:lnSpc>
+                <a:spcPct val="100000"/>
+              </a:lnSpc>
+              <a:spcBef>
+                <a:spcPts val="0"/>
+              </a:spcBef>
+              <a:spcAft>
+                <a:spcPts val="0"/>
+              </a:spcAft>
+              <a:buClr>
+                <a:schemeClr val="accent2"/>
+              </a:buClr>
+              <a:buSzPts val="2800"/>
+              <a:buNone/>
+              <a:defRPr sz="2800">
+                <a:solidFill>
+                  <a:schemeClr val="accent2"/>
+                </a:solidFill>
+              </a:defRPr>
+            </a:lvl4pPr>
+            <a:lvl5pPr lvl="4" algn="ctr" rtl="0">
+              <a:lnSpc>
+                <a:spcPct val="100000"/>
+              </a:lnSpc>
+              <a:spcBef>
+                <a:spcPts val="0"/>
+              </a:spcBef>
+              <a:spcAft>
+                <a:spcPts val="0"/>
+              </a:spcAft>
+              <a:buClr>
+                <a:schemeClr val="accent2"/>
+              </a:buClr>
+              <a:buSzPts val="2800"/>
+              <a:buNone/>
+              <a:defRPr sz="2800">
+                <a:solidFill>
+                  <a:schemeClr val="accent2"/>
+                </a:solidFill>
+              </a:defRPr>
+            </a:lvl5pPr>
+            <a:lvl6pPr lvl="5" algn="ctr" rtl="0">
+              <a:lnSpc>
+                <a:spcPct val="100000"/>
+              </a:lnSpc>
+              <a:spcBef>
+                <a:spcPts val="0"/>
+              </a:spcBef>
+              <a:spcAft>
+                <a:spcPts val="0"/>
+              </a:spcAft>
+              <a:buClr>
+                <a:schemeClr val="accent2"/>
+              </a:buClr>
+              <a:buSzPts val="2800"/>
+              <a:buNone/>
+              <a:defRPr sz="2800">
+                <a:solidFill>
+                  <a:schemeClr val="accent2"/>
+                </a:solidFill>
+              </a:defRPr>
+            </a:lvl6pPr>
+            <a:lvl7pPr lvl="6" algn="ctr" rtl="0">
+              <a:lnSpc>
+                <a:spcPct val="100000"/>
+              </a:lnSpc>
+              <a:spcBef>
+                <a:spcPts val="0"/>
+              </a:spcBef>
+              <a:spcAft>
+                <a:spcPts val="0"/>
+              </a:spcAft>
+              <a:buClr>
+                <a:schemeClr val="accent2"/>
+              </a:buClr>
+              <a:buSzPts val="2800"/>
+              <a:buNone/>
+              <a:defRPr sz="2800">
+                <a:solidFill>
+                  <a:schemeClr val="accent2"/>
+                </a:solidFill>
+              </a:defRPr>
+            </a:lvl7pPr>
+            <a:lvl8pPr lvl="7" algn="ctr" rtl="0">
+              <a:lnSpc>
+                <a:spcPct val="100000"/>
+              </a:lnSpc>
+              <a:spcBef>
+                <a:spcPts val="0"/>
+              </a:spcBef>
+              <a:spcAft>
+                <a:spcPts val="0"/>
+              </a:spcAft>
+              <a:buClr>
+                <a:schemeClr val="accent2"/>
+              </a:buClr>
+              <a:buSzPts val="2800"/>
+              <a:buNone/>
+              <a:defRPr sz="2800">
+                <a:solidFill>
+                  <a:schemeClr val="accent2"/>
+                </a:solidFill>
+              </a:defRPr>
+            </a:lvl8pPr>
+            <a:lvl9pPr lvl="8" algn="ctr" rtl="0">
+              <a:lnSpc>
+                <a:spcPct val="100000"/>
+              </a:lnSpc>
+              <a:spcBef>
+                <a:spcPts val="0"/>
+              </a:spcBef>
+              <a:spcAft>
+                <a:spcPts val="0"/>
+              </a:spcAft>
+              <a:buClr>
+                <a:schemeClr val="accent2"/>
+              </a:buClr>
+              <a:buSzPts val="2800"/>
+              <a:buNone/>
+              <a:defRPr sz="2800">
+                <a:solidFill>
+                  <a:schemeClr val="accent2"/>
+                </a:solidFill>
+              </a:defRPr>
+            </a:lvl9pPr>
+          </a:lstStyle>
+          <a:p>
+            <a:endParaRPr/>
+          </a:p>
+        </p:txBody>
+      </p:sp>
+    </p:spTree>
+    <p:extLst>
+      <p:ext uri="{BB962C8B-B14F-4D97-AF65-F5344CB8AC3E}">
+        <p14:creationId xmlns:p14="http://schemas.microsoft.com/office/powerpoint/2010/main" val="2709756641"/>
+      </p:ext>
+    </p:extLst>
+  </p:cSld>
+  <p:clrMapOvr>
+    <a:masterClrMapping/>
+  </p:clrMapOvr>
+</p:sldLayout>
+</file>
+
+<file path=ppt/slideLayouts/slideLayout9.xml><?xml version="1.0" encoding="utf-8"?>
+<p:sldLayout xmlns:a="http://schemas.openxmlformats.org/drawingml/2006/main" xmlns:r="http://schemas.openxmlformats.org/officeDocument/2006/relationships" xmlns:p="http://schemas.openxmlformats.org/presentationml/2006/main" matchingName="Three columns 1">
+  <p:cSld name="Three columns 1">
+    <p:spTree>
+      <p:nvGrpSpPr>
+        <p:cNvPr id="1" name="Shape 11"/>
+        <p:cNvGrpSpPr/>
+        <p:nvPr/>
+      </p:nvGrpSpPr>
+      <p:grpSpPr>
+        <a:xfrm>
+          <a:off x="0" y="0"/>
+          <a:ext cx="0" cy="0"/>
+          <a:chOff x="0" y="0"/>
+          <a:chExt cx="0" cy="0"/>
+        </a:xfrm>
+      </p:grpSpPr>
+      <p:sp>
+        <p:nvSpPr>
+          <p:cNvPr id="12" name="Google Shape;12;p3"/>
+          <p:cNvSpPr txBox="1">
+            <a:spLocks noGrp="1"/>
+          </p:cNvSpPr>
+          <p:nvPr>
+            <p:ph type="subTitle" idx="1"/>
+          </p:nvPr>
+        </p:nvSpPr>
+        <p:spPr>
+          <a:xfrm>
+            <a:off x="1316463" y="2737978"/>
+            <a:ext cx="1865400" cy="936300"/>
+          </a:xfrm>
+          <a:prstGeom prst="rect">
+            <a:avLst/>
+          </a:prstGeom>
+        </p:spPr>
+        <p:txBody>
+          <a:bodyPr spcFirstLastPara="1" wrap="square" lIns="91425" tIns="91425" rIns="91425" bIns="91425" anchor="t" anchorCtr="0">
+            <a:noAutofit/>
+          </a:bodyPr>
+          <a:lstStyle>
+            <a:lvl1pPr lvl="0" algn="r" rtl="0">
+              <a:lnSpc>
+                <a:spcPct val="100000"/>
+              </a:lnSpc>
+              <a:spcBef>
+                <a:spcPts val="0"/>
+              </a:spcBef>
+              <a:spcAft>
+                <a:spcPts val="0"/>
+              </a:spcAft>
+              <a:buSzPts val="1000"/>
+              <a:buNone/>
+              <a:defRPr sz="1000"/>
+            </a:lvl1pPr>
+            <a:lvl2pPr lvl="1" algn="r" rtl="0">
+              <a:lnSpc>
+                <a:spcPct val="100000"/>
+              </a:lnSpc>
+              <a:spcBef>
+                <a:spcPts val="0"/>
+              </a:spcBef>
+              <a:spcAft>
+                <a:spcPts val="0"/>
+              </a:spcAft>
+              <a:buSzPts val="1000"/>
+              <a:buNone/>
+              <a:defRPr sz="1000"/>
+            </a:lvl2pPr>
+            <a:lvl3pPr lvl="2" algn="r" rtl="0">
+              <a:lnSpc>
+                <a:spcPct val="100000"/>
+              </a:lnSpc>
+              <a:spcBef>
+                <a:spcPts val="0"/>
+              </a:spcBef>
+              <a:spcAft>
+                <a:spcPts val="0"/>
+              </a:spcAft>
+              <a:buSzPts val="1000"/>
+              <a:buNone/>
+              <a:defRPr sz="1000"/>
+            </a:lvl3pPr>
+            <a:lvl4pPr lvl="3" algn="r" rtl="0">
+              <a:lnSpc>
+                <a:spcPct val="100000"/>
+              </a:lnSpc>
+              <a:spcBef>
+                <a:spcPts val="0"/>
+              </a:spcBef>
+              <a:spcAft>
+                <a:spcPts val="0"/>
+              </a:spcAft>
+              <a:buSzPts val="1000"/>
+              <a:buNone/>
+              <a:defRPr sz="1000"/>
+            </a:lvl4pPr>
+            <a:lvl5pPr lvl="4" algn="r" rtl="0">
+              <a:lnSpc>
+                <a:spcPct val="100000"/>
+              </a:lnSpc>
+              <a:spcBef>
+                <a:spcPts val="0"/>
+              </a:spcBef>
+              <a:spcAft>
+                <a:spcPts val="0"/>
+              </a:spcAft>
+              <a:buSzPts val="1000"/>
+              <a:buNone/>
+              <a:defRPr sz="1000"/>
+            </a:lvl5pPr>
+            <a:lvl6pPr lvl="5" algn="r" rtl="0">
+              <a:lnSpc>
+                <a:spcPct val="100000"/>
+              </a:lnSpc>
+              <a:spcBef>
+                <a:spcPts val="0"/>
+              </a:spcBef>
+              <a:spcAft>
+                <a:spcPts val="0"/>
+              </a:spcAft>
+              <a:buSzPts val="1000"/>
+              <a:buNone/>
+              <a:defRPr sz="1000"/>
+            </a:lvl6pPr>
+            <a:lvl7pPr lvl="6" algn="r" rtl="0">
+              <a:lnSpc>
+                <a:spcPct val="100000"/>
+              </a:lnSpc>
+              <a:spcBef>
+                <a:spcPts val="0"/>
+              </a:spcBef>
+              <a:spcAft>
+                <a:spcPts val="0"/>
+              </a:spcAft>
+              <a:buSzPts val="1000"/>
+              <a:buNone/>
+              <a:defRPr sz="1000"/>
+            </a:lvl7pPr>
+            <a:lvl8pPr lvl="7" algn="r" rtl="0">
+              <a:lnSpc>
+                <a:spcPct val="100000"/>
+              </a:lnSpc>
+              <a:spcBef>
+                <a:spcPts val="0"/>
+              </a:spcBef>
+              <a:spcAft>
+                <a:spcPts val="0"/>
+              </a:spcAft>
+              <a:buSzPts val="1000"/>
+              <a:buNone/>
+              <a:defRPr sz="1000"/>
+            </a:lvl8pPr>
+            <a:lvl9pPr lvl="8" algn="r" rtl="0">
+              <a:lnSpc>
+                <a:spcPct val="100000"/>
+              </a:lnSpc>
+              <a:spcBef>
+                <a:spcPts val="0"/>
+              </a:spcBef>
+              <a:spcAft>
+                <a:spcPts val="0"/>
+              </a:spcAft>
+              <a:buSzPts val="1000"/>
+              <a:buNone/>
+              <a:defRPr sz="1000"/>
+            </a:lvl9pPr>
+          </a:lstStyle>
+          <a:p>
+            <a:endParaRPr/>
+          </a:p>
+        </p:txBody>
+      </p:sp>
+      <p:sp>
+        <p:nvSpPr>
+          <p:cNvPr id="13" name="Google Shape;13;p3"/>
+          <p:cNvSpPr txBox="1">
+            <a:spLocks noGrp="1"/>
+          </p:cNvSpPr>
+          <p:nvPr>
+            <p:ph type="subTitle" idx="2"/>
+          </p:nvPr>
+        </p:nvSpPr>
+        <p:spPr>
+          <a:xfrm>
+            <a:off x="6253762" y="2726800"/>
+            <a:ext cx="1865400" cy="936300"/>
+          </a:xfrm>
+          <a:prstGeom prst="rect">
+            <a:avLst/>
+          </a:prstGeom>
+        </p:spPr>
+        <p:txBody>
+          <a:bodyPr spcFirstLastPara="1" wrap="square" lIns="91425" tIns="91425" rIns="91425" bIns="91425" anchor="t" anchorCtr="0">
+            <a:noAutofit/>
+          </a:bodyPr>
+          <a:lstStyle>
+            <a:lvl1pPr lvl="0" rtl="0">
+              <a:lnSpc>
+                <a:spcPct val="100000"/>
+              </a:lnSpc>
+              <a:spcBef>
+                <a:spcPts val="0"/>
+              </a:spcBef>
+              <a:spcAft>
+                <a:spcPts val="0"/>
+              </a:spcAft>
+              <a:buSzPts val="1000"/>
+              <a:buNone/>
+              <a:defRPr sz="1000"/>
+            </a:lvl1pPr>
+            <a:lvl2pPr lvl="1" algn="ctr" rtl="0">
+              <a:lnSpc>
+                <a:spcPct val="100000"/>
+              </a:lnSpc>
+              <a:spcBef>
+                <a:spcPts val="0"/>
+              </a:spcBef>
+              <a:spcAft>
+                <a:spcPts val="0"/>
+              </a:spcAft>
+              <a:buSzPts val="1000"/>
+              <a:buNone/>
+              <a:defRPr sz="1000"/>
+            </a:lvl2pPr>
+            <a:lvl3pPr lvl="2" algn="ctr" rtl="0">
+              <a:lnSpc>
+                <a:spcPct val="100000"/>
+              </a:lnSpc>
+              <a:spcBef>
+                <a:spcPts val="0"/>
+              </a:spcBef>
+              <a:spcAft>
+                <a:spcPts val="0"/>
+              </a:spcAft>
+              <a:buSzPts val="1000"/>
+              <a:buNone/>
+              <a:defRPr sz="1000"/>
+            </a:lvl3pPr>
+            <a:lvl4pPr lvl="3" algn="ctr" rtl="0">
+              <a:lnSpc>
+                <a:spcPct val="100000"/>
+              </a:lnSpc>
+              <a:spcBef>
+                <a:spcPts val="0"/>
+              </a:spcBef>
+              <a:spcAft>
+                <a:spcPts val="0"/>
+              </a:spcAft>
+              <a:buSzPts val="1000"/>
+              <a:buNone/>
+              <a:defRPr sz="1000"/>
+            </a:lvl4pPr>
+            <a:lvl5pPr lvl="4" algn="ctr" rtl="0">
+              <a:lnSpc>
+                <a:spcPct val="100000"/>
+              </a:lnSpc>
+              <a:spcBef>
+                <a:spcPts val="0"/>
+              </a:spcBef>
+              <a:spcAft>
+                <a:spcPts val="0"/>
+              </a:spcAft>
+              <a:buSzPts val="1000"/>
+              <a:buNone/>
+              <a:defRPr sz="1000"/>
+            </a:lvl5pPr>
+            <a:lvl6pPr lvl="5" algn="ctr" rtl="0">
+              <a:lnSpc>
+                <a:spcPct val="100000"/>
+              </a:lnSpc>
+              <a:spcBef>
+                <a:spcPts val="0"/>
+              </a:spcBef>
+              <a:spcAft>
+                <a:spcPts val="0"/>
+              </a:spcAft>
+              <a:buSzPts val="1000"/>
+              <a:buNone/>
+              <a:defRPr sz="1000"/>
+            </a:lvl6pPr>
+            <a:lvl7pPr lvl="6" algn="ctr" rtl="0">
+              <a:lnSpc>
+                <a:spcPct val="100000"/>
+              </a:lnSpc>
+              <a:spcBef>
+                <a:spcPts val="0"/>
+              </a:spcBef>
+              <a:spcAft>
+                <a:spcPts val="0"/>
+              </a:spcAft>
+              <a:buSzPts val="1000"/>
+              <a:buNone/>
+              <a:defRPr sz="1000"/>
+            </a:lvl7pPr>
+            <a:lvl8pPr lvl="7" algn="ctr" rtl="0">
+              <a:lnSpc>
+                <a:spcPct val="100000"/>
+              </a:lnSpc>
+              <a:spcBef>
+                <a:spcPts val="0"/>
+              </a:spcBef>
+              <a:spcAft>
+                <a:spcPts val="0"/>
+              </a:spcAft>
+              <a:buSzPts val="1000"/>
+              <a:buNone/>
+              <a:defRPr sz="1000"/>
+            </a:lvl8pPr>
+            <a:lvl9pPr lvl="8" algn="ctr" rtl="0">
+              <a:lnSpc>
+                <a:spcPct val="100000"/>
+              </a:lnSpc>
+              <a:spcBef>
+                <a:spcPts val="0"/>
+              </a:spcBef>
+              <a:spcAft>
+                <a:spcPts val="0"/>
+              </a:spcAft>
+              <a:buSzPts val="1000"/>
+              <a:buNone/>
+              <a:defRPr sz="1000"/>
+            </a:lvl9pPr>
+          </a:lstStyle>
+          <a:p>
+            <a:endParaRPr/>
+          </a:p>
+        </p:txBody>
+      </p:sp>
+      <p:sp>
+        <p:nvSpPr>
+          <p:cNvPr id="14" name="Google Shape;14;p3"/>
+          <p:cNvSpPr txBox="1">
+            <a:spLocks noGrp="1"/>
+          </p:cNvSpPr>
+          <p:nvPr>
+            <p:ph type="subTitle" idx="3"/>
+          </p:nvPr>
+        </p:nvSpPr>
+        <p:spPr>
+          <a:xfrm>
+            <a:off x="3623208" y="915850"/>
+            <a:ext cx="1865400" cy="936300"/>
+          </a:xfrm>
+          <a:prstGeom prst="rect">
+            <a:avLst/>
+          </a:prstGeom>
+        </p:spPr>
+        <p:txBody>
+          <a:bodyPr spcFirstLastPara="1" wrap="square" lIns="91425" tIns="91425" rIns="91425" bIns="91425" anchor="t" anchorCtr="0">
+            <a:noAutofit/>
+          </a:bodyPr>
+          <a:lstStyle>
+            <a:lvl1pPr lvl="0" algn="ctr" rtl="0">
+              <a:lnSpc>
+                <a:spcPct val="100000"/>
+              </a:lnSpc>
+              <a:spcBef>
+                <a:spcPts val="0"/>
+              </a:spcBef>
+              <a:spcAft>
+                <a:spcPts val="0"/>
+              </a:spcAft>
+              <a:buSzPts val="1000"/>
+              <a:buNone/>
+              <a:defRPr sz="1000"/>
+            </a:lvl1pPr>
+            <a:lvl2pPr lvl="1" algn="ctr" rtl="0">
+              <a:lnSpc>
+                <a:spcPct val="100000"/>
+              </a:lnSpc>
+              <a:spcBef>
+                <a:spcPts val="0"/>
+              </a:spcBef>
+              <a:spcAft>
+                <a:spcPts val="0"/>
+              </a:spcAft>
+              <a:buSzPts val="1000"/>
+              <a:buNone/>
+              <a:defRPr sz="1000"/>
+            </a:lvl2pPr>
+            <a:lvl3pPr lvl="2" algn="ctr" rtl="0">
+              <a:lnSpc>
+                <a:spcPct val="100000"/>
+              </a:lnSpc>
+              <a:spcBef>
+                <a:spcPts val="0"/>
+              </a:spcBef>
+              <a:spcAft>
+                <a:spcPts val="0"/>
+              </a:spcAft>
+              <a:buSzPts val="1000"/>
+              <a:buNone/>
+              <a:defRPr sz="1000"/>
+            </a:lvl3pPr>
+            <a:lvl4pPr lvl="3" algn="ctr" rtl="0">
+              <a:lnSpc>
+                <a:spcPct val="100000"/>
+              </a:lnSpc>
+              <a:spcBef>
+                <a:spcPts val="0"/>
+              </a:spcBef>
+              <a:spcAft>
+                <a:spcPts val="0"/>
+              </a:spcAft>
+              <a:buSzPts val="1000"/>
+              <a:buNone/>
+              <a:defRPr sz="1000"/>
+            </a:lvl4pPr>
+            <a:lvl5pPr lvl="4" algn="ctr" rtl="0">
+              <a:lnSpc>
+                <a:spcPct val="100000"/>
+              </a:lnSpc>
+              <a:spcBef>
+                <a:spcPts val="0"/>
+              </a:spcBef>
+              <a:spcAft>
+                <a:spcPts val="0"/>
+              </a:spcAft>
+              <a:buSzPts val="1000"/>
+              <a:buNone/>
+              <a:defRPr sz="1000"/>
+            </a:lvl5pPr>
+            <a:lvl6pPr lvl="5" algn="ctr" rtl="0">
+              <a:lnSpc>
+                <a:spcPct val="100000"/>
+              </a:lnSpc>
+              <a:spcBef>
+                <a:spcPts val="0"/>
+              </a:spcBef>
+              <a:spcAft>
+                <a:spcPts val="0"/>
+              </a:spcAft>
+              <a:buSzPts val="1000"/>
+              <a:buNone/>
+              <a:defRPr sz="1000"/>
+            </a:lvl6pPr>
+            <a:lvl7pPr lvl="6" algn="ctr" rtl="0">
+              <a:lnSpc>
+                <a:spcPct val="100000"/>
+              </a:lnSpc>
+              <a:spcBef>
+                <a:spcPts val="0"/>
+              </a:spcBef>
+              <a:spcAft>
+                <a:spcPts val="0"/>
+              </a:spcAft>
+              <a:buSzPts val="1000"/>
+              <a:buNone/>
+              <a:defRPr sz="1000"/>
+            </a:lvl7pPr>
+            <a:lvl8pPr lvl="7" algn="ctr" rtl="0">
+              <a:lnSpc>
+                <a:spcPct val="100000"/>
+              </a:lnSpc>
+              <a:spcBef>
+                <a:spcPts val="0"/>
+              </a:spcBef>
+              <a:spcAft>
+                <a:spcPts val="0"/>
+              </a:spcAft>
+              <a:buSzPts val="1000"/>
+              <a:buNone/>
+              <a:defRPr sz="1000"/>
+            </a:lvl8pPr>
+            <a:lvl9pPr lvl="8" algn="ctr" rtl="0">
+              <a:lnSpc>
+                <a:spcPct val="100000"/>
+              </a:lnSpc>
+              <a:spcBef>
+                <a:spcPts val="0"/>
+              </a:spcBef>
+              <a:spcAft>
+                <a:spcPts val="0"/>
+              </a:spcAft>
+              <a:buSzPts val="1000"/>
+              <a:buNone/>
+              <a:defRPr sz="1000"/>
+            </a:lvl9pPr>
+          </a:lstStyle>
+          <a:p>
+            <a:endParaRPr/>
+          </a:p>
+        </p:txBody>
+      </p:sp>
+      <p:sp>
+        <p:nvSpPr>
+          <p:cNvPr id="15" name="Google Shape;15;p3"/>
+          <p:cNvSpPr txBox="1">
+            <a:spLocks noGrp="1"/>
+          </p:cNvSpPr>
+          <p:nvPr>
+            <p:ph type="ctrTitle"/>
+          </p:nvPr>
+        </p:nvSpPr>
+        <p:spPr>
+          <a:xfrm>
+            <a:off x="720000" y="377975"/>
+            <a:ext cx="1337400" cy="946200"/>
+          </a:xfrm>
+          <a:prstGeom prst="rect">
+            <a:avLst/>
+          </a:prstGeom>
+        </p:spPr>
+        <p:txBody>
+          <a:bodyPr spcFirstLastPara="1" wrap="square" lIns="91425" tIns="91425" rIns="91425" bIns="91425" anchor="ctr" anchorCtr="0">
+            <a:noAutofit/>
+          </a:bodyPr>
+          <a:lstStyle>
+            <a:lvl1pPr lvl="0" rtl="0">
+              <a:spcBef>
+                <a:spcPts val="0"/>
+              </a:spcBef>
+              <a:spcAft>
+                <a:spcPts val="0"/>
+              </a:spcAft>
+              <a:buSzPts val="1400"/>
+              <a:buNone/>
+              <a:defRPr sz="1400"/>
+            </a:lvl1pPr>
+            <a:lvl2pPr lvl="1" algn="ctr" rtl="0">
+              <a:spcBef>
+                <a:spcPts val="0"/>
+              </a:spcBef>
+              <a:spcAft>
+                <a:spcPts val="0"/>
+              </a:spcAft>
+              <a:buSzPts val="1400"/>
+              <a:buNone/>
+              <a:defRPr sz="1400"/>
+            </a:lvl2pPr>
+            <a:lvl3pPr lvl="2" algn="ctr" rtl="0">
+              <a:spcBef>
+                <a:spcPts val="0"/>
+              </a:spcBef>
+              <a:spcAft>
+                <a:spcPts val="0"/>
+              </a:spcAft>
+              <a:buSzPts val="1400"/>
+              <a:buNone/>
+              <a:defRPr sz="1400"/>
+            </a:lvl3pPr>
+            <a:lvl4pPr lvl="3" algn="ctr" rtl="0">
+              <a:spcBef>
+                <a:spcPts val="0"/>
+              </a:spcBef>
+              <a:spcAft>
+                <a:spcPts val="0"/>
+              </a:spcAft>
+              <a:buSzPts val="1400"/>
+              <a:buNone/>
+              <a:defRPr sz="1400"/>
+            </a:lvl4pPr>
+            <a:lvl5pPr lvl="4" algn="ctr" rtl="0">
+              <a:spcBef>
+                <a:spcPts val="0"/>
+              </a:spcBef>
+              <a:spcAft>
+                <a:spcPts val="0"/>
+              </a:spcAft>
+              <a:buSzPts val="1400"/>
+              <a:buNone/>
+              <a:defRPr sz="1400"/>
+            </a:lvl5pPr>
+            <a:lvl6pPr lvl="5" algn="ctr" rtl="0">
+              <a:spcBef>
+                <a:spcPts val="0"/>
+              </a:spcBef>
+              <a:spcAft>
+                <a:spcPts val="0"/>
+              </a:spcAft>
+              <a:buSzPts val="1400"/>
+              <a:buNone/>
+              <a:defRPr sz="1400"/>
+            </a:lvl6pPr>
+            <a:lvl7pPr lvl="6" algn="ctr" rtl="0">
+              <a:spcBef>
+                <a:spcPts val="0"/>
+              </a:spcBef>
+              <a:spcAft>
+                <a:spcPts val="0"/>
+              </a:spcAft>
+              <a:buSzPts val="1400"/>
+              <a:buNone/>
+              <a:defRPr sz="1400"/>
+            </a:lvl7pPr>
+            <a:lvl8pPr lvl="7" algn="ctr" rtl="0">
+              <a:spcBef>
+                <a:spcPts val="0"/>
+              </a:spcBef>
+              <a:spcAft>
+                <a:spcPts val="0"/>
+              </a:spcAft>
+              <a:buSzPts val="1400"/>
+              <a:buNone/>
+              <a:defRPr sz="1400"/>
+            </a:lvl8pPr>
+            <a:lvl9pPr lvl="8" algn="ctr" rtl="0">
+              <a:spcBef>
+                <a:spcPts val="0"/>
+              </a:spcBef>
+              <a:spcAft>
+                <a:spcPts val="0"/>
+              </a:spcAft>
+              <a:buSzPts val="1400"/>
+              <a:buNone/>
+              <a:defRPr sz="1400"/>
+            </a:lvl9pPr>
+          </a:lstStyle>
+          <a:p>
+            <a:endParaRPr/>
+          </a:p>
+        </p:txBody>
+      </p:sp>
+      <p:sp>
+        <p:nvSpPr>
+          <p:cNvPr id="16" name="Google Shape;16;p3"/>
+          <p:cNvSpPr/>
+          <p:nvPr/>
+        </p:nvSpPr>
+        <p:spPr>
+          <a:xfrm flipH="1">
+            <a:off x="2649025" y="-1201375"/>
+            <a:ext cx="2761500" cy="556500"/>
+          </a:xfrm>
+          <a:prstGeom prst="rect">
+            <a:avLst/>
+          </a:prstGeom>
+          <a:noFill/>
+          <a:ln w="9525" cap="flat" cmpd="sng">
+            <a:solidFill>
+              <a:schemeClr val="lt1"/>
+            </a:solidFill>
+            <a:prstDash val="solid"/>
+            <a:round/>
+            <a:headEnd type="none" w="sm" len="sm"/>
+            <a:tailEnd type="none" w="sm" len="sm"/>
+          </a:ln>
+        </p:spPr>
+        <p:txBody>
+          <a:bodyPr spcFirstLastPara="1" wrap="square" lIns="91425" tIns="91425" rIns="91425" bIns="91425" anchor="ctr" anchorCtr="0">
+            <a:noAutofit/>
+          </a:bodyPr>
+          <a:lstStyle/>
+          <a:p>
+            <a:pPr marL="0" lvl="0" indent="0" algn="l" rtl="0">
+              <a:spcBef>
+                <a:spcPts val="0"/>
+              </a:spcBef>
+              <a:spcAft>
+                <a:spcPts val="0"/>
+              </a:spcAft>
+              <a:buNone/>
+            </a:pPr>
+            <a:endParaRPr/>
+          </a:p>
+        </p:txBody>
+      </p:sp>
+      <p:sp>
+        <p:nvSpPr>
+          <p:cNvPr id="17" name="Google Shape;17;p3"/>
+          <p:cNvSpPr/>
+          <p:nvPr/>
+        </p:nvSpPr>
+        <p:spPr>
+          <a:xfrm>
+            <a:off x="-92200" y="550200"/>
+            <a:ext cx="1781700" cy="630000"/>
+          </a:xfrm>
+          <a:prstGeom prst="rect">
+            <a:avLst/>
+          </a:prstGeom>
+          <a:noFill/>
+          <a:ln w="9525" cap="flat" cmpd="sng">
+            <a:solidFill>
+              <a:schemeClr val="lt1"/>
+            </a:solidFill>
+            <a:prstDash val="solid"/>
+            <a:round/>
+            <a:headEnd type="none" w="sm" len="sm"/>
+            <a:tailEnd type="none" w="sm" len="sm"/>
+          </a:ln>
+        </p:spPr>
+        <p:txBody>
+          <a:bodyPr spcFirstLastPara="1" wrap="square" lIns="91425" tIns="91425" rIns="91425" bIns="91425" anchor="ctr" anchorCtr="0">
+            <a:noAutofit/>
+          </a:bodyPr>
+          <a:lstStyle/>
+          <a:p>
+            <a:pPr marL="0" lvl="0" indent="0" algn="l" rtl="0">
+              <a:spcBef>
+                <a:spcPts val="0"/>
+              </a:spcBef>
+              <a:spcAft>
+                <a:spcPts val="0"/>
+              </a:spcAft>
+              <a:buNone/>
+            </a:pPr>
+            <a:endParaRPr/>
+          </a:p>
+        </p:txBody>
+      </p:sp>
+    </p:spTree>
+    <p:extLst>
+      <p:ext uri="{BB962C8B-B14F-4D97-AF65-F5344CB8AC3E}">
+        <p14:creationId xmlns:p14="http://schemas.microsoft.com/office/powerpoint/2010/main" val="1454289550"/>
+      </p:ext>
+    </p:extLst>
+  </p:cSld>
+  <p:clrMapOvr>
+    <a:masterClrMapping/>
+  </p:clrMapOvr>
+</p:sldLayout>
+</file>
+
 <file path=ppt/slideMasters/slideMaster1.xml><?xml version="1.0" encoding="utf-8"?>
 <p:sldMaster xmlns:a="http://schemas.openxmlformats.org/drawingml/2006/main" xmlns:r="http://schemas.openxmlformats.org/officeDocument/2006/relationships" xmlns:p="http://schemas.openxmlformats.org/presentationml/2006/main">
   <p:cSld name="simple-light-2">
@@ -4284,6 +5665,8 @@
     <p:sldLayoutId id="2147483658" r:id="rId5"/>
     <p:sldLayoutId id="2147483659" r:id="rId6"/>
     <p:sldLayoutId id="2147483660" r:id="rId7"/>
+    <p:sldLayoutId id="2147483663" r:id="rId8"/>
+    <p:sldLayoutId id="2147483664" r:id="rId9"/>
   </p:sldLayoutIdLst>
   <p:hf hdr="0" ftr="0" dt="0"/>
   <p:txStyles>
@@ -4983,6 +6366,6071 @@
   <p:cSld>
     <p:spTree>
       <p:nvGrpSpPr>
+        <p:cNvPr id="1" name="Shape 78"/>
+        <p:cNvGrpSpPr/>
+        <p:nvPr/>
+      </p:nvGrpSpPr>
+      <p:grpSpPr>
+        <a:xfrm>
+          <a:off x="0" y="0"/>
+          <a:ext cx="0" cy="0"/>
+          <a:chOff x="0" y="0"/>
+          <a:chExt cx="0" cy="0"/>
+        </a:xfrm>
+      </p:grpSpPr>
+      <p:pic>
+        <p:nvPicPr>
+          <p:cNvPr id="79" name="Google Shape;79;p15"/>
+          <p:cNvPicPr preferRelativeResize="0"/>
+          <p:nvPr/>
+        </p:nvPicPr>
+        <p:blipFill rotWithShape="1">
+          <a:blip r:embed="rId3">
+            <a:alphaModFix/>
+          </a:blip>
+          <a:srcRect/>
+          <a:stretch/>
+        </p:blipFill>
+        <p:spPr>
+          <a:xfrm>
+            <a:off x="0" y="12"/>
+            <a:ext cx="9144000" cy="5143492"/>
+          </a:xfrm>
+          <a:prstGeom prst="rect">
+            <a:avLst/>
+          </a:prstGeom>
+          <a:noFill/>
+          <a:ln>
+            <a:noFill/>
+          </a:ln>
+        </p:spPr>
+      </p:pic>
+      <p:sp>
+        <p:nvSpPr>
+          <p:cNvPr id="80" name="Google Shape;80;p15"/>
+          <p:cNvSpPr txBox="1">
+            <a:spLocks noGrp="1"/>
+          </p:cNvSpPr>
+          <p:nvPr>
+            <p:ph type="subTitle" idx="1"/>
+          </p:nvPr>
+        </p:nvSpPr>
+        <p:spPr>
+          <a:xfrm>
+            <a:off x="0" y="2922975"/>
+            <a:ext cx="9144000" cy="1246800"/>
+          </a:xfrm>
+          <a:prstGeom prst="rect">
+            <a:avLst/>
+          </a:prstGeom>
+        </p:spPr>
+        <p:txBody>
+          <a:bodyPr spcFirstLastPara="1" wrap="square" lIns="91425" tIns="91425" rIns="91425" bIns="91425" anchor="b" anchorCtr="0">
+            <a:noAutofit/>
+          </a:bodyPr>
+          <a:lstStyle/>
+          <a:p>
+            <a:pPr marL="0" lvl="0" indent="0" algn="ctr" rtl="0">
+              <a:spcBef>
+                <a:spcPts val="0"/>
+              </a:spcBef>
+              <a:spcAft>
+                <a:spcPts val="0"/>
+              </a:spcAft>
+              <a:buClr>
+                <a:schemeClr val="dk1"/>
+              </a:buClr>
+              <a:buSzPts val="1100"/>
+              <a:buFont typeface="Arial"/>
+              <a:buNone/>
+            </a:pPr>
+            <a:r>
+              <a:rPr lang="es" b="1">
+                <a:solidFill>
+                  <a:schemeClr val="lt1"/>
+                </a:solidFill>
+                <a:latin typeface="Lato"/>
+                <a:ea typeface="Lato"/>
+                <a:cs typeface="Lato"/>
+                <a:sym typeface="Lato"/>
+              </a:rPr>
+              <a:t>Erasmo Villarreal Sánchez A01197677</a:t>
+            </a:r>
+            <a:endParaRPr b="1">
+              <a:solidFill>
+                <a:schemeClr val="lt1"/>
+              </a:solidFill>
+              <a:latin typeface="Lato"/>
+              <a:ea typeface="Lato"/>
+              <a:cs typeface="Lato"/>
+              <a:sym typeface="Lato"/>
+            </a:endParaRPr>
+          </a:p>
+          <a:p>
+            <a:pPr marL="0" lvl="0" indent="0" algn="ctr" rtl="0">
+              <a:spcBef>
+                <a:spcPts val="0"/>
+              </a:spcBef>
+              <a:spcAft>
+                <a:spcPts val="0"/>
+              </a:spcAft>
+              <a:buClr>
+                <a:schemeClr val="dk1"/>
+              </a:buClr>
+              <a:buSzPts val="1100"/>
+              <a:buFont typeface="Arial"/>
+              <a:buNone/>
+            </a:pPr>
+            <a:r>
+              <a:rPr lang="es" b="1">
+                <a:solidFill>
+                  <a:schemeClr val="lt1"/>
+                </a:solidFill>
+                <a:latin typeface="Lato"/>
+                <a:ea typeface="Lato"/>
+                <a:cs typeface="Lato"/>
+                <a:sym typeface="Lato"/>
+              </a:rPr>
+              <a:t>Santiago Reynoso Pérez A01702214</a:t>
+            </a:r>
+            <a:endParaRPr b="1">
+              <a:solidFill>
+                <a:schemeClr val="lt1"/>
+              </a:solidFill>
+              <a:latin typeface="Lato"/>
+              <a:ea typeface="Lato"/>
+              <a:cs typeface="Lato"/>
+              <a:sym typeface="Lato"/>
+            </a:endParaRPr>
+          </a:p>
+          <a:p>
+            <a:pPr marL="0" lvl="0" indent="0" algn="ctr" rtl="0">
+              <a:spcBef>
+                <a:spcPts val="0"/>
+              </a:spcBef>
+              <a:spcAft>
+                <a:spcPts val="0"/>
+              </a:spcAft>
+              <a:buClr>
+                <a:schemeClr val="dk1"/>
+              </a:buClr>
+              <a:buSzPts val="1100"/>
+              <a:buFont typeface="Arial"/>
+              <a:buNone/>
+            </a:pPr>
+            <a:r>
+              <a:rPr lang="es" b="1">
+                <a:solidFill>
+                  <a:schemeClr val="lt1"/>
+                </a:solidFill>
+                <a:latin typeface="Lato"/>
+                <a:ea typeface="Lato"/>
+                <a:cs typeface="Lato"/>
+                <a:sym typeface="Lato"/>
+              </a:rPr>
+              <a:t>Damián Guadalupe Tijerina Peña A00827880</a:t>
+            </a:r>
+            <a:endParaRPr b="1">
+              <a:solidFill>
+                <a:schemeClr val="lt1"/>
+              </a:solidFill>
+              <a:latin typeface="Lato"/>
+              <a:ea typeface="Lato"/>
+              <a:cs typeface="Lato"/>
+              <a:sym typeface="Lato"/>
+            </a:endParaRPr>
+          </a:p>
+          <a:p>
+            <a:pPr marL="0" lvl="0" indent="0" algn="ctr" rtl="0">
+              <a:spcBef>
+                <a:spcPts val="0"/>
+              </a:spcBef>
+              <a:spcAft>
+                <a:spcPts val="0"/>
+              </a:spcAft>
+              <a:buClr>
+                <a:schemeClr val="dk1"/>
+              </a:buClr>
+              <a:buSzPts val="1100"/>
+              <a:buFont typeface="Arial"/>
+              <a:buNone/>
+            </a:pPr>
+            <a:r>
+              <a:rPr lang="es" b="1">
+                <a:solidFill>
+                  <a:schemeClr val="lt1"/>
+                </a:solidFill>
+                <a:latin typeface="Lato"/>
+                <a:ea typeface="Lato"/>
+                <a:cs typeface="Lato"/>
+                <a:sym typeface="Lato"/>
+              </a:rPr>
+              <a:t>Diego Acevedo Villarreal A01197647</a:t>
+            </a:r>
+            <a:endParaRPr b="1">
+              <a:solidFill>
+                <a:schemeClr val="lt1"/>
+              </a:solidFill>
+              <a:latin typeface="Lato"/>
+              <a:ea typeface="Lato"/>
+              <a:cs typeface="Lato"/>
+              <a:sym typeface="Lato"/>
+            </a:endParaRPr>
+          </a:p>
+          <a:p>
+            <a:pPr marL="0" lvl="0" indent="0" algn="ctr" rtl="0">
+              <a:spcBef>
+                <a:spcPts val="0"/>
+              </a:spcBef>
+              <a:spcAft>
+                <a:spcPts val="0"/>
+              </a:spcAft>
+              <a:buNone/>
+            </a:pPr>
+            <a:r>
+              <a:rPr lang="es" b="1">
+                <a:solidFill>
+                  <a:schemeClr val="lt1"/>
+                </a:solidFill>
+                <a:latin typeface="Lato"/>
+                <a:ea typeface="Lato"/>
+                <a:cs typeface="Lato"/>
+                <a:sym typeface="Lato"/>
+              </a:rPr>
+              <a:t>Regina Lagunes Diaz A01638208</a:t>
+            </a:r>
+            <a:endParaRPr b="1">
+              <a:solidFill>
+                <a:schemeClr val="lt1"/>
+              </a:solidFill>
+              <a:latin typeface="Lato"/>
+              <a:ea typeface="Lato"/>
+              <a:cs typeface="Lato"/>
+              <a:sym typeface="Lato"/>
+            </a:endParaRPr>
+          </a:p>
+          <a:p>
+            <a:pPr marL="0" lvl="0" indent="0" algn="ctr" rtl="0">
+              <a:spcBef>
+                <a:spcPts val="0"/>
+              </a:spcBef>
+              <a:spcAft>
+                <a:spcPts val="0"/>
+              </a:spcAft>
+              <a:buNone/>
+            </a:pPr>
+            <a:r>
+              <a:rPr lang="es" b="1">
+                <a:solidFill>
+                  <a:schemeClr val="lt1"/>
+                </a:solidFill>
+                <a:latin typeface="Lato"/>
+                <a:ea typeface="Lato"/>
+                <a:cs typeface="Lato"/>
+                <a:sym typeface="Lato"/>
+              </a:rPr>
+              <a:t>Armando Montaño González A00827377</a:t>
+            </a:r>
+            <a:endParaRPr b="1">
+              <a:solidFill>
+                <a:schemeClr val="lt1"/>
+              </a:solidFill>
+              <a:latin typeface="Lato"/>
+              <a:ea typeface="Lato"/>
+              <a:cs typeface="Lato"/>
+              <a:sym typeface="Lato"/>
+            </a:endParaRPr>
+          </a:p>
+        </p:txBody>
+      </p:sp>
+      <p:sp>
+        <p:nvSpPr>
+          <p:cNvPr id="81" name="Google Shape;81;p15"/>
+          <p:cNvSpPr txBox="1">
+            <a:spLocks noGrp="1"/>
+          </p:cNvSpPr>
+          <p:nvPr>
+            <p:ph type="ctrTitle"/>
+          </p:nvPr>
+        </p:nvSpPr>
+        <p:spPr>
+          <a:xfrm>
+            <a:off x="2763600" y="786825"/>
+            <a:ext cx="3616800" cy="1782300"/>
+          </a:xfrm>
+          <a:prstGeom prst="rect">
+            <a:avLst/>
+          </a:prstGeom>
+        </p:spPr>
+        <p:txBody>
+          <a:bodyPr spcFirstLastPara="1" wrap="square" lIns="91425" tIns="91425" rIns="91425" bIns="91425" anchor="b" anchorCtr="0">
+            <a:noAutofit/>
+          </a:bodyPr>
+          <a:lstStyle/>
+          <a:p>
+            <a:pPr marL="0" lvl="0" indent="0" algn="ctr" rtl="0">
+              <a:spcBef>
+                <a:spcPts val="0"/>
+              </a:spcBef>
+              <a:spcAft>
+                <a:spcPts val="0"/>
+              </a:spcAft>
+              <a:buNone/>
+            </a:pPr>
+            <a:r>
+              <a:rPr lang="es"/>
+              <a:t>CLEAN city APP</a:t>
+            </a:r>
+            <a:endParaRPr>
+              <a:solidFill>
+                <a:srgbClr val="FFFFFF"/>
+              </a:solidFill>
+            </a:endParaRPr>
+          </a:p>
+        </p:txBody>
+      </p:sp>
+    </p:spTree>
+  </p:cSld>
+  <p:clrMapOvr>
+    <a:masterClrMapping/>
+  </p:clrMapOvr>
+</p:sld>
+</file>
+
+<file path=ppt/slides/slide2.xml><?xml version="1.0" encoding="utf-8"?>
+<p:sld xmlns:a="http://schemas.openxmlformats.org/drawingml/2006/main" xmlns:r="http://schemas.openxmlformats.org/officeDocument/2006/relationships" xmlns:p="http://schemas.openxmlformats.org/presentationml/2006/main">
+  <p:cSld>
+    <p:spTree>
+      <p:nvGrpSpPr>
+        <p:cNvPr id="1" name="Shape 85"/>
+        <p:cNvGrpSpPr/>
+        <p:nvPr/>
+      </p:nvGrpSpPr>
+      <p:grpSpPr>
+        <a:xfrm>
+          <a:off x="0" y="0"/>
+          <a:ext cx="0" cy="0"/>
+          <a:chOff x="0" y="0"/>
+          <a:chExt cx="0" cy="0"/>
+        </a:xfrm>
+      </p:grpSpPr>
+      <p:cxnSp>
+        <p:nvCxnSpPr>
+          <p:cNvPr id="86" name="Google Shape;86;p16"/>
+          <p:cNvCxnSpPr/>
+          <p:nvPr/>
+        </p:nvCxnSpPr>
+        <p:spPr>
+          <a:xfrm rot="10800000">
+            <a:off x="4083975" y="1208025"/>
+            <a:ext cx="0" cy="1144500"/>
+          </a:xfrm>
+          <a:prstGeom prst="straightConnector1">
+            <a:avLst/>
+          </a:prstGeom>
+          <a:noFill/>
+          <a:ln w="9525" cap="flat" cmpd="sng">
+            <a:solidFill>
+              <a:schemeClr val="lt1"/>
+            </a:solidFill>
+            <a:prstDash val="solid"/>
+            <a:round/>
+            <a:headEnd type="none" w="med" len="med"/>
+            <a:tailEnd type="none" w="med" len="med"/>
+          </a:ln>
+        </p:spPr>
+      </p:cxnSp>
+      <p:cxnSp>
+        <p:nvCxnSpPr>
+          <p:cNvPr id="87" name="Google Shape;87;p16"/>
+          <p:cNvCxnSpPr/>
+          <p:nvPr/>
+        </p:nvCxnSpPr>
+        <p:spPr>
+          <a:xfrm rot="10800000">
+            <a:off x="3429000" y="2890775"/>
+            <a:ext cx="0" cy="1026300"/>
+          </a:xfrm>
+          <a:prstGeom prst="straightConnector1">
+            <a:avLst/>
+          </a:prstGeom>
+          <a:noFill/>
+          <a:ln w="9525" cap="flat" cmpd="sng">
+            <a:solidFill>
+              <a:schemeClr val="lt1"/>
+            </a:solidFill>
+            <a:prstDash val="solid"/>
+            <a:round/>
+            <a:headEnd type="none" w="med" len="med"/>
+            <a:tailEnd type="none" w="med" len="med"/>
+          </a:ln>
+        </p:spPr>
+      </p:cxnSp>
+      <p:cxnSp>
+        <p:nvCxnSpPr>
+          <p:cNvPr id="88" name="Google Shape;88;p16"/>
+          <p:cNvCxnSpPr/>
+          <p:nvPr/>
+        </p:nvCxnSpPr>
+        <p:spPr>
+          <a:xfrm rot="10800000">
+            <a:off x="5691625" y="2890775"/>
+            <a:ext cx="0" cy="1026300"/>
+          </a:xfrm>
+          <a:prstGeom prst="straightConnector1">
+            <a:avLst/>
+          </a:prstGeom>
+          <a:noFill/>
+          <a:ln w="9525" cap="flat" cmpd="sng">
+            <a:solidFill>
+              <a:schemeClr val="lt1"/>
+            </a:solidFill>
+            <a:prstDash val="solid"/>
+            <a:round/>
+            <a:headEnd type="none" w="med" len="med"/>
+            <a:tailEnd type="none" w="med" len="med"/>
+          </a:ln>
+        </p:spPr>
+      </p:cxnSp>
+      <p:grpSp>
+        <p:nvGrpSpPr>
+          <p:cNvPr id="89" name="Google Shape;89;p16"/>
+          <p:cNvGrpSpPr/>
+          <p:nvPr/>
+        </p:nvGrpSpPr>
+        <p:grpSpPr>
+          <a:xfrm>
+            <a:off x="3086339" y="1962729"/>
+            <a:ext cx="3028470" cy="3641057"/>
+            <a:chOff x="1627175" y="238125"/>
+            <a:chExt cx="4349375" cy="5229150"/>
+          </a:xfrm>
+        </p:grpSpPr>
+        <p:sp>
+          <p:nvSpPr>
+            <p:cNvPr id="90" name="Google Shape;90;p16"/>
+            <p:cNvSpPr/>
+            <p:nvPr/>
+          </p:nvSpPr>
+          <p:spPr>
+            <a:xfrm>
+              <a:off x="1627175" y="238125"/>
+              <a:ext cx="4349375" cy="5229150"/>
+            </a:xfrm>
+            <a:custGeom>
+              <a:avLst/>
+              <a:gdLst/>
+              <a:ahLst/>
+              <a:cxnLst/>
+              <a:rect l="l" t="t" r="r" b="b"/>
+              <a:pathLst>
+                <a:path w="173975" h="209166" extrusionOk="0">
+                  <a:moveTo>
+                    <a:pt x="86765" y="0"/>
+                  </a:moveTo>
+                  <a:lnTo>
+                    <a:pt x="44980" y="24309"/>
+                  </a:lnTo>
+                  <a:lnTo>
+                    <a:pt x="44891" y="91970"/>
+                  </a:lnTo>
+                  <a:lnTo>
+                    <a:pt x="148" y="117994"/>
+                  </a:lnTo>
+                  <a:lnTo>
+                    <a:pt x="0" y="183999"/>
+                  </a:lnTo>
+                  <a:lnTo>
+                    <a:pt x="43590" y="209166"/>
+                  </a:lnTo>
+                  <a:lnTo>
+                    <a:pt x="88421" y="183112"/>
+                  </a:lnTo>
+                  <a:lnTo>
+                    <a:pt x="132011" y="208308"/>
+                  </a:lnTo>
+                  <a:lnTo>
+                    <a:pt x="173827" y="183999"/>
+                  </a:lnTo>
+                  <a:lnTo>
+                    <a:pt x="173974" y="93271"/>
+                  </a:lnTo>
+                  <a:lnTo>
+                    <a:pt x="130385" y="68076"/>
+                  </a:lnTo>
+                  <a:lnTo>
+                    <a:pt x="130326" y="68105"/>
+                  </a:lnTo>
+                  <a:lnTo>
+                    <a:pt x="130385" y="25166"/>
+                  </a:lnTo>
+                  <a:lnTo>
+                    <a:pt x="86765" y="0"/>
+                  </a:lnTo>
+                  <a:close/>
+                </a:path>
+              </a:pathLst>
+            </a:custGeom>
+            <a:solidFill>
+              <a:srgbClr val="458989"/>
+            </a:solidFill>
+            <a:ln>
+              <a:noFill/>
+            </a:ln>
+          </p:spPr>
+          <p:txBody>
+            <a:bodyPr spcFirstLastPara="1" wrap="square" lIns="91425" tIns="91425" rIns="91425" bIns="91425" anchor="ctr" anchorCtr="0">
+              <a:noAutofit/>
+            </a:bodyPr>
+            <a:lstStyle/>
+            <a:p>
+              <a:pPr marL="0" lvl="0" indent="0" algn="l" rtl="0">
+                <a:spcBef>
+                  <a:spcPts val="0"/>
+                </a:spcBef>
+                <a:spcAft>
+                  <a:spcPts val="0"/>
+                </a:spcAft>
+                <a:buNone/>
+              </a:pPr>
+              <a:endParaRPr/>
+            </a:p>
+          </p:txBody>
+        </p:sp>
+        <p:sp>
+          <p:nvSpPr>
+            <p:cNvPr id="91" name="Google Shape;91;p16"/>
+            <p:cNvSpPr/>
+            <p:nvPr/>
+          </p:nvSpPr>
+          <p:spPr>
+            <a:xfrm>
+              <a:off x="2751650" y="238125"/>
+              <a:ext cx="2135150" cy="1236875"/>
+            </a:xfrm>
+            <a:custGeom>
+              <a:avLst/>
+              <a:gdLst/>
+              <a:ahLst/>
+              <a:cxnLst/>
+              <a:rect l="l" t="t" r="r" b="b"/>
+              <a:pathLst>
+                <a:path w="85406" h="49475" extrusionOk="0">
+                  <a:moveTo>
+                    <a:pt x="41786" y="0"/>
+                  </a:moveTo>
+                  <a:lnTo>
+                    <a:pt x="1" y="24309"/>
+                  </a:lnTo>
+                  <a:lnTo>
+                    <a:pt x="43590" y="49475"/>
+                  </a:lnTo>
+                  <a:lnTo>
+                    <a:pt x="85406" y="25166"/>
+                  </a:lnTo>
+                  <a:lnTo>
+                    <a:pt x="41786" y="0"/>
+                  </a:lnTo>
+                  <a:close/>
+                </a:path>
+              </a:pathLst>
+            </a:custGeom>
+            <a:solidFill>
+              <a:srgbClr val="589EA5"/>
+            </a:solidFill>
+            <a:ln>
+              <a:noFill/>
+            </a:ln>
+          </p:spPr>
+          <p:txBody>
+            <a:bodyPr spcFirstLastPara="1" wrap="square" lIns="91425" tIns="91425" rIns="91425" bIns="91425" anchor="ctr" anchorCtr="0">
+              <a:noAutofit/>
+            </a:bodyPr>
+            <a:lstStyle/>
+            <a:p>
+              <a:pPr marL="0" lvl="0" indent="0" algn="l" rtl="0">
+                <a:spcBef>
+                  <a:spcPts val="0"/>
+                </a:spcBef>
+                <a:spcAft>
+                  <a:spcPts val="0"/>
+                </a:spcAft>
+                <a:buNone/>
+              </a:pPr>
+              <a:endParaRPr/>
+            </a:p>
+          </p:txBody>
+        </p:sp>
+        <p:sp>
+          <p:nvSpPr>
+            <p:cNvPr id="92" name="Google Shape;92;p16"/>
+            <p:cNvSpPr/>
+            <p:nvPr/>
+          </p:nvSpPr>
+          <p:spPr>
+            <a:xfrm>
+              <a:off x="3837700" y="867275"/>
+              <a:ext cx="1049100" cy="3948675"/>
+            </a:xfrm>
+            <a:custGeom>
+              <a:avLst/>
+              <a:gdLst/>
+              <a:ahLst/>
+              <a:cxnLst/>
+              <a:rect l="l" t="t" r="r" b="b"/>
+              <a:pathLst>
+                <a:path w="41964" h="157947" extrusionOk="0">
+                  <a:moveTo>
+                    <a:pt x="41964" y="0"/>
+                  </a:moveTo>
+                  <a:lnTo>
+                    <a:pt x="148" y="24309"/>
+                  </a:lnTo>
+                  <a:lnTo>
+                    <a:pt x="0" y="157946"/>
+                  </a:lnTo>
+                  <a:lnTo>
+                    <a:pt x="41816" y="133667"/>
+                  </a:lnTo>
+                  <a:lnTo>
+                    <a:pt x="41964" y="0"/>
+                  </a:lnTo>
+                  <a:close/>
+                </a:path>
+              </a:pathLst>
+            </a:custGeom>
+            <a:solidFill>
+              <a:srgbClr val="3E738A"/>
+            </a:solidFill>
+            <a:ln>
+              <a:noFill/>
+            </a:ln>
+          </p:spPr>
+          <p:txBody>
+            <a:bodyPr spcFirstLastPara="1" wrap="square" lIns="91425" tIns="91425" rIns="91425" bIns="91425" anchor="ctr" anchorCtr="0">
+              <a:noAutofit/>
+            </a:bodyPr>
+            <a:lstStyle/>
+            <a:p>
+              <a:pPr marL="0" lvl="0" indent="0" algn="l" rtl="0">
+                <a:spcBef>
+                  <a:spcPts val="0"/>
+                </a:spcBef>
+                <a:spcAft>
+                  <a:spcPts val="0"/>
+                </a:spcAft>
+                <a:buNone/>
+              </a:pPr>
+              <a:endParaRPr/>
+            </a:p>
+          </p:txBody>
+        </p:sp>
+        <p:sp>
+          <p:nvSpPr>
+            <p:cNvPr id="93" name="Google Shape;93;p16"/>
+            <p:cNvSpPr/>
+            <p:nvPr/>
+          </p:nvSpPr>
+          <p:spPr>
+            <a:xfrm>
+              <a:off x="2747950" y="845825"/>
+              <a:ext cx="1093475" cy="3970125"/>
+            </a:xfrm>
+            <a:custGeom>
+              <a:avLst/>
+              <a:gdLst/>
+              <a:ahLst/>
+              <a:cxnLst/>
+              <a:rect l="l" t="t" r="r" b="b"/>
+              <a:pathLst>
+                <a:path w="43739" h="158805" extrusionOk="0">
+                  <a:moveTo>
+                    <a:pt x="149" y="1"/>
+                  </a:moveTo>
+                  <a:lnTo>
+                    <a:pt x="1" y="133638"/>
+                  </a:lnTo>
+                  <a:lnTo>
+                    <a:pt x="43590" y="158804"/>
+                  </a:lnTo>
+                  <a:lnTo>
+                    <a:pt x="43738" y="25167"/>
+                  </a:lnTo>
+                  <a:lnTo>
+                    <a:pt x="149" y="1"/>
+                  </a:lnTo>
+                  <a:close/>
+                </a:path>
+              </a:pathLst>
+            </a:custGeom>
+            <a:solidFill>
+              <a:srgbClr val="295568"/>
+            </a:solidFill>
+            <a:ln>
+              <a:noFill/>
+            </a:ln>
+          </p:spPr>
+          <p:txBody>
+            <a:bodyPr spcFirstLastPara="1" wrap="square" lIns="91425" tIns="91425" rIns="91425" bIns="91425" anchor="ctr" anchorCtr="0">
+              <a:noAutofit/>
+            </a:bodyPr>
+            <a:lstStyle/>
+            <a:p>
+              <a:pPr marL="0" lvl="0" indent="0" algn="l" rtl="0">
+                <a:spcBef>
+                  <a:spcPts val="0"/>
+                </a:spcBef>
+                <a:spcAft>
+                  <a:spcPts val="0"/>
+                </a:spcAft>
+                <a:buNone/>
+              </a:pPr>
+              <a:endParaRPr/>
+            </a:p>
+          </p:txBody>
+        </p:sp>
+        <p:sp>
+          <p:nvSpPr>
+            <p:cNvPr id="94" name="Google Shape;94;p16"/>
+            <p:cNvSpPr/>
+            <p:nvPr/>
+          </p:nvSpPr>
+          <p:spPr>
+            <a:xfrm>
+              <a:off x="3841400" y="1946840"/>
+              <a:ext cx="2135150" cy="1236900"/>
+            </a:xfrm>
+            <a:custGeom>
+              <a:avLst/>
+              <a:gdLst/>
+              <a:ahLst/>
+              <a:cxnLst/>
+              <a:rect l="l" t="t" r="r" b="b"/>
+              <a:pathLst>
+                <a:path w="85406" h="49476" extrusionOk="0">
+                  <a:moveTo>
+                    <a:pt x="41816" y="1"/>
+                  </a:moveTo>
+                  <a:lnTo>
+                    <a:pt x="0" y="24309"/>
+                  </a:lnTo>
+                  <a:lnTo>
+                    <a:pt x="43590" y="49475"/>
+                  </a:lnTo>
+                  <a:lnTo>
+                    <a:pt x="85405" y="25196"/>
+                  </a:lnTo>
+                  <a:lnTo>
+                    <a:pt x="41816" y="1"/>
+                  </a:lnTo>
+                  <a:close/>
+                </a:path>
+              </a:pathLst>
+            </a:custGeom>
+            <a:solidFill>
+              <a:srgbClr val="D0F09F"/>
+            </a:solidFill>
+            <a:ln>
+              <a:noFill/>
+            </a:ln>
+          </p:spPr>
+          <p:txBody>
+            <a:bodyPr spcFirstLastPara="1" wrap="square" lIns="91425" tIns="91425" rIns="91425" bIns="91425" anchor="ctr" anchorCtr="0">
+              <a:noAutofit/>
+            </a:bodyPr>
+            <a:lstStyle/>
+            <a:p>
+              <a:pPr marL="0" lvl="0" indent="0" algn="l" rtl="0">
+                <a:spcBef>
+                  <a:spcPts val="0"/>
+                </a:spcBef>
+                <a:spcAft>
+                  <a:spcPts val="0"/>
+                </a:spcAft>
+                <a:buNone/>
+              </a:pPr>
+              <a:endParaRPr/>
+            </a:p>
+          </p:txBody>
+        </p:sp>
+        <p:sp>
+          <p:nvSpPr>
+            <p:cNvPr id="95" name="Google Shape;95;p16"/>
+            <p:cNvSpPr/>
+            <p:nvPr/>
+          </p:nvSpPr>
+          <p:spPr>
+            <a:xfrm>
+              <a:off x="4920610" y="2569900"/>
+              <a:ext cx="1049100" cy="2875925"/>
+            </a:xfrm>
+            <a:custGeom>
+              <a:avLst/>
+              <a:gdLst/>
+              <a:ahLst/>
+              <a:cxnLst/>
+              <a:rect l="l" t="t" r="r" b="b"/>
+              <a:pathLst>
+                <a:path w="41964" h="115037" extrusionOk="0">
+                  <a:moveTo>
+                    <a:pt x="41963" y="0"/>
+                  </a:moveTo>
+                  <a:lnTo>
+                    <a:pt x="148" y="24279"/>
+                  </a:lnTo>
+                  <a:lnTo>
+                    <a:pt x="0" y="115037"/>
+                  </a:lnTo>
+                  <a:lnTo>
+                    <a:pt x="41816" y="90728"/>
+                  </a:lnTo>
+                  <a:lnTo>
+                    <a:pt x="41963" y="0"/>
+                  </a:lnTo>
+                  <a:close/>
+                </a:path>
+              </a:pathLst>
+            </a:custGeom>
+            <a:solidFill>
+              <a:srgbClr val="A3CEA3"/>
+            </a:solidFill>
+            <a:ln>
+              <a:noFill/>
+            </a:ln>
+          </p:spPr>
+          <p:txBody>
+            <a:bodyPr spcFirstLastPara="1" wrap="square" lIns="91425" tIns="91425" rIns="91425" bIns="91425" anchor="ctr" anchorCtr="0">
+              <a:noAutofit/>
+            </a:bodyPr>
+            <a:lstStyle/>
+            <a:p>
+              <a:pPr marL="0" lvl="0" indent="0" algn="l" rtl="0">
+                <a:spcBef>
+                  <a:spcPts val="0"/>
+                </a:spcBef>
+                <a:spcAft>
+                  <a:spcPts val="0"/>
+                </a:spcAft>
+                <a:buNone/>
+              </a:pPr>
+              <a:endParaRPr/>
+            </a:p>
+          </p:txBody>
+        </p:sp>
+        <p:sp>
+          <p:nvSpPr>
+            <p:cNvPr id="96" name="Google Shape;96;p16"/>
+            <p:cNvSpPr/>
+            <p:nvPr/>
+          </p:nvSpPr>
+          <p:spPr>
+            <a:xfrm>
+              <a:off x="3837700" y="2547725"/>
+              <a:ext cx="1093475" cy="2898100"/>
+            </a:xfrm>
+            <a:custGeom>
+              <a:avLst/>
+              <a:gdLst/>
+              <a:ahLst/>
+              <a:cxnLst/>
+              <a:rect l="l" t="t" r="r" b="b"/>
+              <a:pathLst>
+                <a:path w="43739" h="115924" extrusionOk="0">
+                  <a:moveTo>
+                    <a:pt x="148" y="0"/>
+                  </a:moveTo>
+                  <a:lnTo>
+                    <a:pt x="0" y="90728"/>
+                  </a:lnTo>
+                  <a:lnTo>
+                    <a:pt x="43590" y="115924"/>
+                  </a:lnTo>
+                  <a:lnTo>
+                    <a:pt x="43738" y="25166"/>
+                  </a:lnTo>
+                  <a:lnTo>
+                    <a:pt x="148" y="0"/>
+                  </a:lnTo>
+                  <a:close/>
+                </a:path>
+              </a:pathLst>
+            </a:custGeom>
+            <a:solidFill>
+              <a:srgbClr val="96BE97"/>
+            </a:solidFill>
+            <a:ln>
+              <a:noFill/>
+            </a:ln>
+          </p:spPr>
+          <p:txBody>
+            <a:bodyPr spcFirstLastPara="1" wrap="square" lIns="91425" tIns="91425" rIns="91425" bIns="91425" anchor="ctr" anchorCtr="0">
+              <a:noAutofit/>
+            </a:bodyPr>
+            <a:lstStyle/>
+            <a:p>
+              <a:pPr marL="0" lvl="0" indent="0" algn="l" rtl="0">
+                <a:spcBef>
+                  <a:spcPts val="0"/>
+                </a:spcBef>
+                <a:spcAft>
+                  <a:spcPts val="0"/>
+                </a:spcAft>
+                <a:buNone/>
+              </a:pPr>
+              <a:endParaRPr/>
+            </a:p>
+          </p:txBody>
+        </p:sp>
+        <p:sp>
+          <p:nvSpPr>
+            <p:cNvPr id="97" name="Google Shape;97;p16"/>
+            <p:cNvSpPr/>
+            <p:nvPr/>
+          </p:nvSpPr>
+          <p:spPr>
+            <a:xfrm>
+              <a:off x="1627175" y="3187950"/>
+              <a:ext cx="1093450" cy="2279325"/>
+            </a:xfrm>
+            <a:custGeom>
+              <a:avLst/>
+              <a:gdLst/>
+              <a:ahLst/>
+              <a:cxnLst/>
+              <a:rect l="l" t="t" r="r" b="b"/>
+              <a:pathLst>
+                <a:path w="43738" h="91173" extrusionOk="0">
+                  <a:moveTo>
+                    <a:pt x="148" y="1"/>
+                  </a:moveTo>
+                  <a:lnTo>
+                    <a:pt x="0" y="66006"/>
+                  </a:lnTo>
+                  <a:lnTo>
+                    <a:pt x="43590" y="91173"/>
+                  </a:lnTo>
+                  <a:lnTo>
+                    <a:pt x="43738" y="25167"/>
+                  </a:lnTo>
+                  <a:lnTo>
+                    <a:pt x="148" y="1"/>
+                  </a:lnTo>
+                  <a:close/>
+                </a:path>
+              </a:pathLst>
+            </a:custGeom>
+            <a:solidFill>
+              <a:srgbClr val="3B7577"/>
+            </a:solidFill>
+            <a:ln>
+              <a:noFill/>
+            </a:ln>
+          </p:spPr>
+          <p:txBody>
+            <a:bodyPr spcFirstLastPara="1" wrap="square" lIns="91425" tIns="91425" rIns="91425" bIns="91425" anchor="ctr" anchorCtr="0">
+              <a:noAutofit/>
+            </a:bodyPr>
+            <a:lstStyle/>
+            <a:p>
+              <a:pPr marL="0" lvl="0" indent="0" algn="l" rtl="0">
+                <a:spcBef>
+                  <a:spcPts val="0"/>
+                </a:spcBef>
+                <a:spcAft>
+                  <a:spcPts val="0"/>
+                </a:spcAft>
+                <a:buNone/>
+              </a:pPr>
+              <a:endParaRPr/>
+            </a:p>
+          </p:txBody>
+        </p:sp>
+        <p:sp>
+          <p:nvSpPr>
+            <p:cNvPr id="98" name="Google Shape;98;p16"/>
+            <p:cNvSpPr/>
+            <p:nvPr/>
+          </p:nvSpPr>
+          <p:spPr>
+            <a:xfrm>
+              <a:off x="1630850" y="2536625"/>
+              <a:ext cx="2210575" cy="1280500"/>
+            </a:xfrm>
+            <a:custGeom>
+              <a:avLst/>
+              <a:gdLst/>
+              <a:ahLst/>
+              <a:cxnLst/>
+              <a:rect l="l" t="t" r="r" b="b"/>
+              <a:pathLst>
+                <a:path w="88423" h="51220" extrusionOk="0">
+                  <a:moveTo>
+                    <a:pt x="44833" y="1"/>
+                  </a:moveTo>
+                  <a:lnTo>
+                    <a:pt x="1" y="26054"/>
+                  </a:lnTo>
+                  <a:lnTo>
+                    <a:pt x="43591" y="51220"/>
+                  </a:lnTo>
+                  <a:lnTo>
+                    <a:pt x="88422" y="25167"/>
+                  </a:lnTo>
+                  <a:lnTo>
+                    <a:pt x="44833" y="1"/>
+                  </a:lnTo>
+                  <a:close/>
+                </a:path>
+              </a:pathLst>
+            </a:custGeom>
+            <a:solidFill>
+              <a:srgbClr val="77BE9C"/>
+            </a:solidFill>
+            <a:ln>
+              <a:noFill/>
+            </a:ln>
+          </p:spPr>
+          <p:txBody>
+            <a:bodyPr spcFirstLastPara="1" wrap="square" lIns="91425" tIns="91425" rIns="91425" bIns="91425" anchor="ctr" anchorCtr="0">
+              <a:noAutofit/>
+            </a:bodyPr>
+            <a:lstStyle/>
+            <a:p>
+              <a:pPr marL="0" lvl="0" indent="0" algn="l" rtl="0">
+                <a:spcBef>
+                  <a:spcPts val="0"/>
+                </a:spcBef>
+                <a:spcAft>
+                  <a:spcPts val="0"/>
+                </a:spcAft>
+                <a:buNone/>
+              </a:pPr>
+              <a:endParaRPr/>
+            </a:p>
+          </p:txBody>
+        </p:sp>
+        <p:sp>
+          <p:nvSpPr>
+            <p:cNvPr id="99" name="Google Shape;99;p16"/>
+            <p:cNvSpPr/>
+            <p:nvPr/>
+          </p:nvSpPr>
+          <p:spPr>
+            <a:xfrm>
+              <a:off x="2716900" y="3165775"/>
+              <a:ext cx="1124525" cy="2301500"/>
+            </a:xfrm>
+            <a:custGeom>
+              <a:avLst/>
+              <a:gdLst/>
+              <a:ahLst/>
+              <a:cxnLst/>
+              <a:rect l="l" t="t" r="r" b="b"/>
+              <a:pathLst>
+                <a:path w="44981" h="92060" extrusionOk="0">
+                  <a:moveTo>
+                    <a:pt x="44980" y="1"/>
+                  </a:moveTo>
+                  <a:lnTo>
+                    <a:pt x="149" y="26054"/>
+                  </a:lnTo>
+                  <a:lnTo>
+                    <a:pt x="1" y="92060"/>
+                  </a:lnTo>
+                  <a:lnTo>
+                    <a:pt x="44832" y="66006"/>
+                  </a:lnTo>
+                  <a:lnTo>
+                    <a:pt x="44980" y="1"/>
+                  </a:lnTo>
+                  <a:close/>
+                </a:path>
+              </a:pathLst>
+            </a:custGeom>
+            <a:solidFill>
+              <a:srgbClr val="458989"/>
+            </a:solidFill>
+            <a:ln>
+              <a:noFill/>
+            </a:ln>
+          </p:spPr>
+          <p:txBody>
+            <a:bodyPr spcFirstLastPara="1" wrap="square" lIns="91425" tIns="91425" rIns="91425" bIns="91425" anchor="ctr" anchorCtr="0">
+              <a:noAutofit/>
+            </a:bodyPr>
+            <a:lstStyle/>
+            <a:p>
+              <a:pPr marL="0" lvl="0" indent="0" algn="l" rtl="0">
+                <a:spcBef>
+                  <a:spcPts val="0"/>
+                </a:spcBef>
+                <a:spcAft>
+                  <a:spcPts val="0"/>
+                </a:spcAft>
+                <a:buNone/>
+              </a:pPr>
+              <a:endParaRPr/>
+            </a:p>
+          </p:txBody>
+        </p:sp>
+      </p:grpSp>
+      <p:grpSp>
+        <p:nvGrpSpPr>
+          <p:cNvPr id="100" name="Google Shape;100;p16"/>
+          <p:cNvGrpSpPr/>
+          <p:nvPr/>
+        </p:nvGrpSpPr>
+        <p:grpSpPr>
+          <a:xfrm>
+            <a:off x="4285449" y="1852156"/>
+            <a:ext cx="573096" cy="509196"/>
+            <a:chOff x="2021150" y="1299575"/>
+            <a:chExt cx="3505175" cy="3114350"/>
+          </a:xfrm>
+        </p:grpSpPr>
+        <p:sp>
+          <p:nvSpPr>
+            <p:cNvPr id="101" name="Google Shape;101;p16"/>
+            <p:cNvSpPr/>
+            <p:nvPr/>
+          </p:nvSpPr>
+          <p:spPr>
+            <a:xfrm>
+              <a:off x="2021550" y="1299600"/>
+              <a:ext cx="3504775" cy="3114325"/>
+            </a:xfrm>
+            <a:custGeom>
+              <a:avLst/>
+              <a:gdLst/>
+              <a:ahLst/>
+              <a:cxnLst/>
+              <a:rect l="l" t="t" r="r" b="b"/>
+              <a:pathLst>
+                <a:path w="140191" h="124573" extrusionOk="0">
+                  <a:moveTo>
+                    <a:pt x="110004" y="123373"/>
+                  </a:moveTo>
+                  <a:lnTo>
+                    <a:pt x="109823" y="123478"/>
+                  </a:lnTo>
+                  <a:cubicBezTo>
+                    <a:pt x="109890" y="123445"/>
+                    <a:pt x="109948" y="123412"/>
+                    <a:pt x="110004" y="123373"/>
+                  </a:cubicBezTo>
+                  <a:close/>
+                  <a:moveTo>
+                    <a:pt x="65818" y="1"/>
+                  </a:moveTo>
+                  <a:cubicBezTo>
+                    <a:pt x="62507" y="1"/>
+                    <a:pt x="59503" y="783"/>
+                    <a:pt x="56920" y="2286"/>
+                  </a:cubicBezTo>
+                  <a:lnTo>
+                    <a:pt x="38960" y="12724"/>
+                  </a:lnTo>
+                  <a:cubicBezTo>
+                    <a:pt x="38300" y="12632"/>
+                    <a:pt x="37655" y="12586"/>
+                    <a:pt x="37028" y="12586"/>
+                  </a:cubicBezTo>
+                  <a:cubicBezTo>
+                    <a:pt x="35021" y="12586"/>
+                    <a:pt x="33200" y="13055"/>
+                    <a:pt x="31640" y="13965"/>
+                  </a:cubicBezTo>
+                  <a:lnTo>
+                    <a:pt x="6003" y="28854"/>
+                  </a:lnTo>
+                  <a:lnTo>
+                    <a:pt x="6049" y="28839"/>
+                  </a:lnTo>
+                  <a:lnTo>
+                    <a:pt x="6049" y="28839"/>
+                  </a:lnTo>
+                  <a:cubicBezTo>
+                    <a:pt x="2342" y="30963"/>
+                    <a:pt x="47" y="35523"/>
+                    <a:pt x="31" y="42006"/>
+                  </a:cubicBezTo>
+                  <a:cubicBezTo>
+                    <a:pt x="0" y="55019"/>
+                    <a:pt x="9151" y="70870"/>
+                    <a:pt x="20473" y="77415"/>
+                  </a:cubicBezTo>
+                  <a:lnTo>
+                    <a:pt x="98315" y="122361"/>
+                  </a:lnTo>
+                  <a:cubicBezTo>
+                    <a:pt x="100916" y="123862"/>
+                    <a:pt x="103379" y="124573"/>
+                    <a:pt x="105561" y="124573"/>
+                  </a:cubicBezTo>
+                  <a:cubicBezTo>
+                    <a:pt x="107257" y="124573"/>
+                    <a:pt x="108783" y="124144"/>
+                    <a:pt x="110071" y="123323"/>
+                  </a:cubicBezTo>
+                  <a:lnTo>
+                    <a:pt x="110071" y="123323"/>
+                  </a:lnTo>
+                  <a:cubicBezTo>
+                    <a:pt x="110049" y="123341"/>
+                    <a:pt x="110027" y="123357"/>
+                    <a:pt x="110004" y="123373"/>
+                  </a:cubicBezTo>
+                  <a:lnTo>
+                    <a:pt x="110004" y="123373"/>
+                  </a:lnTo>
+                  <a:lnTo>
+                    <a:pt x="135461" y="108589"/>
+                  </a:lnTo>
+                  <a:cubicBezTo>
+                    <a:pt x="138361" y="106914"/>
+                    <a:pt x="140160" y="103316"/>
+                    <a:pt x="140175" y="98213"/>
+                  </a:cubicBezTo>
+                  <a:cubicBezTo>
+                    <a:pt x="140191" y="89590"/>
+                    <a:pt x="135088" y="79369"/>
+                    <a:pt x="128156" y="73289"/>
+                  </a:cubicBezTo>
+                  <a:cubicBezTo>
+                    <a:pt x="129102" y="72002"/>
+                    <a:pt x="129644" y="70203"/>
+                    <a:pt x="129644" y="67938"/>
+                  </a:cubicBezTo>
+                  <a:cubicBezTo>
+                    <a:pt x="129675" y="61207"/>
+                    <a:pt x="124945" y="53002"/>
+                    <a:pt x="119082" y="49621"/>
+                  </a:cubicBezTo>
+                  <a:cubicBezTo>
+                    <a:pt x="117374" y="48639"/>
+                    <a:pt x="115762" y="48171"/>
+                    <a:pt x="114334" y="48171"/>
+                  </a:cubicBezTo>
+                  <a:cubicBezTo>
+                    <a:pt x="113778" y="48171"/>
+                    <a:pt x="113250" y="48242"/>
+                    <a:pt x="112755" y="48381"/>
+                  </a:cubicBezTo>
+                  <a:cubicBezTo>
+                    <a:pt x="107993" y="30777"/>
+                    <a:pt x="95601" y="13065"/>
+                    <a:pt x="81038" y="4659"/>
+                  </a:cubicBezTo>
+                  <a:cubicBezTo>
+                    <a:pt x="75573" y="1499"/>
+                    <a:pt x="70400" y="1"/>
+                    <a:pt x="65818" y="1"/>
+                  </a:cubicBezTo>
+                  <a:close/>
+                </a:path>
+              </a:pathLst>
+            </a:custGeom>
+            <a:solidFill>
+              <a:srgbClr val="D9D9D9"/>
+            </a:solidFill>
+            <a:ln>
+              <a:noFill/>
+            </a:ln>
+          </p:spPr>
+          <p:txBody>
+            <a:bodyPr spcFirstLastPara="1" wrap="square" lIns="91425" tIns="91425" rIns="91425" bIns="91425" anchor="ctr" anchorCtr="0">
+              <a:noAutofit/>
+            </a:bodyPr>
+            <a:lstStyle/>
+            <a:p>
+              <a:pPr marL="0" lvl="0" indent="0" algn="l" rtl="0">
+                <a:spcBef>
+                  <a:spcPts val="0"/>
+                </a:spcBef>
+                <a:spcAft>
+                  <a:spcPts val="0"/>
+                </a:spcAft>
+                <a:buNone/>
+              </a:pPr>
+              <a:endParaRPr/>
+            </a:p>
+          </p:txBody>
+        </p:sp>
+        <p:sp>
+          <p:nvSpPr>
+            <p:cNvPr id="102" name="Google Shape;102;p16"/>
+            <p:cNvSpPr/>
+            <p:nvPr/>
+          </p:nvSpPr>
+          <p:spPr>
+            <a:xfrm>
+              <a:off x="2171600" y="1613950"/>
+              <a:ext cx="1044200" cy="467125"/>
+            </a:xfrm>
+            <a:custGeom>
+              <a:avLst/>
+              <a:gdLst/>
+              <a:ahLst/>
+              <a:cxnLst/>
+              <a:rect l="l" t="t" r="r" b="b"/>
+              <a:pathLst>
+                <a:path w="41768" h="18685" extrusionOk="0">
+                  <a:moveTo>
+                    <a:pt x="31034" y="0"/>
+                  </a:moveTo>
+                  <a:cubicBezTo>
+                    <a:pt x="29026" y="0"/>
+                    <a:pt x="27204" y="477"/>
+                    <a:pt x="25638" y="1391"/>
+                  </a:cubicBezTo>
+                  <a:lnTo>
+                    <a:pt x="1" y="16280"/>
+                  </a:lnTo>
+                  <a:cubicBezTo>
+                    <a:pt x="1568" y="15369"/>
+                    <a:pt x="3386" y="14895"/>
+                    <a:pt x="5391" y="14895"/>
+                  </a:cubicBezTo>
+                  <a:cubicBezTo>
+                    <a:pt x="8166" y="14895"/>
+                    <a:pt x="11296" y="15804"/>
+                    <a:pt x="14610" y="17722"/>
+                  </a:cubicBezTo>
+                  <a:cubicBezTo>
+                    <a:pt x="15122" y="18017"/>
+                    <a:pt x="15650" y="18343"/>
+                    <a:pt x="16161" y="18684"/>
+                  </a:cubicBezTo>
+                  <a:lnTo>
+                    <a:pt x="41768" y="3779"/>
+                  </a:lnTo>
+                  <a:cubicBezTo>
+                    <a:pt x="41271" y="3438"/>
+                    <a:pt x="40744" y="3112"/>
+                    <a:pt x="40217" y="2818"/>
+                  </a:cubicBezTo>
+                  <a:cubicBezTo>
+                    <a:pt x="36920" y="904"/>
+                    <a:pt x="33800" y="0"/>
+                    <a:pt x="31034" y="0"/>
+                  </a:cubicBezTo>
+                  <a:close/>
+                </a:path>
+              </a:pathLst>
+            </a:custGeom>
+            <a:solidFill>
+              <a:srgbClr val="D9D9D9"/>
+            </a:solidFill>
+            <a:ln>
+              <a:noFill/>
+            </a:ln>
+          </p:spPr>
+          <p:txBody>
+            <a:bodyPr spcFirstLastPara="1" wrap="square" lIns="91425" tIns="91425" rIns="91425" bIns="91425" anchor="ctr" anchorCtr="0">
+              <a:noAutofit/>
+            </a:bodyPr>
+            <a:lstStyle/>
+            <a:p>
+              <a:pPr marL="0" lvl="0" indent="0" algn="l" rtl="0">
+                <a:spcBef>
+                  <a:spcPts val="0"/>
+                </a:spcBef>
+                <a:spcAft>
+                  <a:spcPts val="0"/>
+                </a:spcAft>
+                <a:buNone/>
+              </a:pPr>
+              <a:endParaRPr/>
+            </a:p>
+          </p:txBody>
+        </p:sp>
+        <p:sp>
+          <p:nvSpPr>
+            <p:cNvPr id="103" name="Google Shape;103;p16"/>
+            <p:cNvSpPr/>
+            <p:nvPr/>
+          </p:nvSpPr>
+          <p:spPr>
+            <a:xfrm>
+              <a:off x="2804000" y="1299575"/>
+              <a:ext cx="1243500" cy="488750"/>
+            </a:xfrm>
+            <a:custGeom>
+              <a:avLst/>
+              <a:gdLst/>
+              <a:ahLst/>
+              <a:cxnLst/>
+              <a:rect l="l" t="t" r="r" b="b"/>
+              <a:pathLst>
+                <a:path w="49740" h="19550" extrusionOk="0">
+                  <a:moveTo>
+                    <a:pt x="16" y="17167"/>
+                  </a:moveTo>
+                  <a:cubicBezTo>
+                    <a:pt x="11" y="17170"/>
+                    <a:pt x="6" y="17173"/>
+                    <a:pt x="1" y="17176"/>
+                  </a:cubicBezTo>
+                  <a:lnTo>
+                    <a:pt x="16" y="17167"/>
+                  </a:lnTo>
+                  <a:close/>
+                  <a:moveTo>
+                    <a:pt x="34527" y="1"/>
+                  </a:moveTo>
+                  <a:cubicBezTo>
+                    <a:pt x="31213" y="1"/>
+                    <a:pt x="28207" y="783"/>
+                    <a:pt x="25622" y="2287"/>
+                  </a:cubicBezTo>
+                  <a:lnTo>
+                    <a:pt x="16" y="17167"/>
+                  </a:lnTo>
+                  <a:lnTo>
+                    <a:pt x="16" y="17167"/>
+                  </a:lnTo>
+                  <a:cubicBezTo>
+                    <a:pt x="2595" y="15670"/>
+                    <a:pt x="5593" y="14891"/>
+                    <a:pt x="8898" y="14891"/>
+                  </a:cubicBezTo>
+                  <a:cubicBezTo>
+                    <a:pt x="13481" y="14891"/>
+                    <a:pt x="18653" y="16389"/>
+                    <a:pt x="24118" y="19549"/>
+                  </a:cubicBezTo>
+                  <a:lnTo>
+                    <a:pt x="49740" y="4645"/>
+                  </a:lnTo>
+                  <a:cubicBezTo>
+                    <a:pt x="44278" y="1495"/>
+                    <a:pt x="39108" y="1"/>
+                    <a:pt x="34527" y="1"/>
+                  </a:cubicBezTo>
+                  <a:close/>
+                </a:path>
+              </a:pathLst>
+            </a:custGeom>
+            <a:solidFill>
+              <a:srgbClr val="D9D9D9"/>
+            </a:solidFill>
+            <a:ln>
+              <a:noFill/>
+            </a:ln>
+          </p:spPr>
+          <p:txBody>
+            <a:bodyPr spcFirstLastPara="1" wrap="square" lIns="91425" tIns="91425" rIns="91425" bIns="91425" anchor="ctr" anchorCtr="0">
+              <a:noAutofit/>
+            </a:bodyPr>
+            <a:lstStyle/>
+            <a:p>
+              <a:pPr marL="0" lvl="0" indent="0" algn="l" rtl="0">
+                <a:spcBef>
+                  <a:spcPts val="0"/>
+                </a:spcBef>
+                <a:spcAft>
+                  <a:spcPts val="0"/>
+                </a:spcAft>
+                <a:buNone/>
+              </a:pPr>
+              <a:endParaRPr/>
+            </a:p>
+          </p:txBody>
+        </p:sp>
+        <p:sp>
+          <p:nvSpPr>
+            <p:cNvPr id="104" name="Google Shape;104;p16"/>
+            <p:cNvSpPr/>
+            <p:nvPr/>
+          </p:nvSpPr>
+          <p:spPr>
+            <a:xfrm>
+              <a:off x="4584875" y="3131825"/>
+              <a:ext cx="941450" cy="1254750"/>
+            </a:xfrm>
+            <a:custGeom>
+              <a:avLst/>
+              <a:gdLst/>
+              <a:ahLst/>
+              <a:cxnLst/>
+              <a:rect l="l" t="t" r="r" b="b"/>
+              <a:pathLst>
+                <a:path w="37658" h="50190" extrusionOk="0">
+                  <a:moveTo>
+                    <a:pt x="25623" y="0"/>
+                  </a:moveTo>
+                  <a:lnTo>
+                    <a:pt x="1" y="14874"/>
+                  </a:lnTo>
+                  <a:cubicBezTo>
+                    <a:pt x="6934" y="20969"/>
+                    <a:pt x="12036" y="31190"/>
+                    <a:pt x="12021" y="39813"/>
+                  </a:cubicBezTo>
+                  <a:cubicBezTo>
+                    <a:pt x="12005" y="44880"/>
+                    <a:pt x="10232" y="48463"/>
+                    <a:pt x="7352" y="50153"/>
+                  </a:cubicBezTo>
+                  <a:lnTo>
+                    <a:pt x="7352" y="50153"/>
+                  </a:lnTo>
+                  <a:lnTo>
+                    <a:pt x="32928" y="35300"/>
+                  </a:lnTo>
+                  <a:cubicBezTo>
+                    <a:pt x="35828" y="33609"/>
+                    <a:pt x="37627" y="30027"/>
+                    <a:pt x="37642" y="24939"/>
+                  </a:cubicBezTo>
+                  <a:cubicBezTo>
+                    <a:pt x="37658" y="16301"/>
+                    <a:pt x="32555" y="6095"/>
+                    <a:pt x="25623" y="0"/>
+                  </a:cubicBezTo>
+                  <a:close/>
+                  <a:moveTo>
+                    <a:pt x="7352" y="50153"/>
+                  </a:moveTo>
+                  <a:lnTo>
+                    <a:pt x="7290" y="50189"/>
+                  </a:lnTo>
+                  <a:cubicBezTo>
+                    <a:pt x="7311" y="50177"/>
+                    <a:pt x="7332" y="50165"/>
+                    <a:pt x="7352" y="50153"/>
+                  </a:cubicBezTo>
+                  <a:close/>
+                </a:path>
+              </a:pathLst>
+            </a:custGeom>
+            <a:solidFill>
+              <a:srgbClr val="D9D9D9"/>
+            </a:solidFill>
+            <a:ln>
+              <a:noFill/>
+            </a:ln>
+          </p:spPr>
+          <p:txBody>
+            <a:bodyPr spcFirstLastPara="1" wrap="square" lIns="91425" tIns="91425" rIns="91425" bIns="91425" anchor="ctr" anchorCtr="0">
+              <a:noAutofit/>
+            </a:bodyPr>
+            <a:lstStyle/>
+            <a:p>
+              <a:pPr marL="0" lvl="0" indent="0" algn="l" rtl="0">
+                <a:spcBef>
+                  <a:spcPts val="0"/>
+                </a:spcBef>
+                <a:spcAft>
+                  <a:spcPts val="0"/>
+                </a:spcAft>
+                <a:buNone/>
+              </a:pPr>
+              <a:endParaRPr/>
+            </a:p>
+          </p:txBody>
+        </p:sp>
+        <p:sp>
+          <p:nvSpPr>
+            <p:cNvPr id="105" name="Google Shape;105;p16"/>
+            <p:cNvSpPr/>
+            <p:nvPr/>
+          </p:nvSpPr>
+          <p:spPr>
+            <a:xfrm>
+              <a:off x="3406925" y="1416075"/>
+              <a:ext cx="1433500" cy="1465275"/>
+            </a:xfrm>
+            <a:custGeom>
+              <a:avLst/>
+              <a:gdLst/>
+              <a:ahLst/>
+              <a:cxnLst/>
+              <a:rect l="l" t="t" r="r" b="b"/>
+              <a:pathLst>
+                <a:path w="57340" h="58611" extrusionOk="0">
+                  <a:moveTo>
+                    <a:pt x="25623" y="0"/>
+                  </a:moveTo>
+                  <a:lnTo>
+                    <a:pt x="1" y="14889"/>
+                  </a:lnTo>
+                  <a:cubicBezTo>
+                    <a:pt x="14564" y="23296"/>
+                    <a:pt x="26956" y="41023"/>
+                    <a:pt x="31718" y="58611"/>
+                  </a:cubicBezTo>
+                  <a:lnTo>
+                    <a:pt x="57340" y="43722"/>
+                  </a:lnTo>
+                  <a:cubicBezTo>
+                    <a:pt x="52578" y="26134"/>
+                    <a:pt x="40186" y="8406"/>
+                    <a:pt x="25623" y="0"/>
+                  </a:cubicBezTo>
+                  <a:close/>
+                </a:path>
+              </a:pathLst>
+            </a:custGeom>
+            <a:solidFill>
+              <a:srgbClr val="D9D9D9"/>
+            </a:solidFill>
+            <a:ln>
+              <a:noFill/>
+            </a:ln>
+          </p:spPr>
+          <p:txBody>
+            <a:bodyPr spcFirstLastPara="1" wrap="square" lIns="91425" tIns="91425" rIns="91425" bIns="91425" anchor="ctr" anchorCtr="0">
+              <a:noAutofit/>
+            </a:bodyPr>
+            <a:lstStyle/>
+            <a:p>
+              <a:pPr marL="0" lvl="0" indent="0" algn="l" rtl="0">
+                <a:spcBef>
+                  <a:spcPts val="0"/>
+                </a:spcBef>
+                <a:spcAft>
+                  <a:spcPts val="0"/>
+                </a:spcAft>
+                <a:buNone/>
+              </a:pPr>
+              <a:endParaRPr/>
+            </a:p>
+          </p:txBody>
+        </p:sp>
+        <p:sp>
+          <p:nvSpPr>
+            <p:cNvPr id="106" name="Google Shape;106;p16"/>
+            <p:cNvSpPr/>
+            <p:nvPr/>
+          </p:nvSpPr>
+          <p:spPr>
+            <a:xfrm>
+              <a:off x="4199850" y="2503850"/>
+              <a:ext cx="1063600" cy="999825"/>
+            </a:xfrm>
+            <a:custGeom>
+              <a:avLst/>
+              <a:gdLst/>
+              <a:ahLst/>
+              <a:cxnLst/>
+              <a:rect l="l" t="t" r="r" b="b"/>
+              <a:pathLst>
+                <a:path w="42544" h="39993" extrusionOk="0">
+                  <a:moveTo>
+                    <a:pt x="27202" y="1"/>
+                  </a:moveTo>
+                  <a:cubicBezTo>
+                    <a:pt x="26646" y="1"/>
+                    <a:pt x="26118" y="72"/>
+                    <a:pt x="25623" y="211"/>
+                  </a:cubicBezTo>
+                  <a:lnTo>
+                    <a:pt x="1" y="15100"/>
+                  </a:lnTo>
+                  <a:cubicBezTo>
+                    <a:pt x="496" y="14961"/>
+                    <a:pt x="1024" y="14890"/>
+                    <a:pt x="1580" y="14890"/>
+                  </a:cubicBezTo>
+                  <a:cubicBezTo>
+                    <a:pt x="3009" y="14890"/>
+                    <a:pt x="4620" y="15358"/>
+                    <a:pt x="6329" y="16341"/>
+                  </a:cubicBezTo>
+                  <a:cubicBezTo>
+                    <a:pt x="12176" y="19722"/>
+                    <a:pt x="16906" y="27911"/>
+                    <a:pt x="16891" y="34642"/>
+                  </a:cubicBezTo>
+                  <a:cubicBezTo>
+                    <a:pt x="16891" y="36906"/>
+                    <a:pt x="16348" y="38721"/>
+                    <a:pt x="15402" y="39993"/>
+                  </a:cubicBezTo>
+                  <a:lnTo>
+                    <a:pt x="41024" y="25104"/>
+                  </a:lnTo>
+                  <a:cubicBezTo>
+                    <a:pt x="41970" y="23832"/>
+                    <a:pt x="42512" y="22017"/>
+                    <a:pt x="42512" y="19753"/>
+                  </a:cubicBezTo>
+                  <a:cubicBezTo>
+                    <a:pt x="42543" y="13022"/>
+                    <a:pt x="37813" y="4832"/>
+                    <a:pt x="31950" y="1451"/>
+                  </a:cubicBezTo>
+                  <a:cubicBezTo>
+                    <a:pt x="30242" y="469"/>
+                    <a:pt x="28630" y="1"/>
+                    <a:pt x="27202" y="1"/>
+                  </a:cubicBezTo>
+                  <a:close/>
+                </a:path>
+              </a:pathLst>
+            </a:custGeom>
+            <a:solidFill>
+              <a:srgbClr val="D9D9D9"/>
+            </a:solidFill>
+            <a:ln>
+              <a:noFill/>
+            </a:ln>
+          </p:spPr>
+          <p:txBody>
+            <a:bodyPr spcFirstLastPara="1" wrap="square" lIns="91425" tIns="91425" rIns="91425" bIns="91425" anchor="ctr" anchorCtr="0">
+              <a:noAutofit/>
+            </a:bodyPr>
+            <a:lstStyle/>
+            <a:p>
+              <a:pPr marL="0" lvl="0" indent="0" algn="l" rtl="0">
+                <a:spcBef>
+                  <a:spcPts val="0"/>
+                </a:spcBef>
+                <a:spcAft>
+                  <a:spcPts val="0"/>
+                </a:spcAft>
+                <a:buNone/>
+              </a:pPr>
+              <a:endParaRPr/>
+            </a:p>
+          </p:txBody>
+        </p:sp>
+        <p:sp>
+          <p:nvSpPr>
+            <p:cNvPr id="107" name="Google Shape;107;p16"/>
+            <p:cNvSpPr/>
+            <p:nvPr/>
+          </p:nvSpPr>
+          <p:spPr>
+            <a:xfrm>
+              <a:off x="2021150" y="1671875"/>
+              <a:ext cx="2864650" cy="2741950"/>
+            </a:xfrm>
+            <a:custGeom>
+              <a:avLst/>
+              <a:gdLst/>
+              <a:ahLst/>
+              <a:cxnLst/>
+              <a:rect l="l" t="t" r="r" b="b"/>
+              <a:pathLst>
+                <a:path w="114586" h="109678" extrusionOk="0">
+                  <a:moveTo>
+                    <a:pt x="40215" y="0"/>
+                  </a:moveTo>
+                  <a:cubicBezTo>
+                    <a:pt x="31129" y="0"/>
+                    <a:pt x="24360" y="5890"/>
+                    <a:pt x="22164" y="16367"/>
+                  </a:cubicBezTo>
+                  <a:cubicBezTo>
+                    <a:pt x="21652" y="16026"/>
+                    <a:pt x="21140" y="15700"/>
+                    <a:pt x="20613" y="15390"/>
+                  </a:cubicBezTo>
+                  <a:cubicBezTo>
+                    <a:pt x="17309" y="13485"/>
+                    <a:pt x="14185" y="12582"/>
+                    <a:pt x="11416" y="12582"/>
+                  </a:cubicBezTo>
+                  <a:cubicBezTo>
+                    <a:pt x="4696" y="12582"/>
+                    <a:pt x="69" y="17900"/>
+                    <a:pt x="47" y="27115"/>
+                  </a:cubicBezTo>
+                  <a:cubicBezTo>
+                    <a:pt x="1" y="40128"/>
+                    <a:pt x="9151" y="55979"/>
+                    <a:pt x="20489" y="62524"/>
+                  </a:cubicBezTo>
+                  <a:lnTo>
+                    <a:pt x="98331" y="107455"/>
+                  </a:lnTo>
+                  <a:cubicBezTo>
+                    <a:pt x="100940" y="108963"/>
+                    <a:pt x="103408" y="109678"/>
+                    <a:pt x="105595" y="109678"/>
+                  </a:cubicBezTo>
+                  <a:cubicBezTo>
+                    <a:pt x="110896" y="109678"/>
+                    <a:pt x="114548" y="105480"/>
+                    <a:pt x="114570" y="98211"/>
+                  </a:cubicBezTo>
+                  <a:cubicBezTo>
+                    <a:pt x="114585" y="89588"/>
+                    <a:pt x="109483" y="79367"/>
+                    <a:pt x="102550" y="73272"/>
+                  </a:cubicBezTo>
+                  <a:cubicBezTo>
+                    <a:pt x="103480" y="72000"/>
+                    <a:pt x="104039" y="70185"/>
+                    <a:pt x="104039" y="67921"/>
+                  </a:cubicBezTo>
+                  <a:cubicBezTo>
+                    <a:pt x="104054" y="61190"/>
+                    <a:pt x="99324" y="53001"/>
+                    <a:pt x="93461" y="49620"/>
+                  </a:cubicBezTo>
+                  <a:cubicBezTo>
+                    <a:pt x="91764" y="48637"/>
+                    <a:pt x="90147" y="48169"/>
+                    <a:pt x="88715" y="48169"/>
+                  </a:cubicBezTo>
+                  <a:cubicBezTo>
+                    <a:pt x="88158" y="48169"/>
+                    <a:pt x="87629" y="48240"/>
+                    <a:pt x="87133" y="48379"/>
+                  </a:cubicBezTo>
+                  <a:cubicBezTo>
+                    <a:pt x="82372" y="30791"/>
+                    <a:pt x="69995" y="13064"/>
+                    <a:pt x="55432" y="4657"/>
+                  </a:cubicBezTo>
+                  <a:cubicBezTo>
+                    <a:pt x="49964" y="1497"/>
+                    <a:pt x="44795" y="0"/>
+                    <a:pt x="40215" y="0"/>
+                  </a:cubicBezTo>
+                  <a:close/>
+                </a:path>
+              </a:pathLst>
+            </a:custGeom>
+            <a:solidFill>
+              <a:schemeClr val="lt1"/>
+            </a:solidFill>
+            <a:ln>
+              <a:noFill/>
+            </a:ln>
+          </p:spPr>
+          <p:txBody>
+            <a:bodyPr spcFirstLastPara="1" wrap="square" lIns="91425" tIns="91425" rIns="91425" bIns="91425" anchor="ctr" anchorCtr="0">
+              <a:noAutofit/>
+            </a:bodyPr>
+            <a:lstStyle/>
+            <a:p>
+              <a:pPr marL="0" lvl="0" indent="0" algn="l" rtl="0">
+                <a:spcBef>
+                  <a:spcPts val="0"/>
+                </a:spcBef>
+                <a:spcAft>
+                  <a:spcPts val="0"/>
+                </a:spcAft>
+                <a:buNone/>
+              </a:pPr>
+              <a:endParaRPr/>
+            </a:p>
+          </p:txBody>
+        </p:sp>
+        <p:sp>
+          <p:nvSpPr>
+            <p:cNvPr id="108" name="Google Shape;108;p16"/>
+            <p:cNvSpPr/>
+            <p:nvPr/>
+          </p:nvSpPr>
+          <p:spPr>
+            <a:xfrm>
+              <a:off x="2655100" y="2317950"/>
+              <a:ext cx="1276475" cy="1773925"/>
+            </a:xfrm>
+            <a:custGeom>
+              <a:avLst/>
+              <a:gdLst/>
+              <a:ahLst/>
+              <a:cxnLst/>
+              <a:rect l="l" t="t" r="r" b="b"/>
+              <a:pathLst>
+                <a:path w="51059" h="70957" extrusionOk="0">
+                  <a:moveTo>
+                    <a:pt x="30648" y="0"/>
+                  </a:moveTo>
+                  <a:lnTo>
+                    <a:pt x="20567" y="5848"/>
+                  </a:lnTo>
+                  <a:lnTo>
+                    <a:pt x="1" y="22288"/>
+                  </a:lnTo>
+                  <a:lnTo>
+                    <a:pt x="11835" y="29127"/>
+                  </a:lnTo>
+                  <a:lnTo>
+                    <a:pt x="11742" y="60953"/>
+                  </a:lnTo>
+                  <a:lnTo>
+                    <a:pt x="29066" y="70957"/>
+                  </a:lnTo>
+                  <a:lnTo>
+                    <a:pt x="39131" y="65094"/>
+                  </a:lnTo>
+                  <a:lnTo>
+                    <a:pt x="39193" y="44916"/>
+                  </a:lnTo>
+                  <a:lnTo>
+                    <a:pt x="40977" y="45955"/>
+                  </a:lnTo>
+                  <a:lnTo>
+                    <a:pt x="51058" y="40093"/>
+                  </a:lnTo>
+                  <a:lnTo>
+                    <a:pt x="30648" y="0"/>
+                  </a:lnTo>
+                  <a:close/>
+                </a:path>
+              </a:pathLst>
+            </a:custGeom>
+            <a:solidFill>
+              <a:srgbClr val="295568"/>
+            </a:solidFill>
+            <a:ln>
+              <a:noFill/>
+            </a:ln>
+          </p:spPr>
+          <p:txBody>
+            <a:bodyPr spcFirstLastPara="1" wrap="square" lIns="91425" tIns="91425" rIns="91425" bIns="91425" anchor="ctr" anchorCtr="0">
+              <a:noAutofit/>
+            </a:bodyPr>
+            <a:lstStyle/>
+            <a:p>
+              <a:pPr marL="0" lvl="0" indent="0" algn="l" rtl="0">
+                <a:spcBef>
+                  <a:spcPts val="0"/>
+                </a:spcBef>
+                <a:spcAft>
+                  <a:spcPts val="0"/>
+                </a:spcAft>
+                <a:buNone/>
+              </a:pPr>
+              <a:endParaRPr/>
+            </a:p>
+          </p:txBody>
+        </p:sp>
+        <p:sp>
+          <p:nvSpPr>
+            <p:cNvPr id="109" name="Google Shape;109;p16"/>
+            <p:cNvSpPr/>
+            <p:nvPr/>
+          </p:nvSpPr>
+          <p:spPr>
+            <a:xfrm>
+              <a:off x="3381725" y="3149650"/>
+              <a:ext cx="254000" cy="942225"/>
+            </a:xfrm>
+            <a:custGeom>
+              <a:avLst/>
+              <a:gdLst/>
+              <a:ahLst/>
+              <a:cxnLst/>
+              <a:rect l="l" t="t" r="r" b="b"/>
+              <a:pathLst>
+                <a:path w="10160" h="37689" extrusionOk="0">
+                  <a:moveTo>
+                    <a:pt x="10159" y="0"/>
+                  </a:moveTo>
+                  <a:lnTo>
+                    <a:pt x="78" y="5848"/>
+                  </a:lnTo>
+                  <a:lnTo>
+                    <a:pt x="1" y="37689"/>
+                  </a:lnTo>
+                  <a:lnTo>
+                    <a:pt x="10066" y="31826"/>
+                  </a:lnTo>
+                  <a:lnTo>
+                    <a:pt x="10159" y="0"/>
+                  </a:lnTo>
+                  <a:close/>
+                </a:path>
+              </a:pathLst>
+            </a:custGeom>
+            <a:solidFill>
+              <a:srgbClr val="3E738A"/>
+            </a:solidFill>
+            <a:ln>
+              <a:noFill/>
+            </a:ln>
+          </p:spPr>
+          <p:txBody>
+            <a:bodyPr spcFirstLastPara="1" wrap="square" lIns="91425" tIns="91425" rIns="91425" bIns="91425" anchor="ctr" anchorCtr="0">
+              <a:noAutofit/>
+            </a:bodyPr>
+            <a:lstStyle/>
+            <a:p>
+              <a:pPr marL="0" lvl="0" indent="0" algn="l" rtl="0">
+                <a:spcBef>
+                  <a:spcPts val="0"/>
+                </a:spcBef>
+                <a:spcAft>
+                  <a:spcPts val="0"/>
+                </a:spcAft>
+                <a:buNone/>
+              </a:pPr>
+              <a:endParaRPr/>
+            </a:p>
+          </p:txBody>
+        </p:sp>
+        <p:sp>
+          <p:nvSpPr>
+            <p:cNvPr id="110" name="Google Shape;110;p16"/>
+            <p:cNvSpPr/>
+            <p:nvPr/>
+          </p:nvSpPr>
+          <p:spPr>
+            <a:xfrm>
+              <a:off x="3169250" y="2317950"/>
+              <a:ext cx="762325" cy="1148900"/>
+            </a:xfrm>
+            <a:custGeom>
+              <a:avLst/>
+              <a:gdLst/>
+              <a:ahLst/>
+              <a:cxnLst/>
+              <a:rect l="l" t="t" r="r" b="b"/>
+              <a:pathLst>
+                <a:path w="30493" h="45956" extrusionOk="0">
+                  <a:moveTo>
+                    <a:pt x="10082" y="0"/>
+                  </a:moveTo>
+                  <a:lnTo>
+                    <a:pt x="1" y="5848"/>
+                  </a:lnTo>
+                  <a:lnTo>
+                    <a:pt x="20411" y="45955"/>
+                  </a:lnTo>
+                  <a:lnTo>
+                    <a:pt x="30492" y="40093"/>
+                  </a:lnTo>
+                  <a:lnTo>
+                    <a:pt x="10082" y="0"/>
+                  </a:lnTo>
+                  <a:close/>
+                </a:path>
+              </a:pathLst>
+            </a:custGeom>
+            <a:solidFill>
+              <a:srgbClr val="3C6476"/>
+            </a:solidFill>
+            <a:ln>
+              <a:noFill/>
+            </a:ln>
+          </p:spPr>
+          <p:txBody>
+            <a:bodyPr spcFirstLastPara="1" wrap="square" lIns="91425" tIns="91425" rIns="91425" bIns="91425" anchor="ctr" anchorCtr="0">
+              <a:noAutofit/>
+            </a:bodyPr>
+            <a:lstStyle/>
+            <a:p>
+              <a:pPr marL="0" lvl="0" indent="0" algn="l" rtl="0">
+                <a:spcBef>
+                  <a:spcPts val="0"/>
+                </a:spcBef>
+                <a:spcAft>
+                  <a:spcPts val="0"/>
+                </a:spcAft>
+                <a:buNone/>
+              </a:pPr>
+              <a:endParaRPr/>
+            </a:p>
+          </p:txBody>
+        </p:sp>
+        <p:sp>
+          <p:nvSpPr>
+            <p:cNvPr id="111" name="Google Shape;111;p16"/>
+            <p:cNvSpPr/>
+            <p:nvPr/>
+          </p:nvSpPr>
+          <p:spPr>
+            <a:xfrm>
+              <a:off x="2655100" y="2464125"/>
+              <a:ext cx="1024450" cy="1627750"/>
+            </a:xfrm>
+            <a:custGeom>
+              <a:avLst/>
+              <a:gdLst/>
+              <a:ahLst/>
+              <a:cxnLst/>
+              <a:rect l="l" t="t" r="r" b="b"/>
+              <a:pathLst>
+                <a:path w="40978" h="65110" extrusionOk="0">
+                  <a:moveTo>
+                    <a:pt x="20567" y="1"/>
+                  </a:moveTo>
+                  <a:lnTo>
+                    <a:pt x="1" y="16441"/>
+                  </a:lnTo>
+                  <a:lnTo>
+                    <a:pt x="11835" y="23280"/>
+                  </a:lnTo>
+                  <a:lnTo>
+                    <a:pt x="11742" y="55106"/>
+                  </a:lnTo>
+                  <a:lnTo>
+                    <a:pt x="29066" y="65110"/>
+                  </a:lnTo>
+                  <a:lnTo>
+                    <a:pt x="29143" y="33269"/>
+                  </a:lnTo>
+                  <a:lnTo>
+                    <a:pt x="40977" y="40108"/>
+                  </a:lnTo>
+                  <a:lnTo>
+                    <a:pt x="20567" y="1"/>
+                  </a:lnTo>
+                  <a:close/>
+                </a:path>
+              </a:pathLst>
+            </a:custGeom>
+            <a:solidFill>
+              <a:srgbClr val="295568"/>
+            </a:solidFill>
+            <a:ln>
+              <a:noFill/>
+            </a:ln>
+          </p:spPr>
+          <p:txBody>
+            <a:bodyPr spcFirstLastPara="1" wrap="square" lIns="91425" tIns="91425" rIns="91425" bIns="91425" anchor="ctr" anchorCtr="0">
+              <a:noAutofit/>
+            </a:bodyPr>
+            <a:lstStyle/>
+            <a:p>
+              <a:pPr marL="0" lvl="0" indent="0" algn="l" rtl="0">
+                <a:spcBef>
+                  <a:spcPts val="0"/>
+                </a:spcBef>
+                <a:spcAft>
+                  <a:spcPts val="0"/>
+                </a:spcAft>
+                <a:buNone/>
+              </a:pPr>
+              <a:endParaRPr/>
+            </a:p>
+          </p:txBody>
+        </p:sp>
+      </p:grpSp>
+      <p:sp>
+        <p:nvSpPr>
+          <p:cNvPr id="112" name="Google Shape;112;p16"/>
+          <p:cNvSpPr txBox="1">
+            <a:spLocks noGrp="1"/>
+          </p:cNvSpPr>
+          <p:nvPr>
+            <p:ph type="ctrTitle"/>
+          </p:nvPr>
+        </p:nvSpPr>
+        <p:spPr>
+          <a:xfrm>
+            <a:off x="-65400" y="370850"/>
+            <a:ext cx="2013600" cy="946200"/>
+          </a:xfrm>
+          <a:prstGeom prst="rect">
+            <a:avLst/>
+          </a:prstGeom>
+        </p:spPr>
+        <p:txBody>
+          <a:bodyPr spcFirstLastPara="1" wrap="square" lIns="91425" tIns="91425" rIns="91425" bIns="91425" anchor="ctr" anchorCtr="0">
+            <a:noAutofit/>
+          </a:bodyPr>
+          <a:lstStyle/>
+          <a:p>
+            <a:pPr marL="0" lvl="0" indent="0" algn="l" rtl="0">
+              <a:spcBef>
+                <a:spcPts val="0"/>
+              </a:spcBef>
+              <a:spcAft>
+                <a:spcPts val="0"/>
+              </a:spcAft>
+              <a:buNone/>
+            </a:pPr>
+            <a:r>
+              <a:rPr lang="es" sz="1300"/>
+              <a:t>¿Cuáles son los problemas a resolver?</a:t>
+            </a:r>
+            <a:endParaRPr sz="1300"/>
+          </a:p>
+        </p:txBody>
+      </p:sp>
+      <p:sp>
+        <p:nvSpPr>
+          <p:cNvPr id="113" name="Google Shape;113;p16"/>
+          <p:cNvSpPr txBox="1">
+            <a:spLocks noGrp="1"/>
+          </p:cNvSpPr>
+          <p:nvPr>
+            <p:ph type="subTitle" idx="1"/>
+          </p:nvPr>
+        </p:nvSpPr>
+        <p:spPr>
+          <a:xfrm>
+            <a:off x="1563588" y="2726803"/>
+            <a:ext cx="1865400" cy="936300"/>
+          </a:xfrm>
+          <a:prstGeom prst="rect">
+            <a:avLst/>
+          </a:prstGeom>
+        </p:spPr>
+        <p:txBody>
+          <a:bodyPr spcFirstLastPara="1" wrap="square" lIns="91425" tIns="91425" rIns="91425" bIns="91425" anchor="t" anchorCtr="0">
+            <a:noAutofit/>
+          </a:bodyPr>
+          <a:lstStyle/>
+          <a:p>
+            <a:pPr marL="0" lvl="0" indent="0" algn="r" rtl="0">
+              <a:spcBef>
+                <a:spcPts val="0"/>
+              </a:spcBef>
+              <a:spcAft>
+                <a:spcPts val="0"/>
+              </a:spcAft>
+              <a:buNone/>
+            </a:pPr>
+            <a:r>
+              <a:rPr lang="es"/>
+              <a:t>La falta de proactividad para mejorar la calidad del aire, agua y tierra.</a:t>
+            </a:r>
+            <a:endParaRPr/>
+          </a:p>
+          <a:p>
+            <a:pPr marL="0" lvl="0" indent="0" algn="r" rtl="0">
+              <a:spcBef>
+                <a:spcPts val="0"/>
+              </a:spcBef>
+              <a:spcAft>
+                <a:spcPts val="0"/>
+              </a:spcAft>
+              <a:buNone/>
+            </a:pPr>
+            <a:endParaRPr/>
+          </a:p>
+        </p:txBody>
+      </p:sp>
+      <p:sp>
+        <p:nvSpPr>
+          <p:cNvPr id="114" name="Google Shape;114;p16"/>
+          <p:cNvSpPr txBox="1">
+            <a:spLocks noGrp="1"/>
+          </p:cNvSpPr>
+          <p:nvPr>
+            <p:ph type="subTitle" idx="2"/>
+          </p:nvPr>
+        </p:nvSpPr>
+        <p:spPr>
+          <a:xfrm>
+            <a:off x="5691637" y="2726800"/>
+            <a:ext cx="1865400" cy="936300"/>
+          </a:xfrm>
+          <a:prstGeom prst="rect">
+            <a:avLst/>
+          </a:prstGeom>
+        </p:spPr>
+        <p:txBody>
+          <a:bodyPr spcFirstLastPara="1" wrap="square" lIns="91425" tIns="91425" rIns="91425" bIns="91425" anchor="t" anchorCtr="0">
+            <a:noAutofit/>
+          </a:bodyPr>
+          <a:lstStyle/>
+          <a:p>
+            <a:pPr marL="0" lvl="0" indent="0" algn="l" rtl="0">
+              <a:spcBef>
+                <a:spcPts val="0"/>
+              </a:spcBef>
+              <a:spcAft>
+                <a:spcPts val="0"/>
+              </a:spcAft>
+              <a:buNone/>
+            </a:pPr>
+            <a:r>
+              <a:rPr lang="es"/>
+              <a:t>La ignorancia del impacto ambiental que causa cada persona.</a:t>
+            </a:r>
+            <a:endParaRPr/>
+          </a:p>
+          <a:p>
+            <a:pPr marL="0" lvl="0" indent="0" algn="l" rtl="0">
+              <a:spcBef>
+                <a:spcPts val="0"/>
+              </a:spcBef>
+              <a:spcAft>
+                <a:spcPts val="0"/>
+              </a:spcAft>
+              <a:buNone/>
+            </a:pPr>
+            <a:endParaRPr/>
+          </a:p>
+        </p:txBody>
+      </p:sp>
+      <p:sp>
+        <p:nvSpPr>
+          <p:cNvPr id="115" name="Google Shape;115;p16"/>
+          <p:cNvSpPr txBox="1">
+            <a:spLocks noGrp="1"/>
+          </p:cNvSpPr>
+          <p:nvPr>
+            <p:ph type="subTitle" idx="3"/>
+          </p:nvPr>
+        </p:nvSpPr>
+        <p:spPr>
+          <a:xfrm>
+            <a:off x="4083983" y="1055475"/>
+            <a:ext cx="1865400" cy="936300"/>
+          </a:xfrm>
+          <a:prstGeom prst="rect">
+            <a:avLst/>
+          </a:prstGeom>
+        </p:spPr>
+        <p:txBody>
+          <a:bodyPr spcFirstLastPara="1" wrap="square" lIns="91425" tIns="91425" rIns="91425" bIns="91425" anchor="t" anchorCtr="0">
+            <a:noAutofit/>
+          </a:bodyPr>
+          <a:lstStyle/>
+          <a:p>
+            <a:pPr marL="0" lvl="0" indent="0" algn="l" rtl="0">
+              <a:spcBef>
+                <a:spcPts val="0"/>
+              </a:spcBef>
+              <a:spcAft>
+                <a:spcPts val="0"/>
+              </a:spcAft>
+              <a:buNone/>
+            </a:pPr>
+            <a:r>
+              <a:rPr lang="es"/>
+              <a:t>La alta contaminación del aire causada por el uso irresponsable de máquinas que emiten gases contaminantes.</a:t>
+            </a:r>
+            <a:endParaRPr/>
+          </a:p>
+          <a:p>
+            <a:pPr marL="0" lvl="0" indent="0" algn="l" rtl="0">
+              <a:spcBef>
+                <a:spcPts val="0"/>
+              </a:spcBef>
+              <a:spcAft>
+                <a:spcPts val="0"/>
+              </a:spcAft>
+              <a:buNone/>
+            </a:pPr>
+            <a:endParaRPr/>
+          </a:p>
+        </p:txBody>
+      </p:sp>
+      <p:grpSp>
+        <p:nvGrpSpPr>
+          <p:cNvPr id="116" name="Google Shape;116;p16"/>
+          <p:cNvGrpSpPr/>
+          <p:nvPr/>
+        </p:nvGrpSpPr>
+        <p:grpSpPr>
+          <a:xfrm>
+            <a:off x="5125241" y="2943775"/>
+            <a:ext cx="491321" cy="730502"/>
+            <a:chOff x="2324375" y="659875"/>
+            <a:chExt cx="2952650" cy="4387400"/>
+          </a:xfrm>
+        </p:grpSpPr>
+        <p:sp>
+          <p:nvSpPr>
+            <p:cNvPr id="117" name="Google Shape;117;p16"/>
+            <p:cNvSpPr/>
+            <p:nvPr/>
+          </p:nvSpPr>
+          <p:spPr>
+            <a:xfrm>
+              <a:off x="3027725" y="3252400"/>
+              <a:ext cx="1536250" cy="1794875"/>
+            </a:xfrm>
+            <a:custGeom>
+              <a:avLst/>
+              <a:gdLst/>
+              <a:ahLst/>
+              <a:cxnLst/>
+              <a:rect l="l" t="t" r="r" b="b"/>
+              <a:pathLst>
+                <a:path w="61450" h="71795" extrusionOk="0">
+                  <a:moveTo>
+                    <a:pt x="14285" y="1"/>
+                  </a:moveTo>
+                  <a:lnTo>
+                    <a:pt x="10873" y="2916"/>
+                  </a:lnTo>
+                  <a:lnTo>
+                    <a:pt x="18488" y="34695"/>
+                  </a:lnTo>
+                  <a:lnTo>
+                    <a:pt x="1" y="45366"/>
+                  </a:lnTo>
+                  <a:lnTo>
+                    <a:pt x="16" y="49414"/>
+                  </a:lnTo>
+                  <a:lnTo>
+                    <a:pt x="38511" y="71794"/>
+                  </a:lnTo>
+                  <a:lnTo>
+                    <a:pt x="61449" y="58534"/>
+                  </a:lnTo>
+                  <a:lnTo>
+                    <a:pt x="52795" y="22365"/>
+                  </a:lnTo>
+                  <a:lnTo>
+                    <a:pt x="14285" y="1"/>
+                  </a:lnTo>
+                  <a:close/>
+                </a:path>
+              </a:pathLst>
+            </a:custGeom>
+            <a:solidFill>
+              <a:srgbClr val="79B1B7"/>
+            </a:solidFill>
+            <a:ln>
+              <a:noFill/>
+            </a:ln>
+          </p:spPr>
+          <p:txBody>
+            <a:bodyPr spcFirstLastPara="1" wrap="square" lIns="91425" tIns="91425" rIns="91425" bIns="91425" anchor="ctr" anchorCtr="0">
+              <a:noAutofit/>
+            </a:bodyPr>
+            <a:lstStyle/>
+            <a:p>
+              <a:pPr marL="0" lvl="0" indent="0" algn="l" rtl="0">
+                <a:spcBef>
+                  <a:spcPts val="0"/>
+                </a:spcBef>
+                <a:spcAft>
+                  <a:spcPts val="0"/>
+                </a:spcAft>
+                <a:buNone/>
+              </a:pPr>
+              <a:endParaRPr/>
+            </a:p>
+          </p:txBody>
+        </p:sp>
+        <p:sp>
+          <p:nvSpPr>
+            <p:cNvPr id="118" name="Google Shape;118;p16"/>
+            <p:cNvSpPr/>
+            <p:nvPr/>
+          </p:nvSpPr>
+          <p:spPr>
+            <a:xfrm>
+              <a:off x="3027725" y="4386550"/>
+              <a:ext cx="962775" cy="660725"/>
+            </a:xfrm>
+            <a:custGeom>
+              <a:avLst/>
+              <a:gdLst/>
+              <a:ahLst/>
+              <a:cxnLst/>
+              <a:rect l="l" t="t" r="r" b="b"/>
+              <a:pathLst>
+                <a:path w="38511" h="26429" extrusionOk="0">
+                  <a:moveTo>
+                    <a:pt x="1" y="0"/>
+                  </a:moveTo>
+                  <a:lnTo>
+                    <a:pt x="16" y="4048"/>
+                  </a:lnTo>
+                  <a:lnTo>
+                    <a:pt x="38511" y="26428"/>
+                  </a:lnTo>
+                  <a:lnTo>
+                    <a:pt x="38495" y="22380"/>
+                  </a:lnTo>
+                  <a:lnTo>
+                    <a:pt x="1" y="0"/>
+                  </a:lnTo>
+                  <a:close/>
+                </a:path>
+              </a:pathLst>
+            </a:custGeom>
+            <a:solidFill>
+              <a:srgbClr val="65A6AC"/>
+            </a:solidFill>
+            <a:ln>
+              <a:noFill/>
+            </a:ln>
+          </p:spPr>
+          <p:txBody>
+            <a:bodyPr spcFirstLastPara="1" wrap="square" lIns="91425" tIns="91425" rIns="91425" bIns="91425" anchor="ctr" anchorCtr="0">
+              <a:noAutofit/>
+            </a:bodyPr>
+            <a:lstStyle/>
+            <a:p>
+              <a:pPr marL="0" lvl="0" indent="0" algn="l" rtl="0">
+                <a:spcBef>
+                  <a:spcPts val="0"/>
+                </a:spcBef>
+                <a:spcAft>
+                  <a:spcPts val="0"/>
+                </a:spcAft>
+                <a:buNone/>
+              </a:pPr>
+              <a:endParaRPr/>
+            </a:p>
+          </p:txBody>
+        </p:sp>
+        <p:sp>
+          <p:nvSpPr>
+            <p:cNvPr id="119" name="Google Shape;119;p16"/>
+            <p:cNvSpPr/>
+            <p:nvPr/>
+          </p:nvSpPr>
+          <p:spPr>
+            <a:xfrm>
+              <a:off x="3299525" y="3325300"/>
+              <a:ext cx="1152775" cy="1354000"/>
+            </a:xfrm>
+            <a:custGeom>
+              <a:avLst/>
+              <a:gdLst/>
+              <a:ahLst/>
+              <a:cxnLst/>
+              <a:rect l="l" t="t" r="r" b="b"/>
+              <a:pathLst>
+                <a:path w="46111" h="54160" extrusionOk="0">
+                  <a:moveTo>
+                    <a:pt x="1" y="0"/>
+                  </a:moveTo>
+                  <a:lnTo>
+                    <a:pt x="7616" y="31779"/>
+                  </a:lnTo>
+                  <a:lnTo>
+                    <a:pt x="46111" y="54160"/>
+                  </a:lnTo>
+                  <a:lnTo>
+                    <a:pt x="38495" y="22381"/>
+                  </a:lnTo>
+                  <a:lnTo>
+                    <a:pt x="1" y="0"/>
+                  </a:lnTo>
+                  <a:close/>
+                </a:path>
+              </a:pathLst>
+            </a:custGeom>
+            <a:solidFill>
+              <a:srgbClr val="65A6AC"/>
+            </a:solidFill>
+            <a:ln>
+              <a:noFill/>
+            </a:ln>
+          </p:spPr>
+          <p:txBody>
+            <a:bodyPr spcFirstLastPara="1" wrap="square" lIns="91425" tIns="91425" rIns="91425" bIns="91425" anchor="ctr" anchorCtr="0">
+              <a:noAutofit/>
+            </a:bodyPr>
+            <a:lstStyle/>
+            <a:p>
+              <a:pPr marL="0" lvl="0" indent="0" algn="l" rtl="0">
+                <a:spcBef>
+                  <a:spcPts val="0"/>
+                </a:spcBef>
+                <a:spcAft>
+                  <a:spcPts val="0"/>
+                </a:spcAft>
+                <a:buNone/>
+              </a:pPr>
+              <a:endParaRPr/>
+            </a:p>
+          </p:txBody>
+        </p:sp>
+        <p:sp>
+          <p:nvSpPr>
+            <p:cNvPr id="120" name="Google Shape;120;p16"/>
+            <p:cNvSpPr/>
+            <p:nvPr/>
+          </p:nvSpPr>
+          <p:spPr>
+            <a:xfrm>
+              <a:off x="3299525" y="3252400"/>
+              <a:ext cx="1048075" cy="632425"/>
+            </a:xfrm>
+            <a:custGeom>
+              <a:avLst/>
+              <a:gdLst/>
+              <a:ahLst/>
+              <a:cxnLst/>
+              <a:rect l="l" t="t" r="r" b="b"/>
+              <a:pathLst>
+                <a:path w="41923" h="25297" extrusionOk="0">
+                  <a:moveTo>
+                    <a:pt x="3413" y="1"/>
+                  </a:moveTo>
+                  <a:lnTo>
+                    <a:pt x="1" y="2916"/>
+                  </a:lnTo>
+                  <a:lnTo>
+                    <a:pt x="38495" y="25297"/>
+                  </a:lnTo>
+                  <a:lnTo>
+                    <a:pt x="41923" y="22365"/>
+                  </a:lnTo>
+                  <a:lnTo>
+                    <a:pt x="3413" y="1"/>
+                  </a:lnTo>
+                  <a:close/>
+                </a:path>
+              </a:pathLst>
+            </a:custGeom>
+            <a:solidFill>
+              <a:srgbClr val="3E738A"/>
+            </a:solidFill>
+            <a:ln>
+              <a:noFill/>
+            </a:ln>
+          </p:spPr>
+          <p:txBody>
+            <a:bodyPr spcFirstLastPara="1" wrap="square" lIns="91425" tIns="91425" rIns="91425" bIns="91425" anchor="ctr" anchorCtr="0">
+              <a:noAutofit/>
+            </a:bodyPr>
+            <a:lstStyle/>
+            <a:p>
+              <a:pPr marL="0" lvl="0" indent="0" algn="l" rtl="0">
+                <a:spcBef>
+                  <a:spcPts val="0"/>
+                </a:spcBef>
+                <a:spcAft>
+                  <a:spcPts val="0"/>
+                </a:spcAft>
+                <a:buNone/>
+              </a:pPr>
+              <a:endParaRPr/>
+            </a:p>
+          </p:txBody>
+        </p:sp>
+        <p:sp>
+          <p:nvSpPr>
+            <p:cNvPr id="121" name="Google Shape;121;p16"/>
+            <p:cNvSpPr/>
+            <p:nvPr/>
+          </p:nvSpPr>
+          <p:spPr>
+            <a:xfrm>
+              <a:off x="3990100" y="3811525"/>
+              <a:ext cx="573875" cy="1235750"/>
+            </a:xfrm>
+            <a:custGeom>
+              <a:avLst/>
+              <a:gdLst/>
+              <a:ahLst/>
+              <a:cxnLst/>
+              <a:rect l="l" t="t" r="r" b="b"/>
+              <a:pathLst>
+                <a:path w="22955" h="49430" extrusionOk="0">
+                  <a:moveTo>
+                    <a:pt x="14300" y="0"/>
+                  </a:moveTo>
+                  <a:lnTo>
+                    <a:pt x="10872" y="2932"/>
+                  </a:lnTo>
+                  <a:lnTo>
+                    <a:pt x="18488" y="34711"/>
+                  </a:lnTo>
+                  <a:lnTo>
+                    <a:pt x="0" y="45381"/>
+                  </a:lnTo>
+                  <a:lnTo>
+                    <a:pt x="16" y="49429"/>
+                  </a:lnTo>
+                  <a:lnTo>
+                    <a:pt x="22954" y="36169"/>
+                  </a:lnTo>
+                  <a:lnTo>
+                    <a:pt x="14300" y="0"/>
+                  </a:lnTo>
+                  <a:close/>
+                </a:path>
+              </a:pathLst>
+            </a:custGeom>
+            <a:solidFill>
+              <a:srgbClr val="589EA5"/>
+            </a:solidFill>
+            <a:ln>
+              <a:noFill/>
+            </a:ln>
+          </p:spPr>
+          <p:txBody>
+            <a:bodyPr spcFirstLastPara="1" wrap="square" lIns="91425" tIns="91425" rIns="91425" bIns="91425" anchor="ctr" anchorCtr="0">
+              <a:noAutofit/>
+            </a:bodyPr>
+            <a:lstStyle/>
+            <a:p>
+              <a:pPr marL="0" lvl="0" indent="0" algn="l" rtl="0">
+                <a:spcBef>
+                  <a:spcPts val="0"/>
+                </a:spcBef>
+                <a:spcAft>
+                  <a:spcPts val="0"/>
+                </a:spcAft>
+                <a:buNone/>
+              </a:pPr>
+              <a:endParaRPr/>
+            </a:p>
+          </p:txBody>
+        </p:sp>
+        <p:sp>
+          <p:nvSpPr>
+            <p:cNvPr id="122" name="Google Shape;122;p16"/>
+            <p:cNvSpPr/>
+            <p:nvPr/>
+          </p:nvSpPr>
+          <p:spPr>
+            <a:xfrm>
+              <a:off x="2324375" y="659875"/>
+              <a:ext cx="2952650" cy="3943825"/>
+            </a:xfrm>
+            <a:custGeom>
+              <a:avLst/>
+              <a:gdLst/>
+              <a:ahLst/>
+              <a:cxnLst/>
+              <a:rect l="l" t="t" r="r" b="b"/>
+              <a:pathLst>
+                <a:path w="118106" h="157753" extrusionOk="0">
+                  <a:moveTo>
+                    <a:pt x="107642" y="156907"/>
+                  </a:moveTo>
+                  <a:lnTo>
+                    <a:pt x="107574" y="156946"/>
+                  </a:lnTo>
+                  <a:cubicBezTo>
+                    <a:pt x="107597" y="156935"/>
+                    <a:pt x="107619" y="156921"/>
+                    <a:pt x="107642" y="156907"/>
+                  </a:cubicBezTo>
+                  <a:close/>
+                  <a:moveTo>
+                    <a:pt x="13670" y="1"/>
+                  </a:moveTo>
+                  <a:cubicBezTo>
+                    <a:pt x="12497" y="1"/>
+                    <a:pt x="11433" y="278"/>
+                    <a:pt x="10516" y="811"/>
+                  </a:cubicBezTo>
+                  <a:lnTo>
+                    <a:pt x="3738" y="4750"/>
+                  </a:lnTo>
+                  <a:lnTo>
+                    <a:pt x="3754" y="4735"/>
+                  </a:lnTo>
+                  <a:lnTo>
+                    <a:pt x="3754" y="4735"/>
+                  </a:lnTo>
+                  <a:cubicBezTo>
+                    <a:pt x="1598" y="5991"/>
+                    <a:pt x="248" y="8659"/>
+                    <a:pt x="233" y="12459"/>
+                  </a:cubicBezTo>
+                  <a:lnTo>
+                    <a:pt x="31" y="85121"/>
+                  </a:lnTo>
+                  <a:cubicBezTo>
+                    <a:pt x="0" y="92736"/>
+                    <a:pt x="5367" y="102011"/>
+                    <a:pt x="11989" y="105842"/>
+                  </a:cubicBezTo>
+                  <a:lnTo>
+                    <a:pt x="99044" y="156108"/>
+                  </a:lnTo>
+                  <a:cubicBezTo>
+                    <a:pt x="100971" y="157225"/>
+                    <a:pt x="102796" y="157753"/>
+                    <a:pt x="104413" y="157753"/>
+                  </a:cubicBezTo>
+                  <a:cubicBezTo>
+                    <a:pt x="105671" y="157753"/>
+                    <a:pt x="106803" y="157433"/>
+                    <a:pt x="107760" y="156822"/>
+                  </a:cubicBezTo>
+                  <a:lnTo>
+                    <a:pt x="107760" y="156822"/>
+                  </a:lnTo>
+                  <a:cubicBezTo>
+                    <a:pt x="107721" y="156851"/>
+                    <a:pt x="107681" y="156881"/>
+                    <a:pt x="107642" y="156907"/>
+                  </a:cubicBezTo>
+                  <a:lnTo>
+                    <a:pt x="107642" y="156907"/>
+                  </a:lnTo>
+                  <a:lnTo>
+                    <a:pt x="114368" y="153006"/>
+                  </a:lnTo>
+                  <a:cubicBezTo>
+                    <a:pt x="116523" y="151750"/>
+                    <a:pt x="117857" y="149083"/>
+                    <a:pt x="117873" y="145298"/>
+                  </a:cubicBezTo>
+                  <a:lnTo>
+                    <a:pt x="118074" y="72636"/>
+                  </a:lnTo>
+                  <a:cubicBezTo>
+                    <a:pt x="118105" y="65021"/>
+                    <a:pt x="112755" y="55730"/>
+                    <a:pt x="106132" y="51900"/>
+                  </a:cubicBezTo>
+                  <a:lnTo>
+                    <a:pt x="19061" y="1648"/>
+                  </a:lnTo>
+                  <a:cubicBezTo>
+                    <a:pt x="17125" y="532"/>
+                    <a:pt x="15294" y="1"/>
+                    <a:pt x="13670" y="1"/>
+                  </a:cubicBezTo>
+                  <a:close/>
+                </a:path>
+              </a:pathLst>
+            </a:custGeom>
+            <a:solidFill>
+              <a:srgbClr val="1D1D1F"/>
+            </a:solidFill>
+            <a:ln>
+              <a:noFill/>
+            </a:ln>
+          </p:spPr>
+          <p:txBody>
+            <a:bodyPr spcFirstLastPara="1" wrap="square" lIns="91425" tIns="91425" rIns="91425" bIns="91425" anchor="ctr" anchorCtr="0">
+              <a:noAutofit/>
+            </a:bodyPr>
+            <a:lstStyle/>
+            <a:p>
+              <a:pPr marL="0" lvl="0" indent="0" algn="l" rtl="0">
+                <a:spcBef>
+                  <a:spcPts val="0"/>
+                </a:spcBef>
+                <a:spcAft>
+                  <a:spcPts val="0"/>
+                </a:spcAft>
+                <a:buNone/>
+              </a:pPr>
+              <a:endParaRPr/>
+            </a:p>
+          </p:txBody>
+        </p:sp>
+        <p:sp>
+          <p:nvSpPr>
+            <p:cNvPr id="123" name="Google Shape;123;p16"/>
+            <p:cNvSpPr/>
+            <p:nvPr/>
+          </p:nvSpPr>
+          <p:spPr>
+            <a:xfrm>
+              <a:off x="2418200" y="659875"/>
+              <a:ext cx="383100" cy="139700"/>
+            </a:xfrm>
+            <a:custGeom>
+              <a:avLst/>
+              <a:gdLst/>
+              <a:ahLst/>
+              <a:cxnLst/>
+              <a:rect l="l" t="t" r="r" b="b"/>
+              <a:pathLst>
+                <a:path w="15324" h="5588" extrusionOk="0">
+                  <a:moveTo>
+                    <a:pt x="9932" y="1"/>
+                  </a:moveTo>
+                  <a:cubicBezTo>
+                    <a:pt x="8760" y="1"/>
+                    <a:pt x="7695" y="278"/>
+                    <a:pt x="6778" y="811"/>
+                  </a:cubicBezTo>
+                  <a:lnTo>
+                    <a:pt x="1" y="4750"/>
+                  </a:lnTo>
+                  <a:cubicBezTo>
+                    <a:pt x="913" y="4223"/>
+                    <a:pt x="1975" y="3947"/>
+                    <a:pt x="3148" y="3947"/>
+                  </a:cubicBezTo>
+                  <a:cubicBezTo>
+                    <a:pt x="4768" y="3947"/>
+                    <a:pt x="6597" y="4473"/>
+                    <a:pt x="8531" y="5588"/>
+                  </a:cubicBezTo>
+                  <a:lnTo>
+                    <a:pt x="15324" y="1648"/>
+                  </a:lnTo>
+                  <a:cubicBezTo>
+                    <a:pt x="13388" y="532"/>
+                    <a:pt x="11556" y="1"/>
+                    <a:pt x="9932" y="1"/>
+                  </a:cubicBezTo>
+                  <a:close/>
+                </a:path>
+              </a:pathLst>
+            </a:custGeom>
+            <a:solidFill>
+              <a:srgbClr val="65A6AC"/>
+            </a:solidFill>
+            <a:ln>
+              <a:noFill/>
+            </a:ln>
+          </p:spPr>
+          <p:txBody>
+            <a:bodyPr spcFirstLastPara="1" wrap="square" lIns="91425" tIns="91425" rIns="91425" bIns="91425" anchor="ctr" anchorCtr="0">
+              <a:noAutofit/>
+            </a:bodyPr>
+            <a:lstStyle/>
+            <a:p>
+              <a:pPr marL="0" lvl="0" indent="0" algn="l" rtl="0">
+                <a:spcBef>
+                  <a:spcPts val="0"/>
+                </a:spcBef>
+                <a:spcAft>
+                  <a:spcPts val="0"/>
+                </a:spcAft>
+                <a:buNone/>
+              </a:pPr>
+              <a:endParaRPr/>
+            </a:p>
+          </p:txBody>
+        </p:sp>
+        <p:sp>
+          <p:nvSpPr>
+            <p:cNvPr id="124" name="Google Shape;124;p16"/>
+            <p:cNvSpPr/>
+            <p:nvPr/>
+          </p:nvSpPr>
+          <p:spPr>
+            <a:xfrm>
+              <a:off x="5014100" y="4292325"/>
+              <a:ext cx="257500" cy="291200"/>
+            </a:xfrm>
+            <a:custGeom>
+              <a:avLst/>
+              <a:gdLst/>
+              <a:ahLst/>
+              <a:cxnLst/>
+              <a:rect l="l" t="t" r="r" b="b"/>
+              <a:pathLst>
+                <a:path w="10300" h="11648" extrusionOk="0">
+                  <a:moveTo>
+                    <a:pt x="10299" y="0"/>
+                  </a:moveTo>
+                  <a:lnTo>
+                    <a:pt x="3506" y="3940"/>
+                  </a:lnTo>
+                  <a:cubicBezTo>
+                    <a:pt x="3490" y="7724"/>
+                    <a:pt x="2157" y="10392"/>
+                    <a:pt x="1" y="11648"/>
+                  </a:cubicBezTo>
+                  <a:lnTo>
+                    <a:pt x="6794" y="7708"/>
+                  </a:lnTo>
+                  <a:cubicBezTo>
+                    <a:pt x="8950" y="6452"/>
+                    <a:pt x="10284" y="3785"/>
+                    <a:pt x="10299" y="0"/>
+                  </a:cubicBezTo>
+                  <a:close/>
+                </a:path>
+              </a:pathLst>
+            </a:custGeom>
+            <a:solidFill>
+              <a:srgbClr val="589EA5"/>
+            </a:solidFill>
+            <a:ln>
+              <a:noFill/>
+            </a:ln>
+          </p:spPr>
+          <p:txBody>
+            <a:bodyPr spcFirstLastPara="1" wrap="square" lIns="91425" tIns="91425" rIns="91425" bIns="91425" anchor="ctr" anchorCtr="0">
+              <a:noAutofit/>
+            </a:bodyPr>
+            <a:lstStyle/>
+            <a:p>
+              <a:pPr marL="0" lvl="0" indent="0" algn="l" rtl="0">
+                <a:spcBef>
+                  <a:spcPts val="0"/>
+                </a:spcBef>
+                <a:spcAft>
+                  <a:spcPts val="0"/>
+                </a:spcAft>
+                <a:buNone/>
+              </a:pPr>
+              <a:endParaRPr/>
+            </a:p>
+          </p:txBody>
+        </p:sp>
+        <p:sp>
+          <p:nvSpPr>
+            <p:cNvPr id="125" name="Google Shape;125;p16"/>
+            <p:cNvSpPr/>
+            <p:nvPr/>
+          </p:nvSpPr>
+          <p:spPr>
+            <a:xfrm>
+              <a:off x="5101725" y="2475750"/>
+              <a:ext cx="174900" cy="1915075"/>
+            </a:xfrm>
+            <a:custGeom>
+              <a:avLst/>
+              <a:gdLst/>
+              <a:ahLst/>
+              <a:cxnLst/>
+              <a:rect l="l" t="t" r="r" b="b"/>
+              <a:pathLst>
+                <a:path w="6996" h="76603" extrusionOk="0">
+                  <a:moveTo>
+                    <a:pt x="6996" y="1"/>
+                  </a:moveTo>
+                  <a:lnTo>
+                    <a:pt x="203" y="3940"/>
+                  </a:lnTo>
+                  <a:lnTo>
+                    <a:pt x="1" y="76603"/>
+                  </a:lnTo>
+                  <a:lnTo>
+                    <a:pt x="6794" y="72663"/>
+                  </a:lnTo>
+                  <a:lnTo>
+                    <a:pt x="6996" y="1"/>
+                  </a:lnTo>
+                  <a:close/>
+                </a:path>
+              </a:pathLst>
+            </a:custGeom>
+            <a:solidFill>
+              <a:srgbClr val="589EA5"/>
+            </a:solidFill>
+            <a:ln>
+              <a:noFill/>
+            </a:ln>
+          </p:spPr>
+          <p:txBody>
+            <a:bodyPr spcFirstLastPara="1" wrap="square" lIns="91425" tIns="91425" rIns="91425" bIns="91425" anchor="ctr" anchorCtr="0">
+              <a:noAutofit/>
+            </a:bodyPr>
+            <a:lstStyle/>
+            <a:p>
+              <a:pPr marL="0" lvl="0" indent="0" algn="l" rtl="0">
+                <a:spcBef>
+                  <a:spcPts val="0"/>
+                </a:spcBef>
+                <a:spcAft>
+                  <a:spcPts val="0"/>
+                </a:spcAft>
+                <a:buNone/>
+              </a:pPr>
+              <a:endParaRPr/>
+            </a:p>
+          </p:txBody>
+        </p:sp>
+        <p:sp>
+          <p:nvSpPr>
+            <p:cNvPr id="126" name="Google Shape;126;p16"/>
+            <p:cNvSpPr/>
+            <p:nvPr/>
+          </p:nvSpPr>
+          <p:spPr>
+            <a:xfrm>
+              <a:off x="2631450" y="701075"/>
+              <a:ext cx="2346225" cy="1355175"/>
+            </a:xfrm>
+            <a:custGeom>
+              <a:avLst/>
+              <a:gdLst/>
+              <a:ahLst/>
+              <a:cxnLst/>
+              <a:rect l="l" t="t" r="r" b="b"/>
+              <a:pathLst>
+                <a:path w="93849" h="54207" extrusionOk="0">
+                  <a:moveTo>
+                    <a:pt x="6778" y="0"/>
+                  </a:moveTo>
+                  <a:lnTo>
+                    <a:pt x="1" y="3940"/>
+                  </a:lnTo>
+                  <a:lnTo>
+                    <a:pt x="87056" y="54206"/>
+                  </a:lnTo>
+                  <a:lnTo>
+                    <a:pt x="93849" y="50252"/>
+                  </a:lnTo>
+                  <a:lnTo>
+                    <a:pt x="6778" y="0"/>
+                  </a:lnTo>
+                  <a:close/>
+                </a:path>
+              </a:pathLst>
+            </a:custGeom>
+            <a:solidFill>
+              <a:srgbClr val="79B1B7"/>
+            </a:solidFill>
+            <a:ln>
+              <a:noFill/>
+            </a:ln>
+          </p:spPr>
+          <p:txBody>
+            <a:bodyPr spcFirstLastPara="1" wrap="square" lIns="91425" tIns="91425" rIns="91425" bIns="91425" anchor="ctr" anchorCtr="0">
+              <a:noAutofit/>
+            </a:bodyPr>
+            <a:lstStyle/>
+            <a:p>
+              <a:pPr marL="0" lvl="0" indent="0" algn="l" rtl="0">
+                <a:spcBef>
+                  <a:spcPts val="0"/>
+                </a:spcBef>
+                <a:spcAft>
+                  <a:spcPts val="0"/>
+                </a:spcAft>
+                <a:buNone/>
+              </a:pPr>
+              <a:endParaRPr/>
+            </a:p>
+          </p:txBody>
+        </p:sp>
+        <p:sp>
+          <p:nvSpPr>
+            <p:cNvPr id="127" name="Google Shape;127;p16"/>
+            <p:cNvSpPr/>
+            <p:nvPr/>
+          </p:nvSpPr>
+          <p:spPr>
+            <a:xfrm>
+              <a:off x="4807825" y="1957750"/>
+              <a:ext cx="469200" cy="616525"/>
+            </a:xfrm>
+            <a:custGeom>
+              <a:avLst/>
+              <a:gdLst/>
+              <a:ahLst/>
+              <a:cxnLst/>
+              <a:rect l="l" t="t" r="r" b="b"/>
+              <a:pathLst>
+                <a:path w="18768" h="24661" extrusionOk="0">
+                  <a:moveTo>
+                    <a:pt x="6778" y="0"/>
+                  </a:moveTo>
+                  <a:lnTo>
+                    <a:pt x="1" y="3939"/>
+                  </a:lnTo>
+                  <a:cubicBezTo>
+                    <a:pt x="6623" y="7770"/>
+                    <a:pt x="11990" y="17045"/>
+                    <a:pt x="11959" y="24660"/>
+                  </a:cubicBezTo>
+                  <a:lnTo>
+                    <a:pt x="18752" y="20721"/>
+                  </a:lnTo>
+                  <a:cubicBezTo>
+                    <a:pt x="18767" y="13106"/>
+                    <a:pt x="13417" y="3815"/>
+                    <a:pt x="6778" y="0"/>
+                  </a:cubicBezTo>
+                  <a:close/>
+                </a:path>
+              </a:pathLst>
+            </a:custGeom>
+            <a:solidFill>
+              <a:srgbClr val="65A6AC"/>
+            </a:solidFill>
+            <a:ln>
+              <a:noFill/>
+            </a:ln>
+          </p:spPr>
+          <p:txBody>
+            <a:bodyPr spcFirstLastPara="1" wrap="square" lIns="91425" tIns="91425" rIns="91425" bIns="91425" anchor="ctr" anchorCtr="0">
+              <a:noAutofit/>
+            </a:bodyPr>
+            <a:lstStyle/>
+            <a:p>
+              <a:pPr marL="0" lvl="0" indent="0" algn="l" rtl="0">
+                <a:spcBef>
+                  <a:spcPts val="0"/>
+                </a:spcBef>
+                <a:spcAft>
+                  <a:spcPts val="0"/>
+                </a:spcAft>
+                <a:buNone/>
+              </a:pPr>
+              <a:endParaRPr/>
+            </a:p>
+          </p:txBody>
+        </p:sp>
+        <p:sp>
+          <p:nvSpPr>
+            <p:cNvPr id="128" name="Google Shape;128;p16"/>
+            <p:cNvSpPr/>
+            <p:nvPr/>
+          </p:nvSpPr>
+          <p:spPr>
+            <a:xfrm>
+              <a:off x="2324750" y="758400"/>
+              <a:ext cx="2782825" cy="3845425"/>
+            </a:xfrm>
+            <a:custGeom>
+              <a:avLst/>
+              <a:gdLst/>
+              <a:ahLst/>
+              <a:cxnLst/>
+              <a:rect l="l" t="t" r="r" b="b"/>
+              <a:pathLst>
+                <a:path w="111313" h="153817" extrusionOk="0">
+                  <a:moveTo>
+                    <a:pt x="6884" y="1"/>
+                  </a:moveTo>
+                  <a:cubicBezTo>
+                    <a:pt x="2947" y="1"/>
+                    <a:pt x="240" y="3123"/>
+                    <a:pt x="218" y="8518"/>
+                  </a:cubicBezTo>
+                  <a:lnTo>
+                    <a:pt x="16" y="81180"/>
+                  </a:lnTo>
+                  <a:cubicBezTo>
+                    <a:pt x="1" y="88795"/>
+                    <a:pt x="5352" y="98085"/>
+                    <a:pt x="11974" y="101916"/>
+                  </a:cubicBezTo>
+                  <a:lnTo>
+                    <a:pt x="99045" y="152167"/>
+                  </a:lnTo>
+                  <a:cubicBezTo>
+                    <a:pt x="100978" y="153286"/>
+                    <a:pt x="102808" y="153816"/>
+                    <a:pt x="104429" y="153816"/>
+                  </a:cubicBezTo>
+                  <a:cubicBezTo>
+                    <a:pt x="108360" y="153816"/>
+                    <a:pt x="111069" y="150699"/>
+                    <a:pt x="111080" y="145297"/>
+                  </a:cubicBezTo>
+                  <a:lnTo>
+                    <a:pt x="111282" y="72634"/>
+                  </a:lnTo>
+                  <a:cubicBezTo>
+                    <a:pt x="111313" y="65019"/>
+                    <a:pt x="105946" y="55744"/>
+                    <a:pt x="99324" y="51913"/>
+                  </a:cubicBezTo>
+                  <a:lnTo>
+                    <a:pt x="12269" y="1647"/>
+                  </a:lnTo>
+                  <a:cubicBezTo>
+                    <a:pt x="10333" y="530"/>
+                    <a:pt x="8504" y="1"/>
+                    <a:pt x="6884" y="1"/>
+                  </a:cubicBezTo>
+                  <a:close/>
+                </a:path>
+              </a:pathLst>
+            </a:custGeom>
+            <a:solidFill>
+              <a:srgbClr val="1D1D1F"/>
+            </a:solidFill>
+            <a:ln>
+              <a:noFill/>
+            </a:ln>
+          </p:spPr>
+          <p:txBody>
+            <a:bodyPr spcFirstLastPara="1" wrap="square" lIns="91425" tIns="91425" rIns="91425" bIns="91425" anchor="ctr" anchorCtr="0">
+              <a:noAutofit/>
+            </a:bodyPr>
+            <a:lstStyle/>
+            <a:p>
+              <a:pPr marL="0" lvl="0" indent="0" algn="l" rtl="0">
+                <a:spcBef>
+                  <a:spcPts val="0"/>
+                </a:spcBef>
+                <a:spcAft>
+                  <a:spcPts val="0"/>
+                </a:spcAft>
+                <a:buNone/>
+              </a:pPr>
+              <a:endParaRPr/>
+            </a:p>
+          </p:txBody>
+        </p:sp>
+        <p:sp>
+          <p:nvSpPr>
+            <p:cNvPr id="129" name="Google Shape;129;p16"/>
+            <p:cNvSpPr/>
+            <p:nvPr/>
+          </p:nvSpPr>
+          <p:spPr>
+            <a:xfrm>
+              <a:off x="4734925" y="4256200"/>
+              <a:ext cx="170650" cy="219600"/>
+            </a:xfrm>
+            <a:custGeom>
+              <a:avLst/>
+              <a:gdLst/>
+              <a:ahLst/>
+              <a:cxnLst/>
+              <a:rect l="l" t="t" r="r" b="b"/>
+              <a:pathLst>
+                <a:path w="6826" h="8784" extrusionOk="0">
+                  <a:moveTo>
+                    <a:pt x="1895" y="1"/>
+                  </a:moveTo>
+                  <a:cubicBezTo>
+                    <a:pt x="777" y="1"/>
+                    <a:pt x="12" y="885"/>
+                    <a:pt x="1" y="2422"/>
+                  </a:cubicBezTo>
+                  <a:cubicBezTo>
+                    <a:pt x="1" y="4594"/>
+                    <a:pt x="1521" y="7230"/>
+                    <a:pt x="3398" y="8316"/>
+                  </a:cubicBezTo>
+                  <a:cubicBezTo>
+                    <a:pt x="3950" y="8633"/>
+                    <a:pt x="4472" y="8783"/>
+                    <a:pt x="4934" y="8783"/>
+                  </a:cubicBezTo>
+                  <a:cubicBezTo>
+                    <a:pt x="6055" y="8783"/>
+                    <a:pt x="6825" y="7899"/>
+                    <a:pt x="6825" y="6362"/>
+                  </a:cubicBezTo>
+                  <a:cubicBezTo>
+                    <a:pt x="6825" y="4190"/>
+                    <a:pt x="5305" y="1554"/>
+                    <a:pt x="3429" y="468"/>
+                  </a:cubicBezTo>
+                  <a:cubicBezTo>
+                    <a:pt x="2876" y="151"/>
+                    <a:pt x="2355" y="1"/>
+                    <a:pt x="1895" y="1"/>
+                  </a:cubicBezTo>
+                  <a:close/>
+                </a:path>
+              </a:pathLst>
+            </a:custGeom>
+            <a:solidFill>
+              <a:srgbClr val="65A6AC"/>
+            </a:solidFill>
+            <a:ln>
+              <a:noFill/>
+            </a:ln>
+          </p:spPr>
+          <p:txBody>
+            <a:bodyPr spcFirstLastPara="1" wrap="square" lIns="91425" tIns="91425" rIns="91425" bIns="91425" anchor="ctr" anchorCtr="0">
+              <a:noAutofit/>
+            </a:bodyPr>
+            <a:lstStyle/>
+            <a:p>
+              <a:pPr marL="0" lvl="0" indent="0" algn="l" rtl="0">
+                <a:spcBef>
+                  <a:spcPts val="0"/>
+                </a:spcBef>
+                <a:spcAft>
+                  <a:spcPts val="0"/>
+                </a:spcAft>
+                <a:buNone/>
+              </a:pPr>
+              <a:endParaRPr/>
+            </a:p>
+          </p:txBody>
+        </p:sp>
+        <p:sp>
+          <p:nvSpPr>
+            <p:cNvPr id="130" name="Google Shape;130;p16"/>
+            <p:cNvSpPr/>
+            <p:nvPr/>
+          </p:nvSpPr>
+          <p:spPr>
+            <a:xfrm>
+              <a:off x="2487225" y="950400"/>
+              <a:ext cx="2457500" cy="3289975"/>
+            </a:xfrm>
+            <a:custGeom>
+              <a:avLst/>
+              <a:gdLst/>
+              <a:ahLst/>
+              <a:cxnLst/>
+              <a:rect l="l" t="t" r="r" b="b"/>
+              <a:pathLst>
+                <a:path w="98300" h="131599" extrusionOk="0">
+                  <a:moveTo>
+                    <a:pt x="0" y="0"/>
+                  </a:moveTo>
+                  <a:lnTo>
+                    <a:pt x="0" y="74849"/>
+                  </a:lnTo>
+                  <a:lnTo>
+                    <a:pt x="98300" y="131599"/>
+                  </a:lnTo>
+                  <a:lnTo>
+                    <a:pt x="98300" y="56750"/>
+                  </a:lnTo>
+                  <a:lnTo>
+                    <a:pt x="0" y="0"/>
+                  </a:lnTo>
+                  <a:close/>
+                </a:path>
+              </a:pathLst>
+            </a:custGeom>
+            <a:solidFill>
+              <a:srgbClr val="BCD9E6"/>
+            </a:solidFill>
+            <a:ln>
+              <a:noFill/>
+            </a:ln>
+          </p:spPr>
+          <p:txBody>
+            <a:bodyPr spcFirstLastPara="1" wrap="square" lIns="91425" tIns="91425" rIns="91425" bIns="91425" anchor="ctr" anchorCtr="0">
+              <a:noAutofit/>
+            </a:bodyPr>
+            <a:lstStyle/>
+            <a:p>
+              <a:pPr marL="0" lvl="0" indent="0" algn="l" rtl="0">
+                <a:spcBef>
+                  <a:spcPts val="0"/>
+                </a:spcBef>
+                <a:spcAft>
+                  <a:spcPts val="0"/>
+                </a:spcAft>
+                <a:buNone/>
+              </a:pPr>
+              <a:endParaRPr/>
+            </a:p>
+          </p:txBody>
+        </p:sp>
+        <p:sp>
+          <p:nvSpPr>
+            <p:cNvPr id="131" name="Google Shape;131;p16"/>
+            <p:cNvSpPr/>
+            <p:nvPr/>
+          </p:nvSpPr>
+          <p:spPr>
+            <a:xfrm>
+              <a:off x="2487225" y="950400"/>
+              <a:ext cx="2457500" cy="3289975"/>
+            </a:xfrm>
+            <a:custGeom>
+              <a:avLst/>
+              <a:gdLst/>
+              <a:ahLst/>
+              <a:cxnLst/>
+              <a:rect l="l" t="t" r="r" b="b"/>
+              <a:pathLst>
+                <a:path w="98300" h="131599" extrusionOk="0">
+                  <a:moveTo>
+                    <a:pt x="0" y="0"/>
+                  </a:moveTo>
+                  <a:lnTo>
+                    <a:pt x="0" y="74849"/>
+                  </a:lnTo>
+                  <a:lnTo>
+                    <a:pt x="98300" y="131599"/>
+                  </a:lnTo>
+                  <a:lnTo>
+                    <a:pt x="98300" y="56750"/>
+                  </a:lnTo>
+                  <a:lnTo>
+                    <a:pt x="0" y="0"/>
+                  </a:lnTo>
+                  <a:close/>
+                </a:path>
+              </a:pathLst>
+            </a:custGeom>
+            <a:solidFill>
+              <a:srgbClr val="BCD9E6"/>
+            </a:solidFill>
+            <a:ln>
+              <a:noFill/>
+            </a:ln>
+          </p:spPr>
+          <p:txBody>
+            <a:bodyPr spcFirstLastPara="1" wrap="square" lIns="91425" tIns="91425" rIns="91425" bIns="91425" anchor="ctr" anchorCtr="0">
+              <a:noAutofit/>
+            </a:bodyPr>
+            <a:lstStyle/>
+            <a:p>
+              <a:pPr marL="0" lvl="0" indent="0" algn="l" rtl="0">
+                <a:spcBef>
+                  <a:spcPts val="0"/>
+                </a:spcBef>
+                <a:spcAft>
+                  <a:spcPts val="0"/>
+                </a:spcAft>
+                <a:buNone/>
+              </a:pPr>
+              <a:endParaRPr/>
+            </a:p>
+          </p:txBody>
+        </p:sp>
+      </p:grpSp>
+      <p:grpSp>
+        <p:nvGrpSpPr>
+          <p:cNvPr id="132" name="Google Shape;132;p16"/>
+          <p:cNvGrpSpPr/>
+          <p:nvPr/>
+        </p:nvGrpSpPr>
+        <p:grpSpPr>
+          <a:xfrm>
+            <a:off x="3532736" y="3439397"/>
+            <a:ext cx="551241" cy="688198"/>
+            <a:chOff x="2399200" y="797525"/>
+            <a:chExt cx="3020500" cy="3770950"/>
+          </a:xfrm>
+        </p:grpSpPr>
+        <p:sp>
+          <p:nvSpPr>
+            <p:cNvPr id="133" name="Google Shape;133;p16"/>
+            <p:cNvSpPr/>
+            <p:nvPr/>
+          </p:nvSpPr>
+          <p:spPr>
+            <a:xfrm>
+              <a:off x="2399600" y="1135300"/>
+              <a:ext cx="3020100" cy="3433175"/>
+            </a:xfrm>
+            <a:custGeom>
+              <a:avLst/>
+              <a:gdLst/>
+              <a:ahLst/>
+              <a:cxnLst/>
+              <a:rect l="l" t="t" r="r" b="b"/>
+              <a:pathLst>
+                <a:path w="120804" h="137327" extrusionOk="0">
+                  <a:moveTo>
+                    <a:pt x="81428" y="134076"/>
+                  </a:moveTo>
+                  <a:lnTo>
+                    <a:pt x="81363" y="134114"/>
+                  </a:lnTo>
+                  <a:cubicBezTo>
+                    <a:pt x="81385" y="134101"/>
+                    <a:pt x="81407" y="134088"/>
+                    <a:pt x="81428" y="134076"/>
+                  </a:cubicBezTo>
+                  <a:close/>
+                  <a:moveTo>
+                    <a:pt x="51958" y="0"/>
+                  </a:moveTo>
+                  <a:cubicBezTo>
+                    <a:pt x="47301" y="0"/>
+                    <a:pt x="43077" y="1101"/>
+                    <a:pt x="39441" y="3213"/>
+                  </a:cubicBezTo>
+                  <a:lnTo>
+                    <a:pt x="13959" y="18148"/>
+                  </a:lnTo>
+                  <a:lnTo>
+                    <a:pt x="13959" y="18148"/>
+                  </a:lnTo>
+                  <a:lnTo>
+                    <a:pt x="14036" y="18102"/>
+                  </a:lnTo>
+                  <a:lnTo>
+                    <a:pt x="14036" y="18102"/>
+                  </a:lnTo>
+                  <a:cubicBezTo>
+                    <a:pt x="5444" y="23049"/>
+                    <a:pt x="124" y="33611"/>
+                    <a:pt x="78" y="48656"/>
+                  </a:cubicBezTo>
+                  <a:cubicBezTo>
+                    <a:pt x="0" y="78853"/>
+                    <a:pt x="21233" y="115626"/>
+                    <a:pt x="47506" y="130810"/>
+                  </a:cubicBezTo>
+                  <a:cubicBezTo>
+                    <a:pt x="55171" y="135233"/>
+                    <a:pt x="62419" y="137327"/>
+                    <a:pt x="68842" y="137327"/>
+                  </a:cubicBezTo>
+                  <a:cubicBezTo>
+                    <a:pt x="73576" y="137327"/>
+                    <a:pt x="77861" y="136190"/>
+                    <a:pt x="81536" y="134010"/>
+                  </a:cubicBezTo>
+                  <a:lnTo>
+                    <a:pt x="81536" y="134010"/>
+                  </a:lnTo>
+                  <a:cubicBezTo>
+                    <a:pt x="81500" y="134032"/>
+                    <a:pt x="81464" y="134054"/>
+                    <a:pt x="81428" y="134076"/>
+                  </a:cubicBezTo>
+                  <a:lnTo>
+                    <a:pt x="81428" y="134076"/>
+                  </a:lnTo>
+                  <a:lnTo>
+                    <a:pt x="106845" y="119178"/>
+                  </a:lnTo>
+                  <a:cubicBezTo>
+                    <a:pt x="115391" y="114215"/>
+                    <a:pt x="120680" y="103668"/>
+                    <a:pt x="120726" y="88655"/>
+                  </a:cubicBezTo>
+                  <a:cubicBezTo>
+                    <a:pt x="120804" y="58473"/>
+                    <a:pt x="99571" y="21700"/>
+                    <a:pt x="73298" y="6532"/>
+                  </a:cubicBezTo>
+                  <a:cubicBezTo>
+                    <a:pt x="65636" y="2098"/>
+                    <a:pt x="58385" y="0"/>
+                    <a:pt x="51958" y="0"/>
+                  </a:cubicBezTo>
+                  <a:close/>
+                </a:path>
+              </a:pathLst>
+            </a:custGeom>
+            <a:solidFill>
+              <a:srgbClr val="8DBDC2"/>
+            </a:solidFill>
+            <a:ln>
+              <a:noFill/>
+            </a:ln>
+          </p:spPr>
+          <p:txBody>
+            <a:bodyPr spcFirstLastPara="1" wrap="square" lIns="91425" tIns="91425" rIns="91425" bIns="91425" anchor="ctr" anchorCtr="0">
+              <a:noAutofit/>
+            </a:bodyPr>
+            <a:lstStyle/>
+            <a:p>
+              <a:pPr marL="0" lvl="0" indent="0" algn="l" rtl="0">
+                <a:spcBef>
+                  <a:spcPts val="0"/>
+                </a:spcBef>
+                <a:spcAft>
+                  <a:spcPts val="0"/>
+                </a:spcAft>
+                <a:buNone/>
+              </a:pPr>
+              <a:endParaRPr/>
+            </a:p>
+          </p:txBody>
+        </p:sp>
+        <p:sp>
+          <p:nvSpPr>
+            <p:cNvPr id="134" name="Google Shape;134;p16"/>
+            <p:cNvSpPr/>
+            <p:nvPr/>
+          </p:nvSpPr>
+          <p:spPr>
+            <a:xfrm>
+              <a:off x="2512800" y="1362100"/>
+              <a:ext cx="2616100" cy="3062650"/>
+            </a:xfrm>
+            <a:custGeom>
+              <a:avLst/>
+              <a:gdLst/>
+              <a:ahLst/>
+              <a:cxnLst/>
+              <a:rect l="l" t="t" r="r" b="b"/>
+              <a:pathLst>
+                <a:path w="104644" h="122506" extrusionOk="0">
+                  <a:moveTo>
+                    <a:pt x="31078" y="0"/>
+                  </a:moveTo>
+                  <a:cubicBezTo>
+                    <a:pt x="26640" y="0"/>
+                    <a:pt x="22475" y="1005"/>
+                    <a:pt x="18767" y="3121"/>
+                  </a:cubicBezTo>
+                  <a:cubicBezTo>
+                    <a:pt x="109" y="13745"/>
+                    <a:pt x="1" y="48393"/>
+                    <a:pt x="18550" y="80498"/>
+                  </a:cubicBezTo>
+                  <a:cubicBezTo>
+                    <a:pt x="27809" y="96550"/>
+                    <a:pt x="39984" y="108927"/>
+                    <a:pt x="52175" y="115968"/>
+                  </a:cubicBezTo>
+                  <a:cubicBezTo>
+                    <a:pt x="59511" y="120206"/>
+                    <a:pt x="66848" y="122506"/>
+                    <a:pt x="73562" y="122506"/>
+                  </a:cubicBezTo>
+                  <a:cubicBezTo>
+                    <a:pt x="78005" y="122506"/>
+                    <a:pt x="82175" y="121499"/>
+                    <a:pt x="85893" y="119381"/>
+                  </a:cubicBezTo>
+                  <a:cubicBezTo>
+                    <a:pt x="104551" y="108757"/>
+                    <a:pt x="104644" y="74108"/>
+                    <a:pt x="86110" y="42003"/>
+                  </a:cubicBezTo>
+                  <a:cubicBezTo>
+                    <a:pt x="76835" y="25951"/>
+                    <a:pt x="64676" y="13574"/>
+                    <a:pt x="52485" y="6533"/>
+                  </a:cubicBezTo>
+                  <a:cubicBezTo>
+                    <a:pt x="45144" y="2302"/>
+                    <a:pt x="37797" y="0"/>
+                    <a:pt x="31078" y="0"/>
+                  </a:cubicBezTo>
+                  <a:close/>
+                </a:path>
+              </a:pathLst>
+            </a:custGeom>
+            <a:solidFill>
+              <a:srgbClr val="FFFFFF"/>
+            </a:solidFill>
+            <a:ln>
+              <a:noFill/>
+            </a:ln>
+          </p:spPr>
+          <p:txBody>
+            <a:bodyPr spcFirstLastPara="1" wrap="square" lIns="91425" tIns="91425" rIns="91425" bIns="91425" anchor="ctr" anchorCtr="0">
+              <a:noAutofit/>
+            </a:bodyPr>
+            <a:lstStyle/>
+            <a:p>
+              <a:pPr marL="0" lvl="0" indent="0" algn="l" rtl="0">
+                <a:spcBef>
+                  <a:spcPts val="0"/>
+                </a:spcBef>
+                <a:spcAft>
+                  <a:spcPts val="0"/>
+                </a:spcAft>
+                <a:buNone/>
+              </a:pPr>
+              <a:endParaRPr/>
+            </a:p>
+          </p:txBody>
+        </p:sp>
+        <p:sp>
+          <p:nvSpPr>
+            <p:cNvPr id="135" name="Google Shape;135;p16"/>
+            <p:cNvSpPr/>
+            <p:nvPr/>
+          </p:nvSpPr>
+          <p:spPr>
+            <a:xfrm>
+              <a:off x="2980425" y="1916425"/>
+              <a:ext cx="1731275" cy="2120825"/>
+            </a:xfrm>
+            <a:custGeom>
+              <a:avLst/>
+              <a:gdLst/>
+              <a:ahLst/>
+              <a:cxnLst/>
+              <a:rect l="l" t="t" r="r" b="b"/>
+              <a:pathLst>
+                <a:path w="69251" h="84833" extrusionOk="0">
+                  <a:moveTo>
+                    <a:pt x="10825" y="1"/>
+                  </a:moveTo>
+                  <a:cubicBezTo>
+                    <a:pt x="10601" y="1"/>
+                    <a:pt x="10391" y="53"/>
+                    <a:pt x="10206" y="164"/>
+                  </a:cubicBezTo>
+                  <a:cubicBezTo>
+                    <a:pt x="9244" y="707"/>
+                    <a:pt x="9244" y="2475"/>
+                    <a:pt x="10206" y="4104"/>
+                  </a:cubicBezTo>
+                  <a:cubicBezTo>
+                    <a:pt x="10609" y="4848"/>
+                    <a:pt x="11198" y="5468"/>
+                    <a:pt x="11912" y="5918"/>
+                  </a:cubicBezTo>
+                  <a:cubicBezTo>
+                    <a:pt x="12283" y="6132"/>
+                    <a:pt x="12655" y="6245"/>
+                    <a:pt x="12997" y="6245"/>
+                  </a:cubicBezTo>
+                  <a:cubicBezTo>
+                    <a:pt x="13225" y="6245"/>
+                    <a:pt x="13440" y="6194"/>
+                    <a:pt x="13633" y="6089"/>
+                  </a:cubicBezTo>
+                  <a:cubicBezTo>
+                    <a:pt x="14579" y="5546"/>
+                    <a:pt x="14579" y="3778"/>
+                    <a:pt x="13633" y="2134"/>
+                  </a:cubicBezTo>
+                  <a:cubicBezTo>
+                    <a:pt x="13230" y="1405"/>
+                    <a:pt x="12641" y="784"/>
+                    <a:pt x="11927" y="335"/>
+                  </a:cubicBezTo>
+                  <a:lnTo>
+                    <a:pt x="11912" y="335"/>
+                  </a:lnTo>
+                  <a:cubicBezTo>
+                    <a:pt x="11538" y="120"/>
+                    <a:pt x="11165" y="1"/>
+                    <a:pt x="10825" y="1"/>
+                  </a:cubicBezTo>
+                  <a:close/>
+                  <a:moveTo>
+                    <a:pt x="33617" y="2296"/>
+                  </a:moveTo>
+                  <a:cubicBezTo>
+                    <a:pt x="32820" y="2296"/>
+                    <a:pt x="32276" y="2928"/>
+                    <a:pt x="32276" y="4026"/>
+                  </a:cubicBezTo>
+                  <a:cubicBezTo>
+                    <a:pt x="32276" y="5561"/>
+                    <a:pt x="33346" y="7438"/>
+                    <a:pt x="34695" y="8214"/>
+                  </a:cubicBezTo>
+                  <a:cubicBezTo>
+                    <a:pt x="35086" y="8438"/>
+                    <a:pt x="35456" y="8545"/>
+                    <a:pt x="35782" y="8545"/>
+                  </a:cubicBezTo>
+                  <a:cubicBezTo>
+                    <a:pt x="36583" y="8545"/>
+                    <a:pt x="37130" y="7908"/>
+                    <a:pt x="37130" y="6818"/>
+                  </a:cubicBezTo>
+                  <a:cubicBezTo>
+                    <a:pt x="37130" y="5282"/>
+                    <a:pt x="36045" y="3390"/>
+                    <a:pt x="34695" y="2630"/>
+                  </a:cubicBezTo>
+                  <a:lnTo>
+                    <a:pt x="34711" y="2630"/>
+                  </a:lnTo>
+                  <a:cubicBezTo>
+                    <a:pt x="34317" y="2404"/>
+                    <a:pt x="33945" y="2296"/>
+                    <a:pt x="33617" y="2296"/>
+                  </a:cubicBezTo>
+                  <a:close/>
+                  <a:moveTo>
+                    <a:pt x="1349" y="20752"/>
+                  </a:moveTo>
+                  <a:cubicBezTo>
+                    <a:pt x="558" y="20752"/>
+                    <a:pt x="11" y="21381"/>
+                    <a:pt x="0" y="22467"/>
+                  </a:cubicBezTo>
+                  <a:cubicBezTo>
+                    <a:pt x="0" y="24002"/>
+                    <a:pt x="1086" y="25879"/>
+                    <a:pt x="2420" y="26654"/>
+                  </a:cubicBezTo>
+                  <a:cubicBezTo>
+                    <a:pt x="2814" y="26881"/>
+                    <a:pt x="3185" y="26988"/>
+                    <a:pt x="3514" y="26988"/>
+                  </a:cubicBezTo>
+                  <a:cubicBezTo>
+                    <a:pt x="4311" y="26988"/>
+                    <a:pt x="4855" y="26357"/>
+                    <a:pt x="4855" y="25259"/>
+                  </a:cubicBezTo>
+                  <a:cubicBezTo>
+                    <a:pt x="4855" y="23723"/>
+                    <a:pt x="3769" y="21862"/>
+                    <a:pt x="2435" y="21087"/>
+                  </a:cubicBezTo>
+                  <a:cubicBezTo>
+                    <a:pt x="2045" y="20860"/>
+                    <a:pt x="1676" y="20752"/>
+                    <a:pt x="1349" y="20752"/>
+                  </a:cubicBezTo>
+                  <a:close/>
+                  <a:moveTo>
+                    <a:pt x="56352" y="26234"/>
+                  </a:moveTo>
+                  <a:cubicBezTo>
+                    <a:pt x="56124" y="26234"/>
+                    <a:pt x="55913" y="26285"/>
+                    <a:pt x="55726" y="26391"/>
+                  </a:cubicBezTo>
+                  <a:cubicBezTo>
+                    <a:pt x="54765" y="26934"/>
+                    <a:pt x="54765" y="28702"/>
+                    <a:pt x="55726" y="30346"/>
+                  </a:cubicBezTo>
+                  <a:cubicBezTo>
+                    <a:pt x="56129" y="31075"/>
+                    <a:pt x="56719" y="31695"/>
+                    <a:pt x="57432" y="32145"/>
+                  </a:cubicBezTo>
+                  <a:cubicBezTo>
+                    <a:pt x="57806" y="32360"/>
+                    <a:pt x="58179" y="32479"/>
+                    <a:pt x="58522" y="32479"/>
+                  </a:cubicBezTo>
+                  <a:cubicBezTo>
+                    <a:pt x="58749" y="32479"/>
+                    <a:pt x="58962" y="32427"/>
+                    <a:pt x="59154" y="32315"/>
+                  </a:cubicBezTo>
+                  <a:cubicBezTo>
+                    <a:pt x="60100" y="31773"/>
+                    <a:pt x="60100" y="30005"/>
+                    <a:pt x="59154" y="28376"/>
+                  </a:cubicBezTo>
+                  <a:cubicBezTo>
+                    <a:pt x="58750" y="27632"/>
+                    <a:pt x="58161" y="27011"/>
+                    <a:pt x="57448" y="26561"/>
+                  </a:cubicBezTo>
+                  <a:cubicBezTo>
+                    <a:pt x="57067" y="26348"/>
+                    <a:pt x="56691" y="26234"/>
+                    <a:pt x="56352" y="26234"/>
+                  </a:cubicBezTo>
+                  <a:close/>
+                  <a:moveTo>
+                    <a:pt x="10707" y="52337"/>
+                  </a:moveTo>
+                  <a:cubicBezTo>
+                    <a:pt x="10480" y="52337"/>
+                    <a:pt x="10268" y="52388"/>
+                    <a:pt x="10082" y="52493"/>
+                  </a:cubicBezTo>
+                  <a:cubicBezTo>
+                    <a:pt x="9120" y="53036"/>
+                    <a:pt x="9120" y="54804"/>
+                    <a:pt x="10082" y="56433"/>
+                  </a:cubicBezTo>
+                  <a:cubicBezTo>
+                    <a:pt x="10485" y="57177"/>
+                    <a:pt x="11074" y="57798"/>
+                    <a:pt x="11788" y="58247"/>
+                  </a:cubicBezTo>
+                  <a:cubicBezTo>
+                    <a:pt x="12161" y="58462"/>
+                    <a:pt x="12534" y="58581"/>
+                    <a:pt x="12877" y="58581"/>
+                  </a:cubicBezTo>
+                  <a:cubicBezTo>
+                    <a:pt x="13104" y="58581"/>
+                    <a:pt x="13318" y="58529"/>
+                    <a:pt x="13509" y="58418"/>
+                  </a:cubicBezTo>
+                  <a:cubicBezTo>
+                    <a:pt x="14455" y="57875"/>
+                    <a:pt x="14455" y="56107"/>
+                    <a:pt x="13525" y="54479"/>
+                  </a:cubicBezTo>
+                  <a:cubicBezTo>
+                    <a:pt x="13106" y="53734"/>
+                    <a:pt x="12517" y="53114"/>
+                    <a:pt x="11803" y="52664"/>
+                  </a:cubicBezTo>
+                  <a:cubicBezTo>
+                    <a:pt x="11422" y="52450"/>
+                    <a:pt x="11047" y="52337"/>
+                    <a:pt x="10707" y="52337"/>
+                  </a:cubicBezTo>
+                  <a:close/>
+                  <a:moveTo>
+                    <a:pt x="65744" y="57836"/>
+                  </a:moveTo>
+                  <a:cubicBezTo>
+                    <a:pt x="64948" y="57836"/>
+                    <a:pt x="64396" y="58468"/>
+                    <a:pt x="64396" y="59566"/>
+                  </a:cubicBezTo>
+                  <a:cubicBezTo>
+                    <a:pt x="64396" y="61101"/>
+                    <a:pt x="65482" y="62978"/>
+                    <a:pt x="66815" y="63738"/>
+                  </a:cubicBezTo>
+                  <a:cubicBezTo>
+                    <a:pt x="67210" y="63965"/>
+                    <a:pt x="67582" y="64072"/>
+                    <a:pt x="67911" y="64072"/>
+                  </a:cubicBezTo>
+                  <a:cubicBezTo>
+                    <a:pt x="68707" y="64072"/>
+                    <a:pt x="69250" y="63444"/>
+                    <a:pt x="69250" y="62358"/>
+                  </a:cubicBezTo>
+                  <a:cubicBezTo>
+                    <a:pt x="69250" y="60807"/>
+                    <a:pt x="68165" y="58945"/>
+                    <a:pt x="66831" y="58170"/>
+                  </a:cubicBezTo>
+                  <a:cubicBezTo>
+                    <a:pt x="66441" y="57944"/>
+                    <a:pt x="66072" y="57836"/>
+                    <a:pt x="65744" y="57836"/>
+                  </a:cubicBezTo>
+                  <a:close/>
+                  <a:moveTo>
+                    <a:pt x="33446" y="76308"/>
+                  </a:moveTo>
+                  <a:cubicBezTo>
+                    <a:pt x="32649" y="76308"/>
+                    <a:pt x="32105" y="76940"/>
+                    <a:pt x="32105" y="78038"/>
+                  </a:cubicBezTo>
+                  <a:cubicBezTo>
+                    <a:pt x="32090" y="79573"/>
+                    <a:pt x="33175" y="81450"/>
+                    <a:pt x="34525" y="82225"/>
+                  </a:cubicBezTo>
+                  <a:lnTo>
+                    <a:pt x="34556" y="82241"/>
+                  </a:lnTo>
+                  <a:lnTo>
+                    <a:pt x="34587" y="82272"/>
+                  </a:lnTo>
+                  <a:cubicBezTo>
+                    <a:pt x="34977" y="82496"/>
+                    <a:pt x="35346" y="82603"/>
+                    <a:pt x="35672" y="82603"/>
+                  </a:cubicBezTo>
+                  <a:cubicBezTo>
+                    <a:pt x="36473" y="82603"/>
+                    <a:pt x="37022" y="81962"/>
+                    <a:pt x="37022" y="80860"/>
+                  </a:cubicBezTo>
+                  <a:cubicBezTo>
+                    <a:pt x="37022" y="79325"/>
+                    <a:pt x="35936" y="77464"/>
+                    <a:pt x="34602" y="76688"/>
+                  </a:cubicBezTo>
+                  <a:lnTo>
+                    <a:pt x="34571" y="76673"/>
+                  </a:lnTo>
+                  <a:lnTo>
+                    <a:pt x="34540" y="76642"/>
+                  </a:lnTo>
+                  <a:cubicBezTo>
+                    <a:pt x="34146" y="76415"/>
+                    <a:pt x="33775" y="76308"/>
+                    <a:pt x="33446" y="76308"/>
+                  </a:cubicBezTo>
+                  <a:close/>
+                  <a:moveTo>
+                    <a:pt x="56280" y="78588"/>
+                  </a:moveTo>
+                  <a:cubicBezTo>
+                    <a:pt x="56054" y="78588"/>
+                    <a:pt x="55840" y="78640"/>
+                    <a:pt x="55649" y="78751"/>
+                  </a:cubicBezTo>
+                  <a:cubicBezTo>
+                    <a:pt x="54702" y="79294"/>
+                    <a:pt x="54702" y="81062"/>
+                    <a:pt x="55649" y="82691"/>
+                  </a:cubicBezTo>
+                  <a:cubicBezTo>
+                    <a:pt x="56052" y="83435"/>
+                    <a:pt x="56641" y="84055"/>
+                    <a:pt x="57355" y="84505"/>
+                  </a:cubicBezTo>
+                  <a:cubicBezTo>
+                    <a:pt x="57736" y="84719"/>
+                    <a:pt x="58111" y="84832"/>
+                    <a:pt x="58451" y="84832"/>
+                  </a:cubicBezTo>
+                  <a:cubicBezTo>
+                    <a:pt x="58678" y="84832"/>
+                    <a:pt x="58890" y="84782"/>
+                    <a:pt x="59076" y="84676"/>
+                  </a:cubicBezTo>
+                  <a:cubicBezTo>
+                    <a:pt x="60022" y="84117"/>
+                    <a:pt x="60038" y="82349"/>
+                    <a:pt x="59076" y="80721"/>
+                  </a:cubicBezTo>
+                  <a:cubicBezTo>
+                    <a:pt x="58673" y="79992"/>
+                    <a:pt x="58084" y="79372"/>
+                    <a:pt x="57370" y="78922"/>
+                  </a:cubicBezTo>
+                  <a:cubicBezTo>
+                    <a:pt x="56997" y="78707"/>
+                    <a:pt x="56623" y="78588"/>
+                    <a:pt x="56280" y="78588"/>
+                  </a:cubicBezTo>
+                  <a:close/>
+                </a:path>
+              </a:pathLst>
+            </a:custGeom>
+            <a:solidFill>
+              <a:srgbClr val="3E738A"/>
+            </a:solidFill>
+            <a:ln>
+              <a:noFill/>
+            </a:ln>
+          </p:spPr>
+          <p:txBody>
+            <a:bodyPr spcFirstLastPara="1" wrap="square" lIns="91425" tIns="91425" rIns="91425" bIns="91425" anchor="ctr" anchorCtr="0">
+              <a:noAutofit/>
+            </a:bodyPr>
+            <a:lstStyle/>
+            <a:p>
+              <a:pPr marL="0" lvl="0" indent="0" algn="l" rtl="0">
+                <a:spcBef>
+                  <a:spcPts val="0"/>
+                </a:spcBef>
+                <a:spcAft>
+                  <a:spcPts val="0"/>
+                </a:spcAft>
+                <a:buNone/>
+              </a:pPr>
+              <a:endParaRPr/>
+            </a:p>
+          </p:txBody>
+        </p:sp>
+        <p:sp>
+          <p:nvSpPr>
+            <p:cNvPr id="136" name="Google Shape;136;p16"/>
+            <p:cNvSpPr/>
+            <p:nvPr/>
+          </p:nvSpPr>
+          <p:spPr>
+            <a:xfrm>
+              <a:off x="3669425" y="2345100"/>
+              <a:ext cx="939900" cy="758650"/>
+            </a:xfrm>
+            <a:custGeom>
+              <a:avLst/>
+              <a:gdLst/>
+              <a:ahLst/>
+              <a:cxnLst/>
+              <a:rect l="l" t="t" r="r" b="b"/>
+              <a:pathLst>
+                <a:path w="37596" h="30346" extrusionOk="0">
+                  <a:moveTo>
+                    <a:pt x="5569" y="20256"/>
+                  </a:moveTo>
+                  <a:lnTo>
+                    <a:pt x="5569" y="20256"/>
+                  </a:lnTo>
+                  <a:cubicBezTo>
+                    <a:pt x="5755" y="20318"/>
+                    <a:pt x="5925" y="20395"/>
+                    <a:pt x="6096" y="20488"/>
+                  </a:cubicBezTo>
+                  <a:cubicBezTo>
+                    <a:pt x="6763" y="20907"/>
+                    <a:pt x="7306" y="21450"/>
+                    <a:pt x="7709" y="22117"/>
+                  </a:cubicBezTo>
+                  <a:cubicBezTo>
+                    <a:pt x="8422" y="23218"/>
+                    <a:pt x="8686" y="24443"/>
+                    <a:pt x="8516" y="25312"/>
+                  </a:cubicBezTo>
+                  <a:cubicBezTo>
+                    <a:pt x="8314" y="25250"/>
+                    <a:pt x="8143" y="25172"/>
+                    <a:pt x="7973" y="25079"/>
+                  </a:cubicBezTo>
+                  <a:cubicBezTo>
+                    <a:pt x="7321" y="24676"/>
+                    <a:pt x="6763" y="24117"/>
+                    <a:pt x="6360" y="23451"/>
+                  </a:cubicBezTo>
+                  <a:cubicBezTo>
+                    <a:pt x="5662" y="22349"/>
+                    <a:pt x="5398" y="21124"/>
+                    <a:pt x="5569" y="20256"/>
+                  </a:cubicBezTo>
+                  <a:close/>
+                  <a:moveTo>
+                    <a:pt x="37596" y="0"/>
+                  </a:moveTo>
+                  <a:lnTo>
+                    <a:pt x="35704" y="1101"/>
+                  </a:lnTo>
+                  <a:lnTo>
+                    <a:pt x="9756" y="17324"/>
+                  </a:lnTo>
+                  <a:cubicBezTo>
+                    <a:pt x="9229" y="16797"/>
+                    <a:pt x="8640" y="16347"/>
+                    <a:pt x="8004" y="15959"/>
+                  </a:cubicBezTo>
+                  <a:cubicBezTo>
+                    <a:pt x="7156" y="15475"/>
+                    <a:pt x="6309" y="15215"/>
+                    <a:pt x="5539" y="15215"/>
+                  </a:cubicBezTo>
+                  <a:cubicBezTo>
+                    <a:pt x="5026" y="15215"/>
+                    <a:pt x="4548" y="15330"/>
+                    <a:pt x="4126" y="15572"/>
+                  </a:cubicBezTo>
+                  <a:lnTo>
+                    <a:pt x="2299" y="16635"/>
+                  </a:lnTo>
+                  <a:lnTo>
+                    <a:pt x="2299" y="16635"/>
+                  </a:lnTo>
+                  <a:cubicBezTo>
+                    <a:pt x="2309" y="16628"/>
+                    <a:pt x="2318" y="16620"/>
+                    <a:pt x="2327" y="16611"/>
+                  </a:cubicBezTo>
+                  <a:lnTo>
+                    <a:pt x="2327" y="16611"/>
+                  </a:lnTo>
+                  <a:cubicBezTo>
+                    <a:pt x="2203" y="16688"/>
+                    <a:pt x="2079" y="16766"/>
+                    <a:pt x="1971" y="16843"/>
+                  </a:cubicBezTo>
+                  <a:cubicBezTo>
+                    <a:pt x="1" y="18332"/>
+                    <a:pt x="233" y="22427"/>
+                    <a:pt x="2513" y="26010"/>
+                  </a:cubicBezTo>
+                  <a:cubicBezTo>
+                    <a:pt x="3537" y="27623"/>
+                    <a:pt x="4809" y="28863"/>
+                    <a:pt x="6065" y="29592"/>
+                  </a:cubicBezTo>
+                  <a:cubicBezTo>
+                    <a:pt x="6913" y="30081"/>
+                    <a:pt x="7756" y="30345"/>
+                    <a:pt x="8525" y="30345"/>
+                  </a:cubicBezTo>
+                  <a:cubicBezTo>
+                    <a:pt x="9050" y="30345"/>
+                    <a:pt x="9540" y="30222"/>
+                    <a:pt x="9973" y="29965"/>
+                  </a:cubicBezTo>
+                  <a:lnTo>
+                    <a:pt x="9973" y="29965"/>
+                  </a:lnTo>
+                  <a:lnTo>
+                    <a:pt x="9958" y="29980"/>
+                  </a:lnTo>
+                  <a:lnTo>
+                    <a:pt x="11850" y="28879"/>
+                  </a:lnTo>
+                  <a:cubicBezTo>
+                    <a:pt x="11928" y="28832"/>
+                    <a:pt x="12021" y="28770"/>
+                    <a:pt x="12098" y="28708"/>
+                  </a:cubicBezTo>
+                  <a:cubicBezTo>
+                    <a:pt x="13618" y="27576"/>
+                    <a:pt x="13820" y="24893"/>
+                    <a:pt x="12812" y="22086"/>
+                  </a:cubicBezTo>
+                  <a:lnTo>
+                    <a:pt x="37596" y="0"/>
+                  </a:lnTo>
+                  <a:close/>
+                </a:path>
+              </a:pathLst>
+            </a:custGeom>
+            <a:solidFill>
+              <a:srgbClr val="3A6374"/>
+            </a:solidFill>
+            <a:ln>
+              <a:noFill/>
+            </a:ln>
+          </p:spPr>
+          <p:txBody>
+            <a:bodyPr spcFirstLastPara="1" wrap="square" lIns="91425" tIns="91425" rIns="91425" bIns="91425" anchor="ctr" anchorCtr="0">
+              <a:noAutofit/>
+            </a:bodyPr>
+            <a:lstStyle/>
+            <a:p>
+              <a:pPr marL="0" lvl="0" indent="0" algn="l" rtl="0">
+                <a:spcBef>
+                  <a:spcPts val="0"/>
+                </a:spcBef>
+                <a:spcAft>
+                  <a:spcPts val="0"/>
+                </a:spcAft>
+                <a:buNone/>
+              </a:pPr>
+              <a:endParaRPr/>
+            </a:p>
+          </p:txBody>
+        </p:sp>
+        <p:sp>
+          <p:nvSpPr>
+            <p:cNvPr id="137" name="Google Shape;137;p16"/>
+            <p:cNvSpPr/>
+            <p:nvPr/>
+          </p:nvSpPr>
+          <p:spPr>
+            <a:xfrm>
+              <a:off x="3752800" y="2825875"/>
+              <a:ext cx="159775" cy="182200"/>
+            </a:xfrm>
+            <a:custGeom>
+              <a:avLst/>
+              <a:gdLst/>
+              <a:ahLst/>
+              <a:cxnLst/>
+              <a:rect l="l" t="t" r="r" b="b"/>
+              <a:pathLst>
+                <a:path w="6391" h="7288" extrusionOk="0">
+                  <a:moveTo>
+                    <a:pt x="2901" y="1"/>
+                  </a:moveTo>
+                  <a:lnTo>
+                    <a:pt x="2901" y="1"/>
+                  </a:lnTo>
+                  <a:cubicBezTo>
+                    <a:pt x="2870" y="11"/>
+                    <a:pt x="2847" y="28"/>
+                    <a:pt x="2821" y="47"/>
+                  </a:cubicBezTo>
+                  <a:lnTo>
+                    <a:pt x="2821" y="47"/>
+                  </a:lnTo>
+                  <a:lnTo>
+                    <a:pt x="2901" y="1"/>
+                  </a:lnTo>
+                  <a:close/>
+                  <a:moveTo>
+                    <a:pt x="2821" y="47"/>
+                  </a:moveTo>
+                  <a:lnTo>
+                    <a:pt x="1008" y="1087"/>
+                  </a:lnTo>
+                  <a:cubicBezTo>
+                    <a:pt x="962" y="1118"/>
+                    <a:pt x="931" y="1133"/>
+                    <a:pt x="884" y="1164"/>
+                  </a:cubicBezTo>
+                  <a:cubicBezTo>
+                    <a:pt x="0" y="1831"/>
+                    <a:pt x="109" y="3708"/>
+                    <a:pt x="1133" y="5321"/>
+                  </a:cubicBezTo>
+                  <a:cubicBezTo>
+                    <a:pt x="1536" y="5988"/>
+                    <a:pt x="2094" y="6546"/>
+                    <a:pt x="2746" y="6949"/>
+                  </a:cubicBezTo>
+                  <a:cubicBezTo>
+                    <a:pt x="3124" y="7171"/>
+                    <a:pt x="3507" y="7288"/>
+                    <a:pt x="3857" y="7288"/>
+                  </a:cubicBezTo>
+                  <a:cubicBezTo>
+                    <a:pt x="4096" y="7288"/>
+                    <a:pt x="4319" y="7233"/>
+                    <a:pt x="4514" y="7120"/>
+                  </a:cubicBezTo>
+                  <a:lnTo>
+                    <a:pt x="6390" y="6019"/>
+                  </a:lnTo>
+                  <a:lnTo>
+                    <a:pt x="6390" y="6019"/>
+                  </a:lnTo>
+                  <a:cubicBezTo>
+                    <a:pt x="6195" y="6132"/>
+                    <a:pt x="5975" y="6186"/>
+                    <a:pt x="5739" y="6186"/>
+                  </a:cubicBezTo>
+                  <a:cubicBezTo>
+                    <a:pt x="5394" y="6186"/>
+                    <a:pt x="5016" y="6069"/>
+                    <a:pt x="4638" y="5848"/>
+                  </a:cubicBezTo>
+                  <a:cubicBezTo>
+                    <a:pt x="3986" y="5445"/>
+                    <a:pt x="3428" y="4886"/>
+                    <a:pt x="3025" y="4235"/>
+                  </a:cubicBezTo>
+                  <a:cubicBezTo>
+                    <a:pt x="1986" y="2607"/>
+                    <a:pt x="1877" y="745"/>
+                    <a:pt x="2777" y="79"/>
+                  </a:cubicBezTo>
+                  <a:cubicBezTo>
+                    <a:pt x="2793" y="68"/>
+                    <a:pt x="2807" y="57"/>
+                    <a:pt x="2821" y="47"/>
+                  </a:cubicBezTo>
+                  <a:close/>
+                </a:path>
+              </a:pathLst>
+            </a:custGeom>
+            <a:solidFill>
+              <a:srgbClr val="547786"/>
+            </a:solidFill>
+            <a:ln>
+              <a:noFill/>
+            </a:ln>
+          </p:spPr>
+          <p:txBody>
+            <a:bodyPr spcFirstLastPara="1" wrap="square" lIns="91425" tIns="91425" rIns="91425" bIns="91425" anchor="ctr" anchorCtr="0">
+              <a:noAutofit/>
+            </a:bodyPr>
+            <a:lstStyle/>
+            <a:p>
+              <a:pPr marL="0" lvl="0" indent="0" algn="l" rtl="0">
+                <a:spcBef>
+                  <a:spcPts val="0"/>
+                </a:spcBef>
+                <a:spcAft>
+                  <a:spcPts val="0"/>
+                </a:spcAft>
+                <a:buNone/>
+              </a:pPr>
+              <a:endParaRPr/>
+            </a:p>
+          </p:txBody>
+        </p:sp>
+        <p:sp>
+          <p:nvSpPr>
+            <p:cNvPr id="138" name="Google Shape;138;p16"/>
+            <p:cNvSpPr/>
+            <p:nvPr/>
+          </p:nvSpPr>
+          <p:spPr>
+            <a:xfrm>
+              <a:off x="3725275" y="2725550"/>
+              <a:ext cx="189225" cy="81350"/>
+            </a:xfrm>
+            <a:custGeom>
+              <a:avLst/>
+              <a:gdLst/>
+              <a:ahLst/>
+              <a:cxnLst/>
+              <a:rect l="l" t="t" r="r" b="b"/>
+              <a:pathLst>
+                <a:path w="7569" h="3254" extrusionOk="0">
+                  <a:moveTo>
+                    <a:pt x="21" y="1458"/>
+                  </a:moveTo>
+                  <a:cubicBezTo>
+                    <a:pt x="14" y="1462"/>
+                    <a:pt x="7" y="1466"/>
+                    <a:pt x="0" y="1470"/>
+                  </a:cubicBezTo>
+                  <a:lnTo>
+                    <a:pt x="21" y="1458"/>
+                  </a:lnTo>
+                  <a:close/>
+                  <a:moveTo>
+                    <a:pt x="3313" y="1"/>
+                  </a:moveTo>
+                  <a:cubicBezTo>
+                    <a:pt x="2797" y="1"/>
+                    <a:pt x="2316" y="120"/>
+                    <a:pt x="1892" y="369"/>
+                  </a:cubicBezTo>
+                  <a:lnTo>
+                    <a:pt x="21" y="1458"/>
+                  </a:lnTo>
+                  <a:lnTo>
+                    <a:pt x="21" y="1458"/>
+                  </a:lnTo>
+                  <a:cubicBezTo>
+                    <a:pt x="439" y="1217"/>
+                    <a:pt x="913" y="1102"/>
+                    <a:pt x="1420" y="1102"/>
+                  </a:cubicBezTo>
+                  <a:cubicBezTo>
+                    <a:pt x="2186" y="1102"/>
+                    <a:pt x="3027" y="1366"/>
+                    <a:pt x="3862" y="1858"/>
+                  </a:cubicBezTo>
+                  <a:cubicBezTo>
+                    <a:pt x="4529" y="2246"/>
+                    <a:pt x="5134" y="2711"/>
+                    <a:pt x="5677" y="3254"/>
+                  </a:cubicBezTo>
+                  <a:lnTo>
+                    <a:pt x="7569" y="2153"/>
+                  </a:lnTo>
+                  <a:cubicBezTo>
+                    <a:pt x="7026" y="1610"/>
+                    <a:pt x="6421" y="1145"/>
+                    <a:pt x="5770" y="757"/>
+                  </a:cubicBezTo>
+                  <a:cubicBezTo>
+                    <a:pt x="4925" y="265"/>
+                    <a:pt x="4081" y="1"/>
+                    <a:pt x="3313" y="1"/>
+                  </a:cubicBezTo>
+                  <a:close/>
+                </a:path>
+              </a:pathLst>
+            </a:custGeom>
+            <a:solidFill>
+              <a:srgbClr val="547786"/>
+            </a:solidFill>
+            <a:ln>
+              <a:noFill/>
+            </a:ln>
+          </p:spPr>
+          <p:txBody>
+            <a:bodyPr spcFirstLastPara="1" wrap="square" lIns="91425" tIns="91425" rIns="91425" bIns="91425" anchor="ctr" anchorCtr="0">
+              <a:noAutofit/>
+            </a:bodyPr>
+            <a:lstStyle/>
+            <a:p>
+              <a:pPr marL="0" lvl="0" indent="0" algn="l" rtl="0">
+                <a:spcBef>
+                  <a:spcPts val="0"/>
+                </a:spcBef>
+                <a:spcAft>
+                  <a:spcPts val="0"/>
+                </a:spcAft>
+                <a:buNone/>
+              </a:pPr>
+              <a:endParaRPr/>
+            </a:p>
+          </p:txBody>
+        </p:sp>
+        <p:sp>
+          <p:nvSpPr>
+            <p:cNvPr id="139" name="Google Shape;139;p16"/>
+            <p:cNvSpPr/>
+            <p:nvPr/>
+          </p:nvSpPr>
+          <p:spPr>
+            <a:xfrm>
+              <a:off x="3918350" y="2897625"/>
+              <a:ext cx="96575" cy="197375"/>
+            </a:xfrm>
+            <a:custGeom>
+              <a:avLst/>
+              <a:gdLst/>
+              <a:ahLst/>
+              <a:cxnLst/>
+              <a:rect l="l" t="t" r="r" b="b"/>
+              <a:pathLst>
+                <a:path w="3863" h="7895" extrusionOk="0">
+                  <a:moveTo>
+                    <a:pt x="2855" y="0"/>
+                  </a:moveTo>
+                  <a:lnTo>
+                    <a:pt x="963" y="1101"/>
+                  </a:lnTo>
+                  <a:cubicBezTo>
+                    <a:pt x="1971" y="3893"/>
+                    <a:pt x="1769" y="6576"/>
+                    <a:pt x="249" y="7724"/>
+                  </a:cubicBezTo>
+                  <a:cubicBezTo>
+                    <a:pt x="172" y="7771"/>
+                    <a:pt x="78" y="7833"/>
+                    <a:pt x="1" y="7895"/>
+                  </a:cubicBezTo>
+                  <a:lnTo>
+                    <a:pt x="1893" y="6793"/>
+                  </a:lnTo>
+                  <a:cubicBezTo>
+                    <a:pt x="1971" y="6731"/>
+                    <a:pt x="2064" y="6685"/>
+                    <a:pt x="2141" y="6623"/>
+                  </a:cubicBezTo>
+                  <a:cubicBezTo>
+                    <a:pt x="3661" y="5475"/>
+                    <a:pt x="3863" y="2807"/>
+                    <a:pt x="2855" y="0"/>
+                  </a:cubicBezTo>
+                  <a:close/>
+                </a:path>
+              </a:pathLst>
+            </a:custGeom>
+            <a:solidFill>
+              <a:srgbClr val="295568"/>
+            </a:solidFill>
+            <a:ln>
+              <a:noFill/>
+            </a:ln>
+          </p:spPr>
+          <p:txBody>
+            <a:bodyPr spcFirstLastPara="1" wrap="square" lIns="91425" tIns="91425" rIns="91425" bIns="91425" anchor="ctr" anchorCtr="0">
+              <a:noAutofit/>
+            </a:bodyPr>
+            <a:lstStyle/>
+            <a:p>
+              <a:pPr marL="0" lvl="0" indent="0" algn="l" rtl="0">
+                <a:spcBef>
+                  <a:spcPts val="0"/>
+                </a:spcBef>
+                <a:spcAft>
+                  <a:spcPts val="0"/>
+                </a:spcAft>
+                <a:buNone/>
+              </a:pPr>
+              <a:endParaRPr/>
+            </a:p>
+          </p:txBody>
+        </p:sp>
+        <p:sp>
+          <p:nvSpPr>
+            <p:cNvPr id="140" name="Google Shape;140;p16"/>
+            <p:cNvSpPr/>
+            <p:nvPr/>
+          </p:nvSpPr>
+          <p:spPr>
+            <a:xfrm>
+              <a:off x="3942400" y="2345100"/>
+              <a:ext cx="666925" cy="580075"/>
+            </a:xfrm>
+            <a:custGeom>
+              <a:avLst/>
+              <a:gdLst/>
+              <a:ahLst/>
+              <a:cxnLst/>
+              <a:rect l="l" t="t" r="r" b="b"/>
+              <a:pathLst>
+                <a:path w="26677" h="23203" extrusionOk="0">
+                  <a:moveTo>
+                    <a:pt x="26677" y="0"/>
+                  </a:moveTo>
+                  <a:lnTo>
+                    <a:pt x="24785" y="1101"/>
+                  </a:lnTo>
+                  <a:lnTo>
+                    <a:pt x="1" y="23202"/>
+                  </a:lnTo>
+                  <a:lnTo>
+                    <a:pt x="1893" y="22101"/>
+                  </a:lnTo>
+                  <a:lnTo>
+                    <a:pt x="26677" y="0"/>
+                  </a:lnTo>
+                  <a:close/>
+                </a:path>
+              </a:pathLst>
+            </a:custGeom>
+            <a:solidFill>
+              <a:srgbClr val="295568"/>
+            </a:solidFill>
+            <a:ln>
+              <a:noFill/>
+            </a:ln>
+          </p:spPr>
+          <p:txBody>
+            <a:bodyPr spcFirstLastPara="1" wrap="square" lIns="91425" tIns="91425" rIns="91425" bIns="91425" anchor="ctr" anchorCtr="0">
+              <a:noAutofit/>
+            </a:bodyPr>
+            <a:lstStyle/>
+            <a:p>
+              <a:pPr marL="0" lvl="0" indent="0" algn="l" rtl="0">
+                <a:spcBef>
+                  <a:spcPts val="0"/>
+                </a:spcBef>
+                <a:spcAft>
+                  <a:spcPts val="0"/>
+                </a:spcAft>
+                <a:buNone/>
+              </a:pPr>
+              <a:endParaRPr/>
+            </a:p>
+          </p:txBody>
+        </p:sp>
+        <p:sp>
+          <p:nvSpPr>
+            <p:cNvPr id="141" name="Google Shape;141;p16"/>
+            <p:cNvSpPr/>
+            <p:nvPr/>
+          </p:nvSpPr>
+          <p:spPr>
+            <a:xfrm>
+              <a:off x="3669050" y="2372625"/>
+              <a:ext cx="892975" cy="731425"/>
+            </a:xfrm>
+            <a:custGeom>
+              <a:avLst/>
+              <a:gdLst/>
+              <a:ahLst/>
+              <a:cxnLst/>
+              <a:rect l="l" t="t" r="r" b="b"/>
+              <a:pathLst>
+                <a:path w="35719" h="29257" extrusionOk="0">
+                  <a:moveTo>
+                    <a:pt x="4996" y="19060"/>
+                  </a:moveTo>
+                  <a:cubicBezTo>
+                    <a:pt x="5348" y="19060"/>
+                    <a:pt x="5732" y="19179"/>
+                    <a:pt x="6111" y="19403"/>
+                  </a:cubicBezTo>
+                  <a:cubicBezTo>
+                    <a:pt x="6778" y="19806"/>
+                    <a:pt x="7321" y="20364"/>
+                    <a:pt x="7724" y="21016"/>
+                  </a:cubicBezTo>
+                  <a:cubicBezTo>
+                    <a:pt x="8763" y="22644"/>
+                    <a:pt x="8872" y="24505"/>
+                    <a:pt x="7972" y="25172"/>
+                  </a:cubicBezTo>
+                  <a:cubicBezTo>
+                    <a:pt x="7749" y="25340"/>
+                    <a:pt x="7487" y="25419"/>
+                    <a:pt x="7204" y="25419"/>
+                  </a:cubicBezTo>
+                  <a:cubicBezTo>
+                    <a:pt x="6858" y="25419"/>
+                    <a:pt x="6479" y="25301"/>
+                    <a:pt x="6096" y="25079"/>
+                  </a:cubicBezTo>
+                  <a:cubicBezTo>
+                    <a:pt x="5444" y="24676"/>
+                    <a:pt x="4886" y="24118"/>
+                    <a:pt x="4483" y="23451"/>
+                  </a:cubicBezTo>
+                  <a:cubicBezTo>
+                    <a:pt x="3459" y="21838"/>
+                    <a:pt x="3350" y="19977"/>
+                    <a:pt x="4234" y="19294"/>
+                  </a:cubicBezTo>
+                  <a:cubicBezTo>
+                    <a:pt x="4455" y="19136"/>
+                    <a:pt x="4715" y="19060"/>
+                    <a:pt x="4996" y="19060"/>
+                  </a:cubicBezTo>
+                  <a:close/>
+                  <a:moveTo>
+                    <a:pt x="35719" y="0"/>
+                  </a:moveTo>
+                  <a:lnTo>
+                    <a:pt x="7926" y="17371"/>
+                  </a:lnTo>
+                  <a:cubicBezTo>
+                    <a:pt x="7383" y="16828"/>
+                    <a:pt x="6778" y="16363"/>
+                    <a:pt x="6127" y="15960"/>
+                  </a:cubicBezTo>
+                  <a:cubicBezTo>
+                    <a:pt x="5283" y="15474"/>
+                    <a:pt x="4443" y="15213"/>
+                    <a:pt x="3678" y="15213"/>
+                  </a:cubicBezTo>
+                  <a:cubicBezTo>
+                    <a:pt x="3051" y="15213"/>
+                    <a:pt x="2474" y="15388"/>
+                    <a:pt x="1986" y="15758"/>
+                  </a:cubicBezTo>
+                  <a:cubicBezTo>
+                    <a:pt x="0" y="17231"/>
+                    <a:pt x="248" y="21341"/>
+                    <a:pt x="2528" y="24924"/>
+                  </a:cubicBezTo>
+                  <a:cubicBezTo>
+                    <a:pt x="3552" y="26537"/>
+                    <a:pt x="4824" y="27778"/>
+                    <a:pt x="6080" y="28507"/>
+                  </a:cubicBezTo>
+                  <a:cubicBezTo>
+                    <a:pt x="6928" y="28995"/>
+                    <a:pt x="7772" y="29256"/>
+                    <a:pt x="8540" y="29256"/>
+                  </a:cubicBezTo>
+                  <a:cubicBezTo>
+                    <a:pt x="9162" y="29256"/>
+                    <a:pt x="9735" y="29085"/>
+                    <a:pt x="10221" y="28724"/>
+                  </a:cubicBezTo>
+                  <a:cubicBezTo>
+                    <a:pt x="11741" y="27576"/>
+                    <a:pt x="11943" y="24909"/>
+                    <a:pt x="10935" y="22101"/>
+                  </a:cubicBezTo>
+                  <a:lnTo>
+                    <a:pt x="35719" y="0"/>
+                  </a:lnTo>
+                  <a:close/>
+                </a:path>
+              </a:pathLst>
+            </a:custGeom>
+            <a:solidFill>
+              <a:srgbClr val="3A6374"/>
+            </a:solidFill>
+            <a:ln>
+              <a:noFill/>
+            </a:ln>
+          </p:spPr>
+          <p:txBody>
+            <a:bodyPr spcFirstLastPara="1" wrap="square" lIns="91425" tIns="91425" rIns="91425" bIns="91425" anchor="ctr" anchorCtr="0">
+              <a:noAutofit/>
+            </a:bodyPr>
+            <a:lstStyle/>
+            <a:p>
+              <a:pPr marL="0" lvl="0" indent="0" algn="l" rtl="0">
+                <a:spcBef>
+                  <a:spcPts val="0"/>
+                </a:spcBef>
+                <a:spcAft>
+                  <a:spcPts val="0"/>
+                </a:spcAft>
+                <a:buNone/>
+              </a:pPr>
+              <a:endParaRPr/>
+            </a:p>
+          </p:txBody>
+        </p:sp>
+        <p:sp>
+          <p:nvSpPr>
+            <p:cNvPr id="142" name="Google Shape;142;p16"/>
+            <p:cNvSpPr/>
+            <p:nvPr/>
+          </p:nvSpPr>
+          <p:spPr>
+            <a:xfrm>
+              <a:off x="2399600" y="1135300"/>
+              <a:ext cx="3020100" cy="3433175"/>
+            </a:xfrm>
+            <a:custGeom>
+              <a:avLst/>
+              <a:gdLst/>
+              <a:ahLst/>
+              <a:cxnLst/>
+              <a:rect l="l" t="t" r="r" b="b"/>
+              <a:pathLst>
+                <a:path w="120804" h="137327" extrusionOk="0">
+                  <a:moveTo>
+                    <a:pt x="30562" y="26804"/>
+                  </a:moveTo>
+                  <a:cubicBezTo>
+                    <a:pt x="35745" y="26804"/>
+                    <a:pt x="41599" y="28491"/>
+                    <a:pt x="47785" y="32060"/>
+                  </a:cubicBezTo>
+                  <a:cubicBezTo>
+                    <a:pt x="68955" y="44298"/>
+                    <a:pt x="86078" y="73936"/>
+                    <a:pt x="86000" y="98271"/>
+                  </a:cubicBezTo>
+                  <a:cubicBezTo>
+                    <a:pt x="85985" y="107608"/>
+                    <a:pt x="83426" y="114789"/>
+                    <a:pt x="79099" y="119426"/>
+                  </a:cubicBezTo>
+                  <a:cubicBezTo>
+                    <a:pt x="77521" y="119801"/>
+                    <a:pt x="75856" y="119992"/>
+                    <a:pt x="74116" y="119992"/>
+                  </a:cubicBezTo>
+                  <a:cubicBezTo>
+                    <a:pt x="68944" y="119992"/>
+                    <a:pt x="63109" y="118305"/>
+                    <a:pt x="56936" y="114742"/>
+                  </a:cubicBezTo>
+                  <a:cubicBezTo>
+                    <a:pt x="35750" y="102505"/>
+                    <a:pt x="18643" y="72882"/>
+                    <a:pt x="18705" y="48532"/>
+                  </a:cubicBezTo>
+                  <a:cubicBezTo>
+                    <a:pt x="18736" y="39195"/>
+                    <a:pt x="21279" y="31998"/>
+                    <a:pt x="25606" y="27361"/>
+                  </a:cubicBezTo>
+                  <a:cubicBezTo>
+                    <a:pt x="27175" y="26992"/>
+                    <a:pt x="28831" y="26804"/>
+                    <a:pt x="30562" y="26804"/>
+                  </a:cubicBezTo>
+                  <a:close/>
+                  <a:moveTo>
+                    <a:pt x="51958" y="0"/>
+                  </a:moveTo>
+                  <a:cubicBezTo>
+                    <a:pt x="47301" y="0"/>
+                    <a:pt x="43077" y="1101"/>
+                    <a:pt x="39441" y="3213"/>
+                  </a:cubicBezTo>
+                  <a:lnTo>
+                    <a:pt x="13959" y="18148"/>
+                  </a:lnTo>
+                  <a:lnTo>
+                    <a:pt x="13959" y="18148"/>
+                  </a:lnTo>
+                  <a:lnTo>
+                    <a:pt x="14036" y="18102"/>
+                  </a:lnTo>
+                  <a:lnTo>
+                    <a:pt x="14036" y="18102"/>
+                  </a:lnTo>
+                  <a:cubicBezTo>
+                    <a:pt x="5444" y="23049"/>
+                    <a:pt x="124" y="33611"/>
+                    <a:pt x="78" y="48656"/>
+                  </a:cubicBezTo>
+                  <a:cubicBezTo>
+                    <a:pt x="0" y="78853"/>
+                    <a:pt x="21233" y="115626"/>
+                    <a:pt x="47506" y="130810"/>
+                  </a:cubicBezTo>
+                  <a:cubicBezTo>
+                    <a:pt x="55171" y="135233"/>
+                    <a:pt x="62419" y="137327"/>
+                    <a:pt x="68842" y="137327"/>
+                  </a:cubicBezTo>
+                  <a:cubicBezTo>
+                    <a:pt x="73635" y="137327"/>
+                    <a:pt x="77968" y="136161"/>
+                    <a:pt x="81673" y="133927"/>
+                  </a:cubicBezTo>
+                  <a:lnTo>
+                    <a:pt x="81673" y="133927"/>
+                  </a:lnTo>
+                  <a:cubicBezTo>
+                    <a:pt x="81565" y="133989"/>
+                    <a:pt x="81456" y="134052"/>
+                    <a:pt x="81348" y="134114"/>
+                  </a:cubicBezTo>
+                  <a:lnTo>
+                    <a:pt x="106845" y="119178"/>
+                  </a:lnTo>
+                  <a:cubicBezTo>
+                    <a:pt x="115391" y="114215"/>
+                    <a:pt x="120680" y="103668"/>
+                    <a:pt x="120726" y="88655"/>
+                  </a:cubicBezTo>
+                  <a:cubicBezTo>
+                    <a:pt x="120804" y="58473"/>
+                    <a:pt x="99571" y="21700"/>
+                    <a:pt x="73298" y="6532"/>
+                  </a:cubicBezTo>
+                  <a:cubicBezTo>
+                    <a:pt x="65636" y="2098"/>
+                    <a:pt x="58385" y="0"/>
+                    <a:pt x="51958" y="0"/>
+                  </a:cubicBezTo>
+                  <a:close/>
+                </a:path>
+              </a:pathLst>
+            </a:custGeom>
+            <a:solidFill>
+              <a:srgbClr val="8DBDC2"/>
+            </a:solidFill>
+            <a:ln>
+              <a:noFill/>
+            </a:ln>
+          </p:spPr>
+          <p:txBody>
+            <a:bodyPr spcFirstLastPara="1" wrap="square" lIns="91425" tIns="91425" rIns="91425" bIns="91425" anchor="ctr" anchorCtr="0">
+              <a:noAutofit/>
+            </a:bodyPr>
+            <a:lstStyle/>
+            <a:p>
+              <a:pPr marL="0" lvl="0" indent="0" algn="l" rtl="0">
+                <a:spcBef>
+                  <a:spcPts val="0"/>
+                </a:spcBef>
+                <a:spcAft>
+                  <a:spcPts val="0"/>
+                </a:spcAft>
+                <a:buNone/>
+              </a:pPr>
+              <a:endParaRPr/>
+            </a:p>
+          </p:txBody>
+        </p:sp>
+        <p:sp>
+          <p:nvSpPr>
+            <p:cNvPr id="143" name="Google Shape;143;p16"/>
+            <p:cNvSpPr/>
+            <p:nvPr/>
+          </p:nvSpPr>
+          <p:spPr>
+            <a:xfrm>
+              <a:off x="2630300" y="1733625"/>
+              <a:ext cx="1192700" cy="2406725"/>
+            </a:xfrm>
+            <a:custGeom>
+              <a:avLst/>
+              <a:gdLst/>
+              <a:ahLst/>
+              <a:cxnLst/>
+              <a:rect l="l" t="t" r="r" b="b"/>
+              <a:pathLst>
+                <a:path w="47708" h="96269" extrusionOk="0">
+                  <a:moveTo>
+                    <a:pt x="20674" y="0"/>
+                  </a:moveTo>
+                  <a:lnTo>
+                    <a:pt x="11260" y="5460"/>
+                  </a:lnTo>
+                  <a:cubicBezTo>
+                    <a:pt x="4374" y="9461"/>
+                    <a:pt x="109" y="17961"/>
+                    <a:pt x="78" y="30058"/>
+                  </a:cubicBezTo>
+                  <a:cubicBezTo>
+                    <a:pt x="0" y="54393"/>
+                    <a:pt x="17123" y="84031"/>
+                    <a:pt x="38309" y="96268"/>
+                  </a:cubicBezTo>
+                  <a:lnTo>
+                    <a:pt x="47708" y="90809"/>
+                  </a:lnTo>
+                  <a:cubicBezTo>
+                    <a:pt x="26522" y="78572"/>
+                    <a:pt x="9415" y="48949"/>
+                    <a:pt x="9477" y="24599"/>
+                  </a:cubicBezTo>
+                  <a:cubicBezTo>
+                    <a:pt x="9508" y="12501"/>
+                    <a:pt x="13788" y="4002"/>
+                    <a:pt x="20674" y="0"/>
+                  </a:cubicBezTo>
+                  <a:close/>
+                </a:path>
+              </a:pathLst>
+            </a:custGeom>
+            <a:solidFill>
+              <a:srgbClr val="589EA5"/>
+            </a:solidFill>
+            <a:ln>
+              <a:noFill/>
+            </a:ln>
+          </p:spPr>
+          <p:txBody>
+            <a:bodyPr spcFirstLastPara="1" wrap="square" lIns="91425" tIns="91425" rIns="91425" bIns="91425" anchor="ctr" anchorCtr="0">
+              <a:noAutofit/>
+            </a:bodyPr>
+            <a:lstStyle/>
+            <a:p>
+              <a:pPr marL="0" lvl="0" indent="0" algn="l" rtl="0">
+                <a:spcBef>
+                  <a:spcPts val="0"/>
+                </a:spcBef>
+                <a:spcAft>
+                  <a:spcPts val="0"/>
+                </a:spcAft>
+                <a:buNone/>
+              </a:pPr>
+              <a:endParaRPr/>
+            </a:p>
+          </p:txBody>
+        </p:sp>
+        <p:sp>
+          <p:nvSpPr>
+            <p:cNvPr id="144" name="Google Shape;144;p16"/>
+            <p:cNvSpPr/>
+            <p:nvPr/>
+          </p:nvSpPr>
+          <p:spPr>
+            <a:xfrm>
+              <a:off x="3588000" y="4003850"/>
+              <a:ext cx="917025" cy="268075"/>
+            </a:xfrm>
+            <a:custGeom>
+              <a:avLst/>
+              <a:gdLst/>
+              <a:ahLst/>
+              <a:cxnLst/>
+              <a:rect l="l" t="t" r="r" b="b"/>
+              <a:pathLst>
+                <a:path w="36681" h="10723" extrusionOk="0">
+                  <a:moveTo>
+                    <a:pt x="36681" y="2668"/>
+                  </a:moveTo>
+                  <a:lnTo>
+                    <a:pt x="36671" y="2674"/>
+                  </a:lnTo>
+                  <a:lnTo>
+                    <a:pt x="36671" y="2674"/>
+                  </a:lnTo>
+                  <a:cubicBezTo>
+                    <a:pt x="36674" y="2672"/>
+                    <a:pt x="36677" y="2670"/>
+                    <a:pt x="36681" y="2668"/>
+                  </a:cubicBezTo>
+                  <a:close/>
+                  <a:moveTo>
+                    <a:pt x="9400" y="0"/>
+                  </a:moveTo>
+                  <a:lnTo>
+                    <a:pt x="1" y="5459"/>
+                  </a:lnTo>
+                  <a:cubicBezTo>
+                    <a:pt x="6179" y="9030"/>
+                    <a:pt x="12019" y="10723"/>
+                    <a:pt x="17196" y="10723"/>
+                  </a:cubicBezTo>
+                  <a:cubicBezTo>
+                    <a:pt x="20947" y="10723"/>
+                    <a:pt x="24350" y="9834"/>
+                    <a:pt x="27282" y="8127"/>
+                  </a:cubicBezTo>
+                  <a:lnTo>
+                    <a:pt x="36671" y="2674"/>
+                  </a:lnTo>
+                  <a:lnTo>
+                    <a:pt x="36671" y="2674"/>
+                  </a:lnTo>
+                  <a:cubicBezTo>
+                    <a:pt x="33749" y="4369"/>
+                    <a:pt x="30353" y="5252"/>
+                    <a:pt x="26608" y="5252"/>
+                  </a:cubicBezTo>
+                  <a:cubicBezTo>
+                    <a:pt x="21428" y="5252"/>
+                    <a:pt x="15581" y="3563"/>
+                    <a:pt x="9400" y="0"/>
+                  </a:cubicBezTo>
+                  <a:close/>
+                </a:path>
+              </a:pathLst>
+            </a:custGeom>
+            <a:solidFill>
+              <a:srgbClr val="A5CBCE"/>
+            </a:solidFill>
+            <a:ln>
+              <a:noFill/>
+            </a:ln>
+          </p:spPr>
+          <p:txBody>
+            <a:bodyPr spcFirstLastPara="1" wrap="square" lIns="91425" tIns="91425" rIns="91425" bIns="91425" anchor="ctr" anchorCtr="0">
+              <a:noAutofit/>
+            </a:bodyPr>
+            <a:lstStyle/>
+            <a:p>
+              <a:pPr marL="0" lvl="0" indent="0" algn="l" rtl="0">
+                <a:spcBef>
+                  <a:spcPts val="0"/>
+                </a:spcBef>
+                <a:spcAft>
+                  <a:spcPts val="0"/>
+                </a:spcAft>
+                <a:buNone/>
+              </a:pPr>
+              <a:endParaRPr/>
+            </a:p>
+          </p:txBody>
+        </p:sp>
+        <p:sp>
+          <p:nvSpPr>
+            <p:cNvPr id="145" name="Google Shape;145;p16"/>
+            <p:cNvSpPr/>
+            <p:nvPr/>
+          </p:nvSpPr>
+          <p:spPr>
+            <a:xfrm>
+              <a:off x="2748550" y="1135275"/>
+              <a:ext cx="1483525" cy="536725"/>
+            </a:xfrm>
+            <a:custGeom>
+              <a:avLst/>
+              <a:gdLst/>
+              <a:ahLst/>
+              <a:cxnLst/>
+              <a:rect l="l" t="t" r="r" b="b"/>
+              <a:pathLst>
+                <a:path w="59341" h="21469" extrusionOk="0">
+                  <a:moveTo>
+                    <a:pt x="38007" y="0"/>
+                  </a:moveTo>
+                  <a:cubicBezTo>
+                    <a:pt x="33348" y="0"/>
+                    <a:pt x="29121" y="1101"/>
+                    <a:pt x="25483" y="3214"/>
+                  </a:cubicBezTo>
+                  <a:lnTo>
+                    <a:pt x="1" y="18149"/>
+                  </a:lnTo>
+                  <a:cubicBezTo>
+                    <a:pt x="3633" y="16040"/>
+                    <a:pt x="7851" y="14942"/>
+                    <a:pt x="12500" y="14942"/>
+                  </a:cubicBezTo>
+                  <a:cubicBezTo>
+                    <a:pt x="18928" y="14942"/>
+                    <a:pt x="26181" y="17041"/>
+                    <a:pt x="33858" y="21468"/>
+                  </a:cubicBezTo>
+                  <a:lnTo>
+                    <a:pt x="59340" y="6517"/>
+                  </a:lnTo>
+                  <a:cubicBezTo>
+                    <a:pt x="51681" y="2094"/>
+                    <a:pt x="44433" y="0"/>
+                    <a:pt x="38007" y="0"/>
+                  </a:cubicBezTo>
+                  <a:close/>
+                </a:path>
+              </a:pathLst>
+            </a:custGeom>
+            <a:solidFill>
+              <a:srgbClr val="A5CBCE"/>
+            </a:solidFill>
+            <a:ln>
+              <a:noFill/>
+            </a:ln>
+          </p:spPr>
+          <p:txBody>
+            <a:bodyPr spcFirstLastPara="1" wrap="square" lIns="91425" tIns="91425" rIns="91425" bIns="91425" anchor="ctr" anchorCtr="0">
+              <a:noAutofit/>
+            </a:bodyPr>
+            <a:lstStyle/>
+            <a:p>
+              <a:pPr marL="0" lvl="0" indent="0" algn="l" rtl="0">
+                <a:spcBef>
+                  <a:spcPts val="0"/>
+                </a:spcBef>
+                <a:spcAft>
+                  <a:spcPts val="0"/>
+                </a:spcAft>
+                <a:buNone/>
+              </a:pPr>
+              <a:endParaRPr/>
+            </a:p>
+          </p:txBody>
+        </p:sp>
+        <p:sp>
+          <p:nvSpPr>
+            <p:cNvPr id="146" name="Google Shape;146;p16"/>
+            <p:cNvSpPr/>
+            <p:nvPr/>
+          </p:nvSpPr>
+          <p:spPr>
+            <a:xfrm>
+              <a:off x="3594975" y="1298575"/>
+              <a:ext cx="1824725" cy="3189575"/>
+            </a:xfrm>
+            <a:custGeom>
+              <a:avLst/>
+              <a:gdLst/>
+              <a:ahLst/>
+              <a:cxnLst/>
+              <a:rect l="l" t="t" r="r" b="b"/>
+              <a:pathLst>
+                <a:path w="72989" h="127583" extrusionOk="0">
+                  <a:moveTo>
+                    <a:pt x="25483" y="1"/>
+                  </a:moveTo>
+                  <a:lnTo>
+                    <a:pt x="1" y="14936"/>
+                  </a:lnTo>
+                  <a:cubicBezTo>
+                    <a:pt x="26274" y="30105"/>
+                    <a:pt x="47507" y="66878"/>
+                    <a:pt x="47414" y="97075"/>
+                  </a:cubicBezTo>
+                  <a:cubicBezTo>
+                    <a:pt x="47367" y="111988"/>
+                    <a:pt x="42138" y="122499"/>
+                    <a:pt x="33678" y="127497"/>
+                  </a:cubicBezTo>
+                  <a:lnTo>
+                    <a:pt x="33678" y="127497"/>
+                  </a:lnTo>
+                  <a:lnTo>
+                    <a:pt x="59030" y="112647"/>
+                  </a:lnTo>
+                  <a:cubicBezTo>
+                    <a:pt x="67576" y="107684"/>
+                    <a:pt x="72865" y="97137"/>
+                    <a:pt x="72911" y="82124"/>
+                  </a:cubicBezTo>
+                  <a:cubicBezTo>
+                    <a:pt x="72989" y="51942"/>
+                    <a:pt x="51756" y="15169"/>
+                    <a:pt x="25483" y="1"/>
+                  </a:cubicBezTo>
+                  <a:close/>
+                  <a:moveTo>
+                    <a:pt x="33678" y="127497"/>
+                  </a:moveTo>
+                  <a:lnTo>
+                    <a:pt x="33533" y="127583"/>
+                  </a:lnTo>
+                  <a:cubicBezTo>
+                    <a:pt x="33581" y="127554"/>
+                    <a:pt x="33630" y="127526"/>
+                    <a:pt x="33678" y="127497"/>
+                  </a:cubicBezTo>
+                  <a:close/>
+                </a:path>
+              </a:pathLst>
+            </a:custGeom>
+            <a:solidFill>
+              <a:srgbClr val="589EA5"/>
+            </a:solidFill>
+            <a:ln>
+              <a:noFill/>
+            </a:ln>
+          </p:spPr>
+          <p:txBody>
+            <a:bodyPr spcFirstLastPara="1" wrap="square" lIns="91425" tIns="91425" rIns="91425" bIns="91425" anchor="ctr" anchorCtr="0">
+              <a:noAutofit/>
+            </a:bodyPr>
+            <a:lstStyle/>
+            <a:p>
+              <a:pPr marL="0" lvl="0" indent="0" algn="l" rtl="0">
+                <a:spcBef>
+                  <a:spcPts val="0"/>
+                </a:spcBef>
+                <a:spcAft>
+                  <a:spcPts val="0"/>
+                </a:spcAft>
+                <a:buNone/>
+              </a:pPr>
+              <a:endParaRPr/>
+            </a:p>
+          </p:txBody>
+        </p:sp>
+        <p:sp>
+          <p:nvSpPr>
+            <p:cNvPr id="147" name="Google Shape;147;p16"/>
+            <p:cNvSpPr/>
+            <p:nvPr/>
+          </p:nvSpPr>
+          <p:spPr>
+            <a:xfrm>
+              <a:off x="2399200" y="1508825"/>
+              <a:ext cx="2383075" cy="3059625"/>
+            </a:xfrm>
+            <a:custGeom>
+              <a:avLst/>
+              <a:gdLst/>
+              <a:ahLst/>
+              <a:cxnLst/>
+              <a:rect l="l" t="t" r="r" b="b"/>
+              <a:pathLst>
+                <a:path w="95323" h="122385" extrusionOk="0">
+                  <a:moveTo>
+                    <a:pt x="30596" y="11864"/>
+                  </a:moveTo>
+                  <a:cubicBezTo>
+                    <a:pt x="35775" y="11864"/>
+                    <a:pt x="41619" y="13553"/>
+                    <a:pt x="47801" y="17119"/>
+                  </a:cubicBezTo>
+                  <a:cubicBezTo>
+                    <a:pt x="68971" y="29357"/>
+                    <a:pt x="86094" y="58995"/>
+                    <a:pt x="86016" y="83330"/>
+                  </a:cubicBezTo>
+                  <a:cubicBezTo>
+                    <a:pt x="85972" y="100564"/>
+                    <a:pt x="77317" y="110516"/>
+                    <a:pt x="64750" y="110516"/>
+                  </a:cubicBezTo>
+                  <a:cubicBezTo>
+                    <a:pt x="59572" y="110516"/>
+                    <a:pt x="53730" y="108827"/>
+                    <a:pt x="47553" y="105260"/>
+                  </a:cubicBezTo>
+                  <a:cubicBezTo>
+                    <a:pt x="26367" y="93023"/>
+                    <a:pt x="9244" y="63385"/>
+                    <a:pt x="9322" y="39050"/>
+                  </a:cubicBezTo>
+                  <a:cubicBezTo>
+                    <a:pt x="9377" y="21816"/>
+                    <a:pt x="18027" y="11864"/>
+                    <a:pt x="30596" y="11864"/>
+                  </a:cubicBezTo>
+                  <a:close/>
+                  <a:moveTo>
+                    <a:pt x="26474" y="1"/>
+                  </a:moveTo>
+                  <a:cubicBezTo>
+                    <a:pt x="10880" y="1"/>
+                    <a:pt x="149" y="12344"/>
+                    <a:pt x="94" y="33715"/>
+                  </a:cubicBezTo>
+                  <a:cubicBezTo>
+                    <a:pt x="1" y="63912"/>
+                    <a:pt x="21233" y="100701"/>
+                    <a:pt x="47522" y="115869"/>
+                  </a:cubicBezTo>
+                  <a:cubicBezTo>
+                    <a:pt x="55187" y="120290"/>
+                    <a:pt x="62435" y="122385"/>
+                    <a:pt x="68859" y="122385"/>
+                  </a:cubicBezTo>
+                  <a:cubicBezTo>
+                    <a:pt x="84453" y="122385"/>
+                    <a:pt x="95190" y="110041"/>
+                    <a:pt x="95245" y="88665"/>
+                  </a:cubicBezTo>
+                  <a:cubicBezTo>
+                    <a:pt x="95322" y="58468"/>
+                    <a:pt x="74105" y="21695"/>
+                    <a:pt x="47832" y="6526"/>
+                  </a:cubicBezTo>
+                  <a:cubicBezTo>
+                    <a:pt x="40158" y="2099"/>
+                    <a:pt x="32903" y="1"/>
+                    <a:pt x="26474" y="1"/>
+                  </a:cubicBezTo>
+                  <a:close/>
+                </a:path>
+              </a:pathLst>
+            </a:custGeom>
+            <a:solidFill>
+              <a:srgbClr val="8DBDC2"/>
+            </a:solidFill>
+            <a:ln>
+              <a:noFill/>
+            </a:ln>
+          </p:spPr>
+          <p:txBody>
+            <a:bodyPr spcFirstLastPara="1" wrap="square" lIns="91425" tIns="91425" rIns="91425" bIns="91425" anchor="ctr" anchorCtr="0">
+              <a:noAutofit/>
+            </a:bodyPr>
+            <a:lstStyle/>
+            <a:p>
+              <a:pPr marL="0" lvl="0" indent="0" algn="l" rtl="0">
+                <a:spcBef>
+                  <a:spcPts val="0"/>
+                </a:spcBef>
+                <a:spcAft>
+                  <a:spcPts val="0"/>
+                </a:spcAft>
+                <a:buNone/>
+              </a:pPr>
+              <a:endParaRPr/>
+            </a:p>
+          </p:txBody>
+        </p:sp>
+        <p:sp>
+          <p:nvSpPr>
+            <p:cNvPr id="148" name="Google Shape;148;p16"/>
+            <p:cNvSpPr/>
+            <p:nvPr/>
+          </p:nvSpPr>
+          <p:spPr>
+            <a:xfrm>
+              <a:off x="4457325" y="1826425"/>
+              <a:ext cx="749700" cy="790025"/>
+            </a:xfrm>
+            <a:custGeom>
+              <a:avLst/>
+              <a:gdLst/>
+              <a:ahLst/>
+              <a:cxnLst/>
+              <a:rect l="l" t="t" r="r" b="b"/>
+              <a:pathLst>
+                <a:path w="29988" h="31601" extrusionOk="0">
+                  <a:moveTo>
+                    <a:pt x="12886" y="0"/>
+                  </a:moveTo>
+                  <a:cubicBezTo>
+                    <a:pt x="11551" y="0"/>
+                    <a:pt x="10384" y="358"/>
+                    <a:pt x="9445" y="1034"/>
+                  </a:cubicBezTo>
+                  <a:lnTo>
+                    <a:pt x="9461" y="1019"/>
+                  </a:lnTo>
+                  <a:lnTo>
+                    <a:pt x="2823" y="5749"/>
+                  </a:lnTo>
+                  <a:cubicBezTo>
+                    <a:pt x="977" y="7068"/>
+                    <a:pt x="0" y="9611"/>
+                    <a:pt x="341" y="13070"/>
+                  </a:cubicBezTo>
+                  <a:cubicBezTo>
+                    <a:pt x="1024" y="19925"/>
+                    <a:pt x="6638" y="27773"/>
+                    <a:pt x="12904" y="30596"/>
+                  </a:cubicBezTo>
+                  <a:cubicBezTo>
+                    <a:pt x="14419" y="31278"/>
+                    <a:pt x="15835" y="31600"/>
+                    <a:pt x="17100" y="31600"/>
+                  </a:cubicBezTo>
+                  <a:cubicBezTo>
+                    <a:pt x="18424" y="31600"/>
+                    <a:pt x="19583" y="31247"/>
+                    <a:pt x="20519" y="30580"/>
+                  </a:cubicBezTo>
+                  <a:lnTo>
+                    <a:pt x="27028" y="25942"/>
+                  </a:lnTo>
+                  <a:lnTo>
+                    <a:pt x="27028" y="25942"/>
+                  </a:lnTo>
+                  <a:cubicBezTo>
+                    <a:pt x="27023" y="25945"/>
+                    <a:pt x="27017" y="25948"/>
+                    <a:pt x="27012" y="25952"/>
+                  </a:cubicBezTo>
+                  <a:lnTo>
+                    <a:pt x="27012" y="25952"/>
+                  </a:lnTo>
+                  <a:cubicBezTo>
+                    <a:pt x="27021" y="25946"/>
+                    <a:pt x="27029" y="25941"/>
+                    <a:pt x="27037" y="25935"/>
+                  </a:cubicBezTo>
+                  <a:lnTo>
+                    <a:pt x="27037" y="25935"/>
+                  </a:lnTo>
+                  <a:lnTo>
+                    <a:pt x="27028" y="25942"/>
+                  </a:lnTo>
+                  <a:lnTo>
+                    <a:pt x="27028" y="25942"/>
+                  </a:lnTo>
+                  <a:cubicBezTo>
+                    <a:pt x="27065" y="25919"/>
+                    <a:pt x="27107" y="25895"/>
+                    <a:pt x="27143" y="25864"/>
+                  </a:cubicBezTo>
+                  <a:lnTo>
+                    <a:pt x="27143" y="25864"/>
+                  </a:lnTo>
+                  <a:cubicBezTo>
+                    <a:pt x="27108" y="25888"/>
+                    <a:pt x="27073" y="25912"/>
+                    <a:pt x="27037" y="25935"/>
+                  </a:cubicBezTo>
+                  <a:lnTo>
+                    <a:pt x="27037" y="25935"/>
+                  </a:lnTo>
+                  <a:lnTo>
+                    <a:pt x="27157" y="25850"/>
+                  </a:lnTo>
+                  <a:lnTo>
+                    <a:pt x="27157" y="25850"/>
+                  </a:lnTo>
+                  <a:cubicBezTo>
+                    <a:pt x="27153" y="25855"/>
+                    <a:pt x="27148" y="25859"/>
+                    <a:pt x="27143" y="25864"/>
+                  </a:cubicBezTo>
+                  <a:lnTo>
+                    <a:pt x="27143" y="25864"/>
+                  </a:lnTo>
+                  <a:cubicBezTo>
+                    <a:pt x="29006" y="24560"/>
+                    <a:pt x="29987" y="21995"/>
+                    <a:pt x="29654" y="18529"/>
+                  </a:cubicBezTo>
+                  <a:cubicBezTo>
+                    <a:pt x="28972" y="11674"/>
+                    <a:pt x="23342" y="3826"/>
+                    <a:pt x="17092" y="1003"/>
+                  </a:cubicBezTo>
+                  <a:cubicBezTo>
+                    <a:pt x="15573" y="323"/>
+                    <a:pt x="14154" y="0"/>
+                    <a:pt x="12886" y="0"/>
+                  </a:cubicBezTo>
+                  <a:close/>
+                </a:path>
+              </a:pathLst>
+            </a:custGeom>
+            <a:solidFill>
+              <a:srgbClr val="A5CBCE"/>
+            </a:solidFill>
+            <a:ln>
+              <a:noFill/>
+            </a:ln>
+          </p:spPr>
+          <p:txBody>
+            <a:bodyPr spcFirstLastPara="1" wrap="square" lIns="91425" tIns="91425" rIns="91425" bIns="91425" anchor="ctr" anchorCtr="0">
+              <a:noAutofit/>
+            </a:bodyPr>
+            <a:lstStyle/>
+            <a:p>
+              <a:pPr marL="0" lvl="0" indent="0" algn="l" rtl="0">
+                <a:spcBef>
+                  <a:spcPts val="0"/>
+                </a:spcBef>
+                <a:spcAft>
+                  <a:spcPts val="0"/>
+                </a:spcAft>
+                <a:buNone/>
+              </a:pPr>
+              <a:endParaRPr/>
+            </a:p>
+          </p:txBody>
+        </p:sp>
+        <p:sp>
+          <p:nvSpPr>
+            <p:cNvPr id="149" name="Google Shape;149;p16"/>
+            <p:cNvSpPr/>
+            <p:nvPr/>
+          </p:nvSpPr>
+          <p:spPr>
+            <a:xfrm>
+              <a:off x="4457325" y="1852275"/>
+              <a:ext cx="678950" cy="764175"/>
+            </a:xfrm>
+            <a:custGeom>
+              <a:avLst/>
+              <a:gdLst/>
+              <a:ahLst/>
+              <a:cxnLst/>
+              <a:rect l="l" t="t" r="r" b="b"/>
+              <a:pathLst>
+                <a:path w="27158" h="30567" extrusionOk="0">
+                  <a:moveTo>
+                    <a:pt x="9461" y="0"/>
+                  </a:moveTo>
+                  <a:lnTo>
+                    <a:pt x="2823" y="4715"/>
+                  </a:lnTo>
+                  <a:cubicBezTo>
+                    <a:pt x="977" y="6034"/>
+                    <a:pt x="0" y="8577"/>
+                    <a:pt x="341" y="12036"/>
+                  </a:cubicBezTo>
+                  <a:cubicBezTo>
+                    <a:pt x="1024" y="18907"/>
+                    <a:pt x="6638" y="26754"/>
+                    <a:pt x="12904" y="29562"/>
+                  </a:cubicBezTo>
+                  <a:cubicBezTo>
+                    <a:pt x="14419" y="30244"/>
+                    <a:pt x="15835" y="30566"/>
+                    <a:pt x="17100" y="30566"/>
+                  </a:cubicBezTo>
+                  <a:cubicBezTo>
+                    <a:pt x="18424" y="30566"/>
+                    <a:pt x="19583" y="30213"/>
+                    <a:pt x="20519" y="29546"/>
+                  </a:cubicBezTo>
+                  <a:lnTo>
+                    <a:pt x="27157" y="24816"/>
+                  </a:lnTo>
+                  <a:lnTo>
+                    <a:pt x="27157" y="24816"/>
+                  </a:lnTo>
+                  <a:cubicBezTo>
+                    <a:pt x="26221" y="25482"/>
+                    <a:pt x="25062" y="25836"/>
+                    <a:pt x="23738" y="25836"/>
+                  </a:cubicBezTo>
+                  <a:cubicBezTo>
+                    <a:pt x="22473" y="25836"/>
+                    <a:pt x="21058" y="25513"/>
+                    <a:pt x="19542" y="24831"/>
+                  </a:cubicBezTo>
+                  <a:cubicBezTo>
+                    <a:pt x="13276" y="22024"/>
+                    <a:pt x="7646" y="14176"/>
+                    <a:pt x="6979" y="7305"/>
+                  </a:cubicBezTo>
+                  <a:cubicBezTo>
+                    <a:pt x="6638" y="3862"/>
+                    <a:pt x="7615" y="1319"/>
+                    <a:pt x="9461" y="0"/>
+                  </a:cubicBezTo>
+                  <a:close/>
+                </a:path>
+              </a:pathLst>
+            </a:custGeom>
+            <a:solidFill>
+              <a:schemeClr val="accent3"/>
+            </a:solidFill>
+            <a:ln>
+              <a:noFill/>
+            </a:ln>
+          </p:spPr>
+          <p:txBody>
+            <a:bodyPr spcFirstLastPara="1" wrap="square" lIns="91425" tIns="91425" rIns="91425" bIns="91425" anchor="ctr" anchorCtr="0">
+              <a:noAutofit/>
+            </a:bodyPr>
+            <a:lstStyle/>
+            <a:p>
+              <a:pPr marL="0" lvl="0" indent="0" algn="l" rtl="0">
+                <a:spcBef>
+                  <a:spcPts val="0"/>
+                </a:spcBef>
+                <a:spcAft>
+                  <a:spcPts val="0"/>
+                </a:spcAft>
+                <a:buNone/>
+              </a:pPr>
+              <a:endParaRPr/>
+            </a:p>
+          </p:txBody>
+        </p:sp>
+        <p:sp>
+          <p:nvSpPr>
+            <p:cNvPr id="150" name="Google Shape;150;p16"/>
+            <p:cNvSpPr/>
+            <p:nvPr/>
+          </p:nvSpPr>
+          <p:spPr>
+            <a:xfrm>
+              <a:off x="4618875" y="1826425"/>
+              <a:ext cx="592450" cy="671775"/>
+            </a:xfrm>
+            <a:custGeom>
+              <a:avLst/>
+              <a:gdLst/>
+              <a:ahLst/>
+              <a:cxnLst/>
+              <a:rect l="l" t="t" r="r" b="b"/>
+              <a:pathLst>
+                <a:path w="23698" h="26871" extrusionOk="0">
+                  <a:moveTo>
+                    <a:pt x="6428" y="0"/>
+                  </a:moveTo>
+                  <a:cubicBezTo>
+                    <a:pt x="2474" y="0"/>
+                    <a:pt x="0" y="3146"/>
+                    <a:pt x="517" y="8339"/>
+                  </a:cubicBezTo>
+                  <a:cubicBezTo>
+                    <a:pt x="1200" y="15210"/>
+                    <a:pt x="6814" y="23058"/>
+                    <a:pt x="13080" y="25865"/>
+                  </a:cubicBezTo>
+                  <a:cubicBezTo>
+                    <a:pt x="14598" y="26547"/>
+                    <a:pt x="16015" y="26870"/>
+                    <a:pt x="17280" y="26870"/>
+                  </a:cubicBezTo>
+                  <a:cubicBezTo>
+                    <a:pt x="21224" y="26870"/>
+                    <a:pt x="23697" y="23731"/>
+                    <a:pt x="23192" y="18529"/>
+                  </a:cubicBezTo>
+                  <a:cubicBezTo>
+                    <a:pt x="22510" y="11674"/>
+                    <a:pt x="16880" y="3826"/>
+                    <a:pt x="10630" y="1003"/>
+                  </a:cubicBezTo>
+                  <a:cubicBezTo>
+                    <a:pt x="9110" y="323"/>
+                    <a:pt x="7693" y="0"/>
+                    <a:pt x="6428" y="0"/>
+                  </a:cubicBezTo>
+                  <a:close/>
+                </a:path>
+              </a:pathLst>
+            </a:custGeom>
+            <a:solidFill>
+              <a:schemeClr val="accent4"/>
+            </a:solidFill>
+            <a:ln>
+              <a:noFill/>
+            </a:ln>
+          </p:spPr>
+          <p:txBody>
+            <a:bodyPr spcFirstLastPara="1" wrap="square" lIns="91425" tIns="91425" rIns="91425" bIns="91425" anchor="ctr" anchorCtr="0">
+              <a:noAutofit/>
+            </a:bodyPr>
+            <a:lstStyle/>
+            <a:p>
+              <a:pPr marL="0" lvl="0" indent="0" algn="l" rtl="0">
+                <a:spcBef>
+                  <a:spcPts val="0"/>
+                </a:spcBef>
+                <a:spcAft>
+                  <a:spcPts val="0"/>
+                </a:spcAft>
+                <a:buNone/>
+              </a:pPr>
+              <a:endParaRPr/>
+            </a:p>
+          </p:txBody>
+        </p:sp>
+        <p:sp>
+          <p:nvSpPr>
+            <p:cNvPr id="151" name="Google Shape;151;p16"/>
+            <p:cNvSpPr/>
+            <p:nvPr/>
+          </p:nvSpPr>
+          <p:spPr>
+            <a:xfrm>
+              <a:off x="3470900" y="797525"/>
+              <a:ext cx="701000" cy="811650"/>
+            </a:xfrm>
+            <a:custGeom>
+              <a:avLst/>
+              <a:gdLst/>
+              <a:ahLst/>
+              <a:cxnLst/>
+              <a:rect l="l" t="t" r="r" b="b"/>
+              <a:pathLst>
+                <a:path w="28040" h="32466" extrusionOk="0">
+                  <a:moveTo>
+                    <a:pt x="13989" y="0"/>
+                  </a:moveTo>
+                  <a:cubicBezTo>
+                    <a:pt x="10412" y="0"/>
+                    <a:pt x="6841" y="788"/>
+                    <a:pt x="4126" y="2362"/>
+                  </a:cubicBezTo>
+                  <a:cubicBezTo>
+                    <a:pt x="1415" y="3942"/>
+                    <a:pt x="50" y="6003"/>
+                    <a:pt x="63" y="8064"/>
+                  </a:cubicBezTo>
+                  <a:lnTo>
+                    <a:pt x="63" y="8064"/>
+                  </a:lnTo>
+                  <a:lnTo>
+                    <a:pt x="1" y="24339"/>
+                  </a:lnTo>
+                  <a:cubicBezTo>
+                    <a:pt x="1" y="26417"/>
+                    <a:pt x="1381" y="28511"/>
+                    <a:pt x="4126" y="30093"/>
+                  </a:cubicBezTo>
+                  <a:cubicBezTo>
+                    <a:pt x="6864" y="31675"/>
+                    <a:pt x="10447" y="32466"/>
+                    <a:pt x="14023" y="32466"/>
+                  </a:cubicBezTo>
+                  <a:cubicBezTo>
+                    <a:pt x="17600" y="32466"/>
+                    <a:pt x="21171" y="31675"/>
+                    <a:pt x="23886" y="30093"/>
+                  </a:cubicBezTo>
+                  <a:cubicBezTo>
+                    <a:pt x="26584" y="28526"/>
+                    <a:pt x="27934" y="26479"/>
+                    <a:pt x="27949" y="24416"/>
+                  </a:cubicBezTo>
+                  <a:lnTo>
+                    <a:pt x="28011" y="8131"/>
+                  </a:lnTo>
+                  <a:lnTo>
+                    <a:pt x="28011" y="8131"/>
+                  </a:lnTo>
+                  <a:cubicBezTo>
+                    <a:pt x="28005" y="8155"/>
+                    <a:pt x="28001" y="8180"/>
+                    <a:pt x="27999" y="8204"/>
+                  </a:cubicBezTo>
+                  <a:lnTo>
+                    <a:pt x="27999" y="8204"/>
+                  </a:lnTo>
+                  <a:cubicBezTo>
+                    <a:pt x="28040" y="6086"/>
+                    <a:pt x="26659" y="3977"/>
+                    <a:pt x="23886" y="2362"/>
+                  </a:cubicBezTo>
+                  <a:cubicBezTo>
+                    <a:pt x="21148" y="788"/>
+                    <a:pt x="17565" y="0"/>
+                    <a:pt x="13989" y="0"/>
+                  </a:cubicBezTo>
+                  <a:close/>
+                </a:path>
+              </a:pathLst>
+            </a:custGeom>
+            <a:solidFill>
+              <a:srgbClr val="8DBDC2"/>
+            </a:solidFill>
+            <a:ln>
+              <a:noFill/>
+            </a:ln>
+          </p:spPr>
+          <p:txBody>
+            <a:bodyPr spcFirstLastPara="1" wrap="square" lIns="91425" tIns="91425" rIns="91425" bIns="91425" anchor="ctr" anchorCtr="0">
+              <a:noAutofit/>
+            </a:bodyPr>
+            <a:lstStyle/>
+            <a:p>
+              <a:pPr marL="0" lvl="0" indent="0" algn="l" rtl="0">
+                <a:spcBef>
+                  <a:spcPts val="0"/>
+                </a:spcBef>
+                <a:spcAft>
+                  <a:spcPts val="0"/>
+                </a:spcAft>
+                <a:buNone/>
+              </a:pPr>
+              <a:endParaRPr/>
+            </a:p>
+          </p:txBody>
+        </p:sp>
+        <p:sp>
+          <p:nvSpPr>
+            <p:cNvPr id="152" name="Google Shape;152;p16"/>
+            <p:cNvSpPr/>
+            <p:nvPr/>
+          </p:nvSpPr>
+          <p:spPr>
+            <a:xfrm>
+              <a:off x="3470900" y="998850"/>
+              <a:ext cx="699900" cy="610325"/>
+            </a:xfrm>
+            <a:custGeom>
+              <a:avLst/>
+              <a:gdLst/>
+              <a:ahLst/>
+              <a:cxnLst/>
+              <a:rect l="l" t="t" r="r" b="b"/>
+              <a:pathLst>
+                <a:path w="27996" h="24413" extrusionOk="0">
+                  <a:moveTo>
+                    <a:pt x="27996" y="78"/>
+                  </a:moveTo>
+                  <a:lnTo>
+                    <a:pt x="27996" y="105"/>
+                  </a:lnTo>
+                  <a:lnTo>
+                    <a:pt x="27996" y="105"/>
+                  </a:lnTo>
+                  <a:cubicBezTo>
+                    <a:pt x="27996" y="96"/>
+                    <a:pt x="27996" y="87"/>
+                    <a:pt x="27996" y="78"/>
+                  </a:cubicBezTo>
+                  <a:close/>
+                  <a:moveTo>
+                    <a:pt x="63" y="1"/>
+                  </a:moveTo>
+                  <a:lnTo>
+                    <a:pt x="1" y="16286"/>
+                  </a:lnTo>
+                  <a:cubicBezTo>
+                    <a:pt x="1" y="18364"/>
+                    <a:pt x="1366" y="20458"/>
+                    <a:pt x="4126" y="22040"/>
+                  </a:cubicBezTo>
+                  <a:cubicBezTo>
+                    <a:pt x="6864" y="23622"/>
+                    <a:pt x="10443" y="24413"/>
+                    <a:pt x="14018" y="24413"/>
+                  </a:cubicBezTo>
+                  <a:cubicBezTo>
+                    <a:pt x="17593" y="24413"/>
+                    <a:pt x="21164" y="23622"/>
+                    <a:pt x="23886" y="22040"/>
+                  </a:cubicBezTo>
+                  <a:cubicBezTo>
+                    <a:pt x="26584" y="20473"/>
+                    <a:pt x="27949" y="18411"/>
+                    <a:pt x="27949" y="16363"/>
+                  </a:cubicBezTo>
+                  <a:lnTo>
+                    <a:pt x="27996" y="105"/>
+                  </a:lnTo>
+                  <a:lnTo>
+                    <a:pt x="27996" y="105"/>
+                  </a:lnTo>
+                  <a:cubicBezTo>
+                    <a:pt x="27984" y="2159"/>
+                    <a:pt x="26635" y="4195"/>
+                    <a:pt x="23948" y="5755"/>
+                  </a:cubicBezTo>
+                  <a:cubicBezTo>
+                    <a:pt x="21226" y="7337"/>
+                    <a:pt x="17655" y="8128"/>
+                    <a:pt x="14080" y="8128"/>
+                  </a:cubicBezTo>
+                  <a:cubicBezTo>
+                    <a:pt x="10505" y="8128"/>
+                    <a:pt x="6926" y="7337"/>
+                    <a:pt x="4188" y="5755"/>
+                  </a:cubicBezTo>
+                  <a:cubicBezTo>
+                    <a:pt x="1428" y="4173"/>
+                    <a:pt x="63" y="2079"/>
+                    <a:pt x="63" y="1"/>
+                  </a:cubicBezTo>
+                  <a:close/>
+                </a:path>
+              </a:pathLst>
+            </a:custGeom>
+            <a:solidFill>
+              <a:schemeClr val="accent3"/>
+            </a:solidFill>
+            <a:ln>
+              <a:noFill/>
+            </a:ln>
+          </p:spPr>
+          <p:txBody>
+            <a:bodyPr spcFirstLastPara="1" wrap="square" lIns="91425" tIns="91425" rIns="91425" bIns="91425" anchor="ctr" anchorCtr="0">
+              <a:noAutofit/>
+            </a:bodyPr>
+            <a:lstStyle/>
+            <a:p>
+              <a:pPr marL="0" lvl="0" indent="0" algn="l" rtl="0">
+                <a:spcBef>
+                  <a:spcPts val="0"/>
+                </a:spcBef>
+                <a:spcAft>
+                  <a:spcPts val="0"/>
+                </a:spcAft>
+                <a:buNone/>
+              </a:pPr>
+              <a:endParaRPr/>
+            </a:p>
+          </p:txBody>
+        </p:sp>
+        <p:sp>
+          <p:nvSpPr>
+            <p:cNvPr id="153" name="Google Shape;153;p16"/>
+            <p:cNvSpPr/>
+            <p:nvPr/>
+          </p:nvSpPr>
+          <p:spPr>
+            <a:xfrm>
+              <a:off x="3437950" y="797525"/>
+              <a:ext cx="767350" cy="404400"/>
+            </a:xfrm>
+            <a:custGeom>
+              <a:avLst/>
+              <a:gdLst/>
+              <a:ahLst/>
+              <a:cxnLst/>
+              <a:rect l="l" t="t" r="r" b="b"/>
+              <a:pathLst>
+                <a:path w="30694" h="16176" extrusionOk="0">
+                  <a:moveTo>
+                    <a:pt x="15307" y="0"/>
+                  </a:moveTo>
+                  <a:cubicBezTo>
+                    <a:pt x="11730" y="0"/>
+                    <a:pt x="8159" y="788"/>
+                    <a:pt x="5444" y="2362"/>
+                  </a:cubicBezTo>
+                  <a:cubicBezTo>
+                    <a:pt x="1" y="5526"/>
+                    <a:pt x="32" y="10644"/>
+                    <a:pt x="5506" y="13808"/>
+                  </a:cubicBezTo>
+                  <a:cubicBezTo>
+                    <a:pt x="8241" y="15388"/>
+                    <a:pt x="11814" y="16175"/>
+                    <a:pt x="15385" y="16175"/>
+                  </a:cubicBezTo>
+                  <a:cubicBezTo>
+                    <a:pt x="18964" y="16175"/>
+                    <a:pt x="22540" y="15384"/>
+                    <a:pt x="25266" y="13808"/>
+                  </a:cubicBezTo>
+                  <a:cubicBezTo>
+                    <a:pt x="30694" y="10644"/>
+                    <a:pt x="30678" y="5526"/>
+                    <a:pt x="25204" y="2362"/>
+                  </a:cubicBezTo>
+                  <a:cubicBezTo>
+                    <a:pt x="22466" y="788"/>
+                    <a:pt x="18883" y="0"/>
+                    <a:pt x="15307" y="0"/>
+                  </a:cubicBezTo>
+                  <a:close/>
+                </a:path>
+              </a:pathLst>
+            </a:custGeom>
+            <a:solidFill>
+              <a:schemeClr val="accent4"/>
+            </a:solidFill>
+            <a:ln>
+              <a:noFill/>
+            </a:ln>
+          </p:spPr>
+          <p:txBody>
+            <a:bodyPr spcFirstLastPara="1" wrap="square" lIns="91425" tIns="91425" rIns="91425" bIns="91425" anchor="ctr" anchorCtr="0">
+              <a:noAutofit/>
+            </a:bodyPr>
+            <a:lstStyle/>
+            <a:p>
+              <a:pPr marL="0" lvl="0" indent="0" algn="l" rtl="0">
+                <a:spcBef>
+                  <a:spcPts val="0"/>
+                </a:spcBef>
+                <a:spcAft>
+                  <a:spcPts val="0"/>
+                </a:spcAft>
+                <a:buNone/>
+              </a:pPr>
+              <a:endParaRPr/>
+            </a:p>
+          </p:txBody>
+        </p:sp>
+      </p:grpSp>
+    </p:spTree>
+  </p:cSld>
+  <p:clrMapOvr>
+    <a:masterClrMapping/>
+  </p:clrMapOvr>
+</p:sld>
+</file>
+
+<file path=ppt/slides/slide3.xml><?xml version="1.0" encoding="utf-8"?>
+<p:sld xmlns:a="http://schemas.openxmlformats.org/drawingml/2006/main" xmlns:r="http://schemas.openxmlformats.org/officeDocument/2006/relationships" xmlns:p="http://schemas.openxmlformats.org/presentationml/2006/main">
+  <p:cSld>
+    <p:spTree>
+      <p:nvGrpSpPr>
         <p:cNvPr id="1" name="Shape 185"/>
         <p:cNvGrpSpPr/>
         <p:nvPr/>

--- a/Proyecto Final Progra.pptx
+++ b/Proyecto Final Progra.pptx
@@ -5,37 +5,45 @@
     <p:sldMasterId id="2147483662" r:id="rId1"/>
   </p:sldMasterIdLst>
   <p:notesMasterIdLst>
-    <p:notesMasterId r:id="rId5"/>
+    <p:notesMasterId r:id="rId6"/>
   </p:notesMasterIdLst>
   <p:sldIdLst>
     <p:sldId id="256" r:id="rId2"/>
     <p:sldId id="257" r:id="rId3"/>
-    <p:sldId id="260" r:id="rId4"/>
+    <p:sldId id="258" r:id="rId4"/>
+    <p:sldId id="260" r:id="rId5"/>
   </p:sldIdLst>
   <p:sldSz cx="9144000" cy="5143500" type="screen16x9"/>
   <p:notesSz cx="6858000" cy="9144000"/>
   <p:embeddedFontLst>
     <p:embeddedFont>
-      <p:font typeface="Lato" panose="020F0302020204030203" pitchFamily="34" charset="77"/>
-      <p:regular r:id="rId6"/>
-      <p:bold r:id="rId7"/>
-      <p:italic r:id="rId8"/>
-      <p:boldItalic r:id="rId9"/>
+      <p:font typeface="Fira Sans Extra Condensed Medium" panose="020B0603050000020004" pitchFamily="34" charset="0"/>
+      <p:regular r:id="rId7"/>
+      <p:bold r:id="rId8"/>
+      <p:italic r:id="rId9"/>
+      <p:boldItalic r:id="rId10"/>
+    </p:embeddedFont>
+    <p:embeddedFont>
+      <p:font typeface="Lato" panose="020F0502020204030203" pitchFamily="34" charset="77"/>
+      <p:regular r:id="rId11"/>
+      <p:bold r:id="rId12"/>
+      <p:italic r:id="rId13"/>
+      <p:boldItalic r:id="rId14"/>
     </p:embeddedFont>
     <p:embeddedFont>
       <p:font typeface="Lato Light" panose="020F0502020204030203" pitchFamily="34" charset="77"/>
-      <p:regular r:id="rId10"/>
-      <p:bold r:id="rId11"/>
-      <p:italic r:id="rId12"/>
-      <p:boldItalic r:id="rId13"/>
+      <p:regular r:id="rId15"/>
+      <p:bold r:id="rId16"/>
+      <p:italic r:id="rId17"/>
+      <p:boldItalic r:id="rId18"/>
     </p:embeddedFont>
     <p:embeddedFont>
       <p:font typeface="Squada One" panose="02000000000000000000" pitchFamily="2" charset="0"/>
-      <p:regular r:id="rId14"/>
+      <p:regular r:id="rId19"/>
     </p:embeddedFont>
     <p:embeddedFont>
       <p:font typeface="Unica One" panose="02000506000000020004" pitchFamily="2" charset="77"/>
-      <p:regular r:id="rId15"/>
+      <p:regular r:id="rId20"/>
     </p:embeddedFont>
   </p:embeddedFontLst>
   <p:defaultTextStyle>
@@ -929,6 +937,110 @@
   <p:cSld>
     <p:spTree>
       <p:nvGrpSpPr>
+        <p:cNvPr id="1" name="Shape 154"/>
+        <p:cNvGrpSpPr/>
+        <p:nvPr/>
+      </p:nvGrpSpPr>
+      <p:grpSpPr>
+        <a:xfrm>
+          <a:off x="0" y="0"/>
+          <a:ext cx="0" cy="0"/>
+          <a:chOff x="0" y="0"/>
+          <a:chExt cx="0" cy="0"/>
+        </a:xfrm>
+      </p:grpSpPr>
+      <p:sp>
+        <p:nvSpPr>
+          <p:cNvPr id="155" name="Google Shape;155;g5c855921c3_1_1093:notes"/>
+          <p:cNvSpPr>
+            <a:spLocks noGrp="1" noRot="1" noChangeAspect="1"/>
+          </p:cNvSpPr>
+          <p:nvPr>
+            <p:ph type="sldImg" idx="2"/>
+          </p:nvPr>
+        </p:nvSpPr>
+        <p:spPr>
+          <a:xfrm>
+            <a:off x="381000" y="685800"/>
+            <a:ext cx="6096000" cy="3429000"/>
+          </a:xfrm>
+          <a:custGeom>
+            <a:avLst/>
+            <a:gdLst/>
+            <a:ahLst/>
+            <a:cxnLst/>
+            <a:rect l="l" t="t" r="r" b="b"/>
+            <a:pathLst>
+              <a:path w="120000" h="120000" extrusionOk="0">
+                <a:moveTo>
+                  <a:pt x="0" y="0"/>
+                </a:moveTo>
+                <a:lnTo>
+                  <a:pt x="120000" y="0"/>
+                </a:lnTo>
+                <a:lnTo>
+                  <a:pt x="120000" y="120000"/>
+                </a:lnTo>
+                <a:lnTo>
+                  <a:pt x="0" y="120000"/>
+                </a:lnTo>
+                <a:close/>
+              </a:path>
+            </a:pathLst>
+          </a:custGeom>
+        </p:spPr>
+      </p:sp>
+      <p:sp>
+        <p:nvSpPr>
+          <p:cNvPr id="156" name="Google Shape;156;g5c855921c3_1_1093:notes"/>
+          <p:cNvSpPr txBox="1">
+            <a:spLocks noGrp="1"/>
+          </p:cNvSpPr>
+          <p:nvPr>
+            <p:ph type="body" idx="1"/>
+          </p:nvPr>
+        </p:nvSpPr>
+        <p:spPr>
+          <a:xfrm>
+            <a:off x="685800" y="4343400"/>
+            <a:ext cx="5486400" cy="4114800"/>
+          </a:xfrm>
+          <a:prstGeom prst="rect">
+            <a:avLst/>
+          </a:prstGeom>
+        </p:spPr>
+        <p:txBody>
+          <a:bodyPr spcFirstLastPara="1" wrap="square" lIns="91425" tIns="91425" rIns="91425" bIns="91425" anchor="t" anchorCtr="0">
+            <a:noAutofit/>
+          </a:bodyPr>
+          <a:lstStyle/>
+          <a:p>
+            <a:pPr marL="0" lvl="0" indent="0" algn="l" rtl="0">
+              <a:spcBef>
+                <a:spcPts val="0"/>
+              </a:spcBef>
+              <a:spcAft>
+                <a:spcPts val="0"/>
+              </a:spcAft>
+              <a:buNone/>
+            </a:pPr>
+            <a:endParaRPr/>
+          </a:p>
+        </p:txBody>
+      </p:sp>
+    </p:spTree>
+  </p:cSld>
+  <p:clrMapOvr>
+    <a:masterClrMapping/>
+  </p:clrMapOvr>
+</p:notes>
+</file>
+
+<file path=ppt/notesSlides/notesSlide4.xml><?xml version="1.0" encoding="utf-8"?>
+<p:notes xmlns:a="http://schemas.openxmlformats.org/drawingml/2006/main" xmlns:r="http://schemas.openxmlformats.org/officeDocument/2006/relationships" xmlns:p="http://schemas.openxmlformats.org/presentationml/2006/main" showMasterSp="0" showMasterPhAnim="0">
+  <p:cSld>
+    <p:spTree>
+      <p:nvGrpSpPr>
         <p:cNvPr id="1" name="Shape 182"/>
         <p:cNvGrpSpPr/>
         <p:nvPr/>
@@ -1219,6 +1331,2173 @@
         </p:txBody>
       </p:sp>
     </p:spTree>
+  </p:cSld>
+  <p:clrMapOvr>
+    <a:masterClrMapping/>
+  </p:clrMapOvr>
+</p:sldLayout>
+</file>
+
+<file path=ppt/slideLayouts/slideLayout10.xml><?xml version="1.0" encoding="utf-8"?>
+<p:sldLayout xmlns:a="http://schemas.openxmlformats.org/drawingml/2006/main" xmlns:r="http://schemas.openxmlformats.org/officeDocument/2006/relationships" xmlns:p="http://schemas.openxmlformats.org/presentationml/2006/main" matchingName="Table of contents">
+  <p:cSld name="Table of contents">
+    <p:spTree>
+      <p:nvGrpSpPr>
+        <p:cNvPr id="1" name="Shape 18"/>
+        <p:cNvGrpSpPr/>
+        <p:nvPr/>
+      </p:nvGrpSpPr>
+      <p:grpSpPr>
+        <a:xfrm>
+          <a:off x="0" y="0"/>
+          <a:ext cx="0" cy="0"/>
+          <a:chOff x="0" y="0"/>
+          <a:chExt cx="0" cy="0"/>
+        </a:xfrm>
+      </p:grpSpPr>
+      <p:sp>
+        <p:nvSpPr>
+          <p:cNvPr id="19" name="Google Shape;19;p4"/>
+          <p:cNvSpPr txBox="1">
+            <a:spLocks noGrp="1"/>
+          </p:cNvSpPr>
+          <p:nvPr>
+            <p:ph type="ctrTitle"/>
+          </p:nvPr>
+        </p:nvSpPr>
+        <p:spPr>
+          <a:xfrm>
+            <a:off x="2597546" y="651393"/>
+            <a:ext cx="2251800" cy="577800"/>
+          </a:xfrm>
+          <a:prstGeom prst="rect">
+            <a:avLst/>
+          </a:prstGeom>
+        </p:spPr>
+        <p:txBody>
+          <a:bodyPr spcFirstLastPara="1" wrap="square" lIns="91425" tIns="91425" rIns="91425" bIns="91425" anchor="b" anchorCtr="0">
+            <a:noAutofit/>
+          </a:bodyPr>
+          <a:lstStyle>
+            <a:lvl1pPr lvl="0" rtl="0">
+              <a:spcBef>
+                <a:spcPts val="0"/>
+              </a:spcBef>
+              <a:spcAft>
+                <a:spcPts val="0"/>
+              </a:spcAft>
+              <a:buSzPts val="1200"/>
+              <a:buNone/>
+              <a:defRPr sz="1200"/>
+            </a:lvl1pPr>
+            <a:lvl2pPr lvl="1" rtl="0">
+              <a:spcBef>
+                <a:spcPts val="0"/>
+              </a:spcBef>
+              <a:spcAft>
+                <a:spcPts val="0"/>
+              </a:spcAft>
+              <a:buSzPts val="1200"/>
+              <a:buNone/>
+              <a:defRPr sz="1200"/>
+            </a:lvl2pPr>
+            <a:lvl3pPr lvl="2" rtl="0">
+              <a:spcBef>
+                <a:spcPts val="0"/>
+              </a:spcBef>
+              <a:spcAft>
+                <a:spcPts val="0"/>
+              </a:spcAft>
+              <a:buSzPts val="1200"/>
+              <a:buNone/>
+              <a:defRPr sz="1200"/>
+            </a:lvl3pPr>
+            <a:lvl4pPr lvl="3" rtl="0">
+              <a:spcBef>
+                <a:spcPts val="0"/>
+              </a:spcBef>
+              <a:spcAft>
+                <a:spcPts val="0"/>
+              </a:spcAft>
+              <a:buSzPts val="1200"/>
+              <a:buNone/>
+              <a:defRPr sz="1200"/>
+            </a:lvl4pPr>
+            <a:lvl5pPr lvl="4" rtl="0">
+              <a:spcBef>
+                <a:spcPts val="0"/>
+              </a:spcBef>
+              <a:spcAft>
+                <a:spcPts val="0"/>
+              </a:spcAft>
+              <a:buSzPts val="1200"/>
+              <a:buNone/>
+              <a:defRPr sz="1200"/>
+            </a:lvl5pPr>
+            <a:lvl6pPr lvl="5" rtl="0">
+              <a:spcBef>
+                <a:spcPts val="0"/>
+              </a:spcBef>
+              <a:spcAft>
+                <a:spcPts val="0"/>
+              </a:spcAft>
+              <a:buSzPts val="1200"/>
+              <a:buNone/>
+              <a:defRPr sz="1200"/>
+            </a:lvl6pPr>
+            <a:lvl7pPr lvl="6" rtl="0">
+              <a:spcBef>
+                <a:spcPts val="0"/>
+              </a:spcBef>
+              <a:spcAft>
+                <a:spcPts val="0"/>
+              </a:spcAft>
+              <a:buSzPts val="1200"/>
+              <a:buNone/>
+              <a:defRPr sz="1200"/>
+            </a:lvl7pPr>
+            <a:lvl8pPr lvl="7" rtl="0">
+              <a:spcBef>
+                <a:spcPts val="0"/>
+              </a:spcBef>
+              <a:spcAft>
+                <a:spcPts val="0"/>
+              </a:spcAft>
+              <a:buSzPts val="1200"/>
+              <a:buNone/>
+              <a:defRPr sz="1200"/>
+            </a:lvl8pPr>
+            <a:lvl9pPr lvl="8" rtl="0">
+              <a:spcBef>
+                <a:spcPts val="0"/>
+              </a:spcBef>
+              <a:spcAft>
+                <a:spcPts val="0"/>
+              </a:spcAft>
+              <a:buSzPts val="1200"/>
+              <a:buNone/>
+              <a:defRPr sz="1200"/>
+            </a:lvl9pPr>
+          </a:lstStyle>
+          <a:p>
+            <a:endParaRPr/>
+          </a:p>
+        </p:txBody>
+      </p:sp>
+      <p:sp>
+        <p:nvSpPr>
+          <p:cNvPr id="20" name="Google Shape;20;p4"/>
+          <p:cNvSpPr txBox="1">
+            <a:spLocks noGrp="1"/>
+          </p:cNvSpPr>
+          <p:nvPr>
+            <p:ph type="subTitle" idx="1"/>
+          </p:nvPr>
+        </p:nvSpPr>
+        <p:spPr>
+          <a:xfrm>
+            <a:off x="2597546" y="1066441"/>
+            <a:ext cx="1906500" cy="572400"/>
+          </a:xfrm>
+          <a:prstGeom prst="rect">
+            <a:avLst/>
+          </a:prstGeom>
+        </p:spPr>
+        <p:txBody>
+          <a:bodyPr spcFirstLastPara="1" wrap="square" lIns="91425" tIns="91425" rIns="91425" bIns="91425" anchor="t" anchorCtr="0">
+            <a:noAutofit/>
+          </a:bodyPr>
+          <a:lstStyle>
+            <a:lvl1pPr lvl="0" rtl="0">
+              <a:lnSpc>
+                <a:spcPct val="100000"/>
+              </a:lnSpc>
+              <a:spcBef>
+                <a:spcPts val="0"/>
+              </a:spcBef>
+              <a:spcAft>
+                <a:spcPts val="0"/>
+              </a:spcAft>
+              <a:buSzPts val="1000"/>
+              <a:buNone/>
+              <a:defRPr sz="1000"/>
+            </a:lvl1pPr>
+            <a:lvl2pPr lvl="1" rtl="0">
+              <a:lnSpc>
+                <a:spcPct val="100000"/>
+              </a:lnSpc>
+              <a:spcBef>
+                <a:spcPts val="0"/>
+              </a:spcBef>
+              <a:spcAft>
+                <a:spcPts val="0"/>
+              </a:spcAft>
+              <a:buSzPts val="1000"/>
+              <a:buNone/>
+              <a:defRPr sz="1000"/>
+            </a:lvl2pPr>
+            <a:lvl3pPr lvl="2" rtl="0">
+              <a:lnSpc>
+                <a:spcPct val="100000"/>
+              </a:lnSpc>
+              <a:spcBef>
+                <a:spcPts val="0"/>
+              </a:spcBef>
+              <a:spcAft>
+                <a:spcPts val="0"/>
+              </a:spcAft>
+              <a:buSzPts val="1000"/>
+              <a:buNone/>
+              <a:defRPr sz="1000"/>
+            </a:lvl3pPr>
+            <a:lvl4pPr lvl="3" rtl="0">
+              <a:lnSpc>
+                <a:spcPct val="100000"/>
+              </a:lnSpc>
+              <a:spcBef>
+                <a:spcPts val="0"/>
+              </a:spcBef>
+              <a:spcAft>
+                <a:spcPts val="0"/>
+              </a:spcAft>
+              <a:buSzPts val="1000"/>
+              <a:buNone/>
+              <a:defRPr sz="1000"/>
+            </a:lvl4pPr>
+            <a:lvl5pPr lvl="4" rtl="0">
+              <a:lnSpc>
+                <a:spcPct val="100000"/>
+              </a:lnSpc>
+              <a:spcBef>
+                <a:spcPts val="0"/>
+              </a:spcBef>
+              <a:spcAft>
+                <a:spcPts val="0"/>
+              </a:spcAft>
+              <a:buSzPts val="1000"/>
+              <a:buNone/>
+              <a:defRPr sz="1000"/>
+            </a:lvl5pPr>
+            <a:lvl6pPr lvl="5" rtl="0">
+              <a:lnSpc>
+                <a:spcPct val="100000"/>
+              </a:lnSpc>
+              <a:spcBef>
+                <a:spcPts val="0"/>
+              </a:spcBef>
+              <a:spcAft>
+                <a:spcPts val="0"/>
+              </a:spcAft>
+              <a:buSzPts val="1000"/>
+              <a:buNone/>
+              <a:defRPr sz="1000"/>
+            </a:lvl6pPr>
+            <a:lvl7pPr lvl="6" rtl="0">
+              <a:lnSpc>
+                <a:spcPct val="100000"/>
+              </a:lnSpc>
+              <a:spcBef>
+                <a:spcPts val="0"/>
+              </a:spcBef>
+              <a:spcAft>
+                <a:spcPts val="0"/>
+              </a:spcAft>
+              <a:buSzPts val="1000"/>
+              <a:buNone/>
+              <a:defRPr sz="1000"/>
+            </a:lvl7pPr>
+            <a:lvl8pPr lvl="7" rtl="0">
+              <a:lnSpc>
+                <a:spcPct val="100000"/>
+              </a:lnSpc>
+              <a:spcBef>
+                <a:spcPts val="0"/>
+              </a:spcBef>
+              <a:spcAft>
+                <a:spcPts val="0"/>
+              </a:spcAft>
+              <a:buSzPts val="1000"/>
+              <a:buNone/>
+              <a:defRPr sz="1000"/>
+            </a:lvl8pPr>
+            <a:lvl9pPr lvl="8" rtl="0">
+              <a:lnSpc>
+                <a:spcPct val="100000"/>
+              </a:lnSpc>
+              <a:spcBef>
+                <a:spcPts val="0"/>
+              </a:spcBef>
+              <a:spcAft>
+                <a:spcPts val="0"/>
+              </a:spcAft>
+              <a:buSzPts val="1000"/>
+              <a:buNone/>
+              <a:defRPr sz="1000"/>
+            </a:lvl9pPr>
+          </a:lstStyle>
+          <a:p>
+            <a:endParaRPr/>
+          </a:p>
+        </p:txBody>
+      </p:sp>
+      <p:sp>
+        <p:nvSpPr>
+          <p:cNvPr id="21" name="Google Shape;21;p4"/>
+          <p:cNvSpPr txBox="1">
+            <a:spLocks noGrp="1"/>
+          </p:cNvSpPr>
+          <p:nvPr>
+            <p:ph type="title" idx="2" hasCustomPrompt="1"/>
+          </p:nvPr>
+        </p:nvSpPr>
+        <p:spPr>
+          <a:xfrm>
+            <a:off x="1379938" y="957373"/>
+            <a:ext cx="1753800" cy="577800"/>
+          </a:xfrm>
+          <a:prstGeom prst="rect">
+            <a:avLst/>
+          </a:prstGeom>
+        </p:spPr>
+        <p:txBody>
+          <a:bodyPr spcFirstLastPara="1" wrap="square" lIns="91425" tIns="91425" rIns="91425" bIns="91425" anchor="ctr" anchorCtr="0">
+            <a:noAutofit/>
+          </a:bodyPr>
+          <a:lstStyle>
+            <a:lvl1pPr lvl="0" algn="ctr" rtl="0">
+              <a:spcBef>
+                <a:spcPts val="0"/>
+              </a:spcBef>
+              <a:spcAft>
+                <a:spcPts val="0"/>
+              </a:spcAft>
+              <a:buSzPts val="4800"/>
+              <a:buNone/>
+              <a:defRPr sz="4800"/>
+            </a:lvl1pPr>
+            <a:lvl2pPr lvl="1" algn="ctr" rtl="0">
+              <a:spcBef>
+                <a:spcPts val="0"/>
+              </a:spcBef>
+              <a:spcAft>
+                <a:spcPts val="0"/>
+              </a:spcAft>
+              <a:buSzPts val="4800"/>
+              <a:buFont typeface="Fira Sans Extra Condensed Medium"/>
+              <a:buNone/>
+              <a:defRPr sz="4800">
+                <a:latin typeface="Fira Sans Extra Condensed Medium"/>
+                <a:ea typeface="Fira Sans Extra Condensed Medium"/>
+                <a:cs typeface="Fira Sans Extra Condensed Medium"/>
+                <a:sym typeface="Fira Sans Extra Condensed Medium"/>
+              </a:defRPr>
+            </a:lvl2pPr>
+            <a:lvl3pPr lvl="2" algn="ctr" rtl="0">
+              <a:spcBef>
+                <a:spcPts val="0"/>
+              </a:spcBef>
+              <a:spcAft>
+                <a:spcPts val="0"/>
+              </a:spcAft>
+              <a:buSzPts val="4800"/>
+              <a:buFont typeface="Fira Sans Extra Condensed Medium"/>
+              <a:buNone/>
+              <a:defRPr sz="4800">
+                <a:latin typeface="Fira Sans Extra Condensed Medium"/>
+                <a:ea typeface="Fira Sans Extra Condensed Medium"/>
+                <a:cs typeface="Fira Sans Extra Condensed Medium"/>
+                <a:sym typeface="Fira Sans Extra Condensed Medium"/>
+              </a:defRPr>
+            </a:lvl3pPr>
+            <a:lvl4pPr lvl="3" algn="ctr" rtl="0">
+              <a:spcBef>
+                <a:spcPts val="0"/>
+              </a:spcBef>
+              <a:spcAft>
+                <a:spcPts val="0"/>
+              </a:spcAft>
+              <a:buSzPts val="4800"/>
+              <a:buFont typeface="Fira Sans Extra Condensed Medium"/>
+              <a:buNone/>
+              <a:defRPr sz="4800">
+                <a:latin typeface="Fira Sans Extra Condensed Medium"/>
+                <a:ea typeface="Fira Sans Extra Condensed Medium"/>
+                <a:cs typeface="Fira Sans Extra Condensed Medium"/>
+                <a:sym typeface="Fira Sans Extra Condensed Medium"/>
+              </a:defRPr>
+            </a:lvl4pPr>
+            <a:lvl5pPr lvl="4" algn="ctr" rtl="0">
+              <a:spcBef>
+                <a:spcPts val="0"/>
+              </a:spcBef>
+              <a:spcAft>
+                <a:spcPts val="0"/>
+              </a:spcAft>
+              <a:buSzPts val="4800"/>
+              <a:buFont typeface="Fira Sans Extra Condensed Medium"/>
+              <a:buNone/>
+              <a:defRPr sz="4800">
+                <a:latin typeface="Fira Sans Extra Condensed Medium"/>
+                <a:ea typeface="Fira Sans Extra Condensed Medium"/>
+                <a:cs typeface="Fira Sans Extra Condensed Medium"/>
+                <a:sym typeface="Fira Sans Extra Condensed Medium"/>
+              </a:defRPr>
+            </a:lvl5pPr>
+            <a:lvl6pPr lvl="5" algn="ctr" rtl="0">
+              <a:spcBef>
+                <a:spcPts val="0"/>
+              </a:spcBef>
+              <a:spcAft>
+                <a:spcPts val="0"/>
+              </a:spcAft>
+              <a:buSzPts val="4800"/>
+              <a:buFont typeface="Fira Sans Extra Condensed Medium"/>
+              <a:buNone/>
+              <a:defRPr sz="4800">
+                <a:latin typeface="Fira Sans Extra Condensed Medium"/>
+                <a:ea typeface="Fira Sans Extra Condensed Medium"/>
+                <a:cs typeface="Fira Sans Extra Condensed Medium"/>
+                <a:sym typeface="Fira Sans Extra Condensed Medium"/>
+              </a:defRPr>
+            </a:lvl6pPr>
+            <a:lvl7pPr lvl="6" algn="ctr" rtl="0">
+              <a:spcBef>
+                <a:spcPts val="0"/>
+              </a:spcBef>
+              <a:spcAft>
+                <a:spcPts val="0"/>
+              </a:spcAft>
+              <a:buSzPts val="4800"/>
+              <a:buFont typeface="Fira Sans Extra Condensed Medium"/>
+              <a:buNone/>
+              <a:defRPr sz="4800">
+                <a:latin typeface="Fira Sans Extra Condensed Medium"/>
+                <a:ea typeface="Fira Sans Extra Condensed Medium"/>
+                <a:cs typeface="Fira Sans Extra Condensed Medium"/>
+                <a:sym typeface="Fira Sans Extra Condensed Medium"/>
+              </a:defRPr>
+            </a:lvl7pPr>
+            <a:lvl8pPr lvl="7" algn="ctr" rtl="0">
+              <a:spcBef>
+                <a:spcPts val="0"/>
+              </a:spcBef>
+              <a:spcAft>
+                <a:spcPts val="0"/>
+              </a:spcAft>
+              <a:buSzPts val="4800"/>
+              <a:buFont typeface="Fira Sans Extra Condensed Medium"/>
+              <a:buNone/>
+              <a:defRPr sz="4800">
+                <a:latin typeface="Fira Sans Extra Condensed Medium"/>
+                <a:ea typeface="Fira Sans Extra Condensed Medium"/>
+                <a:cs typeface="Fira Sans Extra Condensed Medium"/>
+                <a:sym typeface="Fira Sans Extra Condensed Medium"/>
+              </a:defRPr>
+            </a:lvl8pPr>
+            <a:lvl9pPr lvl="8" algn="ctr" rtl="0">
+              <a:spcBef>
+                <a:spcPts val="0"/>
+              </a:spcBef>
+              <a:spcAft>
+                <a:spcPts val="0"/>
+              </a:spcAft>
+              <a:buSzPts val="4800"/>
+              <a:buFont typeface="Fira Sans Extra Condensed Medium"/>
+              <a:buNone/>
+              <a:defRPr sz="4800">
+                <a:latin typeface="Fira Sans Extra Condensed Medium"/>
+                <a:ea typeface="Fira Sans Extra Condensed Medium"/>
+                <a:cs typeface="Fira Sans Extra Condensed Medium"/>
+                <a:sym typeface="Fira Sans Extra Condensed Medium"/>
+              </a:defRPr>
+            </a:lvl9pPr>
+          </a:lstStyle>
+          <a:p>
+            <a:r>
+              <a:t>xx%</a:t>
+            </a:r>
+          </a:p>
+        </p:txBody>
+      </p:sp>
+      <p:sp>
+        <p:nvSpPr>
+          <p:cNvPr id="22" name="Google Shape;22;p4"/>
+          <p:cNvSpPr txBox="1">
+            <a:spLocks noGrp="1"/>
+          </p:cNvSpPr>
+          <p:nvPr>
+            <p:ph type="ctrTitle" idx="3"/>
+          </p:nvPr>
+        </p:nvSpPr>
+        <p:spPr>
+          <a:xfrm>
+            <a:off x="3945275" y="1441980"/>
+            <a:ext cx="2251800" cy="577800"/>
+          </a:xfrm>
+          <a:prstGeom prst="rect">
+            <a:avLst/>
+          </a:prstGeom>
+        </p:spPr>
+        <p:txBody>
+          <a:bodyPr spcFirstLastPara="1" wrap="square" lIns="91425" tIns="91425" rIns="91425" bIns="91425" anchor="b" anchorCtr="0">
+            <a:noAutofit/>
+          </a:bodyPr>
+          <a:lstStyle>
+            <a:lvl1pPr lvl="0" rtl="0">
+              <a:spcBef>
+                <a:spcPts val="0"/>
+              </a:spcBef>
+              <a:spcAft>
+                <a:spcPts val="0"/>
+              </a:spcAft>
+              <a:buSzPts val="1200"/>
+              <a:buNone/>
+              <a:defRPr sz="1200"/>
+            </a:lvl1pPr>
+            <a:lvl2pPr lvl="1" rtl="0">
+              <a:spcBef>
+                <a:spcPts val="0"/>
+              </a:spcBef>
+              <a:spcAft>
+                <a:spcPts val="0"/>
+              </a:spcAft>
+              <a:buSzPts val="1200"/>
+              <a:buNone/>
+              <a:defRPr sz="1200"/>
+            </a:lvl2pPr>
+            <a:lvl3pPr lvl="2" rtl="0">
+              <a:spcBef>
+                <a:spcPts val="0"/>
+              </a:spcBef>
+              <a:spcAft>
+                <a:spcPts val="0"/>
+              </a:spcAft>
+              <a:buSzPts val="1200"/>
+              <a:buNone/>
+              <a:defRPr sz="1200"/>
+            </a:lvl3pPr>
+            <a:lvl4pPr lvl="3" rtl="0">
+              <a:spcBef>
+                <a:spcPts val="0"/>
+              </a:spcBef>
+              <a:spcAft>
+                <a:spcPts val="0"/>
+              </a:spcAft>
+              <a:buSzPts val="1200"/>
+              <a:buNone/>
+              <a:defRPr sz="1200"/>
+            </a:lvl4pPr>
+            <a:lvl5pPr lvl="4" rtl="0">
+              <a:spcBef>
+                <a:spcPts val="0"/>
+              </a:spcBef>
+              <a:spcAft>
+                <a:spcPts val="0"/>
+              </a:spcAft>
+              <a:buSzPts val="1200"/>
+              <a:buNone/>
+              <a:defRPr sz="1200"/>
+            </a:lvl5pPr>
+            <a:lvl6pPr lvl="5" rtl="0">
+              <a:spcBef>
+                <a:spcPts val="0"/>
+              </a:spcBef>
+              <a:spcAft>
+                <a:spcPts val="0"/>
+              </a:spcAft>
+              <a:buSzPts val="1200"/>
+              <a:buNone/>
+              <a:defRPr sz="1200"/>
+            </a:lvl6pPr>
+            <a:lvl7pPr lvl="6" rtl="0">
+              <a:spcBef>
+                <a:spcPts val="0"/>
+              </a:spcBef>
+              <a:spcAft>
+                <a:spcPts val="0"/>
+              </a:spcAft>
+              <a:buSzPts val="1200"/>
+              <a:buNone/>
+              <a:defRPr sz="1200"/>
+            </a:lvl7pPr>
+            <a:lvl8pPr lvl="7" rtl="0">
+              <a:spcBef>
+                <a:spcPts val="0"/>
+              </a:spcBef>
+              <a:spcAft>
+                <a:spcPts val="0"/>
+              </a:spcAft>
+              <a:buSzPts val="1200"/>
+              <a:buNone/>
+              <a:defRPr sz="1200"/>
+            </a:lvl8pPr>
+            <a:lvl9pPr lvl="8" rtl="0">
+              <a:spcBef>
+                <a:spcPts val="0"/>
+              </a:spcBef>
+              <a:spcAft>
+                <a:spcPts val="0"/>
+              </a:spcAft>
+              <a:buSzPts val="1200"/>
+              <a:buNone/>
+              <a:defRPr sz="1200"/>
+            </a:lvl9pPr>
+          </a:lstStyle>
+          <a:p>
+            <a:endParaRPr/>
+          </a:p>
+        </p:txBody>
+      </p:sp>
+      <p:sp>
+        <p:nvSpPr>
+          <p:cNvPr id="23" name="Google Shape;23;p4"/>
+          <p:cNvSpPr txBox="1">
+            <a:spLocks noGrp="1"/>
+          </p:cNvSpPr>
+          <p:nvPr>
+            <p:ph type="subTitle" idx="4"/>
+          </p:nvPr>
+        </p:nvSpPr>
+        <p:spPr>
+          <a:xfrm>
+            <a:off x="3945275" y="1855138"/>
+            <a:ext cx="1976700" cy="572400"/>
+          </a:xfrm>
+          <a:prstGeom prst="rect">
+            <a:avLst/>
+          </a:prstGeom>
+        </p:spPr>
+        <p:txBody>
+          <a:bodyPr spcFirstLastPara="1" wrap="square" lIns="91425" tIns="91425" rIns="91425" bIns="91425" anchor="t" anchorCtr="0">
+            <a:noAutofit/>
+          </a:bodyPr>
+          <a:lstStyle>
+            <a:lvl1pPr lvl="0" rtl="0">
+              <a:lnSpc>
+                <a:spcPct val="100000"/>
+              </a:lnSpc>
+              <a:spcBef>
+                <a:spcPts val="0"/>
+              </a:spcBef>
+              <a:spcAft>
+                <a:spcPts val="0"/>
+              </a:spcAft>
+              <a:buSzPts val="1000"/>
+              <a:buNone/>
+              <a:defRPr sz="1000"/>
+            </a:lvl1pPr>
+            <a:lvl2pPr lvl="1" rtl="0">
+              <a:lnSpc>
+                <a:spcPct val="100000"/>
+              </a:lnSpc>
+              <a:spcBef>
+                <a:spcPts val="0"/>
+              </a:spcBef>
+              <a:spcAft>
+                <a:spcPts val="0"/>
+              </a:spcAft>
+              <a:buSzPts val="1000"/>
+              <a:buNone/>
+              <a:defRPr sz="1000"/>
+            </a:lvl2pPr>
+            <a:lvl3pPr lvl="2" rtl="0">
+              <a:lnSpc>
+                <a:spcPct val="100000"/>
+              </a:lnSpc>
+              <a:spcBef>
+                <a:spcPts val="0"/>
+              </a:spcBef>
+              <a:spcAft>
+                <a:spcPts val="0"/>
+              </a:spcAft>
+              <a:buSzPts val="1000"/>
+              <a:buNone/>
+              <a:defRPr sz="1000"/>
+            </a:lvl3pPr>
+            <a:lvl4pPr lvl="3" rtl="0">
+              <a:lnSpc>
+                <a:spcPct val="100000"/>
+              </a:lnSpc>
+              <a:spcBef>
+                <a:spcPts val="0"/>
+              </a:spcBef>
+              <a:spcAft>
+                <a:spcPts val="0"/>
+              </a:spcAft>
+              <a:buSzPts val="1000"/>
+              <a:buNone/>
+              <a:defRPr sz="1000"/>
+            </a:lvl4pPr>
+            <a:lvl5pPr lvl="4" rtl="0">
+              <a:lnSpc>
+                <a:spcPct val="100000"/>
+              </a:lnSpc>
+              <a:spcBef>
+                <a:spcPts val="0"/>
+              </a:spcBef>
+              <a:spcAft>
+                <a:spcPts val="0"/>
+              </a:spcAft>
+              <a:buSzPts val="1000"/>
+              <a:buNone/>
+              <a:defRPr sz="1000"/>
+            </a:lvl5pPr>
+            <a:lvl6pPr lvl="5" rtl="0">
+              <a:lnSpc>
+                <a:spcPct val="100000"/>
+              </a:lnSpc>
+              <a:spcBef>
+                <a:spcPts val="0"/>
+              </a:spcBef>
+              <a:spcAft>
+                <a:spcPts val="0"/>
+              </a:spcAft>
+              <a:buSzPts val="1000"/>
+              <a:buNone/>
+              <a:defRPr sz="1000"/>
+            </a:lvl6pPr>
+            <a:lvl7pPr lvl="6" rtl="0">
+              <a:lnSpc>
+                <a:spcPct val="100000"/>
+              </a:lnSpc>
+              <a:spcBef>
+                <a:spcPts val="0"/>
+              </a:spcBef>
+              <a:spcAft>
+                <a:spcPts val="0"/>
+              </a:spcAft>
+              <a:buSzPts val="1000"/>
+              <a:buNone/>
+              <a:defRPr sz="1000"/>
+            </a:lvl7pPr>
+            <a:lvl8pPr lvl="7" rtl="0">
+              <a:lnSpc>
+                <a:spcPct val="100000"/>
+              </a:lnSpc>
+              <a:spcBef>
+                <a:spcPts val="0"/>
+              </a:spcBef>
+              <a:spcAft>
+                <a:spcPts val="0"/>
+              </a:spcAft>
+              <a:buSzPts val="1000"/>
+              <a:buNone/>
+              <a:defRPr sz="1000"/>
+            </a:lvl8pPr>
+            <a:lvl9pPr lvl="8" rtl="0">
+              <a:lnSpc>
+                <a:spcPct val="100000"/>
+              </a:lnSpc>
+              <a:spcBef>
+                <a:spcPts val="0"/>
+              </a:spcBef>
+              <a:spcAft>
+                <a:spcPts val="0"/>
+              </a:spcAft>
+              <a:buSzPts val="1000"/>
+              <a:buNone/>
+              <a:defRPr sz="1000"/>
+            </a:lvl9pPr>
+          </a:lstStyle>
+          <a:p>
+            <a:endParaRPr/>
+          </a:p>
+        </p:txBody>
+      </p:sp>
+      <p:sp>
+        <p:nvSpPr>
+          <p:cNvPr id="24" name="Google Shape;24;p4"/>
+          <p:cNvSpPr txBox="1">
+            <a:spLocks noGrp="1"/>
+          </p:cNvSpPr>
+          <p:nvPr>
+            <p:ph type="title" idx="5" hasCustomPrompt="1"/>
+          </p:nvPr>
+        </p:nvSpPr>
+        <p:spPr>
+          <a:xfrm>
+            <a:off x="4296163" y="2883137"/>
+            <a:ext cx="1753800" cy="577800"/>
+          </a:xfrm>
+          <a:prstGeom prst="rect">
+            <a:avLst/>
+          </a:prstGeom>
+        </p:spPr>
+        <p:txBody>
+          <a:bodyPr spcFirstLastPara="1" wrap="square" lIns="91425" tIns="91425" rIns="91425" bIns="91425" anchor="ctr" anchorCtr="0">
+            <a:noAutofit/>
+          </a:bodyPr>
+          <a:lstStyle>
+            <a:lvl1pPr lvl="0" algn="ctr" rtl="0">
+              <a:spcBef>
+                <a:spcPts val="0"/>
+              </a:spcBef>
+              <a:spcAft>
+                <a:spcPts val="0"/>
+              </a:spcAft>
+              <a:buSzPts val="4800"/>
+              <a:buNone/>
+              <a:defRPr sz="4800"/>
+            </a:lvl1pPr>
+            <a:lvl2pPr lvl="1" algn="ctr" rtl="0">
+              <a:spcBef>
+                <a:spcPts val="0"/>
+              </a:spcBef>
+              <a:spcAft>
+                <a:spcPts val="0"/>
+              </a:spcAft>
+              <a:buSzPts val="4800"/>
+              <a:buFont typeface="Fira Sans Extra Condensed Medium"/>
+              <a:buNone/>
+              <a:defRPr sz="4800">
+                <a:latin typeface="Fira Sans Extra Condensed Medium"/>
+                <a:ea typeface="Fira Sans Extra Condensed Medium"/>
+                <a:cs typeface="Fira Sans Extra Condensed Medium"/>
+                <a:sym typeface="Fira Sans Extra Condensed Medium"/>
+              </a:defRPr>
+            </a:lvl2pPr>
+            <a:lvl3pPr lvl="2" algn="ctr" rtl="0">
+              <a:spcBef>
+                <a:spcPts val="0"/>
+              </a:spcBef>
+              <a:spcAft>
+                <a:spcPts val="0"/>
+              </a:spcAft>
+              <a:buSzPts val="4800"/>
+              <a:buFont typeface="Fira Sans Extra Condensed Medium"/>
+              <a:buNone/>
+              <a:defRPr sz="4800">
+                <a:latin typeface="Fira Sans Extra Condensed Medium"/>
+                <a:ea typeface="Fira Sans Extra Condensed Medium"/>
+                <a:cs typeface="Fira Sans Extra Condensed Medium"/>
+                <a:sym typeface="Fira Sans Extra Condensed Medium"/>
+              </a:defRPr>
+            </a:lvl3pPr>
+            <a:lvl4pPr lvl="3" algn="ctr" rtl="0">
+              <a:spcBef>
+                <a:spcPts val="0"/>
+              </a:spcBef>
+              <a:spcAft>
+                <a:spcPts val="0"/>
+              </a:spcAft>
+              <a:buSzPts val="4800"/>
+              <a:buFont typeface="Fira Sans Extra Condensed Medium"/>
+              <a:buNone/>
+              <a:defRPr sz="4800">
+                <a:latin typeface="Fira Sans Extra Condensed Medium"/>
+                <a:ea typeface="Fira Sans Extra Condensed Medium"/>
+                <a:cs typeface="Fira Sans Extra Condensed Medium"/>
+                <a:sym typeface="Fira Sans Extra Condensed Medium"/>
+              </a:defRPr>
+            </a:lvl4pPr>
+            <a:lvl5pPr lvl="4" algn="ctr" rtl="0">
+              <a:spcBef>
+                <a:spcPts val="0"/>
+              </a:spcBef>
+              <a:spcAft>
+                <a:spcPts val="0"/>
+              </a:spcAft>
+              <a:buSzPts val="4800"/>
+              <a:buFont typeface="Fira Sans Extra Condensed Medium"/>
+              <a:buNone/>
+              <a:defRPr sz="4800">
+                <a:latin typeface="Fira Sans Extra Condensed Medium"/>
+                <a:ea typeface="Fira Sans Extra Condensed Medium"/>
+                <a:cs typeface="Fira Sans Extra Condensed Medium"/>
+                <a:sym typeface="Fira Sans Extra Condensed Medium"/>
+              </a:defRPr>
+            </a:lvl5pPr>
+            <a:lvl6pPr lvl="5" algn="ctr" rtl="0">
+              <a:spcBef>
+                <a:spcPts val="0"/>
+              </a:spcBef>
+              <a:spcAft>
+                <a:spcPts val="0"/>
+              </a:spcAft>
+              <a:buSzPts val="4800"/>
+              <a:buFont typeface="Fira Sans Extra Condensed Medium"/>
+              <a:buNone/>
+              <a:defRPr sz="4800">
+                <a:latin typeface="Fira Sans Extra Condensed Medium"/>
+                <a:ea typeface="Fira Sans Extra Condensed Medium"/>
+                <a:cs typeface="Fira Sans Extra Condensed Medium"/>
+                <a:sym typeface="Fira Sans Extra Condensed Medium"/>
+              </a:defRPr>
+            </a:lvl6pPr>
+            <a:lvl7pPr lvl="6" algn="ctr" rtl="0">
+              <a:spcBef>
+                <a:spcPts val="0"/>
+              </a:spcBef>
+              <a:spcAft>
+                <a:spcPts val="0"/>
+              </a:spcAft>
+              <a:buSzPts val="4800"/>
+              <a:buFont typeface="Fira Sans Extra Condensed Medium"/>
+              <a:buNone/>
+              <a:defRPr sz="4800">
+                <a:latin typeface="Fira Sans Extra Condensed Medium"/>
+                <a:ea typeface="Fira Sans Extra Condensed Medium"/>
+                <a:cs typeface="Fira Sans Extra Condensed Medium"/>
+                <a:sym typeface="Fira Sans Extra Condensed Medium"/>
+              </a:defRPr>
+            </a:lvl7pPr>
+            <a:lvl8pPr lvl="7" algn="ctr" rtl="0">
+              <a:spcBef>
+                <a:spcPts val="0"/>
+              </a:spcBef>
+              <a:spcAft>
+                <a:spcPts val="0"/>
+              </a:spcAft>
+              <a:buSzPts val="4800"/>
+              <a:buFont typeface="Fira Sans Extra Condensed Medium"/>
+              <a:buNone/>
+              <a:defRPr sz="4800">
+                <a:latin typeface="Fira Sans Extra Condensed Medium"/>
+                <a:ea typeface="Fira Sans Extra Condensed Medium"/>
+                <a:cs typeface="Fira Sans Extra Condensed Medium"/>
+                <a:sym typeface="Fira Sans Extra Condensed Medium"/>
+              </a:defRPr>
+            </a:lvl8pPr>
+            <a:lvl9pPr lvl="8" algn="ctr" rtl="0">
+              <a:spcBef>
+                <a:spcPts val="0"/>
+              </a:spcBef>
+              <a:spcAft>
+                <a:spcPts val="0"/>
+              </a:spcAft>
+              <a:buSzPts val="4800"/>
+              <a:buFont typeface="Fira Sans Extra Condensed Medium"/>
+              <a:buNone/>
+              <a:defRPr sz="4800">
+                <a:latin typeface="Fira Sans Extra Condensed Medium"/>
+                <a:ea typeface="Fira Sans Extra Condensed Medium"/>
+                <a:cs typeface="Fira Sans Extra Condensed Medium"/>
+                <a:sym typeface="Fira Sans Extra Condensed Medium"/>
+              </a:defRPr>
+            </a:lvl9pPr>
+          </a:lstStyle>
+          <a:p>
+            <a:r>
+              <a:t>xx%</a:t>
+            </a:r>
+          </a:p>
+        </p:txBody>
+      </p:sp>
+      <p:sp>
+        <p:nvSpPr>
+          <p:cNvPr id="25" name="Google Shape;25;p4"/>
+          <p:cNvSpPr txBox="1">
+            <a:spLocks noGrp="1"/>
+          </p:cNvSpPr>
+          <p:nvPr>
+            <p:ph type="ctrTitle" idx="6"/>
+          </p:nvPr>
+        </p:nvSpPr>
+        <p:spPr>
+          <a:xfrm>
+            <a:off x="5280206" y="2244642"/>
+            <a:ext cx="2251800" cy="577800"/>
+          </a:xfrm>
+          <a:prstGeom prst="rect">
+            <a:avLst/>
+          </a:prstGeom>
+        </p:spPr>
+        <p:txBody>
+          <a:bodyPr spcFirstLastPara="1" wrap="square" lIns="91425" tIns="91425" rIns="91425" bIns="91425" anchor="b" anchorCtr="0">
+            <a:noAutofit/>
+          </a:bodyPr>
+          <a:lstStyle>
+            <a:lvl1pPr lvl="0" rtl="0">
+              <a:spcBef>
+                <a:spcPts val="0"/>
+              </a:spcBef>
+              <a:spcAft>
+                <a:spcPts val="0"/>
+              </a:spcAft>
+              <a:buSzPts val="1200"/>
+              <a:buNone/>
+              <a:defRPr sz="1200"/>
+            </a:lvl1pPr>
+            <a:lvl2pPr lvl="1" rtl="0">
+              <a:spcBef>
+                <a:spcPts val="0"/>
+              </a:spcBef>
+              <a:spcAft>
+                <a:spcPts val="0"/>
+              </a:spcAft>
+              <a:buSzPts val="1200"/>
+              <a:buNone/>
+              <a:defRPr sz="1200"/>
+            </a:lvl2pPr>
+            <a:lvl3pPr lvl="2" rtl="0">
+              <a:spcBef>
+                <a:spcPts val="0"/>
+              </a:spcBef>
+              <a:spcAft>
+                <a:spcPts val="0"/>
+              </a:spcAft>
+              <a:buSzPts val="1200"/>
+              <a:buNone/>
+              <a:defRPr sz="1200"/>
+            </a:lvl3pPr>
+            <a:lvl4pPr lvl="3" rtl="0">
+              <a:spcBef>
+                <a:spcPts val="0"/>
+              </a:spcBef>
+              <a:spcAft>
+                <a:spcPts val="0"/>
+              </a:spcAft>
+              <a:buSzPts val="1200"/>
+              <a:buNone/>
+              <a:defRPr sz="1200"/>
+            </a:lvl4pPr>
+            <a:lvl5pPr lvl="4" rtl="0">
+              <a:spcBef>
+                <a:spcPts val="0"/>
+              </a:spcBef>
+              <a:spcAft>
+                <a:spcPts val="0"/>
+              </a:spcAft>
+              <a:buSzPts val="1200"/>
+              <a:buNone/>
+              <a:defRPr sz="1200"/>
+            </a:lvl5pPr>
+            <a:lvl6pPr lvl="5" rtl="0">
+              <a:spcBef>
+                <a:spcPts val="0"/>
+              </a:spcBef>
+              <a:spcAft>
+                <a:spcPts val="0"/>
+              </a:spcAft>
+              <a:buSzPts val="1200"/>
+              <a:buNone/>
+              <a:defRPr sz="1200"/>
+            </a:lvl6pPr>
+            <a:lvl7pPr lvl="6" rtl="0">
+              <a:spcBef>
+                <a:spcPts val="0"/>
+              </a:spcBef>
+              <a:spcAft>
+                <a:spcPts val="0"/>
+              </a:spcAft>
+              <a:buSzPts val="1200"/>
+              <a:buNone/>
+              <a:defRPr sz="1200"/>
+            </a:lvl7pPr>
+            <a:lvl8pPr lvl="7" rtl="0">
+              <a:spcBef>
+                <a:spcPts val="0"/>
+              </a:spcBef>
+              <a:spcAft>
+                <a:spcPts val="0"/>
+              </a:spcAft>
+              <a:buSzPts val="1200"/>
+              <a:buNone/>
+              <a:defRPr sz="1200"/>
+            </a:lvl8pPr>
+            <a:lvl9pPr lvl="8" rtl="0">
+              <a:spcBef>
+                <a:spcPts val="0"/>
+              </a:spcBef>
+              <a:spcAft>
+                <a:spcPts val="0"/>
+              </a:spcAft>
+              <a:buSzPts val="1200"/>
+              <a:buNone/>
+              <a:defRPr sz="1200"/>
+            </a:lvl9pPr>
+          </a:lstStyle>
+          <a:p>
+            <a:endParaRPr/>
+          </a:p>
+        </p:txBody>
+      </p:sp>
+      <p:sp>
+        <p:nvSpPr>
+          <p:cNvPr id="26" name="Google Shape;26;p4"/>
+          <p:cNvSpPr txBox="1">
+            <a:spLocks noGrp="1"/>
+          </p:cNvSpPr>
+          <p:nvPr>
+            <p:ph type="subTitle" idx="7"/>
+          </p:nvPr>
+        </p:nvSpPr>
+        <p:spPr>
+          <a:xfrm>
+            <a:off x="5280206" y="2657791"/>
+            <a:ext cx="1906500" cy="572400"/>
+          </a:xfrm>
+          <a:prstGeom prst="rect">
+            <a:avLst/>
+          </a:prstGeom>
+        </p:spPr>
+        <p:txBody>
+          <a:bodyPr spcFirstLastPara="1" wrap="square" lIns="91425" tIns="91425" rIns="91425" bIns="91425" anchor="t" anchorCtr="0">
+            <a:noAutofit/>
+          </a:bodyPr>
+          <a:lstStyle>
+            <a:lvl1pPr lvl="0" rtl="0">
+              <a:lnSpc>
+                <a:spcPct val="100000"/>
+              </a:lnSpc>
+              <a:spcBef>
+                <a:spcPts val="0"/>
+              </a:spcBef>
+              <a:spcAft>
+                <a:spcPts val="0"/>
+              </a:spcAft>
+              <a:buSzPts val="1000"/>
+              <a:buNone/>
+              <a:defRPr sz="1000"/>
+            </a:lvl1pPr>
+            <a:lvl2pPr lvl="1" rtl="0">
+              <a:lnSpc>
+                <a:spcPct val="100000"/>
+              </a:lnSpc>
+              <a:spcBef>
+                <a:spcPts val="0"/>
+              </a:spcBef>
+              <a:spcAft>
+                <a:spcPts val="0"/>
+              </a:spcAft>
+              <a:buSzPts val="1000"/>
+              <a:buNone/>
+              <a:defRPr sz="1000"/>
+            </a:lvl2pPr>
+            <a:lvl3pPr lvl="2" rtl="0">
+              <a:lnSpc>
+                <a:spcPct val="100000"/>
+              </a:lnSpc>
+              <a:spcBef>
+                <a:spcPts val="0"/>
+              </a:spcBef>
+              <a:spcAft>
+                <a:spcPts val="0"/>
+              </a:spcAft>
+              <a:buSzPts val="1000"/>
+              <a:buNone/>
+              <a:defRPr sz="1000"/>
+            </a:lvl3pPr>
+            <a:lvl4pPr lvl="3" rtl="0">
+              <a:lnSpc>
+                <a:spcPct val="100000"/>
+              </a:lnSpc>
+              <a:spcBef>
+                <a:spcPts val="0"/>
+              </a:spcBef>
+              <a:spcAft>
+                <a:spcPts val="0"/>
+              </a:spcAft>
+              <a:buSzPts val="1000"/>
+              <a:buNone/>
+              <a:defRPr sz="1000"/>
+            </a:lvl4pPr>
+            <a:lvl5pPr lvl="4" rtl="0">
+              <a:lnSpc>
+                <a:spcPct val="100000"/>
+              </a:lnSpc>
+              <a:spcBef>
+                <a:spcPts val="0"/>
+              </a:spcBef>
+              <a:spcAft>
+                <a:spcPts val="0"/>
+              </a:spcAft>
+              <a:buSzPts val="1000"/>
+              <a:buNone/>
+              <a:defRPr sz="1000"/>
+            </a:lvl5pPr>
+            <a:lvl6pPr lvl="5" rtl="0">
+              <a:lnSpc>
+                <a:spcPct val="100000"/>
+              </a:lnSpc>
+              <a:spcBef>
+                <a:spcPts val="0"/>
+              </a:spcBef>
+              <a:spcAft>
+                <a:spcPts val="0"/>
+              </a:spcAft>
+              <a:buSzPts val="1000"/>
+              <a:buNone/>
+              <a:defRPr sz="1000"/>
+            </a:lvl6pPr>
+            <a:lvl7pPr lvl="6" rtl="0">
+              <a:lnSpc>
+                <a:spcPct val="100000"/>
+              </a:lnSpc>
+              <a:spcBef>
+                <a:spcPts val="0"/>
+              </a:spcBef>
+              <a:spcAft>
+                <a:spcPts val="0"/>
+              </a:spcAft>
+              <a:buSzPts val="1000"/>
+              <a:buNone/>
+              <a:defRPr sz="1000"/>
+            </a:lvl7pPr>
+            <a:lvl8pPr lvl="7" rtl="0">
+              <a:lnSpc>
+                <a:spcPct val="100000"/>
+              </a:lnSpc>
+              <a:spcBef>
+                <a:spcPts val="0"/>
+              </a:spcBef>
+              <a:spcAft>
+                <a:spcPts val="0"/>
+              </a:spcAft>
+              <a:buSzPts val="1000"/>
+              <a:buNone/>
+              <a:defRPr sz="1000"/>
+            </a:lvl8pPr>
+            <a:lvl9pPr lvl="8" rtl="0">
+              <a:lnSpc>
+                <a:spcPct val="100000"/>
+              </a:lnSpc>
+              <a:spcBef>
+                <a:spcPts val="0"/>
+              </a:spcBef>
+              <a:spcAft>
+                <a:spcPts val="0"/>
+              </a:spcAft>
+              <a:buSzPts val="1000"/>
+              <a:buNone/>
+              <a:defRPr sz="1000"/>
+            </a:lvl9pPr>
+          </a:lstStyle>
+          <a:p>
+            <a:endParaRPr/>
+          </a:p>
+        </p:txBody>
+      </p:sp>
+      <p:sp>
+        <p:nvSpPr>
+          <p:cNvPr id="27" name="Google Shape;27;p4"/>
+          <p:cNvSpPr txBox="1">
+            <a:spLocks noGrp="1"/>
+          </p:cNvSpPr>
+          <p:nvPr>
+            <p:ph type="title" idx="8" hasCustomPrompt="1"/>
+          </p:nvPr>
+        </p:nvSpPr>
+        <p:spPr>
+          <a:xfrm>
+            <a:off x="3426838" y="2242634"/>
+            <a:ext cx="1753800" cy="577800"/>
+          </a:xfrm>
+          <a:prstGeom prst="rect">
+            <a:avLst/>
+          </a:prstGeom>
+        </p:spPr>
+        <p:txBody>
+          <a:bodyPr spcFirstLastPara="1" wrap="square" lIns="91425" tIns="91425" rIns="91425" bIns="91425" anchor="ctr" anchorCtr="0">
+            <a:noAutofit/>
+          </a:bodyPr>
+          <a:lstStyle>
+            <a:lvl1pPr lvl="0" algn="ctr" rtl="0">
+              <a:spcBef>
+                <a:spcPts val="0"/>
+              </a:spcBef>
+              <a:spcAft>
+                <a:spcPts val="0"/>
+              </a:spcAft>
+              <a:buSzPts val="4800"/>
+              <a:buNone/>
+              <a:defRPr sz="4800"/>
+            </a:lvl1pPr>
+            <a:lvl2pPr lvl="1" algn="ctr" rtl="0">
+              <a:spcBef>
+                <a:spcPts val="0"/>
+              </a:spcBef>
+              <a:spcAft>
+                <a:spcPts val="0"/>
+              </a:spcAft>
+              <a:buSzPts val="4800"/>
+              <a:buFont typeface="Fira Sans Extra Condensed Medium"/>
+              <a:buNone/>
+              <a:defRPr sz="4800">
+                <a:latin typeface="Fira Sans Extra Condensed Medium"/>
+                <a:ea typeface="Fira Sans Extra Condensed Medium"/>
+                <a:cs typeface="Fira Sans Extra Condensed Medium"/>
+                <a:sym typeface="Fira Sans Extra Condensed Medium"/>
+              </a:defRPr>
+            </a:lvl2pPr>
+            <a:lvl3pPr lvl="2" algn="ctr" rtl="0">
+              <a:spcBef>
+                <a:spcPts val="0"/>
+              </a:spcBef>
+              <a:spcAft>
+                <a:spcPts val="0"/>
+              </a:spcAft>
+              <a:buSzPts val="4800"/>
+              <a:buFont typeface="Fira Sans Extra Condensed Medium"/>
+              <a:buNone/>
+              <a:defRPr sz="4800">
+                <a:latin typeface="Fira Sans Extra Condensed Medium"/>
+                <a:ea typeface="Fira Sans Extra Condensed Medium"/>
+                <a:cs typeface="Fira Sans Extra Condensed Medium"/>
+                <a:sym typeface="Fira Sans Extra Condensed Medium"/>
+              </a:defRPr>
+            </a:lvl3pPr>
+            <a:lvl4pPr lvl="3" algn="ctr" rtl="0">
+              <a:spcBef>
+                <a:spcPts val="0"/>
+              </a:spcBef>
+              <a:spcAft>
+                <a:spcPts val="0"/>
+              </a:spcAft>
+              <a:buSzPts val="4800"/>
+              <a:buFont typeface="Fira Sans Extra Condensed Medium"/>
+              <a:buNone/>
+              <a:defRPr sz="4800">
+                <a:latin typeface="Fira Sans Extra Condensed Medium"/>
+                <a:ea typeface="Fira Sans Extra Condensed Medium"/>
+                <a:cs typeface="Fira Sans Extra Condensed Medium"/>
+                <a:sym typeface="Fira Sans Extra Condensed Medium"/>
+              </a:defRPr>
+            </a:lvl4pPr>
+            <a:lvl5pPr lvl="4" algn="ctr" rtl="0">
+              <a:spcBef>
+                <a:spcPts val="0"/>
+              </a:spcBef>
+              <a:spcAft>
+                <a:spcPts val="0"/>
+              </a:spcAft>
+              <a:buSzPts val="4800"/>
+              <a:buFont typeface="Fira Sans Extra Condensed Medium"/>
+              <a:buNone/>
+              <a:defRPr sz="4800">
+                <a:latin typeface="Fira Sans Extra Condensed Medium"/>
+                <a:ea typeface="Fira Sans Extra Condensed Medium"/>
+                <a:cs typeface="Fira Sans Extra Condensed Medium"/>
+                <a:sym typeface="Fira Sans Extra Condensed Medium"/>
+              </a:defRPr>
+            </a:lvl5pPr>
+            <a:lvl6pPr lvl="5" algn="ctr" rtl="0">
+              <a:spcBef>
+                <a:spcPts val="0"/>
+              </a:spcBef>
+              <a:spcAft>
+                <a:spcPts val="0"/>
+              </a:spcAft>
+              <a:buSzPts val="4800"/>
+              <a:buFont typeface="Fira Sans Extra Condensed Medium"/>
+              <a:buNone/>
+              <a:defRPr sz="4800">
+                <a:latin typeface="Fira Sans Extra Condensed Medium"/>
+                <a:ea typeface="Fira Sans Extra Condensed Medium"/>
+                <a:cs typeface="Fira Sans Extra Condensed Medium"/>
+                <a:sym typeface="Fira Sans Extra Condensed Medium"/>
+              </a:defRPr>
+            </a:lvl6pPr>
+            <a:lvl7pPr lvl="6" algn="ctr" rtl="0">
+              <a:spcBef>
+                <a:spcPts val="0"/>
+              </a:spcBef>
+              <a:spcAft>
+                <a:spcPts val="0"/>
+              </a:spcAft>
+              <a:buSzPts val="4800"/>
+              <a:buFont typeface="Fira Sans Extra Condensed Medium"/>
+              <a:buNone/>
+              <a:defRPr sz="4800">
+                <a:latin typeface="Fira Sans Extra Condensed Medium"/>
+                <a:ea typeface="Fira Sans Extra Condensed Medium"/>
+                <a:cs typeface="Fira Sans Extra Condensed Medium"/>
+                <a:sym typeface="Fira Sans Extra Condensed Medium"/>
+              </a:defRPr>
+            </a:lvl7pPr>
+            <a:lvl8pPr lvl="7" algn="ctr" rtl="0">
+              <a:spcBef>
+                <a:spcPts val="0"/>
+              </a:spcBef>
+              <a:spcAft>
+                <a:spcPts val="0"/>
+              </a:spcAft>
+              <a:buSzPts val="4800"/>
+              <a:buFont typeface="Fira Sans Extra Condensed Medium"/>
+              <a:buNone/>
+              <a:defRPr sz="4800">
+                <a:latin typeface="Fira Sans Extra Condensed Medium"/>
+                <a:ea typeface="Fira Sans Extra Condensed Medium"/>
+                <a:cs typeface="Fira Sans Extra Condensed Medium"/>
+                <a:sym typeface="Fira Sans Extra Condensed Medium"/>
+              </a:defRPr>
+            </a:lvl8pPr>
+            <a:lvl9pPr lvl="8" algn="ctr" rtl="0">
+              <a:spcBef>
+                <a:spcPts val="0"/>
+              </a:spcBef>
+              <a:spcAft>
+                <a:spcPts val="0"/>
+              </a:spcAft>
+              <a:buSzPts val="4800"/>
+              <a:buFont typeface="Fira Sans Extra Condensed Medium"/>
+              <a:buNone/>
+              <a:defRPr sz="4800">
+                <a:latin typeface="Fira Sans Extra Condensed Medium"/>
+                <a:ea typeface="Fira Sans Extra Condensed Medium"/>
+                <a:cs typeface="Fira Sans Extra Condensed Medium"/>
+                <a:sym typeface="Fira Sans Extra Condensed Medium"/>
+              </a:defRPr>
+            </a:lvl9pPr>
+          </a:lstStyle>
+          <a:p>
+            <a:r>
+              <a:t>xx%</a:t>
+            </a:r>
+          </a:p>
+        </p:txBody>
+      </p:sp>
+      <p:sp>
+        <p:nvSpPr>
+          <p:cNvPr id="28" name="Google Shape;28;p4"/>
+          <p:cNvSpPr txBox="1">
+            <a:spLocks noGrp="1"/>
+          </p:cNvSpPr>
+          <p:nvPr>
+            <p:ph type="ctrTitle" idx="9"/>
+          </p:nvPr>
+        </p:nvSpPr>
+        <p:spPr>
+          <a:xfrm>
+            <a:off x="6444878" y="3030582"/>
+            <a:ext cx="2251800" cy="577800"/>
+          </a:xfrm>
+          <a:prstGeom prst="rect">
+            <a:avLst/>
+          </a:prstGeom>
+        </p:spPr>
+        <p:txBody>
+          <a:bodyPr spcFirstLastPara="1" wrap="square" lIns="91425" tIns="91425" rIns="91425" bIns="91425" anchor="b" anchorCtr="0">
+            <a:noAutofit/>
+          </a:bodyPr>
+          <a:lstStyle>
+            <a:lvl1pPr lvl="0" rtl="0">
+              <a:spcBef>
+                <a:spcPts val="0"/>
+              </a:spcBef>
+              <a:spcAft>
+                <a:spcPts val="0"/>
+              </a:spcAft>
+              <a:buSzPts val="1200"/>
+              <a:buNone/>
+              <a:defRPr sz="1200"/>
+            </a:lvl1pPr>
+            <a:lvl2pPr lvl="1" rtl="0">
+              <a:spcBef>
+                <a:spcPts val="0"/>
+              </a:spcBef>
+              <a:spcAft>
+                <a:spcPts val="0"/>
+              </a:spcAft>
+              <a:buSzPts val="1200"/>
+              <a:buNone/>
+              <a:defRPr sz="1200"/>
+            </a:lvl2pPr>
+            <a:lvl3pPr lvl="2" rtl="0">
+              <a:spcBef>
+                <a:spcPts val="0"/>
+              </a:spcBef>
+              <a:spcAft>
+                <a:spcPts val="0"/>
+              </a:spcAft>
+              <a:buSzPts val="1200"/>
+              <a:buNone/>
+              <a:defRPr sz="1200"/>
+            </a:lvl3pPr>
+            <a:lvl4pPr lvl="3" rtl="0">
+              <a:spcBef>
+                <a:spcPts val="0"/>
+              </a:spcBef>
+              <a:spcAft>
+                <a:spcPts val="0"/>
+              </a:spcAft>
+              <a:buSzPts val="1200"/>
+              <a:buNone/>
+              <a:defRPr sz="1200"/>
+            </a:lvl4pPr>
+            <a:lvl5pPr lvl="4" rtl="0">
+              <a:spcBef>
+                <a:spcPts val="0"/>
+              </a:spcBef>
+              <a:spcAft>
+                <a:spcPts val="0"/>
+              </a:spcAft>
+              <a:buSzPts val="1200"/>
+              <a:buNone/>
+              <a:defRPr sz="1200"/>
+            </a:lvl5pPr>
+            <a:lvl6pPr lvl="5" rtl="0">
+              <a:spcBef>
+                <a:spcPts val="0"/>
+              </a:spcBef>
+              <a:spcAft>
+                <a:spcPts val="0"/>
+              </a:spcAft>
+              <a:buSzPts val="1200"/>
+              <a:buNone/>
+              <a:defRPr sz="1200"/>
+            </a:lvl6pPr>
+            <a:lvl7pPr lvl="6" rtl="0">
+              <a:spcBef>
+                <a:spcPts val="0"/>
+              </a:spcBef>
+              <a:spcAft>
+                <a:spcPts val="0"/>
+              </a:spcAft>
+              <a:buSzPts val="1200"/>
+              <a:buNone/>
+              <a:defRPr sz="1200"/>
+            </a:lvl7pPr>
+            <a:lvl8pPr lvl="7" rtl="0">
+              <a:spcBef>
+                <a:spcPts val="0"/>
+              </a:spcBef>
+              <a:spcAft>
+                <a:spcPts val="0"/>
+              </a:spcAft>
+              <a:buSzPts val="1200"/>
+              <a:buNone/>
+              <a:defRPr sz="1200"/>
+            </a:lvl8pPr>
+            <a:lvl9pPr lvl="8" rtl="0">
+              <a:spcBef>
+                <a:spcPts val="0"/>
+              </a:spcBef>
+              <a:spcAft>
+                <a:spcPts val="0"/>
+              </a:spcAft>
+              <a:buSzPts val="1200"/>
+              <a:buNone/>
+              <a:defRPr sz="1200"/>
+            </a:lvl9pPr>
+          </a:lstStyle>
+          <a:p>
+            <a:endParaRPr/>
+          </a:p>
+        </p:txBody>
+      </p:sp>
+      <p:sp>
+        <p:nvSpPr>
+          <p:cNvPr id="29" name="Google Shape;29;p4"/>
+          <p:cNvSpPr txBox="1">
+            <a:spLocks noGrp="1"/>
+          </p:cNvSpPr>
+          <p:nvPr>
+            <p:ph type="subTitle" idx="13"/>
+          </p:nvPr>
+        </p:nvSpPr>
+        <p:spPr>
+          <a:xfrm>
+            <a:off x="6444878" y="3445631"/>
+            <a:ext cx="1906500" cy="572400"/>
+          </a:xfrm>
+          <a:prstGeom prst="rect">
+            <a:avLst/>
+          </a:prstGeom>
+        </p:spPr>
+        <p:txBody>
+          <a:bodyPr spcFirstLastPara="1" wrap="square" lIns="91425" tIns="91425" rIns="91425" bIns="91425" anchor="t" anchorCtr="0">
+            <a:noAutofit/>
+          </a:bodyPr>
+          <a:lstStyle>
+            <a:lvl1pPr lvl="0" rtl="0">
+              <a:lnSpc>
+                <a:spcPct val="100000"/>
+              </a:lnSpc>
+              <a:spcBef>
+                <a:spcPts val="0"/>
+              </a:spcBef>
+              <a:spcAft>
+                <a:spcPts val="0"/>
+              </a:spcAft>
+              <a:buSzPts val="1000"/>
+              <a:buNone/>
+              <a:defRPr sz="1000"/>
+            </a:lvl1pPr>
+            <a:lvl2pPr lvl="1" rtl="0">
+              <a:lnSpc>
+                <a:spcPct val="100000"/>
+              </a:lnSpc>
+              <a:spcBef>
+                <a:spcPts val="0"/>
+              </a:spcBef>
+              <a:spcAft>
+                <a:spcPts val="0"/>
+              </a:spcAft>
+              <a:buSzPts val="1000"/>
+              <a:buNone/>
+              <a:defRPr sz="1000"/>
+            </a:lvl2pPr>
+            <a:lvl3pPr lvl="2" rtl="0">
+              <a:lnSpc>
+                <a:spcPct val="100000"/>
+              </a:lnSpc>
+              <a:spcBef>
+                <a:spcPts val="0"/>
+              </a:spcBef>
+              <a:spcAft>
+                <a:spcPts val="0"/>
+              </a:spcAft>
+              <a:buSzPts val="1000"/>
+              <a:buNone/>
+              <a:defRPr sz="1000"/>
+            </a:lvl3pPr>
+            <a:lvl4pPr lvl="3" rtl="0">
+              <a:lnSpc>
+                <a:spcPct val="100000"/>
+              </a:lnSpc>
+              <a:spcBef>
+                <a:spcPts val="0"/>
+              </a:spcBef>
+              <a:spcAft>
+                <a:spcPts val="0"/>
+              </a:spcAft>
+              <a:buSzPts val="1000"/>
+              <a:buNone/>
+              <a:defRPr sz="1000"/>
+            </a:lvl4pPr>
+            <a:lvl5pPr lvl="4" rtl="0">
+              <a:lnSpc>
+                <a:spcPct val="100000"/>
+              </a:lnSpc>
+              <a:spcBef>
+                <a:spcPts val="0"/>
+              </a:spcBef>
+              <a:spcAft>
+                <a:spcPts val="0"/>
+              </a:spcAft>
+              <a:buSzPts val="1000"/>
+              <a:buNone/>
+              <a:defRPr sz="1000"/>
+            </a:lvl5pPr>
+            <a:lvl6pPr lvl="5" rtl="0">
+              <a:lnSpc>
+                <a:spcPct val="100000"/>
+              </a:lnSpc>
+              <a:spcBef>
+                <a:spcPts val="0"/>
+              </a:spcBef>
+              <a:spcAft>
+                <a:spcPts val="0"/>
+              </a:spcAft>
+              <a:buSzPts val="1000"/>
+              <a:buNone/>
+              <a:defRPr sz="1000"/>
+            </a:lvl6pPr>
+            <a:lvl7pPr lvl="6" rtl="0">
+              <a:lnSpc>
+                <a:spcPct val="100000"/>
+              </a:lnSpc>
+              <a:spcBef>
+                <a:spcPts val="0"/>
+              </a:spcBef>
+              <a:spcAft>
+                <a:spcPts val="0"/>
+              </a:spcAft>
+              <a:buSzPts val="1000"/>
+              <a:buNone/>
+              <a:defRPr sz="1000"/>
+            </a:lvl7pPr>
+            <a:lvl8pPr lvl="7" rtl="0">
+              <a:lnSpc>
+                <a:spcPct val="100000"/>
+              </a:lnSpc>
+              <a:spcBef>
+                <a:spcPts val="0"/>
+              </a:spcBef>
+              <a:spcAft>
+                <a:spcPts val="0"/>
+              </a:spcAft>
+              <a:buSzPts val="1000"/>
+              <a:buNone/>
+              <a:defRPr sz="1000"/>
+            </a:lvl8pPr>
+            <a:lvl9pPr lvl="8" rtl="0">
+              <a:lnSpc>
+                <a:spcPct val="100000"/>
+              </a:lnSpc>
+              <a:spcBef>
+                <a:spcPts val="0"/>
+              </a:spcBef>
+              <a:spcAft>
+                <a:spcPts val="0"/>
+              </a:spcAft>
+              <a:buSzPts val="1000"/>
+              <a:buNone/>
+              <a:defRPr sz="1000"/>
+            </a:lvl9pPr>
+          </a:lstStyle>
+          <a:p>
+            <a:endParaRPr/>
+          </a:p>
+        </p:txBody>
+      </p:sp>
+      <p:sp>
+        <p:nvSpPr>
+          <p:cNvPr id="30" name="Google Shape;30;p4"/>
+          <p:cNvSpPr txBox="1">
+            <a:spLocks noGrp="1"/>
+          </p:cNvSpPr>
+          <p:nvPr>
+            <p:ph type="title" idx="14" hasCustomPrompt="1"/>
+          </p:nvPr>
+        </p:nvSpPr>
+        <p:spPr>
+          <a:xfrm>
+            <a:off x="2438988" y="1570510"/>
+            <a:ext cx="1753800" cy="577800"/>
+          </a:xfrm>
+          <a:prstGeom prst="rect">
+            <a:avLst/>
+          </a:prstGeom>
+        </p:spPr>
+        <p:txBody>
+          <a:bodyPr spcFirstLastPara="1" wrap="square" lIns="91425" tIns="91425" rIns="91425" bIns="91425" anchor="ctr" anchorCtr="0">
+            <a:noAutofit/>
+          </a:bodyPr>
+          <a:lstStyle>
+            <a:lvl1pPr lvl="0" algn="ctr" rtl="0">
+              <a:spcBef>
+                <a:spcPts val="0"/>
+              </a:spcBef>
+              <a:spcAft>
+                <a:spcPts val="0"/>
+              </a:spcAft>
+              <a:buSzPts val="4800"/>
+              <a:buNone/>
+              <a:defRPr sz="4800"/>
+            </a:lvl1pPr>
+            <a:lvl2pPr lvl="1" algn="ctr" rtl="0">
+              <a:spcBef>
+                <a:spcPts val="0"/>
+              </a:spcBef>
+              <a:spcAft>
+                <a:spcPts val="0"/>
+              </a:spcAft>
+              <a:buSzPts val="4800"/>
+              <a:buFont typeface="Fira Sans Extra Condensed Medium"/>
+              <a:buNone/>
+              <a:defRPr sz="4800">
+                <a:latin typeface="Fira Sans Extra Condensed Medium"/>
+                <a:ea typeface="Fira Sans Extra Condensed Medium"/>
+                <a:cs typeface="Fira Sans Extra Condensed Medium"/>
+                <a:sym typeface="Fira Sans Extra Condensed Medium"/>
+              </a:defRPr>
+            </a:lvl2pPr>
+            <a:lvl3pPr lvl="2" algn="ctr" rtl="0">
+              <a:spcBef>
+                <a:spcPts val="0"/>
+              </a:spcBef>
+              <a:spcAft>
+                <a:spcPts val="0"/>
+              </a:spcAft>
+              <a:buSzPts val="4800"/>
+              <a:buFont typeface="Fira Sans Extra Condensed Medium"/>
+              <a:buNone/>
+              <a:defRPr sz="4800">
+                <a:latin typeface="Fira Sans Extra Condensed Medium"/>
+                <a:ea typeface="Fira Sans Extra Condensed Medium"/>
+                <a:cs typeface="Fira Sans Extra Condensed Medium"/>
+                <a:sym typeface="Fira Sans Extra Condensed Medium"/>
+              </a:defRPr>
+            </a:lvl3pPr>
+            <a:lvl4pPr lvl="3" algn="ctr" rtl="0">
+              <a:spcBef>
+                <a:spcPts val="0"/>
+              </a:spcBef>
+              <a:spcAft>
+                <a:spcPts val="0"/>
+              </a:spcAft>
+              <a:buSzPts val="4800"/>
+              <a:buFont typeface="Fira Sans Extra Condensed Medium"/>
+              <a:buNone/>
+              <a:defRPr sz="4800">
+                <a:latin typeface="Fira Sans Extra Condensed Medium"/>
+                <a:ea typeface="Fira Sans Extra Condensed Medium"/>
+                <a:cs typeface="Fira Sans Extra Condensed Medium"/>
+                <a:sym typeface="Fira Sans Extra Condensed Medium"/>
+              </a:defRPr>
+            </a:lvl4pPr>
+            <a:lvl5pPr lvl="4" algn="ctr" rtl="0">
+              <a:spcBef>
+                <a:spcPts val="0"/>
+              </a:spcBef>
+              <a:spcAft>
+                <a:spcPts val="0"/>
+              </a:spcAft>
+              <a:buSzPts val="4800"/>
+              <a:buFont typeface="Fira Sans Extra Condensed Medium"/>
+              <a:buNone/>
+              <a:defRPr sz="4800">
+                <a:latin typeface="Fira Sans Extra Condensed Medium"/>
+                <a:ea typeface="Fira Sans Extra Condensed Medium"/>
+                <a:cs typeface="Fira Sans Extra Condensed Medium"/>
+                <a:sym typeface="Fira Sans Extra Condensed Medium"/>
+              </a:defRPr>
+            </a:lvl5pPr>
+            <a:lvl6pPr lvl="5" algn="ctr" rtl="0">
+              <a:spcBef>
+                <a:spcPts val="0"/>
+              </a:spcBef>
+              <a:spcAft>
+                <a:spcPts val="0"/>
+              </a:spcAft>
+              <a:buSzPts val="4800"/>
+              <a:buFont typeface="Fira Sans Extra Condensed Medium"/>
+              <a:buNone/>
+              <a:defRPr sz="4800">
+                <a:latin typeface="Fira Sans Extra Condensed Medium"/>
+                <a:ea typeface="Fira Sans Extra Condensed Medium"/>
+                <a:cs typeface="Fira Sans Extra Condensed Medium"/>
+                <a:sym typeface="Fira Sans Extra Condensed Medium"/>
+              </a:defRPr>
+            </a:lvl6pPr>
+            <a:lvl7pPr lvl="6" algn="ctr" rtl="0">
+              <a:spcBef>
+                <a:spcPts val="0"/>
+              </a:spcBef>
+              <a:spcAft>
+                <a:spcPts val="0"/>
+              </a:spcAft>
+              <a:buSzPts val="4800"/>
+              <a:buFont typeface="Fira Sans Extra Condensed Medium"/>
+              <a:buNone/>
+              <a:defRPr sz="4800">
+                <a:latin typeface="Fira Sans Extra Condensed Medium"/>
+                <a:ea typeface="Fira Sans Extra Condensed Medium"/>
+                <a:cs typeface="Fira Sans Extra Condensed Medium"/>
+                <a:sym typeface="Fira Sans Extra Condensed Medium"/>
+              </a:defRPr>
+            </a:lvl7pPr>
+            <a:lvl8pPr lvl="7" algn="ctr" rtl="0">
+              <a:spcBef>
+                <a:spcPts val="0"/>
+              </a:spcBef>
+              <a:spcAft>
+                <a:spcPts val="0"/>
+              </a:spcAft>
+              <a:buSzPts val="4800"/>
+              <a:buFont typeface="Fira Sans Extra Condensed Medium"/>
+              <a:buNone/>
+              <a:defRPr sz="4800">
+                <a:latin typeface="Fira Sans Extra Condensed Medium"/>
+                <a:ea typeface="Fira Sans Extra Condensed Medium"/>
+                <a:cs typeface="Fira Sans Extra Condensed Medium"/>
+                <a:sym typeface="Fira Sans Extra Condensed Medium"/>
+              </a:defRPr>
+            </a:lvl8pPr>
+            <a:lvl9pPr lvl="8" algn="ctr" rtl="0">
+              <a:spcBef>
+                <a:spcPts val="0"/>
+              </a:spcBef>
+              <a:spcAft>
+                <a:spcPts val="0"/>
+              </a:spcAft>
+              <a:buSzPts val="4800"/>
+              <a:buFont typeface="Fira Sans Extra Condensed Medium"/>
+              <a:buNone/>
+              <a:defRPr sz="4800">
+                <a:latin typeface="Fira Sans Extra Condensed Medium"/>
+                <a:ea typeface="Fira Sans Extra Condensed Medium"/>
+                <a:cs typeface="Fira Sans Extra Condensed Medium"/>
+                <a:sym typeface="Fira Sans Extra Condensed Medium"/>
+              </a:defRPr>
+            </a:lvl9pPr>
+          </a:lstStyle>
+          <a:p>
+            <a:r>
+              <a:t>xx%</a:t>
+            </a:r>
+          </a:p>
+        </p:txBody>
+      </p:sp>
+      <p:sp>
+        <p:nvSpPr>
+          <p:cNvPr id="31" name="Google Shape;31;p4"/>
+          <p:cNvSpPr txBox="1">
+            <a:spLocks noGrp="1"/>
+          </p:cNvSpPr>
+          <p:nvPr>
+            <p:ph type="ctrTitle" idx="15"/>
+          </p:nvPr>
+        </p:nvSpPr>
+        <p:spPr>
+          <a:xfrm>
+            <a:off x="720000" y="377975"/>
+            <a:ext cx="1337400" cy="946200"/>
+          </a:xfrm>
+          <a:prstGeom prst="rect">
+            <a:avLst/>
+          </a:prstGeom>
+        </p:spPr>
+        <p:txBody>
+          <a:bodyPr spcFirstLastPara="1" wrap="square" lIns="91425" tIns="91425" rIns="91425" bIns="91425" anchor="ctr" anchorCtr="0">
+            <a:noAutofit/>
+          </a:bodyPr>
+          <a:lstStyle>
+            <a:lvl1pPr lvl="0" rtl="0">
+              <a:spcBef>
+                <a:spcPts val="0"/>
+              </a:spcBef>
+              <a:spcAft>
+                <a:spcPts val="0"/>
+              </a:spcAft>
+              <a:buSzPts val="1400"/>
+              <a:buNone/>
+              <a:defRPr sz="1400"/>
+            </a:lvl1pPr>
+            <a:lvl2pPr lvl="1" algn="ctr" rtl="0">
+              <a:spcBef>
+                <a:spcPts val="0"/>
+              </a:spcBef>
+              <a:spcAft>
+                <a:spcPts val="0"/>
+              </a:spcAft>
+              <a:buSzPts val="1400"/>
+              <a:buNone/>
+              <a:defRPr sz="1400"/>
+            </a:lvl2pPr>
+            <a:lvl3pPr lvl="2" algn="ctr" rtl="0">
+              <a:spcBef>
+                <a:spcPts val="0"/>
+              </a:spcBef>
+              <a:spcAft>
+                <a:spcPts val="0"/>
+              </a:spcAft>
+              <a:buSzPts val="1400"/>
+              <a:buNone/>
+              <a:defRPr sz="1400"/>
+            </a:lvl3pPr>
+            <a:lvl4pPr lvl="3" algn="ctr" rtl="0">
+              <a:spcBef>
+                <a:spcPts val="0"/>
+              </a:spcBef>
+              <a:spcAft>
+                <a:spcPts val="0"/>
+              </a:spcAft>
+              <a:buSzPts val="1400"/>
+              <a:buNone/>
+              <a:defRPr sz="1400"/>
+            </a:lvl4pPr>
+            <a:lvl5pPr lvl="4" algn="ctr" rtl="0">
+              <a:spcBef>
+                <a:spcPts val="0"/>
+              </a:spcBef>
+              <a:spcAft>
+                <a:spcPts val="0"/>
+              </a:spcAft>
+              <a:buSzPts val="1400"/>
+              <a:buNone/>
+              <a:defRPr sz="1400"/>
+            </a:lvl5pPr>
+            <a:lvl6pPr lvl="5" algn="ctr" rtl="0">
+              <a:spcBef>
+                <a:spcPts val="0"/>
+              </a:spcBef>
+              <a:spcAft>
+                <a:spcPts val="0"/>
+              </a:spcAft>
+              <a:buSzPts val="1400"/>
+              <a:buNone/>
+              <a:defRPr sz="1400"/>
+            </a:lvl6pPr>
+            <a:lvl7pPr lvl="6" algn="ctr" rtl="0">
+              <a:spcBef>
+                <a:spcPts val="0"/>
+              </a:spcBef>
+              <a:spcAft>
+                <a:spcPts val="0"/>
+              </a:spcAft>
+              <a:buSzPts val="1400"/>
+              <a:buNone/>
+              <a:defRPr sz="1400"/>
+            </a:lvl7pPr>
+            <a:lvl8pPr lvl="7" algn="ctr" rtl="0">
+              <a:spcBef>
+                <a:spcPts val="0"/>
+              </a:spcBef>
+              <a:spcAft>
+                <a:spcPts val="0"/>
+              </a:spcAft>
+              <a:buSzPts val="1400"/>
+              <a:buNone/>
+              <a:defRPr sz="1400"/>
+            </a:lvl8pPr>
+            <a:lvl9pPr lvl="8" algn="ctr" rtl="0">
+              <a:spcBef>
+                <a:spcPts val="0"/>
+              </a:spcBef>
+              <a:spcAft>
+                <a:spcPts val="0"/>
+              </a:spcAft>
+              <a:buSzPts val="1400"/>
+              <a:buNone/>
+              <a:defRPr sz="1400"/>
+            </a:lvl9pPr>
+          </a:lstStyle>
+          <a:p>
+            <a:endParaRPr/>
+          </a:p>
+        </p:txBody>
+      </p:sp>
+      <p:sp>
+        <p:nvSpPr>
+          <p:cNvPr id="32" name="Google Shape;32;p4"/>
+          <p:cNvSpPr/>
+          <p:nvPr/>
+        </p:nvSpPr>
+        <p:spPr>
+          <a:xfrm>
+            <a:off x="-92200" y="550200"/>
+            <a:ext cx="1781700" cy="630000"/>
+          </a:xfrm>
+          <a:prstGeom prst="rect">
+            <a:avLst/>
+          </a:prstGeom>
+          <a:noFill/>
+          <a:ln w="9525" cap="flat" cmpd="sng">
+            <a:solidFill>
+              <a:schemeClr val="lt1"/>
+            </a:solidFill>
+            <a:prstDash val="solid"/>
+            <a:round/>
+            <a:headEnd type="none" w="sm" len="sm"/>
+            <a:tailEnd type="none" w="sm" len="sm"/>
+          </a:ln>
+        </p:spPr>
+        <p:txBody>
+          <a:bodyPr spcFirstLastPara="1" wrap="square" lIns="91425" tIns="91425" rIns="91425" bIns="91425" anchor="ctr" anchorCtr="0">
+            <a:noAutofit/>
+          </a:bodyPr>
+          <a:lstStyle/>
+          <a:p>
+            <a:pPr marL="0" lvl="0" indent="0" algn="l" rtl="0">
+              <a:spcBef>
+                <a:spcPts val="0"/>
+              </a:spcBef>
+              <a:spcAft>
+                <a:spcPts val="0"/>
+              </a:spcAft>
+              <a:buNone/>
+            </a:pPr>
+            <a:endParaRPr/>
+          </a:p>
+        </p:txBody>
+      </p:sp>
+      <p:pic>
+        <p:nvPicPr>
+          <p:cNvPr id="33" name="Google Shape;33;p4"/>
+          <p:cNvPicPr preferRelativeResize="0"/>
+          <p:nvPr/>
+        </p:nvPicPr>
+        <p:blipFill rotWithShape="1">
+          <a:blip r:embed="rId2">
+            <a:alphaModFix/>
+          </a:blip>
+          <a:srcRect l="-5163" r="-5163"/>
+          <a:stretch/>
+        </p:blipFill>
+        <p:spPr>
+          <a:xfrm>
+            <a:off x="1858738" y="998175"/>
+            <a:ext cx="627975" cy="1192426"/>
+          </a:xfrm>
+          <a:prstGeom prst="rect">
+            <a:avLst/>
+          </a:prstGeom>
+          <a:noFill/>
+          <a:ln>
+            <a:noFill/>
+          </a:ln>
+        </p:spPr>
+      </p:pic>
+      <p:pic>
+        <p:nvPicPr>
+          <p:cNvPr id="34" name="Google Shape;34;p4"/>
+          <p:cNvPicPr preferRelativeResize="0"/>
+          <p:nvPr/>
+        </p:nvPicPr>
+        <p:blipFill rotWithShape="1">
+          <a:blip r:embed="rId3">
+            <a:alphaModFix/>
+          </a:blip>
+          <a:srcRect l="-6985" r="-6974"/>
+          <a:stretch/>
+        </p:blipFill>
+        <p:spPr>
+          <a:xfrm>
+            <a:off x="3143619" y="1788688"/>
+            <a:ext cx="587575" cy="1192425"/>
+          </a:xfrm>
+          <a:prstGeom prst="rect">
+            <a:avLst/>
+          </a:prstGeom>
+          <a:noFill/>
+          <a:ln>
+            <a:noFill/>
+          </a:ln>
+        </p:spPr>
+      </p:pic>
+      <p:pic>
+        <p:nvPicPr>
+          <p:cNvPr id="35" name="Google Shape;35;p4"/>
+          <p:cNvPicPr preferRelativeResize="0"/>
+          <p:nvPr/>
+        </p:nvPicPr>
+        <p:blipFill rotWithShape="1">
+          <a:blip r:embed="rId4">
+            <a:alphaModFix/>
+          </a:blip>
+          <a:srcRect l="-1093" r="-1083"/>
+          <a:stretch/>
+        </p:blipFill>
+        <p:spPr>
+          <a:xfrm>
+            <a:off x="5571661" y="3375372"/>
+            <a:ext cx="661125" cy="1163225"/>
+          </a:xfrm>
+          <a:prstGeom prst="rect">
+            <a:avLst/>
+          </a:prstGeom>
+          <a:noFill/>
+          <a:ln>
+            <a:noFill/>
+          </a:ln>
+        </p:spPr>
+      </p:pic>
+      <p:pic>
+        <p:nvPicPr>
+          <p:cNvPr id="36" name="Google Shape;36;p4"/>
+          <p:cNvPicPr preferRelativeResize="0"/>
+          <p:nvPr/>
+        </p:nvPicPr>
+        <p:blipFill rotWithShape="1">
+          <a:blip r:embed="rId5">
+            <a:alphaModFix/>
+          </a:blip>
+          <a:srcRect l="-17075" r="-17062"/>
+          <a:stretch/>
+        </p:blipFill>
+        <p:spPr>
+          <a:xfrm>
+            <a:off x="4312130" y="2586506"/>
+            <a:ext cx="759475" cy="1209551"/>
+          </a:xfrm>
+          <a:prstGeom prst="rect">
+            <a:avLst/>
+          </a:prstGeom>
+          <a:noFill/>
+          <a:ln>
+            <a:noFill/>
+          </a:ln>
+        </p:spPr>
+      </p:pic>
+    </p:spTree>
+    <p:extLst>
+      <p:ext uri="{BB962C8B-B14F-4D97-AF65-F5344CB8AC3E}">
+        <p14:creationId xmlns:p14="http://schemas.microsoft.com/office/powerpoint/2010/main" val="2039889722"/>
+      </p:ext>
+    </p:extLst>
   </p:cSld>
   <p:clrMapOvr>
     <a:masterClrMapping/>
@@ -5667,6 +7946,7 @@
     <p:sldLayoutId id="2147483660" r:id="rId7"/>
     <p:sldLayoutId id="2147483663" r:id="rId8"/>
     <p:sldLayoutId id="2147483664" r:id="rId9"/>
+    <p:sldLayoutId id="2147483665" r:id="rId10"/>
   </p:sldLayoutIdLst>
   <p:hf hdr="0" ftr="0" dt="0"/>
   <p:txStyles>
@@ -12431,6 +14711,325 @@
   <p:cSld>
     <p:spTree>
       <p:nvGrpSpPr>
+        <p:cNvPr id="1" name="Shape 157"/>
+        <p:cNvGrpSpPr/>
+        <p:nvPr/>
+      </p:nvGrpSpPr>
+      <p:grpSpPr>
+        <a:xfrm>
+          <a:off x="0" y="0"/>
+          <a:ext cx="0" cy="0"/>
+          <a:chOff x="0" y="0"/>
+          <a:chExt cx="0" cy="0"/>
+        </a:xfrm>
+      </p:grpSpPr>
+      <p:sp>
+        <p:nvSpPr>
+          <p:cNvPr id="158" name="Google Shape;158;p17"/>
+          <p:cNvSpPr txBox="1">
+            <a:spLocks noGrp="1"/>
+          </p:cNvSpPr>
+          <p:nvPr>
+            <p:ph type="subTitle" idx="1"/>
+          </p:nvPr>
+        </p:nvSpPr>
+        <p:spPr>
+          <a:xfrm>
+            <a:off x="2597550" y="692650"/>
+            <a:ext cx="3667500" cy="655500"/>
+          </a:xfrm>
+          <a:prstGeom prst="rect">
+            <a:avLst/>
+          </a:prstGeom>
+        </p:spPr>
+        <p:txBody>
+          <a:bodyPr spcFirstLastPara="1" wrap="square" lIns="91425" tIns="91425" rIns="91425" bIns="91425" anchor="t" anchorCtr="0">
+            <a:noAutofit/>
+          </a:bodyPr>
+          <a:lstStyle/>
+          <a:p>
+            <a:pPr marL="0" lvl="0" indent="0" algn="l" rtl="0">
+              <a:spcBef>
+                <a:spcPts val="0"/>
+              </a:spcBef>
+              <a:spcAft>
+                <a:spcPts val="0"/>
+              </a:spcAft>
+              <a:buNone/>
+            </a:pPr>
+            <a:r>
+              <a:rPr lang="es" sz="1200"/>
+              <a:t>Las aplicaciones de IoT pueden ser implementadas de manera que ayuden a reducir la contaminación del aire, agua y suelo  mediante el monitoreo de su calidad en tiempo real.</a:t>
+            </a:r>
+            <a:endParaRPr sz="1200"/>
+          </a:p>
+        </p:txBody>
+      </p:sp>
+      <p:sp>
+        <p:nvSpPr>
+          <p:cNvPr id="159" name="Google Shape;159;p17"/>
+          <p:cNvSpPr txBox="1">
+            <a:spLocks noGrp="1"/>
+          </p:cNvSpPr>
+          <p:nvPr>
+            <p:ph type="subTitle" idx="4"/>
+          </p:nvPr>
+        </p:nvSpPr>
+        <p:spPr>
+          <a:xfrm>
+            <a:off x="3851950" y="1722050"/>
+            <a:ext cx="2764500" cy="705600"/>
+          </a:xfrm>
+          <a:prstGeom prst="rect">
+            <a:avLst/>
+          </a:prstGeom>
+        </p:spPr>
+        <p:txBody>
+          <a:bodyPr spcFirstLastPara="1" wrap="square" lIns="91425" tIns="91425" rIns="91425" bIns="91425" anchor="t" anchorCtr="0">
+            <a:noAutofit/>
+          </a:bodyPr>
+          <a:lstStyle/>
+          <a:p>
+            <a:pPr marL="0" lvl="0" indent="0" algn="l" rtl="0">
+              <a:spcBef>
+                <a:spcPts val="0"/>
+              </a:spcBef>
+              <a:spcAft>
+                <a:spcPts val="0"/>
+              </a:spcAft>
+              <a:buNone/>
+            </a:pPr>
+            <a:r>
+              <a:rPr lang="es" sz="1200"/>
+              <a:t>Inclusive, los datos recolectados pueden ser analizados para descubrir causas y fluctuaciones en la contaminación.</a:t>
+            </a:r>
+            <a:endParaRPr sz="1200"/>
+          </a:p>
+        </p:txBody>
+      </p:sp>
+      <p:sp>
+        <p:nvSpPr>
+          <p:cNvPr id="160" name="Google Shape;160;p17"/>
+          <p:cNvSpPr txBox="1">
+            <a:spLocks noGrp="1"/>
+          </p:cNvSpPr>
+          <p:nvPr>
+            <p:ph type="subTitle" idx="7"/>
+          </p:nvPr>
+        </p:nvSpPr>
+        <p:spPr>
+          <a:xfrm>
+            <a:off x="5144275" y="2650425"/>
+            <a:ext cx="2604900" cy="572400"/>
+          </a:xfrm>
+          <a:prstGeom prst="rect">
+            <a:avLst/>
+          </a:prstGeom>
+        </p:spPr>
+        <p:txBody>
+          <a:bodyPr spcFirstLastPara="1" wrap="square" lIns="91425" tIns="91425" rIns="91425" bIns="91425" anchor="t" anchorCtr="0">
+            <a:noAutofit/>
+          </a:bodyPr>
+          <a:lstStyle/>
+          <a:p>
+            <a:pPr marL="0" lvl="0" indent="0" algn="l" rtl="0">
+              <a:spcBef>
+                <a:spcPts val="0"/>
+              </a:spcBef>
+              <a:spcAft>
+                <a:spcPts val="0"/>
+              </a:spcAft>
+              <a:buNone/>
+            </a:pPr>
+            <a:r>
+              <a:rPr lang="es" sz="1200"/>
+              <a:t>Mediante aplicaciones es posible notificar/compartir con el público los datos recopilados.</a:t>
+            </a:r>
+            <a:endParaRPr sz="1200"/>
+          </a:p>
+        </p:txBody>
+      </p:sp>
+      <p:sp>
+        <p:nvSpPr>
+          <p:cNvPr id="161" name="Google Shape;161;p17"/>
+          <p:cNvSpPr txBox="1">
+            <a:spLocks noGrp="1"/>
+          </p:cNvSpPr>
+          <p:nvPr>
+            <p:ph type="subTitle" idx="13"/>
+          </p:nvPr>
+        </p:nvSpPr>
+        <p:spPr>
+          <a:xfrm>
+            <a:off x="6444875" y="3445625"/>
+            <a:ext cx="2493900" cy="1165500"/>
+          </a:xfrm>
+          <a:prstGeom prst="rect">
+            <a:avLst/>
+          </a:prstGeom>
+        </p:spPr>
+        <p:txBody>
+          <a:bodyPr spcFirstLastPara="1" wrap="square" lIns="91425" tIns="91425" rIns="91425" bIns="91425" anchor="t" anchorCtr="0">
+            <a:noAutofit/>
+          </a:bodyPr>
+          <a:lstStyle/>
+          <a:p>
+            <a:pPr marL="0" lvl="0" indent="0" algn="l" rtl="0">
+              <a:spcBef>
+                <a:spcPts val="0"/>
+              </a:spcBef>
+              <a:spcAft>
+                <a:spcPts val="0"/>
+              </a:spcAft>
+              <a:buNone/>
+            </a:pPr>
+            <a:r>
+              <a:rPr lang="es" sz="1200"/>
+              <a:t>Brindando de manera clara y eficiente una comprensión del problema además de la oportunidad de conocer las áreas afectadas, si es propicio llevar a cabo ciertas actividades y tomar las medidas necesarias para cuidar la salud.</a:t>
+            </a:r>
+            <a:endParaRPr sz="1200"/>
+          </a:p>
+        </p:txBody>
+      </p:sp>
+      <p:sp>
+        <p:nvSpPr>
+          <p:cNvPr id="162" name="Google Shape;162;p17"/>
+          <p:cNvSpPr txBox="1">
+            <a:spLocks noGrp="1"/>
+          </p:cNvSpPr>
+          <p:nvPr>
+            <p:ph type="ctrTitle" idx="3"/>
+          </p:nvPr>
+        </p:nvSpPr>
+        <p:spPr>
+          <a:xfrm>
+            <a:off x="0" y="204525"/>
+            <a:ext cx="1906500" cy="946200"/>
+          </a:xfrm>
+          <a:prstGeom prst="rect">
+            <a:avLst/>
+          </a:prstGeom>
+        </p:spPr>
+        <p:txBody>
+          <a:bodyPr spcFirstLastPara="1" wrap="square" lIns="91425" tIns="91425" rIns="91425" bIns="91425" anchor="b" anchorCtr="0">
+            <a:noAutofit/>
+          </a:bodyPr>
+          <a:lstStyle/>
+          <a:p>
+            <a:pPr marL="0" lvl="0" indent="0" algn="l" rtl="0">
+              <a:spcBef>
+                <a:spcPts val="0"/>
+              </a:spcBef>
+              <a:spcAft>
+                <a:spcPts val="0"/>
+              </a:spcAft>
+              <a:buNone/>
+            </a:pPr>
+            <a:r>
+              <a:rPr lang="es" sz="1500" b="1"/>
+              <a:t>¿En qué consiste la solución?</a:t>
+            </a:r>
+            <a:endParaRPr sz="1500" b="1"/>
+          </a:p>
+        </p:txBody>
+      </p:sp>
+      <p:pic>
+        <p:nvPicPr>
+          <p:cNvPr id="163" name="Google Shape;163;p17"/>
+          <p:cNvPicPr preferRelativeResize="0"/>
+          <p:nvPr/>
+        </p:nvPicPr>
+        <p:blipFill>
+          <a:blip r:embed="rId3">
+            <a:alphaModFix/>
+          </a:blip>
+          <a:stretch>
+            <a:fillRect/>
+          </a:stretch>
+        </p:blipFill>
+        <p:spPr>
+          <a:xfrm>
+            <a:off x="2766500" y="3431750"/>
+            <a:ext cx="1247250" cy="1247250"/>
+          </a:xfrm>
+          <a:prstGeom prst="rect">
+            <a:avLst/>
+          </a:prstGeom>
+          <a:noFill/>
+          <a:ln>
+            <a:noFill/>
+          </a:ln>
+        </p:spPr>
+      </p:pic>
+      <p:pic>
+        <p:nvPicPr>
+          <p:cNvPr id="164" name="Google Shape;164;p17"/>
+          <p:cNvPicPr preferRelativeResize="0"/>
+          <p:nvPr/>
+        </p:nvPicPr>
+        <p:blipFill>
+          <a:blip r:embed="rId4">
+            <a:alphaModFix/>
+          </a:blip>
+          <a:stretch>
+            <a:fillRect/>
+          </a:stretch>
+        </p:blipFill>
+        <p:spPr>
+          <a:xfrm>
+            <a:off x="464350" y="2503775"/>
+            <a:ext cx="1804700" cy="1804700"/>
+          </a:xfrm>
+          <a:prstGeom prst="rect">
+            <a:avLst/>
+          </a:prstGeom>
+          <a:noFill/>
+          <a:ln>
+            <a:noFill/>
+          </a:ln>
+        </p:spPr>
+      </p:pic>
+      <p:pic>
+        <p:nvPicPr>
+          <p:cNvPr id="165" name="Google Shape;165;p17"/>
+          <p:cNvPicPr preferRelativeResize="0"/>
+          <p:nvPr/>
+        </p:nvPicPr>
+        <p:blipFill>
+          <a:blip r:embed="rId5">
+            <a:alphaModFix/>
+          </a:blip>
+          <a:stretch>
+            <a:fillRect/>
+          </a:stretch>
+        </p:blipFill>
+        <p:spPr>
+          <a:xfrm>
+            <a:off x="7225075" y="463600"/>
+            <a:ext cx="1615875" cy="1615875"/>
+          </a:xfrm>
+          <a:prstGeom prst="rect">
+            <a:avLst/>
+          </a:prstGeom>
+          <a:noFill/>
+          <a:ln>
+            <a:noFill/>
+          </a:ln>
+        </p:spPr>
+      </p:pic>
+    </p:spTree>
+  </p:cSld>
+  <p:clrMapOvr>
+    <a:masterClrMapping/>
+  </p:clrMapOvr>
+</p:sld>
+</file>
+
+<file path=ppt/slides/slide4.xml><?xml version="1.0" encoding="utf-8"?>
+<p:sld xmlns:a="http://schemas.openxmlformats.org/drawingml/2006/main" xmlns:r="http://schemas.openxmlformats.org/officeDocument/2006/relationships" xmlns:p="http://schemas.openxmlformats.org/presentationml/2006/main">
+  <p:cSld>
+    <p:spTree>
+      <p:nvGrpSpPr>
         <p:cNvPr id="1" name="Shape 185"/>
         <p:cNvGrpSpPr/>
         <p:nvPr/>

--- a/Proyecto Final Progra.pptx
+++ b/Proyecto Final Progra.pptx
@@ -5,45 +5,46 @@
     <p:sldMasterId id="2147483662" r:id="rId1"/>
   </p:sldMasterIdLst>
   <p:notesMasterIdLst>
-    <p:notesMasterId r:id="rId6"/>
+    <p:notesMasterId r:id="rId7"/>
   </p:notesMasterIdLst>
   <p:sldIdLst>
     <p:sldId id="256" r:id="rId2"/>
     <p:sldId id="257" r:id="rId3"/>
     <p:sldId id="258" r:id="rId4"/>
     <p:sldId id="260" r:id="rId5"/>
+    <p:sldId id="262" r:id="rId6"/>
   </p:sldIdLst>
   <p:sldSz cx="9144000" cy="5143500" type="screen16x9"/>
   <p:notesSz cx="6858000" cy="9144000"/>
   <p:embeddedFontLst>
     <p:embeddedFont>
       <p:font typeface="Fira Sans Extra Condensed Medium" panose="020B0603050000020004" pitchFamily="34" charset="0"/>
-      <p:regular r:id="rId7"/>
-      <p:bold r:id="rId8"/>
-      <p:italic r:id="rId9"/>
-      <p:boldItalic r:id="rId10"/>
+      <p:regular r:id="rId8"/>
+      <p:bold r:id="rId9"/>
+      <p:italic r:id="rId10"/>
+      <p:boldItalic r:id="rId11"/>
     </p:embeddedFont>
     <p:embeddedFont>
-      <p:font typeface="Lato" panose="020F0502020204030203" pitchFamily="34" charset="77"/>
-      <p:regular r:id="rId11"/>
-      <p:bold r:id="rId12"/>
-      <p:italic r:id="rId13"/>
-      <p:boldItalic r:id="rId14"/>
+      <p:font typeface="Lato" panose="020F0502020204030204" pitchFamily="34" charset="0"/>
+      <p:regular r:id="rId12"/>
+      <p:bold r:id="rId13"/>
+      <p:italic r:id="rId14"/>
+      <p:boldItalic r:id="rId15"/>
     </p:embeddedFont>
     <p:embeddedFont>
-      <p:font typeface="Lato Light" panose="020F0502020204030203" pitchFamily="34" charset="77"/>
-      <p:regular r:id="rId15"/>
-      <p:bold r:id="rId16"/>
-      <p:italic r:id="rId17"/>
-      <p:boldItalic r:id="rId18"/>
+      <p:font typeface="Lato Light" panose="020F0302020204030203" pitchFamily="34" charset="77"/>
+      <p:regular r:id="rId16"/>
+      <p:bold r:id="rId17"/>
+      <p:italic r:id="rId18"/>
+      <p:boldItalic r:id="rId19"/>
     </p:embeddedFont>
     <p:embeddedFont>
       <p:font typeface="Squada One" panose="02000000000000000000" pitchFamily="2" charset="0"/>
-      <p:regular r:id="rId19"/>
+      <p:regular r:id="rId20"/>
     </p:embeddedFont>
     <p:embeddedFont>
       <p:font typeface="Unica One" panose="02000506000000020004" pitchFamily="2" charset="77"/>
-      <p:regular r:id="rId20"/>
+      <p:regular r:id="rId21"/>
     </p:embeddedFont>
   </p:embeddedFontLst>
   <p:defaultTextStyle>
@@ -1140,6 +1141,110 @@
 </p:notes>
 </file>
 
+<file path=ppt/notesSlides/notesSlide5.xml><?xml version="1.0" encoding="utf-8"?>
+<p:notes xmlns:a="http://schemas.openxmlformats.org/drawingml/2006/main" xmlns:r="http://schemas.openxmlformats.org/officeDocument/2006/relationships" xmlns:p="http://schemas.openxmlformats.org/presentationml/2006/main" showMasterSp="0" showMasterPhAnim="0">
+  <p:cSld>
+    <p:spTree>
+      <p:nvGrpSpPr>
+        <p:cNvPr id="1" name="Shape 75"/>
+        <p:cNvGrpSpPr/>
+        <p:nvPr/>
+      </p:nvGrpSpPr>
+      <p:grpSpPr>
+        <a:xfrm>
+          <a:off x="0" y="0"/>
+          <a:ext cx="0" cy="0"/>
+          <a:chOff x="0" y="0"/>
+          <a:chExt cx="0" cy="0"/>
+        </a:xfrm>
+      </p:grpSpPr>
+      <p:sp>
+        <p:nvSpPr>
+          <p:cNvPr id="76" name="Google Shape;76;g5c855921c3_1_430:notes"/>
+          <p:cNvSpPr>
+            <a:spLocks noGrp="1" noRot="1" noChangeAspect="1"/>
+          </p:cNvSpPr>
+          <p:nvPr>
+            <p:ph type="sldImg" idx="2"/>
+          </p:nvPr>
+        </p:nvSpPr>
+        <p:spPr>
+          <a:xfrm>
+            <a:off x="381000" y="685800"/>
+            <a:ext cx="6096000" cy="3429000"/>
+          </a:xfrm>
+          <a:custGeom>
+            <a:avLst/>
+            <a:gdLst/>
+            <a:ahLst/>
+            <a:cxnLst/>
+            <a:rect l="l" t="t" r="r" b="b"/>
+            <a:pathLst>
+              <a:path w="120000" h="120000" extrusionOk="0">
+                <a:moveTo>
+                  <a:pt x="0" y="0"/>
+                </a:moveTo>
+                <a:lnTo>
+                  <a:pt x="120000" y="0"/>
+                </a:lnTo>
+                <a:lnTo>
+                  <a:pt x="120000" y="120000"/>
+                </a:lnTo>
+                <a:lnTo>
+                  <a:pt x="0" y="120000"/>
+                </a:lnTo>
+                <a:close/>
+              </a:path>
+            </a:pathLst>
+          </a:custGeom>
+        </p:spPr>
+      </p:sp>
+      <p:sp>
+        <p:nvSpPr>
+          <p:cNvPr id="77" name="Google Shape;77;g5c855921c3_1_430:notes"/>
+          <p:cNvSpPr txBox="1">
+            <a:spLocks noGrp="1"/>
+          </p:cNvSpPr>
+          <p:nvPr>
+            <p:ph type="body" idx="1"/>
+          </p:nvPr>
+        </p:nvSpPr>
+        <p:spPr>
+          <a:xfrm>
+            <a:off x="685800" y="4343400"/>
+            <a:ext cx="5486400" cy="4114800"/>
+          </a:xfrm>
+          <a:prstGeom prst="rect">
+            <a:avLst/>
+          </a:prstGeom>
+        </p:spPr>
+        <p:txBody>
+          <a:bodyPr spcFirstLastPara="1" wrap="square" lIns="91425" tIns="91425" rIns="91425" bIns="91425" anchor="t" anchorCtr="0">
+            <a:noAutofit/>
+          </a:bodyPr>
+          <a:lstStyle/>
+          <a:p>
+            <a:pPr marL="0" lvl="0" indent="0" algn="l" rtl="0">
+              <a:spcBef>
+                <a:spcPts val="0"/>
+              </a:spcBef>
+              <a:spcAft>
+                <a:spcPts val="0"/>
+              </a:spcAft>
+              <a:buNone/>
+            </a:pPr>
+            <a:endParaRPr/>
+          </a:p>
+        </p:txBody>
+      </p:sp>
+    </p:spTree>
+  </p:cSld>
+  <p:clrMapOvr>
+    <a:masterClrMapping/>
+  </p:clrMapOvr>
+</p:notes>
+</file>
+
 <file path=ppt/slideLayouts/slideLayout1.xml><?xml version="1.0" encoding="utf-8"?>
 <p:sldLayout xmlns:a="http://schemas.openxmlformats.org/drawingml/2006/main" xmlns:r="http://schemas.openxmlformats.org/officeDocument/2006/relationships" xmlns:p="http://schemas.openxmlformats.org/presentationml/2006/main" matchingName="Title + design">
   <p:cSld name="CUSTOM_18">
@@ -1339,6 +1444,3664 @@
 </file>
 
 <file path=ppt/slideLayouts/slideLayout10.xml><?xml version="1.0" encoding="utf-8"?>
+<p:sldLayout xmlns:a="http://schemas.openxmlformats.org/drawingml/2006/main" xmlns:r="http://schemas.openxmlformats.org/officeDocument/2006/relationships" xmlns:p="http://schemas.openxmlformats.org/presentationml/2006/main" matchingName="Title + text 1">
+  <p:cSld name="Title + text 1">
+    <p:spTree>
+      <p:nvGrpSpPr>
+        <p:cNvPr id="1" name="Shape 37"/>
+        <p:cNvGrpSpPr/>
+        <p:nvPr/>
+      </p:nvGrpSpPr>
+      <p:grpSpPr>
+        <a:xfrm>
+          <a:off x="0" y="0"/>
+          <a:ext cx="0" cy="0"/>
+          <a:chOff x="0" y="0"/>
+          <a:chExt cx="0" cy="0"/>
+        </a:xfrm>
+      </p:grpSpPr>
+      <p:sp>
+        <p:nvSpPr>
+          <p:cNvPr id="38" name="Google Shape;38;p5"/>
+          <p:cNvSpPr txBox="1">
+            <a:spLocks noGrp="1"/>
+          </p:cNvSpPr>
+          <p:nvPr>
+            <p:ph type="subTitle" idx="1"/>
+          </p:nvPr>
+        </p:nvSpPr>
+        <p:spPr>
+          <a:xfrm>
+            <a:off x="2828850" y="2085625"/>
+            <a:ext cx="3029100" cy="1497900"/>
+          </a:xfrm>
+          <a:prstGeom prst="rect">
+            <a:avLst/>
+          </a:prstGeom>
+        </p:spPr>
+        <p:txBody>
+          <a:bodyPr spcFirstLastPara="1" wrap="square" lIns="91425" tIns="91425" rIns="91425" bIns="91425" anchor="t" anchorCtr="0">
+            <a:noAutofit/>
+          </a:bodyPr>
+          <a:lstStyle>
+            <a:lvl1pPr lvl="0" rtl="0">
+              <a:lnSpc>
+                <a:spcPct val="100000"/>
+              </a:lnSpc>
+              <a:spcBef>
+                <a:spcPts val="0"/>
+              </a:spcBef>
+              <a:spcAft>
+                <a:spcPts val="0"/>
+              </a:spcAft>
+              <a:buSzPts val="1200"/>
+              <a:buNone/>
+              <a:defRPr/>
+            </a:lvl1pPr>
+            <a:lvl2pPr lvl="1" rtl="0">
+              <a:lnSpc>
+                <a:spcPct val="100000"/>
+              </a:lnSpc>
+              <a:spcBef>
+                <a:spcPts val="0"/>
+              </a:spcBef>
+              <a:spcAft>
+                <a:spcPts val="0"/>
+              </a:spcAft>
+              <a:buSzPts val="1200"/>
+              <a:buNone/>
+              <a:defRPr/>
+            </a:lvl2pPr>
+            <a:lvl3pPr lvl="2" rtl="0">
+              <a:lnSpc>
+                <a:spcPct val="100000"/>
+              </a:lnSpc>
+              <a:spcBef>
+                <a:spcPts val="0"/>
+              </a:spcBef>
+              <a:spcAft>
+                <a:spcPts val="0"/>
+              </a:spcAft>
+              <a:buSzPts val="1200"/>
+              <a:buNone/>
+              <a:defRPr/>
+            </a:lvl3pPr>
+            <a:lvl4pPr lvl="3" rtl="0">
+              <a:lnSpc>
+                <a:spcPct val="100000"/>
+              </a:lnSpc>
+              <a:spcBef>
+                <a:spcPts val="0"/>
+              </a:spcBef>
+              <a:spcAft>
+                <a:spcPts val="0"/>
+              </a:spcAft>
+              <a:buSzPts val="1200"/>
+              <a:buNone/>
+              <a:defRPr/>
+            </a:lvl4pPr>
+            <a:lvl5pPr lvl="4" rtl="0">
+              <a:lnSpc>
+                <a:spcPct val="100000"/>
+              </a:lnSpc>
+              <a:spcBef>
+                <a:spcPts val="0"/>
+              </a:spcBef>
+              <a:spcAft>
+                <a:spcPts val="0"/>
+              </a:spcAft>
+              <a:buSzPts val="1200"/>
+              <a:buNone/>
+              <a:defRPr/>
+            </a:lvl5pPr>
+            <a:lvl6pPr lvl="5" rtl="0">
+              <a:lnSpc>
+                <a:spcPct val="100000"/>
+              </a:lnSpc>
+              <a:spcBef>
+                <a:spcPts val="0"/>
+              </a:spcBef>
+              <a:spcAft>
+                <a:spcPts val="0"/>
+              </a:spcAft>
+              <a:buSzPts val="1200"/>
+              <a:buNone/>
+              <a:defRPr/>
+            </a:lvl6pPr>
+            <a:lvl7pPr lvl="6" rtl="0">
+              <a:lnSpc>
+                <a:spcPct val="100000"/>
+              </a:lnSpc>
+              <a:spcBef>
+                <a:spcPts val="0"/>
+              </a:spcBef>
+              <a:spcAft>
+                <a:spcPts val="0"/>
+              </a:spcAft>
+              <a:buSzPts val="1200"/>
+              <a:buNone/>
+              <a:defRPr/>
+            </a:lvl7pPr>
+            <a:lvl8pPr lvl="7" rtl="0">
+              <a:lnSpc>
+                <a:spcPct val="100000"/>
+              </a:lnSpc>
+              <a:spcBef>
+                <a:spcPts val="0"/>
+              </a:spcBef>
+              <a:spcAft>
+                <a:spcPts val="0"/>
+              </a:spcAft>
+              <a:buSzPts val="1200"/>
+              <a:buNone/>
+              <a:defRPr/>
+            </a:lvl8pPr>
+            <a:lvl9pPr lvl="8" rtl="0">
+              <a:lnSpc>
+                <a:spcPct val="100000"/>
+              </a:lnSpc>
+              <a:spcBef>
+                <a:spcPts val="0"/>
+              </a:spcBef>
+              <a:spcAft>
+                <a:spcPts val="0"/>
+              </a:spcAft>
+              <a:buSzPts val="1200"/>
+              <a:buNone/>
+              <a:defRPr/>
+            </a:lvl9pPr>
+          </a:lstStyle>
+          <a:p>
+            <a:endParaRPr/>
+          </a:p>
+        </p:txBody>
+      </p:sp>
+      <p:sp>
+        <p:nvSpPr>
+          <p:cNvPr id="39" name="Google Shape;39;p5"/>
+          <p:cNvSpPr txBox="1">
+            <a:spLocks noGrp="1"/>
+          </p:cNvSpPr>
+          <p:nvPr>
+            <p:ph type="ctrTitle"/>
+          </p:nvPr>
+        </p:nvSpPr>
+        <p:spPr>
+          <a:xfrm>
+            <a:off x="720000" y="377975"/>
+            <a:ext cx="1337400" cy="946200"/>
+          </a:xfrm>
+          <a:prstGeom prst="rect">
+            <a:avLst/>
+          </a:prstGeom>
+        </p:spPr>
+        <p:txBody>
+          <a:bodyPr spcFirstLastPara="1" wrap="square" lIns="91425" tIns="91425" rIns="91425" bIns="91425" anchor="ctr" anchorCtr="0">
+            <a:noAutofit/>
+          </a:bodyPr>
+          <a:lstStyle>
+            <a:lvl1pPr lvl="0" rtl="0">
+              <a:spcBef>
+                <a:spcPts val="0"/>
+              </a:spcBef>
+              <a:spcAft>
+                <a:spcPts val="0"/>
+              </a:spcAft>
+              <a:buSzPts val="1400"/>
+              <a:buNone/>
+              <a:defRPr sz="1400"/>
+            </a:lvl1pPr>
+            <a:lvl2pPr lvl="1" algn="ctr" rtl="0">
+              <a:spcBef>
+                <a:spcPts val="0"/>
+              </a:spcBef>
+              <a:spcAft>
+                <a:spcPts val="0"/>
+              </a:spcAft>
+              <a:buSzPts val="1400"/>
+              <a:buNone/>
+              <a:defRPr sz="1400"/>
+            </a:lvl2pPr>
+            <a:lvl3pPr lvl="2" algn="ctr" rtl="0">
+              <a:spcBef>
+                <a:spcPts val="0"/>
+              </a:spcBef>
+              <a:spcAft>
+                <a:spcPts val="0"/>
+              </a:spcAft>
+              <a:buSzPts val="1400"/>
+              <a:buNone/>
+              <a:defRPr sz="1400"/>
+            </a:lvl3pPr>
+            <a:lvl4pPr lvl="3" algn="ctr" rtl="0">
+              <a:spcBef>
+                <a:spcPts val="0"/>
+              </a:spcBef>
+              <a:spcAft>
+                <a:spcPts val="0"/>
+              </a:spcAft>
+              <a:buSzPts val="1400"/>
+              <a:buNone/>
+              <a:defRPr sz="1400"/>
+            </a:lvl4pPr>
+            <a:lvl5pPr lvl="4" algn="ctr" rtl="0">
+              <a:spcBef>
+                <a:spcPts val="0"/>
+              </a:spcBef>
+              <a:spcAft>
+                <a:spcPts val="0"/>
+              </a:spcAft>
+              <a:buSzPts val="1400"/>
+              <a:buNone/>
+              <a:defRPr sz="1400"/>
+            </a:lvl5pPr>
+            <a:lvl6pPr lvl="5" algn="ctr" rtl="0">
+              <a:spcBef>
+                <a:spcPts val="0"/>
+              </a:spcBef>
+              <a:spcAft>
+                <a:spcPts val="0"/>
+              </a:spcAft>
+              <a:buSzPts val="1400"/>
+              <a:buNone/>
+              <a:defRPr sz="1400"/>
+            </a:lvl6pPr>
+            <a:lvl7pPr lvl="6" algn="ctr" rtl="0">
+              <a:spcBef>
+                <a:spcPts val="0"/>
+              </a:spcBef>
+              <a:spcAft>
+                <a:spcPts val="0"/>
+              </a:spcAft>
+              <a:buSzPts val="1400"/>
+              <a:buNone/>
+              <a:defRPr sz="1400"/>
+            </a:lvl7pPr>
+            <a:lvl8pPr lvl="7" algn="ctr" rtl="0">
+              <a:spcBef>
+                <a:spcPts val="0"/>
+              </a:spcBef>
+              <a:spcAft>
+                <a:spcPts val="0"/>
+              </a:spcAft>
+              <a:buSzPts val="1400"/>
+              <a:buNone/>
+              <a:defRPr sz="1400"/>
+            </a:lvl8pPr>
+            <a:lvl9pPr lvl="8" algn="ctr" rtl="0">
+              <a:spcBef>
+                <a:spcPts val="0"/>
+              </a:spcBef>
+              <a:spcAft>
+                <a:spcPts val="0"/>
+              </a:spcAft>
+              <a:buSzPts val="1400"/>
+              <a:buNone/>
+              <a:defRPr sz="1400"/>
+            </a:lvl9pPr>
+          </a:lstStyle>
+          <a:p>
+            <a:endParaRPr/>
+          </a:p>
+        </p:txBody>
+      </p:sp>
+      <p:sp>
+        <p:nvSpPr>
+          <p:cNvPr id="40" name="Google Shape;40;p5"/>
+          <p:cNvSpPr/>
+          <p:nvPr/>
+        </p:nvSpPr>
+        <p:spPr>
+          <a:xfrm>
+            <a:off x="-92200" y="550200"/>
+            <a:ext cx="1781700" cy="630000"/>
+          </a:xfrm>
+          <a:prstGeom prst="rect">
+            <a:avLst/>
+          </a:prstGeom>
+          <a:noFill/>
+          <a:ln w="9525" cap="flat" cmpd="sng">
+            <a:solidFill>
+              <a:schemeClr val="lt1"/>
+            </a:solidFill>
+            <a:prstDash val="solid"/>
+            <a:round/>
+            <a:headEnd type="none" w="sm" len="sm"/>
+            <a:tailEnd type="none" w="sm" len="sm"/>
+          </a:ln>
+        </p:spPr>
+        <p:txBody>
+          <a:bodyPr spcFirstLastPara="1" wrap="square" lIns="91425" tIns="91425" rIns="91425" bIns="91425" anchor="ctr" anchorCtr="0">
+            <a:noAutofit/>
+          </a:bodyPr>
+          <a:lstStyle/>
+          <a:p>
+            <a:pPr marL="0" lvl="0" indent="0" algn="l" rtl="0">
+              <a:spcBef>
+                <a:spcPts val="0"/>
+              </a:spcBef>
+              <a:spcAft>
+                <a:spcPts val="0"/>
+              </a:spcAft>
+              <a:buNone/>
+            </a:pPr>
+            <a:endParaRPr/>
+          </a:p>
+        </p:txBody>
+      </p:sp>
+    </p:spTree>
+    <p:extLst>
+      <p:ext uri="{BB962C8B-B14F-4D97-AF65-F5344CB8AC3E}">
+        <p14:creationId xmlns:p14="http://schemas.microsoft.com/office/powerpoint/2010/main" val="2181095155"/>
+      </p:ext>
+    </p:extLst>
+  </p:cSld>
+  <p:clrMapOvr>
+    <a:masterClrMapping/>
+  </p:clrMapOvr>
+</p:sldLayout>
+</file>
+
+<file path=ppt/slideLayouts/slideLayout2.xml><?xml version="1.0" encoding="utf-8"?>
+<p:sldLayout xmlns:a="http://schemas.openxmlformats.org/drawingml/2006/main" xmlns:r="http://schemas.openxmlformats.org/officeDocument/2006/relationships" xmlns:p="http://schemas.openxmlformats.org/presentationml/2006/main" matchingName="Three columns 2">
+  <p:cSld name="TITLE_ONLY_2_1">
+    <p:spTree>
+      <p:nvGrpSpPr>
+        <p:cNvPr id="1" name="Shape 52"/>
+        <p:cNvGrpSpPr/>
+        <p:nvPr/>
+      </p:nvGrpSpPr>
+      <p:grpSpPr>
+        <a:xfrm>
+          <a:off x="0" y="0"/>
+          <a:ext cx="0" cy="0"/>
+          <a:chOff x="0" y="0"/>
+          <a:chExt cx="0" cy="0"/>
+        </a:xfrm>
+      </p:grpSpPr>
+      <p:sp>
+        <p:nvSpPr>
+          <p:cNvPr id="53" name="Google Shape;53;p9"/>
+          <p:cNvSpPr txBox="1">
+            <a:spLocks noGrp="1"/>
+          </p:cNvSpPr>
+          <p:nvPr>
+            <p:ph type="subTitle" idx="1"/>
+          </p:nvPr>
+        </p:nvSpPr>
+        <p:spPr>
+          <a:xfrm>
+            <a:off x="2640241" y="1227261"/>
+            <a:ext cx="2602500" cy="1112400"/>
+          </a:xfrm>
+          <a:prstGeom prst="rect">
+            <a:avLst/>
+          </a:prstGeom>
+        </p:spPr>
+        <p:txBody>
+          <a:bodyPr spcFirstLastPara="1" wrap="square" lIns="91425" tIns="91425" rIns="91425" bIns="91425" anchor="t" anchorCtr="0">
+            <a:noAutofit/>
+          </a:bodyPr>
+          <a:lstStyle>
+            <a:lvl1pPr lvl="0" algn="r" rtl="0">
+              <a:lnSpc>
+                <a:spcPct val="100000"/>
+              </a:lnSpc>
+              <a:spcBef>
+                <a:spcPts val="0"/>
+              </a:spcBef>
+              <a:spcAft>
+                <a:spcPts val="0"/>
+              </a:spcAft>
+              <a:buSzPts val="1000"/>
+              <a:buNone/>
+              <a:defRPr sz="1000"/>
+            </a:lvl1pPr>
+            <a:lvl2pPr lvl="1" algn="r" rtl="0">
+              <a:lnSpc>
+                <a:spcPct val="100000"/>
+              </a:lnSpc>
+              <a:spcBef>
+                <a:spcPts val="0"/>
+              </a:spcBef>
+              <a:spcAft>
+                <a:spcPts val="0"/>
+              </a:spcAft>
+              <a:buSzPts val="1000"/>
+              <a:buNone/>
+              <a:defRPr sz="1000"/>
+            </a:lvl2pPr>
+            <a:lvl3pPr lvl="2" algn="r" rtl="0">
+              <a:lnSpc>
+                <a:spcPct val="100000"/>
+              </a:lnSpc>
+              <a:spcBef>
+                <a:spcPts val="0"/>
+              </a:spcBef>
+              <a:spcAft>
+                <a:spcPts val="0"/>
+              </a:spcAft>
+              <a:buSzPts val="1000"/>
+              <a:buNone/>
+              <a:defRPr sz="1000"/>
+            </a:lvl3pPr>
+            <a:lvl4pPr lvl="3" algn="r" rtl="0">
+              <a:lnSpc>
+                <a:spcPct val="100000"/>
+              </a:lnSpc>
+              <a:spcBef>
+                <a:spcPts val="0"/>
+              </a:spcBef>
+              <a:spcAft>
+                <a:spcPts val="0"/>
+              </a:spcAft>
+              <a:buSzPts val="1000"/>
+              <a:buNone/>
+              <a:defRPr sz="1000"/>
+            </a:lvl4pPr>
+            <a:lvl5pPr lvl="4" algn="r" rtl="0">
+              <a:lnSpc>
+                <a:spcPct val="100000"/>
+              </a:lnSpc>
+              <a:spcBef>
+                <a:spcPts val="0"/>
+              </a:spcBef>
+              <a:spcAft>
+                <a:spcPts val="0"/>
+              </a:spcAft>
+              <a:buSzPts val="1000"/>
+              <a:buNone/>
+              <a:defRPr sz="1000"/>
+            </a:lvl5pPr>
+            <a:lvl6pPr lvl="5" algn="r" rtl="0">
+              <a:lnSpc>
+                <a:spcPct val="100000"/>
+              </a:lnSpc>
+              <a:spcBef>
+                <a:spcPts val="0"/>
+              </a:spcBef>
+              <a:spcAft>
+                <a:spcPts val="0"/>
+              </a:spcAft>
+              <a:buSzPts val="1000"/>
+              <a:buNone/>
+              <a:defRPr sz="1000"/>
+            </a:lvl6pPr>
+            <a:lvl7pPr lvl="6" algn="r" rtl="0">
+              <a:lnSpc>
+                <a:spcPct val="100000"/>
+              </a:lnSpc>
+              <a:spcBef>
+                <a:spcPts val="0"/>
+              </a:spcBef>
+              <a:spcAft>
+                <a:spcPts val="0"/>
+              </a:spcAft>
+              <a:buSzPts val="1000"/>
+              <a:buNone/>
+              <a:defRPr sz="1000"/>
+            </a:lvl7pPr>
+            <a:lvl8pPr lvl="7" algn="r" rtl="0">
+              <a:lnSpc>
+                <a:spcPct val="100000"/>
+              </a:lnSpc>
+              <a:spcBef>
+                <a:spcPts val="0"/>
+              </a:spcBef>
+              <a:spcAft>
+                <a:spcPts val="0"/>
+              </a:spcAft>
+              <a:buSzPts val="1000"/>
+              <a:buNone/>
+              <a:defRPr sz="1000"/>
+            </a:lvl8pPr>
+            <a:lvl9pPr lvl="8" algn="r" rtl="0">
+              <a:lnSpc>
+                <a:spcPct val="100000"/>
+              </a:lnSpc>
+              <a:spcBef>
+                <a:spcPts val="0"/>
+              </a:spcBef>
+              <a:spcAft>
+                <a:spcPts val="0"/>
+              </a:spcAft>
+              <a:buSzPts val="1000"/>
+              <a:buNone/>
+              <a:defRPr sz="1000"/>
+            </a:lvl9pPr>
+          </a:lstStyle>
+          <a:p>
+            <a:endParaRPr/>
+          </a:p>
+        </p:txBody>
+      </p:sp>
+      <p:sp>
+        <p:nvSpPr>
+          <p:cNvPr id="54" name="Google Shape;54;p9"/>
+          <p:cNvSpPr txBox="1">
+            <a:spLocks noGrp="1"/>
+          </p:cNvSpPr>
+          <p:nvPr>
+            <p:ph type="subTitle" idx="2"/>
+          </p:nvPr>
+        </p:nvSpPr>
+        <p:spPr>
+          <a:xfrm>
+            <a:off x="1832400" y="2236096"/>
+            <a:ext cx="2602500" cy="1112400"/>
+          </a:xfrm>
+          <a:prstGeom prst="rect">
+            <a:avLst/>
+          </a:prstGeom>
+        </p:spPr>
+        <p:txBody>
+          <a:bodyPr spcFirstLastPara="1" wrap="square" lIns="91425" tIns="91425" rIns="91425" bIns="91425" anchor="t" anchorCtr="0">
+            <a:noAutofit/>
+          </a:bodyPr>
+          <a:lstStyle>
+            <a:lvl1pPr lvl="0" algn="r" rtl="0">
+              <a:lnSpc>
+                <a:spcPct val="100000"/>
+              </a:lnSpc>
+              <a:spcBef>
+                <a:spcPts val="0"/>
+              </a:spcBef>
+              <a:spcAft>
+                <a:spcPts val="0"/>
+              </a:spcAft>
+              <a:buSzPts val="1000"/>
+              <a:buNone/>
+              <a:defRPr sz="1000"/>
+            </a:lvl1pPr>
+            <a:lvl2pPr lvl="1" algn="r" rtl="0">
+              <a:lnSpc>
+                <a:spcPct val="100000"/>
+              </a:lnSpc>
+              <a:spcBef>
+                <a:spcPts val="0"/>
+              </a:spcBef>
+              <a:spcAft>
+                <a:spcPts val="0"/>
+              </a:spcAft>
+              <a:buSzPts val="1000"/>
+              <a:buNone/>
+              <a:defRPr sz="1000"/>
+            </a:lvl2pPr>
+            <a:lvl3pPr lvl="2" algn="r" rtl="0">
+              <a:lnSpc>
+                <a:spcPct val="100000"/>
+              </a:lnSpc>
+              <a:spcBef>
+                <a:spcPts val="0"/>
+              </a:spcBef>
+              <a:spcAft>
+                <a:spcPts val="0"/>
+              </a:spcAft>
+              <a:buSzPts val="1000"/>
+              <a:buNone/>
+              <a:defRPr sz="1000"/>
+            </a:lvl3pPr>
+            <a:lvl4pPr lvl="3" algn="r" rtl="0">
+              <a:lnSpc>
+                <a:spcPct val="100000"/>
+              </a:lnSpc>
+              <a:spcBef>
+                <a:spcPts val="0"/>
+              </a:spcBef>
+              <a:spcAft>
+                <a:spcPts val="0"/>
+              </a:spcAft>
+              <a:buSzPts val="1000"/>
+              <a:buNone/>
+              <a:defRPr sz="1000"/>
+            </a:lvl4pPr>
+            <a:lvl5pPr lvl="4" algn="r" rtl="0">
+              <a:lnSpc>
+                <a:spcPct val="100000"/>
+              </a:lnSpc>
+              <a:spcBef>
+                <a:spcPts val="0"/>
+              </a:spcBef>
+              <a:spcAft>
+                <a:spcPts val="0"/>
+              </a:spcAft>
+              <a:buSzPts val="1000"/>
+              <a:buNone/>
+              <a:defRPr sz="1000"/>
+            </a:lvl5pPr>
+            <a:lvl6pPr lvl="5" algn="r" rtl="0">
+              <a:lnSpc>
+                <a:spcPct val="100000"/>
+              </a:lnSpc>
+              <a:spcBef>
+                <a:spcPts val="0"/>
+              </a:spcBef>
+              <a:spcAft>
+                <a:spcPts val="0"/>
+              </a:spcAft>
+              <a:buSzPts val="1000"/>
+              <a:buNone/>
+              <a:defRPr sz="1000"/>
+            </a:lvl6pPr>
+            <a:lvl7pPr lvl="6" algn="r" rtl="0">
+              <a:lnSpc>
+                <a:spcPct val="100000"/>
+              </a:lnSpc>
+              <a:spcBef>
+                <a:spcPts val="0"/>
+              </a:spcBef>
+              <a:spcAft>
+                <a:spcPts val="0"/>
+              </a:spcAft>
+              <a:buSzPts val="1000"/>
+              <a:buNone/>
+              <a:defRPr sz="1000"/>
+            </a:lvl7pPr>
+            <a:lvl8pPr lvl="7" algn="r" rtl="0">
+              <a:lnSpc>
+                <a:spcPct val="100000"/>
+              </a:lnSpc>
+              <a:spcBef>
+                <a:spcPts val="0"/>
+              </a:spcBef>
+              <a:spcAft>
+                <a:spcPts val="0"/>
+              </a:spcAft>
+              <a:buSzPts val="1000"/>
+              <a:buNone/>
+              <a:defRPr sz="1000"/>
+            </a:lvl8pPr>
+            <a:lvl9pPr lvl="8" algn="r" rtl="0">
+              <a:lnSpc>
+                <a:spcPct val="100000"/>
+              </a:lnSpc>
+              <a:spcBef>
+                <a:spcPts val="0"/>
+              </a:spcBef>
+              <a:spcAft>
+                <a:spcPts val="0"/>
+              </a:spcAft>
+              <a:buSzPts val="1000"/>
+              <a:buNone/>
+              <a:defRPr sz="1000"/>
+            </a:lvl9pPr>
+          </a:lstStyle>
+          <a:p>
+            <a:endParaRPr/>
+          </a:p>
+        </p:txBody>
+      </p:sp>
+      <p:sp>
+        <p:nvSpPr>
+          <p:cNvPr id="55" name="Google Shape;55;p9"/>
+          <p:cNvSpPr txBox="1">
+            <a:spLocks noGrp="1"/>
+          </p:cNvSpPr>
+          <p:nvPr>
+            <p:ph type="ctrTitle"/>
+          </p:nvPr>
+        </p:nvSpPr>
+        <p:spPr>
+          <a:xfrm>
+            <a:off x="2623486" y="994861"/>
+            <a:ext cx="2619300" cy="384900"/>
+          </a:xfrm>
+          <a:prstGeom prst="rect">
+            <a:avLst/>
+          </a:prstGeom>
+          <a:ln>
+            <a:noFill/>
+          </a:ln>
+        </p:spPr>
+        <p:txBody>
+          <a:bodyPr spcFirstLastPara="1" wrap="square" lIns="91425" tIns="91425" rIns="91425" bIns="91425" anchor="b" anchorCtr="0">
+            <a:noAutofit/>
+          </a:bodyPr>
+          <a:lstStyle>
+            <a:lvl1pPr lvl="0" algn="r" rtl="0">
+              <a:spcBef>
+                <a:spcPts val="0"/>
+              </a:spcBef>
+              <a:spcAft>
+                <a:spcPts val="0"/>
+              </a:spcAft>
+              <a:buSzPts val="1600"/>
+              <a:buNone/>
+              <a:defRPr sz="1600"/>
+            </a:lvl1pPr>
+            <a:lvl2pPr lvl="1" algn="r" rtl="0">
+              <a:spcBef>
+                <a:spcPts val="0"/>
+              </a:spcBef>
+              <a:spcAft>
+                <a:spcPts val="0"/>
+              </a:spcAft>
+              <a:buSzPts val="1600"/>
+              <a:buFont typeface="Unica One"/>
+              <a:buNone/>
+              <a:defRPr sz="1600">
+                <a:latin typeface="Unica One"/>
+                <a:ea typeface="Unica One"/>
+                <a:cs typeface="Unica One"/>
+                <a:sym typeface="Unica One"/>
+              </a:defRPr>
+            </a:lvl2pPr>
+            <a:lvl3pPr lvl="2" algn="r" rtl="0">
+              <a:spcBef>
+                <a:spcPts val="0"/>
+              </a:spcBef>
+              <a:spcAft>
+                <a:spcPts val="0"/>
+              </a:spcAft>
+              <a:buSzPts val="1600"/>
+              <a:buFont typeface="Unica One"/>
+              <a:buNone/>
+              <a:defRPr sz="1600">
+                <a:latin typeface="Unica One"/>
+                <a:ea typeface="Unica One"/>
+                <a:cs typeface="Unica One"/>
+                <a:sym typeface="Unica One"/>
+              </a:defRPr>
+            </a:lvl3pPr>
+            <a:lvl4pPr lvl="3" algn="r" rtl="0">
+              <a:spcBef>
+                <a:spcPts val="0"/>
+              </a:spcBef>
+              <a:spcAft>
+                <a:spcPts val="0"/>
+              </a:spcAft>
+              <a:buSzPts val="1600"/>
+              <a:buFont typeface="Unica One"/>
+              <a:buNone/>
+              <a:defRPr sz="1600">
+                <a:latin typeface="Unica One"/>
+                <a:ea typeface="Unica One"/>
+                <a:cs typeface="Unica One"/>
+                <a:sym typeface="Unica One"/>
+              </a:defRPr>
+            </a:lvl4pPr>
+            <a:lvl5pPr lvl="4" algn="r" rtl="0">
+              <a:spcBef>
+                <a:spcPts val="0"/>
+              </a:spcBef>
+              <a:spcAft>
+                <a:spcPts val="0"/>
+              </a:spcAft>
+              <a:buSzPts val="1600"/>
+              <a:buFont typeface="Unica One"/>
+              <a:buNone/>
+              <a:defRPr sz="1600">
+                <a:latin typeface="Unica One"/>
+                <a:ea typeface="Unica One"/>
+                <a:cs typeface="Unica One"/>
+                <a:sym typeface="Unica One"/>
+              </a:defRPr>
+            </a:lvl5pPr>
+            <a:lvl6pPr lvl="5" algn="r" rtl="0">
+              <a:spcBef>
+                <a:spcPts val="0"/>
+              </a:spcBef>
+              <a:spcAft>
+                <a:spcPts val="0"/>
+              </a:spcAft>
+              <a:buSzPts val="1600"/>
+              <a:buFont typeface="Unica One"/>
+              <a:buNone/>
+              <a:defRPr sz="1600">
+                <a:latin typeface="Unica One"/>
+                <a:ea typeface="Unica One"/>
+                <a:cs typeface="Unica One"/>
+                <a:sym typeface="Unica One"/>
+              </a:defRPr>
+            </a:lvl6pPr>
+            <a:lvl7pPr lvl="6" algn="r" rtl="0">
+              <a:spcBef>
+                <a:spcPts val="0"/>
+              </a:spcBef>
+              <a:spcAft>
+                <a:spcPts val="0"/>
+              </a:spcAft>
+              <a:buSzPts val="1600"/>
+              <a:buFont typeface="Unica One"/>
+              <a:buNone/>
+              <a:defRPr sz="1600">
+                <a:latin typeface="Unica One"/>
+                <a:ea typeface="Unica One"/>
+                <a:cs typeface="Unica One"/>
+                <a:sym typeface="Unica One"/>
+              </a:defRPr>
+            </a:lvl7pPr>
+            <a:lvl8pPr lvl="7" algn="r" rtl="0">
+              <a:spcBef>
+                <a:spcPts val="0"/>
+              </a:spcBef>
+              <a:spcAft>
+                <a:spcPts val="0"/>
+              </a:spcAft>
+              <a:buSzPts val="1600"/>
+              <a:buFont typeface="Unica One"/>
+              <a:buNone/>
+              <a:defRPr sz="1600">
+                <a:latin typeface="Unica One"/>
+                <a:ea typeface="Unica One"/>
+                <a:cs typeface="Unica One"/>
+                <a:sym typeface="Unica One"/>
+              </a:defRPr>
+            </a:lvl8pPr>
+            <a:lvl9pPr lvl="8" algn="r" rtl="0">
+              <a:spcBef>
+                <a:spcPts val="0"/>
+              </a:spcBef>
+              <a:spcAft>
+                <a:spcPts val="0"/>
+              </a:spcAft>
+              <a:buSzPts val="1600"/>
+              <a:buFont typeface="Unica One"/>
+              <a:buNone/>
+              <a:defRPr sz="1600">
+                <a:latin typeface="Unica One"/>
+                <a:ea typeface="Unica One"/>
+                <a:cs typeface="Unica One"/>
+                <a:sym typeface="Unica One"/>
+              </a:defRPr>
+            </a:lvl9pPr>
+          </a:lstStyle>
+          <a:p>
+            <a:endParaRPr/>
+          </a:p>
+        </p:txBody>
+      </p:sp>
+      <p:sp>
+        <p:nvSpPr>
+          <p:cNvPr id="56" name="Google Shape;56;p9"/>
+          <p:cNvSpPr txBox="1">
+            <a:spLocks noGrp="1"/>
+          </p:cNvSpPr>
+          <p:nvPr>
+            <p:ph type="ctrTitle" idx="3"/>
+          </p:nvPr>
+        </p:nvSpPr>
+        <p:spPr>
+          <a:xfrm>
+            <a:off x="1815600" y="2003696"/>
+            <a:ext cx="2619300" cy="384900"/>
+          </a:xfrm>
+          <a:prstGeom prst="rect">
+            <a:avLst/>
+          </a:prstGeom>
+          <a:ln>
+            <a:noFill/>
+          </a:ln>
+        </p:spPr>
+        <p:txBody>
+          <a:bodyPr spcFirstLastPara="1" wrap="square" lIns="91425" tIns="91425" rIns="91425" bIns="91425" anchor="b" anchorCtr="0">
+            <a:noAutofit/>
+          </a:bodyPr>
+          <a:lstStyle>
+            <a:lvl1pPr lvl="0" algn="r" rtl="0">
+              <a:spcBef>
+                <a:spcPts val="0"/>
+              </a:spcBef>
+              <a:spcAft>
+                <a:spcPts val="0"/>
+              </a:spcAft>
+              <a:buSzPts val="1600"/>
+              <a:buNone/>
+              <a:defRPr sz="1600"/>
+            </a:lvl1pPr>
+            <a:lvl2pPr lvl="1" algn="r" rtl="0">
+              <a:spcBef>
+                <a:spcPts val="0"/>
+              </a:spcBef>
+              <a:spcAft>
+                <a:spcPts val="0"/>
+              </a:spcAft>
+              <a:buSzPts val="1600"/>
+              <a:buFont typeface="Unica One"/>
+              <a:buNone/>
+              <a:defRPr sz="1600">
+                <a:latin typeface="Unica One"/>
+                <a:ea typeface="Unica One"/>
+                <a:cs typeface="Unica One"/>
+                <a:sym typeface="Unica One"/>
+              </a:defRPr>
+            </a:lvl2pPr>
+            <a:lvl3pPr lvl="2" algn="r" rtl="0">
+              <a:spcBef>
+                <a:spcPts val="0"/>
+              </a:spcBef>
+              <a:spcAft>
+                <a:spcPts val="0"/>
+              </a:spcAft>
+              <a:buSzPts val="1600"/>
+              <a:buFont typeface="Unica One"/>
+              <a:buNone/>
+              <a:defRPr sz="1600">
+                <a:latin typeface="Unica One"/>
+                <a:ea typeface="Unica One"/>
+                <a:cs typeface="Unica One"/>
+                <a:sym typeface="Unica One"/>
+              </a:defRPr>
+            </a:lvl3pPr>
+            <a:lvl4pPr lvl="3" algn="r" rtl="0">
+              <a:spcBef>
+                <a:spcPts val="0"/>
+              </a:spcBef>
+              <a:spcAft>
+                <a:spcPts val="0"/>
+              </a:spcAft>
+              <a:buSzPts val="1600"/>
+              <a:buFont typeface="Unica One"/>
+              <a:buNone/>
+              <a:defRPr sz="1600">
+                <a:latin typeface="Unica One"/>
+                <a:ea typeface="Unica One"/>
+                <a:cs typeface="Unica One"/>
+                <a:sym typeface="Unica One"/>
+              </a:defRPr>
+            </a:lvl4pPr>
+            <a:lvl5pPr lvl="4" algn="r" rtl="0">
+              <a:spcBef>
+                <a:spcPts val="0"/>
+              </a:spcBef>
+              <a:spcAft>
+                <a:spcPts val="0"/>
+              </a:spcAft>
+              <a:buSzPts val="1600"/>
+              <a:buFont typeface="Unica One"/>
+              <a:buNone/>
+              <a:defRPr sz="1600">
+                <a:latin typeface="Unica One"/>
+                <a:ea typeface="Unica One"/>
+                <a:cs typeface="Unica One"/>
+                <a:sym typeface="Unica One"/>
+              </a:defRPr>
+            </a:lvl5pPr>
+            <a:lvl6pPr lvl="5" algn="r" rtl="0">
+              <a:spcBef>
+                <a:spcPts val="0"/>
+              </a:spcBef>
+              <a:spcAft>
+                <a:spcPts val="0"/>
+              </a:spcAft>
+              <a:buSzPts val="1600"/>
+              <a:buFont typeface="Unica One"/>
+              <a:buNone/>
+              <a:defRPr sz="1600">
+                <a:latin typeface="Unica One"/>
+                <a:ea typeface="Unica One"/>
+                <a:cs typeface="Unica One"/>
+                <a:sym typeface="Unica One"/>
+              </a:defRPr>
+            </a:lvl6pPr>
+            <a:lvl7pPr lvl="6" algn="r" rtl="0">
+              <a:spcBef>
+                <a:spcPts val="0"/>
+              </a:spcBef>
+              <a:spcAft>
+                <a:spcPts val="0"/>
+              </a:spcAft>
+              <a:buSzPts val="1600"/>
+              <a:buFont typeface="Unica One"/>
+              <a:buNone/>
+              <a:defRPr sz="1600">
+                <a:latin typeface="Unica One"/>
+                <a:ea typeface="Unica One"/>
+                <a:cs typeface="Unica One"/>
+                <a:sym typeface="Unica One"/>
+              </a:defRPr>
+            </a:lvl7pPr>
+            <a:lvl8pPr lvl="7" algn="r" rtl="0">
+              <a:spcBef>
+                <a:spcPts val="0"/>
+              </a:spcBef>
+              <a:spcAft>
+                <a:spcPts val="0"/>
+              </a:spcAft>
+              <a:buSzPts val="1600"/>
+              <a:buFont typeface="Unica One"/>
+              <a:buNone/>
+              <a:defRPr sz="1600">
+                <a:latin typeface="Unica One"/>
+                <a:ea typeface="Unica One"/>
+                <a:cs typeface="Unica One"/>
+                <a:sym typeface="Unica One"/>
+              </a:defRPr>
+            </a:lvl8pPr>
+            <a:lvl9pPr lvl="8" algn="r" rtl="0">
+              <a:spcBef>
+                <a:spcPts val="0"/>
+              </a:spcBef>
+              <a:spcAft>
+                <a:spcPts val="0"/>
+              </a:spcAft>
+              <a:buSzPts val="1600"/>
+              <a:buFont typeface="Unica One"/>
+              <a:buNone/>
+              <a:defRPr sz="1600">
+                <a:latin typeface="Unica One"/>
+                <a:ea typeface="Unica One"/>
+                <a:cs typeface="Unica One"/>
+                <a:sym typeface="Unica One"/>
+              </a:defRPr>
+            </a:lvl9pPr>
+          </a:lstStyle>
+          <a:p>
+            <a:endParaRPr/>
+          </a:p>
+        </p:txBody>
+      </p:sp>
+      <p:sp>
+        <p:nvSpPr>
+          <p:cNvPr id="57" name="Google Shape;57;p9"/>
+          <p:cNvSpPr txBox="1">
+            <a:spLocks noGrp="1"/>
+          </p:cNvSpPr>
+          <p:nvPr>
+            <p:ph type="subTitle" idx="4"/>
+          </p:nvPr>
+        </p:nvSpPr>
+        <p:spPr>
+          <a:xfrm>
+            <a:off x="994200" y="3244639"/>
+            <a:ext cx="2602500" cy="1112400"/>
+          </a:xfrm>
+          <a:prstGeom prst="rect">
+            <a:avLst/>
+          </a:prstGeom>
+        </p:spPr>
+        <p:txBody>
+          <a:bodyPr spcFirstLastPara="1" wrap="square" lIns="91425" tIns="91425" rIns="91425" bIns="91425" anchor="t" anchorCtr="0">
+            <a:noAutofit/>
+          </a:bodyPr>
+          <a:lstStyle>
+            <a:lvl1pPr lvl="0" algn="r" rtl="0">
+              <a:lnSpc>
+                <a:spcPct val="100000"/>
+              </a:lnSpc>
+              <a:spcBef>
+                <a:spcPts val="0"/>
+              </a:spcBef>
+              <a:spcAft>
+                <a:spcPts val="0"/>
+              </a:spcAft>
+              <a:buSzPts val="1000"/>
+              <a:buNone/>
+              <a:defRPr sz="1000"/>
+            </a:lvl1pPr>
+            <a:lvl2pPr lvl="1" algn="r" rtl="0">
+              <a:lnSpc>
+                <a:spcPct val="100000"/>
+              </a:lnSpc>
+              <a:spcBef>
+                <a:spcPts val="0"/>
+              </a:spcBef>
+              <a:spcAft>
+                <a:spcPts val="0"/>
+              </a:spcAft>
+              <a:buSzPts val="1000"/>
+              <a:buNone/>
+              <a:defRPr sz="1000"/>
+            </a:lvl2pPr>
+            <a:lvl3pPr lvl="2" algn="r" rtl="0">
+              <a:lnSpc>
+                <a:spcPct val="100000"/>
+              </a:lnSpc>
+              <a:spcBef>
+                <a:spcPts val="0"/>
+              </a:spcBef>
+              <a:spcAft>
+                <a:spcPts val="0"/>
+              </a:spcAft>
+              <a:buSzPts val="1000"/>
+              <a:buNone/>
+              <a:defRPr sz="1000"/>
+            </a:lvl3pPr>
+            <a:lvl4pPr lvl="3" algn="r" rtl="0">
+              <a:lnSpc>
+                <a:spcPct val="100000"/>
+              </a:lnSpc>
+              <a:spcBef>
+                <a:spcPts val="0"/>
+              </a:spcBef>
+              <a:spcAft>
+                <a:spcPts val="0"/>
+              </a:spcAft>
+              <a:buSzPts val="1000"/>
+              <a:buNone/>
+              <a:defRPr sz="1000"/>
+            </a:lvl4pPr>
+            <a:lvl5pPr lvl="4" algn="r" rtl="0">
+              <a:lnSpc>
+                <a:spcPct val="100000"/>
+              </a:lnSpc>
+              <a:spcBef>
+                <a:spcPts val="0"/>
+              </a:spcBef>
+              <a:spcAft>
+                <a:spcPts val="0"/>
+              </a:spcAft>
+              <a:buSzPts val="1000"/>
+              <a:buNone/>
+              <a:defRPr sz="1000"/>
+            </a:lvl5pPr>
+            <a:lvl6pPr lvl="5" algn="r" rtl="0">
+              <a:lnSpc>
+                <a:spcPct val="100000"/>
+              </a:lnSpc>
+              <a:spcBef>
+                <a:spcPts val="0"/>
+              </a:spcBef>
+              <a:spcAft>
+                <a:spcPts val="0"/>
+              </a:spcAft>
+              <a:buSzPts val="1000"/>
+              <a:buNone/>
+              <a:defRPr sz="1000"/>
+            </a:lvl6pPr>
+            <a:lvl7pPr lvl="6" algn="r" rtl="0">
+              <a:lnSpc>
+                <a:spcPct val="100000"/>
+              </a:lnSpc>
+              <a:spcBef>
+                <a:spcPts val="0"/>
+              </a:spcBef>
+              <a:spcAft>
+                <a:spcPts val="0"/>
+              </a:spcAft>
+              <a:buSzPts val="1000"/>
+              <a:buNone/>
+              <a:defRPr sz="1000"/>
+            </a:lvl7pPr>
+            <a:lvl8pPr lvl="7" algn="r" rtl="0">
+              <a:lnSpc>
+                <a:spcPct val="100000"/>
+              </a:lnSpc>
+              <a:spcBef>
+                <a:spcPts val="0"/>
+              </a:spcBef>
+              <a:spcAft>
+                <a:spcPts val="0"/>
+              </a:spcAft>
+              <a:buSzPts val="1000"/>
+              <a:buNone/>
+              <a:defRPr sz="1000"/>
+            </a:lvl8pPr>
+            <a:lvl9pPr lvl="8" algn="r" rtl="0">
+              <a:lnSpc>
+                <a:spcPct val="100000"/>
+              </a:lnSpc>
+              <a:spcBef>
+                <a:spcPts val="0"/>
+              </a:spcBef>
+              <a:spcAft>
+                <a:spcPts val="0"/>
+              </a:spcAft>
+              <a:buSzPts val="1000"/>
+              <a:buNone/>
+              <a:defRPr sz="1000"/>
+            </a:lvl9pPr>
+          </a:lstStyle>
+          <a:p>
+            <a:endParaRPr/>
+          </a:p>
+        </p:txBody>
+      </p:sp>
+      <p:sp>
+        <p:nvSpPr>
+          <p:cNvPr id="58" name="Google Shape;58;p9"/>
+          <p:cNvSpPr txBox="1">
+            <a:spLocks noGrp="1"/>
+          </p:cNvSpPr>
+          <p:nvPr>
+            <p:ph type="ctrTitle" idx="5"/>
+          </p:nvPr>
+        </p:nvSpPr>
+        <p:spPr>
+          <a:xfrm>
+            <a:off x="977400" y="3012239"/>
+            <a:ext cx="2619300" cy="384900"/>
+          </a:xfrm>
+          <a:prstGeom prst="rect">
+            <a:avLst/>
+          </a:prstGeom>
+          <a:ln>
+            <a:noFill/>
+          </a:ln>
+        </p:spPr>
+        <p:txBody>
+          <a:bodyPr spcFirstLastPara="1" wrap="square" lIns="91425" tIns="91425" rIns="91425" bIns="91425" anchor="b" anchorCtr="0">
+            <a:noAutofit/>
+          </a:bodyPr>
+          <a:lstStyle>
+            <a:lvl1pPr lvl="0" algn="r" rtl="0">
+              <a:spcBef>
+                <a:spcPts val="0"/>
+              </a:spcBef>
+              <a:spcAft>
+                <a:spcPts val="0"/>
+              </a:spcAft>
+              <a:buSzPts val="1600"/>
+              <a:buNone/>
+              <a:defRPr sz="1600"/>
+            </a:lvl1pPr>
+            <a:lvl2pPr lvl="1" algn="r" rtl="0">
+              <a:spcBef>
+                <a:spcPts val="0"/>
+              </a:spcBef>
+              <a:spcAft>
+                <a:spcPts val="0"/>
+              </a:spcAft>
+              <a:buSzPts val="1600"/>
+              <a:buFont typeface="Unica One"/>
+              <a:buNone/>
+              <a:defRPr sz="1600">
+                <a:latin typeface="Unica One"/>
+                <a:ea typeface="Unica One"/>
+                <a:cs typeface="Unica One"/>
+                <a:sym typeface="Unica One"/>
+              </a:defRPr>
+            </a:lvl2pPr>
+            <a:lvl3pPr lvl="2" algn="r" rtl="0">
+              <a:spcBef>
+                <a:spcPts val="0"/>
+              </a:spcBef>
+              <a:spcAft>
+                <a:spcPts val="0"/>
+              </a:spcAft>
+              <a:buSzPts val="1600"/>
+              <a:buFont typeface="Unica One"/>
+              <a:buNone/>
+              <a:defRPr sz="1600">
+                <a:latin typeface="Unica One"/>
+                <a:ea typeface="Unica One"/>
+                <a:cs typeface="Unica One"/>
+                <a:sym typeface="Unica One"/>
+              </a:defRPr>
+            </a:lvl3pPr>
+            <a:lvl4pPr lvl="3" algn="r" rtl="0">
+              <a:spcBef>
+                <a:spcPts val="0"/>
+              </a:spcBef>
+              <a:spcAft>
+                <a:spcPts val="0"/>
+              </a:spcAft>
+              <a:buSzPts val="1600"/>
+              <a:buFont typeface="Unica One"/>
+              <a:buNone/>
+              <a:defRPr sz="1600">
+                <a:latin typeface="Unica One"/>
+                <a:ea typeface="Unica One"/>
+                <a:cs typeface="Unica One"/>
+                <a:sym typeface="Unica One"/>
+              </a:defRPr>
+            </a:lvl4pPr>
+            <a:lvl5pPr lvl="4" algn="r" rtl="0">
+              <a:spcBef>
+                <a:spcPts val="0"/>
+              </a:spcBef>
+              <a:spcAft>
+                <a:spcPts val="0"/>
+              </a:spcAft>
+              <a:buSzPts val="1600"/>
+              <a:buFont typeface="Unica One"/>
+              <a:buNone/>
+              <a:defRPr sz="1600">
+                <a:latin typeface="Unica One"/>
+                <a:ea typeface="Unica One"/>
+                <a:cs typeface="Unica One"/>
+                <a:sym typeface="Unica One"/>
+              </a:defRPr>
+            </a:lvl5pPr>
+            <a:lvl6pPr lvl="5" algn="r" rtl="0">
+              <a:spcBef>
+                <a:spcPts val="0"/>
+              </a:spcBef>
+              <a:spcAft>
+                <a:spcPts val="0"/>
+              </a:spcAft>
+              <a:buSzPts val="1600"/>
+              <a:buFont typeface="Unica One"/>
+              <a:buNone/>
+              <a:defRPr sz="1600">
+                <a:latin typeface="Unica One"/>
+                <a:ea typeface="Unica One"/>
+                <a:cs typeface="Unica One"/>
+                <a:sym typeface="Unica One"/>
+              </a:defRPr>
+            </a:lvl6pPr>
+            <a:lvl7pPr lvl="6" algn="r" rtl="0">
+              <a:spcBef>
+                <a:spcPts val="0"/>
+              </a:spcBef>
+              <a:spcAft>
+                <a:spcPts val="0"/>
+              </a:spcAft>
+              <a:buSzPts val="1600"/>
+              <a:buFont typeface="Unica One"/>
+              <a:buNone/>
+              <a:defRPr sz="1600">
+                <a:latin typeface="Unica One"/>
+                <a:ea typeface="Unica One"/>
+                <a:cs typeface="Unica One"/>
+                <a:sym typeface="Unica One"/>
+              </a:defRPr>
+            </a:lvl7pPr>
+            <a:lvl8pPr lvl="7" algn="r" rtl="0">
+              <a:spcBef>
+                <a:spcPts val="0"/>
+              </a:spcBef>
+              <a:spcAft>
+                <a:spcPts val="0"/>
+              </a:spcAft>
+              <a:buSzPts val="1600"/>
+              <a:buFont typeface="Unica One"/>
+              <a:buNone/>
+              <a:defRPr sz="1600">
+                <a:latin typeface="Unica One"/>
+                <a:ea typeface="Unica One"/>
+                <a:cs typeface="Unica One"/>
+                <a:sym typeface="Unica One"/>
+              </a:defRPr>
+            </a:lvl8pPr>
+            <a:lvl9pPr lvl="8" algn="r" rtl="0">
+              <a:spcBef>
+                <a:spcPts val="0"/>
+              </a:spcBef>
+              <a:spcAft>
+                <a:spcPts val="0"/>
+              </a:spcAft>
+              <a:buSzPts val="1600"/>
+              <a:buFont typeface="Unica One"/>
+              <a:buNone/>
+              <a:defRPr sz="1600">
+                <a:latin typeface="Unica One"/>
+                <a:ea typeface="Unica One"/>
+                <a:cs typeface="Unica One"/>
+                <a:sym typeface="Unica One"/>
+              </a:defRPr>
+            </a:lvl9pPr>
+          </a:lstStyle>
+          <a:p>
+            <a:endParaRPr/>
+          </a:p>
+        </p:txBody>
+      </p:sp>
+      <p:sp>
+        <p:nvSpPr>
+          <p:cNvPr id="59" name="Google Shape;59;p9"/>
+          <p:cNvSpPr txBox="1">
+            <a:spLocks noGrp="1"/>
+          </p:cNvSpPr>
+          <p:nvPr>
+            <p:ph type="ctrTitle" idx="6"/>
+          </p:nvPr>
+        </p:nvSpPr>
+        <p:spPr>
+          <a:xfrm>
+            <a:off x="720000" y="377975"/>
+            <a:ext cx="1249200" cy="946200"/>
+          </a:xfrm>
+          <a:prstGeom prst="rect">
+            <a:avLst/>
+          </a:prstGeom>
+        </p:spPr>
+        <p:txBody>
+          <a:bodyPr spcFirstLastPara="1" wrap="square" lIns="91425" tIns="91425" rIns="91425" bIns="91425" anchor="ctr" anchorCtr="0">
+            <a:noAutofit/>
+          </a:bodyPr>
+          <a:lstStyle>
+            <a:lvl1pPr lvl="0" rtl="0">
+              <a:spcBef>
+                <a:spcPts val="0"/>
+              </a:spcBef>
+              <a:spcAft>
+                <a:spcPts val="0"/>
+              </a:spcAft>
+              <a:buSzPts val="1400"/>
+              <a:buNone/>
+              <a:defRPr sz="1400"/>
+            </a:lvl1pPr>
+            <a:lvl2pPr lvl="1" algn="ctr" rtl="0">
+              <a:spcBef>
+                <a:spcPts val="0"/>
+              </a:spcBef>
+              <a:spcAft>
+                <a:spcPts val="0"/>
+              </a:spcAft>
+              <a:buSzPts val="1400"/>
+              <a:buNone/>
+              <a:defRPr sz="1400"/>
+            </a:lvl2pPr>
+            <a:lvl3pPr lvl="2" algn="ctr" rtl="0">
+              <a:spcBef>
+                <a:spcPts val="0"/>
+              </a:spcBef>
+              <a:spcAft>
+                <a:spcPts val="0"/>
+              </a:spcAft>
+              <a:buSzPts val="1400"/>
+              <a:buNone/>
+              <a:defRPr sz="1400"/>
+            </a:lvl3pPr>
+            <a:lvl4pPr lvl="3" algn="ctr" rtl="0">
+              <a:spcBef>
+                <a:spcPts val="0"/>
+              </a:spcBef>
+              <a:spcAft>
+                <a:spcPts val="0"/>
+              </a:spcAft>
+              <a:buSzPts val="1400"/>
+              <a:buNone/>
+              <a:defRPr sz="1400"/>
+            </a:lvl4pPr>
+            <a:lvl5pPr lvl="4" algn="ctr" rtl="0">
+              <a:spcBef>
+                <a:spcPts val="0"/>
+              </a:spcBef>
+              <a:spcAft>
+                <a:spcPts val="0"/>
+              </a:spcAft>
+              <a:buSzPts val="1400"/>
+              <a:buNone/>
+              <a:defRPr sz="1400"/>
+            </a:lvl5pPr>
+            <a:lvl6pPr lvl="5" algn="ctr" rtl="0">
+              <a:spcBef>
+                <a:spcPts val="0"/>
+              </a:spcBef>
+              <a:spcAft>
+                <a:spcPts val="0"/>
+              </a:spcAft>
+              <a:buSzPts val="1400"/>
+              <a:buNone/>
+              <a:defRPr sz="1400"/>
+            </a:lvl6pPr>
+            <a:lvl7pPr lvl="6" algn="ctr" rtl="0">
+              <a:spcBef>
+                <a:spcPts val="0"/>
+              </a:spcBef>
+              <a:spcAft>
+                <a:spcPts val="0"/>
+              </a:spcAft>
+              <a:buSzPts val="1400"/>
+              <a:buNone/>
+              <a:defRPr sz="1400"/>
+            </a:lvl7pPr>
+            <a:lvl8pPr lvl="7" algn="ctr" rtl="0">
+              <a:spcBef>
+                <a:spcPts val="0"/>
+              </a:spcBef>
+              <a:spcAft>
+                <a:spcPts val="0"/>
+              </a:spcAft>
+              <a:buSzPts val="1400"/>
+              <a:buNone/>
+              <a:defRPr sz="1400"/>
+            </a:lvl8pPr>
+            <a:lvl9pPr lvl="8" algn="ctr" rtl="0">
+              <a:spcBef>
+                <a:spcPts val="0"/>
+              </a:spcBef>
+              <a:spcAft>
+                <a:spcPts val="0"/>
+              </a:spcAft>
+              <a:buSzPts val="1400"/>
+              <a:buNone/>
+              <a:defRPr sz="1400"/>
+            </a:lvl9pPr>
+          </a:lstStyle>
+          <a:p>
+            <a:endParaRPr/>
+          </a:p>
+        </p:txBody>
+      </p:sp>
+      <p:sp>
+        <p:nvSpPr>
+          <p:cNvPr id="60" name="Google Shape;60;p9"/>
+          <p:cNvSpPr/>
+          <p:nvPr/>
+        </p:nvSpPr>
+        <p:spPr>
+          <a:xfrm>
+            <a:off x="-92200" y="550200"/>
+            <a:ext cx="1781700" cy="630000"/>
+          </a:xfrm>
+          <a:prstGeom prst="rect">
+            <a:avLst/>
+          </a:prstGeom>
+          <a:noFill/>
+          <a:ln w="9525" cap="flat" cmpd="sng">
+            <a:solidFill>
+              <a:schemeClr val="lt1"/>
+            </a:solidFill>
+            <a:prstDash val="solid"/>
+            <a:round/>
+            <a:headEnd type="none" w="sm" len="sm"/>
+            <a:tailEnd type="none" w="sm" len="sm"/>
+          </a:ln>
+        </p:spPr>
+        <p:txBody>
+          <a:bodyPr spcFirstLastPara="1" wrap="square" lIns="91425" tIns="91425" rIns="91425" bIns="91425" anchor="ctr" anchorCtr="0">
+            <a:noAutofit/>
+          </a:bodyPr>
+          <a:lstStyle/>
+          <a:p>
+            <a:pPr marL="0" lvl="0" indent="0" algn="l" rtl="0">
+              <a:spcBef>
+                <a:spcPts val="0"/>
+              </a:spcBef>
+              <a:spcAft>
+                <a:spcPts val="0"/>
+              </a:spcAft>
+              <a:buNone/>
+            </a:pPr>
+            <a:endParaRPr/>
+          </a:p>
+        </p:txBody>
+      </p:sp>
+    </p:spTree>
+  </p:cSld>
+  <p:clrMapOvr>
+    <a:masterClrMapping/>
+  </p:clrMapOvr>
+</p:sldLayout>
+</file>
+
+<file path=ppt/slideLayouts/slideLayout3.xml><?xml version="1.0" encoding="utf-8"?>
+<p:sldLayout xmlns:a="http://schemas.openxmlformats.org/drawingml/2006/main" xmlns:r="http://schemas.openxmlformats.org/officeDocument/2006/relationships" xmlns:p="http://schemas.openxmlformats.org/presentationml/2006/main" matchingName="Title + text 2">
+  <p:cSld name="CUSTOM_11_1_2_1">
+    <p:spTree>
+      <p:nvGrpSpPr>
+        <p:cNvPr id="1" name="Shape 61"/>
+        <p:cNvGrpSpPr/>
+        <p:nvPr/>
+      </p:nvGrpSpPr>
+      <p:grpSpPr>
+        <a:xfrm>
+          <a:off x="0" y="0"/>
+          <a:ext cx="0" cy="0"/>
+          <a:chOff x="0" y="0"/>
+          <a:chExt cx="0" cy="0"/>
+        </a:xfrm>
+      </p:grpSpPr>
+      <p:sp>
+        <p:nvSpPr>
+          <p:cNvPr id="62" name="Google Shape;62;p10"/>
+          <p:cNvSpPr txBox="1">
+            <a:spLocks noGrp="1"/>
+          </p:cNvSpPr>
+          <p:nvPr>
+            <p:ph type="ctrTitle"/>
+          </p:nvPr>
+        </p:nvSpPr>
+        <p:spPr>
+          <a:xfrm>
+            <a:off x="2638350" y="-156902"/>
+            <a:ext cx="3867300" cy="2054100"/>
+          </a:xfrm>
+          <a:prstGeom prst="rect">
+            <a:avLst/>
+          </a:prstGeom>
+        </p:spPr>
+        <p:txBody>
+          <a:bodyPr spcFirstLastPara="1" wrap="square" lIns="91425" tIns="91425" rIns="91425" bIns="91425" anchor="b" anchorCtr="0">
+            <a:noAutofit/>
+          </a:bodyPr>
+          <a:lstStyle>
+            <a:lvl1pPr lvl="0" algn="ctr" rtl="0">
+              <a:spcBef>
+                <a:spcPts val="0"/>
+              </a:spcBef>
+              <a:spcAft>
+                <a:spcPts val="0"/>
+              </a:spcAft>
+              <a:buSzPts val="2800"/>
+              <a:buNone/>
+              <a:defRPr/>
+            </a:lvl1pPr>
+            <a:lvl2pPr lvl="1" algn="ctr" rtl="0">
+              <a:spcBef>
+                <a:spcPts val="0"/>
+              </a:spcBef>
+              <a:spcAft>
+                <a:spcPts val="0"/>
+              </a:spcAft>
+              <a:buClr>
+                <a:srgbClr val="FFFFFF"/>
+              </a:buClr>
+              <a:buSzPts val="1600"/>
+              <a:buNone/>
+              <a:defRPr sz="1600">
+                <a:solidFill>
+                  <a:srgbClr val="FFFFFF"/>
+                </a:solidFill>
+              </a:defRPr>
+            </a:lvl2pPr>
+            <a:lvl3pPr lvl="2" algn="ctr" rtl="0">
+              <a:spcBef>
+                <a:spcPts val="0"/>
+              </a:spcBef>
+              <a:spcAft>
+                <a:spcPts val="0"/>
+              </a:spcAft>
+              <a:buClr>
+                <a:srgbClr val="FFFFFF"/>
+              </a:buClr>
+              <a:buSzPts val="1600"/>
+              <a:buNone/>
+              <a:defRPr sz="1600">
+                <a:solidFill>
+                  <a:srgbClr val="FFFFFF"/>
+                </a:solidFill>
+              </a:defRPr>
+            </a:lvl3pPr>
+            <a:lvl4pPr lvl="3" algn="ctr" rtl="0">
+              <a:spcBef>
+                <a:spcPts val="0"/>
+              </a:spcBef>
+              <a:spcAft>
+                <a:spcPts val="0"/>
+              </a:spcAft>
+              <a:buClr>
+                <a:srgbClr val="FFFFFF"/>
+              </a:buClr>
+              <a:buSzPts val="1600"/>
+              <a:buNone/>
+              <a:defRPr sz="1600">
+                <a:solidFill>
+                  <a:srgbClr val="FFFFFF"/>
+                </a:solidFill>
+              </a:defRPr>
+            </a:lvl4pPr>
+            <a:lvl5pPr lvl="4" algn="ctr" rtl="0">
+              <a:spcBef>
+                <a:spcPts val="0"/>
+              </a:spcBef>
+              <a:spcAft>
+                <a:spcPts val="0"/>
+              </a:spcAft>
+              <a:buClr>
+                <a:srgbClr val="FFFFFF"/>
+              </a:buClr>
+              <a:buSzPts val="1600"/>
+              <a:buNone/>
+              <a:defRPr sz="1600">
+                <a:solidFill>
+                  <a:srgbClr val="FFFFFF"/>
+                </a:solidFill>
+              </a:defRPr>
+            </a:lvl5pPr>
+            <a:lvl6pPr lvl="5" algn="ctr" rtl="0">
+              <a:spcBef>
+                <a:spcPts val="0"/>
+              </a:spcBef>
+              <a:spcAft>
+                <a:spcPts val="0"/>
+              </a:spcAft>
+              <a:buClr>
+                <a:srgbClr val="FFFFFF"/>
+              </a:buClr>
+              <a:buSzPts val="1600"/>
+              <a:buNone/>
+              <a:defRPr sz="1600">
+                <a:solidFill>
+                  <a:srgbClr val="FFFFFF"/>
+                </a:solidFill>
+              </a:defRPr>
+            </a:lvl6pPr>
+            <a:lvl7pPr lvl="6" algn="ctr" rtl="0">
+              <a:spcBef>
+                <a:spcPts val="0"/>
+              </a:spcBef>
+              <a:spcAft>
+                <a:spcPts val="0"/>
+              </a:spcAft>
+              <a:buClr>
+                <a:srgbClr val="FFFFFF"/>
+              </a:buClr>
+              <a:buSzPts val="1600"/>
+              <a:buNone/>
+              <a:defRPr sz="1600">
+                <a:solidFill>
+                  <a:srgbClr val="FFFFFF"/>
+                </a:solidFill>
+              </a:defRPr>
+            </a:lvl7pPr>
+            <a:lvl8pPr lvl="7" algn="ctr" rtl="0">
+              <a:spcBef>
+                <a:spcPts val="0"/>
+              </a:spcBef>
+              <a:spcAft>
+                <a:spcPts val="0"/>
+              </a:spcAft>
+              <a:buClr>
+                <a:srgbClr val="FFFFFF"/>
+              </a:buClr>
+              <a:buSzPts val="1600"/>
+              <a:buNone/>
+              <a:defRPr sz="1600">
+                <a:solidFill>
+                  <a:srgbClr val="FFFFFF"/>
+                </a:solidFill>
+              </a:defRPr>
+            </a:lvl8pPr>
+            <a:lvl9pPr lvl="8" algn="ctr" rtl="0">
+              <a:spcBef>
+                <a:spcPts val="0"/>
+              </a:spcBef>
+              <a:spcAft>
+                <a:spcPts val="0"/>
+              </a:spcAft>
+              <a:buClr>
+                <a:srgbClr val="FFFFFF"/>
+              </a:buClr>
+              <a:buSzPts val="1600"/>
+              <a:buNone/>
+              <a:defRPr sz="1600">
+                <a:solidFill>
+                  <a:srgbClr val="FFFFFF"/>
+                </a:solidFill>
+              </a:defRPr>
+            </a:lvl9pPr>
+          </a:lstStyle>
+          <a:p>
+            <a:endParaRPr/>
+          </a:p>
+        </p:txBody>
+      </p:sp>
+      <p:sp>
+        <p:nvSpPr>
+          <p:cNvPr id="63" name="Google Shape;63;p10"/>
+          <p:cNvSpPr txBox="1">
+            <a:spLocks noGrp="1"/>
+          </p:cNvSpPr>
+          <p:nvPr>
+            <p:ph type="subTitle" idx="1"/>
+          </p:nvPr>
+        </p:nvSpPr>
+        <p:spPr>
+          <a:xfrm>
+            <a:off x="3031200" y="1857025"/>
+            <a:ext cx="3081600" cy="1784400"/>
+          </a:xfrm>
+          <a:prstGeom prst="rect">
+            <a:avLst/>
+          </a:prstGeom>
+        </p:spPr>
+        <p:txBody>
+          <a:bodyPr spcFirstLastPara="1" wrap="square" lIns="91425" tIns="91425" rIns="91425" bIns="91425" anchor="t" anchorCtr="0">
+            <a:noAutofit/>
+          </a:bodyPr>
+          <a:lstStyle>
+            <a:lvl1pPr lvl="0" algn="ctr" rtl="0">
+              <a:lnSpc>
+                <a:spcPct val="100000"/>
+              </a:lnSpc>
+              <a:spcBef>
+                <a:spcPts val="0"/>
+              </a:spcBef>
+              <a:spcAft>
+                <a:spcPts val="0"/>
+              </a:spcAft>
+              <a:buSzPts val="1000"/>
+              <a:buNone/>
+              <a:defRPr sz="1000"/>
+            </a:lvl1pPr>
+            <a:lvl2pPr lvl="1" algn="ctr" rtl="0">
+              <a:lnSpc>
+                <a:spcPct val="100000"/>
+              </a:lnSpc>
+              <a:spcBef>
+                <a:spcPts val="0"/>
+              </a:spcBef>
+              <a:spcAft>
+                <a:spcPts val="0"/>
+              </a:spcAft>
+              <a:buClr>
+                <a:srgbClr val="FFFFFF"/>
+              </a:buClr>
+              <a:buSzPts val="1000"/>
+              <a:buNone/>
+              <a:defRPr sz="1000">
+                <a:solidFill>
+                  <a:srgbClr val="FFFFFF"/>
+                </a:solidFill>
+              </a:defRPr>
+            </a:lvl2pPr>
+            <a:lvl3pPr lvl="2" algn="ctr" rtl="0">
+              <a:lnSpc>
+                <a:spcPct val="100000"/>
+              </a:lnSpc>
+              <a:spcBef>
+                <a:spcPts val="0"/>
+              </a:spcBef>
+              <a:spcAft>
+                <a:spcPts val="0"/>
+              </a:spcAft>
+              <a:buClr>
+                <a:srgbClr val="FFFFFF"/>
+              </a:buClr>
+              <a:buSzPts val="1000"/>
+              <a:buNone/>
+              <a:defRPr sz="1000">
+                <a:solidFill>
+                  <a:srgbClr val="FFFFFF"/>
+                </a:solidFill>
+              </a:defRPr>
+            </a:lvl3pPr>
+            <a:lvl4pPr lvl="3" algn="ctr" rtl="0">
+              <a:lnSpc>
+                <a:spcPct val="100000"/>
+              </a:lnSpc>
+              <a:spcBef>
+                <a:spcPts val="0"/>
+              </a:spcBef>
+              <a:spcAft>
+                <a:spcPts val="0"/>
+              </a:spcAft>
+              <a:buClr>
+                <a:srgbClr val="FFFFFF"/>
+              </a:buClr>
+              <a:buSzPts val="1000"/>
+              <a:buNone/>
+              <a:defRPr sz="1000">
+                <a:solidFill>
+                  <a:srgbClr val="FFFFFF"/>
+                </a:solidFill>
+              </a:defRPr>
+            </a:lvl4pPr>
+            <a:lvl5pPr lvl="4" algn="ctr" rtl="0">
+              <a:lnSpc>
+                <a:spcPct val="100000"/>
+              </a:lnSpc>
+              <a:spcBef>
+                <a:spcPts val="0"/>
+              </a:spcBef>
+              <a:spcAft>
+                <a:spcPts val="0"/>
+              </a:spcAft>
+              <a:buClr>
+                <a:srgbClr val="FFFFFF"/>
+              </a:buClr>
+              <a:buSzPts val="1000"/>
+              <a:buNone/>
+              <a:defRPr sz="1000">
+                <a:solidFill>
+                  <a:srgbClr val="FFFFFF"/>
+                </a:solidFill>
+              </a:defRPr>
+            </a:lvl5pPr>
+            <a:lvl6pPr lvl="5" algn="ctr" rtl="0">
+              <a:lnSpc>
+                <a:spcPct val="100000"/>
+              </a:lnSpc>
+              <a:spcBef>
+                <a:spcPts val="0"/>
+              </a:spcBef>
+              <a:spcAft>
+                <a:spcPts val="0"/>
+              </a:spcAft>
+              <a:buClr>
+                <a:srgbClr val="FFFFFF"/>
+              </a:buClr>
+              <a:buSzPts val="1000"/>
+              <a:buNone/>
+              <a:defRPr sz="1000">
+                <a:solidFill>
+                  <a:srgbClr val="FFFFFF"/>
+                </a:solidFill>
+              </a:defRPr>
+            </a:lvl6pPr>
+            <a:lvl7pPr lvl="6" algn="ctr" rtl="0">
+              <a:lnSpc>
+                <a:spcPct val="100000"/>
+              </a:lnSpc>
+              <a:spcBef>
+                <a:spcPts val="0"/>
+              </a:spcBef>
+              <a:spcAft>
+                <a:spcPts val="0"/>
+              </a:spcAft>
+              <a:buClr>
+                <a:srgbClr val="FFFFFF"/>
+              </a:buClr>
+              <a:buSzPts val="1000"/>
+              <a:buNone/>
+              <a:defRPr sz="1000">
+                <a:solidFill>
+                  <a:srgbClr val="FFFFFF"/>
+                </a:solidFill>
+              </a:defRPr>
+            </a:lvl7pPr>
+            <a:lvl8pPr lvl="7" algn="ctr" rtl="0">
+              <a:lnSpc>
+                <a:spcPct val="100000"/>
+              </a:lnSpc>
+              <a:spcBef>
+                <a:spcPts val="0"/>
+              </a:spcBef>
+              <a:spcAft>
+                <a:spcPts val="0"/>
+              </a:spcAft>
+              <a:buClr>
+                <a:srgbClr val="FFFFFF"/>
+              </a:buClr>
+              <a:buSzPts val="1000"/>
+              <a:buNone/>
+              <a:defRPr sz="1000">
+                <a:solidFill>
+                  <a:srgbClr val="FFFFFF"/>
+                </a:solidFill>
+              </a:defRPr>
+            </a:lvl8pPr>
+            <a:lvl9pPr lvl="8" algn="ctr" rtl="0">
+              <a:lnSpc>
+                <a:spcPct val="100000"/>
+              </a:lnSpc>
+              <a:spcBef>
+                <a:spcPts val="0"/>
+              </a:spcBef>
+              <a:spcAft>
+                <a:spcPts val="0"/>
+              </a:spcAft>
+              <a:buClr>
+                <a:srgbClr val="FFFFFF"/>
+              </a:buClr>
+              <a:buSzPts val="1000"/>
+              <a:buNone/>
+              <a:defRPr sz="1000">
+                <a:solidFill>
+                  <a:srgbClr val="FFFFFF"/>
+                </a:solidFill>
+              </a:defRPr>
+            </a:lvl9pPr>
+          </a:lstStyle>
+          <a:p>
+            <a:endParaRPr/>
+          </a:p>
+        </p:txBody>
+      </p:sp>
+    </p:spTree>
+  </p:cSld>
+  <p:clrMapOvr>
+    <a:masterClrMapping/>
+  </p:clrMapOvr>
+</p:sldLayout>
+</file>
+
+<file path=ppt/slideLayouts/slideLayout4.xml><?xml version="1.0" encoding="utf-8"?>
+<p:sldLayout xmlns:a="http://schemas.openxmlformats.org/drawingml/2006/main" xmlns:r="http://schemas.openxmlformats.org/officeDocument/2006/relationships" xmlns:p="http://schemas.openxmlformats.org/presentationml/2006/main" matchingName="Resources">
+  <p:cSld name="CUSTOM_10">
+    <p:spTree>
+      <p:nvGrpSpPr>
+        <p:cNvPr id="1" name="Shape 68"/>
+        <p:cNvGrpSpPr/>
+        <p:nvPr/>
+      </p:nvGrpSpPr>
+      <p:grpSpPr>
+        <a:xfrm>
+          <a:off x="0" y="0"/>
+          <a:ext cx="0" cy="0"/>
+          <a:chOff x="0" y="0"/>
+          <a:chExt cx="0" cy="0"/>
+        </a:xfrm>
+      </p:grpSpPr>
+      <p:sp>
+        <p:nvSpPr>
+          <p:cNvPr id="69" name="Google Shape;69;p12"/>
+          <p:cNvSpPr txBox="1">
+            <a:spLocks noGrp="1"/>
+          </p:cNvSpPr>
+          <p:nvPr>
+            <p:ph type="body" idx="1"/>
+          </p:nvPr>
+        </p:nvSpPr>
+        <p:spPr>
+          <a:xfrm>
+            <a:off x="1251650" y="1435828"/>
+            <a:ext cx="3961500" cy="1476000"/>
+          </a:xfrm>
+          <a:prstGeom prst="rect">
+            <a:avLst/>
+          </a:prstGeom>
+        </p:spPr>
+        <p:txBody>
+          <a:bodyPr spcFirstLastPara="1" wrap="square" lIns="91425" tIns="91425" rIns="91425" bIns="91425" anchor="t" anchorCtr="0">
+            <a:noAutofit/>
+          </a:bodyPr>
+          <a:lstStyle>
+            <a:lvl1pPr marL="457200" lvl="0" indent="-304800" rtl="0">
+              <a:spcBef>
+                <a:spcPts val="0"/>
+              </a:spcBef>
+              <a:spcAft>
+                <a:spcPts val="0"/>
+              </a:spcAft>
+              <a:buSzPts val="1200"/>
+              <a:buChar char="●"/>
+              <a:defRPr/>
+            </a:lvl1pPr>
+            <a:lvl2pPr marL="914400" lvl="1" indent="-304800" rtl="0">
+              <a:spcBef>
+                <a:spcPts val="1600"/>
+              </a:spcBef>
+              <a:spcAft>
+                <a:spcPts val="0"/>
+              </a:spcAft>
+              <a:buSzPts val="1200"/>
+              <a:buChar char="○"/>
+              <a:defRPr/>
+            </a:lvl2pPr>
+            <a:lvl3pPr marL="1371600" lvl="2" indent="-304800" rtl="0">
+              <a:spcBef>
+                <a:spcPts val="1600"/>
+              </a:spcBef>
+              <a:spcAft>
+                <a:spcPts val="0"/>
+              </a:spcAft>
+              <a:buSzPts val="1200"/>
+              <a:buChar char="■"/>
+              <a:defRPr/>
+            </a:lvl3pPr>
+            <a:lvl4pPr marL="1828800" lvl="3" indent="-304800" rtl="0">
+              <a:spcBef>
+                <a:spcPts val="1600"/>
+              </a:spcBef>
+              <a:spcAft>
+                <a:spcPts val="0"/>
+              </a:spcAft>
+              <a:buSzPts val="1200"/>
+              <a:buChar char="●"/>
+              <a:defRPr/>
+            </a:lvl4pPr>
+            <a:lvl5pPr marL="2286000" lvl="4" indent="-304800" rtl="0">
+              <a:spcBef>
+                <a:spcPts val="1600"/>
+              </a:spcBef>
+              <a:spcAft>
+                <a:spcPts val="0"/>
+              </a:spcAft>
+              <a:buSzPts val="1200"/>
+              <a:buChar char="○"/>
+              <a:defRPr/>
+            </a:lvl5pPr>
+            <a:lvl6pPr marL="2743200" lvl="5" indent="-304800" rtl="0">
+              <a:spcBef>
+                <a:spcPts val="1600"/>
+              </a:spcBef>
+              <a:spcAft>
+                <a:spcPts val="0"/>
+              </a:spcAft>
+              <a:buSzPts val="1200"/>
+              <a:buChar char="■"/>
+              <a:defRPr/>
+            </a:lvl6pPr>
+            <a:lvl7pPr marL="3200400" lvl="6" indent="-304800" rtl="0">
+              <a:spcBef>
+                <a:spcPts val="1600"/>
+              </a:spcBef>
+              <a:spcAft>
+                <a:spcPts val="0"/>
+              </a:spcAft>
+              <a:buSzPts val="1200"/>
+              <a:buChar char="●"/>
+              <a:defRPr/>
+            </a:lvl7pPr>
+            <a:lvl8pPr marL="3657600" lvl="7" indent="-304800" rtl="0">
+              <a:spcBef>
+                <a:spcPts val="1600"/>
+              </a:spcBef>
+              <a:spcAft>
+                <a:spcPts val="0"/>
+              </a:spcAft>
+              <a:buSzPts val="1200"/>
+              <a:buChar char="○"/>
+              <a:defRPr/>
+            </a:lvl8pPr>
+            <a:lvl9pPr marL="4114800" lvl="8" indent="-304800" rtl="0">
+              <a:spcBef>
+                <a:spcPts val="1600"/>
+              </a:spcBef>
+              <a:spcAft>
+                <a:spcPts val="1600"/>
+              </a:spcAft>
+              <a:buSzPts val="1200"/>
+              <a:buChar char="■"/>
+              <a:defRPr/>
+            </a:lvl9pPr>
+          </a:lstStyle>
+          <a:p>
+            <a:endParaRPr/>
+          </a:p>
+        </p:txBody>
+      </p:sp>
+      <p:sp>
+        <p:nvSpPr>
+          <p:cNvPr id="70" name="Google Shape;70;p12"/>
+          <p:cNvSpPr txBox="1">
+            <a:spLocks noGrp="1"/>
+          </p:cNvSpPr>
+          <p:nvPr>
+            <p:ph type="body" idx="2"/>
+          </p:nvPr>
+        </p:nvSpPr>
+        <p:spPr>
+          <a:xfrm>
+            <a:off x="5262400" y="1435828"/>
+            <a:ext cx="3961500" cy="1476000"/>
+          </a:xfrm>
+          <a:prstGeom prst="rect">
+            <a:avLst/>
+          </a:prstGeom>
+        </p:spPr>
+        <p:txBody>
+          <a:bodyPr spcFirstLastPara="1" wrap="square" lIns="91425" tIns="91425" rIns="91425" bIns="91425" anchor="t" anchorCtr="0">
+            <a:noAutofit/>
+          </a:bodyPr>
+          <a:lstStyle>
+            <a:lvl1pPr marL="457200" lvl="0" indent="-304800" rtl="0">
+              <a:spcBef>
+                <a:spcPts val="0"/>
+              </a:spcBef>
+              <a:spcAft>
+                <a:spcPts val="0"/>
+              </a:spcAft>
+              <a:buSzPts val="1200"/>
+              <a:buChar char="●"/>
+              <a:defRPr/>
+            </a:lvl1pPr>
+            <a:lvl2pPr marL="914400" lvl="1" indent="-304800" rtl="0">
+              <a:spcBef>
+                <a:spcPts val="1600"/>
+              </a:spcBef>
+              <a:spcAft>
+                <a:spcPts val="0"/>
+              </a:spcAft>
+              <a:buSzPts val="1200"/>
+              <a:buChar char="○"/>
+              <a:defRPr/>
+            </a:lvl2pPr>
+            <a:lvl3pPr marL="1371600" lvl="2" indent="-304800" rtl="0">
+              <a:spcBef>
+                <a:spcPts val="1600"/>
+              </a:spcBef>
+              <a:spcAft>
+                <a:spcPts val="0"/>
+              </a:spcAft>
+              <a:buSzPts val="1200"/>
+              <a:buChar char="■"/>
+              <a:defRPr/>
+            </a:lvl3pPr>
+            <a:lvl4pPr marL="1828800" lvl="3" indent="-304800" rtl="0">
+              <a:spcBef>
+                <a:spcPts val="1600"/>
+              </a:spcBef>
+              <a:spcAft>
+                <a:spcPts val="0"/>
+              </a:spcAft>
+              <a:buSzPts val="1200"/>
+              <a:buChar char="●"/>
+              <a:defRPr/>
+            </a:lvl4pPr>
+            <a:lvl5pPr marL="2286000" lvl="4" indent="-304800" rtl="0">
+              <a:spcBef>
+                <a:spcPts val="1600"/>
+              </a:spcBef>
+              <a:spcAft>
+                <a:spcPts val="0"/>
+              </a:spcAft>
+              <a:buSzPts val="1200"/>
+              <a:buChar char="○"/>
+              <a:defRPr/>
+            </a:lvl5pPr>
+            <a:lvl6pPr marL="2743200" lvl="5" indent="-304800" rtl="0">
+              <a:spcBef>
+                <a:spcPts val="1600"/>
+              </a:spcBef>
+              <a:spcAft>
+                <a:spcPts val="0"/>
+              </a:spcAft>
+              <a:buSzPts val="1200"/>
+              <a:buChar char="■"/>
+              <a:defRPr/>
+            </a:lvl6pPr>
+            <a:lvl7pPr marL="3200400" lvl="6" indent="-304800" rtl="0">
+              <a:spcBef>
+                <a:spcPts val="1600"/>
+              </a:spcBef>
+              <a:spcAft>
+                <a:spcPts val="0"/>
+              </a:spcAft>
+              <a:buSzPts val="1200"/>
+              <a:buChar char="●"/>
+              <a:defRPr/>
+            </a:lvl7pPr>
+            <a:lvl8pPr marL="3657600" lvl="7" indent="-304800" rtl="0">
+              <a:spcBef>
+                <a:spcPts val="1600"/>
+              </a:spcBef>
+              <a:spcAft>
+                <a:spcPts val="0"/>
+              </a:spcAft>
+              <a:buSzPts val="1200"/>
+              <a:buChar char="○"/>
+              <a:defRPr/>
+            </a:lvl8pPr>
+            <a:lvl9pPr marL="4114800" lvl="8" indent="-304800" rtl="0">
+              <a:spcBef>
+                <a:spcPts val="1600"/>
+              </a:spcBef>
+              <a:spcAft>
+                <a:spcPts val="1600"/>
+              </a:spcAft>
+              <a:buSzPts val="1200"/>
+              <a:buChar char="■"/>
+              <a:defRPr/>
+            </a:lvl9pPr>
+          </a:lstStyle>
+          <a:p>
+            <a:endParaRPr/>
+          </a:p>
+        </p:txBody>
+      </p:sp>
+      <p:sp>
+        <p:nvSpPr>
+          <p:cNvPr id="71" name="Google Shape;71;p12"/>
+          <p:cNvSpPr txBox="1">
+            <a:spLocks noGrp="1"/>
+          </p:cNvSpPr>
+          <p:nvPr>
+            <p:ph type="ctrTitle"/>
+          </p:nvPr>
+        </p:nvSpPr>
+        <p:spPr>
+          <a:xfrm>
+            <a:off x="720000" y="377975"/>
+            <a:ext cx="1337400" cy="946200"/>
+          </a:xfrm>
+          <a:prstGeom prst="rect">
+            <a:avLst/>
+          </a:prstGeom>
+        </p:spPr>
+        <p:txBody>
+          <a:bodyPr spcFirstLastPara="1" wrap="square" lIns="91425" tIns="91425" rIns="91425" bIns="91425" anchor="ctr" anchorCtr="0">
+            <a:noAutofit/>
+          </a:bodyPr>
+          <a:lstStyle>
+            <a:lvl1pPr lvl="0" rtl="0">
+              <a:spcBef>
+                <a:spcPts val="0"/>
+              </a:spcBef>
+              <a:spcAft>
+                <a:spcPts val="0"/>
+              </a:spcAft>
+              <a:buSzPts val="1400"/>
+              <a:buNone/>
+              <a:defRPr sz="1400"/>
+            </a:lvl1pPr>
+            <a:lvl2pPr lvl="1" algn="ctr" rtl="0">
+              <a:spcBef>
+                <a:spcPts val="0"/>
+              </a:spcBef>
+              <a:spcAft>
+                <a:spcPts val="0"/>
+              </a:spcAft>
+              <a:buSzPts val="1400"/>
+              <a:buNone/>
+              <a:defRPr sz="1400"/>
+            </a:lvl2pPr>
+            <a:lvl3pPr lvl="2" algn="ctr" rtl="0">
+              <a:spcBef>
+                <a:spcPts val="0"/>
+              </a:spcBef>
+              <a:spcAft>
+                <a:spcPts val="0"/>
+              </a:spcAft>
+              <a:buSzPts val="1400"/>
+              <a:buNone/>
+              <a:defRPr sz="1400"/>
+            </a:lvl3pPr>
+            <a:lvl4pPr lvl="3" algn="ctr" rtl="0">
+              <a:spcBef>
+                <a:spcPts val="0"/>
+              </a:spcBef>
+              <a:spcAft>
+                <a:spcPts val="0"/>
+              </a:spcAft>
+              <a:buSzPts val="1400"/>
+              <a:buNone/>
+              <a:defRPr sz="1400"/>
+            </a:lvl4pPr>
+            <a:lvl5pPr lvl="4" algn="ctr" rtl="0">
+              <a:spcBef>
+                <a:spcPts val="0"/>
+              </a:spcBef>
+              <a:spcAft>
+                <a:spcPts val="0"/>
+              </a:spcAft>
+              <a:buSzPts val="1400"/>
+              <a:buNone/>
+              <a:defRPr sz="1400"/>
+            </a:lvl5pPr>
+            <a:lvl6pPr lvl="5" algn="ctr" rtl="0">
+              <a:spcBef>
+                <a:spcPts val="0"/>
+              </a:spcBef>
+              <a:spcAft>
+                <a:spcPts val="0"/>
+              </a:spcAft>
+              <a:buSzPts val="1400"/>
+              <a:buNone/>
+              <a:defRPr sz="1400"/>
+            </a:lvl6pPr>
+            <a:lvl7pPr lvl="6" algn="ctr" rtl="0">
+              <a:spcBef>
+                <a:spcPts val="0"/>
+              </a:spcBef>
+              <a:spcAft>
+                <a:spcPts val="0"/>
+              </a:spcAft>
+              <a:buSzPts val="1400"/>
+              <a:buNone/>
+              <a:defRPr sz="1400"/>
+            </a:lvl7pPr>
+            <a:lvl8pPr lvl="7" algn="ctr" rtl="0">
+              <a:spcBef>
+                <a:spcPts val="0"/>
+              </a:spcBef>
+              <a:spcAft>
+                <a:spcPts val="0"/>
+              </a:spcAft>
+              <a:buSzPts val="1400"/>
+              <a:buNone/>
+              <a:defRPr sz="1400"/>
+            </a:lvl8pPr>
+            <a:lvl9pPr lvl="8" algn="ctr" rtl="0">
+              <a:spcBef>
+                <a:spcPts val="0"/>
+              </a:spcBef>
+              <a:spcAft>
+                <a:spcPts val="0"/>
+              </a:spcAft>
+              <a:buSzPts val="1400"/>
+              <a:buNone/>
+              <a:defRPr sz="1400"/>
+            </a:lvl9pPr>
+          </a:lstStyle>
+          <a:p>
+            <a:endParaRPr/>
+          </a:p>
+        </p:txBody>
+      </p:sp>
+      <p:sp>
+        <p:nvSpPr>
+          <p:cNvPr id="72" name="Google Shape;72;p12"/>
+          <p:cNvSpPr/>
+          <p:nvPr/>
+        </p:nvSpPr>
+        <p:spPr>
+          <a:xfrm>
+            <a:off x="-92200" y="550200"/>
+            <a:ext cx="1781700" cy="630000"/>
+          </a:xfrm>
+          <a:prstGeom prst="rect">
+            <a:avLst/>
+          </a:prstGeom>
+          <a:noFill/>
+          <a:ln w="9525" cap="flat" cmpd="sng">
+            <a:solidFill>
+              <a:schemeClr val="lt1"/>
+            </a:solidFill>
+            <a:prstDash val="solid"/>
+            <a:round/>
+            <a:headEnd type="none" w="sm" len="sm"/>
+            <a:tailEnd type="none" w="sm" len="sm"/>
+          </a:ln>
+        </p:spPr>
+        <p:txBody>
+          <a:bodyPr spcFirstLastPara="1" wrap="square" lIns="91425" tIns="91425" rIns="91425" bIns="91425" anchor="ctr" anchorCtr="0">
+            <a:noAutofit/>
+          </a:bodyPr>
+          <a:lstStyle/>
+          <a:p>
+            <a:pPr marL="0" lvl="0" indent="0" algn="l" rtl="0">
+              <a:spcBef>
+                <a:spcPts val="0"/>
+              </a:spcBef>
+              <a:spcAft>
+                <a:spcPts val="0"/>
+              </a:spcAft>
+              <a:buNone/>
+            </a:pPr>
+            <a:endParaRPr/>
+          </a:p>
+        </p:txBody>
+      </p:sp>
+    </p:spTree>
+  </p:cSld>
+  <p:clrMapOvr>
+    <a:masterClrMapping/>
+  </p:clrMapOvr>
+</p:sldLayout>
+</file>
+
+<file path=ppt/slideLayouts/slideLayout5.xml><?xml version="1.0" encoding="utf-8"?>
+<p:sldLayout xmlns:a="http://schemas.openxmlformats.org/drawingml/2006/main" xmlns:r="http://schemas.openxmlformats.org/officeDocument/2006/relationships" xmlns:p="http://schemas.openxmlformats.org/presentationml/2006/main" matchingName="Background">
+  <p:cSld name="CUSTOM_11_1">
+    <p:spTree>
+      <p:nvGrpSpPr>
+        <p:cNvPr id="1" name="Shape 73"/>
+        <p:cNvGrpSpPr/>
+        <p:nvPr/>
+      </p:nvGrpSpPr>
+      <p:grpSpPr>
+        <a:xfrm>
+          <a:off x="0" y="0"/>
+          <a:ext cx="0" cy="0"/>
+          <a:chOff x="0" y="0"/>
+          <a:chExt cx="0" cy="0"/>
+        </a:xfrm>
+      </p:grpSpPr>
+    </p:spTree>
+  </p:cSld>
+  <p:clrMapOvr>
+    <a:masterClrMapping/>
+  </p:clrMapOvr>
+</p:sldLayout>
+</file>
+
+<file path=ppt/slideLayouts/slideLayout6.xml><?xml version="1.0" encoding="utf-8"?>
+<p:sldLayout xmlns:a="http://schemas.openxmlformats.org/drawingml/2006/main" xmlns:r="http://schemas.openxmlformats.org/officeDocument/2006/relationships" xmlns:p="http://schemas.openxmlformats.org/presentationml/2006/main" matchingName="Blank slide">
+  <p:cSld name="CUSTOM_11_1_1">
+    <p:bg>
+      <p:bgPr>
+        <a:noFill/>
+        <a:effectLst/>
+      </p:bgPr>
+    </p:bg>
+    <p:spTree>
+      <p:nvGrpSpPr>
+        <p:cNvPr id="1" name="Shape 74"/>
+        <p:cNvGrpSpPr/>
+        <p:nvPr/>
+      </p:nvGrpSpPr>
+      <p:grpSpPr>
+        <a:xfrm>
+          <a:off x="0" y="0"/>
+          <a:ext cx="0" cy="0"/>
+          <a:chOff x="0" y="0"/>
+          <a:chExt cx="0" cy="0"/>
+        </a:xfrm>
+      </p:grpSpPr>
+    </p:spTree>
+  </p:cSld>
+  <p:clrMapOvr>
+    <a:masterClrMapping/>
+  </p:clrMapOvr>
+</p:sldLayout>
+</file>
+
+<file path=ppt/slideLayouts/slideLayout7.xml><?xml version="1.0" encoding="utf-8"?>
+<p:sldLayout xmlns:a="http://schemas.openxmlformats.org/drawingml/2006/main" xmlns:r="http://schemas.openxmlformats.org/officeDocument/2006/relationships" xmlns:p="http://schemas.openxmlformats.org/presentationml/2006/main" matchingName="Opening slide">
+  <p:cSld name="Opening slide">
+    <p:spTree>
+      <p:nvGrpSpPr>
+        <p:cNvPr id="1" name="Shape 8"/>
+        <p:cNvGrpSpPr/>
+        <p:nvPr/>
+      </p:nvGrpSpPr>
+      <p:grpSpPr>
+        <a:xfrm>
+          <a:off x="0" y="0"/>
+          <a:ext cx="0" cy="0"/>
+          <a:chOff x="0" y="0"/>
+          <a:chExt cx="0" cy="0"/>
+        </a:xfrm>
+      </p:grpSpPr>
+      <p:sp>
+        <p:nvSpPr>
+          <p:cNvPr id="9" name="Google Shape;9;p2"/>
+          <p:cNvSpPr txBox="1">
+            <a:spLocks noGrp="1"/>
+          </p:cNvSpPr>
+          <p:nvPr>
+            <p:ph type="ctrTitle"/>
+          </p:nvPr>
+        </p:nvSpPr>
+        <p:spPr>
+          <a:xfrm>
+            <a:off x="2763600" y="786825"/>
+            <a:ext cx="3616800" cy="1782300"/>
+          </a:xfrm>
+          <a:prstGeom prst="rect">
+            <a:avLst/>
+          </a:prstGeom>
+        </p:spPr>
+        <p:txBody>
+          <a:bodyPr spcFirstLastPara="1" wrap="square" lIns="91425" tIns="91425" rIns="91425" bIns="91425" anchor="b" anchorCtr="0">
+            <a:noAutofit/>
+          </a:bodyPr>
+          <a:lstStyle>
+            <a:lvl1pPr lvl="0" algn="ctr" rtl="0">
+              <a:lnSpc>
+                <a:spcPct val="100000"/>
+              </a:lnSpc>
+              <a:spcBef>
+                <a:spcPts val="0"/>
+              </a:spcBef>
+              <a:spcAft>
+                <a:spcPts val="0"/>
+              </a:spcAft>
+              <a:buClr>
+                <a:schemeClr val="accent2"/>
+              </a:buClr>
+              <a:buSzPts val="6000"/>
+              <a:buNone/>
+              <a:defRPr sz="6000">
+                <a:solidFill>
+                  <a:schemeClr val="accent2"/>
+                </a:solidFill>
+              </a:defRPr>
+            </a:lvl1pPr>
+            <a:lvl2pPr lvl="1" algn="ctr" rtl="0">
+              <a:spcBef>
+                <a:spcPts val="0"/>
+              </a:spcBef>
+              <a:spcAft>
+                <a:spcPts val="0"/>
+              </a:spcAft>
+              <a:buClr>
+                <a:schemeClr val="accent2"/>
+              </a:buClr>
+              <a:buSzPts val="5200"/>
+              <a:buNone/>
+              <a:defRPr sz="5200">
+                <a:solidFill>
+                  <a:schemeClr val="accent2"/>
+                </a:solidFill>
+              </a:defRPr>
+            </a:lvl2pPr>
+            <a:lvl3pPr lvl="2" algn="ctr" rtl="0">
+              <a:spcBef>
+                <a:spcPts val="0"/>
+              </a:spcBef>
+              <a:spcAft>
+                <a:spcPts val="0"/>
+              </a:spcAft>
+              <a:buClr>
+                <a:schemeClr val="accent2"/>
+              </a:buClr>
+              <a:buSzPts val="5200"/>
+              <a:buNone/>
+              <a:defRPr sz="5200">
+                <a:solidFill>
+                  <a:schemeClr val="accent2"/>
+                </a:solidFill>
+              </a:defRPr>
+            </a:lvl3pPr>
+            <a:lvl4pPr lvl="3" algn="ctr" rtl="0">
+              <a:spcBef>
+                <a:spcPts val="0"/>
+              </a:spcBef>
+              <a:spcAft>
+                <a:spcPts val="0"/>
+              </a:spcAft>
+              <a:buClr>
+                <a:schemeClr val="accent2"/>
+              </a:buClr>
+              <a:buSzPts val="5200"/>
+              <a:buNone/>
+              <a:defRPr sz="5200">
+                <a:solidFill>
+                  <a:schemeClr val="accent2"/>
+                </a:solidFill>
+              </a:defRPr>
+            </a:lvl4pPr>
+            <a:lvl5pPr lvl="4" algn="ctr" rtl="0">
+              <a:spcBef>
+                <a:spcPts val="0"/>
+              </a:spcBef>
+              <a:spcAft>
+                <a:spcPts val="0"/>
+              </a:spcAft>
+              <a:buClr>
+                <a:schemeClr val="accent2"/>
+              </a:buClr>
+              <a:buSzPts val="5200"/>
+              <a:buNone/>
+              <a:defRPr sz="5200">
+                <a:solidFill>
+                  <a:schemeClr val="accent2"/>
+                </a:solidFill>
+              </a:defRPr>
+            </a:lvl5pPr>
+            <a:lvl6pPr lvl="5" algn="ctr" rtl="0">
+              <a:spcBef>
+                <a:spcPts val="0"/>
+              </a:spcBef>
+              <a:spcAft>
+                <a:spcPts val="0"/>
+              </a:spcAft>
+              <a:buClr>
+                <a:schemeClr val="accent2"/>
+              </a:buClr>
+              <a:buSzPts val="5200"/>
+              <a:buNone/>
+              <a:defRPr sz="5200">
+                <a:solidFill>
+                  <a:schemeClr val="accent2"/>
+                </a:solidFill>
+              </a:defRPr>
+            </a:lvl6pPr>
+            <a:lvl7pPr lvl="6" algn="ctr" rtl="0">
+              <a:spcBef>
+                <a:spcPts val="0"/>
+              </a:spcBef>
+              <a:spcAft>
+                <a:spcPts val="0"/>
+              </a:spcAft>
+              <a:buClr>
+                <a:schemeClr val="accent2"/>
+              </a:buClr>
+              <a:buSzPts val="5200"/>
+              <a:buNone/>
+              <a:defRPr sz="5200">
+                <a:solidFill>
+                  <a:schemeClr val="accent2"/>
+                </a:solidFill>
+              </a:defRPr>
+            </a:lvl7pPr>
+            <a:lvl8pPr lvl="7" algn="ctr" rtl="0">
+              <a:spcBef>
+                <a:spcPts val="0"/>
+              </a:spcBef>
+              <a:spcAft>
+                <a:spcPts val="0"/>
+              </a:spcAft>
+              <a:buClr>
+                <a:schemeClr val="accent2"/>
+              </a:buClr>
+              <a:buSzPts val="5200"/>
+              <a:buNone/>
+              <a:defRPr sz="5200">
+                <a:solidFill>
+                  <a:schemeClr val="accent2"/>
+                </a:solidFill>
+              </a:defRPr>
+            </a:lvl8pPr>
+            <a:lvl9pPr lvl="8" algn="ctr" rtl="0">
+              <a:spcBef>
+                <a:spcPts val="0"/>
+              </a:spcBef>
+              <a:spcAft>
+                <a:spcPts val="0"/>
+              </a:spcAft>
+              <a:buClr>
+                <a:schemeClr val="accent2"/>
+              </a:buClr>
+              <a:buSzPts val="5200"/>
+              <a:buNone/>
+              <a:defRPr sz="5200">
+                <a:solidFill>
+                  <a:schemeClr val="accent2"/>
+                </a:solidFill>
+              </a:defRPr>
+            </a:lvl9pPr>
+          </a:lstStyle>
+          <a:p>
+            <a:endParaRPr/>
+          </a:p>
+        </p:txBody>
+      </p:sp>
+      <p:sp>
+        <p:nvSpPr>
+          <p:cNvPr id="10" name="Google Shape;10;p2"/>
+          <p:cNvSpPr txBox="1">
+            <a:spLocks noGrp="1"/>
+          </p:cNvSpPr>
+          <p:nvPr>
+            <p:ph type="subTitle" idx="1"/>
+          </p:nvPr>
+        </p:nvSpPr>
+        <p:spPr>
+          <a:xfrm>
+            <a:off x="3370950" y="2444400"/>
+            <a:ext cx="2402100" cy="717000"/>
+          </a:xfrm>
+          <a:prstGeom prst="rect">
+            <a:avLst/>
+          </a:prstGeom>
+        </p:spPr>
+        <p:txBody>
+          <a:bodyPr spcFirstLastPara="1" wrap="square" lIns="91425" tIns="91425" rIns="91425" bIns="91425" anchor="b" anchorCtr="0">
+            <a:noAutofit/>
+          </a:bodyPr>
+          <a:lstStyle>
+            <a:lvl1pPr lvl="0" algn="ctr" rtl="0">
+              <a:lnSpc>
+                <a:spcPct val="100000"/>
+              </a:lnSpc>
+              <a:spcBef>
+                <a:spcPts val="0"/>
+              </a:spcBef>
+              <a:spcAft>
+                <a:spcPts val="0"/>
+              </a:spcAft>
+              <a:buClr>
+                <a:schemeClr val="accent2"/>
+              </a:buClr>
+              <a:buSzPts val="1200"/>
+              <a:buNone/>
+              <a:defRPr>
+                <a:solidFill>
+                  <a:schemeClr val="accent2"/>
+                </a:solidFill>
+              </a:defRPr>
+            </a:lvl1pPr>
+            <a:lvl2pPr lvl="1" algn="ctr" rtl="0">
+              <a:lnSpc>
+                <a:spcPct val="100000"/>
+              </a:lnSpc>
+              <a:spcBef>
+                <a:spcPts val="0"/>
+              </a:spcBef>
+              <a:spcAft>
+                <a:spcPts val="0"/>
+              </a:spcAft>
+              <a:buClr>
+                <a:schemeClr val="accent2"/>
+              </a:buClr>
+              <a:buSzPts val="2800"/>
+              <a:buNone/>
+              <a:defRPr sz="2800">
+                <a:solidFill>
+                  <a:schemeClr val="accent2"/>
+                </a:solidFill>
+              </a:defRPr>
+            </a:lvl2pPr>
+            <a:lvl3pPr lvl="2" algn="ctr" rtl="0">
+              <a:lnSpc>
+                <a:spcPct val="100000"/>
+              </a:lnSpc>
+              <a:spcBef>
+                <a:spcPts val="0"/>
+              </a:spcBef>
+              <a:spcAft>
+                <a:spcPts val="0"/>
+              </a:spcAft>
+              <a:buClr>
+                <a:schemeClr val="accent2"/>
+              </a:buClr>
+              <a:buSzPts val="2800"/>
+              <a:buNone/>
+              <a:defRPr sz="2800">
+                <a:solidFill>
+                  <a:schemeClr val="accent2"/>
+                </a:solidFill>
+              </a:defRPr>
+            </a:lvl3pPr>
+            <a:lvl4pPr lvl="3" algn="ctr" rtl="0">
+              <a:lnSpc>
+                <a:spcPct val="100000"/>
+              </a:lnSpc>
+              <a:spcBef>
+                <a:spcPts val="0"/>
+              </a:spcBef>
+              <a:spcAft>
+                <a:spcPts val="0"/>
+              </a:spcAft>
+              <a:buClr>
+                <a:schemeClr val="accent2"/>
+              </a:buClr>
+              <a:buSzPts val="2800"/>
+              <a:buNone/>
+              <a:defRPr sz="2800">
+                <a:solidFill>
+                  <a:schemeClr val="accent2"/>
+                </a:solidFill>
+              </a:defRPr>
+            </a:lvl4pPr>
+            <a:lvl5pPr lvl="4" algn="ctr" rtl="0">
+              <a:lnSpc>
+                <a:spcPct val="100000"/>
+              </a:lnSpc>
+              <a:spcBef>
+                <a:spcPts val="0"/>
+              </a:spcBef>
+              <a:spcAft>
+                <a:spcPts val="0"/>
+              </a:spcAft>
+              <a:buClr>
+                <a:schemeClr val="accent2"/>
+              </a:buClr>
+              <a:buSzPts val="2800"/>
+              <a:buNone/>
+              <a:defRPr sz="2800">
+                <a:solidFill>
+                  <a:schemeClr val="accent2"/>
+                </a:solidFill>
+              </a:defRPr>
+            </a:lvl5pPr>
+            <a:lvl6pPr lvl="5" algn="ctr" rtl="0">
+              <a:lnSpc>
+                <a:spcPct val="100000"/>
+              </a:lnSpc>
+              <a:spcBef>
+                <a:spcPts val="0"/>
+              </a:spcBef>
+              <a:spcAft>
+                <a:spcPts val="0"/>
+              </a:spcAft>
+              <a:buClr>
+                <a:schemeClr val="accent2"/>
+              </a:buClr>
+              <a:buSzPts val="2800"/>
+              <a:buNone/>
+              <a:defRPr sz="2800">
+                <a:solidFill>
+                  <a:schemeClr val="accent2"/>
+                </a:solidFill>
+              </a:defRPr>
+            </a:lvl6pPr>
+            <a:lvl7pPr lvl="6" algn="ctr" rtl="0">
+              <a:lnSpc>
+                <a:spcPct val="100000"/>
+              </a:lnSpc>
+              <a:spcBef>
+                <a:spcPts val="0"/>
+              </a:spcBef>
+              <a:spcAft>
+                <a:spcPts val="0"/>
+              </a:spcAft>
+              <a:buClr>
+                <a:schemeClr val="accent2"/>
+              </a:buClr>
+              <a:buSzPts val="2800"/>
+              <a:buNone/>
+              <a:defRPr sz="2800">
+                <a:solidFill>
+                  <a:schemeClr val="accent2"/>
+                </a:solidFill>
+              </a:defRPr>
+            </a:lvl7pPr>
+            <a:lvl8pPr lvl="7" algn="ctr" rtl="0">
+              <a:lnSpc>
+                <a:spcPct val="100000"/>
+              </a:lnSpc>
+              <a:spcBef>
+                <a:spcPts val="0"/>
+              </a:spcBef>
+              <a:spcAft>
+                <a:spcPts val="0"/>
+              </a:spcAft>
+              <a:buClr>
+                <a:schemeClr val="accent2"/>
+              </a:buClr>
+              <a:buSzPts val="2800"/>
+              <a:buNone/>
+              <a:defRPr sz="2800">
+                <a:solidFill>
+                  <a:schemeClr val="accent2"/>
+                </a:solidFill>
+              </a:defRPr>
+            </a:lvl8pPr>
+            <a:lvl9pPr lvl="8" algn="ctr" rtl="0">
+              <a:lnSpc>
+                <a:spcPct val="100000"/>
+              </a:lnSpc>
+              <a:spcBef>
+                <a:spcPts val="0"/>
+              </a:spcBef>
+              <a:spcAft>
+                <a:spcPts val="0"/>
+              </a:spcAft>
+              <a:buClr>
+                <a:schemeClr val="accent2"/>
+              </a:buClr>
+              <a:buSzPts val="2800"/>
+              <a:buNone/>
+              <a:defRPr sz="2800">
+                <a:solidFill>
+                  <a:schemeClr val="accent2"/>
+                </a:solidFill>
+              </a:defRPr>
+            </a:lvl9pPr>
+          </a:lstStyle>
+          <a:p>
+            <a:endParaRPr/>
+          </a:p>
+        </p:txBody>
+      </p:sp>
+    </p:spTree>
+    <p:extLst>
+      <p:ext uri="{BB962C8B-B14F-4D97-AF65-F5344CB8AC3E}">
+        <p14:creationId xmlns:p14="http://schemas.microsoft.com/office/powerpoint/2010/main" val="2709756641"/>
+      </p:ext>
+    </p:extLst>
+  </p:cSld>
+  <p:clrMapOvr>
+    <a:masterClrMapping/>
+  </p:clrMapOvr>
+</p:sldLayout>
+</file>
+
+<file path=ppt/slideLayouts/slideLayout8.xml><?xml version="1.0" encoding="utf-8"?>
+<p:sldLayout xmlns:a="http://schemas.openxmlformats.org/drawingml/2006/main" xmlns:r="http://schemas.openxmlformats.org/officeDocument/2006/relationships" xmlns:p="http://schemas.openxmlformats.org/presentationml/2006/main" matchingName="Three columns 1">
+  <p:cSld name="Three columns 1">
+    <p:spTree>
+      <p:nvGrpSpPr>
+        <p:cNvPr id="1" name="Shape 11"/>
+        <p:cNvGrpSpPr/>
+        <p:nvPr/>
+      </p:nvGrpSpPr>
+      <p:grpSpPr>
+        <a:xfrm>
+          <a:off x="0" y="0"/>
+          <a:ext cx="0" cy="0"/>
+          <a:chOff x="0" y="0"/>
+          <a:chExt cx="0" cy="0"/>
+        </a:xfrm>
+      </p:grpSpPr>
+      <p:sp>
+        <p:nvSpPr>
+          <p:cNvPr id="12" name="Google Shape;12;p3"/>
+          <p:cNvSpPr txBox="1">
+            <a:spLocks noGrp="1"/>
+          </p:cNvSpPr>
+          <p:nvPr>
+            <p:ph type="subTitle" idx="1"/>
+          </p:nvPr>
+        </p:nvSpPr>
+        <p:spPr>
+          <a:xfrm>
+            <a:off x="1316463" y="2737978"/>
+            <a:ext cx="1865400" cy="936300"/>
+          </a:xfrm>
+          <a:prstGeom prst="rect">
+            <a:avLst/>
+          </a:prstGeom>
+        </p:spPr>
+        <p:txBody>
+          <a:bodyPr spcFirstLastPara="1" wrap="square" lIns="91425" tIns="91425" rIns="91425" bIns="91425" anchor="t" anchorCtr="0">
+            <a:noAutofit/>
+          </a:bodyPr>
+          <a:lstStyle>
+            <a:lvl1pPr lvl="0" algn="r" rtl="0">
+              <a:lnSpc>
+                <a:spcPct val="100000"/>
+              </a:lnSpc>
+              <a:spcBef>
+                <a:spcPts val="0"/>
+              </a:spcBef>
+              <a:spcAft>
+                <a:spcPts val="0"/>
+              </a:spcAft>
+              <a:buSzPts val="1000"/>
+              <a:buNone/>
+              <a:defRPr sz="1000"/>
+            </a:lvl1pPr>
+            <a:lvl2pPr lvl="1" algn="r" rtl="0">
+              <a:lnSpc>
+                <a:spcPct val="100000"/>
+              </a:lnSpc>
+              <a:spcBef>
+                <a:spcPts val="0"/>
+              </a:spcBef>
+              <a:spcAft>
+                <a:spcPts val="0"/>
+              </a:spcAft>
+              <a:buSzPts val="1000"/>
+              <a:buNone/>
+              <a:defRPr sz="1000"/>
+            </a:lvl2pPr>
+            <a:lvl3pPr lvl="2" algn="r" rtl="0">
+              <a:lnSpc>
+                <a:spcPct val="100000"/>
+              </a:lnSpc>
+              <a:spcBef>
+                <a:spcPts val="0"/>
+              </a:spcBef>
+              <a:spcAft>
+                <a:spcPts val="0"/>
+              </a:spcAft>
+              <a:buSzPts val="1000"/>
+              <a:buNone/>
+              <a:defRPr sz="1000"/>
+            </a:lvl3pPr>
+            <a:lvl4pPr lvl="3" algn="r" rtl="0">
+              <a:lnSpc>
+                <a:spcPct val="100000"/>
+              </a:lnSpc>
+              <a:spcBef>
+                <a:spcPts val="0"/>
+              </a:spcBef>
+              <a:spcAft>
+                <a:spcPts val="0"/>
+              </a:spcAft>
+              <a:buSzPts val="1000"/>
+              <a:buNone/>
+              <a:defRPr sz="1000"/>
+            </a:lvl4pPr>
+            <a:lvl5pPr lvl="4" algn="r" rtl="0">
+              <a:lnSpc>
+                <a:spcPct val="100000"/>
+              </a:lnSpc>
+              <a:spcBef>
+                <a:spcPts val="0"/>
+              </a:spcBef>
+              <a:spcAft>
+                <a:spcPts val="0"/>
+              </a:spcAft>
+              <a:buSzPts val="1000"/>
+              <a:buNone/>
+              <a:defRPr sz="1000"/>
+            </a:lvl5pPr>
+            <a:lvl6pPr lvl="5" algn="r" rtl="0">
+              <a:lnSpc>
+                <a:spcPct val="100000"/>
+              </a:lnSpc>
+              <a:spcBef>
+                <a:spcPts val="0"/>
+              </a:spcBef>
+              <a:spcAft>
+                <a:spcPts val="0"/>
+              </a:spcAft>
+              <a:buSzPts val="1000"/>
+              <a:buNone/>
+              <a:defRPr sz="1000"/>
+            </a:lvl6pPr>
+            <a:lvl7pPr lvl="6" algn="r" rtl="0">
+              <a:lnSpc>
+                <a:spcPct val="100000"/>
+              </a:lnSpc>
+              <a:spcBef>
+                <a:spcPts val="0"/>
+              </a:spcBef>
+              <a:spcAft>
+                <a:spcPts val="0"/>
+              </a:spcAft>
+              <a:buSzPts val="1000"/>
+              <a:buNone/>
+              <a:defRPr sz="1000"/>
+            </a:lvl7pPr>
+            <a:lvl8pPr lvl="7" algn="r" rtl="0">
+              <a:lnSpc>
+                <a:spcPct val="100000"/>
+              </a:lnSpc>
+              <a:spcBef>
+                <a:spcPts val="0"/>
+              </a:spcBef>
+              <a:spcAft>
+                <a:spcPts val="0"/>
+              </a:spcAft>
+              <a:buSzPts val="1000"/>
+              <a:buNone/>
+              <a:defRPr sz="1000"/>
+            </a:lvl8pPr>
+            <a:lvl9pPr lvl="8" algn="r" rtl="0">
+              <a:lnSpc>
+                <a:spcPct val="100000"/>
+              </a:lnSpc>
+              <a:spcBef>
+                <a:spcPts val="0"/>
+              </a:spcBef>
+              <a:spcAft>
+                <a:spcPts val="0"/>
+              </a:spcAft>
+              <a:buSzPts val="1000"/>
+              <a:buNone/>
+              <a:defRPr sz="1000"/>
+            </a:lvl9pPr>
+          </a:lstStyle>
+          <a:p>
+            <a:endParaRPr/>
+          </a:p>
+        </p:txBody>
+      </p:sp>
+      <p:sp>
+        <p:nvSpPr>
+          <p:cNvPr id="13" name="Google Shape;13;p3"/>
+          <p:cNvSpPr txBox="1">
+            <a:spLocks noGrp="1"/>
+          </p:cNvSpPr>
+          <p:nvPr>
+            <p:ph type="subTitle" idx="2"/>
+          </p:nvPr>
+        </p:nvSpPr>
+        <p:spPr>
+          <a:xfrm>
+            <a:off x="6253762" y="2726800"/>
+            <a:ext cx="1865400" cy="936300"/>
+          </a:xfrm>
+          <a:prstGeom prst="rect">
+            <a:avLst/>
+          </a:prstGeom>
+        </p:spPr>
+        <p:txBody>
+          <a:bodyPr spcFirstLastPara="1" wrap="square" lIns="91425" tIns="91425" rIns="91425" bIns="91425" anchor="t" anchorCtr="0">
+            <a:noAutofit/>
+          </a:bodyPr>
+          <a:lstStyle>
+            <a:lvl1pPr lvl="0" rtl="0">
+              <a:lnSpc>
+                <a:spcPct val="100000"/>
+              </a:lnSpc>
+              <a:spcBef>
+                <a:spcPts val="0"/>
+              </a:spcBef>
+              <a:spcAft>
+                <a:spcPts val="0"/>
+              </a:spcAft>
+              <a:buSzPts val="1000"/>
+              <a:buNone/>
+              <a:defRPr sz="1000"/>
+            </a:lvl1pPr>
+            <a:lvl2pPr lvl="1" algn="ctr" rtl="0">
+              <a:lnSpc>
+                <a:spcPct val="100000"/>
+              </a:lnSpc>
+              <a:spcBef>
+                <a:spcPts val="0"/>
+              </a:spcBef>
+              <a:spcAft>
+                <a:spcPts val="0"/>
+              </a:spcAft>
+              <a:buSzPts val="1000"/>
+              <a:buNone/>
+              <a:defRPr sz="1000"/>
+            </a:lvl2pPr>
+            <a:lvl3pPr lvl="2" algn="ctr" rtl="0">
+              <a:lnSpc>
+                <a:spcPct val="100000"/>
+              </a:lnSpc>
+              <a:spcBef>
+                <a:spcPts val="0"/>
+              </a:spcBef>
+              <a:spcAft>
+                <a:spcPts val="0"/>
+              </a:spcAft>
+              <a:buSzPts val="1000"/>
+              <a:buNone/>
+              <a:defRPr sz="1000"/>
+            </a:lvl3pPr>
+            <a:lvl4pPr lvl="3" algn="ctr" rtl="0">
+              <a:lnSpc>
+                <a:spcPct val="100000"/>
+              </a:lnSpc>
+              <a:spcBef>
+                <a:spcPts val="0"/>
+              </a:spcBef>
+              <a:spcAft>
+                <a:spcPts val="0"/>
+              </a:spcAft>
+              <a:buSzPts val="1000"/>
+              <a:buNone/>
+              <a:defRPr sz="1000"/>
+            </a:lvl4pPr>
+            <a:lvl5pPr lvl="4" algn="ctr" rtl="0">
+              <a:lnSpc>
+                <a:spcPct val="100000"/>
+              </a:lnSpc>
+              <a:spcBef>
+                <a:spcPts val="0"/>
+              </a:spcBef>
+              <a:spcAft>
+                <a:spcPts val="0"/>
+              </a:spcAft>
+              <a:buSzPts val="1000"/>
+              <a:buNone/>
+              <a:defRPr sz="1000"/>
+            </a:lvl5pPr>
+            <a:lvl6pPr lvl="5" algn="ctr" rtl="0">
+              <a:lnSpc>
+                <a:spcPct val="100000"/>
+              </a:lnSpc>
+              <a:spcBef>
+                <a:spcPts val="0"/>
+              </a:spcBef>
+              <a:spcAft>
+                <a:spcPts val="0"/>
+              </a:spcAft>
+              <a:buSzPts val="1000"/>
+              <a:buNone/>
+              <a:defRPr sz="1000"/>
+            </a:lvl6pPr>
+            <a:lvl7pPr lvl="6" algn="ctr" rtl="0">
+              <a:lnSpc>
+                <a:spcPct val="100000"/>
+              </a:lnSpc>
+              <a:spcBef>
+                <a:spcPts val="0"/>
+              </a:spcBef>
+              <a:spcAft>
+                <a:spcPts val="0"/>
+              </a:spcAft>
+              <a:buSzPts val="1000"/>
+              <a:buNone/>
+              <a:defRPr sz="1000"/>
+            </a:lvl7pPr>
+            <a:lvl8pPr lvl="7" algn="ctr" rtl="0">
+              <a:lnSpc>
+                <a:spcPct val="100000"/>
+              </a:lnSpc>
+              <a:spcBef>
+                <a:spcPts val="0"/>
+              </a:spcBef>
+              <a:spcAft>
+                <a:spcPts val="0"/>
+              </a:spcAft>
+              <a:buSzPts val="1000"/>
+              <a:buNone/>
+              <a:defRPr sz="1000"/>
+            </a:lvl8pPr>
+            <a:lvl9pPr lvl="8" algn="ctr" rtl="0">
+              <a:lnSpc>
+                <a:spcPct val="100000"/>
+              </a:lnSpc>
+              <a:spcBef>
+                <a:spcPts val="0"/>
+              </a:spcBef>
+              <a:spcAft>
+                <a:spcPts val="0"/>
+              </a:spcAft>
+              <a:buSzPts val="1000"/>
+              <a:buNone/>
+              <a:defRPr sz="1000"/>
+            </a:lvl9pPr>
+          </a:lstStyle>
+          <a:p>
+            <a:endParaRPr/>
+          </a:p>
+        </p:txBody>
+      </p:sp>
+      <p:sp>
+        <p:nvSpPr>
+          <p:cNvPr id="14" name="Google Shape;14;p3"/>
+          <p:cNvSpPr txBox="1">
+            <a:spLocks noGrp="1"/>
+          </p:cNvSpPr>
+          <p:nvPr>
+            <p:ph type="subTitle" idx="3"/>
+          </p:nvPr>
+        </p:nvSpPr>
+        <p:spPr>
+          <a:xfrm>
+            <a:off x="3623208" y="915850"/>
+            <a:ext cx="1865400" cy="936300"/>
+          </a:xfrm>
+          <a:prstGeom prst="rect">
+            <a:avLst/>
+          </a:prstGeom>
+        </p:spPr>
+        <p:txBody>
+          <a:bodyPr spcFirstLastPara="1" wrap="square" lIns="91425" tIns="91425" rIns="91425" bIns="91425" anchor="t" anchorCtr="0">
+            <a:noAutofit/>
+          </a:bodyPr>
+          <a:lstStyle>
+            <a:lvl1pPr lvl="0" algn="ctr" rtl="0">
+              <a:lnSpc>
+                <a:spcPct val="100000"/>
+              </a:lnSpc>
+              <a:spcBef>
+                <a:spcPts val="0"/>
+              </a:spcBef>
+              <a:spcAft>
+                <a:spcPts val="0"/>
+              </a:spcAft>
+              <a:buSzPts val="1000"/>
+              <a:buNone/>
+              <a:defRPr sz="1000"/>
+            </a:lvl1pPr>
+            <a:lvl2pPr lvl="1" algn="ctr" rtl="0">
+              <a:lnSpc>
+                <a:spcPct val="100000"/>
+              </a:lnSpc>
+              <a:spcBef>
+                <a:spcPts val="0"/>
+              </a:spcBef>
+              <a:spcAft>
+                <a:spcPts val="0"/>
+              </a:spcAft>
+              <a:buSzPts val="1000"/>
+              <a:buNone/>
+              <a:defRPr sz="1000"/>
+            </a:lvl2pPr>
+            <a:lvl3pPr lvl="2" algn="ctr" rtl="0">
+              <a:lnSpc>
+                <a:spcPct val="100000"/>
+              </a:lnSpc>
+              <a:spcBef>
+                <a:spcPts val="0"/>
+              </a:spcBef>
+              <a:spcAft>
+                <a:spcPts val="0"/>
+              </a:spcAft>
+              <a:buSzPts val="1000"/>
+              <a:buNone/>
+              <a:defRPr sz="1000"/>
+            </a:lvl3pPr>
+            <a:lvl4pPr lvl="3" algn="ctr" rtl="0">
+              <a:lnSpc>
+                <a:spcPct val="100000"/>
+              </a:lnSpc>
+              <a:spcBef>
+                <a:spcPts val="0"/>
+              </a:spcBef>
+              <a:spcAft>
+                <a:spcPts val="0"/>
+              </a:spcAft>
+              <a:buSzPts val="1000"/>
+              <a:buNone/>
+              <a:defRPr sz="1000"/>
+            </a:lvl4pPr>
+            <a:lvl5pPr lvl="4" algn="ctr" rtl="0">
+              <a:lnSpc>
+                <a:spcPct val="100000"/>
+              </a:lnSpc>
+              <a:spcBef>
+                <a:spcPts val="0"/>
+              </a:spcBef>
+              <a:spcAft>
+                <a:spcPts val="0"/>
+              </a:spcAft>
+              <a:buSzPts val="1000"/>
+              <a:buNone/>
+              <a:defRPr sz="1000"/>
+            </a:lvl5pPr>
+            <a:lvl6pPr lvl="5" algn="ctr" rtl="0">
+              <a:lnSpc>
+                <a:spcPct val="100000"/>
+              </a:lnSpc>
+              <a:spcBef>
+                <a:spcPts val="0"/>
+              </a:spcBef>
+              <a:spcAft>
+                <a:spcPts val="0"/>
+              </a:spcAft>
+              <a:buSzPts val="1000"/>
+              <a:buNone/>
+              <a:defRPr sz="1000"/>
+            </a:lvl6pPr>
+            <a:lvl7pPr lvl="6" algn="ctr" rtl="0">
+              <a:lnSpc>
+                <a:spcPct val="100000"/>
+              </a:lnSpc>
+              <a:spcBef>
+                <a:spcPts val="0"/>
+              </a:spcBef>
+              <a:spcAft>
+                <a:spcPts val="0"/>
+              </a:spcAft>
+              <a:buSzPts val="1000"/>
+              <a:buNone/>
+              <a:defRPr sz="1000"/>
+            </a:lvl7pPr>
+            <a:lvl8pPr lvl="7" algn="ctr" rtl="0">
+              <a:lnSpc>
+                <a:spcPct val="100000"/>
+              </a:lnSpc>
+              <a:spcBef>
+                <a:spcPts val="0"/>
+              </a:spcBef>
+              <a:spcAft>
+                <a:spcPts val="0"/>
+              </a:spcAft>
+              <a:buSzPts val="1000"/>
+              <a:buNone/>
+              <a:defRPr sz="1000"/>
+            </a:lvl8pPr>
+            <a:lvl9pPr lvl="8" algn="ctr" rtl="0">
+              <a:lnSpc>
+                <a:spcPct val="100000"/>
+              </a:lnSpc>
+              <a:spcBef>
+                <a:spcPts val="0"/>
+              </a:spcBef>
+              <a:spcAft>
+                <a:spcPts val="0"/>
+              </a:spcAft>
+              <a:buSzPts val="1000"/>
+              <a:buNone/>
+              <a:defRPr sz="1000"/>
+            </a:lvl9pPr>
+          </a:lstStyle>
+          <a:p>
+            <a:endParaRPr/>
+          </a:p>
+        </p:txBody>
+      </p:sp>
+      <p:sp>
+        <p:nvSpPr>
+          <p:cNvPr id="15" name="Google Shape;15;p3"/>
+          <p:cNvSpPr txBox="1">
+            <a:spLocks noGrp="1"/>
+          </p:cNvSpPr>
+          <p:nvPr>
+            <p:ph type="ctrTitle"/>
+          </p:nvPr>
+        </p:nvSpPr>
+        <p:spPr>
+          <a:xfrm>
+            <a:off x="720000" y="377975"/>
+            <a:ext cx="1337400" cy="946200"/>
+          </a:xfrm>
+          <a:prstGeom prst="rect">
+            <a:avLst/>
+          </a:prstGeom>
+        </p:spPr>
+        <p:txBody>
+          <a:bodyPr spcFirstLastPara="1" wrap="square" lIns="91425" tIns="91425" rIns="91425" bIns="91425" anchor="ctr" anchorCtr="0">
+            <a:noAutofit/>
+          </a:bodyPr>
+          <a:lstStyle>
+            <a:lvl1pPr lvl="0" rtl="0">
+              <a:spcBef>
+                <a:spcPts val="0"/>
+              </a:spcBef>
+              <a:spcAft>
+                <a:spcPts val="0"/>
+              </a:spcAft>
+              <a:buSzPts val="1400"/>
+              <a:buNone/>
+              <a:defRPr sz="1400"/>
+            </a:lvl1pPr>
+            <a:lvl2pPr lvl="1" algn="ctr" rtl="0">
+              <a:spcBef>
+                <a:spcPts val="0"/>
+              </a:spcBef>
+              <a:spcAft>
+                <a:spcPts val="0"/>
+              </a:spcAft>
+              <a:buSzPts val="1400"/>
+              <a:buNone/>
+              <a:defRPr sz="1400"/>
+            </a:lvl2pPr>
+            <a:lvl3pPr lvl="2" algn="ctr" rtl="0">
+              <a:spcBef>
+                <a:spcPts val="0"/>
+              </a:spcBef>
+              <a:spcAft>
+                <a:spcPts val="0"/>
+              </a:spcAft>
+              <a:buSzPts val="1400"/>
+              <a:buNone/>
+              <a:defRPr sz="1400"/>
+            </a:lvl3pPr>
+            <a:lvl4pPr lvl="3" algn="ctr" rtl="0">
+              <a:spcBef>
+                <a:spcPts val="0"/>
+              </a:spcBef>
+              <a:spcAft>
+                <a:spcPts val="0"/>
+              </a:spcAft>
+              <a:buSzPts val="1400"/>
+              <a:buNone/>
+              <a:defRPr sz="1400"/>
+            </a:lvl4pPr>
+            <a:lvl5pPr lvl="4" algn="ctr" rtl="0">
+              <a:spcBef>
+                <a:spcPts val="0"/>
+              </a:spcBef>
+              <a:spcAft>
+                <a:spcPts val="0"/>
+              </a:spcAft>
+              <a:buSzPts val="1400"/>
+              <a:buNone/>
+              <a:defRPr sz="1400"/>
+            </a:lvl5pPr>
+            <a:lvl6pPr lvl="5" algn="ctr" rtl="0">
+              <a:spcBef>
+                <a:spcPts val="0"/>
+              </a:spcBef>
+              <a:spcAft>
+                <a:spcPts val="0"/>
+              </a:spcAft>
+              <a:buSzPts val="1400"/>
+              <a:buNone/>
+              <a:defRPr sz="1400"/>
+            </a:lvl6pPr>
+            <a:lvl7pPr lvl="6" algn="ctr" rtl="0">
+              <a:spcBef>
+                <a:spcPts val="0"/>
+              </a:spcBef>
+              <a:spcAft>
+                <a:spcPts val="0"/>
+              </a:spcAft>
+              <a:buSzPts val="1400"/>
+              <a:buNone/>
+              <a:defRPr sz="1400"/>
+            </a:lvl7pPr>
+            <a:lvl8pPr lvl="7" algn="ctr" rtl="0">
+              <a:spcBef>
+                <a:spcPts val="0"/>
+              </a:spcBef>
+              <a:spcAft>
+                <a:spcPts val="0"/>
+              </a:spcAft>
+              <a:buSzPts val="1400"/>
+              <a:buNone/>
+              <a:defRPr sz="1400"/>
+            </a:lvl8pPr>
+            <a:lvl9pPr lvl="8" algn="ctr" rtl="0">
+              <a:spcBef>
+                <a:spcPts val="0"/>
+              </a:spcBef>
+              <a:spcAft>
+                <a:spcPts val="0"/>
+              </a:spcAft>
+              <a:buSzPts val="1400"/>
+              <a:buNone/>
+              <a:defRPr sz="1400"/>
+            </a:lvl9pPr>
+          </a:lstStyle>
+          <a:p>
+            <a:endParaRPr/>
+          </a:p>
+        </p:txBody>
+      </p:sp>
+      <p:sp>
+        <p:nvSpPr>
+          <p:cNvPr id="16" name="Google Shape;16;p3"/>
+          <p:cNvSpPr/>
+          <p:nvPr/>
+        </p:nvSpPr>
+        <p:spPr>
+          <a:xfrm flipH="1">
+            <a:off x="2649025" y="-1201375"/>
+            <a:ext cx="2761500" cy="556500"/>
+          </a:xfrm>
+          <a:prstGeom prst="rect">
+            <a:avLst/>
+          </a:prstGeom>
+          <a:noFill/>
+          <a:ln w="9525" cap="flat" cmpd="sng">
+            <a:solidFill>
+              <a:schemeClr val="lt1"/>
+            </a:solidFill>
+            <a:prstDash val="solid"/>
+            <a:round/>
+            <a:headEnd type="none" w="sm" len="sm"/>
+            <a:tailEnd type="none" w="sm" len="sm"/>
+          </a:ln>
+        </p:spPr>
+        <p:txBody>
+          <a:bodyPr spcFirstLastPara="1" wrap="square" lIns="91425" tIns="91425" rIns="91425" bIns="91425" anchor="ctr" anchorCtr="0">
+            <a:noAutofit/>
+          </a:bodyPr>
+          <a:lstStyle/>
+          <a:p>
+            <a:pPr marL="0" lvl="0" indent="0" algn="l" rtl="0">
+              <a:spcBef>
+                <a:spcPts val="0"/>
+              </a:spcBef>
+              <a:spcAft>
+                <a:spcPts val="0"/>
+              </a:spcAft>
+              <a:buNone/>
+            </a:pPr>
+            <a:endParaRPr/>
+          </a:p>
+        </p:txBody>
+      </p:sp>
+      <p:sp>
+        <p:nvSpPr>
+          <p:cNvPr id="17" name="Google Shape;17;p3"/>
+          <p:cNvSpPr/>
+          <p:nvPr/>
+        </p:nvSpPr>
+        <p:spPr>
+          <a:xfrm>
+            <a:off x="-92200" y="550200"/>
+            <a:ext cx="1781700" cy="630000"/>
+          </a:xfrm>
+          <a:prstGeom prst="rect">
+            <a:avLst/>
+          </a:prstGeom>
+          <a:noFill/>
+          <a:ln w="9525" cap="flat" cmpd="sng">
+            <a:solidFill>
+              <a:schemeClr val="lt1"/>
+            </a:solidFill>
+            <a:prstDash val="solid"/>
+            <a:round/>
+            <a:headEnd type="none" w="sm" len="sm"/>
+            <a:tailEnd type="none" w="sm" len="sm"/>
+          </a:ln>
+        </p:spPr>
+        <p:txBody>
+          <a:bodyPr spcFirstLastPara="1" wrap="square" lIns="91425" tIns="91425" rIns="91425" bIns="91425" anchor="ctr" anchorCtr="0">
+            <a:noAutofit/>
+          </a:bodyPr>
+          <a:lstStyle/>
+          <a:p>
+            <a:pPr marL="0" lvl="0" indent="0" algn="l" rtl="0">
+              <a:spcBef>
+                <a:spcPts val="0"/>
+              </a:spcBef>
+              <a:spcAft>
+                <a:spcPts val="0"/>
+              </a:spcAft>
+              <a:buNone/>
+            </a:pPr>
+            <a:endParaRPr/>
+          </a:p>
+        </p:txBody>
+      </p:sp>
+    </p:spTree>
+    <p:extLst>
+      <p:ext uri="{BB962C8B-B14F-4D97-AF65-F5344CB8AC3E}">
+        <p14:creationId xmlns:p14="http://schemas.microsoft.com/office/powerpoint/2010/main" val="1454289550"/>
+      </p:ext>
+    </p:extLst>
+  </p:cSld>
+  <p:clrMapOvr>
+    <a:masterClrMapping/>
+  </p:clrMapOvr>
+</p:sldLayout>
+</file>
+
+<file path=ppt/slideLayouts/slideLayout9.xml><?xml version="1.0" encoding="utf-8"?>
 <p:sldLayout xmlns:a="http://schemas.openxmlformats.org/drawingml/2006/main" xmlns:r="http://schemas.openxmlformats.org/officeDocument/2006/relationships" xmlns:p="http://schemas.openxmlformats.org/presentationml/2006/main" matchingName="Table of contents">
   <p:cSld name="Table of contents">
     <p:spTree>
@@ -3505,3900 +7268,6 @@
 </p:sldLayout>
 </file>
 
-<file path=ppt/slideLayouts/slideLayout2.xml><?xml version="1.0" encoding="utf-8"?>
-<p:sldLayout xmlns:a="http://schemas.openxmlformats.org/drawingml/2006/main" xmlns:r="http://schemas.openxmlformats.org/officeDocument/2006/relationships" xmlns:p="http://schemas.openxmlformats.org/presentationml/2006/main" matchingName="Two colums ">
-  <p:cSld name="TITLE_ONLY_3">
-    <p:spTree>
-      <p:nvGrpSpPr>
-        <p:cNvPr id="1" name="Shape 47"/>
-        <p:cNvGrpSpPr/>
-        <p:nvPr/>
-      </p:nvGrpSpPr>
-      <p:grpSpPr>
-        <a:xfrm>
-          <a:off x="0" y="0"/>
-          <a:ext cx="0" cy="0"/>
-          <a:chOff x="0" y="0"/>
-          <a:chExt cx="0" cy="0"/>
-        </a:xfrm>
-      </p:grpSpPr>
-      <p:sp>
-        <p:nvSpPr>
-          <p:cNvPr id="48" name="Google Shape;48;p8"/>
-          <p:cNvSpPr txBox="1">
-            <a:spLocks noGrp="1"/>
-          </p:cNvSpPr>
-          <p:nvPr>
-            <p:ph type="ctrTitle"/>
-          </p:nvPr>
-        </p:nvSpPr>
-        <p:spPr>
-          <a:xfrm>
-            <a:off x="-7500" y="644663"/>
-            <a:ext cx="4567800" cy="946200"/>
-          </a:xfrm>
-          <a:prstGeom prst="rect">
-            <a:avLst/>
-          </a:prstGeom>
-        </p:spPr>
-        <p:txBody>
-          <a:bodyPr spcFirstLastPara="1" wrap="square" lIns="91425" tIns="91425" rIns="91425" bIns="91425" anchor="b" anchorCtr="0">
-            <a:noAutofit/>
-          </a:bodyPr>
-          <a:lstStyle>
-            <a:lvl1pPr lvl="0" algn="ctr" rtl="0">
-              <a:spcBef>
-                <a:spcPts val="0"/>
-              </a:spcBef>
-              <a:spcAft>
-                <a:spcPts val="0"/>
-              </a:spcAft>
-              <a:buSzPts val="2400"/>
-              <a:buNone/>
-              <a:defRPr sz="2400"/>
-            </a:lvl1pPr>
-            <a:lvl2pPr lvl="1" algn="r" rtl="0">
-              <a:spcBef>
-                <a:spcPts val="0"/>
-              </a:spcBef>
-              <a:spcAft>
-                <a:spcPts val="0"/>
-              </a:spcAft>
-              <a:buSzPts val="2400"/>
-              <a:buNone/>
-              <a:defRPr sz="2400"/>
-            </a:lvl2pPr>
-            <a:lvl3pPr lvl="2" algn="r" rtl="0">
-              <a:spcBef>
-                <a:spcPts val="0"/>
-              </a:spcBef>
-              <a:spcAft>
-                <a:spcPts val="0"/>
-              </a:spcAft>
-              <a:buSzPts val="2400"/>
-              <a:buNone/>
-              <a:defRPr sz="2400"/>
-            </a:lvl3pPr>
-            <a:lvl4pPr lvl="3" algn="r" rtl="0">
-              <a:spcBef>
-                <a:spcPts val="0"/>
-              </a:spcBef>
-              <a:spcAft>
-                <a:spcPts val="0"/>
-              </a:spcAft>
-              <a:buSzPts val="2400"/>
-              <a:buNone/>
-              <a:defRPr sz="2400"/>
-            </a:lvl4pPr>
-            <a:lvl5pPr lvl="4" algn="r" rtl="0">
-              <a:spcBef>
-                <a:spcPts val="0"/>
-              </a:spcBef>
-              <a:spcAft>
-                <a:spcPts val="0"/>
-              </a:spcAft>
-              <a:buSzPts val="2400"/>
-              <a:buNone/>
-              <a:defRPr sz="2400"/>
-            </a:lvl5pPr>
-            <a:lvl6pPr lvl="5" algn="r" rtl="0">
-              <a:spcBef>
-                <a:spcPts val="0"/>
-              </a:spcBef>
-              <a:spcAft>
-                <a:spcPts val="0"/>
-              </a:spcAft>
-              <a:buSzPts val="2400"/>
-              <a:buNone/>
-              <a:defRPr sz="2400"/>
-            </a:lvl6pPr>
-            <a:lvl7pPr lvl="6" algn="r" rtl="0">
-              <a:spcBef>
-                <a:spcPts val="0"/>
-              </a:spcBef>
-              <a:spcAft>
-                <a:spcPts val="0"/>
-              </a:spcAft>
-              <a:buSzPts val="2400"/>
-              <a:buNone/>
-              <a:defRPr sz="2400"/>
-            </a:lvl7pPr>
-            <a:lvl8pPr lvl="7" algn="r" rtl="0">
-              <a:spcBef>
-                <a:spcPts val="0"/>
-              </a:spcBef>
-              <a:spcAft>
-                <a:spcPts val="0"/>
-              </a:spcAft>
-              <a:buSzPts val="2400"/>
-              <a:buNone/>
-              <a:defRPr sz="2400"/>
-            </a:lvl8pPr>
-            <a:lvl9pPr lvl="8" algn="r" rtl="0">
-              <a:spcBef>
-                <a:spcPts val="0"/>
-              </a:spcBef>
-              <a:spcAft>
-                <a:spcPts val="0"/>
-              </a:spcAft>
-              <a:buSzPts val="2400"/>
-              <a:buNone/>
-              <a:defRPr sz="2400"/>
-            </a:lvl9pPr>
-          </a:lstStyle>
-          <a:p>
-            <a:endParaRPr/>
-          </a:p>
-        </p:txBody>
-      </p:sp>
-      <p:sp>
-        <p:nvSpPr>
-          <p:cNvPr id="49" name="Google Shape;49;p8"/>
-          <p:cNvSpPr txBox="1">
-            <a:spLocks noGrp="1"/>
-          </p:cNvSpPr>
-          <p:nvPr>
-            <p:ph type="subTitle" idx="1"/>
-          </p:nvPr>
-        </p:nvSpPr>
-        <p:spPr>
-          <a:xfrm>
-            <a:off x="877800" y="1499300"/>
-            <a:ext cx="2797200" cy="1112400"/>
-          </a:xfrm>
-          <a:prstGeom prst="rect">
-            <a:avLst/>
-          </a:prstGeom>
-        </p:spPr>
-        <p:txBody>
-          <a:bodyPr spcFirstLastPara="1" wrap="square" lIns="91425" tIns="91425" rIns="91425" bIns="91425" anchor="t" anchorCtr="0">
-            <a:noAutofit/>
-          </a:bodyPr>
-          <a:lstStyle>
-            <a:lvl1pPr lvl="0" algn="ctr" rtl="0">
-              <a:lnSpc>
-                <a:spcPct val="100000"/>
-              </a:lnSpc>
-              <a:spcBef>
-                <a:spcPts val="0"/>
-              </a:spcBef>
-              <a:spcAft>
-                <a:spcPts val="0"/>
-              </a:spcAft>
-              <a:buSzPts val="1000"/>
-              <a:buNone/>
-              <a:defRPr sz="1000"/>
-            </a:lvl1pPr>
-            <a:lvl2pPr lvl="1" algn="ctr" rtl="0">
-              <a:lnSpc>
-                <a:spcPct val="100000"/>
-              </a:lnSpc>
-              <a:spcBef>
-                <a:spcPts val="0"/>
-              </a:spcBef>
-              <a:spcAft>
-                <a:spcPts val="0"/>
-              </a:spcAft>
-              <a:buSzPts val="1000"/>
-              <a:buNone/>
-              <a:defRPr sz="1000"/>
-            </a:lvl2pPr>
-            <a:lvl3pPr lvl="2" algn="ctr" rtl="0">
-              <a:lnSpc>
-                <a:spcPct val="100000"/>
-              </a:lnSpc>
-              <a:spcBef>
-                <a:spcPts val="0"/>
-              </a:spcBef>
-              <a:spcAft>
-                <a:spcPts val="0"/>
-              </a:spcAft>
-              <a:buSzPts val="1000"/>
-              <a:buNone/>
-              <a:defRPr sz="1000"/>
-            </a:lvl3pPr>
-            <a:lvl4pPr lvl="3" algn="ctr" rtl="0">
-              <a:lnSpc>
-                <a:spcPct val="100000"/>
-              </a:lnSpc>
-              <a:spcBef>
-                <a:spcPts val="0"/>
-              </a:spcBef>
-              <a:spcAft>
-                <a:spcPts val="0"/>
-              </a:spcAft>
-              <a:buSzPts val="1000"/>
-              <a:buNone/>
-              <a:defRPr sz="1000"/>
-            </a:lvl4pPr>
-            <a:lvl5pPr lvl="4" algn="ctr" rtl="0">
-              <a:lnSpc>
-                <a:spcPct val="100000"/>
-              </a:lnSpc>
-              <a:spcBef>
-                <a:spcPts val="0"/>
-              </a:spcBef>
-              <a:spcAft>
-                <a:spcPts val="0"/>
-              </a:spcAft>
-              <a:buSzPts val="1000"/>
-              <a:buNone/>
-              <a:defRPr sz="1000"/>
-            </a:lvl5pPr>
-            <a:lvl6pPr lvl="5" algn="ctr" rtl="0">
-              <a:lnSpc>
-                <a:spcPct val="100000"/>
-              </a:lnSpc>
-              <a:spcBef>
-                <a:spcPts val="0"/>
-              </a:spcBef>
-              <a:spcAft>
-                <a:spcPts val="0"/>
-              </a:spcAft>
-              <a:buSzPts val="1000"/>
-              <a:buNone/>
-              <a:defRPr sz="1000"/>
-            </a:lvl6pPr>
-            <a:lvl7pPr lvl="6" algn="ctr" rtl="0">
-              <a:lnSpc>
-                <a:spcPct val="100000"/>
-              </a:lnSpc>
-              <a:spcBef>
-                <a:spcPts val="0"/>
-              </a:spcBef>
-              <a:spcAft>
-                <a:spcPts val="0"/>
-              </a:spcAft>
-              <a:buSzPts val="1000"/>
-              <a:buNone/>
-              <a:defRPr sz="1000"/>
-            </a:lvl7pPr>
-            <a:lvl8pPr lvl="7" algn="ctr" rtl="0">
-              <a:lnSpc>
-                <a:spcPct val="100000"/>
-              </a:lnSpc>
-              <a:spcBef>
-                <a:spcPts val="0"/>
-              </a:spcBef>
-              <a:spcAft>
-                <a:spcPts val="0"/>
-              </a:spcAft>
-              <a:buSzPts val="1000"/>
-              <a:buNone/>
-              <a:defRPr sz="1000"/>
-            </a:lvl8pPr>
-            <a:lvl9pPr lvl="8" algn="ctr" rtl="0">
-              <a:lnSpc>
-                <a:spcPct val="100000"/>
-              </a:lnSpc>
-              <a:spcBef>
-                <a:spcPts val="0"/>
-              </a:spcBef>
-              <a:spcAft>
-                <a:spcPts val="0"/>
-              </a:spcAft>
-              <a:buSzPts val="1000"/>
-              <a:buNone/>
-              <a:defRPr sz="1000"/>
-            </a:lvl9pPr>
-          </a:lstStyle>
-          <a:p>
-            <a:endParaRPr/>
-          </a:p>
-        </p:txBody>
-      </p:sp>
-      <p:sp>
-        <p:nvSpPr>
-          <p:cNvPr id="50" name="Google Shape;50;p8"/>
-          <p:cNvSpPr txBox="1">
-            <a:spLocks noGrp="1"/>
-          </p:cNvSpPr>
-          <p:nvPr>
-            <p:ph type="subTitle" idx="2"/>
-          </p:nvPr>
-        </p:nvSpPr>
-        <p:spPr>
-          <a:xfrm>
-            <a:off x="5455475" y="1499300"/>
-            <a:ext cx="2797200" cy="1112400"/>
-          </a:xfrm>
-          <a:prstGeom prst="rect">
-            <a:avLst/>
-          </a:prstGeom>
-        </p:spPr>
-        <p:txBody>
-          <a:bodyPr spcFirstLastPara="1" wrap="square" lIns="91425" tIns="91425" rIns="91425" bIns="91425" anchor="t" anchorCtr="0">
-            <a:noAutofit/>
-          </a:bodyPr>
-          <a:lstStyle>
-            <a:lvl1pPr lvl="0" algn="ctr" rtl="0">
-              <a:lnSpc>
-                <a:spcPct val="100000"/>
-              </a:lnSpc>
-              <a:spcBef>
-                <a:spcPts val="0"/>
-              </a:spcBef>
-              <a:spcAft>
-                <a:spcPts val="0"/>
-              </a:spcAft>
-              <a:buSzPts val="1000"/>
-              <a:buNone/>
-              <a:defRPr sz="1000"/>
-            </a:lvl1pPr>
-            <a:lvl2pPr lvl="1" algn="ctr" rtl="0">
-              <a:lnSpc>
-                <a:spcPct val="100000"/>
-              </a:lnSpc>
-              <a:spcBef>
-                <a:spcPts val="0"/>
-              </a:spcBef>
-              <a:spcAft>
-                <a:spcPts val="0"/>
-              </a:spcAft>
-              <a:buSzPts val="1000"/>
-              <a:buNone/>
-              <a:defRPr sz="1000"/>
-            </a:lvl2pPr>
-            <a:lvl3pPr lvl="2" algn="ctr" rtl="0">
-              <a:lnSpc>
-                <a:spcPct val="100000"/>
-              </a:lnSpc>
-              <a:spcBef>
-                <a:spcPts val="0"/>
-              </a:spcBef>
-              <a:spcAft>
-                <a:spcPts val="0"/>
-              </a:spcAft>
-              <a:buSzPts val="1000"/>
-              <a:buNone/>
-              <a:defRPr sz="1000"/>
-            </a:lvl3pPr>
-            <a:lvl4pPr lvl="3" algn="ctr" rtl="0">
-              <a:lnSpc>
-                <a:spcPct val="100000"/>
-              </a:lnSpc>
-              <a:spcBef>
-                <a:spcPts val="0"/>
-              </a:spcBef>
-              <a:spcAft>
-                <a:spcPts val="0"/>
-              </a:spcAft>
-              <a:buSzPts val="1000"/>
-              <a:buNone/>
-              <a:defRPr sz="1000"/>
-            </a:lvl4pPr>
-            <a:lvl5pPr lvl="4" algn="ctr" rtl="0">
-              <a:lnSpc>
-                <a:spcPct val="100000"/>
-              </a:lnSpc>
-              <a:spcBef>
-                <a:spcPts val="0"/>
-              </a:spcBef>
-              <a:spcAft>
-                <a:spcPts val="0"/>
-              </a:spcAft>
-              <a:buSzPts val="1000"/>
-              <a:buNone/>
-              <a:defRPr sz="1000"/>
-            </a:lvl5pPr>
-            <a:lvl6pPr lvl="5" algn="ctr" rtl="0">
-              <a:lnSpc>
-                <a:spcPct val="100000"/>
-              </a:lnSpc>
-              <a:spcBef>
-                <a:spcPts val="0"/>
-              </a:spcBef>
-              <a:spcAft>
-                <a:spcPts val="0"/>
-              </a:spcAft>
-              <a:buSzPts val="1000"/>
-              <a:buNone/>
-              <a:defRPr sz="1000"/>
-            </a:lvl6pPr>
-            <a:lvl7pPr lvl="6" algn="ctr" rtl="0">
-              <a:lnSpc>
-                <a:spcPct val="100000"/>
-              </a:lnSpc>
-              <a:spcBef>
-                <a:spcPts val="0"/>
-              </a:spcBef>
-              <a:spcAft>
-                <a:spcPts val="0"/>
-              </a:spcAft>
-              <a:buSzPts val="1000"/>
-              <a:buNone/>
-              <a:defRPr sz="1000"/>
-            </a:lvl7pPr>
-            <a:lvl8pPr lvl="7" algn="ctr" rtl="0">
-              <a:lnSpc>
-                <a:spcPct val="100000"/>
-              </a:lnSpc>
-              <a:spcBef>
-                <a:spcPts val="0"/>
-              </a:spcBef>
-              <a:spcAft>
-                <a:spcPts val="0"/>
-              </a:spcAft>
-              <a:buSzPts val="1000"/>
-              <a:buNone/>
-              <a:defRPr sz="1000"/>
-            </a:lvl8pPr>
-            <a:lvl9pPr lvl="8" algn="ctr" rtl="0">
-              <a:lnSpc>
-                <a:spcPct val="100000"/>
-              </a:lnSpc>
-              <a:spcBef>
-                <a:spcPts val="0"/>
-              </a:spcBef>
-              <a:spcAft>
-                <a:spcPts val="0"/>
-              </a:spcAft>
-              <a:buSzPts val="1000"/>
-              <a:buNone/>
-              <a:defRPr sz="1000"/>
-            </a:lvl9pPr>
-          </a:lstStyle>
-          <a:p>
-            <a:endParaRPr/>
-          </a:p>
-        </p:txBody>
-      </p:sp>
-      <p:sp>
-        <p:nvSpPr>
-          <p:cNvPr id="51" name="Google Shape;51;p8"/>
-          <p:cNvSpPr txBox="1">
-            <a:spLocks noGrp="1"/>
-          </p:cNvSpPr>
-          <p:nvPr>
-            <p:ph type="ctrTitle" idx="3"/>
-          </p:nvPr>
-        </p:nvSpPr>
-        <p:spPr>
-          <a:xfrm>
-            <a:off x="4560425" y="644663"/>
-            <a:ext cx="4587300" cy="946200"/>
-          </a:xfrm>
-          <a:prstGeom prst="rect">
-            <a:avLst/>
-          </a:prstGeom>
-        </p:spPr>
-        <p:txBody>
-          <a:bodyPr spcFirstLastPara="1" wrap="square" lIns="91425" tIns="91425" rIns="91425" bIns="91425" anchor="b" anchorCtr="0">
-            <a:noAutofit/>
-          </a:bodyPr>
-          <a:lstStyle>
-            <a:lvl1pPr lvl="0" algn="ctr" rtl="0">
-              <a:spcBef>
-                <a:spcPts val="0"/>
-              </a:spcBef>
-              <a:spcAft>
-                <a:spcPts val="0"/>
-              </a:spcAft>
-              <a:buSzPts val="2400"/>
-              <a:buNone/>
-              <a:defRPr sz="2400"/>
-            </a:lvl1pPr>
-            <a:lvl2pPr lvl="1" algn="r" rtl="0">
-              <a:spcBef>
-                <a:spcPts val="0"/>
-              </a:spcBef>
-              <a:spcAft>
-                <a:spcPts val="0"/>
-              </a:spcAft>
-              <a:buSzPts val="2400"/>
-              <a:buNone/>
-              <a:defRPr sz="2400"/>
-            </a:lvl2pPr>
-            <a:lvl3pPr lvl="2" algn="r" rtl="0">
-              <a:spcBef>
-                <a:spcPts val="0"/>
-              </a:spcBef>
-              <a:spcAft>
-                <a:spcPts val="0"/>
-              </a:spcAft>
-              <a:buSzPts val="2400"/>
-              <a:buNone/>
-              <a:defRPr sz="2400"/>
-            </a:lvl3pPr>
-            <a:lvl4pPr lvl="3" algn="r" rtl="0">
-              <a:spcBef>
-                <a:spcPts val="0"/>
-              </a:spcBef>
-              <a:spcAft>
-                <a:spcPts val="0"/>
-              </a:spcAft>
-              <a:buSzPts val="2400"/>
-              <a:buNone/>
-              <a:defRPr sz="2400"/>
-            </a:lvl4pPr>
-            <a:lvl5pPr lvl="4" algn="r" rtl="0">
-              <a:spcBef>
-                <a:spcPts val="0"/>
-              </a:spcBef>
-              <a:spcAft>
-                <a:spcPts val="0"/>
-              </a:spcAft>
-              <a:buSzPts val="2400"/>
-              <a:buNone/>
-              <a:defRPr sz="2400"/>
-            </a:lvl5pPr>
-            <a:lvl6pPr lvl="5" algn="r" rtl="0">
-              <a:spcBef>
-                <a:spcPts val="0"/>
-              </a:spcBef>
-              <a:spcAft>
-                <a:spcPts val="0"/>
-              </a:spcAft>
-              <a:buSzPts val="2400"/>
-              <a:buNone/>
-              <a:defRPr sz="2400"/>
-            </a:lvl6pPr>
-            <a:lvl7pPr lvl="6" algn="r" rtl="0">
-              <a:spcBef>
-                <a:spcPts val="0"/>
-              </a:spcBef>
-              <a:spcAft>
-                <a:spcPts val="0"/>
-              </a:spcAft>
-              <a:buSzPts val="2400"/>
-              <a:buNone/>
-              <a:defRPr sz="2400"/>
-            </a:lvl7pPr>
-            <a:lvl8pPr lvl="7" algn="r" rtl="0">
-              <a:spcBef>
-                <a:spcPts val="0"/>
-              </a:spcBef>
-              <a:spcAft>
-                <a:spcPts val="0"/>
-              </a:spcAft>
-              <a:buSzPts val="2400"/>
-              <a:buNone/>
-              <a:defRPr sz="2400"/>
-            </a:lvl8pPr>
-            <a:lvl9pPr lvl="8" algn="r" rtl="0">
-              <a:spcBef>
-                <a:spcPts val="0"/>
-              </a:spcBef>
-              <a:spcAft>
-                <a:spcPts val="0"/>
-              </a:spcAft>
-              <a:buSzPts val="2400"/>
-              <a:buNone/>
-              <a:defRPr sz="2400"/>
-            </a:lvl9pPr>
-          </a:lstStyle>
-          <a:p>
-            <a:endParaRPr/>
-          </a:p>
-        </p:txBody>
-      </p:sp>
-    </p:spTree>
-  </p:cSld>
-  <p:clrMapOvr>
-    <a:masterClrMapping/>
-  </p:clrMapOvr>
-</p:sldLayout>
-</file>
-
-<file path=ppt/slideLayouts/slideLayout3.xml><?xml version="1.0" encoding="utf-8"?>
-<p:sldLayout xmlns:a="http://schemas.openxmlformats.org/drawingml/2006/main" xmlns:r="http://schemas.openxmlformats.org/officeDocument/2006/relationships" xmlns:p="http://schemas.openxmlformats.org/presentationml/2006/main" matchingName="Three columns 2">
-  <p:cSld name="TITLE_ONLY_2_1">
-    <p:spTree>
-      <p:nvGrpSpPr>
-        <p:cNvPr id="1" name="Shape 52"/>
-        <p:cNvGrpSpPr/>
-        <p:nvPr/>
-      </p:nvGrpSpPr>
-      <p:grpSpPr>
-        <a:xfrm>
-          <a:off x="0" y="0"/>
-          <a:ext cx="0" cy="0"/>
-          <a:chOff x="0" y="0"/>
-          <a:chExt cx="0" cy="0"/>
-        </a:xfrm>
-      </p:grpSpPr>
-      <p:sp>
-        <p:nvSpPr>
-          <p:cNvPr id="53" name="Google Shape;53;p9"/>
-          <p:cNvSpPr txBox="1">
-            <a:spLocks noGrp="1"/>
-          </p:cNvSpPr>
-          <p:nvPr>
-            <p:ph type="subTitle" idx="1"/>
-          </p:nvPr>
-        </p:nvSpPr>
-        <p:spPr>
-          <a:xfrm>
-            <a:off x="2640241" y="1227261"/>
-            <a:ext cx="2602500" cy="1112400"/>
-          </a:xfrm>
-          <a:prstGeom prst="rect">
-            <a:avLst/>
-          </a:prstGeom>
-        </p:spPr>
-        <p:txBody>
-          <a:bodyPr spcFirstLastPara="1" wrap="square" lIns="91425" tIns="91425" rIns="91425" bIns="91425" anchor="t" anchorCtr="0">
-            <a:noAutofit/>
-          </a:bodyPr>
-          <a:lstStyle>
-            <a:lvl1pPr lvl="0" algn="r" rtl="0">
-              <a:lnSpc>
-                <a:spcPct val="100000"/>
-              </a:lnSpc>
-              <a:spcBef>
-                <a:spcPts val="0"/>
-              </a:spcBef>
-              <a:spcAft>
-                <a:spcPts val="0"/>
-              </a:spcAft>
-              <a:buSzPts val="1000"/>
-              <a:buNone/>
-              <a:defRPr sz="1000"/>
-            </a:lvl1pPr>
-            <a:lvl2pPr lvl="1" algn="r" rtl="0">
-              <a:lnSpc>
-                <a:spcPct val="100000"/>
-              </a:lnSpc>
-              <a:spcBef>
-                <a:spcPts val="0"/>
-              </a:spcBef>
-              <a:spcAft>
-                <a:spcPts val="0"/>
-              </a:spcAft>
-              <a:buSzPts val="1000"/>
-              <a:buNone/>
-              <a:defRPr sz="1000"/>
-            </a:lvl2pPr>
-            <a:lvl3pPr lvl="2" algn="r" rtl="0">
-              <a:lnSpc>
-                <a:spcPct val="100000"/>
-              </a:lnSpc>
-              <a:spcBef>
-                <a:spcPts val="0"/>
-              </a:spcBef>
-              <a:spcAft>
-                <a:spcPts val="0"/>
-              </a:spcAft>
-              <a:buSzPts val="1000"/>
-              <a:buNone/>
-              <a:defRPr sz="1000"/>
-            </a:lvl3pPr>
-            <a:lvl4pPr lvl="3" algn="r" rtl="0">
-              <a:lnSpc>
-                <a:spcPct val="100000"/>
-              </a:lnSpc>
-              <a:spcBef>
-                <a:spcPts val="0"/>
-              </a:spcBef>
-              <a:spcAft>
-                <a:spcPts val="0"/>
-              </a:spcAft>
-              <a:buSzPts val="1000"/>
-              <a:buNone/>
-              <a:defRPr sz="1000"/>
-            </a:lvl4pPr>
-            <a:lvl5pPr lvl="4" algn="r" rtl="0">
-              <a:lnSpc>
-                <a:spcPct val="100000"/>
-              </a:lnSpc>
-              <a:spcBef>
-                <a:spcPts val="0"/>
-              </a:spcBef>
-              <a:spcAft>
-                <a:spcPts val="0"/>
-              </a:spcAft>
-              <a:buSzPts val="1000"/>
-              <a:buNone/>
-              <a:defRPr sz="1000"/>
-            </a:lvl5pPr>
-            <a:lvl6pPr lvl="5" algn="r" rtl="0">
-              <a:lnSpc>
-                <a:spcPct val="100000"/>
-              </a:lnSpc>
-              <a:spcBef>
-                <a:spcPts val="0"/>
-              </a:spcBef>
-              <a:spcAft>
-                <a:spcPts val="0"/>
-              </a:spcAft>
-              <a:buSzPts val="1000"/>
-              <a:buNone/>
-              <a:defRPr sz="1000"/>
-            </a:lvl6pPr>
-            <a:lvl7pPr lvl="6" algn="r" rtl="0">
-              <a:lnSpc>
-                <a:spcPct val="100000"/>
-              </a:lnSpc>
-              <a:spcBef>
-                <a:spcPts val="0"/>
-              </a:spcBef>
-              <a:spcAft>
-                <a:spcPts val="0"/>
-              </a:spcAft>
-              <a:buSzPts val="1000"/>
-              <a:buNone/>
-              <a:defRPr sz="1000"/>
-            </a:lvl7pPr>
-            <a:lvl8pPr lvl="7" algn="r" rtl="0">
-              <a:lnSpc>
-                <a:spcPct val="100000"/>
-              </a:lnSpc>
-              <a:spcBef>
-                <a:spcPts val="0"/>
-              </a:spcBef>
-              <a:spcAft>
-                <a:spcPts val="0"/>
-              </a:spcAft>
-              <a:buSzPts val="1000"/>
-              <a:buNone/>
-              <a:defRPr sz="1000"/>
-            </a:lvl8pPr>
-            <a:lvl9pPr lvl="8" algn="r" rtl="0">
-              <a:lnSpc>
-                <a:spcPct val="100000"/>
-              </a:lnSpc>
-              <a:spcBef>
-                <a:spcPts val="0"/>
-              </a:spcBef>
-              <a:spcAft>
-                <a:spcPts val="0"/>
-              </a:spcAft>
-              <a:buSzPts val="1000"/>
-              <a:buNone/>
-              <a:defRPr sz="1000"/>
-            </a:lvl9pPr>
-          </a:lstStyle>
-          <a:p>
-            <a:endParaRPr/>
-          </a:p>
-        </p:txBody>
-      </p:sp>
-      <p:sp>
-        <p:nvSpPr>
-          <p:cNvPr id="54" name="Google Shape;54;p9"/>
-          <p:cNvSpPr txBox="1">
-            <a:spLocks noGrp="1"/>
-          </p:cNvSpPr>
-          <p:nvPr>
-            <p:ph type="subTitle" idx="2"/>
-          </p:nvPr>
-        </p:nvSpPr>
-        <p:spPr>
-          <a:xfrm>
-            <a:off x="1832400" y="2236096"/>
-            <a:ext cx="2602500" cy="1112400"/>
-          </a:xfrm>
-          <a:prstGeom prst="rect">
-            <a:avLst/>
-          </a:prstGeom>
-        </p:spPr>
-        <p:txBody>
-          <a:bodyPr spcFirstLastPara="1" wrap="square" lIns="91425" tIns="91425" rIns="91425" bIns="91425" anchor="t" anchorCtr="0">
-            <a:noAutofit/>
-          </a:bodyPr>
-          <a:lstStyle>
-            <a:lvl1pPr lvl="0" algn="r" rtl="0">
-              <a:lnSpc>
-                <a:spcPct val="100000"/>
-              </a:lnSpc>
-              <a:spcBef>
-                <a:spcPts val="0"/>
-              </a:spcBef>
-              <a:spcAft>
-                <a:spcPts val="0"/>
-              </a:spcAft>
-              <a:buSzPts val="1000"/>
-              <a:buNone/>
-              <a:defRPr sz="1000"/>
-            </a:lvl1pPr>
-            <a:lvl2pPr lvl="1" algn="r" rtl="0">
-              <a:lnSpc>
-                <a:spcPct val="100000"/>
-              </a:lnSpc>
-              <a:spcBef>
-                <a:spcPts val="0"/>
-              </a:spcBef>
-              <a:spcAft>
-                <a:spcPts val="0"/>
-              </a:spcAft>
-              <a:buSzPts val="1000"/>
-              <a:buNone/>
-              <a:defRPr sz="1000"/>
-            </a:lvl2pPr>
-            <a:lvl3pPr lvl="2" algn="r" rtl="0">
-              <a:lnSpc>
-                <a:spcPct val="100000"/>
-              </a:lnSpc>
-              <a:spcBef>
-                <a:spcPts val="0"/>
-              </a:spcBef>
-              <a:spcAft>
-                <a:spcPts val="0"/>
-              </a:spcAft>
-              <a:buSzPts val="1000"/>
-              <a:buNone/>
-              <a:defRPr sz="1000"/>
-            </a:lvl3pPr>
-            <a:lvl4pPr lvl="3" algn="r" rtl="0">
-              <a:lnSpc>
-                <a:spcPct val="100000"/>
-              </a:lnSpc>
-              <a:spcBef>
-                <a:spcPts val="0"/>
-              </a:spcBef>
-              <a:spcAft>
-                <a:spcPts val="0"/>
-              </a:spcAft>
-              <a:buSzPts val="1000"/>
-              <a:buNone/>
-              <a:defRPr sz="1000"/>
-            </a:lvl4pPr>
-            <a:lvl5pPr lvl="4" algn="r" rtl="0">
-              <a:lnSpc>
-                <a:spcPct val="100000"/>
-              </a:lnSpc>
-              <a:spcBef>
-                <a:spcPts val="0"/>
-              </a:spcBef>
-              <a:spcAft>
-                <a:spcPts val="0"/>
-              </a:spcAft>
-              <a:buSzPts val="1000"/>
-              <a:buNone/>
-              <a:defRPr sz="1000"/>
-            </a:lvl5pPr>
-            <a:lvl6pPr lvl="5" algn="r" rtl="0">
-              <a:lnSpc>
-                <a:spcPct val="100000"/>
-              </a:lnSpc>
-              <a:spcBef>
-                <a:spcPts val="0"/>
-              </a:spcBef>
-              <a:spcAft>
-                <a:spcPts val="0"/>
-              </a:spcAft>
-              <a:buSzPts val="1000"/>
-              <a:buNone/>
-              <a:defRPr sz="1000"/>
-            </a:lvl6pPr>
-            <a:lvl7pPr lvl="6" algn="r" rtl="0">
-              <a:lnSpc>
-                <a:spcPct val="100000"/>
-              </a:lnSpc>
-              <a:spcBef>
-                <a:spcPts val="0"/>
-              </a:spcBef>
-              <a:spcAft>
-                <a:spcPts val="0"/>
-              </a:spcAft>
-              <a:buSzPts val="1000"/>
-              <a:buNone/>
-              <a:defRPr sz="1000"/>
-            </a:lvl7pPr>
-            <a:lvl8pPr lvl="7" algn="r" rtl="0">
-              <a:lnSpc>
-                <a:spcPct val="100000"/>
-              </a:lnSpc>
-              <a:spcBef>
-                <a:spcPts val="0"/>
-              </a:spcBef>
-              <a:spcAft>
-                <a:spcPts val="0"/>
-              </a:spcAft>
-              <a:buSzPts val="1000"/>
-              <a:buNone/>
-              <a:defRPr sz="1000"/>
-            </a:lvl8pPr>
-            <a:lvl9pPr lvl="8" algn="r" rtl="0">
-              <a:lnSpc>
-                <a:spcPct val="100000"/>
-              </a:lnSpc>
-              <a:spcBef>
-                <a:spcPts val="0"/>
-              </a:spcBef>
-              <a:spcAft>
-                <a:spcPts val="0"/>
-              </a:spcAft>
-              <a:buSzPts val="1000"/>
-              <a:buNone/>
-              <a:defRPr sz="1000"/>
-            </a:lvl9pPr>
-          </a:lstStyle>
-          <a:p>
-            <a:endParaRPr/>
-          </a:p>
-        </p:txBody>
-      </p:sp>
-      <p:sp>
-        <p:nvSpPr>
-          <p:cNvPr id="55" name="Google Shape;55;p9"/>
-          <p:cNvSpPr txBox="1">
-            <a:spLocks noGrp="1"/>
-          </p:cNvSpPr>
-          <p:nvPr>
-            <p:ph type="ctrTitle"/>
-          </p:nvPr>
-        </p:nvSpPr>
-        <p:spPr>
-          <a:xfrm>
-            <a:off x="2623486" y="994861"/>
-            <a:ext cx="2619300" cy="384900"/>
-          </a:xfrm>
-          <a:prstGeom prst="rect">
-            <a:avLst/>
-          </a:prstGeom>
-          <a:ln>
-            <a:noFill/>
-          </a:ln>
-        </p:spPr>
-        <p:txBody>
-          <a:bodyPr spcFirstLastPara="1" wrap="square" lIns="91425" tIns="91425" rIns="91425" bIns="91425" anchor="b" anchorCtr="0">
-            <a:noAutofit/>
-          </a:bodyPr>
-          <a:lstStyle>
-            <a:lvl1pPr lvl="0" algn="r" rtl="0">
-              <a:spcBef>
-                <a:spcPts val="0"/>
-              </a:spcBef>
-              <a:spcAft>
-                <a:spcPts val="0"/>
-              </a:spcAft>
-              <a:buSzPts val="1600"/>
-              <a:buNone/>
-              <a:defRPr sz="1600"/>
-            </a:lvl1pPr>
-            <a:lvl2pPr lvl="1" algn="r" rtl="0">
-              <a:spcBef>
-                <a:spcPts val="0"/>
-              </a:spcBef>
-              <a:spcAft>
-                <a:spcPts val="0"/>
-              </a:spcAft>
-              <a:buSzPts val="1600"/>
-              <a:buFont typeface="Unica One"/>
-              <a:buNone/>
-              <a:defRPr sz="1600">
-                <a:latin typeface="Unica One"/>
-                <a:ea typeface="Unica One"/>
-                <a:cs typeface="Unica One"/>
-                <a:sym typeface="Unica One"/>
-              </a:defRPr>
-            </a:lvl2pPr>
-            <a:lvl3pPr lvl="2" algn="r" rtl="0">
-              <a:spcBef>
-                <a:spcPts val="0"/>
-              </a:spcBef>
-              <a:spcAft>
-                <a:spcPts val="0"/>
-              </a:spcAft>
-              <a:buSzPts val="1600"/>
-              <a:buFont typeface="Unica One"/>
-              <a:buNone/>
-              <a:defRPr sz="1600">
-                <a:latin typeface="Unica One"/>
-                <a:ea typeface="Unica One"/>
-                <a:cs typeface="Unica One"/>
-                <a:sym typeface="Unica One"/>
-              </a:defRPr>
-            </a:lvl3pPr>
-            <a:lvl4pPr lvl="3" algn="r" rtl="0">
-              <a:spcBef>
-                <a:spcPts val="0"/>
-              </a:spcBef>
-              <a:spcAft>
-                <a:spcPts val="0"/>
-              </a:spcAft>
-              <a:buSzPts val="1600"/>
-              <a:buFont typeface="Unica One"/>
-              <a:buNone/>
-              <a:defRPr sz="1600">
-                <a:latin typeface="Unica One"/>
-                <a:ea typeface="Unica One"/>
-                <a:cs typeface="Unica One"/>
-                <a:sym typeface="Unica One"/>
-              </a:defRPr>
-            </a:lvl4pPr>
-            <a:lvl5pPr lvl="4" algn="r" rtl="0">
-              <a:spcBef>
-                <a:spcPts val="0"/>
-              </a:spcBef>
-              <a:spcAft>
-                <a:spcPts val="0"/>
-              </a:spcAft>
-              <a:buSzPts val="1600"/>
-              <a:buFont typeface="Unica One"/>
-              <a:buNone/>
-              <a:defRPr sz="1600">
-                <a:latin typeface="Unica One"/>
-                <a:ea typeface="Unica One"/>
-                <a:cs typeface="Unica One"/>
-                <a:sym typeface="Unica One"/>
-              </a:defRPr>
-            </a:lvl5pPr>
-            <a:lvl6pPr lvl="5" algn="r" rtl="0">
-              <a:spcBef>
-                <a:spcPts val="0"/>
-              </a:spcBef>
-              <a:spcAft>
-                <a:spcPts val="0"/>
-              </a:spcAft>
-              <a:buSzPts val="1600"/>
-              <a:buFont typeface="Unica One"/>
-              <a:buNone/>
-              <a:defRPr sz="1600">
-                <a:latin typeface="Unica One"/>
-                <a:ea typeface="Unica One"/>
-                <a:cs typeface="Unica One"/>
-                <a:sym typeface="Unica One"/>
-              </a:defRPr>
-            </a:lvl6pPr>
-            <a:lvl7pPr lvl="6" algn="r" rtl="0">
-              <a:spcBef>
-                <a:spcPts val="0"/>
-              </a:spcBef>
-              <a:spcAft>
-                <a:spcPts val="0"/>
-              </a:spcAft>
-              <a:buSzPts val="1600"/>
-              <a:buFont typeface="Unica One"/>
-              <a:buNone/>
-              <a:defRPr sz="1600">
-                <a:latin typeface="Unica One"/>
-                <a:ea typeface="Unica One"/>
-                <a:cs typeface="Unica One"/>
-                <a:sym typeface="Unica One"/>
-              </a:defRPr>
-            </a:lvl7pPr>
-            <a:lvl8pPr lvl="7" algn="r" rtl="0">
-              <a:spcBef>
-                <a:spcPts val="0"/>
-              </a:spcBef>
-              <a:spcAft>
-                <a:spcPts val="0"/>
-              </a:spcAft>
-              <a:buSzPts val="1600"/>
-              <a:buFont typeface="Unica One"/>
-              <a:buNone/>
-              <a:defRPr sz="1600">
-                <a:latin typeface="Unica One"/>
-                <a:ea typeface="Unica One"/>
-                <a:cs typeface="Unica One"/>
-                <a:sym typeface="Unica One"/>
-              </a:defRPr>
-            </a:lvl8pPr>
-            <a:lvl9pPr lvl="8" algn="r" rtl="0">
-              <a:spcBef>
-                <a:spcPts val="0"/>
-              </a:spcBef>
-              <a:spcAft>
-                <a:spcPts val="0"/>
-              </a:spcAft>
-              <a:buSzPts val="1600"/>
-              <a:buFont typeface="Unica One"/>
-              <a:buNone/>
-              <a:defRPr sz="1600">
-                <a:latin typeface="Unica One"/>
-                <a:ea typeface="Unica One"/>
-                <a:cs typeface="Unica One"/>
-                <a:sym typeface="Unica One"/>
-              </a:defRPr>
-            </a:lvl9pPr>
-          </a:lstStyle>
-          <a:p>
-            <a:endParaRPr/>
-          </a:p>
-        </p:txBody>
-      </p:sp>
-      <p:sp>
-        <p:nvSpPr>
-          <p:cNvPr id="56" name="Google Shape;56;p9"/>
-          <p:cNvSpPr txBox="1">
-            <a:spLocks noGrp="1"/>
-          </p:cNvSpPr>
-          <p:nvPr>
-            <p:ph type="ctrTitle" idx="3"/>
-          </p:nvPr>
-        </p:nvSpPr>
-        <p:spPr>
-          <a:xfrm>
-            <a:off x="1815600" y="2003696"/>
-            <a:ext cx="2619300" cy="384900"/>
-          </a:xfrm>
-          <a:prstGeom prst="rect">
-            <a:avLst/>
-          </a:prstGeom>
-          <a:ln>
-            <a:noFill/>
-          </a:ln>
-        </p:spPr>
-        <p:txBody>
-          <a:bodyPr spcFirstLastPara="1" wrap="square" lIns="91425" tIns="91425" rIns="91425" bIns="91425" anchor="b" anchorCtr="0">
-            <a:noAutofit/>
-          </a:bodyPr>
-          <a:lstStyle>
-            <a:lvl1pPr lvl="0" algn="r" rtl="0">
-              <a:spcBef>
-                <a:spcPts val="0"/>
-              </a:spcBef>
-              <a:spcAft>
-                <a:spcPts val="0"/>
-              </a:spcAft>
-              <a:buSzPts val="1600"/>
-              <a:buNone/>
-              <a:defRPr sz="1600"/>
-            </a:lvl1pPr>
-            <a:lvl2pPr lvl="1" algn="r" rtl="0">
-              <a:spcBef>
-                <a:spcPts val="0"/>
-              </a:spcBef>
-              <a:spcAft>
-                <a:spcPts val="0"/>
-              </a:spcAft>
-              <a:buSzPts val="1600"/>
-              <a:buFont typeface="Unica One"/>
-              <a:buNone/>
-              <a:defRPr sz="1600">
-                <a:latin typeface="Unica One"/>
-                <a:ea typeface="Unica One"/>
-                <a:cs typeface="Unica One"/>
-                <a:sym typeface="Unica One"/>
-              </a:defRPr>
-            </a:lvl2pPr>
-            <a:lvl3pPr lvl="2" algn="r" rtl="0">
-              <a:spcBef>
-                <a:spcPts val="0"/>
-              </a:spcBef>
-              <a:spcAft>
-                <a:spcPts val="0"/>
-              </a:spcAft>
-              <a:buSzPts val="1600"/>
-              <a:buFont typeface="Unica One"/>
-              <a:buNone/>
-              <a:defRPr sz="1600">
-                <a:latin typeface="Unica One"/>
-                <a:ea typeface="Unica One"/>
-                <a:cs typeface="Unica One"/>
-                <a:sym typeface="Unica One"/>
-              </a:defRPr>
-            </a:lvl3pPr>
-            <a:lvl4pPr lvl="3" algn="r" rtl="0">
-              <a:spcBef>
-                <a:spcPts val="0"/>
-              </a:spcBef>
-              <a:spcAft>
-                <a:spcPts val="0"/>
-              </a:spcAft>
-              <a:buSzPts val="1600"/>
-              <a:buFont typeface="Unica One"/>
-              <a:buNone/>
-              <a:defRPr sz="1600">
-                <a:latin typeface="Unica One"/>
-                <a:ea typeface="Unica One"/>
-                <a:cs typeface="Unica One"/>
-                <a:sym typeface="Unica One"/>
-              </a:defRPr>
-            </a:lvl4pPr>
-            <a:lvl5pPr lvl="4" algn="r" rtl="0">
-              <a:spcBef>
-                <a:spcPts val="0"/>
-              </a:spcBef>
-              <a:spcAft>
-                <a:spcPts val="0"/>
-              </a:spcAft>
-              <a:buSzPts val="1600"/>
-              <a:buFont typeface="Unica One"/>
-              <a:buNone/>
-              <a:defRPr sz="1600">
-                <a:latin typeface="Unica One"/>
-                <a:ea typeface="Unica One"/>
-                <a:cs typeface="Unica One"/>
-                <a:sym typeface="Unica One"/>
-              </a:defRPr>
-            </a:lvl5pPr>
-            <a:lvl6pPr lvl="5" algn="r" rtl="0">
-              <a:spcBef>
-                <a:spcPts val="0"/>
-              </a:spcBef>
-              <a:spcAft>
-                <a:spcPts val="0"/>
-              </a:spcAft>
-              <a:buSzPts val="1600"/>
-              <a:buFont typeface="Unica One"/>
-              <a:buNone/>
-              <a:defRPr sz="1600">
-                <a:latin typeface="Unica One"/>
-                <a:ea typeface="Unica One"/>
-                <a:cs typeface="Unica One"/>
-                <a:sym typeface="Unica One"/>
-              </a:defRPr>
-            </a:lvl6pPr>
-            <a:lvl7pPr lvl="6" algn="r" rtl="0">
-              <a:spcBef>
-                <a:spcPts val="0"/>
-              </a:spcBef>
-              <a:spcAft>
-                <a:spcPts val="0"/>
-              </a:spcAft>
-              <a:buSzPts val="1600"/>
-              <a:buFont typeface="Unica One"/>
-              <a:buNone/>
-              <a:defRPr sz="1600">
-                <a:latin typeface="Unica One"/>
-                <a:ea typeface="Unica One"/>
-                <a:cs typeface="Unica One"/>
-                <a:sym typeface="Unica One"/>
-              </a:defRPr>
-            </a:lvl7pPr>
-            <a:lvl8pPr lvl="7" algn="r" rtl="0">
-              <a:spcBef>
-                <a:spcPts val="0"/>
-              </a:spcBef>
-              <a:spcAft>
-                <a:spcPts val="0"/>
-              </a:spcAft>
-              <a:buSzPts val="1600"/>
-              <a:buFont typeface="Unica One"/>
-              <a:buNone/>
-              <a:defRPr sz="1600">
-                <a:latin typeface="Unica One"/>
-                <a:ea typeface="Unica One"/>
-                <a:cs typeface="Unica One"/>
-                <a:sym typeface="Unica One"/>
-              </a:defRPr>
-            </a:lvl8pPr>
-            <a:lvl9pPr lvl="8" algn="r" rtl="0">
-              <a:spcBef>
-                <a:spcPts val="0"/>
-              </a:spcBef>
-              <a:spcAft>
-                <a:spcPts val="0"/>
-              </a:spcAft>
-              <a:buSzPts val="1600"/>
-              <a:buFont typeface="Unica One"/>
-              <a:buNone/>
-              <a:defRPr sz="1600">
-                <a:latin typeface="Unica One"/>
-                <a:ea typeface="Unica One"/>
-                <a:cs typeface="Unica One"/>
-                <a:sym typeface="Unica One"/>
-              </a:defRPr>
-            </a:lvl9pPr>
-          </a:lstStyle>
-          <a:p>
-            <a:endParaRPr/>
-          </a:p>
-        </p:txBody>
-      </p:sp>
-      <p:sp>
-        <p:nvSpPr>
-          <p:cNvPr id="57" name="Google Shape;57;p9"/>
-          <p:cNvSpPr txBox="1">
-            <a:spLocks noGrp="1"/>
-          </p:cNvSpPr>
-          <p:nvPr>
-            <p:ph type="subTitle" idx="4"/>
-          </p:nvPr>
-        </p:nvSpPr>
-        <p:spPr>
-          <a:xfrm>
-            <a:off x="994200" y="3244639"/>
-            <a:ext cx="2602500" cy="1112400"/>
-          </a:xfrm>
-          <a:prstGeom prst="rect">
-            <a:avLst/>
-          </a:prstGeom>
-        </p:spPr>
-        <p:txBody>
-          <a:bodyPr spcFirstLastPara="1" wrap="square" lIns="91425" tIns="91425" rIns="91425" bIns="91425" anchor="t" anchorCtr="0">
-            <a:noAutofit/>
-          </a:bodyPr>
-          <a:lstStyle>
-            <a:lvl1pPr lvl="0" algn="r" rtl="0">
-              <a:lnSpc>
-                <a:spcPct val="100000"/>
-              </a:lnSpc>
-              <a:spcBef>
-                <a:spcPts val="0"/>
-              </a:spcBef>
-              <a:spcAft>
-                <a:spcPts val="0"/>
-              </a:spcAft>
-              <a:buSzPts val="1000"/>
-              <a:buNone/>
-              <a:defRPr sz="1000"/>
-            </a:lvl1pPr>
-            <a:lvl2pPr lvl="1" algn="r" rtl="0">
-              <a:lnSpc>
-                <a:spcPct val="100000"/>
-              </a:lnSpc>
-              <a:spcBef>
-                <a:spcPts val="0"/>
-              </a:spcBef>
-              <a:spcAft>
-                <a:spcPts val="0"/>
-              </a:spcAft>
-              <a:buSzPts val="1000"/>
-              <a:buNone/>
-              <a:defRPr sz="1000"/>
-            </a:lvl2pPr>
-            <a:lvl3pPr lvl="2" algn="r" rtl="0">
-              <a:lnSpc>
-                <a:spcPct val="100000"/>
-              </a:lnSpc>
-              <a:spcBef>
-                <a:spcPts val="0"/>
-              </a:spcBef>
-              <a:spcAft>
-                <a:spcPts val="0"/>
-              </a:spcAft>
-              <a:buSzPts val="1000"/>
-              <a:buNone/>
-              <a:defRPr sz="1000"/>
-            </a:lvl3pPr>
-            <a:lvl4pPr lvl="3" algn="r" rtl="0">
-              <a:lnSpc>
-                <a:spcPct val="100000"/>
-              </a:lnSpc>
-              <a:spcBef>
-                <a:spcPts val="0"/>
-              </a:spcBef>
-              <a:spcAft>
-                <a:spcPts val="0"/>
-              </a:spcAft>
-              <a:buSzPts val="1000"/>
-              <a:buNone/>
-              <a:defRPr sz="1000"/>
-            </a:lvl4pPr>
-            <a:lvl5pPr lvl="4" algn="r" rtl="0">
-              <a:lnSpc>
-                <a:spcPct val="100000"/>
-              </a:lnSpc>
-              <a:spcBef>
-                <a:spcPts val="0"/>
-              </a:spcBef>
-              <a:spcAft>
-                <a:spcPts val="0"/>
-              </a:spcAft>
-              <a:buSzPts val="1000"/>
-              <a:buNone/>
-              <a:defRPr sz="1000"/>
-            </a:lvl5pPr>
-            <a:lvl6pPr lvl="5" algn="r" rtl="0">
-              <a:lnSpc>
-                <a:spcPct val="100000"/>
-              </a:lnSpc>
-              <a:spcBef>
-                <a:spcPts val="0"/>
-              </a:spcBef>
-              <a:spcAft>
-                <a:spcPts val="0"/>
-              </a:spcAft>
-              <a:buSzPts val="1000"/>
-              <a:buNone/>
-              <a:defRPr sz="1000"/>
-            </a:lvl6pPr>
-            <a:lvl7pPr lvl="6" algn="r" rtl="0">
-              <a:lnSpc>
-                <a:spcPct val="100000"/>
-              </a:lnSpc>
-              <a:spcBef>
-                <a:spcPts val="0"/>
-              </a:spcBef>
-              <a:spcAft>
-                <a:spcPts val="0"/>
-              </a:spcAft>
-              <a:buSzPts val="1000"/>
-              <a:buNone/>
-              <a:defRPr sz="1000"/>
-            </a:lvl7pPr>
-            <a:lvl8pPr lvl="7" algn="r" rtl="0">
-              <a:lnSpc>
-                <a:spcPct val="100000"/>
-              </a:lnSpc>
-              <a:spcBef>
-                <a:spcPts val="0"/>
-              </a:spcBef>
-              <a:spcAft>
-                <a:spcPts val="0"/>
-              </a:spcAft>
-              <a:buSzPts val="1000"/>
-              <a:buNone/>
-              <a:defRPr sz="1000"/>
-            </a:lvl8pPr>
-            <a:lvl9pPr lvl="8" algn="r" rtl="0">
-              <a:lnSpc>
-                <a:spcPct val="100000"/>
-              </a:lnSpc>
-              <a:spcBef>
-                <a:spcPts val="0"/>
-              </a:spcBef>
-              <a:spcAft>
-                <a:spcPts val="0"/>
-              </a:spcAft>
-              <a:buSzPts val="1000"/>
-              <a:buNone/>
-              <a:defRPr sz="1000"/>
-            </a:lvl9pPr>
-          </a:lstStyle>
-          <a:p>
-            <a:endParaRPr/>
-          </a:p>
-        </p:txBody>
-      </p:sp>
-      <p:sp>
-        <p:nvSpPr>
-          <p:cNvPr id="58" name="Google Shape;58;p9"/>
-          <p:cNvSpPr txBox="1">
-            <a:spLocks noGrp="1"/>
-          </p:cNvSpPr>
-          <p:nvPr>
-            <p:ph type="ctrTitle" idx="5"/>
-          </p:nvPr>
-        </p:nvSpPr>
-        <p:spPr>
-          <a:xfrm>
-            <a:off x="977400" y="3012239"/>
-            <a:ext cx="2619300" cy="384900"/>
-          </a:xfrm>
-          <a:prstGeom prst="rect">
-            <a:avLst/>
-          </a:prstGeom>
-          <a:ln>
-            <a:noFill/>
-          </a:ln>
-        </p:spPr>
-        <p:txBody>
-          <a:bodyPr spcFirstLastPara="1" wrap="square" lIns="91425" tIns="91425" rIns="91425" bIns="91425" anchor="b" anchorCtr="0">
-            <a:noAutofit/>
-          </a:bodyPr>
-          <a:lstStyle>
-            <a:lvl1pPr lvl="0" algn="r" rtl="0">
-              <a:spcBef>
-                <a:spcPts val="0"/>
-              </a:spcBef>
-              <a:spcAft>
-                <a:spcPts val="0"/>
-              </a:spcAft>
-              <a:buSzPts val="1600"/>
-              <a:buNone/>
-              <a:defRPr sz="1600"/>
-            </a:lvl1pPr>
-            <a:lvl2pPr lvl="1" algn="r" rtl="0">
-              <a:spcBef>
-                <a:spcPts val="0"/>
-              </a:spcBef>
-              <a:spcAft>
-                <a:spcPts val="0"/>
-              </a:spcAft>
-              <a:buSzPts val="1600"/>
-              <a:buFont typeface="Unica One"/>
-              <a:buNone/>
-              <a:defRPr sz="1600">
-                <a:latin typeface="Unica One"/>
-                <a:ea typeface="Unica One"/>
-                <a:cs typeface="Unica One"/>
-                <a:sym typeface="Unica One"/>
-              </a:defRPr>
-            </a:lvl2pPr>
-            <a:lvl3pPr lvl="2" algn="r" rtl="0">
-              <a:spcBef>
-                <a:spcPts val="0"/>
-              </a:spcBef>
-              <a:spcAft>
-                <a:spcPts val="0"/>
-              </a:spcAft>
-              <a:buSzPts val="1600"/>
-              <a:buFont typeface="Unica One"/>
-              <a:buNone/>
-              <a:defRPr sz="1600">
-                <a:latin typeface="Unica One"/>
-                <a:ea typeface="Unica One"/>
-                <a:cs typeface="Unica One"/>
-                <a:sym typeface="Unica One"/>
-              </a:defRPr>
-            </a:lvl3pPr>
-            <a:lvl4pPr lvl="3" algn="r" rtl="0">
-              <a:spcBef>
-                <a:spcPts val="0"/>
-              </a:spcBef>
-              <a:spcAft>
-                <a:spcPts val="0"/>
-              </a:spcAft>
-              <a:buSzPts val="1600"/>
-              <a:buFont typeface="Unica One"/>
-              <a:buNone/>
-              <a:defRPr sz="1600">
-                <a:latin typeface="Unica One"/>
-                <a:ea typeface="Unica One"/>
-                <a:cs typeface="Unica One"/>
-                <a:sym typeface="Unica One"/>
-              </a:defRPr>
-            </a:lvl4pPr>
-            <a:lvl5pPr lvl="4" algn="r" rtl="0">
-              <a:spcBef>
-                <a:spcPts val="0"/>
-              </a:spcBef>
-              <a:spcAft>
-                <a:spcPts val="0"/>
-              </a:spcAft>
-              <a:buSzPts val="1600"/>
-              <a:buFont typeface="Unica One"/>
-              <a:buNone/>
-              <a:defRPr sz="1600">
-                <a:latin typeface="Unica One"/>
-                <a:ea typeface="Unica One"/>
-                <a:cs typeface="Unica One"/>
-                <a:sym typeface="Unica One"/>
-              </a:defRPr>
-            </a:lvl5pPr>
-            <a:lvl6pPr lvl="5" algn="r" rtl="0">
-              <a:spcBef>
-                <a:spcPts val="0"/>
-              </a:spcBef>
-              <a:spcAft>
-                <a:spcPts val="0"/>
-              </a:spcAft>
-              <a:buSzPts val="1600"/>
-              <a:buFont typeface="Unica One"/>
-              <a:buNone/>
-              <a:defRPr sz="1600">
-                <a:latin typeface="Unica One"/>
-                <a:ea typeface="Unica One"/>
-                <a:cs typeface="Unica One"/>
-                <a:sym typeface="Unica One"/>
-              </a:defRPr>
-            </a:lvl6pPr>
-            <a:lvl7pPr lvl="6" algn="r" rtl="0">
-              <a:spcBef>
-                <a:spcPts val="0"/>
-              </a:spcBef>
-              <a:spcAft>
-                <a:spcPts val="0"/>
-              </a:spcAft>
-              <a:buSzPts val="1600"/>
-              <a:buFont typeface="Unica One"/>
-              <a:buNone/>
-              <a:defRPr sz="1600">
-                <a:latin typeface="Unica One"/>
-                <a:ea typeface="Unica One"/>
-                <a:cs typeface="Unica One"/>
-                <a:sym typeface="Unica One"/>
-              </a:defRPr>
-            </a:lvl7pPr>
-            <a:lvl8pPr lvl="7" algn="r" rtl="0">
-              <a:spcBef>
-                <a:spcPts val="0"/>
-              </a:spcBef>
-              <a:spcAft>
-                <a:spcPts val="0"/>
-              </a:spcAft>
-              <a:buSzPts val="1600"/>
-              <a:buFont typeface="Unica One"/>
-              <a:buNone/>
-              <a:defRPr sz="1600">
-                <a:latin typeface="Unica One"/>
-                <a:ea typeface="Unica One"/>
-                <a:cs typeface="Unica One"/>
-                <a:sym typeface="Unica One"/>
-              </a:defRPr>
-            </a:lvl8pPr>
-            <a:lvl9pPr lvl="8" algn="r" rtl="0">
-              <a:spcBef>
-                <a:spcPts val="0"/>
-              </a:spcBef>
-              <a:spcAft>
-                <a:spcPts val="0"/>
-              </a:spcAft>
-              <a:buSzPts val="1600"/>
-              <a:buFont typeface="Unica One"/>
-              <a:buNone/>
-              <a:defRPr sz="1600">
-                <a:latin typeface="Unica One"/>
-                <a:ea typeface="Unica One"/>
-                <a:cs typeface="Unica One"/>
-                <a:sym typeface="Unica One"/>
-              </a:defRPr>
-            </a:lvl9pPr>
-          </a:lstStyle>
-          <a:p>
-            <a:endParaRPr/>
-          </a:p>
-        </p:txBody>
-      </p:sp>
-      <p:sp>
-        <p:nvSpPr>
-          <p:cNvPr id="59" name="Google Shape;59;p9"/>
-          <p:cNvSpPr txBox="1">
-            <a:spLocks noGrp="1"/>
-          </p:cNvSpPr>
-          <p:nvPr>
-            <p:ph type="ctrTitle" idx="6"/>
-          </p:nvPr>
-        </p:nvSpPr>
-        <p:spPr>
-          <a:xfrm>
-            <a:off x="720000" y="377975"/>
-            <a:ext cx="1249200" cy="946200"/>
-          </a:xfrm>
-          <a:prstGeom prst="rect">
-            <a:avLst/>
-          </a:prstGeom>
-        </p:spPr>
-        <p:txBody>
-          <a:bodyPr spcFirstLastPara="1" wrap="square" lIns="91425" tIns="91425" rIns="91425" bIns="91425" anchor="ctr" anchorCtr="0">
-            <a:noAutofit/>
-          </a:bodyPr>
-          <a:lstStyle>
-            <a:lvl1pPr lvl="0" rtl="0">
-              <a:spcBef>
-                <a:spcPts val="0"/>
-              </a:spcBef>
-              <a:spcAft>
-                <a:spcPts val="0"/>
-              </a:spcAft>
-              <a:buSzPts val="1400"/>
-              <a:buNone/>
-              <a:defRPr sz="1400"/>
-            </a:lvl1pPr>
-            <a:lvl2pPr lvl="1" algn="ctr" rtl="0">
-              <a:spcBef>
-                <a:spcPts val="0"/>
-              </a:spcBef>
-              <a:spcAft>
-                <a:spcPts val="0"/>
-              </a:spcAft>
-              <a:buSzPts val="1400"/>
-              <a:buNone/>
-              <a:defRPr sz="1400"/>
-            </a:lvl2pPr>
-            <a:lvl3pPr lvl="2" algn="ctr" rtl="0">
-              <a:spcBef>
-                <a:spcPts val="0"/>
-              </a:spcBef>
-              <a:spcAft>
-                <a:spcPts val="0"/>
-              </a:spcAft>
-              <a:buSzPts val="1400"/>
-              <a:buNone/>
-              <a:defRPr sz="1400"/>
-            </a:lvl3pPr>
-            <a:lvl4pPr lvl="3" algn="ctr" rtl="0">
-              <a:spcBef>
-                <a:spcPts val="0"/>
-              </a:spcBef>
-              <a:spcAft>
-                <a:spcPts val="0"/>
-              </a:spcAft>
-              <a:buSzPts val="1400"/>
-              <a:buNone/>
-              <a:defRPr sz="1400"/>
-            </a:lvl4pPr>
-            <a:lvl5pPr lvl="4" algn="ctr" rtl="0">
-              <a:spcBef>
-                <a:spcPts val="0"/>
-              </a:spcBef>
-              <a:spcAft>
-                <a:spcPts val="0"/>
-              </a:spcAft>
-              <a:buSzPts val="1400"/>
-              <a:buNone/>
-              <a:defRPr sz="1400"/>
-            </a:lvl5pPr>
-            <a:lvl6pPr lvl="5" algn="ctr" rtl="0">
-              <a:spcBef>
-                <a:spcPts val="0"/>
-              </a:spcBef>
-              <a:spcAft>
-                <a:spcPts val="0"/>
-              </a:spcAft>
-              <a:buSzPts val="1400"/>
-              <a:buNone/>
-              <a:defRPr sz="1400"/>
-            </a:lvl6pPr>
-            <a:lvl7pPr lvl="6" algn="ctr" rtl="0">
-              <a:spcBef>
-                <a:spcPts val="0"/>
-              </a:spcBef>
-              <a:spcAft>
-                <a:spcPts val="0"/>
-              </a:spcAft>
-              <a:buSzPts val="1400"/>
-              <a:buNone/>
-              <a:defRPr sz="1400"/>
-            </a:lvl7pPr>
-            <a:lvl8pPr lvl="7" algn="ctr" rtl="0">
-              <a:spcBef>
-                <a:spcPts val="0"/>
-              </a:spcBef>
-              <a:spcAft>
-                <a:spcPts val="0"/>
-              </a:spcAft>
-              <a:buSzPts val="1400"/>
-              <a:buNone/>
-              <a:defRPr sz="1400"/>
-            </a:lvl8pPr>
-            <a:lvl9pPr lvl="8" algn="ctr" rtl="0">
-              <a:spcBef>
-                <a:spcPts val="0"/>
-              </a:spcBef>
-              <a:spcAft>
-                <a:spcPts val="0"/>
-              </a:spcAft>
-              <a:buSzPts val="1400"/>
-              <a:buNone/>
-              <a:defRPr sz="1400"/>
-            </a:lvl9pPr>
-          </a:lstStyle>
-          <a:p>
-            <a:endParaRPr/>
-          </a:p>
-        </p:txBody>
-      </p:sp>
-      <p:sp>
-        <p:nvSpPr>
-          <p:cNvPr id="60" name="Google Shape;60;p9"/>
-          <p:cNvSpPr/>
-          <p:nvPr/>
-        </p:nvSpPr>
-        <p:spPr>
-          <a:xfrm>
-            <a:off x="-92200" y="550200"/>
-            <a:ext cx="1781700" cy="630000"/>
-          </a:xfrm>
-          <a:prstGeom prst="rect">
-            <a:avLst/>
-          </a:prstGeom>
-          <a:noFill/>
-          <a:ln w="9525" cap="flat" cmpd="sng">
-            <a:solidFill>
-              <a:schemeClr val="lt1"/>
-            </a:solidFill>
-            <a:prstDash val="solid"/>
-            <a:round/>
-            <a:headEnd type="none" w="sm" len="sm"/>
-            <a:tailEnd type="none" w="sm" len="sm"/>
-          </a:ln>
-        </p:spPr>
-        <p:txBody>
-          <a:bodyPr spcFirstLastPara="1" wrap="square" lIns="91425" tIns="91425" rIns="91425" bIns="91425" anchor="ctr" anchorCtr="0">
-            <a:noAutofit/>
-          </a:bodyPr>
-          <a:lstStyle/>
-          <a:p>
-            <a:pPr marL="0" lvl="0" indent="0" algn="l" rtl="0">
-              <a:spcBef>
-                <a:spcPts val="0"/>
-              </a:spcBef>
-              <a:spcAft>
-                <a:spcPts val="0"/>
-              </a:spcAft>
-              <a:buNone/>
-            </a:pPr>
-            <a:endParaRPr/>
-          </a:p>
-        </p:txBody>
-      </p:sp>
-    </p:spTree>
-  </p:cSld>
-  <p:clrMapOvr>
-    <a:masterClrMapping/>
-  </p:clrMapOvr>
-</p:sldLayout>
-</file>
-
-<file path=ppt/slideLayouts/slideLayout4.xml><?xml version="1.0" encoding="utf-8"?>
-<p:sldLayout xmlns:a="http://schemas.openxmlformats.org/drawingml/2006/main" xmlns:r="http://schemas.openxmlformats.org/officeDocument/2006/relationships" xmlns:p="http://schemas.openxmlformats.org/presentationml/2006/main" matchingName="Title + text 2">
-  <p:cSld name="CUSTOM_11_1_2_1">
-    <p:spTree>
-      <p:nvGrpSpPr>
-        <p:cNvPr id="1" name="Shape 61"/>
-        <p:cNvGrpSpPr/>
-        <p:nvPr/>
-      </p:nvGrpSpPr>
-      <p:grpSpPr>
-        <a:xfrm>
-          <a:off x="0" y="0"/>
-          <a:ext cx="0" cy="0"/>
-          <a:chOff x="0" y="0"/>
-          <a:chExt cx="0" cy="0"/>
-        </a:xfrm>
-      </p:grpSpPr>
-      <p:sp>
-        <p:nvSpPr>
-          <p:cNvPr id="62" name="Google Shape;62;p10"/>
-          <p:cNvSpPr txBox="1">
-            <a:spLocks noGrp="1"/>
-          </p:cNvSpPr>
-          <p:nvPr>
-            <p:ph type="ctrTitle"/>
-          </p:nvPr>
-        </p:nvSpPr>
-        <p:spPr>
-          <a:xfrm>
-            <a:off x="2638350" y="-156902"/>
-            <a:ext cx="3867300" cy="2054100"/>
-          </a:xfrm>
-          <a:prstGeom prst="rect">
-            <a:avLst/>
-          </a:prstGeom>
-        </p:spPr>
-        <p:txBody>
-          <a:bodyPr spcFirstLastPara="1" wrap="square" lIns="91425" tIns="91425" rIns="91425" bIns="91425" anchor="b" anchorCtr="0">
-            <a:noAutofit/>
-          </a:bodyPr>
-          <a:lstStyle>
-            <a:lvl1pPr lvl="0" algn="ctr" rtl="0">
-              <a:spcBef>
-                <a:spcPts val="0"/>
-              </a:spcBef>
-              <a:spcAft>
-                <a:spcPts val="0"/>
-              </a:spcAft>
-              <a:buSzPts val="2800"/>
-              <a:buNone/>
-              <a:defRPr/>
-            </a:lvl1pPr>
-            <a:lvl2pPr lvl="1" algn="ctr" rtl="0">
-              <a:spcBef>
-                <a:spcPts val="0"/>
-              </a:spcBef>
-              <a:spcAft>
-                <a:spcPts val="0"/>
-              </a:spcAft>
-              <a:buClr>
-                <a:srgbClr val="FFFFFF"/>
-              </a:buClr>
-              <a:buSzPts val="1600"/>
-              <a:buNone/>
-              <a:defRPr sz="1600">
-                <a:solidFill>
-                  <a:srgbClr val="FFFFFF"/>
-                </a:solidFill>
-              </a:defRPr>
-            </a:lvl2pPr>
-            <a:lvl3pPr lvl="2" algn="ctr" rtl="0">
-              <a:spcBef>
-                <a:spcPts val="0"/>
-              </a:spcBef>
-              <a:spcAft>
-                <a:spcPts val="0"/>
-              </a:spcAft>
-              <a:buClr>
-                <a:srgbClr val="FFFFFF"/>
-              </a:buClr>
-              <a:buSzPts val="1600"/>
-              <a:buNone/>
-              <a:defRPr sz="1600">
-                <a:solidFill>
-                  <a:srgbClr val="FFFFFF"/>
-                </a:solidFill>
-              </a:defRPr>
-            </a:lvl3pPr>
-            <a:lvl4pPr lvl="3" algn="ctr" rtl="0">
-              <a:spcBef>
-                <a:spcPts val="0"/>
-              </a:spcBef>
-              <a:spcAft>
-                <a:spcPts val="0"/>
-              </a:spcAft>
-              <a:buClr>
-                <a:srgbClr val="FFFFFF"/>
-              </a:buClr>
-              <a:buSzPts val="1600"/>
-              <a:buNone/>
-              <a:defRPr sz="1600">
-                <a:solidFill>
-                  <a:srgbClr val="FFFFFF"/>
-                </a:solidFill>
-              </a:defRPr>
-            </a:lvl4pPr>
-            <a:lvl5pPr lvl="4" algn="ctr" rtl="0">
-              <a:spcBef>
-                <a:spcPts val="0"/>
-              </a:spcBef>
-              <a:spcAft>
-                <a:spcPts val="0"/>
-              </a:spcAft>
-              <a:buClr>
-                <a:srgbClr val="FFFFFF"/>
-              </a:buClr>
-              <a:buSzPts val="1600"/>
-              <a:buNone/>
-              <a:defRPr sz="1600">
-                <a:solidFill>
-                  <a:srgbClr val="FFFFFF"/>
-                </a:solidFill>
-              </a:defRPr>
-            </a:lvl5pPr>
-            <a:lvl6pPr lvl="5" algn="ctr" rtl="0">
-              <a:spcBef>
-                <a:spcPts val="0"/>
-              </a:spcBef>
-              <a:spcAft>
-                <a:spcPts val="0"/>
-              </a:spcAft>
-              <a:buClr>
-                <a:srgbClr val="FFFFFF"/>
-              </a:buClr>
-              <a:buSzPts val="1600"/>
-              <a:buNone/>
-              <a:defRPr sz="1600">
-                <a:solidFill>
-                  <a:srgbClr val="FFFFFF"/>
-                </a:solidFill>
-              </a:defRPr>
-            </a:lvl6pPr>
-            <a:lvl7pPr lvl="6" algn="ctr" rtl="0">
-              <a:spcBef>
-                <a:spcPts val="0"/>
-              </a:spcBef>
-              <a:spcAft>
-                <a:spcPts val="0"/>
-              </a:spcAft>
-              <a:buClr>
-                <a:srgbClr val="FFFFFF"/>
-              </a:buClr>
-              <a:buSzPts val="1600"/>
-              <a:buNone/>
-              <a:defRPr sz="1600">
-                <a:solidFill>
-                  <a:srgbClr val="FFFFFF"/>
-                </a:solidFill>
-              </a:defRPr>
-            </a:lvl7pPr>
-            <a:lvl8pPr lvl="7" algn="ctr" rtl="0">
-              <a:spcBef>
-                <a:spcPts val="0"/>
-              </a:spcBef>
-              <a:spcAft>
-                <a:spcPts val="0"/>
-              </a:spcAft>
-              <a:buClr>
-                <a:srgbClr val="FFFFFF"/>
-              </a:buClr>
-              <a:buSzPts val="1600"/>
-              <a:buNone/>
-              <a:defRPr sz="1600">
-                <a:solidFill>
-                  <a:srgbClr val="FFFFFF"/>
-                </a:solidFill>
-              </a:defRPr>
-            </a:lvl8pPr>
-            <a:lvl9pPr lvl="8" algn="ctr" rtl="0">
-              <a:spcBef>
-                <a:spcPts val="0"/>
-              </a:spcBef>
-              <a:spcAft>
-                <a:spcPts val="0"/>
-              </a:spcAft>
-              <a:buClr>
-                <a:srgbClr val="FFFFFF"/>
-              </a:buClr>
-              <a:buSzPts val="1600"/>
-              <a:buNone/>
-              <a:defRPr sz="1600">
-                <a:solidFill>
-                  <a:srgbClr val="FFFFFF"/>
-                </a:solidFill>
-              </a:defRPr>
-            </a:lvl9pPr>
-          </a:lstStyle>
-          <a:p>
-            <a:endParaRPr/>
-          </a:p>
-        </p:txBody>
-      </p:sp>
-      <p:sp>
-        <p:nvSpPr>
-          <p:cNvPr id="63" name="Google Shape;63;p10"/>
-          <p:cNvSpPr txBox="1">
-            <a:spLocks noGrp="1"/>
-          </p:cNvSpPr>
-          <p:nvPr>
-            <p:ph type="subTitle" idx="1"/>
-          </p:nvPr>
-        </p:nvSpPr>
-        <p:spPr>
-          <a:xfrm>
-            <a:off x="3031200" y="1857025"/>
-            <a:ext cx="3081600" cy="1784400"/>
-          </a:xfrm>
-          <a:prstGeom prst="rect">
-            <a:avLst/>
-          </a:prstGeom>
-        </p:spPr>
-        <p:txBody>
-          <a:bodyPr spcFirstLastPara="1" wrap="square" lIns="91425" tIns="91425" rIns="91425" bIns="91425" anchor="t" anchorCtr="0">
-            <a:noAutofit/>
-          </a:bodyPr>
-          <a:lstStyle>
-            <a:lvl1pPr lvl="0" algn="ctr" rtl="0">
-              <a:lnSpc>
-                <a:spcPct val="100000"/>
-              </a:lnSpc>
-              <a:spcBef>
-                <a:spcPts val="0"/>
-              </a:spcBef>
-              <a:spcAft>
-                <a:spcPts val="0"/>
-              </a:spcAft>
-              <a:buSzPts val="1000"/>
-              <a:buNone/>
-              <a:defRPr sz="1000"/>
-            </a:lvl1pPr>
-            <a:lvl2pPr lvl="1" algn="ctr" rtl="0">
-              <a:lnSpc>
-                <a:spcPct val="100000"/>
-              </a:lnSpc>
-              <a:spcBef>
-                <a:spcPts val="0"/>
-              </a:spcBef>
-              <a:spcAft>
-                <a:spcPts val="0"/>
-              </a:spcAft>
-              <a:buClr>
-                <a:srgbClr val="FFFFFF"/>
-              </a:buClr>
-              <a:buSzPts val="1000"/>
-              <a:buNone/>
-              <a:defRPr sz="1000">
-                <a:solidFill>
-                  <a:srgbClr val="FFFFFF"/>
-                </a:solidFill>
-              </a:defRPr>
-            </a:lvl2pPr>
-            <a:lvl3pPr lvl="2" algn="ctr" rtl="0">
-              <a:lnSpc>
-                <a:spcPct val="100000"/>
-              </a:lnSpc>
-              <a:spcBef>
-                <a:spcPts val="0"/>
-              </a:spcBef>
-              <a:spcAft>
-                <a:spcPts val="0"/>
-              </a:spcAft>
-              <a:buClr>
-                <a:srgbClr val="FFFFFF"/>
-              </a:buClr>
-              <a:buSzPts val="1000"/>
-              <a:buNone/>
-              <a:defRPr sz="1000">
-                <a:solidFill>
-                  <a:srgbClr val="FFFFFF"/>
-                </a:solidFill>
-              </a:defRPr>
-            </a:lvl3pPr>
-            <a:lvl4pPr lvl="3" algn="ctr" rtl="0">
-              <a:lnSpc>
-                <a:spcPct val="100000"/>
-              </a:lnSpc>
-              <a:spcBef>
-                <a:spcPts val="0"/>
-              </a:spcBef>
-              <a:spcAft>
-                <a:spcPts val="0"/>
-              </a:spcAft>
-              <a:buClr>
-                <a:srgbClr val="FFFFFF"/>
-              </a:buClr>
-              <a:buSzPts val="1000"/>
-              <a:buNone/>
-              <a:defRPr sz="1000">
-                <a:solidFill>
-                  <a:srgbClr val="FFFFFF"/>
-                </a:solidFill>
-              </a:defRPr>
-            </a:lvl4pPr>
-            <a:lvl5pPr lvl="4" algn="ctr" rtl="0">
-              <a:lnSpc>
-                <a:spcPct val="100000"/>
-              </a:lnSpc>
-              <a:spcBef>
-                <a:spcPts val="0"/>
-              </a:spcBef>
-              <a:spcAft>
-                <a:spcPts val="0"/>
-              </a:spcAft>
-              <a:buClr>
-                <a:srgbClr val="FFFFFF"/>
-              </a:buClr>
-              <a:buSzPts val="1000"/>
-              <a:buNone/>
-              <a:defRPr sz="1000">
-                <a:solidFill>
-                  <a:srgbClr val="FFFFFF"/>
-                </a:solidFill>
-              </a:defRPr>
-            </a:lvl5pPr>
-            <a:lvl6pPr lvl="5" algn="ctr" rtl="0">
-              <a:lnSpc>
-                <a:spcPct val="100000"/>
-              </a:lnSpc>
-              <a:spcBef>
-                <a:spcPts val="0"/>
-              </a:spcBef>
-              <a:spcAft>
-                <a:spcPts val="0"/>
-              </a:spcAft>
-              <a:buClr>
-                <a:srgbClr val="FFFFFF"/>
-              </a:buClr>
-              <a:buSzPts val="1000"/>
-              <a:buNone/>
-              <a:defRPr sz="1000">
-                <a:solidFill>
-                  <a:srgbClr val="FFFFFF"/>
-                </a:solidFill>
-              </a:defRPr>
-            </a:lvl6pPr>
-            <a:lvl7pPr lvl="6" algn="ctr" rtl="0">
-              <a:lnSpc>
-                <a:spcPct val="100000"/>
-              </a:lnSpc>
-              <a:spcBef>
-                <a:spcPts val="0"/>
-              </a:spcBef>
-              <a:spcAft>
-                <a:spcPts val="0"/>
-              </a:spcAft>
-              <a:buClr>
-                <a:srgbClr val="FFFFFF"/>
-              </a:buClr>
-              <a:buSzPts val="1000"/>
-              <a:buNone/>
-              <a:defRPr sz="1000">
-                <a:solidFill>
-                  <a:srgbClr val="FFFFFF"/>
-                </a:solidFill>
-              </a:defRPr>
-            </a:lvl7pPr>
-            <a:lvl8pPr lvl="7" algn="ctr" rtl="0">
-              <a:lnSpc>
-                <a:spcPct val="100000"/>
-              </a:lnSpc>
-              <a:spcBef>
-                <a:spcPts val="0"/>
-              </a:spcBef>
-              <a:spcAft>
-                <a:spcPts val="0"/>
-              </a:spcAft>
-              <a:buClr>
-                <a:srgbClr val="FFFFFF"/>
-              </a:buClr>
-              <a:buSzPts val="1000"/>
-              <a:buNone/>
-              <a:defRPr sz="1000">
-                <a:solidFill>
-                  <a:srgbClr val="FFFFFF"/>
-                </a:solidFill>
-              </a:defRPr>
-            </a:lvl8pPr>
-            <a:lvl9pPr lvl="8" algn="ctr" rtl="0">
-              <a:lnSpc>
-                <a:spcPct val="100000"/>
-              </a:lnSpc>
-              <a:spcBef>
-                <a:spcPts val="0"/>
-              </a:spcBef>
-              <a:spcAft>
-                <a:spcPts val="0"/>
-              </a:spcAft>
-              <a:buClr>
-                <a:srgbClr val="FFFFFF"/>
-              </a:buClr>
-              <a:buSzPts val="1000"/>
-              <a:buNone/>
-              <a:defRPr sz="1000">
-                <a:solidFill>
-                  <a:srgbClr val="FFFFFF"/>
-                </a:solidFill>
-              </a:defRPr>
-            </a:lvl9pPr>
-          </a:lstStyle>
-          <a:p>
-            <a:endParaRPr/>
-          </a:p>
-        </p:txBody>
-      </p:sp>
-    </p:spTree>
-  </p:cSld>
-  <p:clrMapOvr>
-    <a:masterClrMapping/>
-  </p:clrMapOvr>
-</p:sldLayout>
-</file>
-
-<file path=ppt/slideLayouts/slideLayout5.xml><?xml version="1.0" encoding="utf-8"?>
-<p:sldLayout xmlns:a="http://schemas.openxmlformats.org/drawingml/2006/main" xmlns:r="http://schemas.openxmlformats.org/officeDocument/2006/relationships" xmlns:p="http://schemas.openxmlformats.org/presentationml/2006/main" matchingName="Resources">
-  <p:cSld name="CUSTOM_10">
-    <p:spTree>
-      <p:nvGrpSpPr>
-        <p:cNvPr id="1" name="Shape 68"/>
-        <p:cNvGrpSpPr/>
-        <p:nvPr/>
-      </p:nvGrpSpPr>
-      <p:grpSpPr>
-        <a:xfrm>
-          <a:off x="0" y="0"/>
-          <a:ext cx="0" cy="0"/>
-          <a:chOff x="0" y="0"/>
-          <a:chExt cx="0" cy="0"/>
-        </a:xfrm>
-      </p:grpSpPr>
-      <p:sp>
-        <p:nvSpPr>
-          <p:cNvPr id="69" name="Google Shape;69;p12"/>
-          <p:cNvSpPr txBox="1">
-            <a:spLocks noGrp="1"/>
-          </p:cNvSpPr>
-          <p:nvPr>
-            <p:ph type="body" idx="1"/>
-          </p:nvPr>
-        </p:nvSpPr>
-        <p:spPr>
-          <a:xfrm>
-            <a:off x="1251650" y="1435828"/>
-            <a:ext cx="3961500" cy="1476000"/>
-          </a:xfrm>
-          <a:prstGeom prst="rect">
-            <a:avLst/>
-          </a:prstGeom>
-        </p:spPr>
-        <p:txBody>
-          <a:bodyPr spcFirstLastPara="1" wrap="square" lIns="91425" tIns="91425" rIns="91425" bIns="91425" anchor="t" anchorCtr="0">
-            <a:noAutofit/>
-          </a:bodyPr>
-          <a:lstStyle>
-            <a:lvl1pPr marL="457200" lvl="0" indent="-304800" rtl="0">
-              <a:spcBef>
-                <a:spcPts val="0"/>
-              </a:spcBef>
-              <a:spcAft>
-                <a:spcPts val="0"/>
-              </a:spcAft>
-              <a:buSzPts val="1200"/>
-              <a:buChar char="●"/>
-              <a:defRPr/>
-            </a:lvl1pPr>
-            <a:lvl2pPr marL="914400" lvl="1" indent="-304800" rtl="0">
-              <a:spcBef>
-                <a:spcPts val="1600"/>
-              </a:spcBef>
-              <a:spcAft>
-                <a:spcPts val="0"/>
-              </a:spcAft>
-              <a:buSzPts val="1200"/>
-              <a:buChar char="○"/>
-              <a:defRPr/>
-            </a:lvl2pPr>
-            <a:lvl3pPr marL="1371600" lvl="2" indent="-304800" rtl="0">
-              <a:spcBef>
-                <a:spcPts val="1600"/>
-              </a:spcBef>
-              <a:spcAft>
-                <a:spcPts val="0"/>
-              </a:spcAft>
-              <a:buSzPts val="1200"/>
-              <a:buChar char="■"/>
-              <a:defRPr/>
-            </a:lvl3pPr>
-            <a:lvl4pPr marL="1828800" lvl="3" indent="-304800" rtl="0">
-              <a:spcBef>
-                <a:spcPts val="1600"/>
-              </a:spcBef>
-              <a:spcAft>
-                <a:spcPts val="0"/>
-              </a:spcAft>
-              <a:buSzPts val="1200"/>
-              <a:buChar char="●"/>
-              <a:defRPr/>
-            </a:lvl4pPr>
-            <a:lvl5pPr marL="2286000" lvl="4" indent="-304800" rtl="0">
-              <a:spcBef>
-                <a:spcPts val="1600"/>
-              </a:spcBef>
-              <a:spcAft>
-                <a:spcPts val="0"/>
-              </a:spcAft>
-              <a:buSzPts val="1200"/>
-              <a:buChar char="○"/>
-              <a:defRPr/>
-            </a:lvl5pPr>
-            <a:lvl6pPr marL="2743200" lvl="5" indent="-304800" rtl="0">
-              <a:spcBef>
-                <a:spcPts val="1600"/>
-              </a:spcBef>
-              <a:spcAft>
-                <a:spcPts val="0"/>
-              </a:spcAft>
-              <a:buSzPts val="1200"/>
-              <a:buChar char="■"/>
-              <a:defRPr/>
-            </a:lvl6pPr>
-            <a:lvl7pPr marL="3200400" lvl="6" indent="-304800" rtl="0">
-              <a:spcBef>
-                <a:spcPts val="1600"/>
-              </a:spcBef>
-              <a:spcAft>
-                <a:spcPts val="0"/>
-              </a:spcAft>
-              <a:buSzPts val="1200"/>
-              <a:buChar char="●"/>
-              <a:defRPr/>
-            </a:lvl7pPr>
-            <a:lvl8pPr marL="3657600" lvl="7" indent="-304800" rtl="0">
-              <a:spcBef>
-                <a:spcPts val="1600"/>
-              </a:spcBef>
-              <a:spcAft>
-                <a:spcPts val="0"/>
-              </a:spcAft>
-              <a:buSzPts val="1200"/>
-              <a:buChar char="○"/>
-              <a:defRPr/>
-            </a:lvl8pPr>
-            <a:lvl9pPr marL="4114800" lvl="8" indent="-304800" rtl="0">
-              <a:spcBef>
-                <a:spcPts val="1600"/>
-              </a:spcBef>
-              <a:spcAft>
-                <a:spcPts val="1600"/>
-              </a:spcAft>
-              <a:buSzPts val="1200"/>
-              <a:buChar char="■"/>
-              <a:defRPr/>
-            </a:lvl9pPr>
-          </a:lstStyle>
-          <a:p>
-            <a:endParaRPr/>
-          </a:p>
-        </p:txBody>
-      </p:sp>
-      <p:sp>
-        <p:nvSpPr>
-          <p:cNvPr id="70" name="Google Shape;70;p12"/>
-          <p:cNvSpPr txBox="1">
-            <a:spLocks noGrp="1"/>
-          </p:cNvSpPr>
-          <p:nvPr>
-            <p:ph type="body" idx="2"/>
-          </p:nvPr>
-        </p:nvSpPr>
-        <p:spPr>
-          <a:xfrm>
-            <a:off x="5262400" y="1435828"/>
-            <a:ext cx="3961500" cy="1476000"/>
-          </a:xfrm>
-          <a:prstGeom prst="rect">
-            <a:avLst/>
-          </a:prstGeom>
-        </p:spPr>
-        <p:txBody>
-          <a:bodyPr spcFirstLastPara="1" wrap="square" lIns="91425" tIns="91425" rIns="91425" bIns="91425" anchor="t" anchorCtr="0">
-            <a:noAutofit/>
-          </a:bodyPr>
-          <a:lstStyle>
-            <a:lvl1pPr marL="457200" lvl="0" indent="-304800" rtl="0">
-              <a:spcBef>
-                <a:spcPts val="0"/>
-              </a:spcBef>
-              <a:spcAft>
-                <a:spcPts val="0"/>
-              </a:spcAft>
-              <a:buSzPts val="1200"/>
-              <a:buChar char="●"/>
-              <a:defRPr/>
-            </a:lvl1pPr>
-            <a:lvl2pPr marL="914400" lvl="1" indent="-304800" rtl="0">
-              <a:spcBef>
-                <a:spcPts val="1600"/>
-              </a:spcBef>
-              <a:spcAft>
-                <a:spcPts val="0"/>
-              </a:spcAft>
-              <a:buSzPts val="1200"/>
-              <a:buChar char="○"/>
-              <a:defRPr/>
-            </a:lvl2pPr>
-            <a:lvl3pPr marL="1371600" lvl="2" indent="-304800" rtl="0">
-              <a:spcBef>
-                <a:spcPts val="1600"/>
-              </a:spcBef>
-              <a:spcAft>
-                <a:spcPts val="0"/>
-              </a:spcAft>
-              <a:buSzPts val="1200"/>
-              <a:buChar char="■"/>
-              <a:defRPr/>
-            </a:lvl3pPr>
-            <a:lvl4pPr marL="1828800" lvl="3" indent="-304800" rtl="0">
-              <a:spcBef>
-                <a:spcPts val="1600"/>
-              </a:spcBef>
-              <a:spcAft>
-                <a:spcPts val="0"/>
-              </a:spcAft>
-              <a:buSzPts val="1200"/>
-              <a:buChar char="●"/>
-              <a:defRPr/>
-            </a:lvl4pPr>
-            <a:lvl5pPr marL="2286000" lvl="4" indent="-304800" rtl="0">
-              <a:spcBef>
-                <a:spcPts val="1600"/>
-              </a:spcBef>
-              <a:spcAft>
-                <a:spcPts val="0"/>
-              </a:spcAft>
-              <a:buSzPts val="1200"/>
-              <a:buChar char="○"/>
-              <a:defRPr/>
-            </a:lvl5pPr>
-            <a:lvl6pPr marL="2743200" lvl="5" indent="-304800" rtl="0">
-              <a:spcBef>
-                <a:spcPts val="1600"/>
-              </a:spcBef>
-              <a:spcAft>
-                <a:spcPts val="0"/>
-              </a:spcAft>
-              <a:buSzPts val="1200"/>
-              <a:buChar char="■"/>
-              <a:defRPr/>
-            </a:lvl6pPr>
-            <a:lvl7pPr marL="3200400" lvl="6" indent="-304800" rtl="0">
-              <a:spcBef>
-                <a:spcPts val="1600"/>
-              </a:spcBef>
-              <a:spcAft>
-                <a:spcPts val="0"/>
-              </a:spcAft>
-              <a:buSzPts val="1200"/>
-              <a:buChar char="●"/>
-              <a:defRPr/>
-            </a:lvl7pPr>
-            <a:lvl8pPr marL="3657600" lvl="7" indent="-304800" rtl="0">
-              <a:spcBef>
-                <a:spcPts val="1600"/>
-              </a:spcBef>
-              <a:spcAft>
-                <a:spcPts val="0"/>
-              </a:spcAft>
-              <a:buSzPts val="1200"/>
-              <a:buChar char="○"/>
-              <a:defRPr/>
-            </a:lvl8pPr>
-            <a:lvl9pPr marL="4114800" lvl="8" indent="-304800" rtl="0">
-              <a:spcBef>
-                <a:spcPts val="1600"/>
-              </a:spcBef>
-              <a:spcAft>
-                <a:spcPts val="1600"/>
-              </a:spcAft>
-              <a:buSzPts val="1200"/>
-              <a:buChar char="■"/>
-              <a:defRPr/>
-            </a:lvl9pPr>
-          </a:lstStyle>
-          <a:p>
-            <a:endParaRPr/>
-          </a:p>
-        </p:txBody>
-      </p:sp>
-      <p:sp>
-        <p:nvSpPr>
-          <p:cNvPr id="71" name="Google Shape;71;p12"/>
-          <p:cNvSpPr txBox="1">
-            <a:spLocks noGrp="1"/>
-          </p:cNvSpPr>
-          <p:nvPr>
-            <p:ph type="ctrTitle"/>
-          </p:nvPr>
-        </p:nvSpPr>
-        <p:spPr>
-          <a:xfrm>
-            <a:off x="720000" y="377975"/>
-            <a:ext cx="1337400" cy="946200"/>
-          </a:xfrm>
-          <a:prstGeom prst="rect">
-            <a:avLst/>
-          </a:prstGeom>
-        </p:spPr>
-        <p:txBody>
-          <a:bodyPr spcFirstLastPara="1" wrap="square" lIns="91425" tIns="91425" rIns="91425" bIns="91425" anchor="ctr" anchorCtr="0">
-            <a:noAutofit/>
-          </a:bodyPr>
-          <a:lstStyle>
-            <a:lvl1pPr lvl="0" rtl="0">
-              <a:spcBef>
-                <a:spcPts val="0"/>
-              </a:spcBef>
-              <a:spcAft>
-                <a:spcPts val="0"/>
-              </a:spcAft>
-              <a:buSzPts val="1400"/>
-              <a:buNone/>
-              <a:defRPr sz="1400"/>
-            </a:lvl1pPr>
-            <a:lvl2pPr lvl="1" algn="ctr" rtl="0">
-              <a:spcBef>
-                <a:spcPts val="0"/>
-              </a:spcBef>
-              <a:spcAft>
-                <a:spcPts val="0"/>
-              </a:spcAft>
-              <a:buSzPts val="1400"/>
-              <a:buNone/>
-              <a:defRPr sz="1400"/>
-            </a:lvl2pPr>
-            <a:lvl3pPr lvl="2" algn="ctr" rtl="0">
-              <a:spcBef>
-                <a:spcPts val="0"/>
-              </a:spcBef>
-              <a:spcAft>
-                <a:spcPts val="0"/>
-              </a:spcAft>
-              <a:buSzPts val="1400"/>
-              <a:buNone/>
-              <a:defRPr sz="1400"/>
-            </a:lvl3pPr>
-            <a:lvl4pPr lvl="3" algn="ctr" rtl="0">
-              <a:spcBef>
-                <a:spcPts val="0"/>
-              </a:spcBef>
-              <a:spcAft>
-                <a:spcPts val="0"/>
-              </a:spcAft>
-              <a:buSzPts val="1400"/>
-              <a:buNone/>
-              <a:defRPr sz="1400"/>
-            </a:lvl4pPr>
-            <a:lvl5pPr lvl="4" algn="ctr" rtl="0">
-              <a:spcBef>
-                <a:spcPts val="0"/>
-              </a:spcBef>
-              <a:spcAft>
-                <a:spcPts val="0"/>
-              </a:spcAft>
-              <a:buSzPts val="1400"/>
-              <a:buNone/>
-              <a:defRPr sz="1400"/>
-            </a:lvl5pPr>
-            <a:lvl6pPr lvl="5" algn="ctr" rtl="0">
-              <a:spcBef>
-                <a:spcPts val="0"/>
-              </a:spcBef>
-              <a:spcAft>
-                <a:spcPts val="0"/>
-              </a:spcAft>
-              <a:buSzPts val="1400"/>
-              <a:buNone/>
-              <a:defRPr sz="1400"/>
-            </a:lvl6pPr>
-            <a:lvl7pPr lvl="6" algn="ctr" rtl="0">
-              <a:spcBef>
-                <a:spcPts val="0"/>
-              </a:spcBef>
-              <a:spcAft>
-                <a:spcPts val="0"/>
-              </a:spcAft>
-              <a:buSzPts val="1400"/>
-              <a:buNone/>
-              <a:defRPr sz="1400"/>
-            </a:lvl7pPr>
-            <a:lvl8pPr lvl="7" algn="ctr" rtl="0">
-              <a:spcBef>
-                <a:spcPts val="0"/>
-              </a:spcBef>
-              <a:spcAft>
-                <a:spcPts val="0"/>
-              </a:spcAft>
-              <a:buSzPts val="1400"/>
-              <a:buNone/>
-              <a:defRPr sz="1400"/>
-            </a:lvl8pPr>
-            <a:lvl9pPr lvl="8" algn="ctr" rtl="0">
-              <a:spcBef>
-                <a:spcPts val="0"/>
-              </a:spcBef>
-              <a:spcAft>
-                <a:spcPts val="0"/>
-              </a:spcAft>
-              <a:buSzPts val="1400"/>
-              <a:buNone/>
-              <a:defRPr sz="1400"/>
-            </a:lvl9pPr>
-          </a:lstStyle>
-          <a:p>
-            <a:endParaRPr/>
-          </a:p>
-        </p:txBody>
-      </p:sp>
-      <p:sp>
-        <p:nvSpPr>
-          <p:cNvPr id="72" name="Google Shape;72;p12"/>
-          <p:cNvSpPr/>
-          <p:nvPr/>
-        </p:nvSpPr>
-        <p:spPr>
-          <a:xfrm>
-            <a:off x="-92200" y="550200"/>
-            <a:ext cx="1781700" cy="630000"/>
-          </a:xfrm>
-          <a:prstGeom prst="rect">
-            <a:avLst/>
-          </a:prstGeom>
-          <a:noFill/>
-          <a:ln w="9525" cap="flat" cmpd="sng">
-            <a:solidFill>
-              <a:schemeClr val="lt1"/>
-            </a:solidFill>
-            <a:prstDash val="solid"/>
-            <a:round/>
-            <a:headEnd type="none" w="sm" len="sm"/>
-            <a:tailEnd type="none" w="sm" len="sm"/>
-          </a:ln>
-        </p:spPr>
-        <p:txBody>
-          <a:bodyPr spcFirstLastPara="1" wrap="square" lIns="91425" tIns="91425" rIns="91425" bIns="91425" anchor="ctr" anchorCtr="0">
-            <a:noAutofit/>
-          </a:bodyPr>
-          <a:lstStyle/>
-          <a:p>
-            <a:pPr marL="0" lvl="0" indent="0" algn="l" rtl="0">
-              <a:spcBef>
-                <a:spcPts val="0"/>
-              </a:spcBef>
-              <a:spcAft>
-                <a:spcPts val="0"/>
-              </a:spcAft>
-              <a:buNone/>
-            </a:pPr>
-            <a:endParaRPr/>
-          </a:p>
-        </p:txBody>
-      </p:sp>
-    </p:spTree>
-  </p:cSld>
-  <p:clrMapOvr>
-    <a:masterClrMapping/>
-  </p:clrMapOvr>
-</p:sldLayout>
-</file>
-
-<file path=ppt/slideLayouts/slideLayout6.xml><?xml version="1.0" encoding="utf-8"?>
-<p:sldLayout xmlns:a="http://schemas.openxmlformats.org/drawingml/2006/main" xmlns:r="http://schemas.openxmlformats.org/officeDocument/2006/relationships" xmlns:p="http://schemas.openxmlformats.org/presentationml/2006/main" matchingName="Background">
-  <p:cSld name="CUSTOM_11_1">
-    <p:spTree>
-      <p:nvGrpSpPr>
-        <p:cNvPr id="1" name="Shape 73"/>
-        <p:cNvGrpSpPr/>
-        <p:nvPr/>
-      </p:nvGrpSpPr>
-      <p:grpSpPr>
-        <a:xfrm>
-          <a:off x="0" y="0"/>
-          <a:ext cx="0" cy="0"/>
-          <a:chOff x="0" y="0"/>
-          <a:chExt cx="0" cy="0"/>
-        </a:xfrm>
-      </p:grpSpPr>
-    </p:spTree>
-  </p:cSld>
-  <p:clrMapOvr>
-    <a:masterClrMapping/>
-  </p:clrMapOvr>
-</p:sldLayout>
-</file>
-
-<file path=ppt/slideLayouts/slideLayout7.xml><?xml version="1.0" encoding="utf-8"?>
-<p:sldLayout xmlns:a="http://schemas.openxmlformats.org/drawingml/2006/main" xmlns:r="http://schemas.openxmlformats.org/officeDocument/2006/relationships" xmlns:p="http://schemas.openxmlformats.org/presentationml/2006/main" matchingName="Blank slide">
-  <p:cSld name="CUSTOM_11_1_1">
-    <p:bg>
-      <p:bgPr>
-        <a:noFill/>
-        <a:effectLst/>
-      </p:bgPr>
-    </p:bg>
-    <p:spTree>
-      <p:nvGrpSpPr>
-        <p:cNvPr id="1" name="Shape 74"/>
-        <p:cNvGrpSpPr/>
-        <p:nvPr/>
-      </p:nvGrpSpPr>
-      <p:grpSpPr>
-        <a:xfrm>
-          <a:off x="0" y="0"/>
-          <a:ext cx="0" cy="0"/>
-          <a:chOff x="0" y="0"/>
-          <a:chExt cx="0" cy="0"/>
-        </a:xfrm>
-      </p:grpSpPr>
-    </p:spTree>
-  </p:cSld>
-  <p:clrMapOvr>
-    <a:masterClrMapping/>
-  </p:clrMapOvr>
-</p:sldLayout>
-</file>
-
-<file path=ppt/slideLayouts/slideLayout8.xml><?xml version="1.0" encoding="utf-8"?>
-<p:sldLayout xmlns:a="http://schemas.openxmlformats.org/drawingml/2006/main" xmlns:r="http://schemas.openxmlformats.org/officeDocument/2006/relationships" xmlns:p="http://schemas.openxmlformats.org/presentationml/2006/main" matchingName="Opening slide">
-  <p:cSld name="Opening slide">
-    <p:spTree>
-      <p:nvGrpSpPr>
-        <p:cNvPr id="1" name="Shape 8"/>
-        <p:cNvGrpSpPr/>
-        <p:nvPr/>
-      </p:nvGrpSpPr>
-      <p:grpSpPr>
-        <a:xfrm>
-          <a:off x="0" y="0"/>
-          <a:ext cx="0" cy="0"/>
-          <a:chOff x="0" y="0"/>
-          <a:chExt cx="0" cy="0"/>
-        </a:xfrm>
-      </p:grpSpPr>
-      <p:sp>
-        <p:nvSpPr>
-          <p:cNvPr id="9" name="Google Shape;9;p2"/>
-          <p:cNvSpPr txBox="1">
-            <a:spLocks noGrp="1"/>
-          </p:cNvSpPr>
-          <p:nvPr>
-            <p:ph type="ctrTitle"/>
-          </p:nvPr>
-        </p:nvSpPr>
-        <p:spPr>
-          <a:xfrm>
-            <a:off x="2763600" y="786825"/>
-            <a:ext cx="3616800" cy="1782300"/>
-          </a:xfrm>
-          <a:prstGeom prst="rect">
-            <a:avLst/>
-          </a:prstGeom>
-        </p:spPr>
-        <p:txBody>
-          <a:bodyPr spcFirstLastPara="1" wrap="square" lIns="91425" tIns="91425" rIns="91425" bIns="91425" anchor="b" anchorCtr="0">
-            <a:noAutofit/>
-          </a:bodyPr>
-          <a:lstStyle>
-            <a:lvl1pPr lvl="0" algn="ctr" rtl="0">
-              <a:lnSpc>
-                <a:spcPct val="100000"/>
-              </a:lnSpc>
-              <a:spcBef>
-                <a:spcPts val="0"/>
-              </a:spcBef>
-              <a:spcAft>
-                <a:spcPts val="0"/>
-              </a:spcAft>
-              <a:buClr>
-                <a:schemeClr val="accent2"/>
-              </a:buClr>
-              <a:buSzPts val="6000"/>
-              <a:buNone/>
-              <a:defRPr sz="6000">
-                <a:solidFill>
-                  <a:schemeClr val="accent2"/>
-                </a:solidFill>
-              </a:defRPr>
-            </a:lvl1pPr>
-            <a:lvl2pPr lvl="1" algn="ctr" rtl="0">
-              <a:spcBef>
-                <a:spcPts val="0"/>
-              </a:spcBef>
-              <a:spcAft>
-                <a:spcPts val="0"/>
-              </a:spcAft>
-              <a:buClr>
-                <a:schemeClr val="accent2"/>
-              </a:buClr>
-              <a:buSzPts val="5200"/>
-              <a:buNone/>
-              <a:defRPr sz="5200">
-                <a:solidFill>
-                  <a:schemeClr val="accent2"/>
-                </a:solidFill>
-              </a:defRPr>
-            </a:lvl2pPr>
-            <a:lvl3pPr lvl="2" algn="ctr" rtl="0">
-              <a:spcBef>
-                <a:spcPts val="0"/>
-              </a:spcBef>
-              <a:spcAft>
-                <a:spcPts val="0"/>
-              </a:spcAft>
-              <a:buClr>
-                <a:schemeClr val="accent2"/>
-              </a:buClr>
-              <a:buSzPts val="5200"/>
-              <a:buNone/>
-              <a:defRPr sz="5200">
-                <a:solidFill>
-                  <a:schemeClr val="accent2"/>
-                </a:solidFill>
-              </a:defRPr>
-            </a:lvl3pPr>
-            <a:lvl4pPr lvl="3" algn="ctr" rtl="0">
-              <a:spcBef>
-                <a:spcPts val="0"/>
-              </a:spcBef>
-              <a:spcAft>
-                <a:spcPts val="0"/>
-              </a:spcAft>
-              <a:buClr>
-                <a:schemeClr val="accent2"/>
-              </a:buClr>
-              <a:buSzPts val="5200"/>
-              <a:buNone/>
-              <a:defRPr sz="5200">
-                <a:solidFill>
-                  <a:schemeClr val="accent2"/>
-                </a:solidFill>
-              </a:defRPr>
-            </a:lvl4pPr>
-            <a:lvl5pPr lvl="4" algn="ctr" rtl="0">
-              <a:spcBef>
-                <a:spcPts val="0"/>
-              </a:spcBef>
-              <a:spcAft>
-                <a:spcPts val="0"/>
-              </a:spcAft>
-              <a:buClr>
-                <a:schemeClr val="accent2"/>
-              </a:buClr>
-              <a:buSzPts val="5200"/>
-              <a:buNone/>
-              <a:defRPr sz="5200">
-                <a:solidFill>
-                  <a:schemeClr val="accent2"/>
-                </a:solidFill>
-              </a:defRPr>
-            </a:lvl5pPr>
-            <a:lvl6pPr lvl="5" algn="ctr" rtl="0">
-              <a:spcBef>
-                <a:spcPts val="0"/>
-              </a:spcBef>
-              <a:spcAft>
-                <a:spcPts val="0"/>
-              </a:spcAft>
-              <a:buClr>
-                <a:schemeClr val="accent2"/>
-              </a:buClr>
-              <a:buSzPts val="5200"/>
-              <a:buNone/>
-              <a:defRPr sz="5200">
-                <a:solidFill>
-                  <a:schemeClr val="accent2"/>
-                </a:solidFill>
-              </a:defRPr>
-            </a:lvl6pPr>
-            <a:lvl7pPr lvl="6" algn="ctr" rtl="0">
-              <a:spcBef>
-                <a:spcPts val="0"/>
-              </a:spcBef>
-              <a:spcAft>
-                <a:spcPts val="0"/>
-              </a:spcAft>
-              <a:buClr>
-                <a:schemeClr val="accent2"/>
-              </a:buClr>
-              <a:buSzPts val="5200"/>
-              <a:buNone/>
-              <a:defRPr sz="5200">
-                <a:solidFill>
-                  <a:schemeClr val="accent2"/>
-                </a:solidFill>
-              </a:defRPr>
-            </a:lvl7pPr>
-            <a:lvl8pPr lvl="7" algn="ctr" rtl="0">
-              <a:spcBef>
-                <a:spcPts val="0"/>
-              </a:spcBef>
-              <a:spcAft>
-                <a:spcPts val="0"/>
-              </a:spcAft>
-              <a:buClr>
-                <a:schemeClr val="accent2"/>
-              </a:buClr>
-              <a:buSzPts val="5200"/>
-              <a:buNone/>
-              <a:defRPr sz="5200">
-                <a:solidFill>
-                  <a:schemeClr val="accent2"/>
-                </a:solidFill>
-              </a:defRPr>
-            </a:lvl8pPr>
-            <a:lvl9pPr lvl="8" algn="ctr" rtl="0">
-              <a:spcBef>
-                <a:spcPts val="0"/>
-              </a:spcBef>
-              <a:spcAft>
-                <a:spcPts val="0"/>
-              </a:spcAft>
-              <a:buClr>
-                <a:schemeClr val="accent2"/>
-              </a:buClr>
-              <a:buSzPts val="5200"/>
-              <a:buNone/>
-              <a:defRPr sz="5200">
-                <a:solidFill>
-                  <a:schemeClr val="accent2"/>
-                </a:solidFill>
-              </a:defRPr>
-            </a:lvl9pPr>
-          </a:lstStyle>
-          <a:p>
-            <a:endParaRPr/>
-          </a:p>
-        </p:txBody>
-      </p:sp>
-      <p:sp>
-        <p:nvSpPr>
-          <p:cNvPr id="10" name="Google Shape;10;p2"/>
-          <p:cNvSpPr txBox="1">
-            <a:spLocks noGrp="1"/>
-          </p:cNvSpPr>
-          <p:nvPr>
-            <p:ph type="subTitle" idx="1"/>
-          </p:nvPr>
-        </p:nvSpPr>
-        <p:spPr>
-          <a:xfrm>
-            <a:off x="3370950" y="2444400"/>
-            <a:ext cx="2402100" cy="717000"/>
-          </a:xfrm>
-          <a:prstGeom prst="rect">
-            <a:avLst/>
-          </a:prstGeom>
-        </p:spPr>
-        <p:txBody>
-          <a:bodyPr spcFirstLastPara="1" wrap="square" lIns="91425" tIns="91425" rIns="91425" bIns="91425" anchor="b" anchorCtr="0">
-            <a:noAutofit/>
-          </a:bodyPr>
-          <a:lstStyle>
-            <a:lvl1pPr lvl="0" algn="ctr" rtl="0">
-              <a:lnSpc>
-                <a:spcPct val="100000"/>
-              </a:lnSpc>
-              <a:spcBef>
-                <a:spcPts val="0"/>
-              </a:spcBef>
-              <a:spcAft>
-                <a:spcPts val="0"/>
-              </a:spcAft>
-              <a:buClr>
-                <a:schemeClr val="accent2"/>
-              </a:buClr>
-              <a:buSzPts val="1200"/>
-              <a:buNone/>
-              <a:defRPr>
-                <a:solidFill>
-                  <a:schemeClr val="accent2"/>
-                </a:solidFill>
-              </a:defRPr>
-            </a:lvl1pPr>
-            <a:lvl2pPr lvl="1" algn="ctr" rtl="0">
-              <a:lnSpc>
-                <a:spcPct val="100000"/>
-              </a:lnSpc>
-              <a:spcBef>
-                <a:spcPts val="0"/>
-              </a:spcBef>
-              <a:spcAft>
-                <a:spcPts val="0"/>
-              </a:spcAft>
-              <a:buClr>
-                <a:schemeClr val="accent2"/>
-              </a:buClr>
-              <a:buSzPts val="2800"/>
-              <a:buNone/>
-              <a:defRPr sz="2800">
-                <a:solidFill>
-                  <a:schemeClr val="accent2"/>
-                </a:solidFill>
-              </a:defRPr>
-            </a:lvl2pPr>
-            <a:lvl3pPr lvl="2" algn="ctr" rtl="0">
-              <a:lnSpc>
-                <a:spcPct val="100000"/>
-              </a:lnSpc>
-              <a:spcBef>
-                <a:spcPts val="0"/>
-              </a:spcBef>
-              <a:spcAft>
-                <a:spcPts val="0"/>
-              </a:spcAft>
-              <a:buClr>
-                <a:schemeClr val="accent2"/>
-              </a:buClr>
-              <a:buSzPts val="2800"/>
-              <a:buNone/>
-              <a:defRPr sz="2800">
-                <a:solidFill>
-                  <a:schemeClr val="accent2"/>
-                </a:solidFill>
-              </a:defRPr>
-            </a:lvl3pPr>
-            <a:lvl4pPr lvl="3" algn="ctr" rtl="0">
-              <a:lnSpc>
-                <a:spcPct val="100000"/>
-              </a:lnSpc>
-              <a:spcBef>
-                <a:spcPts val="0"/>
-              </a:spcBef>
-              <a:spcAft>
-                <a:spcPts val="0"/>
-              </a:spcAft>
-              <a:buClr>
-                <a:schemeClr val="accent2"/>
-              </a:buClr>
-              <a:buSzPts val="2800"/>
-              <a:buNone/>
-              <a:defRPr sz="2800">
-                <a:solidFill>
-                  <a:schemeClr val="accent2"/>
-                </a:solidFill>
-              </a:defRPr>
-            </a:lvl4pPr>
-            <a:lvl5pPr lvl="4" algn="ctr" rtl="0">
-              <a:lnSpc>
-                <a:spcPct val="100000"/>
-              </a:lnSpc>
-              <a:spcBef>
-                <a:spcPts val="0"/>
-              </a:spcBef>
-              <a:spcAft>
-                <a:spcPts val="0"/>
-              </a:spcAft>
-              <a:buClr>
-                <a:schemeClr val="accent2"/>
-              </a:buClr>
-              <a:buSzPts val="2800"/>
-              <a:buNone/>
-              <a:defRPr sz="2800">
-                <a:solidFill>
-                  <a:schemeClr val="accent2"/>
-                </a:solidFill>
-              </a:defRPr>
-            </a:lvl5pPr>
-            <a:lvl6pPr lvl="5" algn="ctr" rtl="0">
-              <a:lnSpc>
-                <a:spcPct val="100000"/>
-              </a:lnSpc>
-              <a:spcBef>
-                <a:spcPts val="0"/>
-              </a:spcBef>
-              <a:spcAft>
-                <a:spcPts val="0"/>
-              </a:spcAft>
-              <a:buClr>
-                <a:schemeClr val="accent2"/>
-              </a:buClr>
-              <a:buSzPts val="2800"/>
-              <a:buNone/>
-              <a:defRPr sz="2800">
-                <a:solidFill>
-                  <a:schemeClr val="accent2"/>
-                </a:solidFill>
-              </a:defRPr>
-            </a:lvl6pPr>
-            <a:lvl7pPr lvl="6" algn="ctr" rtl="0">
-              <a:lnSpc>
-                <a:spcPct val="100000"/>
-              </a:lnSpc>
-              <a:spcBef>
-                <a:spcPts val="0"/>
-              </a:spcBef>
-              <a:spcAft>
-                <a:spcPts val="0"/>
-              </a:spcAft>
-              <a:buClr>
-                <a:schemeClr val="accent2"/>
-              </a:buClr>
-              <a:buSzPts val="2800"/>
-              <a:buNone/>
-              <a:defRPr sz="2800">
-                <a:solidFill>
-                  <a:schemeClr val="accent2"/>
-                </a:solidFill>
-              </a:defRPr>
-            </a:lvl7pPr>
-            <a:lvl8pPr lvl="7" algn="ctr" rtl="0">
-              <a:lnSpc>
-                <a:spcPct val="100000"/>
-              </a:lnSpc>
-              <a:spcBef>
-                <a:spcPts val="0"/>
-              </a:spcBef>
-              <a:spcAft>
-                <a:spcPts val="0"/>
-              </a:spcAft>
-              <a:buClr>
-                <a:schemeClr val="accent2"/>
-              </a:buClr>
-              <a:buSzPts val="2800"/>
-              <a:buNone/>
-              <a:defRPr sz="2800">
-                <a:solidFill>
-                  <a:schemeClr val="accent2"/>
-                </a:solidFill>
-              </a:defRPr>
-            </a:lvl8pPr>
-            <a:lvl9pPr lvl="8" algn="ctr" rtl="0">
-              <a:lnSpc>
-                <a:spcPct val="100000"/>
-              </a:lnSpc>
-              <a:spcBef>
-                <a:spcPts val="0"/>
-              </a:spcBef>
-              <a:spcAft>
-                <a:spcPts val="0"/>
-              </a:spcAft>
-              <a:buClr>
-                <a:schemeClr val="accent2"/>
-              </a:buClr>
-              <a:buSzPts val="2800"/>
-              <a:buNone/>
-              <a:defRPr sz="2800">
-                <a:solidFill>
-                  <a:schemeClr val="accent2"/>
-                </a:solidFill>
-              </a:defRPr>
-            </a:lvl9pPr>
-          </a:lstStyle>
-          <a:p>
-            <a:endParaRPr/>
-          </a:p>
-        </p:txBody>
-      </p:sp>
-    </p:spTree>
-    <p:extLst>
-      <p:ext uri="{BB962C8B-B14F-4D97-AF65-F5344CB8AC3E}">
-        <p14:creationId xmlns:p14="http://schemas.microsoft.com/office/powerpoint/2010/main" val="2709756641"/>
-      </p:ext>
-    </p:extLst>
-  </p:cSld>
-  <p:clrMapOvr>
-    <a:masterClrMapping/>
-  </p:clrMapOvr>
-</p:sldLayout>
-</file>
-
-<file path=ppt/slideLayouts/slideLayout9.xml><?xml version="1.0" encoding="utf-8"?>
-<p:sldLayout xmlns:a="http://schemas.openxmlformats.org/drawingml/2006/main" xmlns:r="http://schemas.openxmlformats.org/officeDocument/2006/relationships" xmlns:p="http://schemas.openxmlformats.org/presentationml/2006/main" matchingName="Three columns 1">
-  <p:cSld name="Three columns 1">
-    <p:spTree>
-      <p:nvGrpSpPr>
-        <p:cNvPr id="1" name="Shape 11"/>
-        <p:cNvGrpSpPr/>
-        <p:nvPr/>
-      </p:nvGrpSpPr>
-      <p:grpSpPr>
-        <a:xfrm>
-          <a:off x="0" y="0"/>
-          <a:ext cx="0" cy="0"/>
-          <a:chOff x="0" y="0"/>
-          <a:chExt cx="0" cy="0"/>
-        </a:xfrm>
-      </p:grpSpPr>
-      <p:sp>
-        <p:nvSpPr>
-          <p:cNvPr id="12" name="Google Shape;12;p3"/>
-          <p:cNvSpPr txBox="1">
-            <a:spLocks noGrp="1"/>
-          </p:cNvSpPr>
-          <p:nvPr>
-            <p:ph type="subTitle" idx="1"/>
-          </p:nvPr>
-        </p:nvSpPr>
-        <p:spPr>
-          <a:xfrm>
-            <a:off x="1316463" y="2737978"/>
-            <a:ext cx="1865400" cy="936300"/>
-          </a:xfrm>
-          <a:prstGeom prst="rect">
-            <a:avLst/>
-          </a:prstGeom>
-        </p:spPr>
-        <p:txBody>
-          <a:bodyPr spcFirstLastPara="1" wrap="square" lIns="91425" tIns="91425" rIns="91425" bIns="91425" anchor="t" anchorCtr="0">
-            <a:noAutofit/>
-          </a:bodyPr>
-          <a:lstStyle>
-            <a:lvl1pPr lvl="0" algn="r" rtl="0">
-              <a:lnSpc>
-                <a:spcPct val="100000"/>
-              </a:lnSpc>
-              <a:spcBef>
-                <a:spcPts val="0"/>
-              </a:spcBef>
-              <a:spcAft>
-                <a:spcPts val="0"/>
-              </a:spcAft>
-              <a:buSzPts val="1000"/>
-              <a:buNone/>
-              <a:defRPr sz="1000"/>
-            </a:lvl1pPr>
-            <a:lvl2pPr lvl="1" algn="r" rtl="0">
-              <a:lnSpc>
-                <a:spcPct val="100000"/>
-              </a:lnSpc>
-              <a:spcBef>
-                <a:spcPts val="0"/>
-              </a:spcBef>
-              <a:spcAft>
-                <a:spcPts val="0"/>
-              </a:spcAft>
-              <a:buSzPts val="1000"/>
-              <a:buNone/>
-              <a:defRPr sz="1000"/>
-            </a:lvl2pPr>
-            <a:lvl3pPr lvl="2" algn="r" rtl="0">
-              <a:lnSpc>
-                <a:spcPct val="100000"/>
-              </a:lnSpc>
-              <a:spcBef>
-                <a:spcPts val="0"/>
-              </a:spcBef>
-              <a:spcAft>
-                <a:spcPts val="0"/>
-              </a:spcAft>
-              <a:buSzPts val="1000"/>
-              <a:buNone/>
-              <a:defRPr sz="1000"/>
-            </a:lvl3pPr>
-            <a:lvl4pPr lvl="3" algn="r" rtl="0">
-              <a:lnSpc>
-                <a:spcPct val="100000"/>
-              </a:lnSpc>
-              <a:spcBef>
-                <a:spcPts val="0"/>
-              </a:spcBef>
-              <a:spcAft>
-                <a:spcPts val="0"/>
-              </a:spcAft>
-              <a:buSzPts val="1000"/>
-              <a:buNone/>
-              <a:defRPr sz="1000"/>
-            </a:lvl4pPr>
-            <a:lvl5pPr lvl="4" algn="r" rtl="0">
-              <a:lnSpc>
-                <a:spcPct val="100000"/>
-              </a:lnSpc>
-              <a:spcBef>
-                <a:spcPts val="0"/>
-              </a:spcBef>
-              <a:spcAft>
-                <a:spcPts val="0"/>
-              </a:spcAft>
-              <a:buSzPts val="1000"/>
-              <a:buNone/>
-              <a:defRPr sz="1000"/>
-            </a:lvl5pPr>
-            <a:lvl6pPr lvl="5" algn="r" rtl="0">
-              <a:lnSpc>
-                <a:spcPct val="100000"/>
-              </a:lnSpc>
-              <a:spcBef>
-                <a:spcPts val="0"/>
-              </a:spcBef>
-              <a:spcAft>
-                <a:spcPts val="0"/>
-              </a:spcAft>
-              <a:buSzPts val="1000"/>
-              <a:buNone/>
-              <a:defRPr sz="1000"/>
-            </a:lvl6pPr>
-            <a:lvl7pPr lvl="6" algn="r" rtl="0">
-              <a:lnSpc>
-                <a:spcPct val="100000"/>
-              </a:lnSpc>
-              <a:spcBef>
-                <a:spcPts val="0"/>
-              </a:spcBef>
-              <a:spcAft>
-                <a:spcPts val="0"/>
-              </a:spcAft>
-              <a:buSzPts val="1000"/>
-              <a:buNone/>
-              <a:defRPr sz="1000"/>
-            </a:lvl7pPr>
-            <a:lvl8pPr lvl="7" algn="r" rtl="0">
-              <a:lnSpc>
-                <a:spcPct val="100000"/>
-              </a:lnSpc>
-              <a:spcBef>
-                <a:spcPts val="0"/>
-              </a:spcBef>
-              <a:spcAft>
-                <a:spcPts val="0"/>
-              </a:spcAft>
-              <a:buSzPts val="1000"/>
-              <a:buNone/>
-              <a:defRPr sz="1000"/>
-            </a:lvl8pPr>
-            <a:lvl9pPr lvl="8" algn="r" rtl="0">
-              <a:lnSpc>
-                <a:spcPct val="100000"/>
-              </a:lnSpc>
-              <a:spcBef>
-                <a:spcPts val="0"/>
-              </a:spcBef>
-              <a:spcAft>
-                <a:spcPts val="0"/>
-              </a:spcAft>
-              <a:buSzPts val="1000"/>
-              <a:buNone/>
-              <a:defRPr sz="1000"/>
-            </a:lvl9pPr>
-          </a:lstStyle>
-          <a:p>
-            <a:endParaRPr/>
-          </a:p>
-        </p:txBody>
-      </p:sp>
-      <p:sp>
-        <p:nvSpPr>
-          <p:cNvPr id="13" name="Google Shape;13;p3"/>
-          <p:cNvSpPr txBox="1">
-            <a:spLocks noGrp="1"/>
-          </p:cNvSpPr>
-          <p:nvPr>
-            <p:ph type="subTitle" idx="2"/>
-          </p:nvPr>
-        </p:nvSpPr>
-        <p:spPr>
-          <a:xfrm>
-            <a:off x="6253762" y="2726800"/>
-            <a:ext cx="1865400" cy="936300"/>
-          </a:xfrm>
-          <a:prstGeom prst="rect">
-            <a:avLst/>
-          </a:prstGeom>
-        </p:spPr>
-        <p:txBody>
-          <a:bodyPr spcFirstLastPara="1" wrap="square" lIns="91425" tIns="91425" rIns="91425" bIns="91425" anchor="t" anchorCtr="0">
-            <a:noAutofit/>
-          </a:bodyPr>
-          <a:lstStyle>
-            <a:lvl1pPr lvl="0" rtl="0">
-              <a:lnSpc>
-                <a:spcPct val="100000"/>
-              </a:lnSpc>
-              <a:spcBef>
-                <a:spcPts val="0"/>
-              </a:spcBef>
-              <a:spcAft>
-                <a:spcPts val="0"/>
-              </a:spcAft>
-              <a:buSzPts val="1000"/>
-              <a:buNone/>
-              <a:defRPr sz="1000"/>
-            </a:lvl1pPr>
-            <a:lvl2pPr lvl="1" algn="ctr" rtl="0">
-              <a:lnSpc>
-                <a:spcPct val="100000"/>
-              </a:lnSpc>
-              <a:spcBef>
-                <a:spcPts val="0"/>
-              </a:spcBef>
-              <a:spcAft>
-                <a:spcPts val="0"/>
-              </a:spcAft>
-              <a:buSzPts val="1000"/>
-              <a:buNone/>
-              <a:defRPr sz="1000"/>
-            </a:lvl2pPr>
-            <a:lvl3pPr lvl="2" algn="ctr" rtl="0">
-              <a:lnSpc>
-                <a:spcPct val="100000"/>
-              </a:lnSpc>
-              <a:spcBef>
-                <a:spcPts val="0"/>
-              </a:spcBef>
-              <a:spcAft>
-                <a:spcPts val="0"/>
-              </a:spcAft>
-              <a:buSzPts val="1000"/>
-              <a:buNone/>
-              <a:defRPr sz="1000"/>
-            </a:lvl3pPr>
-            <a:lvl4pPr lvl="3" algn="ctr" rtl="0">
-              <a:lnSpc>
-                <a:spcPct val="100000"/>
-              </a:lnSpc>
-              <a:spcBef>
-                <a:spcPts val="0"/>
-              </a:spcBef>
-              <a:spcAft>
-                <a:spcPts val="0"/>
-              </a:spcAft>
-              <a:buSzPts val="1000"/>
-              <a:buNone/>
-              <a:defRPr sz="1000"/>
-            </a:lvl4pPr>
-            <a:lvl5pPr lvl="4" algn="ctr" rtl="0">
-              <a:lnSpc>
-                <a:spcPct val="100000"/>
-              </a:lnSpc>
-              <a:spcBef>
-                <a:spcPts val="0"/>
-              </a:spcBef>
-              <a:spcAft>
-                <a:spcPts val="0"/>
-              </a:spcAft>
-              <a:buSzPts val="1000"/>
-              <a:buNone/>
-              <a:defRPr sz="1000"/>
-            </a:lvl5pPr>
-            <a:lvl6pPr lvl="5" algn="ctr" rtl="0">
-              <a:lnSpc>
-                <a:spcPct val="100000"/>
-              </a:lnSpc>
-              <a:spcBef>
-                <a:spcPts val="0"/>
-              </a:spcBef>
-              <a:spcAft>
-                <a:spcPts val="0"/>
-              </a:spcAft>
-              <a:buSzPts val="1000"/>
-              <a:buNone/>
-              <a:defRPr sz="1000"/>
-            </a:lvl6pPr>
-            <a:lvl7pPr lvl="6" algn="ctr" rtl="0">
-              <a:lnSpc>
-                <a:spcPct val="100000"/>
-              </a:lnSpc>
-              <a:spcBef>
-                <a:spcPts val="0"/>
-              </a:spcBef>
-              <a:spcAft>
-                <a:spcPts val="0"/>
-              </a:spcAft>
-              <a:buSzPts val="1000"/>
-              <a:buNone/>
-              <a:defRPr sz="1000"/>
-            </a:lvl7pPr>
-            <a:lvl8pPr lvl="7" algn="ctr" rtl="0">
-              <a:lnSpc>
-                <a:spcPct val="100000"/>
-              </a:lnSpc>
-              <a:spcBef>
-                <a:spcPts val="0"/>
-              </a:spcBef>
-              <a:spcAft>
-                <a:spcPts val="0"/>
-              </a:spcAft>
-              <a:buSzPts val="1000"/>
-              <a:buNone/>
-              <a:defRPr sz="1000"/>
-            </a:lvl8pPr>
-            <a:lvl9pPr lvl="8" algn="ctr" rtl="0">
-              <a:lnSpc>
-                <a:spcPct val="100000"/>
-              </a:lnSpc>
-              <a:spcBef>
-                <a:spcPts val="0"/>
-              </a:spcBef>
-              <a:spcAft>
-                <a:spcPts val="0"/>
-              </a:spcAft>
-              <a:buSzPts val="1000"/>
-              <a:buNone/>
-              <a:defRPr sz="1000"/>
-            </a:lvl9pPr>
-          </a:lstStyle>
-          <a:p>
-            <a:endParaRPr/>
-          </a:p>
-        </p:txBody>
-      </p:sp>
-      <p:sp>
-        <p:nvSpPr>
-          <p:cNvPr id="14" name="Google Shape;14;p3"/>
-          <p:cNvSpPr txBox="1">
-            <a:spLocks noGrp="1"/>
-          </p:cNvSpPr>
-          <p:nvPr>
-            <p:ph type="subTitle" idx="3"/>
-          </p:nvPr>
-        </p:nvSpPr>
-        <p:spPr>
-          <a:xfrm>
-            <a:off x="3623208" y="915850"/>
-            <a:ext cx="1865400" cy="936300"/>
-          </a:xfrm>
-          <a:prstGeom prst="rect">
-            <a:avLst/>
-          </a:prstGeom>
-        </p:spPr>
-        <p:txBody>
-          <a:bodyPr spcFirstLastPara="1" wrap="square" lIns="91425" tIns="91425" rIns="91425" bIns="91425" anchor="t" anchorCtr="0">
-            <a:noAutofit/>
-          </a:bodyPr>
-          <a:lstStyle>
-            <a:lvl1pPr lvl="0" algn="ctr" rtl="0">
-              <a:lnSpc>
-                <a:spcPct val="100000"/>
-              </a:lnSpc>
-              <a:spcBef>
-                <a:spcPts val="0"/>
-              </a:spcBef>
-              <a:spcAft>
-                <a:spcPts val="0"/>
-              </a:spcAft>
-              <a:buSzPts val="1000"/>
-              <a:buNone/>
-              <a:defRPr sz="1000"/>
-            </a:lvl1pPr>
-            <a:lvl2pPr lvl="1" algn="ctr" rtl="0">
-              <a:lnSpc>
-                <a:spcPct val="100000"/>
-              </a:lnSpc>
-              <a:spcBef>
-                <a:spcPts val="0"/>
-              </a:spcBef>
-              <a:spcAft>
-                <a:spcPts val="0"/>
-              </a:spcAft>
-              <a:buSzPts val="1000"/>
-              <a:buNone/>
-              <a:defRPr sz="1000"/>
-            </a:lvl2pPr>
-            <a:lvl3pPr lvl="2" algn="ctr" rtl="0">
-              <a:lnSpc>
-                <a:spcPct val="100000"/>
-              </a:lnSpc>
-              <a:spcBef>
-                <a:spcPts val="0"/>
-              </a:spcBef>
-              <a:spcAft>
-                <a:spcPts val="0"/>
-              </a:spcAft>
-              <a:buSzPts val="1000"/>
-              <a:buNone/>
-              <a:defRPr sz="1000"/>
-            </a:lvl3pPr>
-            <a:lvl4pPr lvl="3" algn="ctr" rtl="0">
-              <a:lnSpc>
-                <a:spcPct val="100000"/>
-              </a:lnSpc>
-              <a:spcBef>
-                <a:spcPts val="0"/>
-              </a:spcBef>
-              <a:spcAft>
-                <a:spcPts val="0"/>
-              </a:spcAft>
-              <a:buSzPts val="1000"/>
-              <a:buNone/>
-              <a:defRPr sz="1000"/>
-            </a:lvl4pPr>
-            <a:lvl5pPr lvl="4" algn="ctr" rtl="0">
-              <a:lnSpc>
-                <a:spcPct val="100000"/>
-              </a:lnSpc>
-              <a:spcBef>
-                <a:spcPts val="0"/>
-              </a:spcBef>
-              <a:spcAft>
-                <a:spcPts val="0"/>
-              </a:spcAft>
-              <a:buSzPts val="1000"/>
-              <a:buNone/>
-              <a:defRPr sz="1000"/>
-            </a:lvl5pPr>
-            <a:lvl6pPr lvl="5" algn="ctr" rtl="0">
-              <a:lnSpc>
-                <a:spcPct val="100000"/>
-              </a:lnSpc>
-              <a:spcBef>
-                <a:spcPts val="0"/>
-              </a:spcBef>
-              <a:spcAft>
-                <a:spcPts val="0"/>
-              </a:spcAft>
-              <a:buSzPts val="1000"/>
-              <a:buNone/>
-              <a:defRPr sz="1000"/>
-            </a:lvl6pPr>
-            <a:lvl7pPr lvl="6" algn="ctr" rtl="0">
-              <a:lnSpc>
-                <a:spcPct val="100000"/>
-              </a:lnSpc>
-              <a:spcBef>
-                <a:spcPts val="0"/>
-              </a:spcBef>
-              <a:spcAft>
-                <a:spcPts val="0"/>
-              </a:spcAft>
-              <a:buSzPts val="1000"/>
-              <a:buNone/>
-              <a:defRPr sz="1000"/>
-            </a:lvl7pPr>
-            <a:lvl8pPr lvl="7" algn="ctr" rtl="0">
-              <a:lnSpc>
-                <a:spcPct val="100000"/>
-              </a:lnSpc>
-              <a:spcBef>
-                <a:spcPts val="0"/>
-              </a:spcBef>
-              <a:spcAft>
-                <a:spcPts val="0"/>
-              </a:spcAft>
-              <a:buSzPts val="1000"/>
-              <a:buNone/>
-              <a:defRPr sz="1000"/>
-            </a:lvl8pPr>
-            <a:lvl9pPr lvl="8" algn="ctr" rtl="0">
-              <a:lnSpc>
-                <a:spcPct val="100000"/>
-              </a:lnSpc>
-              <a:spcBef>
-                <a:spcPts val="0"/>
-              </a:spcBef>
-              <a:spcAft>
-                <a:spcPts val="0"/>
-              </a:spcAft>
-              <a:buSzPts val="1000"/>
-              <a:buNone/>
-              <a:defRPr sz="1000"/>
-            </a:lvl9pPr>
-          </a:lstStyle>
-          <a:p>
-            <a:endParaRPr/>
-          </a:p>
-        </p:txBody>
-      </p:sp>
-      <p:sp>
-        <p:nvSpPr>
-          <p:cNvPr id="15" name="Google Shape;15;p3"/>
-          <p:cNvSpPr txBox="1">
-            <a:spLocks noGrp="1"/>
-          </p:cNvSpPr>
-          <p:nvPr>
-            <p:ph type="ctrTitle"/>
-          </p:nvPr>
-        </p:nvSpPr>
-        <p:spPr>
-          <a:xfrm>
-            <a:off x="720000" y="377975"/>
-            <a:ext cx="1337400" cy="946200"/>
-          </a:xfrm>
-          <a:prstGeom prst="rect">
-            <a:avLst/>
-          </a:prstGeom>
-        </p:spPr>
-        <p:txBody>
-          <a:bodyPr spcFirstLastPara="1" wrap="square" lIns="91425" tIns="91425" rIns="91425" bIns="91425" anchor="ctr" anchorCtr="0">
-            <a:noAutofit/>
-          </a:bodyPr>
-          <a:lstStyle>
-            <a:lvl1pPr lvl="0" rtl="0">
-              <a:spcBef>
-                <a:spcPts val="0"/>
-              </a:spcBef>
-              <a:spcAft>
-                <a:spcPts val="0"/>
-              </a:spcAft>
-              <a:buSzPts val="1400"/>
-              <a:buNone/>
-              <a:defRPr sz="1400"/>
-            </a:lvl1pPr>
-            <a:lvl2pPr lvl="1" algn="ctr" rtl="0">
-              <a:spcBef>
-                <a:spcPts val="0"/>
-              </a:spcBef>
-              <a:spcAft>
-                <a:spcPts val="0"/>
-              </a:spcAft>
-              <a:buSzPts val="1400"/>
-              <a:buNone/>
-              <a:defRPr sz="1400"/>
-            </a:lvl2pPr>
-            <a:lvl3pPr lvl="2" algn="ctr" rtl="0">
-              <a:spcBef>
-                <a:spcPts val="0"/>
-              </a:spcBef>
-              <a:spcAft>
-                <a:spcPts val="0"/>
-              </a:spcAft>
-              <a:buSzPts val="1400"/>
-              <a:buNone/>
-              <a:defRPr sz="1400"/>
-            </a:lvl3pPr>
-            <a:lvl4pPr lvl="3" algn="ctr" rtl="0">
-              <a:spcBef>
-                <a:spcPts val="0"/>
-              </a:spcBef>
-              <a:spcAft>
-                <a:spcPts val="0"/>
-              </a:spcAft>
-              <a:buSzPts val="1400"/>
-              <a:buNone/>
-              <a:defRPr sz="1400"/>
-            </a:lvl4pPr>
-            <a:lvl5pPr lvl="4" algn="ctr" rtl="0">
-              <a:spcBef>
-                <a:spcPts val="0"/>
-              </a:spcBef>
-              <a:spcAft>
-                <a:spcPts val="0"/>
-              </a:spcAft>
-              <a:buSzPts val="1400"/>
-              <a:buNone/>
-              <a:defRPr sz="1400"/>
-            </a:lvl5pPr>
-            <a:lvl6pPr lvl="5" algn="ctr" rtl="0">
-              <a:spcBef>
-                <a:spcPts val="0"/>
-              </a:spcBef>
-              <a:spcAft>
-                <a:spcPts val="0"/>
-              </a:spcAft>
-              <a:buSzPts val="1400"/>
-              <a:buNone/>
-              <a:defRPr sz="1400"/>
-            </a:lvl6pPr>
-            <a:lvl7pPr lvl="6" algn="ctr" rtl="0">
-              <a:spcBef>
-                <a:spcPts val="0"/>
-              </a:spcBef>
-              <a:spcAft>
-                <a:spcPts val="0"/>
-              </a:spcAft>
-              <a:buSzPts val="1400"/>
-              <a:buNone/>
-              <a:defRPr sz="1400"/>
-            </a:lvl7pPr>
-            <a:lvl8pPr lvl="7" algn="ctr" rtl="0">
-              <a:spcBef>
-                <a:spcPts val="0"/>
-              </a:spcBef>
-              <a:spcAft>
-                <a:spcPts val="0"/>
-              </a:spcAft>
-              <a:buSzPts val="1400"/>
-              <a:buNone/>
-              <a:defRPr sz="1400"/>
-            </a:lvl8pPr>
-            <a:lvl9pPr lvl="8" algn="ctr" rtl="0">
-              <a:spcBef>
-                <a:spcPts val="0"/>
-              </a:spcBef>
-              <a:spcAft>
-                <a:spcPts val="0"/>
-              </a:spcAft>
-              <a:buSzPts val="1400"/>
-              <a:buNone/>
-              <a:defRPr sz="1400"/>
-            </a:lvl9pPr>
-          </a:lstStyle>
-          <a:p>
-            <a:endParaRPr/>
-          </a:p>
-        </p:txBody>
-      </p:sp>
-      <p:sp>
-        <p:nvSpPr>
-          <p:cNvPr id="16" name="Google Shape;16;p3"/>
-          <p:cNvSpPr/>
-          <p:nvPr/>
-        </p:nvSpPr>
-        <p:spPr>
-          <a:xfrm flipH="1">
-            <a:off x="2649025" y="-1201375"/>
-            <a:ext cx="2761500" cy="556500"/>
-          </a:xfrm>
-          <a:prstGeom prst="rect">
-            <a:avLst/>
-          </a:prstGeom>
-          <a:noFill/>
-          <a:ln w="9525" cap="flat" cmpd="sng">
-            <a:solidFill>
-              <a:schemeClr val="lt1"/>
-            </a:solidFill>
-            <a:prstDash val="solid"/>
-            <a:round/>
-            <a:headEnd type="none" w="sm" len="sm"/>
-            <a:tailEnd type="none" w="sm" len="sm"/>
-          </a:ln>
-        </p:spPr>
-        <p:txBody>
-          <a:bodyPr spcFirstLastPara="1" wrap="square" lIns="91425" tIns="91425" rIns="91425" bIns="91425" anchor="ctr" anchorCtr="0">
-            <a:noAutofit/>
-          </a:bodyPr>
-          <a:lstStyle/>
-          <a:p>
-            <a:pPr marL="0" lvl="0" indent="0" algn="l" rtl="0">
-              <a:spcBef>
-                <a:spcPts val="0"/>
-              </a:spcBef>
-              <a:spcAft>
-                <a:spcPts val="0"/>
-              </a:spcAft>
-              <a:buNone/>
-            </a:pPr>
-            <a:endParaRPr/>
-          </a:p>
-        </p:txBody>
-      </p:sp>
-      <p:sp>
-        <p:nvSpPr>
-          <p:cNvPr id="17" name="Google Shape;17;p3"/>
-          <p:cNvSpPr/>
-          <p:nvPr/>
-        </p:nvSpPr>
-        <p:spPr>
-          <a:xfrm>
-            <a:off x="-92200" y="550200"/>
-            <a:ext cx="1781700" cy="630000"/>
-          </a:xfrm>
-          <a:prstGeom prst="rect">
-            <a:avLst/>
-          </a:prstGeom>
-          <a:noFill/>
-          <a:ln w="9525" cap="flat" cmpd="sng">
-            <a:solidFill>
-              <a:schemeClr val="lt1"/>
-            </a:solidFill>
-            <a:prstDash val="solid"/>
-            <a:round/>
-            <a:headEnd type="none" w="sm" len="sm"/>
-            <a:tailEnd type="none" w="sm" len="sm"/>
-          </a:ln>
-        </p:spPr>
-        <p:txBody>
-          <a:bodyPr spcFirstLastPara="1" wrap="square" lIns="91425" tIns="91425" rIns="91425" bIns="91425" anchor="ctr" anchorCtr="0">
-            <a:noAutofit/>
-          </a:bodyPr>
-          <a:lstStyle/>
-          <a:p>
-            <a:pPr marL="0" lvl="0" indent="0" algn="l" rtl="0">
-              <a:spcBef>
-                <a:spcPts val="0"/>
-              </a:spcBef>
-              <a:spcAft>
-                <a:spcPts val="0"/>
-              </a:spcAft>
-              <a:buNone/>
-            </a:pPr>
-            <a:endParaRPr/>
-          </a:p>
-        </p:txBody>
-      </p:sp>
-    </p:spTree>
-    <p:extLst>
-      <p:ext uri="{BB962C8B-B14F-4D97-AF65-F5344CB8AC3E}">
-        <p14:creationId xmlns:p14="http://schemas.microsoft.com/office/powerpoint/2010/main" val="1454289550"/>
-      </p:ext>
-    </p:extLst>
-  </p:cSld>
-  <p:clrMapOvr>
-    <a:masterClrMapping/>
-  </p:clrMapOvr>
-</p:sldLayout>
-</file>
-
 <file path=ppt/slideMasters/slideMaster1.xml><?xml version="1.0" encoding="utf-8"?>
 <p:sldMaster xmlns:a="http://schemas.openxmlformats.org/drawingml/2006/main" xmlns:r="http://schemas.openxmlformats.org/officeDocument/2006/relationships" xmlns:p="http://schemas.openxmlformats.org/presentationml/2006/main">
   <p:cSld name="simple-light-2">
@@ -7938,15 +7807,15 @@
   <p:clrMap bg1="lt1" tx1="dk1" bg2="dk2" tx2="lt2" accent1="accent1" accent2="accent2" accent3="accent3" accent4="accent4" accent5="accent5" accent6="accent6" hlink="hlink" folHlink="folHlink"/>
   <p:sldLayoutIdLst>
     <p:sldLayoutId id="2147483652" r:id="rId1"/>
-    <p:sldLayoutId id="2147483654" r:id="rId2"/>
-    <p:sldLayoutId id="2147483655" r:id="rId3"/>
-    <p:sldLayoutId id="2147483656" r:id="rId4"/>
-    <p:sldLayoutId id="2147483658" r:id="rId5"/>
-    <p:sldLayoutId id="2147483659" r:id="rId6"/>
-    <p:sldLayoutId id="2147483660" r:id="rId7"/>
-    <p:sldLayoutId id="2147483663" r:id="rId8"/>
-    <p:sldLayoutId id="2147483664" r:id="rId9"/>
-    <p:sldLayoutId id="2147483665" r:id="rId10"/>
+    <p:sldLayoutId id="2147483655" r:id="rId2"/>
+    <p:sldLayoutId id="2147483656" r:id="rId3"/>
+    <p:sldLayoutId id="2147483658" r:id="rId4"/>
+    <p:sldLayoutId id="2147483659" r:id="rId5"/>
+    <p:sldLayoutId id="2147483660" r:id="rId6"/>
+    <p:sldLayoutId id="2147483663" r:id="rId7"/>
+    <p:sldLayoutId id="2147483664" r:id="rId8"/>
+    <p:sldLayoutId id="2147483665" r:id="rId9"/>
+    <p:sldLayoutId id="2147483666" r:id="rId10"/>
   </p:sldLayoutIdLst>
   <p:hf hdr="0" ftr="0" dt="0"/>
   <p:txStyles>
@@ -15637,6 +15506,402 @@
 </p:sld>
 </file>
 
+<file path=ppt/slides/slide5.xml><?xml version="1.0" encoding="utf-8"?>
+<p:sld xmlns:a="http://schemas.openxmlformats.org/drawingml/2006/main" xmlns:r="http://schemas.openxmlformats.org/officeDocument/2006/relationships" xmlns:p="http://schemas.openxmlformats.org/presentationml/2006/main">
+  <p:cSld>
+    <p:spTree>
+      <p:nvGrpSpPr>
+        <p:cNvPr id="1" name="Shape 78"/>
+        <p:cNvGrpSpPr/>
+        <p:nvPr/>
+      </p:nvGrpSpPr>
+      <p:grpSpPr>
+        <a:xfrm>
+          <a:off x="0" y="0"/>
+          <a:ext cx="0" cy="0"/>
+          <a:chOff x="0" y="0"/>
+          <a:chExt cx="0" cy="0"/>
+        </a:xfrm>
+      </p:grpSpPr>
+      <p:cxnSp>
+        <p:nvCxnSpPr>
+          <p:cNvPr id="79" name="Google Shape;79;p15"/>
+          <p:cNvCxnSpPr/>
+          <p:nvPr/>
+        </p:nvCxnSpPr>
+        <p:spPr>
+          <a:xfrm>
+            <a:off x="2609850" y="3905250"/>
+            <a:ext cx="4695900" cy="0"/>
+          </a:xfrm>
+          <a:prstGeom prst="straightConnector1">
+            <a:avLst/>
+          </a:prstGeom>
+          <a:noFill/>
+          <a:ln w="9525" cap="flat" cmpd="sng">
+            <a:solidFill>
+              <a:schemeClr val="lt1"/>
+            </a:solidFill>
+            <a:prstDash val="solid"/>
+            <a:round/>
+            <a:headEnd type="none" w="med" len="med"/>
+            <a:tailEnd type="none" w="med" len="med"/>
+          </a:ln>
+        </p:spPr>
+      </p:cxnSp>
+      <p:sp>
+        <p:nvSpPr>
+          <p:cNvPr id="80" name="Google Shape;80;p15"/>
+          <p:cNvSpPr txBox="1">
+            <a:spLocks noGrp="1"/>
+          </p:cNvSpPr>
+          <p:nvPr>
+            <p:ph type="ctrTitle"/>
+          </p:nvPr>
+        </p:nvSpPr>
+        <p:spPr>
+          <a:xfrm>
+            <a:off x="2152650" y="384025"/>
+            <a:ext cx="2806800" cy="477000"/>
+          </a:xfrm>
+          <a:prstGeom prst="rect">
+            <a:avLst/>
+          </a:prstGeom>
+        </p:spPr>
+        <p:txBody>
+          <a:bodyPr spcFirstLastPara="1" wrap="square" lIns="91425" tIns="91425" rIns="91425" bIns="91425" anchor="ctr" anchorCtr="0">
+            <a:noAutofit/>
+          </a:bodyPr>
+          <a:lstStyle/>
+          <a:p>
+            <a:pPr marL="0" lvl="0" indent="0" algn="l" rtl="0">
+              <a:spcBef>
+                <a:spcPts val="0"/>
+              </a:spcBef>
+              <a:spcAft>
+                <a:spcPts val="0"/>
+              </a:spcAft>
+              <a:buNone/>
+            </a:pPr>
+            <a:r>
+              <a:rPr lang="es"/>
+              <a:t>Sensores</a:t>
+            </a:r>
+            <a:endParaRPr/>
+          </a:p>
+        </p:txBody>
+      </p:sp>
+      <p:sp>
+        <p:nvSpPr>
+          <p:cNvPr id="81" name="Google Shape;81;p15"/>
+          <p:cNvSpPr txBox="1">
+            <a:spLocks noGrp="1"/>
+          </p:cNvSpPr>
+          <p:nvPr>
+            <p:ph type="subTitle" idx="1"/>
+          </p:nvPr>
+        </p:nvSpPr>
+        <p:spPr>
+          <a:xfrm>
+            <a:off x="2453225" y="2958250"/>
+            <a:ext cx="4416000" cy="1166100"/>
+          </a:xfrm>
+          <a:prstGeom prst="rect">
+            <a:avLst/>
+          </a:prstGeom>
+        </p:spPr>
+        <p:txBody>
+          <a:bodyPr spcFirstLastPara="1" wrap="square" lIns="91425" tIns="91425" rIns="91425" bIns="91425" anchor="t" anchorCtr="0">
+            <a:noAutofit/>
+          </a:bodyPr>
+          <a:lstStyle/>
+          <a:p>
+            <a:pPr marL="0" lvl="0" indent="0" algn="l" rtl="0">
+              <a:spcBef>
+                <a:spcPts val="0"/>
+              </a:spcBef>
+              <a:spcAft>
+                <a:spcPts val="0"/>
+              </a:spcAft>
+              <a:buClr>
+                <a:schemeClr val="dk1"/>
+              </a:buClr>
+              <a:buSzPts val="1100"/>
+              <a:buFont typeface="Arial"/>
+              <a:buNone/>
+            </a:pPr>
+            <a:r>
+              <a:rPr lang="es"/>
+              <a:t>Se requiere instalar software que conecte los datos de los sensores a una interfaz amigable al usuario. Puede ser desde una app celular o un indicador en la pantalla de un automóvil, o una notificación de correo. </a:t>
+            </a:r>
+            <a:endParaRPr/>
+          </a:p>
+        </p:txBody>
+      </p:sp>
+      <p:pic>
+        <p:nvPicPr>
+          <p:cNvPr id="82" name="Google Shape;82;p15"/>
+          <p:cNvPicPr preferRelativeResize="0"/>
+          <p:nvPr/>
+        </p:nvPicPr>
+        <p:blipFill>
+          <a:blip r:embed="rId3">
+            <a:alphaModFix/>
+          </a:blip>
+          <a:stretch>
+            <a:fillRect/>
+          </a:stretch>
+        </p:blipFill>
+        <p:spPr>
+          <a:xfrm>
+            <a:off x="6632838" y="1857375"/>
+            <a:ext cx="3720837" cy="3879550"/>
+          </a:xfrm>
+          <a:prstGeom prst="rect">
+            <a:avLst/>
+          </a:prstGeom>
+          <a:noFill/>
+          <a:ln>
+            <a:noFill/>
+          </a:ln>
+        </p:spPr>
+      </p:pic>
+      <p:sp>
+        <p:nvSpPr>
+          <p:cNvPr id="83" name="Google Shape;83;p15"/>
+          <p:cNvSpPr txBox="1">
+            <a:spLocks noGrp="1"/>
+          </p:cNvSpPr>
+          <p:nvPr>
+            <p:ph type="ctrTitle"/>
+          </p:nvPr>
+        </p:nvSpPr>
+        <p:spPr>
+          <a:xfrm>
+            <a:off x="-65400" y="370850"/>
+            <a:ext cx="2013600" cy="946200"/>
+          </a:xfrm>
+          <a:prstGeom prst="rect">
+            <a:avLst/>
+          </a:prstGeom>
+        </p:spPr>
+        <p:txBody>
+          <a:bodyPr spcFirstLastPara="1" wrap="square" lIns="91425" tIns="91425" rIns="91425" bIns="91425" anchor="ctr" anchorCtr="0">
+            <a:noAutofit/>
+          </a:bodyPr>
+          <a:lstStyle/>
+          <a:p>
+            <a:pPr marL="0" lvl="0" indent="0" algn="l" rtl="0">
+              <a:spcBef>
+                <a:spcPts val="0"/>
+              </a:spcBef>
+              <a:spcAft>
+                <a:spcPts val="0"/>
+              </a:spcAft>
+              <a:buNone/>
+            </a:pPr>
+            <a:r>
+              <a:rPr lang="es" sz="1700"/>
+              <a:t>¿Cómo lo harías?</a:t>
+            </a:r>
+            <a:endParaRPr sz="1700"/>
+          </a:p>
+        </p:txBody>
+      </p:sp>
+      <p:sp>
+        <p:nvSpPr>
+          <p:cNvPr id="84" name="Google Shape;84;p15"/>
+          <p:cNvSpPr txBox="1">
+            <a:spLocks noGrp="1"/>
+          </p:cNvSpPr>
+          <p:nvPr>
+            <p:ph type="ctrTitle"/>
+          </p:nvPr>
+        </p:nvSpPr>
+        <p:spPr>
+          <a:xfrm>
+            <a:off x="2228850" y="2678025"/>
+            <a:ext cx="2806800" cy="477000"/>
+          </a:xfrm>
+          <a:prstGeom prst="rect">
+            <a:avLst/>
+          </a:prstGeom>
+        </p:spPr>
+        <p:txBody>
+          <a:bodyPr spcFirstLastPara="1" wrap="square" lIns="91425" tIns="91425" rIns="91425" bIns="91425" anchor="ctr" anchorCtr="0">
+            <a:noAutofit/>
+          </a:bodyPr>
+          <a:lstStyle/>
+          <a:p>
+            <a:pPr marL="0" lvl="0" indent="0" algn="l" rtl="0">
+              <a:spcBef>
+                <a:spcPts val="0"/>
+              </a:spcBef>
+              <a:spcAft>
+                <a:spcPts val="0"/>
+              </a:spcAft>
+              <a:buNone/>
+            </a:pPr>
+            <a:r>
+              <a:rPr lang="es"/>
+              <a:t>Dispositivos</a:t>
+            </a:r>
+            <a:endParaRPr/>
+          </a:p>
+        </p:txBody>
+      </p:sp>
+      <p:sp>
+        <p:nvSpPr>
+          <p:cNvPr id="85" name="Google Shape;85;p15"/>
+          <p:cNvSpPr txBox="1">
+            <a:spLocks noGrp="1"/>
+          </p:cNvSpPr>
+          <p:nvPr>
+            <p:ph type="subTitle" idx="1"/>
+          </p:nvPr>
+        </p:nvSpPr>
+        <p:spPr>
+          <a:xfrm>
+            <a:off x="2381250" y="698750"/>
+            <a:ext cx="5116200" cy="1525500"/>
+          </a:xfrm>
+          <a:prstGeom prst="rect">
+            <a:avLst/>
+          </a:prstGeom>
+        </p:spPr>
+        <p:txBody>
+          <a:bodyPr spcFirstLastPara="1" wrap="square" lIns="91425" tIns="91425" rIns="91425" bIns="91425" anchor="t" anchorCtr="0">
+            <a:noAutofit/>
+          </a:bodyPr>
+          <a:lstStyle/>
+          <a:p>
+            <a:pPr marL="0" lvl="0" indent="0" algn="l" rtl="0">
+              <a:spcBef>
+                <a:spcPts val="0"/>
+              </a:spcBef>
+              <a:spcAft>
+                <a:spcPts val="0"/>
+              </a:spcAft>
+              <a:buClr>
+                <a:schemeClr val="dk1"/>
+              </a:buClr>
+              <a:buSzPts val="1100"/>
+              <a:buFont typeface="Arial"/>
+              <a:buNone/>
+            </a:pPr>
+            <a:r>
+              <a:rPr lang="es"/>
+              <a:t>Se requieren de sensores instalados en los edificios altos, alcantarillas, avionetas,  ríos, tierra de cultivo y cualquier punto clave en la ciudad/campo para una medición adecuada. Para medir la contaminación en ámbitos distintos ambientales de la ciudad se requieren sensores de detección de:</a:t>
+            </a:r>
+            <a:endParaRPr/>
+          </a:p>
+          <a:p>
+            <a:pPr marL="0" lvl="0" indent="0" algn="l" rtl="0">
+              <a:spcBef>
+                <a:spcPts val="0"/>
+              </a:spcBef>
+              <a:spcAft>
+                <a:spcPts val="0"/>
+              </a:spcAft>
+              <a:buClr>
+                <a:schemeClr val="dk1"/>
+              </a:buClr>
+              <a:buSzPts val="1100"/>
+              <a:buFont typeface="Arial"/>
+              <a:buNone/>
+            </a:pPr>
+            <a:endParaRPr/>
+          </a:p>
+          <a:p>
+            <a:pPr marL="457200" lvl="0" indent="-304800" algn="l" rtl="0">
+              <a:spcBef>
+                <a:spcPts val="0"/>
+              </a:spcBef>
+              <a:spcAft>
+                <a:spcPts val="0"/>
+              </a:spcAft>
+              <a:buSzPts val="1200"/>
+              <a:buChar char="●"/>
+            </a:pPr>
+            <a:r>
+              <a:rPr lang="es"/>
+              <a:t>CO2, N2O, CH4, entre otros gases de efecto invernadero, para la contaminación atmosférica del aire.</a:t>
+            </a:r>
+            <a:endParaRPr/>
+          </a:p>
+          <a:p>
+            <a:pPr marL="457200" lvl="0" indent="-304800" algn="l" rtl="0">
+              <a:spcBef>
+                <a:spcPts val="0"/>
+              </a:spcBef>
+              <a:spcAft>
+                <a:spcPts val="0"/>
+              </a:spcAft>
+              <a:buSzPts val="1200"/>
+              <a:buChar char="●"/>
+            </a:pPr>
+            <a:r>
+              <a:rPr lang="es"/>
+              <a:t>Materia orgánica descompuesta (basura), microorganismos dañinos o ácidos fuertes para el agua.</a:t>
+            </a:r>
+            <a:endParaRPr/>
+          </a:p>
+          <a:p>
+            <a:pPr marL="457200" lvl="0" indent="-304800" algn="l" rtl="0">
+              <a:spcBef>
+                <a:spcPts val="0"/>
+              </a:spcBef>
+              <a:spcAft>
+                <a:spcPts val="0"/>
+              </a:spcAft>
+              <a:buSzPts val="1200"/>
+              <a:buChar char="●"/>
+            </a:pPr>
+            <a:r>
+              <a:rPr lang="es"/>
+              <a:t>N2, K, P2O5, y orgánicos tóxicos en la tierra de cultivo. </a:t>
+            </a:r>
+            <a:endParaRPr/>
+          </a:p>
+          <a:p>
+            <a:pPr marL="0" lvl="0" indent="0" algn="l" rtl="0">
+              <a:spcBef>
+                <a:spcPts val="0"/>
+              </a:spcBef>
+              <a:spcAft>
+                <a:spcPts val="0"/>
+              </a:spcAft>
+              <a:buClr>
+                <a:schemeClr val="dk1"/>
+              </a:buClr>
+              <a:buSzPts val="1100"/>
+              <a:buFont typeface="Arial"/>
+              <a:buNone/>
+            </a:pPr>
+            <a:endParaRPr/>
+          </a:p>
+          <a:p>
+            <a:pPr marL="0" lvl="0" indent="0" algn="l" rtl="0">
+              <a:spcBef>
+                <a:spcPts val="0"/>
+              </a:spcBef>
+              <a:spcAft>
+                <a:spcPts val="0"/>
+              </a:spcAft>
+              <a:buNone/>
+            </a:pPr>
+            <a:endParaRPr/>
+          </a:p>
+        </p:txBody>
+      </p:sp>
+    </p:spTree>
+  </p:cSld>
+  <p:clrMapOvr>
+    <a:masterClrMapping/>
+  </p:clrMapOvr>
+</p:sld>
+</file>
+
 <file path=ppt/theme/theme1.xml><?xml version="1.0" encoding="utf-8"?>
 <a:theme xmlns:a="http://schemas.openxmlformats.org/drawingml/2006/main" name="Meeting Template">
   <a:themeElements>

--- a/Proyecto Final Progra.pptx
+++ b/Proyecto Final Progra.pptx
@@ -5,46 +5,47 @@
     <p:sldMasterId id="2147483662" r:id="rId1"/>
   </p:sldMasterIdLst>
   <p:notesMasterIdLst>
-    <p:notesMasterId r:id="rId7"/>
+    <p:notesMasterId r:id="rId8"/>
   </p:notesMasterIdLst>
   <p:sldIdLst>
     <p:sldId id="256" r:id="rId2"/>
     <p:sldId id="257" r:id="rId3"/>
     <p:sldId id="258" r:id="rId4"/>
-    <p:sldId id="260" r:id="rId5"/>
-    <p:sldId id="262" r:id="rId6"/>
+    <p:sldId id="262" r:id="rId5"/>
+    <p:sldId id="260" r:id="rId6"/>
+    <p:sldId id="263" r:id="rId7"/>
   </p:sldIdLst>
   <p:sldSz cx="9144000" cy="5143500" type="screen16x9"/>
   <p:notesSz cx="6858000" cy="9144000"/>
   <p:embeddedFontLst>
     <p:embeddedFont>
-      <p:font typeface="Fira Sans Extra Condensed Medium" panose="020B0603050000020004" pitchFamily="34" charset="0"/>
-      <p:regular r:id="rId8"/>
-      <p:bold r:id="rId9"/>
-      <p:italic r:id="rId10"/>
-      <p:boldItalic r:id="rId11"/>
+      <p:font typeface="Fira Sans Extra Condensed Medium" panose="020B0604020202020204" charset="0"/>
+      <p:regular r:id="rId9"/>
+      <p:bold r:id="rId10"/>
+      <p:italic r:id="rId11"/>
+      <p:boldItalic r:id="rId12"/>
     </p:embeddedFont>
     <p:embeddedFont>
-      <p:font typeface="Lato" panose="020F0502020204030204" pitchFamily="34" charset="0"/>
-      <p:regular r:id="rId12"/>
-      <p:bold r:id="rId13"/>
-      <p:italic r:id="rId14"/>
-      <p:boldItalic r:id="rId15"/>
+      <p:font typeface="Lato" panose="020F0502020204030203" pitchFamily="34" charset="0"/>
+      <p:regular r:id="rId13"/>
+      <p:bold r:id="rId14"/>
+      <p:italic r:id="rId15"/>
+      <p:boldItalic r:id="rId16"/>
     </p:embeddedFont>
     <p:embeddedFont>
-      <p:font typeface="Lato Light" panose="020F0302020204030203" pitchFamily="34" charset="77"/>
-      <p:regular r:id="rId16"/>
-      <p:bold r:id="rId17"/>
-      <p:italic r:id="rId18"/>
-      <p:boldItalic r:id="rId19"/>
+      <p:font typeface="Lato Light" panose="020B0604020202020204" charset="0"/>
+      <p:regular r:id="rId17"/>
+      <p:bold r:id="rId18"/>
+      <p:italic r:id="rId19"/>
+      <p:boldItalic r:id="rId20"/>
     </p:embeddedFont>
     <p:embeddedFont>
-      <p:font typeface="Squada One" panose="02000000000000000000" pitchFamily="2" charset="0"/>
-      <p:regular r:id="rId20"/>
+      <p:font typeface="Squada One" panose="020B0604020202020204" charset="0"/>
+      <p:regular r:id="rId21"/>
     </p:embeddedFont>
     <p:embeddedFont>
-      <p:font typeface="Unica One" panose="02000506000000020004" pitchFamily="2" charset="77"/>
-      <p:regular r:id="rId21"/>
+      <p:font typeface="Unica One" panose="020B0604020202020204" charset="0"/>
+      <p:regular r:id="rId22"/>
     </p:embeddedFont>
   </p:embeddedFontLst>
   <p:defaultTextStyle>
@@ -1042,6 +1043,110 @@
   <p:cSld>
     <p:spTree>
       <p:nvGrpSpPr>
+        <p:cNvPr id="1" name="Shape 75"/>
+        <p:cNvGrpSpPr/>
+        <p:nvPr/>
+      </p:nvGrpSpPr>
+      <p:grpSpPr>
+        <a:xfrm>
+          <a:off x="0" y="0"/>
+          <a:ext cx="0" cy="0"/>
+          <a:chOff x="0" y="0"/>
+          <a:chExt cx="0" cy="0"/>
+        </a:xfrm>
+      </p:grpSpPr>
+      <p:sp>
+        <p:nvSpPr>
+          <p:cNvPr id="76" name="Google Shape;76;g5c855921c3_1_430:notes"/>
+          <p:cNvSpPr>
+            <a:spLocks noGrp="1" noRot="1" noChangeAspect="1"/>
+          </p:cNvSpPr>
+          <p:nvPr>
+            <p:ph type="sldImg" idx="2"/>
+          </p:nvPr>
+        </p:nvSpPr>
+        <p:spPr>
+          <a:xfrm>
+            <a:off x="381000" y="685800"/>
+            <a:ext cx="6096000" cy="3429000"/>
+          </a:xfrm>
+          <a:custGeom>
+            <a:avLst/>
+            <a:gdLst/>
+            <a:ahLst/>
+            <a:cxnLst/>
+            <a:rect l="l" t="t" r="r" b="b"/>
+            <a:pathLst>
+              <a:path w="120000" h="120000" extrusionOk="0">
+                <a:moveTo>
+                  <a:pt x="0" y="0"/>
+                </a:moveTo>
+                <a:lnTo>
+                  <a:pt x="120000" y="0"/>
+                </a:lnTo>
+                <a:lnTo>
+                  <a:pt x="120000" y="120000"/>
+                </a:lnTo>
+                <a:lnTo>
+                  <a:pt x="0" y="120000"/>
+                </a:lnTo>
+                <a:close/>
+              </a:path>
+            </a:pathLst>
+          </a:custGeom>
+        </p:spPr>
+      </p:sp>
+      <p:sp>
+        <p:nvSpPr>
+          <p:cNvPr id="77" name="Google Shape;77;g5c855921c3_1_430:notes"/>
+          <p:cNvSpPr txBox="1">
+            <a:spLocks noGrp="1"/>
+          </p:cNvSpPr>
+          <p:nvPr>
+            <p:ph type="body" idx="1"/>
+          </p:nvPr>
+        </p:nvSpPr>
+        <p:spPr>
+          <a:xfrm>
+            <a:off x="685800" y="4343400"/>
+            <a:ext cx="5486400" cy="4114800"/>
+          </a:xfrm>
+          <a:prstGeom prst="rect">
+            <a:avLst/>
+          </a:prstGeom>
+        </p:spPr>
+        <p:txBody>
+          <a:bodyPr spcFirstLastPara="1" wrap="square" lIns="91425" tIns="91425" rIns="91425" bIns="91425" anchor="t" anchorCtr="0">
+            <a:noAutofit/>
+          </a:bodyPr>
+          <a:lstStyle/>
+          <a:p>
+            <a:pPr marL="0" lvl="0" indent="0" algn="l" rtl="0">
+              <a:spcBef>
+                <a:spcPts val="0"/>
+              </a:spcBef>
+              <a:spcAft>
+                <a:spcPts val="0"/>
+              </a:spcAft>
+              <a:buNone/>
+            </a:pPr>
+            <a:endParaRPr/>
+          </a:p>
+        </p:txBody>
+      </p:sp>
+    </p:spTree>
+  </p:cSld>
+  <p:clrMapOvr>
+    <a:masterClrMapping/>
+  </p:clrMapOvr>
+</p:notes>
+</file>
+
+<file path=ppt/notesSlides/notesSlide5.xml><?xml version="1.0" encoding="utf-8"?>
+<p:notes xmlns:a="http://schemas.openxmlformats.org/drawingml/2006/main" xmlns:r="http://schemas.openxmlformats.org/officeDocument/2006/relationships" xmlns:p="http://schemas.openxmlformats.org/presentationml/2006/main" showMasterSp="0" showMasterPhAnim="0">
+  <p:cSld>
+    <p:spTree>
+      <p:nvGrpSpPr>
         <p:cNvPr id="1" name="Shape 182"/>
         <p:cNvGrpSpPr/>
         <p:nvPr/>
@@ -1141,12 +1246,12 @@
 </p:notes>
 </file>
 
-<file path=ppt/notesSlides/notesSlide5.xml><?xml version="1.0" encoding="utf-8"?>
+<file path=ppt/notesSlides/notesSlide6.xml><?xml version="1.0" encoding="utf-8"?>
 <p:notes xmlns:a="http://schemas.openxmlformats.org/drawingml/2006/main" xmlns:r="http://schemas.openxmlformats.org/officeDocument/2006/relationships" xmlns:p="http://schemas.openxmlformats.org/presentationml/2006/main" showMasterSp="0" showMasterPhAnim="0">
   <p:cSld>
     <p:spTree>
       <p:nvGrpSpPr>
-        <p:cNvPr id="1" name="Shape 75"/>
+        <p:cNvPr id="1" name="Shape 192"/>
         <p:cNvGrpSpPr/>
         <p:nvPr/>
       </p:nvGrpSpPr>
@@ -1160,7 +1265,7 @@
       </p:grpSpPr>
       <p:sp>
         <p:nvSpPr>
-          <p:cNvPr id="76" name="Google Shape;76;g5c855921c3_1_430:notes"/>
+          <p:cNvPr id="193" name="Google Shape;193;g5c3a6013ac_3_61:notes"/>
           <p:cNvSpPr>
             <a:spLocks noGrp="1" noRot="1" noChangeAspect="1"/>
           </p:cNvSpPr>
@@ -1201,7 +1306,7 @@
       </p:sp>
       <p:sp>
         <p:nvSpPr>
-          <p:cNvPr id="77" name="Google Shape;77;g5c855921c3_1_430:notes"/>
+          <p:cNvPr id="194" name="Google Shape;194;g5c3a6013ac_3_61:notes"/>
           <p:cNvSpPr txBox="1">
             <a:spLocks noGrp="1"/>
           </p:cNvSpPr>
@@ -14899,6 +15004,402 @@
   <p:cSld>
     <p:spTree>
       <p:nvGrpSpPr>
+        <p:cNvPr id="1" name="Shape 78"/>
+        <p:cNvGrpSpPr/>
+        <p:nvPr/>
+      </p:nvGrpSpPr>
+      <p:grpSpPr>
+        <a:xfrm>
+          <a:off x="0" y="0"/>
+          <a:ext cx="0" cy="0"/>
+          <a:chOff x="0" y="0"/>
+          <a:chExt cx="0" cy="0"/>
+        </a:xfrm>
+      </p:grpSpPr>
+      <p:cxnSp>
+        <p:nvCxnSpPr>
+          <p:cNvPr id="79" name="Google Shape;79;p15"/>
+          <p:cNvCxnSpPr/>
+          <p:nvPr/>
+        </p:nvCxnSpPr>
+        <p:spPr>
+          <a:xfrm>
+            <a:off x="2609850" y="3905250"/>
+            <a:ext cx="4695900" cy="0"/>
+          </a:xfrm>
+          <a:prstGeom prst="straightConnector1">
+            <a:avLst/>
+          </a:prstGeom>
+          <a:noFill/>
+          <a:ln w="9525" cap="flat" cmpd="sng">
+            <a:solidFill>
+              <a:schemeClr val="lt1"/>
+            </a:solidFill>
+            <a:prstDash val="solid"/>
+            <a:round/>
+            <a:headEnd type="none" w="med" len="med"/>
+            <a:tailEnd type="none" w="med" len="med"/>
+          </a:ln>
+        </p:spPr>
+      </p:cxnSp>
+      <p:sp>
+        <p:nvSpPr>
+          <p:cNvPr id="80" name="Google Shape;80;p15"/>
+          <p:cNvSpPr txBox="1">
+            <a:spLocks noGrp="1"/>
+          </p:cNvSpPr>
+          <p:nvPr>
+            <p:ph type="ctrTitle"/>
+          </p:nvPr>
+        </p:nvSpPr>
+        <p:spPr>
+          <a:xfrm>
+            <a:off x="2152650" y="384025"/>
+            <a:ext cx="2806800" cy="477000"/>
+          </a:xfrm>
+          <a:prstGeom prst="rect">
+            <a:avLst/>
+          </a:prstGeom>
+        </p:spPr>
+        <p:txBody>
+          <a:bodyPr spcFirstLastPara="1" wrap="square" lIns="91425" tIns="91425" rIns="91425" bIns="91425" anchor="ctr" anchorCtr="0">
+            <a:noAutofit/>
+          </a:bodyPr>
+          <a:lstStyle/>
+          <a:p>
+            <a:pPr marL="0" lvl="0" indent="0" algn="l" rtl="0">
+              <a:spcBef>
+                <a:spcPts val="0"/>
+              </a:spcBef>
+              <a:spcAft>
+                <a:spcPts val="0"/>
+              </a:spcAft>
+              <a:buNone/>
+            </a:pPr>
+            <a:r>
+              <a:rPr lang="es"/>
+              <a:t>Sensores</a:t>
+            </a:r>
+            <a:endParaRPr/>
+          </a:p>
+        </p:txBody>
+      </p:sp>
+      <p:sp>
+        <p:nvSpPr>
+          <p:cNvPr id="81" name="Google Shape;81;p15"/>
+          <p:cNvSpPr txBox="1">
+            <a:spLocks noGrp="1"/>
+          </p:cNvSpPr>
+          <p:nvPr>
+            <p:ph type="subTitle" idx="1"/>
+          </p:nvPr>
+        </p:nvSpPr>
+        <p:spPr>
+          <a:xfrm>
+            <a:off x="2453225" y="2958250"/>
+            <a:ext cx="4416000" cy="1166100"/>
+          </a:xfrm>
+          <a:prstGeom prst="rect">
+            <a:avLst/>
+          </a:prstGeom>
+        </p:spPr>
+        <p:txBody>
+          <a:bodyPr spcFirstLastPara="1" wrap="square" lIns="91425" tIns="91425" rIns="91425" bIns="91425" anchor="t" anchorCtr="0">
+            <a:noAutofit/>
+          </a:bodyPr>
+          <a:lstStyle/>
+          <a:p>
+            <a:pPr marL="0" lvl="0" indent="0" algn="l" rtl="0">
+              <a:spcBef>
+                <a:spcPts val="0"/>
+              </a:spcBef>
+              <a:spcAft>
+                <a:spcPts val="0"/>
+              </a:spcAft>
+              <a:buClr>
+                <a:schemeClr val="dk1"/>
+              </a:buClr>
+              <a:buSzPts val="1100"/>
+              <a:buFont typeface="Arial"/>
+              <a:buNone/>
+            </a:pPr>
+            <a:r>
+              <a:rPr lang="es"/>
+              <a:t>Se requiere instalar software que conecte los datos de los sensores a una interfaz amigable al usuario. Puede ser desde una app celular o un indicador en la pantalla de un automóvil, o una notificación de correo. </a:t>
+            </a:r>
+            <a:endParaRPr/>
+          </a:p>
+        </p:txBody>
+      </p:sp>
+      <p:pic>
+        <p:nvPicPr>
+          <p:cNvPr id="82" name="Google Shape;82;p15"/>
+          <p:cNvPicPr preferRelativeResize="0"/>
+          <p:nvPr/>
+        </p:nvPicPr>
+        <p:blipFill>
+          <a:blip r:embed="rId3">
+            <a:alphaModFix/>
+          </a:blip>
+          <a:stretch>
+            <a:fillRect/>
+          </a:stretch>
+        </p:blipFill>
+        <p:spPr>
+          <a:xfrm>
+            <a:off x="6632838" y="1857375"/>
+            <a:ext cx="3720837" cy="3879550"/>
+          </a:xfrm>
+          <a:prstGeom prst="rect">
+            <a:avLst/>
+          </a:prstGeom>
+          <a:noFill/>
+          <a:ln>
+            <a:noFill/>
+          </a:ln>
+        </p:spPr>
+      </p:pic>
+      <p:sp>
+        <p:nvSpPr>
+          <p:cNvPr id="83" name="Google Shape;83;p15"/>
+          <p:cNvSpPr txBox="1">
+            <a:spLocks noGrp="1"/>
+          </p:cNvSpPr>
+          <p:nvPr>
+            <p:ph type="ctrTitle"/>
+          </p:nvPr>
+        </p:nvSpPr>
+        <p:spPr>
+          <a:xfrm>
+            <a:off x="-65400" y="370850"/>
+            <a:ext cx="2013600" cy="946200"/>
+          </a:xfrm>
+          <a:prstGeom prst="rect">
+            <a:avLst/>
+          </a:prstGeom>
+        </p:spPr>
+        <p:txBody>
+          <a:bodyPr spcFirstLastPara="1" wrap="square" lIns="91425" tIns="91425" rIns="91425" bIns="91425" anchor="ctr" anchorCtr="0">
+            <a:noAutofit/>
+          </a:bodyPr>
+          <a:lstStyle/>
+          <a:p>
+            <a:pPr marL="0" lvl="0" indent="0" algn="l" rtl="0">
+              <a:spcBef>
+                <a:spcPts val="0"/>
+              </a:spcBef>
+              <a:spcAft>
+                <a:spcPts val="0"/>
+              </a:spcAft>
+              <a:buNone/>
+            </a:pPr>
+            <a:r>
+              <a:rPr lang="es" sz="1700"/>
+              <a:t>¿Cómo lo harías?</a:t>
+            </a:r>
+            <a:endParaRPr sz="1700"/>
+          </a:p>
+        </p:txBody>
+      </p:sp>
+      <p:sp>
+        <p:nvSpPr>
+          <p:cNvPr id="84" name="Google Shape;84;p15"/>
+          <p:cNvSpPr txBox="1">
+            <a:spLocks noGrp="1"/>
+          </p:cNvSpPr>
+          <p:nvPr>
+            <p:ph type="ctrTitle"/>
+          </p:nvPr>
+        </p:nvSpPr>
+        <p:spPr>
+          <a:xfrm>
+            <a:off x="2228850" y="2678025"/>
+            <a:ext cx="2806800" cy="477000"/>
+          </a:xfrm>
+          <a:prstGeom prst="rect">
+            <a:avLst/>
+          </a:prstGeom>
+        </p:spPr>
+        <p:txBody>
+          <a:bodyPr spcFirstLastPara="1" wrap="square" lIns="91425" tIns="91425" rIns="91425" bIns="91425" anchor="ctr" anchorCtr="0">
+            <a:noAutofit/>
+          </a:bodyPr>
+          <a:lstStyle/>
+          <a:p>
+            <a:pPr marL="0" lvl="0" indent="0" algn="l" rtl="0">
+              <a:spcBef>
+                <a:spcPts val="0"/>
+              </a:spcBef>
+              <a:spcAft>
+                <a:spcPts val="0"/>
+              </a:spcAft>
+              <a:buNone/>
+            </a:pPr>
+            <a:r>
+              <a:rPr lang="es"/>
+              <a:t>Dispositivos</a:t>
+            </a:r>
+            <a:endParaRPr/>
+          </a:p>
+        </p:txBody>
+      </p:sp>
+      <p:sp>
+        <p:nvSpPr>
+          <p:cNvPr id="85" name="Google Shape;85;p15"/>
+          <p:cNvSpPr txBox="1">
+            <a:spLocks noGrp="1"/>
+          </p:cNvSpPr>
+          <p:nvPr>
+            <p:ph type="subTitle" idx="1"/>
+          </p:nvPr>
+        </p:nvSpPr>
+        <p:spPr>
+          <a:xfrm>
+            <a:off x="2381250" y="698750"/>
+            <a:ext cx="5116200" cy="1525500"/>
+          </a:xfrm>
+          <a:prstGeom prst="rect">
+            <a:avLst/>
+          </a:prstGeom>
+        </p:spPr>
+        <p:txBody>
+          <a:bodyPr spcFirstLastPara="1" wrap="square" lIns="91425" tIns="91425" rIns="91425" bIns="91425" anchor="t" anchorCtr="0">
+            <a:noAutofit/>
+          </a:bodyPr>
+          <a:lstStyle/>
+          <a:p>
+            <a:pPr marL="0" lvl="0" indent="0" algn="l" rtl="0">
+              <a:spcBef>
+                <a:spcPts val="0"/>
+              </a:spcBef>
+              <a:spcAft>
+                <a:spcPts val="0"/>
+              </a:spcAft>
+              <a:buClr>
+                <a:schemeClr val="dk1"/>
+              </a:buClr>
+              <a:buSzPts val="1100"/>
+              <a:buFont typeface="Arial"/>
+              <a:buNone/>
+            </a:pPr>
+            <a:r>
+              <a:rPr lang="es"/>
+              <a:t>Se requieren de sensores instalados en los edificios altos, alcantarillas, avionetas,  ríos, tierra de cultivo y cualquier punto clave en la ciudad/campo para una medición adecuada. Para medir la contaminación en ámbitos distintos ambientales de la ciudad se requieren sensores de detección de:</a:t>
+            </a:r>
+            <a:endParaRPr/>
+          </a:p>
+          <a:p>
+            <a:pPr marL="0" lvl="0" indent="0" algn="l" rtl="0">
+              <a:spcBef>
+                <a:spcPts val="0"/>
+              </a:spcBef>
+              <a:spcAft>
+                <a:spcPts val="0"/>
+              </a:spcAft>
+              <a:buClr>
+                <a:schemeClr val="dk1"/>
+              </a:buClr>
+              <a:buSzPts val="1100"/>
+              <a:buFont typeface="Arial"/>
+              <a:buNone/>
+            </a:pPr>
+            <a:endParaRPr/>
+          </a:p>
+          <a:p>
+            <a:pPr marL="457200" lvl="0" indent="-304800" algn="l" rtl="0">
+              <a:spcBef>
+                <a:spcPts val="0"/>
+              </a:spcBef>
+              <a:spcAft>
+                <a:spcPts val="0"/>
+              </a:spcAft>
+              <a:buSzPts val="1200"/>
+              <a:buChar char="●"/>
+            </a:pPr>
+            <a:r>
+              <a:rPr lang="es"/>
+              <a:t>CO2, N2O, CH4, entre otros gases de efecto invernadero, para la contaminación atmosférica del aire.</a:t>
+            </a:r>
+            <a:endParaRPr/>
+          </a:p>
+          <a:p>
+            <a:pPr marL="457200" lvl="0" indent="-304800" algn="l" rtl="0">
+              <a:spcBef>
+                <a:spcPts val="0"/>
+              </a:spcBef>
+              <a:spcAft>
+                <a:spcPts val="0"/>
+              </a:spcAft>
+              <a:buSzPts val="1200"/>
+              <a:buChar char="●"/>
+            </a:pPr>
+            <a:r>
+              <a:rPr lang="es"/>
+              <a:t>Materia orgánica descompuesta (basura), microorganismos dañinos o ácidos fuertes para el agua.</a:t>
+            </a:r>
+            <a:endParaRPr/>
+          </a:p>
+          <a:p>
+            <a:pPr marL="457200" lvl="0" indent="-304800" algn="l" rtl="0">
+              <a:spcBef>
+                <a:spcPts val="0"/>
+              </a:spcBef>
+              <a:spcAft>
+                <a:spcPts val="0"/>
+              </a:spcAft>
+              <a:buSzPts val="1200"/>
+              <a:buChar char="●"/>
+            </a:pPr>
+            <a:r>
+              <a:rPr lang="es"/>
+              <a:t>N2, K, P2O5, y orgánicos tóxicos en la tierra de cultivo. </a:t>
+            </a:r>
+            <a:endParaRPr/>
+          </a:p>
+          <a:p>
+            <a:pPr marL="0" lvl="0" indent="0" algn="l" rtl="0">
+              <a:spcBef>
+                <a:spcPts val="0"/>
+              </a:spcBef>
+              <a:spcAft>
+                <a:spcPts val="0"/>
+              </a:spcAft>
+              <a:buClr>
+                <a:schemeClr val="dk1"/>
+              </a:buClr>
+              <a:buSzPts val="1100"/>
+              <a:buFont typeface="Arial"/>
+              <a:buNone/>
+            </a:pPr>
+            <a:endParaRPr/>
+          </a:p>
+          <a:p>
+            <a:pPr marL="0" lvl="0" indent="0" algn="l" rtl="0">
+              <a:spcBef>
+                <a:spcPts val="0"/>
+              </a:spcBef>
+              <a:spcAft>
+                <a:spcPts val="0"/>
+              </a:spcAft>
+              <a:buNone/>
+            </a:pPr>
+            <a:endParaRPr/>
+          </a:p>
+        </p:txBody>
+      </p:sp>
+    </p:spTree>
+  </p:cSld>
+  <p:clrMapOvr>
+    <a:masterClrMapping/>
+  </p:clrMapOvr>
+</p:sld>
+</file>
+
+<file path=ppt/slides/slide5.xml><?xml version="1.0" encoding="utf-8"?>
+<p:sld xmlns:a="http://schemas.openxmlformats.org/drawingml/2006/main" xmlns:r="http://schemas.openxmlformats.org/officeDocument/2006/relationships" xmlns:p="http://schemas.openxmlformats.org/presentationml/2006/main">
+  <p:cSld>
+    <p:spTree>
+      <p:nvGrpSpPr>
         <p:cNvPr id="1" name="Shape 185"/>
         <p:cNvGrpSpPr/>
         <p:nvPr/>
@@ -15506,12 +16007,12 @@
 </p:sld>
 </file>
 
-<file path=ppt/slides/slide5.xml><?xml version="1.0" encoding="utf-8"?>
+<file path=ppt/slides/slide6.xml><?xml version="1.0" encoding="utf-8"?>
 <p:sld xmlns:a="http://schemas.openxmlformats.org/drawingml/2006/main" xmlns:r="http://schemas.openxmlformats.org/officeDocument/2006/relationships" xmlns:p="http://schemas.openxmlformats.org/presentationml/2006/main">
   <p:cSld>
     <p:spTree>
       <p:nvGrpSpPr>
-        <p:cNvPr id="1" name="Shape 78"/>
+        <p:cNvPr id="1" name="Shape 195"/>
         <p:cNvGrpSpPr/>
         <p:nvPr/>
       </p:nvGrpSpPr>
@@ -15525,14 +16026,118 @@
       </p:grpSpPr>
       <p:cxnSp>
         <p:nvCxnSpPr>
-          <p:cNvPr id="79" name="Google Shape;79;p15"/>
+          <p:cNvPr id="196" name="Google Shape;196;p20"/>
           <p:cNvCxnSpPr/>
           <p:nvPr/>
         </p:nvCxnSpPr>
         <p:spPr>
-          <a:xfrm>
-            <a:off x="2609850" y="3905250"/>
-            <a:ext cx="4695900" cy="0"/>
+          <a:xfrm rot="10800000">
+            <a:off x="5280938" y="4086330"/>
+            <a:ext cx="1613100" cy="0"/>
+          </a:xfrm>
+          <a:prstGeom prst="straightConnector1">
+            <a:avLst/>
+          </a:prstGeom>
+          <a:noFill/>
+          <a:ln w="9525" cap="flat" cmpd="sng">
+            <a:solidFill>
+              <a:schemeClr val="lt1"/>
+            </a:solidFill>
+            <a:prstDash val="solid"/>
+            <a:round/>
+            <a:headEnd type="none" w="med" len="med"/>
+            <a:tailEnd type="none" w="med" len="med"/>
+          </a:ln>
+        </p:spPr>
+      </p:cxnSp>
+      <p:cxnSp>
+        <p:nvCxnSpPr>
+          <p:cNvPr id="197" name="Google Shape;197;p20"/>
+          <p:cNvCxnSpPr/>
+          <p:nvPr/>
+        </p:nvCxnSpPr>
+        <p:spPr>
+          <a:xfrm rot="10800000">
+            <a:off x="2451987" y="1934126"/>
+            <a:ext cx="1613100" cy="0"/>
+          </a:xfrm>
+          <a:prstGeom prst="straightConnector1">
+            <a:avLst/>
+          </a:prstGeom>
+          <a:noFill/>
+          <a:ln w="9525" cap="flat" cmpd="sng">
+            <a:solidFill>
+              <a:schemeClr val="lt1"/>
+            </a:solidFill>
+            <a:prstDash val="solid"/>
+            <a:round/>
+            <a:headEnd type="none" w="med" len="med"/>
+            <a:tailEnd type="none" w="med" len="med"/>
+          </a:ln>
+        </p:spPr>
+      </p:cxnSp>
+      <p:cxnSp>
+        <p:nvCxnSpPr>
+          <p:cNvPr id="198" name="Google Shape;198;p20"/>
+          <p:cNvCxnSpPr/>
+          <p:nvPr/>
+        </p:nvCxnSpPr>
+        <p:spPr>
+          <a:xfrm rot="10800000">
+            <a:off x="5183713" y="2639859"/>
+            <a:ext cx="1613100" cy="0"/>
+          </a:xfrm>
+          <a:prstGeom prst="straightConnector1">
+            <a:avLst/>
+          </a:prstGeom>
+          <a:noFill/>
+          <a:ln w="9525" cap="flat" cmpd="sng">
+            <a:solidFill>
+              <a:schemeClr val="lt1"/>
+            </a:solidFill>
+            <a:prstDash val="solid"/>
+            <a:round/>
+            <a:headEnd type="none" w="med" len="med"/>
+            <a:tailEnd type="none" w="med" len="med"/>
+          </a:ln>
+        </p:spPr>
+      </p:cxnSp>
+      <p:cxnSp>
+        <p:nvCxnSpPr>
+          <p:cNvPr id="199" name="Google Shape;199;p20"/>
+          <p:cNvCxnSpPr/>
+          <p:nvPr/>
+        </p:nvCxnSpPr>
+        <p:spPr>
+          <a:xfrm rot="10800000">
+            <a:off x="2451987" y="3325177"/>
+            <a:ext cx="1613100" cy="0"/>
+          </a:xfrm>
+          <a:prstGeom prst="straightConnector1">
+            <a:avLst/>
+          </a:prstGeom>
+          <a:noFill/>
+          <a:ln w="9525" cap="flat" cmpd="sng">
+            <a:solidFill>
+              <a:schemeClr val="lt1"/>
+            </a:solidFill>
+            <a:prstDash val="solid"/>
+            <a:round/>
+            <a:headEnd type="none" w="med" len="med"/>
+            <a:tailEnd type="none" w="med" len="med"/>
+          </a:ln>
+        </p:spPr>
+      </p:cxnSp>
+      <p:cxnSp>
+        <p:nvCxnSpPr>
+          <p:cNvPr id="200" name="Google Shape;200;p20"/>
+          <p:cNvCxnSpPr/>
+          <p:nvPr/>
+        </p:nvCxnSpPr>
+        <p:spPr>
+          <a:xfrm rot="10800000">
+            <a:off x="5298488" y="1131863"/>
+            <a:ext cx="1613100" cy="0"/>
           </a:xfrm>
           <a:prstGeom prst="straightConnector1">
             <a:avLst/>
@@ -15551,60 +16156,177 @@
       </p:cxnSp>
       <p:sp>
         <p:nvSpPr>
-          <p:cNvPr id="80" name="Google Shape;80;p15"/>
+          <p:cNvPr id="201" name="Google Shape;201;p20"/>
           <p:cNvSpPr txBox="1">
             <a:spLocks noGrp="1"/>
           </p:cNvSpPr>
           <p:nvPr>
-            <p:ph type="ctrTitle"/>
+            <p:ph type="subTitle" idx="4294967295"/>
           </p:nvPr>
         </p:nvSpPr>
         <p:spPr>
           <a:xfrm>
-            <a:off x="2152650" y="384025"/>
-            <a:ext cx="2806800" cy="477000"/>
+            <a:off x="1270850" y="3325175"/>
+            <a:ext cx="2525700" cy="572400"/>
           </a:xfrm>
           <a:prstGeom prst="rect">
             <a:avLst/>
           </a:prstGeom>
         </p:spPr>
         <p:txBody>
-          <a:bodyPr spcFirstLastPara="1" wrap="square" lIns="91425" tIns="91425" rIns="91425" bIns="91425" anchor="ctr" anchorCtr="0">
+          <a:bodyPr spcFirstLastPara="1" wrap="square" lIns="91425" tIns="91425" rIns="91425" bIns="91425" anchor="t" anchorCtr="0">
             <a:noAutofit/>
           </a:bodyPr>
           <a:lstStyle/>
           <a:p>
-            <a:pPr marL="0" lvl="0" indent="0" algn="l" rtl="0">
-              <a:spcBef>
-                <a:spcPts val="0"/>
-              </a:spcBef>
-              <a:spcAft>
-                <a:spcPts val="0"/>
-              </a:spcAft>
+            <a:pPr marL="0" lvl="0" indent="0" algn="just" rtl="0">
+              <a:lnSpc>
+                <a:spcPct val="100000"/>
+              </a:lnSpc>
+              <a:spcBef>
+                <a:spcPts val="0"/>
+              </a:spcBef>
+              <a:spcAft>
+                <a:spcPts val="0"/>
+              </a:spcAft>
+              <a:buClr>
+                <a:schemeClr val="dk1"/>
+              </a:buClr>
+              <a:buSzPts val="1100"/>
+              <a:buFont typeface="Arial"/>
               <a:buNone/>
             </a:pPr>
             <a:r>
-              <a:rPr lang="es"/>
-              <a:t>Sensores</a:t>
+              <a:rPr lang="es" sz="1300">
+                <a:latin typeface="Lato"/>
+                <a:ea typeface="Lato"/>
+                <a:cs typeface="Lato"/>
+                <a:sym typeface="Lato"/>
+              </a:rPr>
+              <a:t>p</a:t>
             </a:r>
-            <a:endParaRPr/>
+            <a:r>
+              <a:rPr lang="es" sz="900">
+                <a:latin typeface="Lato"/>
+                <a:ea typeface="Lato"/>
+                <a:cs typeface="Lato"/>
+                <a:sym typeface="Lato"/>
+              </a:rPr>
+              <a:t>resenta la calidad del aire de manera visual, tiene datos de más de 10,000 ciudades.</a:t>
+            </a:r>
+            <a:endParaRPr sz="900">
+              <a:latin typeface="Lato"/>
+              <a:ea typeface="Lato"/>
+              <a:cs typeface="Lato"/>
+              <a:sym typeface="Lato"/>
+            </a:endParaRPr>
+          </a:p>
+          <a:p>
+            <a:pPr marL="0" lvl="0" indent="0" algn="just" rtl="0">
+              <a:lnSpc>
+                <a:spcPct val="100000"/>
+              </a:lnSpc>
+              <a:spcBef>
+                <a:spcPts val="0"/>
+              </a:spcBef>
+              <a:spcAft>
+                <a:spcPts val="0"/>
+              </a:spcAft>
+              <a:buClr>
+                <a:schemeClr val="dk1"/>
+              </a:buClr>
+              <a:buSzPts val="1100"/>
+              <a:buFont typeface="Arial"/>
+              <a:buNone/>
+            </a:pPr>
+            <a:endParaRPr sz="900"/>
           </a:p>
         </p:txBody>
       </p:sp>
       <p:sp>
         <p:nvSpPr>
-          <p:cNvPr id="81" name="Google Shape;81;p15"/>
+          <p:cNvPr id="202" name="Google Shape;202;p20"/>
           <p:cNvSpPr txBox="1">
             <a:spLocks noGrp="1"/>
           </p:cNvSpPr>
           <p:nvPr>
-            <p:ph type="subTitle" idx="1"/>
+            <p:ph type="subTitle" idx="4294967295"/>
           </p:nvPr>
         </p:nvSpPr>
         <p:spPr>
           <a:xfrm>
-            <a:off x="2453225" y="2958250"/>
-            <a:ext cx="4416000" cy="1166100"/>
+            <a:off x="4611450" y="2620550"/>
+            <a:ext cx="3642900" cy="397500"/>
+          </a:xfrm>
+          <a:prstGeom prst="rect">
+            <a:avLst/>
+          </a:prstGeom>
+        </p:spPr>
+        <p:txBody>
+          <a:bodyPr spcFirstLastPara="1" wrap="square" lIns="91425" tIns="91425" rIns="91425" bIns="91425" anchor="t" anchorCtr="0">
+            <a:noAutofit/>
+          </a:bodyPr>
+          <a:lstStyle/>
+          <a:p>
+            <a:pPr marL="914400" lvl="0" indent="0" algn="l" rtl="0">
+              <a:lnSpc>
+                <a:spcPct val="100000"/>
+              </a:lnSpc>
+              <a:spcBef>
+                <a:spcPts val="0"/>
+              </a:spcBef>
+              <a:spcAft>
+                <a:spcPts val="0"/>
+              </a:spcAft>
+              <a:buNone/>
+            </a:pPr>
+            <a:r>
+              <a:rPr lang="es" sz="900">
+                <a:latin typeface="Lato"/>
+                <a:ea typeface="Lato"/>
+                <a:cs typeface="Lato"/>
+                <a:sym typeface="Lato"/>
+              </a:rPr>
+              <a:t>Muestra la exposición en tiempo real de diferentes contaminante en diferentes lugares, ofreciendo la posibilidad de compartir datos por redes sociales, para notificar a las personas del estado ambiental </a:t>
+            </a:r>
+            <a:endParaRPr sz="900">
+              <a:latin typeface="Lato"/>
+              <a:ea typeface="Lato"/>
+              <a:cs typeface="Lato"/>
+              <a:sym typeface="Lato"/>
+            </a:endParaRPr>
+          </a:p>
+          <a:p>
+            <a:pPr marL="0" lvl="0" indent="0" algn="l" rtl="0">
+              <a:lnSpc>
+                <a:spcPct val="100000"/>
+              </a:lnSpc>
+              <a:spcBef>
+                <a:spcPts val="0"/>
+              </a:spcBef>
+              <a:spcAft>
+                <a:spcPts val="1600"/>
+              </a:spcAft>
+              <a:buNone/>
+            </a:pPr>
+            <a:endParaRPr sz="900"/>
+          </a:p>
+        </p:txBody>
+      </p:sp>
+      <p:sp>
+        <p:nvSpPr>
+          <p:cNvPr id="203" name="Google Shape;203;p20"/>
+          <p:cNvSpPr txBox="1">
+            <a:spLocks noGrp="1"/>
+          </p:cNvSpPr>
+          <p:nvPr>
+            <p:ph type="subTitle" idx="4294967295"/>
+          </p:nvPr>
+        </p:nvSpPr>
+        <p:spPr>
+          <a:xfrm>
+            <a:off x="5566496" y="1055650"/>
+            <a:ext cx="2729400" cy="572400"/>
           </a:xfrm>
           <a:prstGeom prst="rect">
             <a:avLst/>
@@ -15617,45 +16339,35 @@
           <a:lstStyle/>
           <a:p>
             <a:pPr marL="0" lvl="0" indent="0" algn="l" rtl="0">
-              <a:spcBef>
-                <a:spcPts val="0"/>
-              </a:spcBef>
-              <a:spcAft>
-                <a:spcPts val="0"/>
-              </a:spcAft>
-              <a:buClr>
-                <a:schemeClr val="dk1"/>
-              </a:buClr>
-              <a:buSzPts val="1100"/>
-              <a:buFont typeface="Arial"/>
+              <a:lnSpc>
+                <a:spcPct val="100000"/>
+              </a:lnSpc>
+              <a:spcBef>
+                <a:spcPts val="0"/>
+              </a:spcBef>
+              <a:spcAft>
+                <a:spcPts val="1600"/>
+              </a:spcAft>
               <a:buNone/>
             </a:pPr>
             <a:r>
-              <a:rPr lang="es"/>
-              <a:t>Se requiere instalar software que conecte los datos de los sensores a una interfaz amigable al usuario. Puede ser desde una app celular o un indicador en la pantalla de un automóvil, o una notificación de correo. </a:t>
+              <a:rPr lang="es" sz="1000"/>
+              <a:t>Por medio de sensores conectados a una red notifica a los dispositivos móviles que tengan la aplicación los lugares en donde se necesite atención del gobierno para que no haya zonas contaminadas  </a:t>
             </a:r>
-            <a:endParaRPr/>
+            <a:endParaRPr sz="1000"/>
           </a:p>
         </p:txBody>
       </p:sp>
-      <p:pic>
-        <p:nvPicPr>
-          <p:cNvPr id="82" name="Google Shape;82;p15"/>
-          <p:cNvPicPr preferRelativeResize="0"/>
+      <p:sp>
+        <p:nvSpPr>
+          <p:cNvPr id="204" name="Google Shape;204;p20"/>
+          <p:cNvSpPr txBox="1"/>
           <p:nvPr/>
-        </p:nvPicPr>
-        <p:blipFill>
-          <a:blip r:embed="rId3">
-            <a:alphaModFix/>
-          </a:blip>
-          <a:stretch>
-            <a:fillRect/>
-          </a:stretch>
-        </p:blipFill>
+        </p:nvSpPr>
         <p:spPr>
-          <a:xfrm>
-            <a:off x="6632838" y="1857375"/>
-            <a:ext cx="3720837" cy="3879550"/>
+          <a:xfrm flipH="1">
+            <a:off x="5856552" y="819436"/>
+            <a:ext cx="1002600" cy="264900"/>
           </a:xfrm>
           <a:prstGeom prst="rect">
             <a:avLst/>
@@ -15665,10 +16377,1087 @@
             <a:noFill/>
           </a:ln>
         </p:spPr>
-      </p:pic>
+        <p:txBody>
+          <a:bodyPr spcFirstLastPara="1" wrap="square" lIns="91425" tIns="91425" rIns="91425" bIns="91425" anchor="ctr" anchorCtr="0">
+            <a:noAutofit/>
+          </a:bodyPr>
+          <a:lstStyle/>
+          <a:p>
+            <a:pPr marL="0" lvl="0" indent="0" algn="r" rtl="0">
+              <a:lnSpc>
+                <a:spcPct val="115000"/>
+              </a:lnSpc>
+              <a:spcBef>
+                <a:spcPts val="0"/>
+              </a:spcBef>
+              <a:spcAft>
+                <a:spcPts val="0"/>
+              </a:spcAft>
+              <a:buNone/>
+            </a:pPr>
+            <a:r>
+              <a:rPr lang="es" sz="1200">
+                <a:solidFill>
+                  <a:schemeClr val="lt1"/>
+                </a:solidFill>
+                <a:latin typeface="Unica One"/>
+                <a:ea typeface="Unica One"/>
+                <a:cs typeface="Unica One"/>
+                <a:sym typeface="Unica One"/>
+              </a:rPr>
+              <a:t>Clean City</a:t>
+            </a:r>
+            <a:endParaRPr sz="1100">
+              <a:solidFill>
+                <a:schemeClr val="lt1"/>
+              </a:solidFill>
+              <a:latin typeface="Lato"/>
+              <a:ea typeface="Lato"/>
+              <a:cs typeface="Lato"/>
+              <a:sym typeface="Lato"/>
+            </a:endParaRPr>
+          </a:p>
+        </p:txBody>
+      </p:sp>
       <p:sp>
         <p:nvSpPr>
-          <p:cNvPr id="83" name="Google Shape;83;p15"/>
+          <p:cNvPr id="205" name="Google Shape;205;p20"/>
+          <p:cNvSpPr txBox="1"/>
+          <p:nvPr/>
+        </p:nvSpPr>
+        <p:spPr>
+          <a:xfrm flipH="1">
+            <a:off x="1574575" y="1579613"/>
+            <a:ext cx="1855200" cy="264900"/>
+          </a:xfrm>
+          <a:prstGeom prst="rect">
+            <a:avLst/>
+          </a:prstGeom>
+          <a:noFill/>
+          <a:ln>
+            <a:noFill/>
+          </a:ln>
+        </p:spPr>
+        <p:txBody>
+          <a:bodyPr spcFirstLastPara="1" wrap="square" lIns="91425" tIns="91425" rIns="91425" bIns="91425" anchor="ctr" anchorCtr="0">
+            <a:noAutofit/>
+          </a:bodyPr>
+          <a:lstStyle/>
+          <a:p>
+            <a:pPr marL="914400" lvl="0" indent="0" algn="just" rtl="0">
+              <a:lnSpc>
+                <a:spcPct val="115000"/>
+              </a:lnSpc>
+              <a:spcBef>
+                <a:spcPts val="0"/>
+              </a:spcBef>
+              <a:spcAft>
+                <a:spcPts val="0"/>
+              </a:spcAft>
+              <a:buNone/>
+            </a:pPr>
+            <a:r>
+              <a:rPr lang="es" sz="1300">
+                <a:solidFill>
+                  <a:schemeClr val="lt1"/>
+                </a:solidFill>
+                <a:latin typeface="Unica One"/>
+                <a:ea typeface="Unica One"/>
+                <a:cs typeface="Unica One"/>
+                <a:sym typeface="Unica One"/>
+              </a:rPr>
+              <a:t>Sistema Caliope:</a:t>
+            </a:r>
+            <a:endParaRPr sz="1100">
+              <a:solidFill>
+                <a:schemeClr val="lt1"/>
+              </a:solidFill>
+              <a:latin typeface="Unica One"/>
+              <a:ea typeface="Unica One"/>
+              <a:cs typeface="Unica One"/>
+              <a:sym typeface="Unica One"/>
+            </a:endParaRPr>
+          </a:p>
+        </p:txBody>
+      </p:sp>
+      <p:grpSp>
+        <p:nvGrpSpPr>
+          <p:cNvPr id="206" name="Google Shape;206;p20"/>
+          <p:cNvGrpSpPr/>
+          <p:nvPr/>
+        </p:nvGrpSpPr>
+        <p:grpSpPr>
+          <a:xfrm>
+            <a:off x="4038608" y="634737"/>
+            <a:ext cx="1461093" cy="4014992"/>
+            <a:chOff x="2851825" y="244322"/>
+            <a:chExt cx="1901475" cy="5224453"/>
+          </a:xfrm>
+        </p:grpSpPr>
+        <p:sp>
+          <p:nvSpPr>
+            <p:cNvPr id="207" name="Google Shape;207;p20"/>
+            <p:cNvSpPr/>
+            <p:nvPr/>
+          </p:nvSpPr>
+          <p:spPr>
+            <a:xfrm>
+              <a:off x="2851825" y="4064847"/>
+              <a:ext cx="1901025" cy="1096375"/>
+            </a:xfrm>
+            <a:custGeom>
+              <a:avLst/>
+              <a:gdLst/>
+              <a:ahLst/>
+              <a:cxnLst/>
+              <a:rect l="l" t="t" r="r" b="b"/>
+              <a:pathLst>
+                <a:path w="76041" h="43855" extrusionOk="0">
+                  <a:moveTo>
+                    <a:pt x="37993" y="0"/>
+                  </a:moveTo>
+                  <a:lnTo>
+                    <a:pt x="0" y="21891"/>
+                  </a:lnTo>
+                  <a:lnTo>
+                    <a:pt x="37993" y="43854"/>
+                  </a:lnTo>
+                  <a:lnTo>
+                    <a:pt x="76041" y="21909"/>
+                  </a:lnTo>
+                  <a:lnTo>
+                    <a:pt x="37993" y="0"/>
+                  </a:lnTo>
+                  <a:close/>
+                </a:path>
+              </a:pathLst>
+            </a:custGeom>
+            <a:solidFill>
+              <a:srgbClr val="D0F09F"/>
+            </a:solidFill>
+            <a:ln>
+              <a:noFill/>
+            </a:ln>
+          </p:spPr>
+          <p:txBody>
+            <a:bodyPr spcFirstLastPara="1" wrap="square" lIns="91425" tIns="91425" rIns="91425" bIns="91425" anchor="ctr" anchorCtr="0">
+              <a:noAutofit/>
+            </a:bodyPr>
+            <a:lstStyle/>
+            <a:p>
+              <a:pPr marL="0" lvl="0" indent="0" algn="l" rtl="0">
+                <a:spcBef>
+                  <a:spcPts val="0"/>
+                </a:spcBef>
+                <a:spcAft>
+                  <a:spcPts val="0"/>
+                </a:spcAft>
+                <a:buNone/>
+              </a:pPr>
+              <a:endParaRPr/>
+            </a:p>
+          </p:txBody>
+        </p:sp>
+        <p:sp>
+          <p:nvSpPr>
+            <p:cNvPr id="208" name="Google Shape;208;p20"/>
+            <p:cNvSpPr/>
+            <p:nvPr/>
+          </p:nvSpPr>
+          <p:spPr>
+            <a:xfrm>
+              <a:off x="2851825" y="4605925"/>
+              <a:ext cx="949850" cy="862850"/>
+            </a:xfrm>
+            <a:custGeom>
+              <a:avLst/>
+              <a:gdLst/>
+              <a:ahLst/>
+              <a:cxnLst/>
+              <a:rect l="l" t="t" r="r" b="b"/>
+              <a:pathLst>
+                <a:path w="37994" h="34514" extrusionOk="0">
+                  <a:moveTo>
+                    <a:pt x="0" y="0"/>
+                  </a:moveTo>
+                  <a:lnTo>
+                    <a:pt x="0" y="12568"/>
+                  </a:lnTo>
+                  <a:lnTo>
+                    <a:pt x="37993" y="34513"/>
+                  </a:lnTo>
+                  <a:lnTo>
+                    <a:pt x="37993" y="21963"/>
+                  </a:lnTo>
+                  <a:lnTo>
+                    <a:pt x="0" y="0"/>
+                  </a:lnTo>
+                  <a:close/>
+                </a:path>
+              </a:pathLst>
+            </a:custGeom>
+            <a:solidFill>
+              <a:srgbClr val="96BE97"/>
+            </a:solidFill>
+            <a:ln>
+              <a:noFill/>
+            </a:ln>
+          </p:spPr>
+          <p:txBody>
+            <a:bodyPr spcFirstLastPara="1" wrap="square" lIns="91425" tIns="91425" rIns="91425" bIns="91425" anchor="ctr" anchorCtr="0">
+              <a:noAutofit/>
+            </a:bodyPr>
+            <a:lstStyle/>
+            <a:p>
+              <a:pPr marL="0" lvl="0" indent="0" algn="l" rtl="0">
+                <a:spcBef>
+                  <a:spcPts val="0"/>
+                </a:spcBef>
+                <a:spcAft>
+                  <a:spcPts val="0"/>
+                </a:spcAft>
+                <a:buNone/>
+              </a:pPr>
+              <a:endParaRPr/>
+            </a:p>
+          </p:txBody>
+        </p:sp>
+        <p:sp>
+          <p:nvSpPr>
+            <p:cNvPr id="209" name="Google Shape;209;p20"/>
+            <p:cNvSpPr/>
+            <p:nvPr/>
+          </p:nvSpPr>
+          <p:spPr>
+            <a:xfrm>
+              <a:off x="3795452" y="4605925"/>
+              <a:ext cx="951650" cy="862850"/>
+            </a:xfrm>
+            <a:custGeom>
+              <a:avLst/>
+              <a:gdLst/>
+              <a:ahLst/>
+              <a:cxnLst/>
+              <a:rect l="l" t="t" r="r" b="b"/>
+              <a:pathLst>
+                <a:path w="38066" h="34514" extrusionOk="0">
+                  <a:moveTo>
+                    <a:pt x="38066" y="0"/>
+                  </a:moveTo>
+                  <a:lnTo>
+                    <a:pt x="0" y="21963"/>
+                  </a:lnTo>
+                  <a:lnTo>
+                    <a:pt x="0" y="34513"/>
+                  </a:lnTo>
+                  <a:lnTo>
+                    <a:pt x="38066" y="12568"/>
+                  </a:lnTo>
+                  <a:lnTo>
+                    <a:pt x="38066" y="0"/>
+                  </a:lnTo>
+                  <a:close/>
+                </a:path>
+              </a:pathLst>
+            </a:custGeom>
+            <a:solidFill>
+              <a:srgbClr val="A3CEA3"/>
+            </a:solidFill>
+            <a:ln>
+              <a:noFill/>
+            </a:ln>
+          </p:spPr>
+          <p:txBody>
+            <a:bodyPr spcFirstLastPara="1" wrap="square" lIns="91425" tIns="91425" rIns="91425" bIns="91425" anchor="ctr" anchorCtr="0">
+              <a:noAutofit/>
+            </a:bodyPr>
+            <a:lstStyle/>
+            <a:p>
+              <a:pPr marL="0" lvl="0" indent="0" algn="l" rtl="0">
+                <a:spcBef>
+                  <a:spcPts val="0"/>
+                </a:spcBef>
+                <a:spcAft>
+                  <a:spcPts val="0"/>
+                </a:spcAft>
+                <a:buNone/>
+              </a:pPr>
+              <a:endParaRPr/>
+            </a:p>
+          </p:txBody>
+        </p:sp>
+        <p:sp>
+          <p:nvSpPr>
+            <p:cNvPr id="210" name="Google Shape;210;p20"/>
+            <p:cNvSpPr/>
+            <p:nvPr/>
+          </p:nvSpPr>
+          <p:spPr>
+            <a:xfrm>
+              <a:off x="2851825" y="3103400"/>
+              <a:ext cx="1901025" cy="1096375"/>
+            </a:xfrm>
+            <a:custGeom>
+              <a:avLst/>
+              <a:gdLst/>
+              <a:ahLst/>
+              <a:cxnLst/>
+              <a:rect l="l" t="t" r="r" b="b"/>
+              <a:pathLst>
+                <a:path w="76041" h="43855" extrusionOk="0">
+                  <a:moveTo>
+                    <a:pt x="37993" y="0"/>
+                  </a:moveTo>
+                  <a:lnTo>
+                    <a:pt x="0" y="21909"/>
+                  </a:lnTo>
+                  <a:lnTo>
+                    <a:pt x="37993" y="43854"/>
+                  </a:lnTo>
+                  <a:lnTo>
+                    <a:pt x="76041" y="21909"/>
+                  </a:lnTo>
+                  <a:lnTo>
+                    <a:pt x="37993" y="0"/>
+                  </a:lnTo>
+                  <a:close/>
+                </a:path>
+              </a:pathLst>
+            </a:custGeom>
+            <a:solidFill>
+              <a:srgbClr val="589EA5"/>
+            </a:solidFill>
+            <a:ln>
+              <a:noFill/>
+            </a:ln>
+          </p:spPr>
+          <p:txBody>
+            <a:bodyPr spcFirstLastPara="1" wrap="square" lIns="91425" tIns="91425" rIns="91425" bIns="91425" anchor="ctr" anchorCtr="0">
+              <a:noAutofit/>
+            </a:bodyPr>
+            <a:lstStyle/>
+            <a:p>
+              <a:pPr marL="0" lvl="0" indent="0" algn="l" rtl="0">
+                <a:spcBef>
+                  <a:spcPts val="0"/>
+                </a:spcBef>
+                <a:spcAft>
+                  <a:spcPts val="0"/>
+                </a:spcAft>
+                <a:buNone/>
+              </a:pPr>
+              <a:endParaRPr/>
+            </a:p>
+          </p:txBody>
+        </p:sp>
+        <p:sp>
+          <p:nvSpPr>
+            <p:cNvPr id="211" name="Google Shape;211;p20"/>
+            <p:cNvSpPr/>
+            <p:nvPr/>
+          </p:nvSpPr>
+          <p:spPr>
+            <a:xfrm>
+              <a:off x="2851825" y="3651125"/>
+              <a:ext cx="949850" cy="862850"/>
+            </a:xfrm>
+            <a:custGeom>
+              <a:avLst/>
+              <a:gdLst/>
+              <a:ahLst/>
+              <a:cxnLst/>
+              <a:rect l="l" t="t" r="r" b="b"/>
+              <a:pathLst>
+                <a:path w="37994" h="34514" extrusionOk="0">
+                  <a:moveTo>
+                    <a:pt x="0" y="0"/>
+                  </a:moveTo>
+                  <a:lnTo>
+                    <a:pt x="0" y="12551"/>
+                  </a:lnTo>
+                  <a:lnTo>
+                    <a:pt x="37993" y="34514"/>
+                  </a:lnTo>
+                  <a:lnTo>
+                    <a:pt x="37993" y="21945"/>
+                  </a:lnTo>
+                  <a:lnTo>
+                    <a:pt x="0" y="0"/>
+                  </a:lnTo>
+                  <a:close/>
+                </a:path>
+              </a:pathLst>
+            </a:custGeom>
+            <a:solidFill>
+              <a:srgbClr val="295568"/>
+            </a:solidFill>
+            <a:ln>
+              <a:noFill/>
+            </a:ln>
+          </p:spPr>
+          <p:txBody>
+            <a:bodyPr spcFirstLastPara="1" wrap="square" lIns="91425" tIns="91425" rIns="91425" bIns="91425" anchor="ctr" anchorCtr="0">
+              <a:noAutofit/>
+            </a:bodyPr>
+            <a:lstStyle/>
+            <a:p>
+              <a:pPr marL="0" lvl="0" indent="0" algn="l" rtl="0">
+                <a:spcBef>
+                  <a:spcPts val="0"/>
+                </a:spcBef>
+                <a:spcAft>
+                  <a:spcPts val="0"/>
+                </a:spcAft>
+                <a:buNone/>
+              </a:pPr>
+              <a:endParaRPr/>
+            </a:p>
+          </p:txBody>
+        </p:sp>
+        <p:sp>
+          <p:nvSpPr>
+            <p:cNvPr id="212" name="Google Shape;212;p20"/>
+            <p:cNvSpPr/>
+            <p:nvPr/>
+          </p:nvSpPr>
+          <p:spPr>
+            <a:xfrm>
+              <a:off x="3795452" y="3651125"/>
+              <a:ext cx="951650" cy="862850"/>
+            </a:xfrm>
+            <a:custGeom>
+              <a:avLst/>
+              <a:gdLst/>
+              <a:ahLst/>
+              <a:cxnLst/>
+              <a:rect l="l" t="t" r="r" b="b"/>
+              <a:pathLst>
+                <a:path w="38066" h="34514" extrusionOk="0">
+                  <a:moveTo>
+                    <a:pt x="38066" y="0"/>
+                  </a:moveTo>
+                  <a:lnTo>
+                    <a:pt x="0" y="21945"/>
+                  </a:lnTo>
+                  <a:lnTo>
+                    <a:pt x="0" y="34514"/>
+                  </a:lnTo>
+                  <a:lnTo>
+                    <a:pt x="38066" y="12551"/>
+                  </a:lnTo>
+                  <a:lnTo>
+                    <a:pt x="38066" y="0"/>
+                  </a:lnTo>
+                  <a:close/>
+                </a:path>
+              </a:pathLst>
+            </a:custGeom>
+            <a:solidFill>
+              <a:srgbClr val="3E738A"/>
+            </a:solidFill>
+            <a:ln>
+              <a:noFill/>
+            </a:ln>
+          </p:spPr>
+          <p:txBody>
+            <a:bodyPr spcFirstLastPara="1" wrap="square" lIns="91425" tIns="91425" rIns="91425" bIns="91425" anchor="ctr" anchorCtr="0">
+              <a:noAutofit/>
+            </a:bodyPr>
+            <a:lstStyle/>
+            <a:p>
+              <a:pPr marL="0" lvl="0" indent="0" algn="l" rtl="0">
+                <a:spcBef>
+                  <a:spcPts val="0"/>
+                </a:spcBef>
+                <a:spcAft>
+                  <a:spcPts val="0"/>
+                </a:spcAft>
+                <a:buNone/>
+              </a:pPr>
+              <a:endParaRPr/>
+            </a:p>
+          </p:txBody>
+        </p:sp>
+        <p:sp>
+          <p:nvSpPr>
+            <p:cNvPr id="213" name="Google Shape;213;p20"/>
+            <p:cNvSpPr/>
+            <p:nvPr/>
+          </p:nvSpPr>
+          <p:spPr>
+            <a:xfrm>
+              <a:off x="2851825" y="2154347"/>
+              <a:ext cx="1901025" cy="1096825"/>
+            </a:xfrm>
+            <a:custGeom>
+              <a:avLst/>
+              <a:gdLst/>
+              <a:ahLst/>
+              <a:cxnLst/>
+              <a:rect l="l" t="t" r="r" b="b"/>
+              <a:pathLst>
+                <a:path w="76041" h="43873" extrusionOk="0">
+                  <a:moveTo>
+                    <a:pt x="37993" y="1"/>
+                  </a:moveTo>
+                  <a:lnTo>
+                    <a:pt x="0" y="21910"/>
+                  </a:lnTo>
+                  <a:lnTo>
+                    <a:pt x="37993" y="43873"/>
+                  </a:lnTo>
+                  <a:lnTo>
+                    <a:pt x="76041" y="21910"/>
+                  </a:lnTo>
+                  <a:lnTo>
+                    <a:pt x="37993" y="1"/>
+                  </a:lnTo>
+                  <a:close/>
+                </a:path>
+              </a:pathLst>
+            </a:custGeom>
+            <a:solidFill>
+              <a:srgbClr val="D0F09F"/>
+            </a:solidFill>
+            <a:ln>
+              <a:noFill/>
+            </a:ln>
+          </p:spPr>
+          <p:txBody>
+            <a:bodyPr spcFirstLastPara="1" wrap="square" lIns="91425" tIns="91425" rIns="91425" bIns="91425" anchor="ctr" anchorCtr="0">
+              <a:noAutofit/>
+            </a:bodyPr>
+            <a:lstStyle/>
+            <a:p>
+              <a:pPr marL="0" lvl="0" indent="0" algn="l" rtl="0">
+                <a:spcBef>
+                  <a:spcPts val="0"/>
+                </a:spcBef>
+                <a:spcAft>
+                  <a:spcPts val="0"/>
+                </a:spcAft>
+                <a:buNone/>
+              </a:pPr>
+              <a:endParaRPr/>
+            </a:p>
+          </p:txBody>
+        </p:sp>
+        <p:sp>
+          <p:nvSpPr>
+            <p:cNvPr id="214" name="Google Shape;214;p20"/>
+            <p:cNvSpPr/>
+            <p:nvPr/>
+          </p:nvSpPr>
+          <p:spPr>
+            <a:xfrm>
+              <a:off x="2851825" y="2695875"/>
+              <a:ext cx="949850" cy="862850"/>
+            </a:xfrm>
+            <a:custGeom>
+              <a:avLst/>
+              <a:gdLst/>
+              <a:ahLst/>
+              <a:cxnLst/>
+              <a:rect l="l" t="t" r="r" b="b"/>
+              <a:pathLst>
+                <a:path w="37994" h="34514" extrusionOk="0">
+                  <a:moveTo>
+                    <a:pt x="0" y="1"/>
+                  </a:moveTo>
+                  <a:lnTo>
+                    <a:pt x="0" y="12569"/>
+                  </a:lnTo>
+                  <a:lnTo>
+                    <a:pt x="37993" y="34514"/>
+                  </a:lnTo>
+                  <a:lnTo>
+                    <a:pt x="37993" y="21964"/>
+                  </a:lnTo>
+                  <a:lnTo>
+                    <a:pt x="0" y="1"/>
+                  </a:lnTo>
+                  <a:close/>
+                </a:path>
+              </a:pathLst>
+            </a:custGeom>
+            <a:solidFill>
+              <a:srgbClr val="96BE97"/>
+            </a:solidFill>
+            <a:ln>
+              <a:noFill/>
+            </a:ln>
+          </p:spPr>
+          <p:txBody>
+            <a:bodyPr spcFirstLastPara="1" wrap="square" lIns="91425" tIns="91425" rIns="91425" bIns="91425" anchor="ctr" anchorCtr="0">
+              <a:noAutofit/>
+            </a:bodyPr>
+            <a:lstStyle/>
+            <a:p>
+              <a:pPr marL="0" lvl="0" indent="0" algn="l" rtl="0">
+                <a:spcBef>
+                  <a:spcPts val="0"/>
+                </a:spcBef>
+                <a:spcAft>
+                  <a:spcPts val="0"/>
+                </a:spcAft>
+                <a:buNone/>
+              </a:pPr>
+              <a:endParaRPr/>
+            </a:p>
+          </p:txBody>
+        </p:sp>
+        <p:sp>
+          <p:nvSpPr>
+            <p:cNvPr id="215" name="Google Shape;215;p20"/>
+            <p:cNvSpPr/>
+            <p:nvPr/>
+          </p:nvSpPr>
+          <p:spPr>
+            <a:xfrm>
+              <a:off x="3801650" y="2695875"/>
+              <a:ext cx="951650" cy="862850"/>
+            </a:xfrm>
+            <a:custGeom>
+              <a:avLst/>
+              <a:gdLst/>
+              <a:ahLst/>
+              <a:cxnLst/>
+              <a:rect l="l" t="t" r="r" b="b"/>
+              <a:pathLst>
+                <a:path w="38066" h="34514" extrusionOk="0">
+                  <a:moveTo>
+                    <a:pt x="38066" y="1"/>
+                  </a:moveTo>
+                  <a:lnTo>
+                    <a:pt x="0" y="21964"/>
+                  </a:lnTo>
+                  <a:lnTo>
+                    <a:pt x="0" y="34514"/>
+                  </a:lnTo>
+                  <a:lnTo>
+                    <a:pt x="38066" y="12569"/>
+                  </a:lnTo>
+                  <a:lnTo>
+                    <a:pt x="38066" y="1"/>
+                  </a:lnTo>
+                  <a:close/>
+                </a:path>
+              </a:pathLst>
+            </a:custGeom>
+            <a:solidFill>
+              <a:srgbClr val="A3CEA3"/>
+            </a:solidFill>
+            <a:ln>
+              <a:noFill/>
+            </a:ln>
+          </p:spPr>
+          <p:txBody>
+            <a:bodyPr spcFirstLastPara="1" wrap="square" lIns="91425" tIns="91425" rIns="91425" bIns="91425" anchor="ctr" anchorCtr="0">
+              <a:noAutofit/>
+            </a:bodyPr>
+            <a:lstStyle/>
+            <a:p>
+              <a:pPr marL="0" lvl="0" indent="0" algn="l" rtl="0">
+                <a:spcBef>
+                  <a:spcPts val="0"/>
+                </a:spcBef>
+                <a:spcAft>
+                  <a:spcPts val="0"/>
+                </a:spcAft>
+                <a:buNone/>
+              </a:pPr>
+              <a:endParaRPr/>
+            </a:p>
+          </p:txBody>
+        </p:sp>
+        <p:sp>
+          <p:nvSpPr>
+            <p:cNvPr id="216" name="Google Shape;216;p20"/>
+            <p:cNvSpPr/>
+            <p:nvPr/>
+          </p:nvSpPr>
+          <p:spPr>
+            <a:xfrm>
+              <a:off x="2851825" y="1193350"/>
+              <a:ext cx="1901025" cy="1096375"/>
+            </a:xfrm>
+            <a:custGeom>
+              <a:avLst/>
+              <a:gdLst/>
+              <a:ahLst/>
+              <a:cxnLst/>
+              <a:rect l="l" t="t" r="r" b="b"/>
+              <a:pathLst>
+                <a:path w="76041" h="43855" extrusionOk="0">
+                  <a:moveTo>
+                    <a:pt x="37993" y="1"/>
+                  </a:moveTo>
+                  <a:lnTo>
+                    <a:pt x="0" y="21910"/>
+                  </a:lnTo>
+                  <a:lnTo>
+                    <a:pt x="37993" y="43855"/>
+                  </a:lnTo>
+                  <a:lnTo>
+                    <a:pt x="76041" y="21910"/>
+                  </a:lnTo>
+                  <a:lnTo>
+                    <a:pt x="37993" y="1"/>
+                  </a:lnTo>
+                  <a:close/>
+                </a:path>
+              </a:pathLst>
+            </a:custGeom>
+            <a:solidFill>
+              <a:srgbClr val="589EA5"/>
+            </a:solidFill>
+            <a:ln>
+              <a:noFill/>
+            </a:ln>
+          </p:spPr>
+          <p:txBody>
+            <a:bodyPr spcFirstLastPara="1" wrap="square" lIns="91425" tIns="91425" rIns="91425" bIns="91425" anchor="ctr" anchorCtr="0">
+              <a:noAutofit/>
+            </a:bodyPr>
+            <a:lstStyle/>
+            <a:p>
+              <a:pPr marL="0" lvl="0" indent="0" algn="l" rtl="0">
+                <a:spcBef>
+                  <a:spcPts val="0"/>
+                </a:spcBef>
+                <a:spcAft>
+                  <a:spcPts val="0"/>
+                </a:spcAft>
+                <a:buNone/>
+              </a:pPr>
+              <a:endParaRPr/>
+            </a:p>
+          </p:txBody>
+        </p:sp>
+        <p:sp>
+          <p:nvSpPr>
+            <p:cNvPr id="217" name="Google Shape;217;p20"/>
+            <p:cNvSpPr/>
+            <p:nvPr/>
+          </p:nvSpPr>
+          <p:spPr>
+            <a:xfrm>
+              <a:off x="2851825" y="1741075"/>
+              <a:ext cx="949850" cy="862400"/>
+            </a:xfrm>
+            <a:custGeom>
+              <a:avLst/>
+              <a:gdLst/>
+              <a:ahLst/>
+              <a:cxnLst/>
+              <a:rect l="l" t="t" r="r" b="b"/>
+              <a:pathLst>
+                <a:path w="37994" h="34496" extrusionOk="0">
+                  <a:moveTo>
+                    <a:pt x="0" y="1"/>
+                  </a:moveTo>
+                  <a:lnTo>
+                    <a:pt x="0" y="12551"/>
+                  </a:lnTo>
+                  <a:lnTo>
+                    <a:pt x="37993" y="34496"/>
+                  </a:lnTo>
+                  <a:lnTo>
+                    <a:pt x="37993" y="21946"/>
+                  </a:lnTo>
+                  <a:lnTo>
+                    <a:pt x="0" y="1"/>
+                  </a:lnTo>
+                  <a:close/>
+                </a:path>
+              </a:pathLst>
+            </a:custGeom>
+            <a:solidFill>
+              <a:srgbClr val="295568"/>
+            </a:solidFill>
+            <a:ln>
+              <a:noFill/>
+            </a:ln>
+          </p:spPr>
+          <p:txBody>
+            <a:bodyPr spcFirstLastPara="1" wrap="square" lIns="91425" tIns="91425" rIns="91425" bIns="91425" anchor="ctr" anchorCtr="0">
+              <a:noAutofit/>
+            </a:bodyPr>
+            <a:lstStyle/>
+            <a:p>
+              <a:pPr marL="0" lvl="0" indent="0" algn="l" rtl="0">
+                <a:spcBef>
+                  <a:spcPts val="0"/>
+                </a:spcBef>
+                <a:spcAft>
+                  <a:spcPts val="0"/>
+                </a:spcAft>
+                <a:buNone/>
+              </a:pPr>
+              <a:endParaRPr/>
+            </a:p>
+          </p:txBody>
+        </p:sp>
+        <p:sp>
+          <p:nvSpPr>
+            <p:cNvPr id="218" name="Google Shape;218;p20"/>
+            <p:cNvSpPr/>
+            <p:nvPr/>
+          </p:nvSpPr>
+          <p:spPr>
+            <a:xfrm>
+              <a:off x="3795452" y="1741075"/>
+              <a:ext cx="951650" cy="862400"/>
+            </a:xfrm>
+            <a:custGeom>
+              <a:avLst/>
+              <a:gdLst/>
+              <a:ahLst/>
+              <a:cxnLst/>
+              <a:rect l="l" t="t" r="r" b="b"/>
+              <a:pathLst>
+                <a:path w="38066" h="34496" extrusionOk="0">
+                  <a:moveTo>
+                    <a:pt x="38066" y="1"/>
+                  </a:moveTo>
+                  <a:lnTo>
+                    <a:pt x="0" y="21946"/>
+                  </a:lnTo>
+                  <a:lnTo>
+                    <a:pt x="0" y="34496"/>
+                  </a:lnTo>
+                  <a:lnTo>
+                    <a:pt x="38066" y="12551"/>
+                  </a:lnTo>
+                  <a:lnTo>
+                    <a:pt x="38066" y="1"/>
+                  </a:lnTo>
+                  <a:close/>
+                </a:path>
+              </a:pathLst>
+            </a:custGeom>
+            <a:solidFill>
+              <a:srgbClr val="3E738A"/>
+            </a:solidFill>
+            <a:ln>
+              <a:noFill/>
+            </a:ln>
+          </p:spPr>
+          <p:txBody>
+            <a:bodyPr spcFirstLastPara="1" wrap="square" lIns="91425" tIns="91425" rIns="91425" bIns="91425" anchor="ctr" anchorCtr="0">
+              <a:noAutofit/>
+            </a:bodyPr>
+            <a:lstStyle/>
+            <a:p>
+              <a:pPr marL="0" lvl="0" indent="0" algn="l" rtl="0">
+                <a:spcBef>
+                  <a:spcPts val="0"/>
+                </a:spcBef>
+                <a:spcAft>
+                  <a:spcPts val="0"/>
+                </a:spcAft>
+                <a:buNone/>
+              </a:pPr>
+              <a:endParaRPr/>
+            </a:p>
+          </p:txBody>
+        </p:sp>
+        <p:sp>
+          <p:nvSpPr>
+            <p:cNvPr id="219" name="Google Shape;219;p20"/>
+            <p:cNvSpPr/>
+            <p:nvPr/>
+          </p:nvSpPr>
+          <p:spPr>
+            <a:xfrm>
+              <a:off x="2851825" y="244322"/>
+              <a:ext cx="1901025" cy="1096350"/>
+            </a:xfrm>
+            <a:custGeom>
+              <a:avLst/>
+              <a:gdLst/>
+              <a:ahLst/>
+              <a:cxnLst/>
+              <a:rect l="l" t="t" r="r" b="b"/>
+              <a:pathLst>
+                <a:path w="76041" h="43854" extrusionOk="0">
+                  <a:moveTo>
+                    <a:pt x="37993" y="0"/>
+                  </a:moveTo>
+                  <a:lnTo>
+                    <a:pt x="0" y="21909"/>
+                  </a:lnTo>
+                  <a:lnTo>
+                    <a:pt x="37993" y="43854"/>
+                  </a:lnTo>
+                  <a:lnTo>
+                    <a:pt x="76041" y="21909"/>
+                  </a:lnTo>
+                  <a:lnTo>
+                    <a:pt x="37993" y="0"/>
+                  </a:lnTo>
+                  <a:close/>
+                </a:path>
+              </a:pathLst>
+            </a:custGeom>
+            <a:solidFill>
+              <a:srgbClr val="D0F09F"/>
+            </a:solidFill>
+            <a:ln>
+              <a:noFill/>
+            </a:ln>
+          </p:spPr>
+          <p:txBody>
+            <a:bodyPr spcFirstLastPara="1" wrap="square" lIns="91425" tIns="91425" rIns="91425" bIns="91425" anchor="ctr" anchorCtr="0">
+              <a:noAutofit/>
+            </a:bodyPr>
+            <a:lstStyle/>
+            <a:p>
+              <a:pPr marL="0" lvl="0" indent="0" algn="l" rtl="0">
+                <a:spcBef>
+                  <a:spcPts val="0"/>
+                </a:spcBef>
+                <a:spcAft>
+                  <a:spcPts val="0"/>
+                </a:spcAft>
+                <a:buNone/>
+              </a:pPr>
+              <a:endParaRPr/>
+            </a:p>
+          </p:txBody>
+        </p:sp>
+        <p:sp>
+          <p:nvSpPr>
+            <p:cNvPr id="220" name="Google Shape;220;p20"/>
+            <p:cNvSpPr/>
+            <p:nvPr/>
+          </p:nvSpPr>
+          <p:spPr>
+            <a:xfrm>
+              <a:off x="2851825" y="785825"/>
+              <a:ext cx="949850" cy="862875"/>
+            </a:xfrm>
+            <a:custGeom>
+              <a:avLst/>
+              <a:gdLst/>
+              <a:ahLst/>
+              <a:cxnLst/>
+              <a:rect l="l" t="t" r="r" b="b"/>
+              <a:pathLst>
+                <a:path w="37994" h="34515" extrusionOk="0">
+                  <a:moveTo>
+                    <a:pt x="0" y="1"/>
+                  </a:moveTo>
+                  <a:lnTo>
+                    <a:pt x="0" y="12551"/>
+                  </a:lnTo>
+                  <a:lnTo>
+                    <a:pt x="37993" y="34514"/>
+                  </a:lnTo>
+                  <a:lnTo>
+                    <a:pt x="37993" y="21946"/>
+                  </a:lnTo>
+                  <a:lnTo>
+                    <a:pt x="0" y="1"/>
+                  </a:lnTo>
+                  <a:close/>
+                </a:path>
+              </a:pathLst>
+            </a:custGeom>
+            <a:solidFill>
+              <a:srgbClr val="96BE97"/>
+            </a:solidFill>
+            <a:ln>
+              <a:noFill/>
+            </a:ln>
+          </p:spPr>
+          <p:txBody>
+            <a:bodyPr spcFirstLastPara="1" wrap="square" lIns="91425" tIns="91425" rIns="91425" bIns="91425" anchor="ctr" anchorCtr="0">
+              <a:noAutofit/>
+            </a:bodyPr>
+            <a:lstStyle/>
+            <a:p>
+              <a:pPr marL="0" lvl="0" indent="0" algn="l" rtl="0">
+                <a:spcBef>
+                  <a:spcPts val="0"/>
+                </a:spcBef>
+                <a:spcAft>
+                  <a:spcPts val="0"/>
+                </a:spcAft>
+                <a:buNone/>
+              </a:pPr>
+              <a:endParaRPr/>
+            </a:p>
+          </p:txBody>
+        </p:sp>
+        <p:sp>
+          <p:nvSpPr>
+            <p:cNvPr id="221" name="Google Shape;221;p20"/>
+            <p:cNvSpPr/>
+            <p:nvPr/>
+          </p:nvSpPr>
+          <p:spPr>
+            <a:xfrm>
+              <a:off x="3801650" y="785825"/>
+              <a:ext cx="951650" cy="862875"/>
+            </a:xfrm>
+            <a:custGeom>
+              <a:avLst/>
+              <a:gdLst/>
+              <a:ahLst/>
+              <a:cxnLst/>
+              <a:rect l="l" t="t" r="r" b="b"/>
+              <a:pathLst>
+                <a:path w="38066" h="34515" extrusionOk="0">
+                  <a:moveTo>
+                    <a:pt x="38066" y="1"/>
+                  </a:moveTo>
+                  <a:lnTo>
+                    <a:pt x="0" y="21946"/>
+                  </a:lnTo>
+                  <a:lnTo>
+                    <a:pt x="0" y="34514"/>
+                  </a:lnTo>
+                  <a:lnTo>
+                    <a:pt x="38066" y="12551"/>
+                  </a:lnTo>
+                  <a:lnTo>
+                    <a:pt x="38066" y="1"/>
+                  </a:lnTo>
+                  <a:close/>
+                </a:path>
+              </a:pathLst>
+            </a:custGeom>
+            <a:solidFill>
+              <a:srgbClr val="A3CEA3"/>
+            </a:solidFill>
+            <a:ln>
+              <a:noFill/>
+            </a:ln>
+          </p:spPr>
+          <p:txBody>
+            <a:bodyPr spcFirstLastPara="1" wrap="square" lIns="91425" tIns="91425" rIns="91425" bIns="91425" anchor="ctr" anchorCtr="0">
+              <a:noAutofit/>
+            </a:bodyPr>
+            <a:lstStyle/>
+            <a:p>
+              <a:pPr marL="0" lvl="0" indent="0" algn="l" rtl="0">
+                <a:spcBef>
+                  <a:spcPts val="0"/>
+                </a:spcBef>
+                <a:spcAft>
+                  <a:spcPts val="0"/>
+                </a:spcAft>
+                <a:buNone/>
+              </a:pPr>
+              <a:endParaRPr/>
+            </a:p>
+          </p:txBody>
+        </p:sp>
+      </p:grpSp>
+      <p:sp>
+        <p:nvSpPr>
+          <p:cNvPr id="222" name="Google Shape;222;p20"/>
           <p:cNvSpPr txBox="1">
             <a:spLocks noGrp="1"/>
           </p:cNvSpPr>
@@ -15678,8 +17467,8 @@
         </p:nvSpPr>
         <p:spPr>
           <a:xfrm>
-            <a:off x="-65400" y="370850"/>
-            <a:ext cx="2013600" cy="946200"/>
+            <a:off x="-435675" y="420525"/>
+            <a:ext cx="2650500" cy="946200"/>
           </a:xfrm>
           <a:prstGeom prst="rect">
             <a:avLst/>
@@ -15691,41 +17480,49 @@
           </a:bodyPr>
           <a:lstStyle/>
           <a:p>
-            <a:pPr marL="0" lvl="0" indent="0" algn="l" rtl="0">
-              <a:spcBef>
-                <a:spcPts val="0"/>
-              </a:spcBef>
-              <a:spcAft>
-                <a:spcPts val="0"/>
-              </a:spcAft>
+            <a:pPr marL="457200" lvl="0" indent="0" algn="l" rtl="0">
+              <a:lnSpc>
+                <a:spcPct val="115000"/>
+              </a:lnSpc>
+              <a:spcBef>
+                <a:spcPts val="0"/>
+              </a:spcBef>
+              <a:spcAft>
+                <a:spcPts val="0"/>
+              </a:spcAft>
+              <a:buClr>
+                <a:schemeClr val="dk1"/>
+              </a:buClr>
+              <a:buSzPts val="1100"/>
+              <a:buFont typeface="Arial"/>
               <a:buNone/>
             </a:pPr>
             <a:r>
-              <a:rPr lang="es" sz="1700"/>
-              <a:t>¿Cómo lo harías?</a:t>
+              <a:rPr lang="es"/>
+              <a:t>¿Existe algo parecido que ya se ha implementado?</a:t>
             </a:r>
-            <a:endParaRPr sz="1700"/>
+            <a:endParaRPr/>
           </a:p>
         </p:txBody>
       </p:sp>
       <p:sp>
         <p:nvSpPr>
-          <p:cNvPr id="84" name="Google Shape;84;p15"/>
-          <p:cNvSpPr txBox="1">
-            <a:spLocks noGrp="1"/>
-          </p:cNvSpPr>
-          <p:nvPr>
-            <p:ph type="ctrTitle"/>
-          </p:nvPr>
+          <p:cNvPr id="223" name="Google Shape;223;p20"/>
+          <p:cNvSpPr txBox="1"/>
+          <p:nvPr/>
         </p:nvSpPr>
         <p:spPr>
-          <a:xfrm>
-            <a:off x="2228850" y="2678025"/>
-            <a:ext cx="2806800" cy="477000"/>
+          <a:xfrm flipH="1">
+            <a:off x="1574575" y="3017913"/>
+            <a:ext cx="1855200" cy="264900"/>
           </a:xfrm>
           <a:prstGeom prst="rect">
             <a:avLst/>
           </a:prstGeom>
+          <a:noFill/>
+          <a:ln>
+            <a:noFill/>
+          </a:ln>
         </p:spPr>
         <p:txBody>
           <a:bodyPr spcFirstLastPara="1" wrap="square" lIns="91425" tIns="91425" rIns="91425" bIns="91425" anchor="ctr" anchorCtr="0">
@@ -15733,7 +17530,10 @@
           </a:bodyPr>
           <a:lstStyle/>
           <a:p>
-            <a:pPr marL="0" lvl="0" indent="0" algn="l" rtl="0">
+            <a:pPr marL="914400" lvl="0" indent="0" algn="just" rtl="0">
+              <a:lnSpc>
+                <a:spcPct val="115000"/>
+              </a:lnSpc>
               <a:spcBef>
                 <a:spcPts val="0"/>
               </a:spcBef>
@@ -15743,27 +17543,165 @@
               <a:buNone/>
             </a:pPr>
             <a:r>
-              <a:rPr lang="es"/>
-              <a:t>Dispositivos</a:t>
+              <a:rPr lang="es" sz="1300">
+                <a:solidFill>
+                  <a:schemeClr val="lt1"/>
+                </a:solidFill>
+                <a:latin typeface="Unica One"/>
+                <a:ea typeface="Unica One"/>
+                <a:cs typeface="Unica One"/>
+                <a:sym typeface="Unica One"/>
+              </a:rPr>
+              <a:t>Air Visual</a:t>
             </a:r>
-            <a:endParaRPr/>
+            <a:endParaRPr sz="1100">
+              <a:solidFill>
+                <a:schemeClr val="lt1"/>
+              </a:solidFill>
+              <a:latin typeface="Unica One"/>
+              <a:ea typeface="Unica One"/>
+              <a:cs typeface="Unica One"/>
+              <a:sym typeface="Unica One"/>
+            </a:endParaRPr>
           </a:p>
         </p:txBody>
       </p:sp>
       <p:sp>
         <p:nvSpPr>
-          <p:cNvPr id="85" name="Google Shape;85;p15"/>
+          <p:cNvPr id="224" name="Google Shape;224;p20"/>
+          <p:cNvSpPr txBox="1"/>
+          <p:nvPr/>
+        </p:nvSpPr>
+        <p:spPr>
+          <a:xfrm flipH="1">
+            <a:off x="4962650" y="3695988"/>
+            <a:ext cx="1855200" cy="264900"/>
+          </a:xfrm>
+          <a:prstGeom prst="rect">
+            <a:avLst/>
+          </a:prstGeom>
+          <a:noFill/>
+          <a:ln>
+            <a:noFill/>
+          </a:ln>
+        </p:spPr>
+        <p:txBody>
+          <a:bodyPr spcFirstLastPara="1" wrap="square" lIns="91425" tIns="91425" rIns="91425" bIns="91425" anchor="ctr" anchorCtr="0">
+            <a:noAutofit/>
+          </a:bodyPr>
+          <a:lstStyle/>
+          <a:p>
+            <a:pPr marL="914400" lvl="0" indent="0" algn="r" rtl="0">
+              <a:lnSpc>
+                <a:spcPct val="115000"/>
+              </a:lnSpc>
+              <a:spcBef>
+                <a:spcPts val="0"/>
+              </a:spcBef>
+              <a:spcAft>
+                <a:spcPts val="0"/>
+              </a:spcAft>
+              <a:buNone/>
+            </a:pPr>
+            <a:r>
+              <a:rPr lang="es" sz="1300">
+                <a:solidFill>
+                  <a:schemeClr val="lt1"/>
+                </a:solidFill>
+                <a:latin typeface="Unica One"/>
+                <a:ea typeface="Unica One"/>
+                <a:cs typeface="Unica One"/>
+                <a:sym typeface="Unica One"/>
+              </a:rPr>
+              <a:t>Plume air report</a:t>
+            </a:r>
+            <a:endParaRPr sz="1100">
+              <a:solidFill>
+                <a:schemeClr val="lt1"/>
+              </a:solidFill>
+              <a:latin typeface="Unica One"/>
+              <a:ea typeface="Unica One"/>
+              <a:cs typeface="Unica One"/>
+              <a:sym typeface="Unica One"/>
+            </a:endParaRPr>
+          </a:p>
+        </p:txBody>
+      </p:sp>
+      <p:sp>
+        <p:nvSpPr>
+          <p:cNvPr id="225" name="Google Shape;225;p20"/>
+          <p:cNvSpPr txBox="1"/>
+          <p:nvPr/>
+        </p:nvSpPr>
+        <p:spPr>
+          <a:xfrm flipH="1">
+            <a:off x="5215075" y="2357963"/>
+            <a:ext cx="1855200" cy="264900"/>
+          </a:xfrm>
+          <a:prstGeom prst="rect">
+            <a:avLst/>
+          </a:prstGeom>
+          <a:noFill/>
+          <a:ln>
+            <a:noFill/>
+          </a:ln>
+        </p:spPr>
+        <p:txBody>
+          <a:bodyPr spcFirstLastPara="1" wrap="square" lIns="91425" tIns="91425" rIns="91425" bIns="91425" anchor="ctr" anchorCtr="0">
+            <a:noAutofit/>
+          </a:bodyPr>
+          <a:lstStyle/>
+          <a:p>
+            <a:pPr marL="914400" lvl="0" indent="0" algn="just" rtl="0">
+              <a:lnSpc>
+                <a:spcPct val="115000"/>
+              </a:lnSpc>
+              <a:spcBef>
+                <a:spcPts val="0"/>
+              </a:spcBef>
+              <a:spcAft>
+                <a:spcPts val="0"/>
+              </a:spcAft>
+              <a:buNone/>
+            </a:pPr>
+            <a:r>
+              <a:rPr lang="es" sz="1300">
+                <a:solidFill>
+                  <a:schemeClr val="lt1"/>
+                </a:solidFill>
+                <a:latin typeface="Unica One"/>
+                <a:ea typeface="Unica One"/>
+                <a:cs typeface="Unica One"/>
+                <a:sym typeface="Unica One"/>
+              </a:rPr>
+              <a:t>airACT</a:t>
+            </a:r>
+            <a:endParaRPr sz="1100">
+              <a:solidFill>
+                <a:schemeClr val="lt1"/>
+              </a:solidFill>
+              <a:latin typeface="Unica One"/>
+              <a:ea typeface="Unica One"/>
+              <a:cs typeface="Unica One"/>
+              <a:sym typeface="Unica One"/>
+            </a:endParaRPr>
+          </a:p>
+        </p:txBody>
+      </p:sp>
+      <p:sp>
+        <p:nvSpPr>
+          <p:cNvPr id="226" name="Google Shape;226;p20"/>
           <p:cNvSpPr txBox="1">
             <a:spLocks noGrp="1"/>
           </p:cNvSpPr>
           <p:nvPr>
-            <p:ph type="subTitle" idx="1"/>
+            <p:ph type="subTitle" idx="4294967295"/>
           </p:nvPr>
         </p:nvSpPr>
         <p:spPr>
           <a:xfrm>
-            <a:off x="2381250" y="698750"/>
-            <a:ext cx="5116200" cy="1525500"/>
+            <a:off x="5691250" y="4171700"/>
+            <a:ext cx="2211900" cy="572400"/>
           </a:xfrm>
           <a:prstGeom prst="rect">
             <a:avLst/>
@@ -15775,122 +17713,98 @@
           </a:bodyPr>
           <a:lstStyle/>
           <a:p>
-            <a:pPr marL="0" lvl="0" indent="0" algn="l" rtl="0">
-              <a:spcBef>
-                <a:spcPts val="0"/>
-              </a:spcBef>
-              <a:spcAft>
-                <a:spcPts val="0"/>
-              </a:spcAft>
-              <a:buClr>
-                <a:schemeClr val="dk1"/>
-              </a:buClr>
-              <a:buSzPts val="1100"/>
-              <a:buFont typeface="Arial"/>
+            <a:pPr marL="0" lvl="0" indent="0" algn="just" rtl="0">
+              <a:lnSpc>
+                <a:spcPct val="100000"/>
+              </a:lnSpc>
+              <a:spcBef>
+                <a:spcPts val="0"/>
+              </a:spcBef>
+              <a:spcAft>
+                <a:spcPts val="0"/>
+              </a:spcAft>
               <a:buNone/>
             </a:pPr>
             <a:r>
-              <a:rPr lang="es"/>
-              <a:t>Se requieren de sensores instalados en los edificios altos, alcantarillas, avionetas,  ríos, tierra de cultivo y cualquier punto clave en la ciudad/campo para una medición adecuada. Para medir la contaminación en ámbitos distintos ambientales de la ciudad se requieren sensores de detección de:</a:t>
+              <a:rPr lang="es" sz="900">
+                <a:latin typeface="Lato"/>
+                <a:ea typeface="Lato"/>
+                <a:cs typeface="Lato"/>
+                <a:sym typeface="Lato"/>
+              </a:rPr>
+              <a:t>Basándose en inteligencia artificial, notifica las mejores horas para salir a hacer deporte, y evitar el aire más nocivo para la salud.</a:t>
             </a:r>
-            <a:endParaRPr/>
+            <a:endParaRPr sz="900">
+              <a:latin typeface="Lato"/>
+              <a:ea typeface="Lato"/>
+              <a:cs typeface="Lato"/>
+              <a:sym typeface="Lato"/>
+            </a:endParaRPr>
           </a:p>
           <a:p>
             <a:pPr marL="0" lvl="0" indent="0" algn="l" rtl="0">
-              <a:spcBef>
-                <a:spcPts val="0"/>
-              </a:spcBef>
-              <a:spcAft>
-                <a:spcPts val="0"/>
-              </a:spcAft>
-              <a:buClr>
-                <a:schemeClr val="dk1"/>
-              </a:buClr>
-              <a:buSzPts val="1100"/>
-              <a:buFont typeface="Arial"/>
+              <a:lnSpc>
+                <a:spcPct val="100000"/>
+              </a:lnSpc>
+              <a:spcBef>
+                <a:spcPts val="0"/>
+              </a:spcBef>
+              <a:spcAft>
+                <a:spcPts val="1600"/>
+              </a:spcAft>
               <a:buNone/>
             </a:pPr>
-            <a:endParaRPr/>
+            <a:endParaRPr sz="1000"/>
           </a:p>
+        </p:txBody>
+      </p:sp>
+      <p:sp>
+        <p:nvSpPr>
+          <p:cNvPr id="227" name="Google Shape;227;p20"/>
+          <p:cNvSpPr txBox="1">
+            <a:spLocks noGrp="1"/>
+          </p:cNvSpPr>
+          <p:nvPr>
+            <p:ph type="subTitle" idx="4294967295"/>
+          </p:nvPr>
+        </p:nvSpPr>
+        <p:spPr>
+          <a:xfrm>
+            <a:off x="1270750" y="1934125"/>
+            <a:ext cx="2525700" cy="572400"/>
+          </a:xfrm>
+          <a:prstGeom prst="rect">
+            <a:avLst/>
+          </a:prstGeom>
+        </p:spPr>
+        <p:txBody>
+          <a:bodyPr spcFirstLastPara="1" wrap="square" lIns="91425" tIns="91425" rIns="91425" bIns="91425" anchor="t" anchorCtr="0">
+            <a:noAutofit/>
+          </a:bodyPr>
+          <a:lstStyle/>
           <a:p>
-            <a:pPr marL="457200" lvl="0" indent="-304800" algn="l" rtl="0">
-              <a:spcBef>
-                <a:spcPts val="0"/>
-              </a:spcBef>
-              <a:spcAft>
-                <a:spcPts val="0"/>
-              </a:spcAft>
-              <a:buSzPts val="1200"/>
-              <a:buChar char="●"/>
+            <a:pPr marL="0" lvl="0" indent="0" algn="just" rtl="0">
+              <a:lnSpc>
+                <a:spcPct val="100000"/>
+              </a:lnSpc>
+              <a:spcBef>
+                <a:spcPts val="0"/>
+              </a:spcBef>
+              <a:spcAft>
+                <a:spcPts val="0"/>
+              </a:spcAft>
+              <a:buNone/>
             </a:pPr>
             <a:r>
-              <a:rPr lang="es"/>
-              <a:t>CO2, N2O, CH4, entre otros gases de efecto invernadero, para la contaminación atmosférica del aire.</a:t>
+              <a:rPr lang="es" sz="900">
+                <a:latin typeface="Lato"/>
+                <a:ea typeface="Lato"/>
+                <a:cs typeface="Lato"/>
+                <a:sym typeface="Lato"/>
+              </a:rPr>
+              <a:t>Página web que cuantifica la cantidad de contaminantes atmosféricos (O3, NO2, SO2), y marca los puntos contaminados en la región del mapa.</a:t>
             </a:r>
-            <a:endParaRPr/>
-          </a:p>
-          <a:p>
-            <a:pPr marL="457200" lvl="0" indent="-304800" algn="l" rtl="0">
-              <a:spcBef>
-                <a:spcPts val="0"/>
-              </a:spcBef>
-              <a:spcAft>
-                <a:spcPts val="0"/>
-              </a:spcAft>
-              <a:buSzPts val="1200"/>
-              <a:buChar char="●"/>
-            </a:pPr>
-            <a:r>
-              <a:rPr lang="es"/>
-              <a:t>Materia orgánica descompuesta (basura), microorganismos dañinos o ácidos fuertes para el agua.</a:t>
-            </a:r>
-            <a:endParaRPr/>
-          </a:p>
-          <a:p>
-            <a:pPr marL="457200" lvl="0" indent="-304800" algn="l" rtl="0">
-              <a:spcBef>
-                <a:spcPts val="0"/>
-              </a:spcBef>
-              <a:spcAft>
-                <a:spcPts val="0"/>
-              </a:spcAft>
-              <a:buSzPts val="1200"/>
-              <a:buChar char="●"/>
-            </a:pPr>
-            <a:r>
-              <a:rPr lang="es"/>
-              <a:t>N2, K, P2O5, y orgánicos tóxicos en la tierra de cultivo. </a:t>
-            </a:r>
-            <a:endParaRPr/>
-          </a:p>
-          <a:p>
-            <a:pPr marL="0" lvl="0" indent="0" algn="l" rtl="0">
-              <a:spcBef>
-                <a:spcPts val="0"/>
-              </a:spcBef>
-              <a:spcAft>
-                <a:spcPts val="0"/>
-              </a:spcAft>
-              <a:buClr>
-                <a:schemeClr val="dk1"/>
-              </a:buClr>
-              <a:buSzPts val="1100"/>
-              <a:buFont typeface="Arial"/>
-              <a:buNone/>
-            </a:pPr>
-            <a:endParaRPr/>
-          </a:p>
-          <a:p>
-            <a:pPr marL="0" lvl="0" indent="0" algn="l" rtl="0">
-              <a:spcBef>
-                <a:spcPts val="0"/>
-              </a:spcBef>
-              <a:spcAft>
-                <a:spcPts val="0"/>
-              </a:spcAft>
-              <a:buNone/>
-            </a:pPr>
-            <a:endParaRPr/>
+            <a:endParaRPr sz="900"/>
           </a:p>
         </p:txBody>
       </p:sp>

--- a/Proyecto Final Progra.pptx
+++ b/Proyecto Final Progra.pptx
@@ -5,7 +5,7 @@
     <p:sldMasterId id="2147483662" r:id="rId1"/>
   </p:sldMasterIdLst>
   <p:notesMasterIdLst>
-    <p:notesMasterId r:id="rId8"/>
+    <p:notesMasterId r:id="rId10"/>
   </p:notesMasterIdLst>
   <p:sldIdLst>
     <p:sldId id="256" r:id="rId2"/>
@@ -14,38 +14,40 @@
     <p:sldId id="262" r:id="rId5"/>
     <p:sldId id="260" r:id="rId6"/>
     <p:sldId id="263" r:id="rId7"/>
+    <p:sldId id="264" r:id="rId8"/>
+    <p:sldId id="265" r:id="rId9"/>
   </p:sldIdLst>
   <p:sldSz cx="9144000" cy="5143500" type="screen16x9"/>
   <p:notesSz cx="6858000" cy="9144000"/>
   <p:embeddedFontLst>
     <p:embeddedFont>
       <p:font typeface="Fira Sans Extra Condensed Medium" panose="020B0604020202020204" charset="0"/>
-      <p:regular r:id="rId9"/>
-      <p:bold r:id="rId10"/>
-      <p:italic r:id="rId11"/>
-      <p:boldItalic r:id="rId12"/>
+      <p:regular r:id="rId11"/>
+      <p:bold r:id="rId12"/>
+      <p:italic r:id="rId13"/>
+      <p:boldItalic r:id="rId14"/>
     </p:embeddedFont>
     <p:embeddedFont>
-      <p:font typeface="Lato" panose="020F0502020204030203" pitchFamily="34" charset="0"/>
-      <p:regular r:id="rId13"/>
-      <p:bold r:id="rId14"/>
-      <p:italic r:id="rId15"/>
-      <p:boldItalic r:id="rId16"/>
+      <p:font typeface="Lato" panose="020B0604020202020204" charset="0"/>
+      <p:regular r:id="rId15"/>
+      <p:bold r:id="rId16"/>
+      <p:italic r:id="rId17"/>
+      <p:boldItalic r:id="rId18"/>
     </p:embeddedFont>
     <p:embeddedFont>
       <p:font typeface="Lato Light" panose="020B0604020202020204" charset="0"/>
-      <p:regular r:id="rId17"/>
-      <p:bold r:id="rId18"/>
-      <p:italic r:id="rId19"/>
-      <p:boldItalic r:id="rId20"/>
+      <p:regular r:id="rId19"/>
+      <p:bold r:id="rId20"/>
+      <p:italic r:id="rId21"/>
+      <p:boldItalic r:id="rId22"/>
     </p:embeddedFont>
     <p:embeddedFont>
       <p:font typeface="Squada One" panose="020B0604020202020204" charset="0"/>
-      <p:regular r:id="rId21"/>
+      <p:regular r:id="rId23"/>
     </p:embeddedFont>
     <p:embeddedFont>
       <p:font typeface="Unica One" panose="020B0604020202020204" charset="0"/>
-      <p:regular r:id="rId22"/>
+      <p:regular r:id="rId24"/>
     </p:embeddedFont>
   </p:embeddedFontLst>
   <p:defaultTextStyle>
@@ -1350,6 +1352,214 @@
 </p:notes>
 </file>
 
+<file path=ppt/notesSlides/notesSlide7.xml><?xml version="1.0" encoding="utf-8"?>
+<p:notes xmlns:a="http://schemas.openxmlformats.org/drawingml/2006/main" xmlns:r="http://schemas.openxmlformats.org/officeDocument/2006/relationships" xmlns:p="http://schemas.openxmlformats.org/presentationml/2006/main" showMasterSp="0" showMasterPhAnim="0">
+  <p:cSld>
+    <p:spTree>
+      <p:nvGrpSpPr>
+        <p:cNvPr id="1" name="Shape 228"/>
+        <p:cNvGrpSpPr/>
+        <p:nvPr/>
+      </p:nvGrpSpPr>
+      <p:grpSpPr>
+        <a:xfrm>
+          <a:off x="0" y="0"/>
+          <a:ext cx="0" cy="0"/>
+          <a:chOff x="0" y="0"/>
+          <a:chExt cx="0" cy="0"/>
+        </a:xfrm>
+      </p:grpSpPr>
+      <p:sp>
+        <p:nvSpPr>
+          <p:cNvPr id="229" name="Google Shape;229;gd870ec93cd_2_2:notes"/>
+          <p:cNvSpPr>
+            <a:spLocks noGrp="1" noRot="1" noChangeAspect="1"/>
+          </p:cNvSpPr>
+          <p:nvPr>
+            <p:ph type="sldImg" idx="2"/>
+          </p:nvPr>
+        </p:nvSpPr>
+        <p:spPr>
+          <a:xfrm>
+            <a:off x="381000" y="685800"/>
+            <a:ext cx="6096000" cy="3429000"/>
+          </a:xfrm>
+          <a:custGeom>
+            <a:avLst/>
+            <a:gdLst/>
+            <a:ahLst/>
+            <a:cxnLst/>
+            <a:rect l="l" t="t" r="r" b="b"/>
+            <a:pathLst>
+              <a:path w="120000" h="120000" extrusionOk="0">
+                <a:moveTo>
+                  <a:pt x="0" y="0"/>
+                </a:moveTo>
+                <a:lnTo>
+                  <a:pt x="120000" y="0"/>
+                </a:lnTo>
+                <a:lnTo>
+                  <a:pt x="120000" y="120000"/>
+                </a:lnTo>
+                <a:lnTo>
+                  <a:pt x="0" y="120000"/>
+                </a:lnTo>
+                <a:close/>
+              </a:path>
+            </a:pathLst>
+          </a:custGeom>
+        </p:spPr>
+      </p:sp>
+      <p:sp>
+        <p:nvSpPr>
+          <p:cNvPr id="230" name="Google Shape;230;gd870ec93cd_2_2:notes"/>
+          <p:cNvSpPr txBox="1">
+            <a:spLocks noGrp="1"/>
+          </p:cNvSpPr>
+          <p:nvPr>
+            <p:ph type="body" idx="1"/>
+          </p:nvPr>
+        </p:nvSpPr>
+        <p:spPr>
+          <a:xfrm>
+            <a:off x="685800" y="4343400"/>
+            <a:ext cx="5486400" cy="4114800"/>
+          </a:xfrm>
+          <a:prstGeom prst="rect">
+            <a:avLst/>
+          </a:prstGeom>
+        </p:spPr>
+        <p:txBody>
+          <a:bodyPr spcFirstLastPara="1" wrap="square" lIns="91425" tIns="91425" rIns="91425" bIns="91425" anchor="t" anchorCtr="0">
+            <a:noAutofit/>
+          </a:bodyPr>
+          <a:lstStyle/>
+          <a:p>
+            <a:pPr marL="0" lvl="0" indent="0" algn="l" rtl="0">
+              <a:spcBef>
+                <a:spcPts val="0"/>
+              </a:spcBef>
+              <a:spcAft>
+                <a:spcPts val="0"/>
+              </a:spcAft>
+              <a:buNone/>
+            </a:pPr>
+            <a:endParaRPr/>
+          </a:p>
+        </p:txBody>
+      </p:sp>
+    </p:spTree>
+  </p:cSld>
+  <p:clrMapOvr>
+    <a:masterClrMapping/>
+  </p:clrMapOvr>
+</p:notes>
+</file>
+
+<file path=ppt/notesSlides/notesSlide8.xml><?xml version="1.0" encoding="utf-8"?>
+<p:notes xmlns:a="http://schemas.openxmlformats.org/drawingml/2006/main" xmlns:r="http://schemas.openxmlformats.org/officeDocument/2006/relationships" xmlns:p="http://schemas.openxmlformats.org/presentationml/2006/main" showMasterSp="0" showMasterPhAnim="0">
+  <p:cSld>
+    <p:spTree>
+      <p:nvGrpSpPr>
+        <p:cNvPr id="1" name="Shape 244"/>
+        <p:cNvGrpSpPr/>
+        <p:nvPr/>
+      </p:nvGrpSpPr>
+      <p:grpSpPr>
+        <a:xfrm>
+          <a:off x="0" y="0"/>
+          <a:ext cx="0" cy="0"/>
+          <a:chOff x="0" y="0"/>
+          <a:chExt cx="0" cy="0"/>
+        </a:xfrm>
+      </p:grpSpPr>
+      <p:sp>
+        <p:nvSpPr>
+          <p:cNvPr id="245" name="Google Shape;245;g5465e7bc0b_1_53:notes"/>
+          <p:cNvSpPr>
+            <a:spLocks noGrp="1" noRot="1" noChangeAspect="1"/>
+          </p:cNvSpPr>
+          <p:nvPr>
+            <p:ph type="sldImg" idx="2"/>
+          </p:nvPr>
+        </p:nvSpPr>
+        <p:spPr>
+          <a:xfrm>
+            <a:off x="381000" y="685800"/>
+            <a:ext cx="6096000" cy="3429000"/>
+          </a:xfrm>
+          <a:custGeom>
+            <a:avLst/>
+            <a:gdLst/>
+            <a:ahLst/>
+            <a:cxnLst/>
+            <a:rect l="l" t="t" r="r" b="b"/>
+            <a:pathLst>
+              <a:path w="120000" h="120000" extrusionOk="0">
+                <a:moveTo>
+                  <a:pt x="0" y="0"/>
+                </a:moveTo>
+                <a:lnTo>
+                  <a:pt x="120000" y="0"/>
+                </a:lnTo>
+                <a:lnTo>
+                  <a:pt x="120000" y="120000"/>
+                </a:lnTo>
+                <a:lnTo>
+                  <a:pt x="0" y="120000"/>
+                </a:lnTo>
+                <a:close/>
+              </a:path>
+            </a:pathLst>
+          </a:custGeom>
+        </p:spPr>
+      </p:sp>
+      <p:sp>
+        <p:nvSpPr>
+          <p:cNvPr id="246" name="Google Shape;246;g5465e7bc0b_1_53:notes"/>
+          <p:cNvSpPr txBox="1">
+            <a:spLocks noGrp="1"/>
+          </p:cNvSpPr>
+          <p:nvPr>
+            <p:ph type="body" idx="1"/>
+          </p:nvPr>
+        </p:nvSpPr>
+        <p:spPr>
+          <a:xfrm>
+            <a:off x="685800" y="4343400"/>
+            <a:ext cx="5486400" cy="4114800"/>
+          </a:xfrm>
+          <a:prstGeom prst="rect">
+            <a:avLst/>
+          </a:prstGeom>
+        </p:spPr>
+        <p:txBody>
+          <a:bodyPr spcFirstLastPara="1" wrap="square" lIns="91425" tIns="91425" rIns="91425" bIns="91425" anchor="t" anchorCtr="0">
+            <a:noAutofit/>
+          </a:bodyPr>
+          <a:lstStyle/>
+          <a:p>
+            <a:pPr marL="0" lvl="0" indent="0" algn="l" rtl="0">
+              <a:spcBef>
+                <a:spcPts val="0"/>
+              </a:spcBef>
+              <a:spcAft>
+                <a:spcPts val="0"/>
+              </a:spcAft>
+              <a:buNone/>
+            </a:pPr>
+            <a:endParaRPr/>
+          </a:p>
+        </p:txBody>
+      </p:sp>
+    </p:spTree>
+  </p:cSld>
+  <p:clrMapOvr>
+    <a:masterClrMapping/>
+  </p:clrMapOvr>
+</p:notes>
+</file>
+
 <file path=ppt/slideLayouts/slideLayout1.xml><?xml version="1.0" encoding="utf-8"?>
 <p:sldLayout xmlns:a="http://schemas.openxmlformats.org/drawingml/2006/main" xmlns:r="http://schemas.openxmlformats.org/officeDocument/2006/relationships" xmlns:p="http://schemas.openxmlformats.org/presentationml/2006/main" matchingName="Title + design">
   <p:cSld name="CUSTOM_18">
@@ -1898,6 +2108,338 @@
     <p:extLst>
       <p:ext uri="{BB962C8B-B14F-4D97-AF65-F5344CB8AC3E}">
         <p14:creationId xmlns:p14="http://schemas.microsoft.com/office/powerpoint/2010/main" val="2181095155"/>
+      </p:ext>
+    </p:extLst>
+  </p:cSld>
+  <p:clrMapOvr>
+    <a:masterClrMapping/>
+  </p:clrMapOvr>
+</p:sldLayout>
+</file>
+
+<file path=ppt/slideLayouts/slideLayout11.xml><?xml version="1.0" encoding="utf-8"?>
+<p:sldLayout xmlns:a="http://schemas.openxmlformats.org/drawingml/2006/main" xmlns:r="http://schemas.openxmlformats.org/officeDocument/2006/relationships" xmlns:p="http://schemas.openxmlformats.org/presentationml/2006/main" matchingName="Credits">
+  <p:cSld name="Credits">
+    <p:spTree>
+      <p:nvGrpSpPr>
+        <p:cNvPr id="1" name="Shape 64"/>
+        <p:cNvGrpSpPr/>
+        <p:nvPr/>
+      </p:nvGrpSpPr>
+      <p:grpSpPr>
+        <a:xfrm>
+          <a:off x="0" y="0"/>
+          <a:ext cx="0" cy="0"/>
+          <a:chOff x="0" y="0"/>
+          <a:chExt cx="0" cy="0"/>
+        </a:xfrm>
+      </p:grpSpPr>
+      <p:sp>
+        <p:nvSpPr>
+          <p:cNvPr id="65" name="Google Shape;65;p11"/>
+          <p:cNvSpPr txBox="1">
+            <a:spLocks noGrp="1"/>
+          </p:cNvSpPr>
+          <p:nvPr>
+            <p:ph type="body" idx="1"/>
+          </p:nvPr>
+        </p:nvSpPr>
+        <p:spPr>
+          <a:xfrm>
+            <a:off x="718250" y="2134800"/>
+            <a:ext cx="5308200" cy="1476000"/>
+          </a:xfrm>
+          <a:prstGeom prst="rect">
+            <a:avLst/>
+          </a:prstGeom>
+        </p:spPr>
+        <p:txBody>
+          <a:bodyPr spcFirstLastPara="1" wrap="square" lIns="91425" tIns="91425" rIns="91425" bIns="91425" anchor="t" anchorCtr="0">
+            <a:noAutofit/>
+          </a:bodyPr>
+          <a:lstStyle>
+            <a:lvl1pPr marL="457200" lvl="0" indent="-304800" rtl="0">
+              <a:spcBef>
+                <a:spcPts val="0"/>
+              </a:spcBef>
+              <a:spcAft>
+                <a:spcPts val="0"/>
+              </a:spcAft>
+              <a:buSzPts val="1200"/>
+              <a:buChar char="●"/>
+              <a:defRPr/>
+            </a:lvl1pPr>
+            <a:lvl2pPr marL="914400" lvl="1" indent="-304800" rtl="0">
+              <a:spcBef>
+                <a:spcPts val="1600"/>
+              </a:spcBef>
+              <a:spcAft>
+                <a:spcPts val="0"/>
+              </a:spcAft>
+              <a:buSzPts val="1200"/>
+              <a:buChar char="○"/>
+              <a:defRPr/>
+            </a:lvl2pPr>
+            <a:lvl3pPr marL="1371600" lvl="2" indent="-304800" rtl="0">
+              <a:spcBef>
+                <a:spcPts val="1600"/>
+              </a:spcBef>
+              <a:spcAft>
+                <a:spcPts val="0"/>
+              </a:spcAft>
+              <a:buSzPts val="1200"/>
+              <a:buChar char="■"/>
+              <a:defRPr/>
+            </a:lvl3pPr>
+            <a:lvl4pPr marL="1828800" lvl="3" indent="-304800" rtl="0">
+              <a:spcBef>
+                <a:spcPts val="1600"/>
+              </a:spcBef>
+              <a:spcAft>
+                <a:spcPts val="0"/>
+              </a:spcAft>
+              <a:buSzPts val="1200"/>
+              <a:buChar char="●"/>
+              <a:defRPr/>
+            </a:lvl4pPr>
+            <a:lvl5pPr marL="2286000" lvl="4" indent="-304800" rtl="0">
+              <a:spcBef>
+                <a:spcPts val="1600"/>
+              </a:spcBef>
+              <a:spcAft>
+                <a:spcPts val="0"/>
+              </a:spcAft>
+              <a:buSzPts val="1200"/>
+              <a:buChar char="○"/>
+              <a:defRPr/>
+            </a:lvl5pPr>
+            <a:lvl6pPr marL="2743200" lvl="5" indent="-304800" rtl="0">
+              <a:spcBef>
+                <a:spcPts val="1600"/>
+              </a:spcBef>
+              <a:spcAft>
+                <a:spcPts val="0"/>
+              </a:spcAft>
+              <a:buSzPts val="1200"/>
+              <a:buChar char="■"/>
+              <a:defRPr/>
+            </a:lvl6pPr>
+            <a:lvl7pPr marL="3200400" lvl="6" indent="-304800" rtl="0">
+              <a:spcBef>
+                <a:spcPts val="1600"/>
+              </a:spcBef>
+              <a:spcAft>
+                <a:spcPts val="0"/>
+              </a:spcAft>
+              <a:buSzPts val="1200"/>
+              <a:buChar char="●"/>
+              <a:defRPr/>
+            </a:lvl7pPr>
+            <a:lvl8pPr marL="3657600" lvl="7" indent="-304800" rtl="0">
+              <a:spcBef>
+                <a:spcPts val="1600"/>
+              </a:spcBef>
+              <a:spcAft>
+                <a:spcPts val="0"/>
+              </a:spcAft>
+              <a:buSzPts val="1200"/>
+              <a:buChar char="○"/>
+              <a:defRPr/>
+            </a:lvl8pPr>
+            <a:lvl9pPr marL="4114800" lvl="8" indent="-304800" rtl="0">
+              <a:spcBef>
+                <a:spcPts val="1600"/>
+              </a:spcBef>
+              <a:spcAft>
+                <a:spcPts val="1600"/>
+              </a:spcAft>
+              <a:buSzPts val="1200"/>
+              <a:buChar char="■"/>
+              <a:defRPr/>
+            </a:lvl9pPr>
+          </a:lstStyle>
+          <a:p>
+            <a:endParaRPr/>
+          </a:p>
+        </p:txBody>
+      </p:sp>
+      <p:sp>
+        <p:nvSpPr>
+          <p:cNvPr id="66" name="Google Shape;66;p11"/>
+          <p:cNvSpPr txBox="1">
+            <a:spLocks noGrp="1"/>
+          </p:cNvSpPr>
+          <p:nvPr>
+            <p:ph type="ctrTitle"/>
+          </p:nvPr>
+        </p:nvSpPr>
+        <p:spPr>
+          <a:xfrm>
+            <a:off x="720000" y="377975"/>
+            <a:ext cx="1337400" cy="946200"/>
+          </a:xfrm>
+          <a:prstGeom prst="rect">
+            <a:avLst/>
+          </a:prstGeom>
+        </p:spPr>
+        <p:txBody>
+          <a:bodyPr spcFirstLastPara="1" wrap="square" lIns="91425" tIns="91425" rIns="91425" bIns="91425" anchor="ctr" anchorCtr="0">
+            <a:noAutofit/>
+          </a:bodyPr>
+          <a:lstStyle>
+            <a:lvl1pPr lvl="0" rtl="0">
+              <a:spcBef>
+                <a:spcPts val="0"/>
+              </a:spcBef>
+              <a:spcAft>
+                <a:spcPts val="0"/>
+              </a:spcAft>
+              <a:buSzPts val="1400"/>
+              <a:buNone/>
+              <a:defRPr sz="1400"/>
+            </a:lvl1pPr>
+            <a:lvl2pPr lvl="1" algn="ctr" rtl="0">
+              <a:spcBef>
+                <a:spcPts val="0"/>
+              </a:spcBef>
+              <a:spcAft>
+                <a:spcPts val="0"/>
+              </a:spcAft>
+              <a:buSzPts val="1400"/>
+              <a:buNone/>
+              <a:defRPr sz="1400"/>
+            </a:lvl2pPr>
+            <a:lvl3pPr lvl="2" algn="ctr" rtl="0">
+              <a:spcBef>
+                <a:spcPts val="0"/>
+              </a:spcBef>
+              <a:spcAft>
+                <a:spcPts val="0"/>
+              </a:spcAft>
+              <a:buSzPts val="1400"/>
+              <a:buNone/>
+              <a:defRPr sz="1400"/>
+            </a:lvl3pPr>
+            <a:lvl4pPr lvl="3" algn="ctr" rtl="0">
+              <a:spcBef>
+                <a:spcPts val="0"/>
+              </a:spcBef>
+              <a:spcAft>
+                <a:spcPts val="0"/>
+              </a:spcAft>
+              <a:buSzPts val="1400"/>
+              <a:buNone/>
+              <a:defRPr sz="1400"/>
+            </a:lvl4pPr>
+            <a:lvl5pPr lvl="4" algn="ctr" rtl="0">
+              <a:spcBef>
+                <a:spcPts val="0"/>
+              </a:spcBef>
+              <a:spcAft>
+                <a:spcPts val="0"/>
+              </a:spcAft>
+              <a:buSzPts val="1400"/>
+              <a:buNone/>
+              <a:defRPr sz="1400"/>
+            </a:lvl5pPr>
+            <a:lvl6pPr lvl="5" algn="ctr" rtl="0">
+              <a:spcBef>
+                <a:spcPts val="0"/>
+              </a:spcBef>
+              <a:spcAft>
+                <a:spcPts val="0"/>
+              </a:spcAft>
+              <a:buSzPts val="1400"/>
+              <a:buNone/>
+              <a:defRPr sz="1400"/>
+            </a:lvl6pPr>
+            <a:lvl7pPr lvl="6" algn="ctr" rtl="0">
+              <a:spcBef>
+                <a:spcPts val="0"/>
+              </a:spcBef>
+              <a:spcAft>
+                <a:spcPts val="0"/>
+              </a:spcAft>
+              <a:buSzPts val="1400"/>
+              <a:buNone/>
+              <a:defRPr sz="1400"/>
+            </a:lvl7pPr>
+            <a:lvl8pPr lvl="7" algn="ctr" rtl="0">
+              <a:spcBef>
+                <a:spcPts val="0"/>
+              </a:spcBef>
+              <a:spcAft>
+                <a:spcPts val="0"/>
+              </a:spcAft>
+              <a:buSzPts val="1400"/>
+              <a:buNone/>
+              <a:defRPr sz="1400"/>
+            </a:lvl8pPr>
+            <a:lvl9pPr lvl="8" algn="ctr" rtl="0">
+              <a:spcBef>
+                <a:spcPts val="0"/>
+              </a:spcBef>
+              <a:spcAft>
+                <a:spcPts val="0"/>
+              </a:spcAft>
+              <a:buSzPts val="1400"/>
+              <a:buNone/>
+              <a:defRPr sz="1400"/>
+            </a:lvl9pPr>
+          </a:lstStyle>
+          <a:p>
+            <a:endParaRPr/>
+          </a:p>
+        </p:txBody>
+      </p:sp>
+      <p:sp>
+        <p:nvSpPr>
+          <p:cNvPr id="67" name="Google Shape;67;p11"/>
+          <p:cNvSpPr/>
+          <p:nvPr/>
+        </p:nvSpPr>
+        <p:spPr>
+          <a:xfrm>
+            <a:off x="-92200" y="550200"/>
+            <a:ext cx="1781700" cy="630000"/>
+          </a:xfrm>
+          <a:prstGeom prst="rect">
+            <a:avLst/>
+          </a:prstGeom>
+          <a:noFill/>
+          <a:ln w="9525" cap="flat" cmpd="sng">
+            <a:solidFill>
+              <a:schemeClr val="lt1"/>
+            </a:solidFill>
+            <a:prstDash val="solid"/>
+            <a:round/>
+            <a:headEnd type="none" w="sm" len="sm"/>
+            <a:tailEnd type="none" w="sm" len="sm"/>
+          </a:ln>
+        </p:spPr>
+        <p:txBody>
+          <a:bodyPr spcFirstLastPara="1" wrap="square" lIns="91425" tIns="91425" rIns="91425" bIns="91425" anchor="ctr" anchorCtr="0">
+            <a:noAutofit/>
+          </a:bodyPr>
+          <a:lstStyle/>
+          <a:p>
+            <a:pPr marL="0" lvl="0" indent="0" algn="l" rtl="0">
+              <a:spcBef>
+                <a:spcPts val="0"/>
+              </a:spcBef>
+              <a:spcAft>
+                <a:spcPts val="0"/>
+              </a:spcAft>
+              <a:buNone/>
+            </a:pPr>
+            <a:endParaRPr/>
+          </a:p>
+        </p:txBody>
+      </p:sp>
+    </p:spTree>
+    <p:extLst>
+      <p:ext uri="{BB962C8B-B14F-4D97-AF65-F5344CB8AC3E}">
+        <p14:creationId xmlns:p14="http://schemas.microsoft.com/office/powerpoint/2010/main" val="693174937"/>
       </p:ext>
     </p:extLst>
   </p:cSld>
@@ -7921,6 +8463,7 @@
     <p:sldLayoutId id="2147483664" r:id="rId8"/>
     <p:sldLayoutId id="2147483665" r:id="rId9"/>
     <p:sldLayoutId id="2147483666" r:id="rId10"/>
+    <p:sldLayoutId id="2147483667" r:id="rId11"/>
   </p:sldLayoutIdLst>
   <p:hf hdr="0" ftr="0" dt="0"/>
   <p:txStyles>
@@ -17816,6 +18359,938 @@
 </p:sld>
 </file>
 
+<file path=ppt/slides/slide7.xml><?xml version="1.0" encoding="utf-8"?>
+<p:sld xmlns:a="http://schemas.openxmlformats.org/drawingml/2006/main" xmlns:r="http://schemas.openxmlformats.org/officeDocument/2006/relationships" xmlns:p="http://schemas.openxmlformats.org/presentationml/2006/main">
+  <p:cSld>
+    <p:spTree>
+      <p:nvGrpSpPr>
+        <p:cNvPr id="1" name="Shape 231"/>
+        <p:cNvGrpSpPr/>
+        <p:nvPr/>
+      </p:nvGrpSpPr>
+      <p:grpSpPr>
+        <a:xfrm>
+          <a:off x="0" y="0"/>
+          <a:ext cx="0" cy="0"/>
+          <a:chOff x="0" y="0"/>
+          <a:chExt cx="0" cy="0"/>
+        </a:xfrm>
+      </p:grpSpPr>
+      <p:sp>
+        <p:nvSpPr>
+          <p:cNvPr id="232" name="Google Shape;232;p21"/>
+          <p:cNvSpPr txBox="1">
+            <a:spLocks noGrp="1"/>
+          </p:cNvSpPr>
+          <p:nvPr>
+            <p:ph type="ctrTitle"/>
+          </p:nvPr>
+        </p:nvSpPr>
+        <p:spPr>
+          <a:xfrm>
+            <a:off x="91075" y="412825"/>
+            <a:ext cx="1657200" cy="946200"/>
+          </a:xfrm>
+          <a:prstGeom prst="rect">
+            <a:avLst/>
+          </a:prstGeom>
+        </p:spPr>
+        <p:txBody>
+          <a:bodyPr spcFirstLastPara="1" wrap="square" lIns="91425" tIns="91425" rIns="91425" bIns="91425" anchor="ctr" anchorCtr="0">
+            <a:noAutofit/>
+          </a:bodyPr>
+          <a:lstStyle/>
+          <a:p>
+            <a:pPr marL="0" lvl="0" indent="0" algn="l" rtl="0">
+              <a:spcBef>
+                <a:spcPts val="0"/>
+              </a:spcBef>
+              <a:spcAft>
+                <a:spcPts val="0"/>
+              </a:spcAft>
+              <a:buNone/>
+            </a:pPr>
+            <a:r>
+              <a:rPr lang="es" sz="1300"/>
+              <a:t>Áreas de Oportunidad del Proyecto</a:t>
+            </a:r>
+            <a:endParaRPr sz="1300"/>
+          </a:p>
+        </p:txBody>
+      </p:sp>
+      <p:cxnSp>
+        <p:nvCxnSpPr>
+          <p:cNvPr id="233" name="Google Shape;233;p21"/>
+          <p:cNvCxnSpPr/>
+          <p:nvPr/>
+        </p:nvCxnSpPr>
+        <p:spPr>
+          <a:xfrm rot="10800000">
+            <a:off x="5809200" y="4697010"/>
+            <a:ext cx="3203100" cy="0"/>
+          </a:xfrm>
+          <a:prstGeom prst="straightConnector1">
+            <a:avLst/>
+          </a:prstGeom>
+          <a:noFill/>
+          <a:ln w="9525" cap="flat" cmpd="sng">
+            <a:solidFill>
+              <a:schemeClr val="lt1"/>
+            </a:solidFill>
+            <a:prstDash val="solid"/>
+            <a:round/>
+            <a:headEnd type="none" w="med" len="med"/>
+            <a:tailEnd type="none" w="med" len="med"/>
+          </a:ln>
+        </p:spPr>
+      </p:cxnSp>
+      <p:cxnSp>
+        <p:nvCxnSpPr>
+          <p:cNvPr id="234" name="Google Shape;234;p21"/>
+          <p:cNvCxnSpPr/>
+          <p:nvPr/>
+        </p:nvCxnSpPr>
+        <p:spPr>
+          <a:xfrm rot="10800000">
+            <a:off x="2947484" y="2548473"/>
+            <a:ext cx="3301500" cy="0"/>
+          </a:xfrm>
+          <a:prstGeom prst="straightConnector1">
+            <a:avLst/>
+          </a:prstGeom>
+          <a:noFill/>
+          <a:ln w="9525" cap="flat" cmpd="sng">
+            <a:solidFill>
+              <a:schemeClr val="lt1"/>
+            </a:solidFill>
+            <a:prstDash val="solid"/>
+            <a:round/>
+            <a:headEnd type="none" w="med" len="med"/>
+            <a:tailEnd type="none" w="med" len="med"/>
+          </a:ln>
+        </p:spPr>
+      </p:cxnSp>
+      <p:cxnSp>
+        <p:nvCxnSpPr>
+          <p:cNvPr id="235" name="Google Shape;235;p21"/>
+          <p:cNvCxnSpPr/>
+          <p:nvPr/>
+        </p:nvCxnSpPr>
+        <p:spPr>
+          <a:xfrm rot="10800000">
+            <a:off x="2006520" y="1832756"/>
+            <a:ext cx="3154200" cy="0"/>
+          </a:xfrm>
+          <a:prstGeom prst="straightConnector1">
+            <a:avLst/>
+          </a:prstGeom>
+          <a:noFill/>
+          <a:ln w="9525" cap="flat" cmpd="sng">
+            <a:solidFill>
+              <a:schemeClr val="lt1"/>
+            </a:solidFill>
+            <a:prstDash val="solid"/>
+            <a:round/>
+            <a:headEnd type="none" w="med" len="med"/>
+            <a:tailEnd type="none" w="med" len="med"/>
+          </a:ln>
+        </p:spPr>
+      </p:cxnSp>
+      <p:cxnSp>
+        <p:nvCxnSpPr>
+          <p:cNvPr id="236" name="Google Shape;236;p21"/>
+          <p:cNvCxnSpPr/>
+          <p:nvPr/>
+        </p:nvCxnSpPr>
+        <p:spPr>
+          <a:xfrm rot="10800000">
+            <a:off x="3894642" y="3255655"/>
+            <a:ext cx="3244200" cy="0"/>
+          </a:xfrm>
+          <a:prstGeom prst="straightConnector1">
+            <a:avLst/>
+          </a:prstGeom>
+          <a:noFill/>
+          <a:ln w="9525" cap="flat" cmpd="sng">
+            <a:solidFill>
+              <a:schemeClr val="lt1"/>
+            </a:solidFill>
+            <a:prstDash val="solid"/>
+            <a:round/>
+            <a:headEnd type="none" w="med" len="med"/>
+            <a:tailEnd type="none" w="med" len="med"/>
+          </a:ln>
+        </p:spPr>
+      </p:cxnSp>
+      <p:cxnSp>
+        <p:nvCxnSpPr>
+          <p:cNvPr id="237" name="Google Shape;237;p21"/>
+          <p:cNvCxnSpPr/>
+          <p:nvPr/>
+        </p:nvCxnSpPr>
+        <p:spPr>
+          <a:xfrm rot="10800000">
+            <a:off x="4809449" y="3987949"/>
+            <a:ext cx="3069900" cy="0"/>
+          </a:xfrm>
+          <a:prstGeom prst="straightConnector1">
+            <a:avLst/>
+          </a:prstGeom>
+          <a:noFill/>
+          <a:ln w="9525" cap="flat" cmpd="sng">
+            <a:solidFill>
+              <a:schemeClr val="lt1"/>
+            </a:solidFill>
+            <a:prstDash val="solid"/>
+            <a:round/>
+            <a:headEnd type="none" w="med" len="med"/>
+            <a:tailEnd type="none" w="med" len="med"/>
+          </a:ln>
+        </p:spPr>
+      </p:cxnSp>
+      <p:sp>
+        <p:nvSpPr>
+          <p:cNvPr id="238" name="Google Shape;238;p21"/>
+          <p:cNvSpPr txBox="1"/>
+          <p:nvPr/>
+        </p:nvSpPr>
+        <p:spPr>
+          <a:xfrm>
+            <a:off x="205200" y="2181100"/>
+            <a:ext cx="6253200" cy="365400"/>
+          </a:xfrm>
+          <a:prstGeom prst="rect">
+            <a:avLst/>
+          </a:prstGeom>
+          <a:noFill/>
+          <a:ln>
+            <a:noFill/>
+          </a:ln>
+        </p:spPr>
+        <p:txBody>
+          <a:bodyPr spcFirstLastPara="1" wrap="square" lIns="91425" tIns="91425" rIns="91425" bIns="91425" anchor="ctr" anchorCtr="0">
+            <a:noAutofit/>
+          </a:bodyPr>
+          <a:lstStyle/>
+          <a:p>
+            <a:pPr marL="0" lvl="0" indent="0" algn="ctr" rtl="0">
+              <a:spcBef>
+                <a:spcPts val="0"/>
+              </a:spcBef>
+              <a:spcAft>
+                <a:spcPts val="0"/>
+              </a:spcAft>
+              <a:buClr>
+                <a:schemeClr val="dk1"/>
+              </a:buClr>
+              <a:buSzPts val="1100"/>
+              <a:buFont typeface="Arial"/>
+              <a:buNone/>
+            </a:pPr>
+            <a:r>
+              <a:rPr lang="es" sz="1100">
+                <a:solidFill>
+                  <a:schemeClr val="lt1"/>
+                </a:solidFill>
+                <a:latin typeface="Lato Light"/>
+                <a:ea typeface="Lato Light"/>
+                <a:cs typeface="Lato Light"/>
+                <a:sym typeface="Lato Light"/>
+              </a:rPr>
+              <a:t>Empresas e industrias podrán consultar datos relevantes para tomar decisiones más adecuadas</a:t>
+            </a:r>
+            <a:endParaRPr sz="1100">
+              <a:solidFill>
+                <a:schemeClr val="accent3"/>
+              </a:solidFill>
+              <a:latin typeface="Lato Light"/>
+              <a:ea typeface="Lato Light"/>
+              <a:cs typeface="Lato Light"/>
+              <a:sym typeface="Lato Light"/>
+            </a:endParaRPr>
+          </a:p>
+          <a:p>
+            <a:pPr marL="0" lvl="0" indent="0" algn="l" rtl="0">
+              <a:spcBef>
+                <a:spcPts val="0"/>
+              </a:spcBef>
+              <a:spcAft>
+                <a:spcPts val="0"/>
+              </a:spcAft>
+              <a:buNone/>
+            </a:pPr>
+            <a:endParaRPr sz="1000">
+              <a:solidFill>
+                <a:schemeClr val="lt1"/>
+              </a:solidFill>
+              <a:latin typeface="Lato Light"/>
+              <a:ea typeface="Lato Light"/>
+              <a:cs typeface="Lato Light"/>
+              <a:sym typeface="Lato Light"/>
+            </a:endParaRPr>
+          </a:p>
+        </p:txBody>
+      </p:sp>
+      <p:sp>
+        <p:nvSpPr>
+          <p:cNvPr id="239" name="Google Shape;239;p21"/>
+          <p:cNvSpPr txBox="1"/>
+          <p:nvPr/>
+        </p:nvSpPr>
+        <p:spPr>
+          <a:xfrm>
+            <a:off x="156299" y="3578825"/>
+            <a:ext cx="7788300" cy="365400"/>
+          </a:xfrm>
+          <a:prstGeom prst="rect">
+            <a:avLst/>
+          </a:prstGeom>
+          <a:noFill/>
+          <a:ln>
+            <a:noFill/>
+          </a:ln>
+        </p:spPr>
+        <p:txBody>
+          <a:bodyPr spcFirstLastPara="1" wrap="square" lIns="91425" tIns="91425" rIns="91425" bIns="91425" anchor="ctr" anchorCtr="0">
+            <a:noAutofit/>
+          </a:bodyPr>
+          <a:lstStyle/>
+          <a:p>
+            <a:pPr marL="0" lvl="0" indent="0" algn="ctr" rtl="0">
+              <a:spcBef>
+                <a:spcPts val="0"/>
+              </a:spcBef>
+              <a:spcAft>
+                <a:spcPts val="0"/>
+              </a:spcAft>
+              <a:buClr>
+                <a:schemeClr val="dk1"/>
+              </a:buClr>
+              <a:buSzPts val="1100"/>
+              <a:buFont typeface="Arial"/>
+              <a:buNone/>
+            </a:pPr>
+            <a:r>
+              <a:rPr lang="es" sz="1100">
+                <a:solidFill>
+                  <a:schemeClr val="lt1"/>
+                </a:solidFill>
+                <a:latin typeface="Lato Light"/>
+                <a:ea typeface="Lato Light"/>
+                <a:cs typeface="Lato Light"/>
+                <a:sym typeface="Lato Light"/>
+              </a:rPr>
+              <a:t>Abre oportunidad a la comunidad científica a que se realicen estudios relevantes para la creación de protocolos, metodologías y nuevos dispositivos que ayuden al objetivo del proyecto/aplicación </a:t>
+            </a:r>
+            <a:endParaRPr sz="1100">
+              <a:solidFill>
+                <a:schemeClr val="accent1"/>
+              </a:solidFill>
+              <a:latin typeface="Lato Light"/>
+              <a:ea typeface="Lato Light"/>
+              <a:cs typeface="Lato Light"/>
+              <a:sym typeface="Lato Light"/>
+            </a:endParaRPr>
+          </a:p>
+          <a:p>
+            <a:pPr marL="0" lvl="0" indent="0" algn="l" rtl="0">
+              <a:spcBef>
+                <a:spcPts val="0"/>
+              </a:spcBef>
+              <a:spcAft>
+                <a:spcPts val="0"/>
+              </a:spcAft>
+              <a:buNone/>
+            </a:pPr>
+            <a:endParaRPr sz="1000">
+              <a:solidFill>
+                <a:schemeClr val="lt1"/>
+              </a:solidFill>
+              <a:latin typeface="Lato Light"/>
+              <a:ea typeface="Lato Light"/>
+              <a:cs typeface="Lato Light"/>
+              <a:sym typeface="Lato Light"/>
+            </a:endParaRPr>
+          </a:p>
+        </p:txBody>
+      </p:sp>
+      <p:sp>
+        <p:nvSpPr>
+          <p:cNvPr id="240" name="Google Shape;240;p21"/>
+          <p:cNvSpPr txBox="1"/>
+          <p:nvPr/>
+        </p:nvSpPr>
+        <p:spPr>
+          <a:xfrm>
+            <a:off x="245303" y="4267400"/>
+            <a:ext cx="8383500" cy="365400"/>
+          </a:xfrm>
+          <a:prstGeom prst="rect">
+            <a:avLst/>
+          </a:prstGeom>
+          <a:noFill/>
+          <a:ln>
+            <a:noFill/>
+          </a:ln>
+        </p:spPr>
+        <p:txBody>
+          <a:bodyPr spcFirstLastPara="1" wrap="square" lIns="91425" tIns="91425" rIns="91425" bIns="91425" anchor="ctr" anchorCtr="0">
+            <a:noAutofit/>
+          </a:bodyPr>
+          <a:lstStyle/>
+          <a:p>
+            <a:pPr marL="0" lvl="0" indent="0" algn="ctr" rtl="0">
+              <a:spcBef>
+                <a:spcPts val="0"/>
+              </a:spcBef>
+              <a:spcAft>
+                <a:spcPts val="0"/>
+              </a:spcAft>
+              <a:buClr>
+                <a:schemeClr val="dk1"/>
+              </a:buClr>
+              <a:buSzPts val="1100"/>
+              <a:buFont typeface="Arial"/>
+              <a:buNone/>
+            </a:pPr>
+            <a:r>
+              <a:rPr lang="es" sz="1100">
+                <a:solidFill>
+                  <a:schemeClr val="lt1"/>
+                </a:solidFill>
+                <a:latin typeface="Lato Light"/>
+                <a:ea typeface="Lato Light"/>
+                <a:cs typeface="Lato Light"/>
+                <a:sym typeface="Lato Light"/>
+              </a:rPr>
+              <a:t>Posibilidad de mejorar la forma y precisión para recabar datos así como un despliegue de información más comprensible y útil (Diferente forma de presentar el análisis según lo requiera un ciudadano promedio, un investigador, empresa o gobierno)</a:t>
+            </a:r>
+            <a:endParaRPr sz="1100">
+              <a:solidFill>
+                <a:schemeClr val="accent1"/>
+              </a:solidFill>
+              <a:latin typeface="Lato Light"/>
+              <a:ea typeface="Lato Light"/>
+              <a:cs typeface="Lato Light"/>
+              <a:sym typeface="Lato Light"/>
+            </a:endParaRPr>
+          </a:p>
+          <a:p>
+            <a:pPr marL="0" lvl="0" indent="0" algn="l" rtl="0">
+              <a:spcBef>
+                <a:spcPts val="0"/>
+              </a:spcBef>
+              <a:spcAft>
+                <a:spcPts val="0"/>
+              </a:spcAft>
+              <a:buNone/>
+            </a:pPr>
+            <a:endParaRPr sz="1000">
+              <a:solidFill>
+                <a:schemeClr val="lt1"/>
+              </a:solidFill>
+              <a:latin typeface="Lato Light"/>
+              <a:ea typeface="Lato Light"/>
+              <a:cs typeface="Lato Light"/>
+              <a:sym typeface="Lato Light"/>
+            </a:endParaRPr>
+          </a:p>
+        </p:txBody>
+      </p:sp>
+      <p:sp>
+        <p:nvSpPr>
+          <p:cNvPr id="241" name="Google Shape;241;p21"/>
+          <p:cNvSpPr txBox="1"/>
+          <p:nvPr/>
+        </p:nvSpPr>
+        <p:spPr>
+          <a:xfrm>
+            <a:off x="245300" y="1475900"/>
+            <a:ext cx="4945800" cy="365400"/>
+          </a:xfrm>
+          <a:prstGeom prst="rect">
+            <a:avLst/>
+          </a:prstGeom>
+          <a:noFill/>
+          <a:ln>
+            <a:noFill/>
+          </a:ln>
+        </p:spPr>
+        <p:txBody>
+          <a:bodyPr spcFirstLastPara="1" wrap="square" lIns="91425" tIns="91425" rIns="91425" bIns="91425" anchor="ctr" anchorCtr="0">
+            <a:noAutofit/>
+          </a:bodyPr>
+          <a:lstStyle/>
+          <a:p>
+            <a:pPr marL="0" lvl="0" indent="0" algn="ctr" rtl="0">
+              <a:spcBef>
+                <a:spcPts val="0"/>
+              </a:spcBef>
+              <a:spcAft>
+                <a:spcPts val="0"/>
+              </a:spcAft>
+              <a:buClr>
+                <a:schemeClr val="dk1"/>
+              </a:buClr>
+              <a:buSzPts val="1100"/>
+              <a:buFont typeface="Arial"/>
+              <a:buNone/>
+            </a:pPr>
+            <a:r>
+              <a:rPr lang="es" sz="1100">
+                <a:solidFill>
+                  <a:schemeClr val="lt1"/>
+                </a:solidFill>
+                <a:latin typeface="Lato Light"/>
+                <a:ea typeface="Lato Light"/>
+                <a:cs typeface="Lato Light"/>
+                <a:sym typeface="Lato Light"/>
+              </a:rPr>
+              <a:t>Registrar información y actividad del usuario para ofrecer alternativas a sus actividades así como también esté al tanto de sus movimientos</a:t>
+            </a:r>
+            <a:endParaRPr sz="1100">
+              <a:solidFill>
+                <a:schemeClr val="accent4"/>
+              </a:solidFill>
+              <a:latin typeface="Lato Light"/>
+              <a:ea typeface="Lato Light"/>
+              <a:cs typeface="Lato Light"/>
+              <a:sym typeface="Lato Light"/>
+            </a:endParaRPr>
+          </a:p>
+          <a:p>
+            <a:pPr marL="0" lvl="0" indent="0" algn="l" rtl="0">
+              <a:spcBef>
+                <a:spcPts val="0"/>
+              </a:spcBef>
+              <a:spcAft>
+                <a:spcPts val="0"/>
+              </a:spcAft>
+              <a:buNone/>
+            </a:pPr>
+            <a:endParaRPr sz="1000">
+              <a:solidFill>
+                <a:schemeClr val="lt1"/>
+              </a:solidFill>
+              <a:latin typeface="Lato Light"/>
+              <a:ea typeface="Lato Light"/>
+              <a:cs typeface="Lato Light"/>
+              <a:sym typeface="Lato Light"/>
+            </a:endParaRPr>
+          </a:p>
+        </p:txBody>
+      </p:sp>
+      <p:sp>
+        <p:nvSpPr>
+          <p:cNvPr id="242" name="Google Shape;242;p21"/>
+          <p:cNvSpPr txBox="1"/>
+          <p:nvPr/>
+        </p:nvSpPr>
+        <p:spPr>
+          <a:xfrm>
+            <a:off x="156300" y="2820550"/>
+            <a:ext cx="7008900" cy="365400"/>
+          </a:xfrm>
+          <a:prstGeom prst="rect">
+            <a:avLst/>
+          </a:prstGeom>
+          <a:noFill/>
+          <a:ln>
+            <a:noFill/>
+          </a:ln>
+        </p:spPr>
+        <p:txBody>
+          <a:bodyPr spcFirstLastPara="1" wrap="square" lIns="91425" tIns="91425" rIns="91425" bIns="91425" anchor="ctr" anchorCtr="0">
+            <a:noAutofit/>
+          </a:bodyPr>
+          <a:lstStyle/>
+          <a:p>
+            <a:pPr marL="0" lvl="0" indent="0" algn="ctr" rtl="0">
+              <a:spcBef>
+                <a:spcPts val="0"/>
+              </a:spcBef>
+              <a:spcAft>
+                <a:spcPts val="0"/>
+              </a:spcAft>
+              <a:buClr>
+                <a:schemeClr val="dk1"/>
+              </a:buClr>
+              <a:buSzPts val="1100"/>
+              <a:buFont typeface="Arial"/>
+              <a:buNone/>
+            </a:pPr>
+            <a:r>
+              <a:rPr lang="es" sz="1100">
+                <a:solidFill>
+                  <a:schemeClr val="lt1"/>
+                </a:solidFill>
+                <a:latin typeface="Lato Light"/>
+                <a:ea typeface="Lato Light"/>
+                <a:cs typeface="Lato Light"/>
+                <a:sym typeface="Lato Light"/>
+              </a:rPr>
+              <a:t>Necesario que gobierno utilice la información recabada para regular actividades de empresas e industrias (mayores contaminadores del medio ambiente)</a:t>
+            </a:r>
+            <a:endParaRPr sz="1100">
+              <a:solidFill>
+                <a:schemeClr val="accent2"/>
+              </a:solidFill>
+              <a:latin typeface="Lato Light"/>
+              <a:ea typeface="Lato Light"/>
+              <a:cs typeface="Lato Light"/>
+              <a:sym typeface="Lato Light"/>
+            </a:endParaRPr>
+          </a:p>
+          <a:p>
+            <a:pPr marL="0" lvl="0" indent="0" algn="l" rtl="0">
+              <a:spcBef>
+                <a:spcPts val="0"/>
+              </a:spcBef>
+              <a:spcAft>
+                <a:spcPts val="0"/>
+              </a:spcAft>
+              <a:buNone/>
+            </a:pPr>
+            <a:endParaRPr sz="1000">
+              <a:solidFill>
+                <a:schemeClr val="lt1"/>
+              </a:solidFill>
+              <a:latin typeface="Lato Light"/>
+              <a:ea typeface="Lato Light"/>
+              <a:cs typeface="Lato Light"/>
+              <a:sym typeface="Lato Light"/>
+            </a:endParaRPr>
+          </a:p>
+        </p:txBody>
+      </p:sp>
+      <p:pic>
+        <p:nvPicPr>
+          <p:cNvPr id="243" name="Google Shape;243;p21"/>
+          <p:cNvPicPr preferRelativeResize="0"/>
+          <p:nvPr/>
+        </p:nvPicPr>
+        <p:blipFill>
+          <a:blip r:embed="rId3">
+            <a:alphaModFix/>
+          </a:blip>
+          <a:stretch>
+            <a:fillRect/>
+          </a:stretch>
+        </p:blipFill>
+        <p:spPr>
+          <a:xfrm>
+            <a:off x="5040400" y="-102797"/>
+            <a:ext cx="4103605" cy="3708500"/>
+          </a:xfrm>
+          <a:prstGeom prst="rect">
+            <a:avLst/>
+          </a:prstGeom>
+          <a:noFill/>
+          <a:ln>
+            <a:noFill/>
+          </a:ln>
+        </p:spPr>
+      </p:pic>
+    </p:spTree>
+  </p:cSld>
+  <p:clrMapOvr>
+    <a:masterClrMapping/>
+  </p:clrMapOvr>
+</p:sld>
+</file>
+
+<file path=ppt/slides/slide8.xml><?xml version="1.0" encoding="utf-8"?>
+<p:sld xmlns:a="http://schemas.openxmlformats.org/drawingml/2006/main" xmlns:r="http://schemas.openxmlformats.org/officeDocument/2006/relationships" xmlns:p="http://schemas.openxmlformats.org/presentationml/2006/main">
+  <p:cSld>
+    <p:spTree>
+      <p:nvGrpSpPr>
+        <p:cNvPr id="1" name="Shape 247"/>
+        <p:cNvGrpSpPr/>
+        <p:nvPr/>
+      </p:nvGrpSpPr>
+      <p:grpSpPr>
+        <a:xfrm>
+          <a:off x="0" y="0"/>
+          <a:ext cx="0" cy="0"/>
+          <a:chOff x="0" y="0"/>
+          <a:chExt cx="0" cy="0"/>
+        </a:xfrm>
+      </p:grpSpPr>
+      <p:sp>
+        <p:nvSpPr>
+          <p:cNvPr id="248" name="Google Shape;248;p22"/>
+          <p:cNvSpPr txBox="1">
+            <a:spLocks noGrp="1"/>
+          </p:cNvSpPr>
+          <p:nvPr>
+            <p:ph type="body" idx="1"/>
+          </p:nvPr>
+        </p:nvSpPr>
+        <p:spPr>
+          <a:xfrm>
+            <a:off x="315925" y="1375050"/>
+            <a:ext cx="6038400" cy="3407400"/>
+          </a:xfrm>
+          <a:prstGeom prst="rect">
+            <a:avLst/>
+          </a:prstGeom>
+        </p:spPr>
+        <p:txBody>
+          <a:bodyPr spcFirstLastPara="1" wrap="square" lIns="91425" tIns="91425" rIns="91425" bIns="91425" anchor="ctr" anchorCtr="0">
+            <a:noAutofit/>
+          </a:bodyPr>
+          <a:lstStyle/>
+          <a:p>
+            <a:pPr marL="241300" lvl="0" indent="-196850" algn="l" rtl="0">
+              <a:spcBef>
+                <a:spcPts val="300"/>
+              </a:spcBef>
+              <a:spcAft>
+                <a:spcPts val="0"/>
+              </a:spcAft>
+              <a:buClr>
+                <a:schemeClr val="lt1"/>
+              </a:buClr>
+              <a:buSzPts val="1100"/>
+              <a:buFont typeface="Roboto Slab Regular"/>
+              <a:buChar char="●"/>
+            </a:pPr>
+            <a:r>
+              <a:rPr lang="es" sz="1100"/>
+              <a:t>Benavides-Ballesteros, H.O., &amp; León-Ariztizabal, G.E. (2007). Información Técnica sobre Gases de Efecto Invernadero y el Cambio Climático. IDEAM. Recuperado de pdf en </a:t>
+            </a:r>
+            <a:r>
+              <a:rPr lang="es" sz="1100" u="sng">
+                <a:solidFill>
+                  <a:schemeClr val="hlink"/>
+                </a:solidFill>
+                <a:hlinkClick r:id="rId3"/>
+              </a:rPr>
+              <a:t>http://www.ideam.gov.co/documents/21021/21138/Gases+de+Efecto+Invernadero+y+el+Cambio+Climatico.pdf</a:t>
+            </a:r>
+            <a:endParaRPr sz="1100"/>
+          </a:p>
+          <a:p>
+            <a:pPr marL="241300" lvl="0" indent="-196850" algn="l" rtl="0">
+              <a:spcBef>
+                <a:spcPts val="300"/>
+              </a:spcBef>
+              <a:spcAft>
+                <a:spcPts val="0"/>
+              </a:spcAft>
+              <a:buClr>
+                <a:schemeClr val="lt1"/>
+              </a:buClr>
+              <a:buSzPts val="1100"/>
+              <a:buFont typeface="Roboto Slab Regular"/>
+              <a:buChar char="●"/>
+            </a:pPr>
+            <a:r>
+              <a:rPr lang="es" sz="1100"/>
+              <a:t>Presentation template by </a:t>
+            </a:r>
+            <a:r>
+              <a:rPr lang="es" sz="1100">
+                <a:highlight>
+                  <a:schemeClr val="accent1"/>
+                </a:highlight>
+                <a:uFill>
+                  <a:noFill/>
+                </a:uFill>
+                <a:hlinkClick r:id="rId4"/>
+              </a:rPr>
+              <a:t>Slidesgo</a:t>
+            </a:r>
+            <a:r>
+              <a:rPr lang="es" sz="1100"/>
+              <a:t>. Icons by </a:t>
+            </a:r>
+            <a:r>
+              <a:rPr lang="es" sz="1100">
+                <a:highlight>
+                  <a:schemeClr val="accent1"/>
+                </a:highlight>
+                <a:uFill>
+                  <a:noFill/>
+                </a:uFill>
+                <a:hlinkClick r:id="rId5"/>
+              </a:rPr>
+              <a:t>Flaticon</a:t>
+            </a:r>
+            <a:r>
+              <a:rPr lang="es" sz="1100"/>
+              <a:t>. Infographics by </a:t>
+            </a:r>
+            <a:r>
+              <a:rPr lang="es" sz="1100">
+                <a:highlight>
+                  <a:schemeClr val="accent1"/>
+                </a:highlight>
+                <a:uFill>
+                  <a:noFill/>
+                </a:uFill>
+                <a:hlinkClick r:id="rId6"/>
+              </a:rPr>
+              <a:t>Freepik</a:t>
+            </a:r>
+            <a:endParaRPr sz="1100"/>
+          </a:p>
+          <a:p>
+            <a:pPr marL="241300" lvl="0" indent="-196850" algn="l" rtl="0">
+              <a:spcBef>
+                <a:spcPts val="0"/>
+              </a:spcBef>
+              <a:spcAft>
+                <a:spcPts val="0"/>
+              </a:spcAft>
+              <a:buClr>
+                <a:schemeClr val="lt1"/>
+              </a:buClr>
+              <a:buSzPts val="1100"/>
+              <a:buFont typeface="Roboto Slab Regular"/>
+              <a:buChar char="●"/>
+            </a:pPr>
+            <a:r>
+              <a:rPr lang="es" sz="1100"/>
+              <a:t>Author introduction slide photo created by Freepik. Text &amp; Image slide photo created by Freepik.com</a:t>
+            </a:r>
+            <a:endParaRPr sz="1100"/>
+          </a:p>
+          <a:p>
+            <a:pPr marL="241300" lvl="0" indent="-196850" algn="l" rtl="0">
+              <a:spcBef>
+                <a:spcPts val="0"/>
+              </a:spcBef>
+              <a:spcAft>
+                <a:spcPts val="0"/>
+              </a:spcAft>
+              <a:buClr>
+                <a:srgbClr val="42FFB7"/>
+              </a:buClr>
+              <a:buSzPts val="1100"/>
+              <a:buFont typeface="Nunito Light"/>
+              <a:buChar char="●"/>
+            </a:pPr>
+            <a:r>
+              <a:rPr lang="es" sz="1100"/>
+              <a:t>¿Cómo el IoT ayuda a resolver los 4 problemas globales más críticos? - Sigfox España. (2019). Retrieved May 7, 2021, from Sigfox.es website: </a:t>
+            </a:r>
+            <a:r>
+              <a:rPr lang="es" sz="1100" u="sng">
+                <a:solidFill>
+                  <a:schemeClr val="hlink"/>
+                </a:solidFill>
+                <a:hlinkClick r:id="rId7"/>
+              </a:rPr>
+              <a:t>https://www.sigfox.es/blogs/post/%C2%BFc%C3%B3mo-iot-ayuda-a-resolver-los-4-problemas-globales-m%C3%A1s-cr%C3%ADticos</a:t>
+            </a:r>
+            <a:r>
+              <a:rPr lang="es" sz="1100"/>
+              <a:t> </a:t>
+            </a:r>
+            <a:endParaRPr sz="1100"/>
+          </a:p>
+          <a:p>
+            <a:pPr marL="241300" lvl="0" indent="-196850" algn="l" rtl="0">
+              <a:spcBef>
+                <a:spcPts val="0"/>
+              </a:spcBef>
+              <a:spcAft>
+                <a:spcPts val="0"/>
+              </a:spcAft>
+              <a:buClr>
+                <a:srgbClr val="42FFB7"/>
+              </a:buClr>
+              <a:buSzPts val="1100"/>
+              <a:buFont typeface="Nunito Light"/>
+              <a:buChar char="●"/>
+            </a:pPr>
+            <a:r>
+              <a:rPr lang="es" sz="1100"/>
+              <a:t> MásMóvil (2020), Conoce los niveles de contaminación desde tu móvil con estas apps, consultado en: https://blog.masmovil.es/niveles-contaminacion-desde-movil-apps/</a:t>
+            </a:r>
+            <a:endParaRPr sz="1100"/>
+          </a:p>
+        </p:txBody>
+      </p:sp>
+      <p:pic>
+        <p:nvPicPr>
+          <p:cNvPr id="249" name="Google Shape;249;p22"/>
+          <p:cNvPicPr preferRelativeResize="0"/>
+          <p:nvPr/>
+        </p:nvPicPr>
+        <p:blipFill>
+          <a:blip r:embed="rId8">
+            <a:alphaModFix/>
+          </a:blip>
+          <a:stretch>
+            <a:fillRect/>
+          </a:stretch>
+        </p:blipFill>
+        <p:spPr>
+          <a:xfrm>
+            <a:off x="5734850" y="580550"/>
+            <a:ext cx="2812749" cy="2541916"/>
+          </a:xfrm>
+          <a:prstGeom prst="rect">
+            <a:avLst/>
+          </a:prstGeom>
+          <a:noFill/>
+          <a:ln>
+            <a:noFill/>
+          </a:ln>
+        </p:spPr>
+      </p:pic>
+      <p:sp>
+        <p:nvSpPr>
+          <p:cNvPr id="250" name="Google Shape;250;p22"/>
+          <p:cNvSpPr txBox="1">
+            <a:spLocks noGrp="1"/>
+          </p:cNvSpPr>
+          <p:nvPr>
+            <p:ph type="ctrTitle"/>
+          </p:nvPr>
+        </p:nvSpPr>
+        <p:spPr>
+          <a:xfrm>
+            <a:off x="315925" y="377975"/>
+            <a:ext cx="1741500" cy="946200"/>
+          </a:xfrm>
+          <a:prstGeom prst="rect">
+            <a:avLst/>
+          </a:prstGeom>
+        </p:spPr>
+        <p:txBody>
+          <a:bodyPr spcFirstLastPara="1" wrap="square" lIns="91425" tIns="91425" rIns="91425" bIns="91425" anchor="ctr" anchorCtr="0">
+            <a:noAutofit/>
+          </a:bodyPr>
+          <a:lstStyle/>
+          <a:p>
+            <a:pPr marL="0" lvl="0" indent="0" algn="l" rtl="0">
+              <a:spcBef>
+                <a:spcPts val="0"/>
+              </a:spcBef>
+              <a:spcAft>
+                <a:spcPts val="0"/>
+              </a:spcAft>
+              <a:buNone/>
+            </a:pPr>
+            <a:r>
+              <a:rPr lang="es"/>
+              <a:t>REFERENCIAS</a:t>
+            </a:r>
+            <a:endParaRPr/>
+          </a:p>
+        </p:txBody>
+      </p:sp>
+    </p:spTree>
+  </p:cSld>
+  <p:clrMapOvr>
+    <a:masterClrMapping/>
+  </p:clrMapOvr>
+</p:sld>
+</file>
+
 <file path=ppt/theme/theme1.xml><?xml version="1.0" encoding="utf-8"?>
 <a:theme xmlns:a="http://schemas.openxmlformats.org/drawingml/2006/main" name="Meeting Template">
   <a:themeElements>
